--- a/Get Your Hands Dirty on Clean Architecture/ref/프레젠테이션1.pptx
+++ b/Get Your Hands Dirty on Clean Architecture/ref/프레젠테이션1.pptx
@@ -5058,7 +5058,7 @@
         </p:nvGrpSpPr>
         <p:grpSpPr>
           <a:xfrm>
-            <a:off x="2820058" y="1697317"/>
+            <a:off x="2621755" y="1994772"/>
             <a:ext cx="1685840" cy="539735"/>
             <a:chOff x="3737640" y="1066800"/>
             <a:chExt cx="1408101" cy="539735"/>
@@ -5177,7 +5177,7 @@
         </p:nvGrpSpPr>
         <p:grpSpPr>
           <a:xfrm>
-            <a:off x="1485183" y="3058529"/>
+            <a:off x="1286880" y="3355984"/>
             <a:ext cx="1685840" cy="539735"/>
             <a:chOff x="3737640" y="1066800"/>
             <a:chExt cx="1408101" cy="539735"/>
@@ -5296,7 +5296,7 @@
         </p:nvGrpSpPr>
         <p:grpSpPr>
           <a:xfrm>
-            <a:off x="4171462" y="3058529"/>
+            <a:off x="3973159" y="3355984"/>
             <a:ext cx="1685840" cy="539735"/>
             <a:chOff x="3737640" y="1066800"/>
             <a:chExt cx="1408101" cy="539735"/>
@@ -5415,7 +5415,7 @@
         </p:nvSpPr>
         <p:spPr>
           <a:xfrm>
-            <a:off x="1117829" y="1415574"/>
+            <a:off x="919526" y="1713029"/>
             <a:ext cx="5090299" cy="1091345"/>
           </a:xfrm>
           <a:prstGeom prst="rect">
@@ -5464,7 +5464,7 @@
         </p:nvSpPr>
         <p:spPr>
           <a:xfrm>
-            <a:off x="1117830" y="2782722"/>
+            <a:off x="919527" y="3080177"/>
             <a:ext cx="5090299" cy="1091345"/>
           </a:xfrm>
           <a:prstGeom prst="rect">
@@ -5513,7 +5513,7 @@
         </p:nvSpPr>
         <p:spPr>
           <a:xfrm rot="16200000">
-            <a:off x="314956" y="1828684"/>
+            <a:off x="116653" y="2126139"/>
             <a:ext cx="1103220" cy="276999"/>
           </a:xfrm>
           <a:prstGeom prst="rect">
@@ -5562,7 +5562,7 @@
         </p:nvSpPr>
         <p:spPr>
           <a:xfrm rot="16200000">
-            <a:off x="314955" y="3195832"/>
+            <a:off x="116652" y="3493287"/>
             <a:ext cx="1103220" cy="276999"/>
           </a:xfrm>
           <a:prstGeom prst="rect">
@@ -5613,7 +5613,7 @@
         </p:nvCxnSpPr>
         <p:spPr>
           <a:xfrm rot="5400000">
-            <a:off x="2567179" y="2413436"/>
+            <a:off x="2368876" y="2710891"/>
             <a:ext cx="821476" cy="456706"/>
           </a:xfrm>
           <a:prstGeom prst="bentConnector3">
@@ -5659,7 +5659,7 @@
         </p:nvCxnSpPr>
         <p:spPr>
           <a:xfrm rot="16200000" flipH="1">
-            <a:off x="3923476" y="2487975"/>
+            <a:off x="3725173" y="2785430"/>
             <a:ext cx="830411" cy="334434"/>
           </a:xfrm>
           <a:prstGeom prst="bentConnector3">
@@ -5707,7 +5707,7 @@
         </p:nvCxnSpPr>
         <p:spPr>
           <a:xfrm flipH="1">
-            <a:off x="3171023" y="3328397"/>
+            <a:off x="2972720" y="3625852"/>
             <a:ext cx="1000439" cy="0"/>
           </a:xfrm>
           <a:prstGeom prst="straightConnector1">
@@ -5749,7 +5749,7 @@
         </p:nvGrpSpPr>
         <p:grpSpPr>
           <a:xfrm>
-            <a:off x="2820058" y="316792"/>
+            <a:off x="2621755" y="614247"/>
             <a:ext cx="1685840" cy="539735"/>
             <a:chOff x="3737640" y="1066800"/>
             <a:chExt cx="1408101" cy="539735"/>
@@ -5868,7 +5868,7 @@
         </p:nvSpPr>
         <p:spPr>
           <a:xfrm>
-            <a:off x="1117829" y="35049"/>
+            <a:off x="919526" y="332504"/>
             <a:ext cx="5090299" cy="1091345"/>
           </a:xfrm>
           <a:prstGeom prst="rect">
@@ -5917,7 +5917,7 @@
         </p:nvSpPr>
         <p:spPr>
           <a:xfrm rot="16200000">
-            <a:off x="314956" y="448159"/>
+            <a:off x="116653" y="745614"/>
             <a:ext cx="1103220" cy="276999"/>
           </a:xfrm>
           <a:prstGeom prst="rect">
@@ -5969,7 +5969,7 @@
         </p:nvCxnSpPr>
         <p:spPr>
           <a:xfrm rot="10800000" flipV="1">
-            <a:off x="1763920" y="583658"/>
+            <a:off x="1565617" y="881113"/>
             <a:ext cx="1056138" cy="2468868"/>
           </a:xfrm>
           <a:prstGeom prst="bentConnector2">
@@ -6014,7 +6014,7 @@
         </p:nvCxnSpPr>
         <p:spPr>
           <a:xfrm>
-            <a:off x="4505898" y="583658"/>
+            <a:off x="4307595" y="881113"/>
             <a:ext cx="1000440" cy="2486740"/>
           </a:xfrm>
           <a:prstGeom prst="bentConnector2">

--- a/Get Your Hands Dirty on Clean Architecture/ref/프레젠테이션1.pptx
+++ b/Get Your Hands Dirty on Clean Architecture/ref/프레젠테이션1.pptx
@@ -6042,6 +6042,1250 @@
           </a:fontRef>
         </p:style>
       </p:cxnSp>
+      <p:grpSp>
+        <p:nvGrpSpPr>
+          <p:cNvPr id="25" name="그룹 24">
+            <a:extLst>
+              <a:ext uri="{FF2B5EF4-FFF2-40B4-BE49-F238E27FC236}">
+                <a16:creationId xmlns:a16="http://schemas.microsoft.com/office/drawing/2014/main" id="{226CFFED-F2C4-254C-BDEA-6BFDB33ACD36}"/>
+              </a:ext>
+            </a:extLst>
+          </p:cNvPr>
+          <p:cNvGrpSpPr/>
+          <p:nvPr/>
+        </p:nvGrpSpPr>
+        <p:grpSpPr>
+          <a:xfrm>
+            <a:off x="7041484" y="1982897"/>
+            <a:ext cx="4372119" cy="539735"/>
+            <a:chOff x="3737640" y="1066800"/>
+            <a:chExt cx="1408101" cy="539735"/>
+          </a:xfrm>
+        </p:grpSpPr>
+        <p:sp>
+          <p:nvSpPr>
+            <p:cNvPr id="26" name="직사각형 25">
+              <a:extLst>
+                <a:ext uri="{FF2B5EF4-FFF2-40B4-BE49-F238E27FC236}">
+                  <a16:creationId xmlns:a16="http://schemas.microsoft.com/office/drawing/2014/main" id="{6E70E4AF-CC7E-EA4C-A52C-A6633828923E}"/>
+                </a:ext>
+              </a:extLst>
+            </p:cNvPr>
+            <p:cNvSpPr/>
+            <p:nvPr/>
+          </p:nvSpPr>
+          <p:spPr>
+            <a:xfrm>
+              <a:off x="3737640" y="1066800"/>
+              <a:ext cx="1408101" cy="539735"/>
+            </a:xfrm>
+            <a:prstGeom prst="rect">
+              <a:avLst/>
+            </a:prstGeom>
+            <a:ln w="25400">
+              <a:solidFill>
+                <a:srgbClr val="5DA2C5"/>
+              </a:solidFill>
+            </a:ln>
+          </p:spPr>
+          <p:style>
+            <a:lnRef idx="1">
+              <a:schemeClr val="accent1"/>
+            </a:lnRef>
+            <a:fillRef idx="0">
+              <a:schemeClr val="accent1"/>
+            </a:fillRef>
+            <a:effectRef idx="0">
+              <a:schemeClr val="accent1"/>
+            </a:effectRef>
+            <a:fontRef idx="minor">
+              <a:schemeClr val="tx1"/>
+            </a:fontRef>
+          </p:style>
+          <p:txBody>
+            <a:bodyPr rtlCol="0" anchor="ctr"/>
+            <a:lstStyle/>
+            <a:p>
+              <a:pPr algn="ctr"/>
+              <a:endParaRPr kumimoji="1" lang="ko-Kore-KR" altLang="en-US"/>
+            </a:p>
+          </p:txBody>
+        </p:sp>
+        <p:sp>
+          <p:nvSpPr>
+            <p:cNvPr id="27" name="TextBox 26">
+              <a:extLst>
+                <a:ext uri="{FF2B5EF4-FFF2-40B4-BE49-F238E27FC236}">
+                  <a16:creationId xmlns:a16="http://schemas.microsoft.com/office/drawing/2014/main" id="{DBA29B12-75D8-1A44-8640-8671BE902D45}"/>
+                </a:ext>
+              </a:extLst>
+            </p:cNvPr>
+            <p:cNvSpPr txBox="1"/>
+            <p:nvPr/>
+          </p:nvSpPr>
+          <p:spPr>
+            <a:xfrm>
+              <a:off x="3737640" y="1164389"/>
+              <a:ext cx="1408101" cy="338554"/>
+            </a:xfrm>
+            <a:prstGeom prst="rect">
+              <a:avLst/>
+            </a:prstGeom>
+            <a:noFill/>
+          </p:spPr>
+          <p:txBody>
+            <a:bodyPr wrap="square" rtlCol="0">
+              <a:spAutoFit/>
+            </a:bodyPr>
+            <a:lstStyle/>
+            <a:p>
+              <a:pPr algn="ctr"/>
+              <a:r>
+                <a:rPr kumimoji="1" lang="en-US" altLang="ko-Kore-KR" sz="1600" b="1" dirty="0">
+                  <a:solidFill>
+                    <a:srgbClr val="5DA2C5"/>
+                  </a:solidFill>
+                  <a:latin typeface="SHeadG" panose="02030600000101010101" pitchFamily="18" charset="-127"/>
+                  <a:ea typeface="SHeadG" panose="02030600000101010101" pitchFamily="18" charset="-127"/>
+                </a:rPr>
+                <a:t>Service</a:t>
+              </a:r>
+              <a:endParaRPr kumimoji="1" lang="ko-Kore-KR" altLang="en-US" sz="1200" b="1" dirty="0">
+                <a:solidFill>
+                  <a:srgbClr val="5DA2C5"/>
+                </a:solidFill>
+                <a:latin typeface="SHeadG" panose="02030600000101010101" pitchFamily="18" charset="-127"/>
+                <a:ea typeface="SHeadG" panose="02030600000101010101" pitchFamily="18" charset="-127"/>
+              </a:endParaRPr>
+            </a:p>
+          </p:txBody>
+        </p:sp>
+      </p:grpSp>
+      <p:grpSp>
+        <p:nvGrpSpPr>
+          <p:cNvPr id="28" name="그룹 27">
+            <a:extLst>
+              <a:ext uri="{FF2B5EF4-FFF2-40B4-BE49-F238E27FC236}">
+                <a16:creationId xmlns:a16="http://schemas.microsoft.com/office/drawing/2014/main" id="{AAF7465C-93D4-D848-B0E9-632A97EE7787}"/>
+              </a:ext>
+            </a:extLst>
+          </p:cNvPr>
+          <p:cNvGrpSpPr/>
+          <p:nvPr/>
+        </p:nvGrpSpPr>
+        <p:grpSpPr>
+          <a:xfrm>
+            <a:off x="7041484" y="3344109"/>
+            <a:ext cx="1334876" cy="539735"/>
+            <a:chOff x="3737640" y="1066800"/>
+            <a:chExt cx="1408101" cy="539735"/>
+          </a:xfrm>
+        </p:grpSpPr>
+        <p:sp>
+          <p:nvSpPr>
+            <p:cNvPr id="29" name="직사각형 28">
+              <a:extLst>
+                <a:ext uri="{FF2B5EF4-FFF2-40B4-BE49-F238E27FC236}">
+                  <a16:creationId xmlns:a16="http://schemas.microsoft.com/office/drawing/2014/main" id="{A87BF0DC-9EB1-E64E-8BF8-46478BBFB422}"/>
+                </a:ext>
+              </a:extLst>
+            </p:cNvPr>
+            <p:cNvSpPr/>
+            <p:nvPr/>
+          </p:nvSpPr>
+          <p:spPr>
+            <a:xfrm>
+              <a:off x="3737640" y="1066800"/>
+              <a:ext cx="1408101" cy="539735"/>
+            </a:xfrm>
+            <a:prstGeom prst="rect">
+              <a:avLst/>
+            </a:prstGeom>
+            <a:ln w="25400">
+              <a:solidFill>
+                <a:srgbClr val="5DA2C5"/>
+              </a:solidFill>
+            </a:ln>
+          </p:spPr>
+          <p:style>
+            <a:lnRef idx="1">
+              <a:schemeClr val="accent1"/>
+            </a:lnRef>
+            <a:fillRef idx="0">
+              <a:schemeClr val="accent1"/>
+            </a:fillRef>
+            <a:effectRef idx="0">
+              <a:schemeClr val="accent1"/>
+            </a:effectRef>
+            <a:fontRef idx="minor">
+              <a:schemeClr val="tx1"/>
+            </a:fontRef>
+          </p:style>
+          <p:txBody>
+            <a:bodyPr rtlCol="0" anchor="ctr"/>
+            <a:lstStyle/>
+            <a:p>
+              <a:pPr algn="ctr"/>
+              <a:endParaRPr kumimoji="1" lang="ko-Kore-KR" altLang="en-US"/>
+            </a:p>
+          </p:txBody>
+        </p:sp>
+        <p:sp>
+          <p:nvSpPr>
+            <p:cNvPr id="30" name="TextBox 29">
+              <a:extLst>
+                <a:ext uri="{FF2B5EF4-FFF2-40B4-BE49-F238E27FC236}">
+                  <a16:creationId xmlns:a16="http://schemas.microsoft.com/office/drawing/2014/main" id="{A7B2451C-7305-6A43-A66F-44949434154A}"/>
+                </a:ext>
+              </a:extLst>
+            </p:cNvPr>
+            <p:cNvSpPr txBox="1"/>
+            <p:nvPr/>
+          </p:nvSpPr>
+          <p:spPr>
+            <a:xfrm>
+              <a:off x="3737640" y="1164389"/>
+              <a:ext cx="1408101" cy="338554"/>
+            </a:xfrm>
+            <a:prstGeom prst="rect">
+              <a:avLst/>
+            </a:prstGeom>
+            <a:noFill/>
+          </p:spPr>
+          <p:txBody>
+            <a:bodyPr wrap="square" rtlCol="0">
+              <a:spAutoFit/>
+            </a:bodyPr>
+            <a:lstStyle/>
+            <a:p>
+              <a:pPr algn="ctr"/>
+              <a:r>
+                <a:rPr kumimoji="1" lang="en-US" altLang="ko-Kore-KR" sz="1600" b="1" dirty="0">
+                  <a:solidFill>
+                    <a:srgbClr val="5DA2C5"/>
+                  </a:solidFill>
+                  <a:latin typeface="SHeadG" panose="02030600000101010101" pitchFamily="18" charset="-127"/>
+                  <a:ea typeface="SHeadG" panose="02030600000101010101" pitchFamily="18" charset="-127"/>
+                </a:rPr>
+                <a:t>Repository</a:t>
+              </a:r>
+              <a:endParaRPr kumimoji="1" lang="ko-Kore-KR" altLang="en-US" sz="1200" b="1" dirty="0">
+                <a:solidFill>
+                  <a:srgbClr val="5DA2C5"/>
+                </a:solidFill>
+                <a:latin typeface="SHeadG" panose="02030600000101010101" pitchFamily="18" charset="-127"/>
+                <a:ea typeface="SHeadG" panose="02030600000101010101" pitchFamily="18" charset="-127"/>
+              </a:endParaRPr>
+            </a:p>
+          </p:txBody>
+        </p:sp>
+      </p:grpSp>
+      <p:grpSp>
+        <p:nvGrpSpPr>
+          <p:cNvPr id="31" name="그룹 30">
+            <a:extLst>
+              <a:ext uri="{FF2B5EF4-FFF2-40B4-BE49-F238E27FC236}">
+                <a16:creationId xmlns:a16="http://schemas.microsoft.com/office/drawing/2014/main" id="{503D12C5-14D9-594C-A37F-63EC9F017239}"/>
+              </a:ext>
+            </a:extLst>
+          </p:cNvPr>
+          <p:cNvGrpSpPr/>
+          <p:nvPr/>
+        </p:nvGrpSpPr>
+        <p:grpSpPr>
+          <a:xfrm>
+            <a:off x="10078725" y="3344109"/>
+            <a:ext cx="1334877" cy="539735"/>
+            <a:chOff x="3737640" y="1066800"/>
+            <a:chExt cx="1408101" cy="539735"/>
+          </a:xfrm>
+        </p:grpSpPr>
+        <p:sp>
+          <p:nvSpPr>
+            <p:cNvPr id="32" name="직사각형 31">
+              <a:extLst>
+                <a:ext uri="{FF2B5EF4-FFF2-40B4-BE49-F238E27FC236}">
+                  <a16:creationId xmlns:a16="http://schemas.microsoft.com/office/drawing/2014/main" id="{FF998E84-1477-9F46-8EA2-A858D3F27291}"/>
+                </a:ext>
+              </a:extLst>
+            </p:cNvPr>
+            <p:cNvSpPr/>
+            <p:nvPr/>
+          </p:nvSpPr>
+          <p:spPr>
+            <a:xfrm>
+              <a:off x="3737640" y="1066800"/>
+              <a:ext cx="1408101" cy="539735"/>
+            </a:xfrm>
+            <a:prstGeom prst="rect">
+              <a:avLst/>
+            </a:prstGeom>
+            <a:ln w="25400">
+              <a:solidFill>
+                <a:srgbClr val="5DA2C5"/>
+              </a:solidFill>
+            </a:ln>
+          </p:spPr>
+          <p:style>
+            <a:lnRef idx="1">
+              <a:schemeClr val="accent1"/>
+            </a:lnRef>
+            <a:fillRef idx="0">
+              <a:schemeClr val="accent1"/>
+            </a:fillRef>
+            <a:effectRef idx="0">
+              <a:schemeClr val="accent1"/>
+            </a:effectRef>
+            <a:fontRef idx="minor">
+              <a:schemeClr val="tx1"/>
+            </a:fontRef>
+          </p:style>
+          <p:txBody>
+            <a:bodyPr rtlCol="0" anchor="ctr"/>
+            <a:lstStyle/>
+            <a:p>
+              <a:pPr algn="ctr"/>
+              <a:endParaRPr kumimoji="1" lang="ko-Kore-KR" altLang="en-US"/>
+            </a:p>
+          </p:txBody>
+        </p:sp>
+        <p:sp>
+          <p:nvSpPr>
+            <p:cNvPr id="33" name="TextBox 32">
+              <a:extLst>
+                <a:ext uri="{FF2B5EF4-FFF2-40B4-BE49-F238E27FC236}">
+                  <a16:creationId xmlns:a16="http://schemas.microsoft.com/office/drawing/2014/main" id="{4469E0AE-0A48-EA40-BE4F-E332270C65EB}"/>
+                </a:ext>
+              </a:extLst>
+            </p:cNvPr>
+            <p:cNvSpPr txBox="1"/>
+            <p:nvPr/>
+          </p:nvSpPr>
+          <p:spPr>
+            <a:xfrm>
+              <a:off x="3737640" y="1173325"/>
+              <a:ext cx="1408101" cy="338554"/>
+            </a:xfrm>
+            <a:prstGeom prst="rect">
+              <a:avLst/>
+            </a:prstGeom>
+            <a:noFill/>
+          </p:spPr>
+          <p:txBody>
+            <a:bodyPr wrap="square" rtlCol="0">
+              <a:spAutoFit/>
+            </a:bodyPr>
+            <a:lstStyle/>
+            <a:p>
+              <a:pPr algn="ctr"/>
+              <a:r>
+                <a:rPr kumimoji="1" lang="en-US" altLang="ko-Kore-KR" sz="1600" b="1" dirty="0">
+                  <a:solidFill>
+                    <a:srgbClr val="5DA2C5"/>
+                  </a:solidFill>
+                  <a:latin typeface="SHeadG" panose="02030600000101010101" pitchFamily="18" charset="-127"/>
+                  <a:ea typeface="SHeadG" panose="02030600000101010101" pitchFamily="18" charset="-127"/>
+                </a:rPr>
+                <a:t>Repository</a:t>
+              </a:r>
+              <a:endParaRPr kumimoji="1" lang="ko-Kore-KR" altLang="en-US" sz="1200" b="1" dirty="0">
+                <a:solidFill>
+                  <a:srgbClr val="5DA2C5"/>
+                </a:solidFill>
+                <a:latin typeface="SHeadG" panose="02030600000101010101" pitchFamily="18" charset="-127"/>
+                <a:ea typeface="SHeadG" panose="02030600000101010101" pitchFamily="18" charset="-127"/>
+              </a:endParaRPr>
+            </a:p>
+          </p:txBody>
+        </p:sp>
+      </p:grpSp>
+      <p:sp>
+        <p:nvSpPr>
+          <p:cNvPr id="34" name="직사각형 33">
+            <a:extLst>
+              <a:ext uri="{FF2B5EF4-FFF2-40B4-BE49-F238E27FC236}">
+                <a16:creationId xmlns:a16="http://schemas.microsoft.com/office/drawing/2014/main" id="{3342638F-C17E-E34A-BE90-16A66044F17B}"/>
+              </a:ext>
+            </a:extLst>
+          </p:cNvPr>
+          <p:cNvSpPr/>
+          <p:nvPr/>
+        </p:nvSpPr>
+        <p:spPr>
+          <a:xfrm>
+            <a:off x="6674130" y="1701154"/>
+            <a:ext cx="5090299" cy="1091345"/>
+          </a:xfrm>
+          <a:prstGeom prst="rect">
+            <a:avLst/>
+          </a:prstGeom>
+          <a:ln w="25400">
+            <a:solidFill>
+              <a:srgbClr val="5DA2C5"/>
+            </a:solidFill>
+          </a:ln>
+        </p:spPr>
+        <p:style>
+          <a:lnRef idx="1">
+            <a:schemeClr val="accent1"/>
+          </a:lnRef>
+          <a:fillRef idx="0">
+            <a:schemeClr val="accent1"/>
+          </a:fillRef>
+          <a:effectRef idx="0">
+            <a:schemeClr val="accent1"/>
+          </a:effectRef>
+          <a:fontRef idx="minor">
+            <a:schemeClr val="tx1"/>
+          </a:fontRef>
+        </p:style>
+        <p:txBody>
+          <a:bodyPr rtlCol="0" anchor="ctr"/>
+          <a:lstStyle/>
+          <a:p>
+            <a:pPr algn="ctr"/>
+            <a:endParaRPr kumimoji="1" lang="ko-Kore-KR" altLang="en-US"/>
+          </a:p>
+        </p:txBody>
+      </p:sp>
+      <p:sp>
+        <p:nvSpPr>
+          <p:cNvPr id="35" name="직사각형 34">
+            <a:extLst>
+              <a:ext uri="{FF2B5EF4-FFF2-40B4-BE49-F238E27FC236}">
+                <a16:creationId xmlns:a16="http://schemas.microsoft.com/office/drawing/2014/main" id="{61306F70-50E9-204D-81EC-7EFC1408814A}"/>
+              </a:ext>
+            </a:extLst>
+          </p:cNvPr>
+          <p:cNvSpPr/>
+          <p:nvPr/>
+        </p:nvSpPr>
+        <p:spPr>
+          <a:xfrm>
+            <a:off x="6674131" y="3068302"/>
+            <a:ext cx="5090299" cy="1091345"/>
+          </a:xfrm>
+          <a:prstGeom prst="rect">
+            <a:avLst/>
+          </a:prstGeom>
+          <a:ln w="25400">
+            <a:solidFill>
+              <a:srgbClr val="5DA2C5"/>
+            </a:solidFill>
+          </a:ln>
+        </p:spPr>
+        <p:style>
+          <a:lnRef idx="1">
+            <a:schemeClr val="accent1"/>
+          </a:lnRef>
+          <a:fillRef idx="0">
+            <a:schemeClr val="accent1"/>
+          </a:fillRef>
+          <a:effectRef idx="0">
+            <a:schemeClr val="accent1"/>
+          </a:effectRef>
+          <a:fontRef idx="minor">
+            <a:schemeClr val="tx1"/>
+          </a:fontRef>
+        </p:style>
+        <p:txBody>
+          <a:bodyPr rtlCol="0" anchor="ctr"/>
+          <a:lstStyle/>
+          <a:p>
+            <a:pPr algn="ctr"/>
+            <a:endParaRPr kumimoji="1" lang="ko-Kore-KR" altLang="en-US"/>
+          </a:p>
+        </p:txBody>
+      </p:sp>
+      <p:sp>
+        <p:nvSpPr>
+          <p:cNvPr id="36" name="TextBox 35">
+            <a:extLst>
+              <a:ext uri="{FF2B5EF4-FFF2-40B4-BE49-F238E27FC236}">
+                <a16:creationId xmlns:a16="http://schemas.microsoft.com/office/drawing/2014/main" id="{F8FA91D6-C336-5347-872E-37E17665C0BA}"/>
+              </a:ext>
+            </a:extLst>
+          </p:cNvPr>
+          <p:cNvSpPr txBox="1"/>
+          <p:nvPr/>
+        </p:nvSpPr>
+        <p:spPr>
+          <a:xfrm rot="16200000">
+            <a:off x="5871257" y="2114264"/>
+            <a:ext cx="1103220" cy="276999"/>
+          </a:xfrm>
+          <a:prstGeom prst="rect">
+            <a:avLst/>
+          </a:prstGeom>
+          <a:noFill/>
+        </p:spPr>
+        <p:txBody>
+          <a:bodyPr wrap="square" rtlCol="0">
+            <a:spAutoFit/>
+          </a:bodyPr>
+          <a:lstStyle/>
+          <a:p>
+            <a:pPr algn="ctr"/>
+            <a:r>
+              <a:rPr kumimoji="1" lang="en-US" altLang="ko-Kore-KR" sz="1200" b="1" dirty="0">
+                <a:solidFill>
+                  <a:srgbClr val="5DA2C5"/>
+                </a:solidFill>
+                <a:latin typeface="SHeadG" panose="02030600000101010101" pitchFamily="18" charset="-127"/>
+                <a:ea typeface="SHeadG" panose="02030600000101010101" pitchFamily="18" charset="-127"/>
+              </a:rPr>
+              <a:t>Domain</a:t>
+            </a:r>
+            <a:endParaRPr kumimoji="1" lang="ko-Kore-KR" altLang="en-US" sz="1200" b="1" dirty="0">
+              <a:solidFill>
+                <a:srgbClr val="5DA2C5"/>
+              </a:solidFill>
+              <a:latin typeface="SHeadG" panose="02030600000101010101" pitchFamily="18" charset="-127"/>
+              <a:ea typeface="SHeadG" panose="02030600000101010101" pitchFamily="18" charset="-127"/>
+            </a:endParaRPr>
+          </a:p>
+        </p:txBody>
+      </p:sp>
+      <p:sp>
+        <p:nvSpPr>
+          <p:cNvPr id="37" name="TextBox 36">
+            <a:extLst>
+              <a:ext uri="{FF2B5EF4-FFF2-40B4-BE49-F238E27FC236}">
+                <a16:creationId xmlns:a16="http://schemas.microsoft.com/office/drawing/2014/main" id="{441E090F-2F21-2547-ACD5-7AE974943AF3}"/>
+              </a:ext>
+            </a:extLst>
+          </p:cNvPr>
+          <p:cNvSpPr txBox="1"/>
+          <p:nvPr/>
+        </p:nvSpPr>
+        <p:spPr>
+          <a:xfrm rot="16200000">
+            <a:off x="5871256" y="3481412"/>
+            <a:ext cx="1103220" cy="276999"/>
+          </a:xfrm>
+          <a:prstGeom prst="rect">
+            <a:avLst/>
+          </a:prstGeom>
+          <a:noFill/>
+        </p:spPr>
+        <p:txBody>
+          <a:bodyPr wrap="square" rtlCol="0">
+            <a:spAutoFit/>
+          </a:bodyPr>
+          <a:lstStyle/>
+          <a:p>
+            <a:pPr algn="ctr"/>
+            <a:r>
+              <a:rPr kumimoji="1" lang="en-US" altLang="ko-Kore-KR" sz="1200" b="1" dirty="0">
+                <a:solidFill>
+                  <a:srgbClr val="5DA2C5"/>
+                </a:solidFill>
+                <a:latin typeface="SHeadG" panose="02030600000101010101" pitchFamily="18" charset="-127"/>
+                <a:ea typeface="SHeadG" panose="02030600000101010101" pitchFamily="18" charset="-127"/>
+              </a:rPr>
+              <a:t>Persistence</a:t>
+            </a:r>
+            <a:endParaRPr kumimoji="1" lang="ko-Kore-KR" altLang="en-US" sz="1200" b="1" dirty="0">
+              <a:solidFill>
+                <a:srgbClr val="5DA2C5"/>
+              </a:solidFill>
+              <a:latin typeface="SHeadG" panose="02030600000101010101" pitchFamily="18" charset="-127"/>
+              <a:ea typeface="SHeadG" panose="02030600000101010101" pitchFamily="18" charset="-127"/>
+            </a:endParaRPr>
+          </a:p>
+        </p:txBody>
+      </p:sp>
+      <p:cxnSp>
+        <p:nvCxnSpPr>
+          <p:cNvPr id="38" name="꺾인 연결선[E] 37">
+            <a:extLst>
+              <a:ext uri="{FF2B5EF4-FFF2-40B4-BE49-F238E27FC236}">
+                <a16:creationId xmlns:a16="http://schemas.microsoft.com/office/drawing/2014/main" id="{89DA8620-CE2F-C049-99CA-E5CE59D285A2}"/>
+              </a:ext>
+            </a:extLst>
+          </p:cNvPr>
+          <p:cNvCxnSpPr>
+            <a:cxnSpLocks/>
+            <a:endCxn id="29" idx="0"/>
+          </p:cNvCxnSpPr>
+          <p:nvPr/>
+        </p:nvCxnSpPr>
+        <p:spPr>
+          <a:xfrm rot="5400000">
+            <a:off x="7528589" y="2714841"/>
+            <a:ext cx="809601" cy="448934"/>
+          </a:xfrm>
+          <a:prstGeom prst="bentConnector3">
+            <a:avLst>
+              <a:gd name="adj1" fmla="val 50000"/>
+            </a:avLst>
+          </a:prstGeom>
+          <a:ln w="19050">
+            <a:solidFill>
+              <a:srgbClr val="5DA2C5"/>
+            </a:solidFill>
+            <a:tailEnd type="stealth" w="lg" len="lg"/>
+          </a:ln>
+        </p:spPr>
+        <p:style>
+          <a:lnRef idx="1">
+            <a:schemeClr val="accent1"/>
+          </a:lnRef>
+          <a:fillRef idx="0">
+            <a:schemeClr val="accent1"/>
+          </a:fillRef>
+          <a:effectRef idx="0">
+            <a:schemeClr val="accent1"/>
+          </a:effectRef>
+          <a:fontRef idx="minor">
+            <a:schemeClr val="tx1"/>
+          </a:fontRef>
+        </p:style>
+      </p:cxnSp>
+      <p:cxnSp>
+        <p:nvCxnSpPr>
+          <p:cNvPr id="39" name="꺾인 연결선[E] 38">
+            <a:extLst>
+              <a:ext uri="{FF2B5EF4-FFF2-40B4-BE49-F238E27FC236}">
+                <a16:creationId xmlns:a16="http://schemas.microsoft.com/office/drawing/2014/main" id="{4C0362AF-9CA8-344F-9300-F8594837E688}"/>
+              </a:ext>
+            </a:extLst>
+          </p:cNvPr>
+          <p:cNvCxnSpPr>
+            <a:cxnSpLocks/>
+            <a:endCxn id="32" idx="0"/>
+          </p:cNvCxnSpPr>
+          <p:nvPr/>
+        </p:nvCxnSpPr>
+        <p:spPr>
+          <a:xfrm rot="16200000" flipH="1">
+            <a:off x="10154828" y="2752772"/>
+            <a:ext cx="735765" cy="446907"/>
+          </a:xfrm>
+          <a:prstGeom prst="bentConnector3">
+            <a:avLst>
+              <a:gd name="adj1" fmla="val 50000"/>
+            </a:avLst>
+          </a:prstGeom>
+          <a:ln w="19050">
+            <a:solidFill>
+              <a:srgbClr val="5DA2C5"/>
+            </a:solidFill>
+            <a:tailEnd type="stealth" w="lg" len="lg"/>
+          </a:ln>
+        </p:spPr>
+        <p:style>
+          <a:lnRef idx="1">
+            <a:schemeClr val="accent1"/>
+          </a:lnRef>
+          <a:fillRef idx="0">
+            <a:schemeClr val="accent1"/>
+          </a:fillRef>
+          <a:effectRef idx="0">
+            <a:schemeClr val="accent1"/>
+          </a:effectRef>
+          <a:fontRef idx="minor">
+            <a:schemeClr val="tx1"/>
+          </a:fontRef>
+        </p:style>
+      </p:cxnSp>
+      <p:grpSp>
+        <p:nvGrpSpPr>
+          <p:cNvPr id="41" name="그룹 40">
+            <a:extLst>
+              <a:ext uri="{FF2B5EF4-FFF2-40B4-BE49-F238E27FC236}">
+                <a16:creationId xmlns:a16="http://schemas.microsoft.com/office/drawing/2014/main" id="{BBDF6CB5-03BA-AE40-B524-9476C9278F2A}"/>
+              </a:ext>
+            </a:extLst>
+          </p:cNvPr>
+          <p:cNvGrpSpPr/>
+          <p:nvPr/>
+        </p:nvGrpSpPr>
+        <p:grpSpPr>
+          <a:xfrm>
+            <a:off x="7041484" y="657499"/>
+            <a:ext cx="1685840" cy="539735"/>
+            <a:chOff x="3737640" y="1066800"/>
+            <a:chExt cx="1408101" cy="539735"/>
+          </a:xfrm>
+        </p:grpSpPr>
+        <p:sp>
+          <p:nvSpPr>
+            <p:cNvPr id="42" name="직사각형 41">
+              <a:extLst>
+                <a:ext uri="{FF2B5EF4-FFF2-40B4-BE49-F238E27FC236}">
+                  <a16:creationId xmlns:a16="http://schemas.microsoft.com/office/drawing/2014/main" id="{B8606603-FC8C-5545-BC6E-9597030A7F5B}"/>
+                </a:ext>
+              </a:extLst>
+            </p:cNvPr>
+            <p:cNvSpPr/>
+            <p:nvPr/>
+          </p:nvSpPr>
+          <p:spPr>
+            <a:xfrm>
+              <a:off x="3737640" y="1066800"/>
+              <a:ext cx="1408101" cy="539735"/>
+            </a:xfrm>
+            <a:prstGeom prst="rect">
+              <a:avLst/>
+            </a:prstGeom>
+            <a:ln w="25400">
+              <a:solidFill>
+                <a:srgbClr val="5DA2C5"/>
+              </a:solidFill>
+            </a:ln>
+          </p:spPr>
+          <p:style>
+            <a:lnRef idx="1">
+              <a:schemeClr val="accent1"/>
+            </a:lnRef>
+            <a:fillRef idx="0">
+              <a:schemeClr val="accent1"/>
+            </a:fillRef>
+            <a:effectRef idx="0">
+              <a:schemeClr val="accent1"/>
+            </a:effectRef>
+            <a:fontRef idx="minor">
+              <a:schemeClr val="tx1"/>
+            </a:fontRef>
+          </p:style>
+          <p:txBody>
+            <a:bodyPr rtlCol="0" anchor="ctr"/>
+            <a:lstStyle/>
+            <a:p>
+              <a:pPr algn="ctr"/>
+              <a:endParaRPr kumimoji="1" lang="ko-Kore-KR" altLang="en-US"/>
+            </a:p>
+          </p:txBody>
+        </p:sp>
+        <p:sp>
+          <p:nvSpPr>
+            <p:cNvPr id="43" name="TextBox 42">
+              <a:extLst>
+                <a:ext uri="{FF2B5EF4-FFF2-40B4-BE49-F238E27FC236}">
+                  <a16:creationId xmlns:a16="http://schemas.microsoft.com/office/drawing/2014/main" id="{1240DA8D-9A5E-3843-8F37-AEB4C26E4659}"/>
+                </a:ext>
+              </a:extLst>
+            </p:cNvPr>
+            <p:cNvSpPr txBox="1"/>
+            <p:nvPr/>
+          </p:nvSpPr>
+          <p:spPr>
+            <a:xfrm>
+              <a:off x="3737640" y="1164389"/>
+              <a:ext cx="1408101" cy="338554"/>
+            </a:xfrm>
+            <a:prstGeom prst="rect">
+              <a:avLst/>
+            </a:prstGeom>
+            <a:noFill/>
+          </p:spPr>
+          <p:txBody>
+            <a:bodyPr wrap="square" rtlCol="0">
+              <a:spAutoFit/>
+            </a:bodyPr>
+            <a:lstStyle/>
+            <a:p>
+              <a:pPr algn="ctr"/>
+              <a:r>
+                <a:rPr kumimoji="1" lang="en-US" altLang="ko-Kore-KR" sz="1600" b="1" dirty="0">
+                  <a:solidFill>
+                    <a:srgbClr val="5DA2C5"/>
+                  </a:solidFill>
+                  <a:latin typeface="SHeadG" panose="02030600000101010101" pitchFamily="18" charset="-127"/>
+                  <a:ea typeface="SHeadG" panose="02030600000101010101" pitchFamily="18" charset="-127"/>
+                </a:rPr>
+                <a:t>Controller</a:t>
+              </a:r>
+              <a:endParaRPr kumimoji="1" lang="ko-Kore-KR" altLang="en-US" sz="1200" b="1" dirty="0">
+                <a:solidFill>
+                  <a:srgbClr val="5DA2C5"/>
+                </a:solidFill>
+                <a:latin typeface="SHeadG" panose="02030600000101010101" pitchFamily="18" charset="-127"/>
+                <a:ea typeface="SHeadG" panose="02030600000101010101" pitchFamily="18" charset="-127"/>
+              </a:endParaRPr>
+            </a:p>
+          </p:txBody>
+        </p:sp>
+      </p:grpSp>
+      <p:sp>
+        <p:nvSpPr>
+          <p:cNvPr id="44" name="직사각형 43">
+            <a:extLst>
+              <a:ext uri="{FF2B5EF4-FFF2-40B4-BE49-F238E27FC236}">
+                <a16:creationId xmlns:a16="http://schemas.microsoft.com/office/drawing/2014/main" id="{0226833B-9C16-1145-9E70-0ACBA0E9B877}"/>
+              </a:ext>
+            </a:extLst>
+          </p:cNvPr>
+          <p:cNvSpPr/>
+          <p:nvPr/>
+        </p:nvSpPr>
+        <p:spPr>
+          <a:xfrm>
+            <a:off x="6674130" y="320629"/>
+            <a:ext cx="5090299" cy="1091345"/>
+          </a:xfrm>
+          <a:prstGeom prst="rect">
+            <a:avLst/>
+          </a:prstGeom>
+          <a:ln w="25400">
+            <a:solidFill>
+              <a:srgbClr val="5DA2C5"/>
+            </a:solidFill>
+          </a:ln>
+        </p:spPr>
+        <p:style>
+          <a:lnRef idx="1">
+            <a:schemeClr val="accent1"/>
+          </a:lnRef>
+          <a:fillRef idx="0">
+            <a:schemeClr val="accent1"/>
+          </a:fillRef>
+          <a:effectRef idx="0">
+            <a:schemeClr val="accent1"/>
+          </a:effectRef>
+          <a:fontRef idx="minor">
+            <a:schemeClr val="tx1"/>
+          </a:fontRef>
+        </p:style>
+        <p:txBody>
+          <a:bodyPr rtlCol="0" anchor="ctr"/>
+          <a:lstStyle/>
+          <a:p>
+            <a:pPr algn="ctr"/>
+            <a:endParaRPr kumimoji="1" lang="ko-Kore-KR" altLang="en-US"/>
+          </a:p>
+        </p:txBody>
+      </p:sp>
+      <p:sp>
+        <p:nvSpPr>
+          <p:cNvPr id="45" name="TextBox 44">
+            <a:extLst>
+              <a:ext uri="{FF2B5EF4-FFF2-40B4-BE49-F238E27FC236}">
+                <a16:creationId xmlns:a16="http://schemas.microsoft.com/office/drawing/2014/main" id="{596EF0C0-A76B-C24D-B9D8-42B1417E4917}"/>
+              </a:ext>
+            </a:extLst>
+          </p:cNvPr>
+          <p:cNvSpPr txBox="1"/>
+          <p:nvPr/>
+        </p:nvSpPr>
+        <p:spPr>
+          <a:xfrm rot="16200000">
+            <a:off x="5871257" y="733739"/>
+            <a:ext cx="1103220" cy="276999"/>
+          </a:xfrm>
+          <a:prstGeom prst="rect">
+            <a:avLst/>
+          </a:prstGeom>
+          <a:noFill/>
+        </p:spPr>
+        <p:txBody>
+          <a:bodyPr wrap="square" rtlCol="0">
+            <a:spAutoFit/>
+          </a:bodyPr>
+          <a:lstStyle/>
+          <a:p>
+            <a:pPr algn="ctr"/>
+            <a:r>
+              <a:rPr kumimoji="1" lang="en-US" altLang="ko-Kore-KR" sz="1200" b="1" dirty="0">
+                <a:solidFill>
+                  <a:srgbClr val="5DA2C5"/>
+                </a:solidFill>
+                <a:latin typeface="SHeadG" panose="02030600000101010101" pitchFamily="18" charset="-127"/>
+                <a:ea typeface="SHeadG" panose="02030600000101010101" pitchFamily="18" charset="-127"/>
+              </a:rPr>
+              <a:t>Web</a:t>
+            </a:r>
+            <a:endParaRPr kumimoji="1" lang="ko-Kore-KR" altLang="en-US" sz="1200" b="1" dirty="0">
+              <a:solidFill>
+                <a:srgbClr val="5DA2C5"/>
+              </a:solidFill>
+              <a:latin typeface="SHeadG" panose="02030600000101010101" pitchFamily="18" charset="-127"/>
+              <a:ea typeface="SHeadG" panose="02030600000101010101" pitchFamily="18" charset="-127"/>
+            </a:endParaRPr>
+          </a:p>
+        </p:txBody>
+      </p:sp>
+      <p:cxnSp>
+        <p:nvCxnSpPr>
+          <p:cNvPr id="46" name="꺾인 연결선[E] 45">
+            <a:extLst>
+              <a:ext uri="{FF2B5EF4-FFF2-40B4-BE49-F238E27FC236}">
+                <a16:creationId xmlns:a16="http://schemas.microsoft.com/office/drawing/2014/main" id="{4A2A350A-AE0E-EF4B-B4A5-14F1F53EB02C}"/>
+              </a:ext>
+            </a:extLst>
+          </p:cNvPr>
+          <p:cNvCxnSpPr>
+            <a:cxnSpLocks/>
+            <a:stCxn id="42" idx="2"/>
+          </p:cNvCxnSpPr>
+          <p:nvPr/>
+        </p:nvCxnSpPr>
+        <p:spPr>
+          <a:xfrm rot="16200000" flipH="1">
+            <a:off x="7631299" y="1450338"/>
+            <a:ext cx="779660" cy="273451"/>
+          </a:xfrm>
+          <a:prstGeom prst="bentConnector3">
+            <a:avLst>
+              <a:gd name="adj1" fmla="val 50000"/>
+            </a:avLst>
+          </a:prstGeom>
+          <a:ln w="19050">
+            <a:solidFill>
+              <a:srgbClr val="5DA2C5"/>
+            </a:solidFill>
+            <a:tailEnd type="stealth" w="lg" len="lg"/>
+          </a:ln>
+        </p:spPr>
+        <p:style>
+          <a:lnRef idx="1">
+            <a:schemeClr val="accent1"/>
+          </a:lnRef>
+          <a:fillRef idx="0">
+            <a:schemeClr val="accent1"/>
+          </a:fillRef>
+          <a:effectRef idx="0">
+            <a:schemeClr val="accent1"/>
+          </a:effectRef>
+          <a:fontRef idx="minor">
+            <a:schemeClr val="tx1"/>
+          </a:fontRef>
+        </p:style>
+      </p:cxnSp>
+      <p:grpSp>
+        <p:nvGrpSpPr>
+          <p:cNvPr id="51" name="그룹 50">
+            <a:extLst>
+              <a:ext uri="{FF2B5EF4-FFF2-40B4-BE49-F238E27FC236}">
+                <a16:creationId xmlns:a16="http://schemas.microsoft.com/office/drawing/2014/main" id="{94329F07-CB44-9944-8DBB-DE3538CC0CA8}"/>
+              </a:ext>
+            </a:extLst>
+          </p:cNvPr>
+          <p:cNvGrpSpPr/>
+          <p:nvPr/>
+        </p:nvGrpSpPr>
+        <p:grpSpPr>
+          <a:xfrm>
+            <a:off x="9727763" y="657499"/>
+            <a:ext cx="1685840" cy="539735"/>
+            <a:chOff x="3737640" y="1066800"/>
+            <a:chExt cx="1408101" cy="539735"/>
+          </a:xfrm>
+        </p:grpSpPr>
+        <p:sp>
+          <p:nvSpPr>
+            <p:cNvPr id="72" name="직사각형 71">
+              <a:extLst>
+                <a:ext uri="{FF2B5EF4-FFF2-40B4-BE49-F238E27FC236}">
+                  <a16:creationId xmlns:a16="http://schemas.microsoft.com/office/drawing/2014/main" id="{7F7AF150-E153-FD43-A129-DD704E7583B7}"/>
+                </a:ext>
+              </a:extLst>
+            </p:cNvPr>
+            <p:cNvSpPr/>
+            <p:nvPr/>
+          </p:nvSpPr>
+          <p:spPr>
+            <a:xfrm>
+              <a:off x="3737640" y="1066800"/>
+              <a:ext cx="1408101" cy="539735"/>
+            </a:xfrm>
+            <a:prstGeom prst="rect">
+              <a:avLst/>
+            </a:prstGeom>
+            <a:ln w="25400">
+              <a:solidFill>
+                <a:srgbClr val="5DA2C5"/>
+              </a:solidFill>
+            </a:ln>
+          </p:spPr>
+          <p:style>
+            <a:lnRef idx="1">
+              <a:schemeClr val="accent1"/>
+            </a:lnRef>
+            <a:fillRef idx="0">
+              <a:schemeClr val="accent1"/>
+            </a:fillRef>
+            <a:effectRef idx="0">
+              <a:schemeClr val="accent1"/>
+            </a:effectRef>
+            <a:fontRef idx="minor">
+              <a:schemeClr val="tx1"/>
+            </a:fontRef>
+          </p:style>
+          <p:txBody>
+            <a:bodyPr rtlCol="0" anchor="ctr"/>
+            <a:lstStyle/>
+            <a:p>
+              <a:pPr algn="ctr"/>
+              <a:endParaRPr kumimoji="1" lang="ko-Kore-KR" altLang="en-US"/>
+            </a:p>
+          </p:txBody>
+        </p:sp>
+        <p:sp>
+          <p:nvSpPr>
+            <p:cNvPr id="73" name="TextBox 72">
+              <a:extLst>
+                <a:ext uri="{FF2B5EF4-FFF2-40B4-BE49-F238E27FC236}">
+                  <a16:creationId xmlns:a16="http://schemas.microsoft.com/office/drawing/2014/main" id="{8EE51202-D98D-4240-AB8A-6C0257635F47}"/>
+                </a:ext>
+              </a:extLst>
+            </p:cNvPr>
+            <p:cNvSpPr txBox="1"/>
+            <p:nvPr/>
+          </p:nvSpPr>
+          <p:spPr>
+            <a:xfrm>
+              <a:off x="3737640" y="1164389"/>
+              <a:ext cx="1408101" cy="338554"/>
+            </a:xfrm>
+            <a:prstGeom prst="rect">
+              <a:avLst/>
+            </a:prstGeom>
+            <a:noFill/>
+          </p:spPr>
+          <p:txBody>
+            <a:bodyPr wrap="square" rtlCol="0">
+              <a:spAutoFit/>
+            </a:bodyPr>
+            <a:lstStyle/>
+            <a:p>
+              <a:pPr algn="ctr"/>
+              <a:r>
+                <a:rPr kumimoji="1" lang="en-US" altLang="ko-Kore-KR" sz="1600" b="1" dirty="0">
+                  <a:solidFill>
+                    <a:srgbClr val="5DA2C5"/>
+                  </a:solidFill>
+                  <a:latin typeface="SHeadG" panose="02030600000101010101" pitchFamily="18" charset="-127"/>
+                  <a:ea typeface="SHeadG" panose="02030600000101010101" pitchFamily="18" charset="-127"/>
+                </a:rPr>
+                <a:t>Controller</a:t>
+              </a:r>
+              <a:endParaRPr kumimoji="1" lang="ko-Kore-KR" altLang="en-US" sz="1200" b="1" dirty="0">
+                <a:solidFill>
+                  <a:srgbClr val="5DA2C5"/>
+                </a:solidFill>
+                <a:latin typeface="SHeadG" panose="02030600000101010101" pitchFamily="18" charset="-127"/>
+                <a:ea typeface="SHeadG" panose="02030600000101010101" pitchFamily="18" charset="-127"/>
+              </a:endParaRPr>
+            </a:p>
+          </p:txBody>
+        </p:sp>
+      </p:grpSp>
+      <p:cxnSp>
+        <p:nvCxnSpPr>
+          <p:cNvPr id="74" name="꺾인 연결선[E] 73">
+            <a:extLst>
+              <a:ext uri="{FF2B5EF4-FFF2-40B4-BE49-F238E27FC236}">
+                <a16:creationId xmlns:a16="http://schemas.microsoft.com/office/drawing/2014/main" id="{16D56369-A9D1-C344-A0B7-3F4176DAA65F}"/>
+              </a:ext>
+            </a:extLst>
+          </p:cNvPr>
+          <p:cNvCxnSpPr>
+            <a:cxnSpLocks/>
+            <a:stCxn id="72" idx="2"/>
+          </p:cNvCxnSpPr>
+          <p:nvPr/>
+        </p:nvCxnSpPr>
+        <p:spPr>
+          <a:xfrm rot="5400000">
+            <a:off x="10036200" y="1460291"/>
+            <a:ext cx="797540" cy="271426"/>
+          </a:xfrm>
+          <a:prstGeom prst="bentConnector3">
+            <a:avLst>
+              <a:gd name="adj1" fmla="val 50000"/>
+            </a:avLst>
+          </a:prstGeom>
+          <a:ln w="19050">
+            <a:solidFill>
+              <a:srgbClr val="5DA2C5"/>
+            </a:solidFill>
+            <a:tailEnd type="stealth" w="lg" len="lg"/>
+          </a:ln>
+        </p:spPr>
+        <p:style>
+          <a:lnRef idx="1">
+            <a:schemeClr val="accent1"/>
+          </a:lnRef>
+          <a:fillRef idx="0">
+            <a:schemeClr val="accent1"/>
+          </a:fillRef>
+          <a:effectRef idx="0">
+            <a:schemeClr val="accent1"/>
+          </a:effectRef>
+          <a:fontRef idx="minor">
+            <a:schemeClr val="tx1"/>
+          </a:fontRef>
+        </p:style>
+      </p:cxnSp>
+      <p:grpSp>
+        <p:nvGrpSpPr>
+          <p:cNvPr id="76" name="그룹 75">
+            <a:extLst>
+              <a:ext uri="{FF2B5EF4-FFF2-40B4-BE49-F238E27FC236}">
+                <a16:creationId xmlns:a16="http://schemas.microsoft.com/office/drawing/2014/main" id="{EE07A80D-2719-BB4A-A064-C42F3E0EB543}"/>
+              </a:ext>
+            </a:extLst>
+          </p:cNvPr>
+          <p:cNvGrpSpPr/>
+          <p:nvPr/>
+        </p:nvGrpSpPr>
+        <p:grpSpPr>
+          <a:xfrm>
+            <a:off x="8562726" y="3346081"/>
+            <a:ext cx="1334877" cy="539735"/>
+            <a:chOff x="3737640" y="1066800"/>
+            <a:chExt cx="1408101" cy="539735"/>
+          </a:xfrm>
+        </p:grpSpPr>
+        <p:sp>
+          <p:nvSpPr>
+            <p:cNvPr id="77" name="직사각형 76">
+              <a:extLst>
+                <a:ext uri="{FF2B5EF4-FFF2-40B4-BE49-F238E27FC236}">
+                  <a16:creationId xmlns:a16="http://schemas.microsoft.com/office/drawing/2014/main" id="{EEEDD7CE-7357-3842-B99E-2C943AA0E156}"/>
+                </a:ext>
+              </a:extLst>
+            </p:cNvPr>
+            <p:cNvSpPr/>
+            <p:nvPr/>
+          </p:nvSpPr>
+          <p:spPr>
+            <a:xfrm>
+              <a:off x="3737640" y="1066800"/>
+              <a:ext cx="1408101" cy="539735"/>
+            </a:xfrm>
+            <a:prstGeom prst="rect">
+              <a:avLst/>
+            </a:prstGeom>
+            <a:ln w="25400">
+              <a:solidFill>
+                <a:srgbClr val="5DA2C5"/>
+              </a:solidFill>
+            </a:ln>
+          </p:spPr>
+          <p:style>
+            <a:lnRef idx="1">
+              <a:schemeClr val="accent1"/>
+            </a:lnRef>
+            <a:fillRef idx="0">
+              <a:schemeClr val="accent1"/>
+            </a:fillRef>
+            <a:effectRef idx="0">
+              <a:schemeClr val="accent1"/>
+            </a:effectRef>
+            <a:fontRef idx="minor">
+              <a:schemeClr val="tx1"/>
+            </a:fontRef>
+          </p:style>
+          <p:txBody>
+            <a:bodyPr rtlCol="0" anchor="ctr"/>
+            <a:lstStyle/>
+            <a:p>
+              <a:pPr algn="ctr"/>
+              <a:endParaRPr kumimoji="1" lang="ko-Kore-KR" altLang="en-US"/>
+            </a:p>
+          </p:txBody>
+        </p:sp>
+        <p:sp>
+          <p:nvSpPr>
+            <p:cNvPr id="78" name="TextBox 77">
+              <a:extLst>
+                <a:ext uri="{FF2B5EF4-FFF2-40B4-BE49-F238E27FC236}">
+                  <a16:creationId xmlns:a16="http://schemas.microsoft.com/office/drawing/2014/main" id="{D8C9CC09-E3C1-8645-B18B-187E55E71C15}"/>
+                </a:ext>
+              </a:extLst>
+            </p:cNvPr>
+            <p:cNvSpPr txBox="1"/>
+            <p:nvPr/>
+          </p:nvSpPr>
+          <p:spPr>
+            <a:xfrm>
+              <a:off x="3737640" y="1173325"/>
+              <a:ext cx="1408101" cy="338554"/>
+            </a:xfrm>
+            <a:prstGeom prst="rect">
+              <a:avLst/>
+            </a:prstGeom>
+            <a:noFill/>
+          </p:spPr>
+          <p:txBody>
+            <a:bodyPr wrap="square" rtlCol="0">
+              <a:spAutoFit/>
+            </a:bodyPr>
+            <a:lstStyle/>
+            <a:p>
+              <a:pPr algn="ctr"/>
+              <a:r>
+                <a:rPr kumimoji="1" lang="en-US" altLang="ko-Kore-KR" sz="1600" b="1" dirty="0">
+                  <a:solidFill>
+                    <a:srgbClr val="5DA2C5"/>
+                  </a:solidFill>
+                  <a:latin typeface="SHeadG" panose="02030600000101010101" pitchFamily="18" charset="-127"/>
+                  <a:ea typeface="SHeadG" panose="02030600000101010101" pitchFamily="18" charset="-127"/>
+                </a:rPr>
+                <a:t>Repository</a:t>
+              </a:r>
+              <a:endParaRPr kumimoji="1" lang="ko-Kore-KR" altLang="en-US" sz="1200" b="1" dirty="0">
+                <a:solidFill>
+                  <a:srgbClr val="5DA2C5"/>
+                </a:solidFill>
+                <a:latin typeface="SHeadG" panose="02030600000101010101" pitchFamily="18" charset="-127"/>
+                <a:ea typeface="SHeadG" panose="02030600000101010101" pitchFamily="18" charset="-127"/>
+              </a:endParaRPr>
+            </a:p>
+          </p:txBody>
+        </p:sp>
+      </p:grpSp>
+      <p:cxnSp>
+        <p:nvCxnSpPr>
+          <p:cNvPr id="79" name="꺾인 연결선[E] 78">
+            <a:extLst>
+              <a:ext uri="{FF2B5EF4-FFF2-40B4-BE49-F238E27FC236}">
+                <a16:creationId xmlns:a16="http://schemas.microsoft.com/office/drawing/2014/main" id="{7A3BA6A8-4319-2549-8D0A-7131376F0501}"/>
+              </a:ext>
+            </a:extLst>
+          </p:cNvPr>
+          <p:cNvCxnSpPr>
+            <a:cxnSpLocks/>
+            <a:stCxn id="26" idx="2"/>
+            <a:endCxn id="77" idx="0"/>
+          </p:cNvCxnSpPr>
+          <p:nvPr/>
+        </p:nvCxnSpPr>
+        <p:spPr>
+          <a:xfrm rot="16200000" flipH="1">
+            <a:off x="8817130" y="2933045"/>
+            <a:ext cx="823449" cy="2621"/>
+          </a:xfrm>
+          <a:prstGeom prst="bentConnector3">
+            <a:avLst>
+              <a:gd name="adj1" fmla="val 50000"/>
+            </a:avLst>
+          </a:prstGeom>
+          <a:ln w="19050">
+            <a:solidFill>
+              <a:srgbClr val="5DA2C5"/>
+            </a:solidFill>
+            <a:tailEnd type="stealth" w="lg" len="lg"/>
+          </a:ln>
+        </p:spPr>
+        <p:style>
+          <a:lnRef idx="1">
+            <a:schemeClr val="accent1"/>
+          </a:lnRef>
+          <a:fillRef idx="0">
+            <a:schemeClr val="accent1"/>
+          </a:fillRef>
+          <a:effectRef idx="0">
+            <a:schemeClr val="accent1"/>
+          </a:effectRef>
+          <a:fontRef idx="minor">
+            <a:schemeClr val="tx1"/>
+          </a:fontRef>
+        </p:style>
+      </p:cxnSp>
     </p:spTree>
     <p:extLst>
       <p:ext uri="{BB962C8B-B14F-4D97-AF65-F5344CB8AC3E}">

--- a/Get Your Hands Dirty on Clean Architecture/ref/프레젠테이션1.pptx
+++ b/Get Your Hands Dirty on Clean Architecture/ref/프레젠테이션1.pptx
@@ -7,6 +7,8 @@
   <p:sldIdLst>
     <p:sldId id="259" r:id="rId2"/>
     <p:sldId id="260" r:id="rId3"/>
+    <p:sldId id="261" r:id="rId4"/>
+    <p:sldId id="262" r:id="rId5"/>
   </p:sldIdLst>
   <p:sldSz cx="12192000" cy="6858000"/>
   <p:notesSz cx="6858000" cy="9144000"/>
@@ -244,7 +246,7 @@
           <a:p>
             <a:fld id="{3083E1A9-A397-4745-BD5D-6E8E767939EE}" type="datetimeFigureOut">
               <a:rPr kumimoji="1" lang="ko-Kore-KR" altLang="en-US" smtClean="0"/>
-              <a:t>2020. 12. 22.</a:t>
+              <a:t>2020. 12. 23.</a:t>
             </a:fld>
             <a:endParaRPr kumimoji="1" lang="ko-Kore-KR" altLang="en-US"/>
           </a:p>
@@ -414,7 +416,7 @@
           <a:p>
             <a:fld id="{3083E1A9-A397-4745-BD5D-6E8E767939EE}" type="datetimeFigureOut">
               <a:rPr kumimoji="1" lang="ko-Kore-KR" altLang="en-US" smtClean="0"/>
-              <a:t>2020. 12. 22.</a:t>
+              <a:t>2020. 12. 23.</a:t>
             </a:fld>
             <a:endParaRPr kumimoji="1" lang="ko-Kore-KR" altLang="en-US"/>
           </a:p>
@@ -594,7 +596,7 @@
           <a:p>
             <a:fld id="{3083E1A9-A397-4745-BD5D-6E8E767939EE}" type="datetimeFigureOut">
               <a:rPr kumimoji="1" lang="ko-Kore-KR" altLang="en-US" smtClean="0"/>
-              <a:t>2020. 12. 22.</a:t>
+              <a:t>2020. 12. 23.</a:t>
             </a:fld>
             <a:endParaRPr kumimoji="1" lang="ko-Kore-KR" altLang="en-US"/>
           </a:p>
@@ -764,7 +766,7 @@
           <a:p>
             <a:fld id="{3083E1A9-A397-4745-BD5D-6E8E767939EE}" type="datetimeFigureOut">
               <a:rPr kumimoji="1" lang="ko-Kore-KR" altLang="en-US" smtClean="0"/>
-              <a:t>2020. 12. 22.</a:t>
+              <a:t>2020. 12. 23.</a:t>
             </a:fld>
             <a:endParaRPr kumimoji="1" lang="ko-Kore-KR" altLang="en-US"/>
           </a:p>
@@ -1010,7 +1012,7 @@
           <a:p>
             <a:fld id="{3083E1A9-A397-4745-BD5D-6E8E767939EE}" type="datetimeFigureOut">
               <a:rPr kumimoji="1" lang="ko-Kore-KR" altLang="en-US" smtClean="0"/>
-              <a:t>2020. 12. 22.</a:t>
+              <a:t>2020. 12. 23.</a:t>
             </a:fld>
             <a:endParaRPr kumimoji="1" lang="ko-Kore-KR" altLang="en-US"/>
           </a:p>
@@ -1242,7 +1244,7 @@
           <a:p>
             <a:fld id="{3083E1A9-A397-4745-BD5D-6E8E767939EE}" type="datetimeFigureOut">
               <a:rPr kumimoji="1" lang="ko-Kore-KR" altLang="en-US" smtClean="0"/>
-              <a:t>2020. 12. 22.</a:t>
+              <a:t>2020. 12. 23.</a:t>
             </a:fld>
             <a:endParaRPr kumimoji="1" lang="ko-Kore-KR" altLang="en-US"/>
           </a:p>
@@ -1609,7 +1611,7 @@
           <a:p>
             <a:fld id="{3083E1A9-A397-4745-BD5D-6E8E767939EE}" type="datetimeFigureOut">
               <a:rPr kumimoji="1" lang="ko-Kore-KR" altLang="en-US" smtClean="0"/>
-              <a:t>2020. 12. 22.</a:t>
+              <a:t>2020. 12. 23.</a:t>
             </a:fld>
             <a:endParaRPr kumimoji="1" lang="ko-Kore-KR" altLang="en-US"/>
           </a:p>
@@ -1727,7 +1729,7 @@
           <a:p>
             <a:fld id="{3083E1A9-A397-4745-BD5D-6E8E767939EE}" type="datetimeFigureOut">
               <a:rPr kumimoji="1" lang="ko-Kore-KR" altLang="en-US" smtClean="0"/>
-              <a:t>2020. 12. 22.</a:t>
+              <a:t>2020. 12. 23.</a:t>
             </a:fld>
             <a:endParaRPr kumimoji="1" lang="ko-Kore-KR" altLang="en-US"/>
           </a:p>
@@ -1822,7 +1824,7 @@
           <a:p>
             <a:fld id="{3083E1A9-A397-4745-BD5D-6E8E767939EE}" type="datetimeFigureOut">
               <a:rPr kumimoji="1" lang="ko-Kore-KR" altLang="en-US" smtClean="0"/>
-              <a:t>2020. 12. 22.</a:t>
+              <a:t>2020. 12. 23.</a:t>
             </a:fld>
             <a:endParaRPr kumimoji="1" lang="ko-Kore-KR" altLang="en-US"/>
           </a:p>
@@ -2099,7 +2101,7 @@
           <a:p>
             <a:fld id="{3083E1A9-A397-4745-BD5D-6E8E767939EE}" type="datetimeFigureOut">
               <a:rPr kumimoji="1" lang="ko-Kore-KR" altLang="en-US" smtClean="0"/>
-              <a:t>2020. 12. 22.</a:t>
+              <a:t>2020. 12. 23.</a:t>
             </a:fld>
             <a:endParaRPr kumimoji="1" lang="ko-Kore-KR" altLang="en-US"/>
           </a:p>
@@ -2356,7 +2358,7 @@
           <a:p>
             <a:fld id="{3083E1A9-A397-4745-BD5D-6E8E767939EE}" type="datetimeFigureOut">
               <a:rPr kumimoji="1" lang="ko-Kore-KR" altLang="en-US" smtClean="0"/>
-              <a:t>2020. 12. 22.</a:t>
+              <a:t>2020. 12. 23.</a:t>
             </a:fld>
             <a:endParaRPr kumimoji="1" lang="ko-Kore-KR" altLang="en-US"/>
           </a:p>
@@ -2569,7 +2571,7 @@
           <a:p>
             <a:fld id="{3083E1A9-A397-4745-BD5D-6E8E767939EE}" type="datetimeFigureOut">
               <a:rPr kumimoji="1" lang="ko-Kore-KR" altLang="en-US" smtClean="0"/>
-              <a:t>2020. 12. 22.</a:t>
+              <a:t>2020. 12. 23.</a:t>
             </a:fld>
             <a:endParaRPr kumimoji="1" lang="ko-Kore-KR" altLang="en-US"/>
           </a:p>
@@ -7299,6 +7301,3188 @@
 </p:sld>
 </file>
 
+<file path=ppt/slides/slide3.xml><?xml version="1.0" encoding="utf-8"?>
+<p:sld xmlns:a="http://schemas.openxmlformats.org/drawingml/2006/main" xmlns:r="http://schemas.openxmlformats.org/officeDocument/2006/relationships" xmlns:p="http://schemas.openxmlformats.org/presentationml/2006/main">
+  <p:cSld>
+    <p:spTree>
+      <p:nvGrpSpPr>
+        <p:cNvPr id="1" name=""/>
+        <p:cNvGrpSpPr/>
+        <p:nvPr/>
+      </p:nvGrpSpPr>
+      <p:grpSpPr>
+        <a:xfrm>
+          <a:off x="0" y="0"/>
+          <a:ext cx="0" cy="0"/>
+          <a:chOff x="0" y="0"/>
+          <a:chExt cx="0" cy="0"/>
+        </a:xfrm>
+      </p:grpSpPr>
+      <p:grpSp>
+        <p:nvGrpSpPr>
+          <p:cNvPr id="80" name="그룹 79">
+            <a:extLst>
+              <a:ext uri="{FF2B5EF4-FFF2-40B4-BE49-F238E27FC236}">
+                <a16:creationId xmlns:a16="http://schemas.microsoft.com/office/drawing/2014/main" id="{96DE1882-1D2A-2540-9F0B-F474A99CCDD1}"/>
+              </a:ext>
+            </a:extLst>
+          </p:cNvPr>
+          <p:cNvGrpSpPr/>
+          <p:nvPr/>
+        </p:nvGrpSpPr>
+        <p:grpSpPr>
+          <a:xfrm>
+            <a:off x="1045204" y="1129253"/>
+            <a:ext cx="531348" cy="539735"/>
+            <a:chOff x="3737640" y="1066800"/>
+            <a:chExt cx="1408101" cy="539735"/>
+          </a:xfrm>
+        </p:grpSpPr>
+        <p:sp>
+          <p:nvSpPr>
+            <p:cNvPr id="81" name="직사각형 80">
+              <a:extLst>
+                <a:ext uri="{FF2B5EF4-FFF2-40B4-BE49-F238E27FC236}">
+                  <a16:creationId xmlns:a16="http://schemas.microsoft.com/office/drawing/2014/main" id="{1EFDA1FB-2823-A74E-AE0A-0573C297B800}"/>
+                </a:ext>
+              </a:extLst>
+            </p:cNvPr>
+            <p:cNvSpPr/>
+            <p:nvPr/>
+          </p:nvSpPr>
+          <p:spPr>
+            <a:xfrm>
+              <a:off x="3737640" y="1066800"/>
+              <a:ext cx="1408101" cy="539735"/>
+            </a:xfrm>
+            <a:prstGeom prst="rect">
+              <a:avLst/>
+            </a:prstGeom>
+            <a:ln w="25400">
+              <a:solidFill>
+                <a:srgbClr val="5DA2C5"/>
+              </a:solidFill>
+            </a:ln>
+          </p:spPr>
+          <p:style>
+            <a:lnRef idx="1">
+              <a:schemeClr val="accent1"/>
+            </a:lnRef>
+            <a:fillRef idx="0">
+              <a:schemeClr val="accent1"/>
+            </a:fillRef>
+            <a:effectRef idx="0">
+              <a:schemeClr val="accent1"/>
+            </a:effectRef>
+            <a:fontRef idx="minor">
+              <a:schemeClr val="tx1"/>
+            </a:fontRef>
+          </p:style>
+          <p:txBody>
+            <a:bodyPr rtlCol="0" anchor="ctr"/>
+            <a:lstStyle/>
+            <a:p>
+              <a:pPr algn="ctr"/>
+              <a:endParaRPr kumimoji="1" lang="ko-Kore-KR" altLang="en-US"/>
+            </a:p>
+          </p:txBody>
+        </p:sp>
+        <p:sp>
+          <p:nvSpPr>
+            <p:cNvPr id="82" name="TextBox 81">
+              <a:extLst>
+                <a:ext uri="{FF2B5EF4-FFF2-40B4-BE49-F238E27FC236}">
+                  <a16:creationId xmlns:a16="http://schemas.microsoft.com/office/drawing/2014/main" id="{B150D00C-C4E8-7643-A2FC-D0AB4D08CBA8}"/>
+                </a:ext>
+              </a:extLst>
+            </p:cNvPr>
+            <p:cNvSpPr txBox="1"/>
+            <p:nvPr/>
+          </p:nvSpPr>
+          <p:spPr>
+            <a:xfrm>
+              <a:off x="3737640" y="1164389"/>
+              <a:ext cx="1408101" cy="338554"/>
+            </a:xfrm>
+            <a:prstGeom prst="rect">
+              <a:avLst/>
+            </a:prstGeom>
+            <a:noFill/>
+          </p:spPr>
+          <p:txBody>
+            <a:bodyPr wrap="square" rtlCol="0">
+              <a:spAutoFit/>
+            </a:bodyPr>
+            <a:lstStyle/>
+            <a:p>
+              <a:pPr algn="ctr"/>
+              <a:r>
+                <a:rPr kumimoji="1" lang="en-US" altLang="ko-Kore-KR" sz="1600" b="1" dirty="0">
+                  <a:solidFill>
+                    <a:srgbClr val="5DA2C5"/>
+                  </a:solidFill>
+                  <a:latin typeface="SHeadG" panose="02030600000101010101" pitchFamily="18" charset="-127"/>
+                  <a:ea typeface="SHeadG" panose="02030600000101010101" pitchFamily="18" charset="-127"/>
+                </a:rPr>
+                <a:t>A</a:t>
+              </a:r>
+              <a:endParaRPr kumimoji="1" lang="ko-Kore-KR" altLang="en-US" sz="1200" b="1" dirty="0">
+                <a:solidFill>
+                  <a:srgbClr val="5DA2C5"/>
+                </a:solidFill>
+                <a:latin typeface="SHeadG" panose="02030600000101010101" pitchFamily="18" charset="-127"/>
+                <a:ea typeface="SHeadG" panose="02030600000101010101" pitchFamily="18" charset="-127"/>
+              </a:endParaRPr>
+            </a:p>
+          </p:txBody>
+        </p:sp>
+      </p:grpSp>
+      <p:cxnSp>
+        <p:nvCxnSpPr>
+          <p:cNvPr id="83" name="꺾인 연결선[E] 82">
+            <a:extLst>
+              <a:ext uri="{FF2B5EF4-FFF2-40B4-BE49-F238E27FC236}">
+                <a16:creationId xmlns:a16="http://schemas.microsoft.com/office/drawing/2014/main" id="{0EAA7A22-5EB0-1348-8C59-03693A21C546}"/>
+              </a:ext>
+            </a:extLst>
+          </p:cNvPr>
+          <p:cNvCxnSpPr>
+            <a:cxnSpLocks/>
+            <a:stCxn id="81" idx="0"/>
+            <a:endCxn id="86" idx="1"/>
+          </p:cNvCxnSpPr>
+          <p:nvPr/>
+        </p:nvCxnSpPr>
+        <p:spPr>
+          <a:xfrm rot="5400000" flipH="1" flipV="1">
+            <a:off x="1490043" y="570568"/>
+            <a:ext cx="379520" cy="737851"/>
+          </a:xfrm>
+          <a:prstGeom prst="bentConnector2">
+            <a:avLst/>
+          </a:prstGeom>
+          <a:ln w="19050">
+            <a:solidFill>
+              <a:srgbClr val="5DA2C5"/>
+            </a:solidFill>
+            <a:tailEnd type="stealth" w="lg" len="lg"/>
+          </a:ln>
+        </p:spPr>
+        <p:style>
+          <a:lnRef idx="1">
+            <a:schemeClr val="accent1"/>
+          </a:lnRef>
+          <a:fillRef idx="0">
+            <a:schemeClr val="accent1"/>
+          </a:fillRef>
+          <a:effectRef idx="0">
+            <a:schemeClr val="accent1"/>
+          </a:effectRef>
+          <a:fontRef idx="minor">
+            <a:schemeClr val="tx1"/>
+          </a:fontRef>
+        </p:style>
+      </p:cxnSp>
+      <p:grpSp>
+        <p:nvGrpSpPr>
+          <p:cNvPr id="84" name="그룹 83">
+            <a:extLst>
+              <a:ext uri="{FF2B5EF4-FFF2-40B4-BE49-F238E27FC236}">
+                <a16:creationId xmlns:a16="http://schemas.microsoft.com/office/drawing/2014/main" id="{EBE99F73-FC7B-D24D-975C-4C7C32BD3BF9}"/>
+              </a:ext>
+            </a:extLst>
+          </p:cNvPr>
+          <p:cNvGrpSpPr/>
+          <p:nvPr/>
+        </p:nvGrpSpPr>
+        <p:grpSpPr>
+          <a:xfrm>
+            <a:off x="2048729" y="482867"/>
+            <a:ext cx="531348" cy="539735"/>
+            <a:chOff x="3737640" y="1066800"/>
+            <a:chExt cx="1408101" cy="539735"/>
+          </a:xfrm>
+        </p:grpSpPr>
+        <p:sp>
+          <p:nvSpPr>
+            <p:cNvPr id="85" name="직사각형 84">
+              <a:extLst>
+                <a:ext uri="{FF2B5EF4-FFF2-40B4-BE49-F238E27FC236}">
+                  <a16:creationId xmlns:a16="http://schemas.microsoft.com/office/drawing/2014/main" id="{7E7C230B-F65D-2446-9207-E4A7BF231829}"/>
+                </a:ext>
+              </a:extLst>
+            </p:cNvPr>
+            <p:cNvSpPr/>
+            <p:nvPr/>
+          </p:nvSpPr>
+          <p:spPr>
+            <a:xfrm>
+              <a:off x="3737640" y="1066800"/>
+              <a:ext cx="1408101" cy="539735"/>
+            </a:xfrm>
+            <a:prstGeom prst="rect">
+              <a:avLst/>
+            </a:prstGeom>
+            <a:ln w="25400">
+              <a:solidFill>
+                <a:srgbClr val="5DA2C5"/>
+              </a:solidFill>
+            </a:ln>
+          </p:spPr>
+          <p:style>
+            <a:lnRef idx="1">
+              <a:schemeClr val="accent1"/>
+            </a:lnRef>
+            <a:fillRef idx="0">
+              <a:schemeClr val="accent1"/>
+            </a:fillRef>
+            <a:effectRef idx="0">
+              <a:schemeClr val="accent1"/>
+            </a:effectRef>
+            <a:fontRef idx="minor">
+              <a:schemeClr val="tx1"/>
+            </a:fontRef>
+          </p:style>
+          <p:txBody>
+            <a:bodyPr rtlCol="0" anchor="ctr"/>
+            <a:lstStyle/>
+            <a:p>
+              <a:pPr algn="ctr"/>
+              <a:endParaRPr kumimoji="1" lang="ko-Kore-KR" altLang="en-US"/>
+            </a:p>
+          </p:txBody>
+        </p:sp>
+        <p:sp>
+          <p:nvSpPr>
+            <p:cNvPr id="86" name="TextBox 85">
+              <a:extLst>
+                <a:ext uri="{FF2B5EF4-FFF2-40B4-BE49-F238E27FC236}">
+                  <a16:creationId xmlns:a16="http://schemas.microsoft.com/office/drawing/2014/main" id="{2C3212DA-95C3-904E-8B27-C04DDAA56920}"/>
+                </a:ext>
+              </a:extLst>
+            </p:cNvPr>
+            <p:cNvSpPr txBox="1"/>
+            <p:nvPr/>
+          </p:nvSpPr>
+          <p:spPr>
+            <a:xfrm>
+              <a:off x="3737640" y="1164389"/>
+              <a:ext cx="1408101" cy="338554"/>
+            </a:xfrm>
+            <a:prstGeom prst="rect">
+              <a:avLst/>
+            </a:prstGeom>
+            <a:noFill/>
+          </p:spPr>
+          <p:txBody>
+            <a:bodyPr wrap="square" rtlCol="0">
+              <a:spAutoFit/>
+            </a:bodyPr>
+            <a:lstStyle/>
+            <a:p>
+              <a:pPr algn="ctr"/>
+              <a:r>
+                <a:rPr kumimoji="1" lang="en-US" altLang="ko-Kore-KR" sz="1600" b="1" dirty="0">
+                  <a:solidFill>
+                    <a:srgbClr val="5DA2C5"/>
+                  </a:solidFill>
+                  <a:latin typeface="SHeadG" panose="02030600000101010101" pitchFamily="18" charset="-127"/>
+                  <a:ea typeface="SHeadG" panose="02030600000101010101" pitchFamily="18" charset="-127"/>
+                </a:rPr>
+                <a:t>B</a:t>
+              </a:r>
+              <a:endParaRPr kumimoji="1" lang="ko-Kore-KR" altLang="en-US" sz="1200" b="1" dirty="0">
+                <a:solidFill>
+                  <a:srgbClr val="5DA2C5"/>
+                </a:solidFill>
+                <a:latin typeface="SHeadG" panose="02030600000101010101" pitchFamily="18" charset="-127"/>
+                <a:ea typeface="SHeadG" panose="02030600000101010101" pitchFamily="18" charset="-127"/>
+              </a:endParaRPr>
+            </a:p>
+          </p:txBody>
+        </p:sp>
+      </p:grpSp>
+      <p:grpSp>
+        <p:nvGrpSpPr>
+          <p:cNvPr id="87" name="그룹 86">
+            <a:extLst>
+              <a:ext uri="{FF2B5EF4-FFF2-40B4-BE49-F238E27FC236}">
+                <a16:creationId xmlns:a16="http://schemas.microsoft.com/office/drawing/2014/main" id="{53A3F873-F569-2343-B0E5-180DE316CBCE}"/>
+              </a:ext>
+            </a:extLst>
+          </p:cNvPr>
+          <p:cNvGrpSpPr/>
+          <p:nvPr/>
+        </p:nvGrpSpPr>
+        <p:grpSpPr>
+          <a:xfrm>
+            <a:off x="1576552" y="1909527"/>
+            <a:ext cx="531348" cy="539735"/>
+            <a:chOff x="3737640" y="1066800"/>
+            <a:chExt cx="1408101" cy="539735"/>
+          </a:xfrm>
+        </p:grpSpPr>
+        <p:sp>
+          <p:nvSpPr>
+            <p:cNvPr id="88" name="직사각형 87">
+              <a:extLst>
+                <a:ext uri="{FF2B5EF4-FFF2-40B4-BE49-F238E27FC236}">
+                  <a16:creationId xmlns:a16="http://schemas.microsoft.com/office/drawing/2014/main" id="{4AC818AC-FE15-6945-9261-2C2532B5548C}"/>
+                </a:ext>
+              </a:extLst>
+            </p:cNvPr>
+            <p:cNvSpPr/>
+            <p:nvPr/>
+          </p:nvSpPr>
+          <p:spPr>
+            <a:xfrm>
+              <a:off x="3737640" y="1066800"/>
+              <a:ext cx="1408101" cy="539735"/>
+            </a:xfrm>
+            <a:prstGeom prst="rect">
+              <a:avLst/>
+            </a:prstGeom>
+            <a:ln w="25400">
+              <a:solidFill>
+                <a:srgbClr val="5DA2C5"/>
+              </a:solidFill>
+            </a:ln>
+          </p:spPr>
+          <p:style>
+            <a:lnRef idx="1">
+              <a:schemeClr val="accent1"/>
+            </a:lnRef>
+            <a:fillRef idx="0">
+              <a:schemeClr val="accent1"/>
+            </a:fillRef>
+            <a:effectRef idx="0">
+              <a:schemeClr val="accent1"/>
+            </a:effectRef>
+            <a:fontRef idx="minor">
+              <a:schemeClr val="tx1"/>
+            </a:fontRef>
+          </p:style>
+          <p:txBody>
+            <a:bodyPr rtlCol="0" anchor="ctr"/>
+            <a:lstStyle/>
+            <a:p>
+              <a:pPr algn="ctr"/>
+              <a:endParaRPr kumimoji="1" lang="ko-Kore-KR" altLang="en-US"/>
+            </a:p>
+          </p:txBody>
+        </p:sp>
+        <p:sp>
+          <p:nvSpPr>
+            <p:cNvPr id="89" name="TextBox 88">
+              <a:extLst>
+                <a:ext uri="{FF2B5EF4-FFF2-40B4-BE49-F238E27FC236}">
+                  <a16:creationId xmlns:a16="http://schemas.microsoft.com/office/drawing/2014/main" id="{C23F77E0-F107-9347-9B83-FD82B923E061}"/>
+                </a:ext>
+              </a:extLst>
+            </p:cNvPr>
+            <p:cNvSpPr txBox="1"/>
+            <p:nvPr/>
+          </p:nvSpPr>
+          <p:spPr>
+            <a:xfrm>
+              <a:off x="3737640" y="1164389"/>
+              <a:ext cx="1408101" cy="338554"/>
+            </a:xfrm>
+            <a:prstGeom prst="rect">
+              <a:avLst/>
+            </a:prstGeom>
+            <a:noFill/>
+          </p:spPr>
+          <p:txBody>
+            <a:bodyPr wrap="square" rtlCol="0">
+              <a:spAutoFit/>
+            </a:bodyPr>
+            <a:lstStyle/>
+            <a:p>
+              <a:pPr algn="ctr"/>
+              <a:r>
+                <a:rPr kumimoji="1" lang="en-US" altLang="ko-Kore-KR" sz="1600" b="1" dirty="0">
+                  <a:solidFill>
+                    <a:srgbClr val="5DA2C5"/>
+                  </a:solidFill>
+                  <a:latin typeface="SHeadG" panose="02030600000101010101" pitchFamily="18" charset="-127"/>
+                  <a:ea typeface="SHeadG" panose="02030600000101010101" pitchFamily="18" charset="-127"/>
+                </a:rPr>
+                <a:t>C</a:t>
+              </a:r>
+              <a:endParaRPr kumimoji="1" lang="ko-Kore-KR" altLang="en-US" sz="1200" b="1" dirty="0">
+                <a:solidFill>
+                  <a:srgbClr val="5DA2C5"/>
+                </a:solidFill>
+                <a:latin typeface="SHeadG" panose="02030600000101010101" pitchFamily="18" charset="-127"/>
+                <a:ea typeface="SHeadG" panose="02030600000101010101" pitchFamily="18" charset="-127"/>
+              </a:endParaRPr>
+            </a:p>
+          </p:txBody>
+        </p:sp>
+      </p:grpSp>
+      <p:grpSp>
+        <p:nvGrpSpPr>
+          <p:cNvPr id="90" name="그룹 89">
+            <a:extLst>
+              <a:ext uri="{FF2B5EF4-FFF2-40B4-BE49-F238E27FC236}">
+                <a16:creationId xmlns:a16="http://schemas.microsoft.com/office/drawing/2014/main" id="{1245A144-B4D6-B644-B1D7-94F62448339C}"/>
+              </a:ext>
+            </a:extLst>
+          </p:cNvPr>
+          <p:cNvGrpSpPr/>
+          <p:nvPr/>
+        </p:nvGrpSpPr>
+        <p:grpSpPr>
+          <a:xfrm>
+            <a:off x="2580077" y="1906525"/>
+            <a:ext cx="531348" cy="539735"/>
+            <a:chOff x="3737640" y="1066800"/>
+            <a:chExt cx="1408101" cy="539735"/>
+          </a:xfrm>
+        </p:grpSpPr>
+        <p:sp>
+          <p:nvSpPr>
+            <p:cNvPr id="91" name="직사각형 90">
+              <a:extLst>
+                <a:ext uri="{FF2B5EF4-FFF2-40B4-BE49-F238E27FC236}">
+                  <a16:creationId xmlns:a16="http://schemas.microsoft.com/office/drawing/2014/main" id="{BBFEFEBC-FD73-C247-A2DC-507EBBD7B2CE}"/>
+                </a:ext>
+              </a:extLst>
+            </p:cNvPr>
+            <p:cNvSpPr/>
+            <p:nvPr/>
+          </p:nvSpPr>
+          <p:spPr>
+            <a:xfrm>
+              <a:off x="3737640" y="1066800"/>
+              <a:ext cx="1408101" cy="539735"/>
+            </a:xfrm>
+            <a:prstGeom prst="rect">
+              <a:avLst/>
+            </a:prstGeom>
+            <a:ln w="25400">
+              <a:solidFill>
+                <a:srgbClr val="5DA2C5"/>
+              </a:solidFill>
+            </a:ln>
+          </p:spPr>
+          <p:style>
+            <a:lnRef idx="1">
+              <a:schemeClr val="accent1"/>
+            </a:lnRef>
+            <a:fillRef idx="0">
+              <a:schemeClr val="accent1"/>
+            </a:fillRef>
+            <a:effectRef idx="0">
+              <a:schemeClr val="accent1"/>
+            </a:effectRef>
+            <a:fontRef idx="minor">
+              <a:schemeClr val="tx1"/>
+            </a:fontRef>
+          </p:style>
+          <p:txBody>
+            <a:bodyPr rtlCol="0" anchor="ctr"/>
+            <a:lstStyle/>
+            <a:p>
+              <a:pPr algn="ctr"/>
+              <a:endParaRPr kumimoji="1" lang="ko-Kore-KR" altLang="en-US"/>
+            </a:p>
+          </p:txBody>
+        </p:sp>
+        <p:sp>
+          <p:nvSpPr>
+            <p:cNvPr id="92" name="TextBox 91">
+              <a:extLst>
+                <a:ext uri="{FF2B5EF4-FFF2-40B4-BE49-F238E27FC236}">
+                  <a16:creationId xmlns:a16="http://schemas.microsoft.com/office/drawing/2014/main" id="{F43987C2-59EC-9742-BA73-6C97CDD61D04}"/>
+                </a:ext>
+              </a:extLst>
+            </p:cNvPr>
+            <p:cNvSpPr txBox="1"/>
+            <p:nvPr/>
+          </p:nvSpPr>
+          <p:spPr>
+            <a:xfrm>
+              <a:off x="3737640" y="1164389"/>
+              <a:ext cx="1408101" cy="338554"/>
+            </a:xfrm>
+            <a:prstGeom prst="rect">
+              <a:avLst/>
+            </a:prstGeom>
+            <a:noFill/>
+          </p:spPr>
+          <p:txBody>
+            <a:bodyPr wrap="square" rtlCol="0">
+              <a:spAutoFit/>
+            </a:bodyPr>
+            <a:lstStyle/>
+            <a:p>
+              <a:pPr algn="ctr"/>
+              <a:r>
+                <a:rPr kumimoji="1" lang="en-US" altLang="ko-Kore-KR" sz="1600" b="1" dirty="0">
+                  <a:solidFill>
+                    <a:srgbClr val="5DA2C5"/>
+                  </a:solidFill>
+                  <a:latin typeface="SHeadG" panose="02030600000101010101" pitchFamily="18" charset="-127"/>
+                  <a:ea typeface="SHeadG" panose="02030600000101010101" pitchFamily="18" charset="-127"/>
+                </a:rPr>
+                <a:t>D</a:t>
+              </a:r>
+              <a:endParaRPr kumimoji="1" lang="ko-Kore-KR" altLang="en-US" sz="1200" b="1" dirty="0">
+                <a:solidFill>
+                  <a:srgbClr val="5DA2C5"/>
+                </a:solidFill>
+                <a:latin typeface="SHeadG" panose="02030600000101010101" pitchFamily="18" charset="-127"/>
+                <a:ea typeface="SHeadG" panose="02030600000101010101" pitchFamily="18" charset="-127"/>
+              </a:endParaRPr>
+            </a:p>
+          </p:txBody>
+        </p:sp>
+      </p:grpSp>
+      <p:grpSp>
+        <p:nvGrpSpPr>
+          <p:cNvPr id="93" name="그룹 92">
+            <a:extLst>
+              <a:ext uri="{FF2B5EF4-FFF2-40B4-BE49-F238E27FC236}">
+                <a16:creationId xmlns:a16="http://schemas.microsoft.com/office/drawing/2014/main" id="{952290C5-7FA2-D348-BAB2-D89B1D721ABB}"/>
+              </a:ext>
+            </a:extLst>
+          </p:cNvPr>
+          <p:cNvGrpSpPr/>
+          <p:nvPr/>
+        </p:nvGrpSpPr>
+        <p:grpSpPr>
+          <a:xfrm>
+            <a:off x="3016256" y="1126251"/>
+            <a:ext cx="531348" cy="539735"/>
+            <a:chOff x="3737640" y="1066800"/>
+            <a:chExt cx="1408101" cy="539735"/>
+          </a:xfrm>
+        </p:grpSpPr>
+        <p:sp>
+          <p:nvSpPr>
+            <p:cNvPr id="94" name="직사각형 93">
+              <a:extLst>
+                <a:ext uri="{FF2B5EF4-FFF2-40B4-BE49-F238E27FC236}">
+                  <a16:creationId xmlns:a16="http://schemas.microsoft.com/office/drawing/2014/main" id="{7486099B-6DDE-8E4F-8616-453BBFB87885}"/>
+                </a:ext>
+              </a:extLst>
+            </p:cNvPr>
+            <p:cNvSpPr/>
+            <p:nvPr/>
+          </p:nvSpPr>
+          <p:spPr>
+            <a:xfrm>
+              <a:off x="3737640" y="1066800"/>
+              <a:ext cx="1408101" cy="539735"/>
+            </a:xfrm>
+            <a:prstGeom prst="rect">
+              <a:avLst/>
+            </a:prstGeom>
+            <a:ln w="25400">
+              <a:solidFill>
+                <a:srgbClr val="5DA2C5"/>
+              </a:solidFill>
+            </a:ln>
+          </p:spPr>
+          <p:style>
+            <a:lnRef idx="1">
+              <a:schemeClr val="accent1"/>
+            </a:lnRef>
+            <a:fillRef idx="0">
+              <a:schemeClr val="accent1"/>
+            </a:fillRef>
+            <a:effectRef idx="0">
+              <a:schemeClr val="accent1"/>
+            </a:effectRef>
+            <a:fontRef idx="minor">
+              <a:schemeClr val="tx1"/>
+            </a:fontRef>
+          </p:style>
+          <p:txBody>
+            <a:bodyPr rtlCol="0" anchor="ctr"/>
+            <a:lstStyle/>
+            <a:p>
+              <a:pPr algn="ctr"/>
+              <a:endParaRPr kumimoji="1" lang="ko-Kore-KR" altLang="en-US"/>
+            </a:p>
+          </p:txBody>
+        </p:sp>
+        <p:sp>
+          <p:nvSpPr>
+            <p:cNvPr id="95" name="TextBox 94">
+              <a:extLst>
+                <a:ext uri="{FF2B5EF4-FFF2-40B4-BE49-F238E27FC236}">
+                  <a16:creationId xmlns:a16="http://schemas.microsoft.com/office/drawing/2014/main" id="{B934C986-45F1-4945-B301-AE21CA643668}"/>
+                </a:ext>
+              </a:extLst>
+            </p:cNvPr>
+            <p:cNvSpPr txBox="1"/>
+            <p:nvPr/>
+          </p:nvSpPr>
+          <p:spPr>
+            <a:xfrm>
+              <a:off x="3737640" y="1164389"/>
+              <a:ext cx="1408101" cy="338554"/>
+            </a:xfrm>
+            <a:prstGeom prst="rect">
+              <a:avLst/>
+            </a:prstGeom>
+            <a:noFill/>
+          </p:spPr>
+          <p:txBody>
+            <a:bodyPr wrap="square" rtlCol="0">
+              <a:spAutoFit/>
+            </a:bodyPr>
+            <a:lstStyle/>
+            <a:p>
+              <a:pPr algn="ctr"/>
+              <a:r>
+                <a:rPr kumimoji="1" lang="en-US" altLang="ko-Kore-KR" sz="1600" b="1" dirty="0">
+                  <a:solidFill>
+                    <a:srgbClr val="5DA2C5"/>
+                  </a:solidFill>
+                  <a:latin typeface="SHeadG" panose="02030600000101010101" pitchFamily="18" charset="-127"/>
+                  <a:ea typeface="SHeadG" panose="02030600000101010101" pitchFamily="18" charset="-127"/>
+                </a:rPr>
+                <a:t>E</a:t>
+              </a:r>
+              <a:endParaRPr kumimoji="1" lang="ko-Kore-KR" altLang="en-US" sz="1200" b="1" dirty="0">
+                <a:solidFill>
+                  <a:srgbClr val="5DA2C5"/>
+                </a:solidFill>
+                <a:latin typeface="SHeadG" panose="02030600000101010101" pitchFamily="18" charset="-127"/>
+                <a:ea typeface="SHeadG" panose="02030600000101010101" pitchFamily="18" charset="-127"/>
+              </a:endParaRPr>
+            </a:p>
+          </p:txBody>
+        </p:sp>
+      </p:grpSp>
+      <p:cxnSp>
+        <p:nvCxnSpPr>
+          <p:cNvPr id="96" name="꺾인 연결선[E] 95">
+            <a:extLst>
+              <a:ext uri="{FF2B5EF4-FFF2-40B4-BE49-F238E27FC236}">
+                <a16:creationId xmlns:a16="http://schemas.microsoft.com/office/drawing/2014/main" id="{96D89FF2-C806-3442-8311-5608721F3E8E}"/>
+              </a:ext>
+            </a:extLst>
+          </p:cNvPr>
+          <p:cNvCxnSpPr>
+            <a:cxnSpLocks/>
+            <a:stCxn id="81" idx="2"/>
+            <a:endCxn id="88" idx="0"/>
+          </p:cNvCxnSpPr>
+          <p:nvPr/>
+        </p:nvCxnSpPr>
+        <p:spPr>
+          <a:xfrm rot="16200000" flipH="1">
+            <a:off x="1456283" y="1523583"/>
+            <a:ext cx="240539" cy="531348"/>
+          </a:xfrm>
+          <a:prstGeom prst="bentConnector3">
+            <a:avLst>
+              <a:gd name="adj1" fmla="val 50000"/>
+            </a:avLst>
+          </a:prstGeom>
+          <a:ln w="19050">
+            <a:solidFill>
+              <a:srgbClr val="5DA2C5"/>
+            </a:solidFill>
+            <a:tailEnd type="stealth" w="lg" len="lg"/>
+          </a:ln>
+        </p:spPr>
+        <p:style>
+          <a:lnRef idx="1">
+            <a:schemeClr val="accent1"/>
+          </a:lnRef>
+          <a:fillRef idx="0">
+            <a:schemeClr val="accent1"/>
+          </a:fillRef>
+          <a:effectRef idx="0">
+            <a:schemeClr val="accent1"/>
+          </a:effectRef>
+          <a:fontRef idx="minor">
+            <a:schemeClr val="tx1"/>
+          </a:fontRef>
+        </p:style>
+      </p:cxnSp>
+      <p:cxnSp>
+        <p:nvCxnSpPr>
+          <p:cNvPr id="97" name="꺾인 연결선[E] 96">
+            <a:extLst>
+              <a:ext uri="{FF2B5EF4-FFF2-40B4-BE49-F238E27FC236}">
+                <a16:creationId xmlns:a16="http://schemas.microsoft.com/office/drawing/2014/main" id="{7AA004DE-E7E9-6245-BD79-CE879562E9B1}"/>
+              </a:ext>
+            </a:extLst>
+          </p:cNvPr>
+          <p:cNvCxnSpPr>
+            <a:cxnSpLocks/>
+            <a:stCxn id="88" idx="3"/>
+            <a:endCxn id="92" idx="1"/>
+          </p:cNvCxnSpPr>
+          <p:nvPr/>
+        </p:nvCxnSpPr>
+        <p:spPr>
+          <a:xfrm flipV="1">
+            <a:off x="2107900" y="2173391"/>
+            <a:ext cx="472177" cy="6004"/>
+          </a:xfrm>
+          <a:prstGeom prst="bentConnector3">
+            <a:avLst>
+              <a:gd name="adj1" fmla="val 50000"/>
+            </a:avLst>
+          </a:prstGeom>
+          <a:ln w="19050">
+            <a:solidFill>
+              <a:srgbClr val="5DA2C5"/>
+            </a:solidFill>
+            <a:tailEnd type="stealth" w="lg" len="lg"/>
+          </a:ln>
+        </p:spPr>
+        <p:style>
+          <a:lnRef idx="1">
+            <a:schemeClr val="accent1"/>
+          </a:lnRef>
+          <a:fillRef idx="0">
+            <a:schemeClr val="accent1"/>
+          </a:fillRef>
+          <a:effectRef idx="0">
+            <a:schemeClr val="accent1"/>
+          </a:effectRef>
+          <a:fontRef idx="minor">
+            <a:schemeClr val="tx1"/>
+          </a:fontRef>
+        </p:style>
+      </p:cxnSp>
+      <p:cxnSp>
+        <p:nvCxnSpPr>
+          <p:cNvPr id="98" name="꺾인 연결선[E] 97">
+            <a:extLst>
+              <a:ext uri="{FF2B5EF4-FFF2-40B4-BE49-F238E27FC236}">
+                <a16:creationId xmlns:a16="http://schemas.microsoft.com/office/drawing/2014/main" id="{168F1D5A-AED4-F44F-94AE-1CB4F0651E34}"/>
+              </a:ext>
+            </a:extLst>
+          </p:cNvPr>
+          <p:cNvCxnSpPr>
+            <a:cxnSpLocks/>
+            <a:stCxn id="91" idx="0"/>
+            <a:endCxn id="94" idx="2"/>
+          </p:cNvCxnSpPr>
+          <p:nvPr/>
+        </p:nvCxnSpPr>
+        <p:spPr>
+          <a:xfrm rot="5400000" flipH="1" flipV="1">
+            <a:off x="2943571" y="1568167"/>
+            <a:ext cx="240539" cy="436179"/>
+          </a:xfrm>
+          <a:prstGeom prst="bentConnector3">
+            <a:avLst>
+              <a:gd name="adj1" fmla="val 50000"/>
+            </a:avLst>
+          </a:prstGeom>
+          <a:ln w="19050">
+            <a:solidFill>
+              <a:srgbClr val="5DA2C5"/>
+            </a:solidFill>
+            <a:tailEnd type="stealth" w="lg" len="lg"/>
+          </a:ln>
+        </p:spPr>
+        <p:style>
+          <a:lnRef idx="1">
+            <a:schemeClr val="accent1"/>
+          </a:lnRef>
+          <a:fillRef idx="0">
+            <a:schemeClr val="accent1"/>
+          </a:fillRef>
+          <a:effectRef idx="0">
+            <a:schemeClr val="accent1"/>
+          </a:effectRef>
+          <a:fontRef idx="minor">
+            <a:schemeClr val="tx1"/>
+          </a:fontRef>
+        </p:style>
+      </p:cxnSp>
+      <p:cxnSp>
+        <p:nvCxnSpPr>
+          <p:cNvPr id="99" name="꺾인 연결선[E] 98">
+            <a:extLst>
+              <a:ext uri="{FF2B5EF4-FFF2-40B4-BE49-F238E27FC236}">
+                <a16:creationId xmlns:a16="http://schemas.microsoft.com/office/drawing/2014/main" id="{0AEB6BB5-485A-0D46-93B4-DEC9D2FE444B}"/>
+              </a:ext>
+            </a:extLst>
+          </p:cNvPr>
+          <p:cNvCxnSpPr>
+            <a:cxnSpLocks/>
+            <a:stCxn id="86" idx="3"/>
+            <a:endCxn id="94" idx="0"/>
+          </p:cNvCxnSpPr>
+          <p:nvPr/>
+        </p:nvCxnSpPr>
+        <p:spPr>
+          <a:xfrm>
+            <a:off x="2580077" y="749733"/>
+            <a:ext cx="701853" cy="376518"/>
+          </a:xfrm>
+          <a:prstGeom prst="bentConnector2">
+            <a:avLst/>
+          </a:prstGeom>
+          <a:ln w="19050">
+            <a:solidFill>
+              <a:srgbClr val="5DA2C5"/>
+            </a:solidFill>
+            <a:tailEnd type="stealth" w="lg" len="lg"/>
+          </a:ln>
+        </p:spPr>
+        <p:style>
+          <a:lnRef idx="1">
+            <a:schemeClr val="accent1"/>
+          </a:lnRef>
+          <a:fillRef idx="0">
+            <a:schemeClr val="accent1"/>
+          </a:fillRef>
+          <a:effectRef idx="0">
+            <a:schemeClr val="accent1"/>
+          </a:effectRef>
+          <a:fontRef idx="minor">
+            <a:schemeClr val="tx1"/>
+          </a:fontRef>
+        </p:style>
+      </p:cxnSp>
+      <p:cxnSp>
+        <p:nvCxnSpPr>
+          <p:cNvPr id="100" name="꺾인 연결선[E] 99">
+            <a:extLst>
+              <a:ext uri="{FF2B5EF4-FFF2-40B4-BE49-F238E27FC236}">
+                <a16:creationId xmlns:a16="http://schemas.microsoft.com/office/drawing/2014/main" id="{57A48DCD-1FA4-234C-B605-5F83B8EB817C}"/>
+              </a:ext>
+            </a:extLst>
+          </p:cNvPr>
+          <p:cNvCxnSpPr>
+            <a:cxnSpLocks/>
+            <a:stCxn id="82" idx="3"/>
+            <a:endCxn id="95" idx="1"/>
+          </p:cNvCxnSpPr>
+          <p:nvPr/>
+        </p:nvCxnSpPr>
+        <p:spPr>
+          <a:xfrm flipV="1">
+            <a:off x="1576552" y="1393117"/>
+            <a:ext cx="1439704" cy="3002"/>
+          </a:xfrm>
+          <a:prstGeom prst="bentConnector3">
+            <a:avLst>
+              <a:gd name="adj1" fmla="val 50000"/>
+            </a:avLst>
+          </a:prstGeom>
+          <a:ln w="19050">
+            <a:solidFill>
+              <a:srgbClr val="5DA2C5"/>
+            </a:solidFill>
+            <a:prstDash val="dash"/>
+            <a:tailEnd type="stealth" w="lg" len="lg"/>
+          </a:ln>
+        </p:spPr>
+        <p:style>
+          <a:lnRef idx="1">
+            <a:schemeClr val="accent1"/>
+          </a:lnRef>
+          <a:fillRef idx="0">
+            <a:schemeClr val="accent1"/>
+          </a:fillRef>
+          <a:effectRef idx="0">
+            <a:schemeClr val="accent1"/>
+          </a:effectRef>
+          <a:fontRef idx="minor">
+            <a:schemeClr val="tx1"/>
+          </a:fontRef>
+        </p:style>
+      </p:cxnSp>
+      <p:cxnSp>
+        <p:nvCxnSpPr>
+          <p:cNvPr id="101" name="꺾인 연결선[E] 100">
+            <a:extLst>
+              <a:ext uri="{FF2B5EF4-FFF2-40B4-BE49-F238E27FC236}">
+                <a16:creationId xmlns:a16="http://schemas.microsoft.com/office/drawing/2014/main" id="{88B3A4A0-D7F8-924F-8EAF-257B8CD4FE83}"/>
+              </a:ext>
+            </a:extLst>
+          </p:cNvPr>
+          <p:cNvCxnSpPr>
+            <a:cxnSpLocks/>
+          </p:cNvCxnSpPr>
+          <p:nvPr/>
+        </p:nvCxnSpPr>
+        <p:spPr>
+          <a:xfrm>
+            <a:off x="1597173" y="1556468"/>
+            <a:ext cx="1138391" cy="378921"/>
+          </a:xfrm>
+          <a:prstGeom prst="bentConnector2">
+            <a:avLst/>
+          </a:prstGeom>
+          <a:ln w="19050">
+            <a:solidFill>
+              <a:srgbClr val="5DA2C5"/>
+            </a:solidFill>
+            <a:prstDash val="dash"/>
+            <a:tailEnd type="stealth" w="lg" len="lg"/>
+          </a:ln>
+        </p:spPr>
+        <p:style>
+          <a:lnRef idx="1">
+            <a:schemeClr val="accent1"/>
+          </a:lnRef>
+          <a:fillRef idx="0">
+            <a:schemeClr val="accent1"/>
+          </a:fillRef>
+          <a:effectRef idx="0">
+            <a:schemeClr val="accent1"/>
+          </a:effectRef>
+          <a:fontRef idx="minor">
+            <a:schemeClr val="tx1"/>
+          </a:fontRef>
+        </p:style>
+      </p:cxnSp>
+      <p:grpSp>
+        <p:nvGrpSpPr>
+          <p:cNvPr id="103" name="그룹 102">
+            <a:extLst>
+              <a:ext uri="{FF2B5EF4-FFF2-40B4-BE49-F238E27FC236}">
+                <a16:creationId xmlns:a16="http://schemas.microsoft.com/office/drawing/2014/main" id="{817BBD5F-0F7A-2542-BFA6-CFC59F0A3B0D}"/>
+              </a:ext>
+            </a:extLst>
+          </p:cNvPr>
+          <p:cNvGrpSpPr/>
+          <p:nvPr/>
+        </p:nvGrpSpPr>
+        <p:grpSpPr>
+          <a:xfrm>
+            <a:off x="7058799" y="1025661"/>
+            <a:ext cx="1685840" cy="539735"/>
+            <a:chOff x="3737640" y="1066800"/>
+            <a:chExt cx="1408101" cy="539735"/>
+          </a:xfrm>
+        </p:grpSpPr>
+        <p:sp>
+          <p:nvSpPr>
+            <p:cNvPr id="104" name="직사각형 103">
+              <a:extLst>
+                <a:ext uri="{FF2B5EF4-FFF2-40B4-BE49-F238E27FC236}">
+                  <a16:creationId xmlns:a16="http://schemas.microsoft.com/office/drawing/2014/main" id="{0970B7BC-BE8C-4A43-9E50-E9F5512A8ED1}"/>
+                </a:ext>
+              </a:extLst>
+            </p:cNvPr>
+            <p:cNvSpPr/>
+            <p:nvPr/>
+          </p:nvSpPr>
+          <p:spPr>
+            <a:xfrm>
+              <a:off x="3737640" y="1066800"/>
+              <a:ext cx="1408101" cy="539735"/>
+            </a:xfrm>
+            <a:prstGeom prst="rect">
+              <a:avLst/>
+            </a:prstGeom>
+            <a:ln w="25400">
+              <a:solidFill>
+                <a:srgbClr val="5DA2C5"/>
+              </a:solidFill>
+            </a:ln>
+          </p:spPr>
+          <p:style>
+            <a:lnRef idx="1">
+              <a:schemeClr val="accent1"/>
+            </a:lnRef>
+            <a:fillRef idx="0">
+              <a:schemeClr val="accent1"/>
+            </a:fillRef>
+            <a:effectRef idx="0">
+              <a:schemeClr val="accent1"/>
+            </a:effectRef>
+            <a:fontRef idx="minor">
+              <a:schemeClr val="tx1"/>
+            </a:fontRef>
+          </p:style>
+          <p:txBody>
+            <a:bodyPr rtlCol="0" anchor="ctr"/>
+            <a:lstStyle/>
+            <a:p>
+              <a:pPr algn="ctr"/>
+              <a:endParaRPr kumimoji="1" lang="ko-Kore-KR" altLang="en-US"/>
+            </a:p>
+          </p:txBody>
+        </p:sp>
+        <p:sp>
+          <p:nvSpPr>
+            <p:cNvPr id="105" name="TextBox 104">
+              <a:extLst>
+                <a:ext uri="{FF2B5EF4-FFF2-40B4-BE49-F238E27FC236}">
+                  <a16:creationId xmlns:a16="http://schemas.microsoft.com/office/drawing/2014/main" id="{4BD130F3-8027-5046-9DE9-461D225D637B}"/>
+                </a:ext>
+              </a:extLst>
+            </p:cNvPr>
+            <p:cNvSpPr txBox="1"/>
+            <p:nvPr/>
+          </p:nvSpPr>
+          <p:spPr>
+            <a:xfrm>
+              <a:off x="3737640" y="1164389"/>
+              <a:ext cx="1408101" cy="338554"/>
+            </a:xfrm>
+            <a:prstGeom prst="rect">
+              <a:avLst/>
+            </a:prstGeom>
+            <a:noFill/>
+          </p:spPr>
+          <p:txBody>
+            <a:bodyPr wrap="square" rtlCol="0">
+              <a:spAutoFit/>
+            </a:bodyPr>
+            <a:lstStyle/>
+            <a:p>
+              <a:pPr algn="ctr"/>
+              <a:r>
+                <a:rPr kumimoji="1" lang="en-US" altLang="ko-Kore-KR" sz="1600" b="1" dirty="0">
+                  <a:solidFill>
+                    <a:srgbClr val="5DA2C5"/>
+                  </a:solidFill>
+                  <a:latin typeface="SHeadG" panose="02030600000101010101" pitchFamily="18" charset="-127"/>
+                  <a:ea typeface="SHeadG" panose="02030600000101010101" pitchFamily="18" charset="-127"/>
+                </a:rPr>
+                <a:t>Service</a:t>
+              </a:r>
+              <a:endParaRPr kumimoji="1" lang="ko-Kore-KR" altLang="en-US" sz="1200" b="1" dirty="0">
+                <a:solidFill>
+                  <a:srgbClr val="5DA2C5"/>
+                </a:solidFill>
+                <a:latin typeface="SHeadG" panose="02030600000101010101" pitchFamily="18" charset="-127"/>
+                <a:ea typeface="SHeadG" panose="02030600000101010101" pitchFamily="18" charset="-127"/>
+              </a:endParaRPr>
+            </a:p>
+          </p:txBody>
+        </p:sp>
+      </p:grpSp>
+      <p:grpSp>
+        <p:nvGrpSpPr>
+          <p:cNvPr id="106" name="그룹 105">
+            <a:extLst>
+              <a:ext uri="{FF2B5EF4-FFF2-40B4-BE49-F238E27FC236}">
+                <a16:creationId xmlns:a16="http://schemas.microsoft.com/office/drawing/2014/main" id="{5B2E0E80-3D7F-EB49-B63D-39DBD4B945B1}"/>
+              </a:ext>
+            </a:extLst>
+          </p:cNvPr>
+          <p:cNvGrpSpPr/>
+          <p:nvPr/>
+        </p:nvGrpSpPr>
+        <p:grpSpPr>
+          <a:xfrm>
+            <a:off x="5715660" y="3439950"/>
+            <a:ext cx="1685840" cy="539735"/>
+            <a:chOff x="3737640" y="1066800"/>
+            <a:chExt cx="1408101" cy="539735"/>
+          </a:xfrm>
+        </p:grpSpPr>
+        <p:sp>
+          <p:nvSpPr>
+            <p:cNvPr id="107" name="직사각형 106">
+              <a:extLst>
+                <a:ext uri="{FF2B5EF4-FFF2-40B4-BE49-F238E27FC236}">
+                  <a16:creationId xmlns:a16="http://schemas.microsoft.com/office/drawing/2014/main" id="{587D6386-8104-B848-9F1F-C134581B6476}"/>
+                </a:ext>
+              </a:extLst>
+            </p:cNvPr>
+            <p:cNvSpPr/>
+            <p:nvPr/>
+          </p:nvSpPr>
+          <p:spPr>
+            <a:xfrm>
+              <a:off x="3737640" y="1066800"/>
+              <a:ext cx="1408101" cy="539735"/>
+            </a:xfrm>
+            <a:prstGeom prst="rect">
+              <a:avLst/>
+            </a:prstGeom>
+            <a:ln w="25400">
+              <a:solidFill>
+                <a:srgbClr val="5DA2C5"/>
+              </a:solidFill>
+            </a:ln>
+          </p:spPr>
+          <p:style>
+            <a:lnRef idx="1">
+              <a:schemeClr val="accent1"/>
+            </a:lnRef>
+            <a:fillRef idx="0">
+              <a:schemeClr val="accent1"/>
+            </a:fillRef>
+            <a:effectRef idx="0">
+              <a:schemeClr val="accent1"/>
+            </a:effectRef>
+            <a:fontRef idx="minor">
+              <a:schemeClr val="tx1"/>
+            </a:fontRef>
+          </p:style>
+          <p:txBody>
+            <a:bodyPr rtlCol="0" anchor="ctr"/>
+            <a:lstStyle/>
+            <a:p>
+              <a:pPr algn="ctr"/>
+              <a:endParaRPr kumimoji="1" lang="ko-Kore-KR" altLang="en-US"/>
+            </a:p>
+          </p:txBody>
+        </p:sp>
+        <p:sp>
+          <p:nvSpPr>
+            <p:cNvPr id="108" name="TextBox 107">
+              <a:extLst>
+                <a:ext uri="{FF2B5EF4-FFF2-40B4-BE49-F238E27FC236}">
+                  <a16:creationId xmlns:a16="http://schemas.microsoft.com/office/drawing/2014/main" id="{13586CDC-D619-5C45-9EA5-9E0AB9D4B300}"/>
+                </a:ext>
+              </a:extLst>
+            </p:cNvPr>
+            <p:cNvSpPr txBox="1"/>
+            <p:nvPr/>
+          </p:nvSpPr>
+          <p:spPr>
+            <a:xfrm>
+              <a:off x="3737640" y="1164389"/>
+              <a:ext cx="1408101" cy="338554"/>
+            </a:xfrm>
+            <a:prstGeom prst="rect">
+              <a:avLst/>
+            </a:prstGeom>
+            <a:noFill/>
+          </p:spPr>
+          <p:txBody>
+            <a:bodyPr wrap="square" rtlCol="0">
+              <a:spAutoFit/>
+            </a:bodyPr>
+            <a:lstStyle/>
+            <a:p>
+              <a:pPr algn="ctr"/>
+              <a:r>
+                <a:rPr kumimoji="1" lang="en-US" altLang="ko-Kore-KR" sz="1600" b="1" dirty="0">
+                  <a:solidFill>
+                    <a:srgbClr val="5DA2C5"/>
+                  </a:solidFill>
+                  <a:latin typeface="SHeadG" panose="02030600000101010101" pitchFamily="18" charset="-127"/>
+                  <a:ea typeface="SHeadG" panose="02030600000101010101" pitchFamily="18" charset="-127"/>
+                </a:rPr>
+                <a:t>Entity</a:t>
+              </a:r>
+              <a:endParaRPr kumimoji="1" lang="ko-Kore-KR" altLang="en-US" sz="1200" b="1" dirty="0">
+                <a:solidFill>
+                  <a:srgbClr val="5DA2C5"/>
+                </a:solidFill>
+                <a:latin typeface="SHeadG" panose="02030600000101010101" pitchFamily="18" charset="-127"/>
+                <a:ea typeface="SHeadG" panose="02030600000101010101" pitchFamily="18" charset="-127"/>
+              </a:endParaRPr>
+            </a:p>
+          </p:txBody>
+        </p:sp>
+      </p:grpSp>
+      <p:grpSp>
+        <p:nvGrpSpPr>
+          <p:cNvPr id="109" name="그룹 108">
+            <a:extLst>
+              <a:ext uri="{FF2B5EF4-FFF2-40B4-BE49-F238E27FC236}">
+                <a16:creationId xmlns:a16="http://schemas.microsoft.com/office/drawing/2014/main" id="{D5F9F73F-595D-2040-8B78-7B477790BFC6}"/>
+              </a:ext>
+            </a:extLst>
+          </p:cNvPr>
+          <p:cNvGrpSpPr/>
+          <p:nvPr/>
+        </p:nvGrpSpPr>
+        <p:grpSpPr>
+          <a:xfrm>
+            <a:off x="8412956" y="3439950"/>
+            <a:ext cx="1685840" cy="539735"/>
+            <a:chOff x="3737640" y="1066800"/>
+            <a:chExt cx="1408101" cy="539735"/>
+          </a:xfrm>
+        </p:grpSpPr>
+        <p:sp>
+          <p:nvSpPr>
+            <p:cNvPr id="110" name="직사각형 109">
+              <a:extLst>
+                <a:ext uri="{FF2B5EF4-FFF2-40B4-BE49-F238E27FC236}">
+                  <a16:creationId xmlns:a16="http://schemas.microsoft.com/office/drawing/2014/main" id="{AB500322-714A-2149-A655-5F8E92938DBF}"/>
+                </a:ext>
+              </a:extLst>
+            </p:cNvPr>
+            <p:cNvSpPr/>
+            <p:nvPr/>
+          </p:nvSpPr>
+          <p:spPr>
+            <a:xfrm>
+              <a:off x="3737640" y="1066800"/>
+              <a:ext cx="1408101" cy="539735"/>
+            </a:xfrm>
+            <a:prstGeom prst="rect">
+              <a:avLst/>
+            </a:prstGeom>
+            <a:ln w="25400">
+              <a:solidFill>
+                <a:srgbClr val="5DA2C5"/>
+              </a:solidFill>
+            </a:ln>
+          </p:spPr>
+          <p:style>
+            <a:lnRef idx="1">
+              <a:schemeClr val="accent1"/>
+            </a:lnRef>
+            <a:fillRef idx="0">
+              <a:schemeClr val="accent1"/>
+            </a:fillRef>
+            <a:effectRef idx="0">
+              <a:schemeClr val="accent1"/>
+            </a:effectRef>
+            <a:fontRef idx="minor">
+              <a:schemeClr val="tx1"/>
+            </a:fontRef>
+          </p:style>
+          <p:txBody>
+            <a:bodyPr rtlCol="0" anchor="ctr"/>
+            <a:lstStyle/>
+            <a:p>
+              <a:pPr algn="ctr"/>
+              <a:endParaRPr kumimoji="1" lang="ko-Kore-KR" altLang="en-US"/>
+            </a:p>
+          </p:txBody>
+        </p:sp>
+        <p:sp>
+          <p:nvSpPr>
+            <p:cNvPr id="111" name="TextBox 110">
+              <a:extLst>
+                <a:ext uri="{FF2B5EF4-FFF2-40B4-BE49-F238E27FC236}">
+                  <a16:creationId xmlns:a16="http://schemas.microsoft.com/office/drawing/2014/main" id="{BDEF51E9-39AD-FB4D-996C-3A2546AE1F7B}"/>
+                </a:ext>
+              </a:extLst>
+            </p:cNvPr>
+            <p:cNvSpPr txBox="1"/>
+            <p:nvPr/>
+          </p:nvSpPr>
+          <p:spPr>
+            <a:xfrm>
+              <a:off x="3737640" y="1173325"/>
+              <a:ext cx="1408101" cy="307777"/>
+            </a:xfrm>
+            <a:prstGeom prst="rect">
+              <a:avLst/>
+            </a:prstGeom>
+            <a:noFill/>
+          </p:spPr>
+          <p:txBody>
+            <a:bodyPr wrap="square" rtlCol="0">
+              <a:spAutoFit/>
+            </a:bodyPr>
+            <a:lstStyle/>
+            <a:p>
+              <a:pPr algn="ctr"/>
+              <a:r>
+                <a:rPr kumimoji="1" lang="en-US" altLang="ko-Kore-KR" sz="1400" b="1" dirty="0" err="1">
+                  <a:solidFill>
+                    <a:srgbClr val="5DA2C5"/>
+                  </a:solidFill>
+                  <a:latin typeface="SHeadG" panose="02030600000101010101" pitchFamily="18" charset="-127"/>
+                  <a:ea typeface="SHeadG" panose="02030600000101010101" pitchFamily="18" charset="-127"/>
+                </a:rPr>
+                <a:t>RepositoryImpl</a:t>
+              </a:r>
+              <a:endParaRPr kumimoji="1" lang="ko-Kore-KR" altLang="en-US" sz="1100" b="1" dirty="0">
+                <a:solidFill>
+                  <a:srgbClr val="5DA2C5"/>
+                </a:solidFill>
+                <a:latin typeface="SHeadG" panose="02030600000101010101" pitchFamily="18" charset="-127"/>
+                <a:ea typeface="SHeadG" panose="02030600000101010101" pitchFamily="18" charset="-127"/>
+              </a:endParaRPr>
+            </a:p>
+          </p:txBody>
+        </p:sp>
+      </p:grpSp>
+      <p:sp>
+        <p:nvSpPr>
+          <p:cNvPr id="112" name="직사각형 111">
+            <a:extLst>
+              <a:ext uri="{FF2B5EF4-FFF2-40B4-BE49-F238E27FC236}">
+                <a16:creationId xmlns:a16="http://schemas.microsoft.com/office/drawing/2014/main" id="{5DA3A684-F25E-F447-BD8C-F0B6BB61E141}"/>
+              </a:ext>
+            </a:extLst>
+          </p:cNvPr>
+          <p:cNvSpPr/>
+          <p:nvPr/>
+        </p:nvSpPr>
+        <p:spPr>
+          <a:xfrm>
+            <a:off x="5348306" y="837283"/>
+            <a:ext cx="5090299" cy="2051058"/>
+          </a:xfrm>
+          <a:prstGeom prst="rect">
+            <a:avLst/>
+          </a:prstGeom>
+          <a:ln w="25400">
+            <a:solidFill>
+              <a:srgbClr val="5DA2C5"/>
+            </a:solidFill>
+          </a:ln>
+        </p:spPr>
+        <p:style>
+          <a:lnRef idx="1">
+            <a:schemeClr val="accent1"/>
+          </a:lnRef>
+          <a:fillRef idx="0">
+            <a:schemeClr val="accent1"/>
+          </a:fillRef>
+          <a:effectRef idx="0">
+            <a:schemeClr val="accent1"/>
+          </a:effectRef>
+          <a:fontRef idx="minor">
+            <a:schemeClr val="tx1"/>
+          </a:fontRef>
+        </p:style>
+        <p:txBody>
+          <a:bodyPr rtlCol="0" anchor="ctr"/>
+          <a:lstStyle/>
+          <a:p>
+            <a:pPr algn="ctr"/>
+            <a:endParaRPr kumimoji="1" lang="ko-Kore-KR" altLang="en-US"/>
+          </a:p>
+        </p:txBody>
+      </p:sp>
+      <p:sp>
+        <p:nvSpPr>
+          <p:cNvPr id="113" name="직사각형 112">
+            <a:extLst>
+              <a:ext uri="{FF2B5EF4-FFF2-40B4-BE49-F238E27FC236}">
+                <a16:creationId xmlns:a16="http://schemas.microsoft.com/office/drawing/2014/main" id="{4F40524A-2BA1-9240-AFBD-EBD58063CA96}"/>
+              </a:ext>
+            </a:extLst>
+          </p:cNvPr>
+          <p:cNvSpPr/>
+          <p:nvPr/>
+        </p:nvSpPr>
+        <p:spPr>
+          <a:xfrm>
+            <a:off x="5348307" y="3164143"/>
+            <a:ext cx="5090299" cy="1091345"/>
+          </a:xfrm>
+          <a:prstGeom prst="rect">
+            <a:avLst/>
+          </a:prstGeom>
+          <a:ln w="25400">
+            <a:solidFill>
+              <a:srgbClr val="5DA2C5"/>
+            </a:solidFill>
+          </a:ln>
+        </p:spPr>
+        <p:style>
+          <a:lnRef idx="1">
+            <a:schemeClr val="accent1"/>
+          </a:lnRef>
+          <a:fillRef idx="0">
+            <a:schemeClr val="accent1"/>
+          </a:fillRef>
+          <a:effectRef idx="0">
+            <a:schemeClr val="accent1"/>
+          </a:effectRef>
+          <a:fontRef idx="minor">
+            <a:schemeClr val="tx1"/>
+          </a:fontRef>
+        </p:style>
+        <p:txBody>
+          <a:bodyPr rtlCol="0" anchor="ctr"/>
+          <a:lstStyle/>
+          <a:p>
+            <a:pPr algn="ctr"/>
+            <a:endParaRPr kumimoji="1" lang="ko-Kore-KR" altLang="en-US"/>
+          </a:p>
+        </p:txBody>
+      </p:sp>
+      <p:sp>
+        <p:nvSpPr>
+          <p:cNvPr id="114" name="TextBox 113">
+            <a:extLst>
+              <a:ext uri="{FF2B5EF4-FFF2-40B4-BE49-F238E27FC236}">
+                <a16:creationId xmlns:a16="http://schemas.microsoft.com/office/drawing/2014/main" id="{0D4198E2-0A5D-5D48-9AE3-3132305EF933}"/>
+              </a:ext>
+            </a:extLst>
+          </p:cNvPr>
+          <p:cNvSpPr txBox="1"/>
+          <p:nvPr/>
+        </p:nvSpPr>
+        <p:spPr>
+          <a:xfrm rot="16200000">
+            <a:off x="4556631" y="1636950"/>
+            <a:ext cx="1103220" cy="276999"/>
+          </a:xfrm>
+          <a:prstGeom prst="rect">
+            <a:avLst/>
+          </a:prstGeom>
+          <a:noFill/>
+        </p:spPr>
+        <p:txBody>
+          <a:bodyPr wrap="square" rtlCol="0">
+            <a:spAutoFit/>
+          </a:bodyPr>
+          <a:lstStyle/>
+          <a:p>
+            <a:pPr algn="ctr"/>
+            <a:r>
+              <a:rPr kumimoji="1" lang="en-US" altLang="ko-Kore-KR" sz="1200" b="1" dirty="0">
+                <a:solidFill>
+                  <a:srgbClr val="5DA2C5"/>
+                </a:solidFill>
+                <a:latin typeface="SHeadG" panose="02030600000101010101" pitchFamily="18" charset="-127"/>
+                <a:ea typeface="SHeadG" panose="02030600000101010101" pitchFamily="18" charset="-127"/>
+              </a:rPr>
+              <a:t>Domain</a:t>
+            </a:r>
+            <a:endParaRPr kumimoji="1" lang="ko-Kore-KR" altLang="en-US" sz="1200" b="1" dirty="0">
+              <a:solidFill>
+                <a:srgbClr val="5DA2C5"/>
+              </a:solidFill>
+              <a:latin typeface="SHeadG" panose="02030600000101010101" pitchFamily="18" charset="-127"/>
+              <a:ea typeface="SHeadG" panose="02030600000101010101" pitchFamily="18" charset="-127"/>
+            </a:endParaRPr>
+          </a:p>
+        </p:txBody>
+      </p:sp>
+      <p:sp>
+        <p:nvSpPr>
+          <p:cNvPr id="115" name="TextBox 114">
+            <a:extLst>
+              <a:ext uri="{FF2B5EF4-FFF2-40B4-BE49-F238E27FC236}">
+                <a16:creationId xmlns:a16="http://schemas.microsoft.com/office/drawing/2014/main" id="{5FC1655E-6FE5-4949-9104-CF7F793A1FA8}"/>
+              </a:ext>
+            </a:extLst>
+          </p:cNvPr>
+          <p:cNvSpPr txBox="1"/>
+          <p:nvPr/>
+        </p:nvSpPr>
+        <p:spPr>
+          <a:xfrm rot="16200000">
+            <a:off x="4545432" y="3577253"/>
+            <a:ext cx="1103220" cy="276999"/>
+          </a:xfrm>
+          <a:prstGeom prst="rect">
+            <a:avLst/>
+          </a:prstGeom>
+          <a:noFill/>
+        </p:spPr>
+        <p:txBody>
+          <a:bodyPr wrap="square" rtlCol="0">
+            <a:spAutoFit/>
+          </a:bodyPr>
+          <a:lstStyle/>
+          <a:p>
+            <a:pPr algn="ctr"/>
+            <a:r>
+              <a:rPr kumimoji="1" lang="en-US" altLang="ko-Kore-KR" sz="1200" b="1" dirty="0">
+                <a:solidFill>
+                  <a:srgbClr val="5DA2C5"/>
+                </a:solidFill>
+                <a:latin typeface="SHeadG" panose="02030600000101010101" pitchFamily="18" charset="-127"/>
+                <a:ea typeface="SHeadG" panose="02030600000101010101" pitchFamily="18" charset="-127"/>
+              </a:rPr>
+              <a:t>Persistence</a:t>
+            </a:r>
+            <a:endParaRPr kumimoji="1" lang="ko-Kore-KR" altLang="en-US" sz="1200" b="1" dirty="0">
+              <a:solidFill>
+                <a:srgbClr val="5DA2C5"/>
+              </a:solidFill>
+              <a:latin typeface="SHeadG" panose="02030600000101010101" pitchFamily="18" charset="-127"/>
+              <a:ea typeface="SHeadG" panose="02030600000101010101" pitchFamily="18" charset="-127"/>
+            </a:endParaRPr>
+          </a:p>
+        </p:txBody>
+      </p:sp>
+      <p:cxnSp>
+        <p:nvCxnSpPr>
+          <p:cNvPr id="116" name="꺾인 연결선[E] 115">
+            <a:extLst>
+              <a:ext uri="{FF2B5EF4-FFF2-40B4-BE49-F238E27FC236}">
+                <a16:creationId xmlns:a16="http://schemas.microsoft.com/office/drawing/2014/main" id="{FE04E80D-9881-BC42-B54C-B7A7997131AE}"/>
+              </a:ext>
+            </a:extLst>
+          </p:cNvPr>
+          <p:cNvCxnSpPr>
+            <a:cxnSpLocks/>
+            <a:stCxn id="105" idx="1"/>
+            <a:endCxn id="120" idx="0"/>
+          </p:cNvCxnSpPr>
+          <p:nvPr/>
+        </p:nvCxnSpPr>
+        <p:spPr>
+          <a:xfrm rot="10800000" flipV="1">
+            <a:off x="6558581" y="1292527"/>
+            <a:ext cx="500219" cy="610996"/>
+          </a:xfrm>
+          <a:prstGeom prst="bentConnector2">
+            <a:avLst/>
+          </a:prstGeom>
+          <a:ln w="19050">
+            <a:solidFill>
+              <a:srgbClr val="5DA2C5"/>
+            </a:solidFill>
+            <a:tailEnd type="stealth" w="lg" len="lg"/>
+          </a:ln>
+        </p:spPr>
+        <p:style>
+          <a:lnRef idx="1">
+            <a:schemeClr val="accent1"/>
+          </a:lnRef>
+          <a:fillRef idx="0">
+            <a:schemeClr val="accent1"/>
+          </a:fillRef>
+          <a:effectRef idx="0">
+            <a:schemeClr val="accent1"/>
+          </a:effectRef>
+          <a:fontRef idx="minor">
+            <a:schemeClr val="tx1"/>
+          </a:fontRef>
+        </p:style>
+      </p:cxnSp>
+      <p:cxnSp>
+        <p:nvCxnSpPr>
+          <p:cNvPr id="117" name="꺾인 연결선[E] 116">
+            <a:extLst>
+              <a:ext uri="{FF2B5EF4-FFF2-40B4-BE49-F238E27FC236}">
+                <a16:creationId xmlns:a16="http://schemas.microsoft.com/office/drawing/2014/main" id="{38478F1F-7F2D-0145-BF6B-D9BF627FF4C0}"/>
+              </a:ext>
+            </a:extLst>
+          </p:cNvPr>
+          <p:cNvCxnSpPr>
+            <a:cxnSpLocks/>
+            <a:stCxn id="105" idx="3"/>
+            <a:endCxn id="40" idx="0"/>
+          </p:cNvCxnSpPr>
+          <p:nvPr/>
+        </p:nvCxnSpPr>
+        <p:spPr>
+          <a:xfrm>
+            <a:off x="8744639" y="1292527"/>
+            <a:ext cx="602812" cy="484872"/>
+          </a:xfrm>
+          <a:prstGeom prst="bentConnector2">
+            <a:avLst/>
+          </a:prstGeom>
+          <a:ln w="19050">
+            <a:solidFill>
+              <a:srgbClr val="5DA2C5"/>
+            </a:solidFill>
+            <a:tailEnd type="stealth" w="lg" len="lg"/>
+          </a:ln>
+        </p:spPr>
+        <p:style>
+          <a:lnRef idx="1">
+            <a:schemeClr val="accent1"/>
+          </a:lnRef>
+          <a:fillRef idx="0">
+            <a:schemeClr val="accent1"/>
+          </a:fillRef>
+          <a:effectRef idx="0">
+            <a:schemeClr val="accent1"/>
+          </a:effectRef>
+          <a:fontRef idx="minor">
+            <a:schemeClr val="tx1"/>
+          </a:fontRef>
+        </p:style>
+      </p:cxnSp>
+      <p:cxnSp>
+        <p:nvCxnSpPr>
+          <p:cNvPr id="118" name="직선 화살표 연결선 117">
+            <a:extLst>
+              <a:ext uri="{FF2B5EF4-FFF2-40B4-BE49-F238E27FC236}">
+                <a16:creationId xmlns:a16="http://schemas.microsoft.com/office/drawing/2014/main" id="{A3C62510-0DC1-1346-9184-7E717B9E15C0}"/>
+              </a:ext>
+            </a:extLst>
+          </p:cNvPr>
+          <p:cNvCxnSpPr>
+            <a:cxnSpLocks/>
+            <a:stCxn id="110" idx="1"/>
+            <a:endCxn id="107" idx="3"/>
+          </p:cNvCxnSpPr>
+          <p:nvPr/>
+        </p:nvCxnSpPr>
+        <p:spPr>
+          <a:xfrm flipH="1">
+            <a:off x="7401500" y="3709818"/>
+            <a:ext cx="1011456" cy="0"/>
+          </a:xfrm>
+          <a:prstGeom prst="straightConnector1">
+            <a:avLst/>
+          </a:prstGeom>
+          <a:ln w="19050">
+            <a:solidFill>
+              <a:srgbClr val="5DA2C5"/>
+            </a:solidFill>
+            <a:tailEnd type="stealth" w="lg" len="lg"/>
+          </a:ln>
+        </p:spPr>
+        <p:style>
+          <a:lnRef idx="1">
+            <a:schemeClr val="accent1"/>
+          </a:lnRef>
+          <a:fillRef idx="0">
+            <a:schemeClr val="accent1"/>
+          </a:fillRef>
+          <a:effectRef idx="0">
+            <a:schemeClr val="accent1"/>
+          </a:effectRef>
+          <a:fontRef idx="minor">
+            <a:schemeClr val="tx1"/>
+          </a:fontRef>
+        </p:style>
+      </p:cxnSp>
+      <p:grpSp>
+        <p:nvGrpSpPr>
+          <p:cNvPr id="119" name="그룹 118">
+            <a:extLst>
+              <a:ext uri="{FF2B5EF4-FFF2-40B4-BE49-F238E27FC236}">
+                <a16:creationId xmlns:a16="http://schemas.microsoft.com/office/drawing/2014/main" id="{F72E8A54-700C-7840-9AEA-952039BD6F51}"/>
+              </a:ext>
+            </a:extLst>
+          </p:cNvPr>
+          <p:cNvGrpSpPr/>
+          <p:nvPr/>
+        </p:nvGrpSpPr>
+        <p:grpSpPr>
+          <a:xfrm>
+            <a:off x="5715660" y="1903523"/>
+            <a:ext cx="1685840" cy="539735"/>
+            <a:chOff x="3737640" y="1066800"/>
+            <a:chExt cx="1408101" cy="539735"/>
+          </a:xfrm>
+        </p:grpSpPr>
+        <p:sp>
+          <p:nvSpPr>
+            <p:cNvPr id="120" name="직사각형 119">
+              <a:extLst>
+                <a:ext uri="{FF2B5EF4-FFF2-40B4-BE49-F238E27FC236}">
+                  <a16:creationId xmlns:a16="http://schemas.microsoft.com/office/drawing/2014/main" id="{8349172F-ADEA-9F45-9D6C-11569527B4BF}"/>
+                </a:ext>
+              </a:extLst>
+            </p:cNvPr>
+            <p:cNvSpPr/>
+            <p:nvPr/>
+          </p:nvSpPr>
+          <p:spPr>
+            <a:xfrm>
+              <a:off x="3737640" y="1066800"/>
+              <a:ext cx="1408101" cy="539735"/>
+            </a:xfrm>
+            <a:prstGeom prst="rect">
+              <a:avLst/>
+            </a:prstGeom>
+            <a:ln w="25400">
+              <a:solidFill>
+                <a:srgbClr val="5DA2C5"/>
+              </a:solidFill>
+            </a:ln>
+          </p:spPr>
+          <p:style>
+            <a:lnRef idx="1">
+              <a:schemeClr val="accent1"/>
+            </a:lnRef>
+            <a:fillRef idx="0">
+              <a:schemeClr val="accent1"/>
+            </a:fillRef>
+            <a:effectRef idx="0">
+              <a:schemeClr val="accent1"/>
+            </a:effectRef>
+            <a:fontRef idx="minor">
+              <a:schemeClr val="tx1"/>
+            </a:fontRef>
+          </p:style>
+          <p:txBody>
+            <a:bodyPr rtlCol="0" anchor="ctr"/>
+            <a:lstStyle/>
+            <a:p>
+              <a:pPr algn="ctr"/>
+              <a:endParaRPr kumimoji="1" lang="ko-Kore-KR" altLang="en-US"/>
+            </a:p>
+          </p:txBody>
+        </p:sp>
+        <p:sp>
+          <p:nvSpPr>
+            <p:cNvPr id="121" name="TextBox 120">
+              <a:extLst>
+                <a:ext uri="{FF2B5EF4-FFF2-40B4-BE49-F238E27FC236}">
+                  <a16:creationId xmlns:a16="http://schemas.microsoft.com/office/drawing/2014/main" id="{171E43C6-78CB-6F4D-B151-186641B59E34}"/>
+                </a:ext>
+              </a:extLst>
+            </p:cNvPr>
+            <p:cNvSpPr txBox="1"/>
+            <p:nvPr/>
+          </p:nvSpPr>
+          <p:spPr>
+            <a:xfrm>
+              <a:off x="3737640" y="1164389"/>
+              <a:ext cx="1408101" cy="338554"/>
+            </a:xfrm>
+            <a:prstGeom prst="rect">
+              <a:avLst/>
+            </a:prstGeom>
+            <a:noFill/>
+          </p:spPr>
+          <p:txBody>
+            <a:bodyPr wrap="square" rtlCol="0">
+              <a:spAutoFit/>
+            </a:bodyPr>
+            <a:lstStyle/>
+            <a:p>
+              <a:pPr algn="ctr"/>
+              <a:r>
+                <a:rPr kumimoji="1" lang="en-US" altLang="ko-Kore-KR" sz="1600" b="1" dirty="0">
+                  <a:solidFill>
+                    <a:srgbClr val="5DA2C5"/>
+                  </a:solidFill>
+                  <a:latin typeface="SHeadG" panose="02030600000101010101" pitchFamily="18" charset="-127"/>
+                  <a:ea typeface="SHeadG" panose="02030600000101010101" pitchFamily="18" charset="-127"/>
+                </a:rPr>
+                <a:t>Entity</a:t>
+              </a:r>
+              <a:endParaRPr kumimoji="1" lang="ko-Kore-KR" altLang="en-US" sz="1200" b="1" dirty="0">
+                <a:solidFill>
+                  <a:srgbClr val="5DA2C5"/>
+                </a:solidFill>
+                <a:latin typeface="SHeadG" panose="02030600000101010101" pitchFamily="18" charset="-127"/>
+                <a:ea typeface="SHeadG" panose="02030600000101010101" pitchFamily="18" charset="-127"/>
+              </a:endParaRPr>
+            </a:p>
+          </p:txBody>
+        </p:sp>
+      </p:grpSp>
+      <p:grpSp>
+        <p:nvGrpSpPr>
+          <p:cNvPr id="122" name="그룹 121">
+            <a:extLst>
+              <a:ext uri="{FF2B5EF4-FFF2-40B4-BE49-F238E27FC236}">
+                <a16:creationId xmlns:a16="http://schemas.microsoft.com/office/drawing/2014/main" id="{16C93BFE-BE69-E840-BDD2-4A9A0D86A922}"/>
+              </a:ext>
+            </a:extLst>
+          </p:cNvPr>
+          <p:cNvGrpSpPr/>
+          <p:nvPr/>
+        </p:nvGrpSpPr>
+        <p:grpSpPr>
+          <a:xfrm>
+            <a:off x="8401939" y="1909526"/>
+            <a:ext cx="1685840" cy="539735"/>
+            <a:chOff x="3737640" y="1066800"/>
+            <a:chExt cx="1408101" cy="539735"/>
+          </a:xfrm>
+        </p:grpSpPr>
+        <p:sp>
+          <p:nvSpPr>
+            <p:cNvPr id="123" name="직사각형 122">
+              <a:extLst>
+                <a:ext uri="{FF2B5EF4-FFF2-40B4-BE49-F238E27FC236}">
+                  <a16:creationId xmlns:a16="http://schemas.microsoft.com/office/drawing/2014/main" id="{D6F827B1-8745-6643-BAFF-365BA320C0F8}"/>
+                </a:ext>
+              </a:extLst>
+            </p:cNvPr>
+            <p:cNvSpPr/>
+            <p:nvPr/>
+          </p:nvSpPr>
+          <p:spPr>
+            <a:xfrm>
+              <a:off x="3737640" y="1066800"/>
+              <a:ext cx="1408101" cy="539735"/>
+            </a:xfrm>
+            <a:prstGeom prst="rect">
+              <a:avLst/>
+            </a:prstGeom>
+            <a:ln w="25400">
+              <a:solidFill>
+                <a:srgbClr val="5DA2C5"/>
+              </a:solidFill>
+            </a:ln>
+          </p:spPr>
+          <p:style>
+            <a:lnRef idx="1">
+              <a:schemeClr val="accent1"/>
+            </a:lnRef>
+            <a:fillRef idx="0">
+              <a:schemeClr val="accent1"/>
+            </a:fillRef>
+            <a:effectRef idx="0">
+              <a:schemeClr val="accent1"/>
+            </a:effectRef>
+            <a:fontRef idx="minor">
+              <a:schemeClr val="tx1"/>
+            </a:fontRef>
+          </p:style>
+          <p:txBody>
+            <a:bodyPr rtlCol="0" anchor="ctr"/>
+            <a:lstStyle/>
+            <a:p>
+              <a:pPr algn="ctr"/>
+              <a:endParaRPr kumimoji="1" lang="ko-Kore-KR" altLang="en-US"/>
+            </a:p>
+          </p:txBody>
+        </p:sp>
+        <p:sp>
+          <p:nvSpPr>
+            <p:cNvPr id="124" name="TextBox 123">
+              <a:extLst>
+                <a:ext uri="{FF2B5EF4-FFF2-40B4-BE49-F238E27FC236}">
+                  <a16:creationId xmlns:a16="http://schemas.microsoft.com/office/drawing/2014/main" id="{7791C397-9A46-1B45-9F18-252E2837DAAA}"/>
+                </a:ext>
+              </a:extLst>
+            </p:cNvPr>
+            <p:cNvSpPr txBox="1"/>
+            <p:nvPr/>
+          </p:nvSpPr>
+          <p:spPr>
+            <a:xfrm>
+              <a:off x="3737640" y="1173325"/>
+              <a:ext cx="1408101" cy="338554"/>
+            </a:xfrm>
+            <a:prstGeom prst="rect">
+              <a:avLst/>
+            </a:prstGeom>
+            <a:noFill/>
+          </p:spPr>
+          <p:txBody>
+            <a:bodyPr wrap="square" rtlCol="0">
+              <a:spAutoFit/>
+            </a:bodyPr>
+            <a:lstStyle/>
+            <a:p>
+              <a:pPr algn="ctr"/>
+              <a:r>
+                <a:rPr kumimoji="1" lang="en-US" altLang="ko-Kore-KR" sz="1600" b="1" dirty="0">
+                  <a:solidFill>
+                    <a:srgbClr val="5DA2C5"/>
+                  </a:solidFill>
+                  <a:latin typeface="SHeadG" panose="02030600000101010101" pitchFamily="18" charset="-127"/>
+                  <a:ea typeface="SHeadG" panose="02030600000101010101" pitchFamily="18" charset="-127"/>
+                </a:rPr>
+                <a:t>Repository</a:t>
+              </a:r>
+              <a:endParaRPr kumimoji="1" lang="ko-Kore-KR" altLang="en-US" sz="1200" b="1" dirty="0">
+                <a:solidFill>
+                  <a:srgbClr val="5DA2C5"/>
+                </a:solidFill>
+                <a:latin typeface="SHeadG" panose="02030600000101010101" pitchFamily="18" charset="-127"/>
+                <a:ea typeface="SHeadG" panose="02030600000101010101" pitchFamily="18" charset="-127"/>
+              </a:endParaRPr>
+            </a:p>
+          </p:txBody>
+        </p:sp>
+      </p:grpSp>
+      <p:sp>
+        <p:nvSpPr>
+          <p:cNvPr id="40" name="직사각형 39">
+            <a:extLst>
+              <a:ext uri="{FF2B5EF4-FFF2-40B4-BE49-F238E27FC236}">
+                <a16:creationId xmlns:a16="http://schemas.microsoft.com/office/drawing/2014/main" id="{C0371062-8D16-C447-84C2-9ED49B92459D}"/>
+              </a:ext>
+            </a:extLst>
+          </p:cNvPr>
+          <p:cNvSpPr/>
+          <p:nvPr/>
+        </p:nvSpPr>
+        <p:spPr>
+          <a:xfrm>
+            <a:off x="8815093" y="1777399"/>
+            <a:ext cx="1064715" cy="246221"/>
+          </a:xfrm>
+          <a:prstGeom prst="rect">
+            <a:avLst/>
+          </a:prstGeom>
+          <a:solidFill>
+            <a:schemeClr val="bg1"/>
+          </a:solidFill>
+        </p:spPr>
+        <p:txBody>
+          <a:bodyPr wrap="none">
+            <a:spAutoFit/>
+          </a:bodyPr>
+          <a:lstStyle/>
+          <a:p>
+            <a:r>
+              <a:rPr kumimoji="1" lang="en-US" altLang="ko-KR" sz="1000" b="1" dirty="0">
+                <a:solidFill>
+                  <a:srgbClr val="5DA2C5"/>
+                </a:solidFill>
+                <a:latin typeface="SHeadG" panose="02030600000101010101" pitchFamily="18" charset="-127"/>
+                <a:ea typeface="SHeadG" panose="02030600000101010101" pitchFamily="18" charset="-127"/>
+              </a:rPr>
+              <a:t>&lt;&lt; interface &gt;&gt;</a:t>
+            </a:r>
+            <a:endParaRPr lang="ko-Kore-KR" altLang="en-US" sz="1000" dirty="0"/>
+          </a:p>
+        </p:txBody>
+      </p:sp>
+      <p:sp>
+        <p:nvSpPr>
+          <p:cNvPr id="125" name="직사각형 124">
+            <a:extLst>
+              <a:ext uri="{FF2B5EF4-FFF2-40B4-BE49-F238E27FC236}">
+                <a16:creationId xmlns:a16="http://schemas.microsoft.com/office/drawing/2014/main" id="{4E292767-48EF-CC45-AD6F-ACA6A484B2AA}"/>
+              </a:ext>
+            </a:extLst>
+          </p:cNvPr>
+          <p:cNvSpPr/>
+          <p:nvPr/>
+        </p:nvSpPr>
+        <p:spPr>
+          <a:xfrm>
+            <a:off x="5861915" y="3320461"/>
+            <a:ext cx="1393330" cy="246221"/>
+          </a:xfrm>
+          <a:prstGeom prst="rect">
+            <a:avLst/>
+          </a:prstGeom>
+          <a:solidFill>
+            <a:schemeClr val="bg1"/>
+          </a:solidFill>
+        </p:spPr>
+        <p:txBody>
+          <a:bodyPr wrap="none">
+            <a:spAutoFit/>
+          </a:bodyPr>
+          <a:lstStyle/>
+          <a:p>
+            <a:r>
+              <a:rPr kumimoji="1" lang="en-US" altLang="ko-KR" sz="1000" b="1" dirty="0">
+                <a:solidFill>
+                  <a:srgbClr val="5DA2C5"/>
+                </a:solidFill>
+                <a:latin typeface="SHeadG" panose="02030600000101010101" pitchFamily="18" charset="-127"/>
+                <a:ea typeface="SHeadG" panose="02030600000101010101" pitchFamily="18" charset="-127"/>
+              </a:rPr>
+              <a:t>&lt;&lt; ORM-managed &gt;&gt;</a:t>
+            </a:r>
+            <a:endParaRPr lang="ko-Kore-KR" altLang="en-US" sz="1000" dirty="0"/>
+          </a:p>
+        </p:txBody>
+      </p:sp>
+      <p:cxnSp>
+        <p:nvCxnSpPr>
+          <p:cNvPr id="127" name="직선 화살표 연결선 126">
+            <a:extLst>
+              <a:ext uri="{FF2B5EF4-FFF2-40B4-BE49-F238E27FC236}">
+                <a16:creationId xmlns:a16="http://schemas.microsoft.com/office/drawing/2014/main" id="{397FD83F-DA3D-FF44-9BF1-6A30CF04635C}"/>
+              </a:ext>
+            </a:extLst>
+          </p:cNvPr>
+          <p:cNvCxnSpPr>
+            <a:cxnSpLocks/>
+            <a:stCxn id="110" idx="0"/>
+            <a:endCxn id="123" idx="2"/>
+          </p:cNvCxnSpPr>
+          <p:nvPr/>
+        </p:nvCxnSpPr>
+        <p:spPr>
+          <a:xfrm flipH="1" flipV="1">
+            <a:off x="9244859" y="2449261"/>
+            <a:ext cx="11017" cy="990689"/>
+          </a:xfrm>
+          <a:prstGeom prst="straightConnector1">
+            <a:avLst/>
+          </a:prstGeom>
+          <a:ln w="19050">
+            <a:solidFill>
+              <a:srgbClr val="5DA2C5"/>
+            </a:solidFill>
+            <a:tailEnd type="stealth" w="lg" len="lg"/>
+          </a:ln>
+        </p:spPr>
+        <p:style>
+          <a:lnRef idx="1">
+            <a:schemeClr val="accent1"/>
+          </a:lnRef>
+          <a:fillRef idx="0">
+            <a:schemeClr val="accent1"/>
+          </a:fillRef>
+          <a:effectRef idx="0">
+            <a:schemeClr val="accent1"/>
+          </a:effectRef>
+          <a:fontRef idx="minor">
+            <a:schemeClr val="tx1"/>
+          </a:fontRef>
+        </p:style>
+      </p:cxnSp>
+      <p:cxnSp>
+        <p:nvCxnSpPr>
+          <p:cNvPr id="130" name="직선 화살표 연결선 129">
+            <a:extLst>
+              <a:ext uri="{FF2B5EF4-FFF2-40B4-BE49-F238E27FC236}">
+                <a16:creationId xmlns:a16="http://schemas.microsoft.com/office/drawing/2014/main" id="{7B316B0E-9E5E-1941-A341-67E50D3FB01D}"/>
+              </a:ext>
+            </a:extLst>
+          </p:cNvPr>
+          <p:cNvCxnSpPr>
+            <a:cxnSpLocks/>
+            <a:stCxn id="124" idx="1"/>
+            <a:endCxn id="121" idx="3"/>
+          </p:cNvCxnSpPr>
+          <p:nvPr/>
+        </p:nvCxnSpPr>
+        <p:spPr>
+          <a:xfrm flipH="1" flipV="1">
+            <a:off x="7401500" y="2170389"/>
+            <a:ext cx="1000439" cy="14939"/>
+          </a:xfrm>
+          <a:prstGeom prst="straightConnector1">
+            <a:avLst/>
+          </a:prstGeom>
+          <a:ln w="19050">
+            <a:solidFill>
+              <a:srgbClr val="5DA2C5"/>
+            </a:solidFill>
+            <a:tailEnd type="stealth" w="lg" len="lg"/>
+          </a:ln>
+        </p:spPr>
+        <p:style>
+          <a:lnRef idx="1">
+            <a:schemeClr val="accent1"/>
+          </a:lnRef>
+          <a:fillRef idx="0">
+            <a:schemeClr val="accent1"/>
+          </a:fillRef>
+          <a:effectRef idx="0">
+            <a:schemeClr val="accent1"/>
+          </a:effectRef>
+          <a:fontRef idx="minor">
+            <a:schemeClr val="tx1"/>
+          </a:fontRef>
+        </p:style>
+      </p:cxnSp>
+    </p:spTree>
+    <p:extLst>
+      <p:ext uri="{BB962C8B-B14F-4D97-AF65-F5344CB8AC3E}">
+        <p14:creationId xmlns:p14="http://schemas.microsoft.com/office/powerpoint/2010/main" val="2997249316"/>
+      </p:ext>
+    </p:extLst>
+  </p:cSld>
+  <p:clrMapOvr>
+    <a:masterClrMapping/>
+  </p:clrMapOvr>
+</p:sld>
+</file>
+
+<file path=ppt/slides/slide4.xml><?xml version="1.0" encoding="utf-8"?>
+<p:sld xmlns:a="http://schemas.openxmlformats.org/drawingml/2006/main" xmlns:r="http://schemas.openxmlformats.org/officeDocument/2006/relationships" xmlns:p="http://schemas.openxmlformats.org/presentationml/2006/main">
+  <p:cSld>
+    <p:spTree>
+      <p:nvGrpSpPr>
+        <p:cNvPr id="1" name=""/>
+        <p:cNvGrpSpPr/>
+        <p:nvPr/>
+      </p:nvGrpSpPr>
+      <p:grpSpPr>
+        <a:xfrm>
+          <a:off x="0" y="0"/>
+          <a:ext cx="0" cy="0"/>
+          <a:chOff x="0" y="0"/>
+          <a:chExt cx="0" cy="0"/>
+        </a:xfrm>
+      </p:grpSpPr>
+      <p:sp>
+        <p:nvSpPr>
+          <p:cNvPr id="131" name="타원 130">
+            <a:extLst>
+              <a:ext uri="{FF2B5EF4-FFF2-40B4-BE49-F238E27FC236}">
+                <a16:creationId xmlns:a16="http://schemas.microsoft.com/office/drawing/2014/main" id="{2D0DB67A-D845-2D48-9549-D0F18419B904}"/>
+              </a:ext>
+            </a:extLst>
+          </p:cNvPr>
+          <p:cNvSpPr>
+            <a:spLocks noChangeAspect="1"/>
+          </p:cNvSpPr>
+          <p:nvPr/>
+        </p:nvSpPr>
+        <p:spPr>
+          <a:xfrm>
+            <a:off x="625515" y="654137"/>
+            <a:ext cx="3780000" cy="3780000"/>
+          </a:xfrm>
+          <a:prstGeom prst="ellipse">
+            <a:avLst/>
+          </a:prstGeom>
+          <a:noFill/>
+          <a:ln w="12700">
+            <a:solidFill>
+              <a:srgbClr val="8DB3CC"/>
+            </a:solidFill>
+          </a:ln>
+        </p:spPr>
+        <p:style>
+          <a:lnRef idx="2">
+            <a:schemeClr val="accent1">
+              <a:shade val="50000"/>
+            </a:schemeClr>
+          </a:lnRef>
+          <a:fillRef idx="1">
+            <a:schemeClr val="accent1"/>
+          </a:fillRef>
+          <a:effectRef idx="0">
+            <a:schemeClr val="accent1"/>
+          </a:effectRef>
+          <a:fontRef idx="minor">
+            <a:schemeClr val="lt1"/>
+          </a:fontRef>
+        </p:style>
+        <p:txBody>
+          <a:bodyPr rtlCol="0" anchor="ctr"/>
+          <a:lstStyle/>
+          <a:p>
+            <a:pPr algn="ctr"/>
+            <a:endParaRPr lang="ko-Kore-KR" altLang="en-US" dirty="0"/>
+          </a:p>
+        </p:txBody>
+      </p:sp>
+      <p:sp>
+        <p:nvSpPr>
+          <p:cNvPr id="132" name="타원 131">
+            <a:extLst>
+              <a:ext uri="{FF2B5EF4-FFF2-40B4-BE49-F238E27FC236}">
+                <a16:creationId xmlns:a16="http://schemas.microsoft.com/office/drawing/2014/main" id="{09FF0087-F284-3144-AEBE-4E52617E858B}"/>
+              </a:ext>
+            </a:extLst>
+          </p:cNvPr>
+          <p:cNvSpPr>
+            <a:spLocks noChangeAspect="1"/>
+          </p:cNvSpPr>
+          <p:nvPr/>
+        </p:nvSpPr>
+        <p:spPr>
+          <a:xfrm>
+            <a:off x="1075515" y="1104137"/>
+            <a:ext cx="2880000" cy="2880000"/>
+          </a:xfrm>
+          <a:prstGeom prst="ellipse">
+            <a:avLst/>
+          </a:prstGeom>
+          <a:noFill/>
+          <a:ln w="12700">
+            <a:solidFill>
+              <a:srgbClr val="8DB3CC"/>
+            </a:solidFill>
+          </a:ln>
+        </p:spPr>
+        <p:style>
+          <a:lnRef idx="2">
+            <a:schemeClr val="accent1">
+              <a:shade val="50000"/>
+            </a:schemeClr>
+          </a:lnRef>
+          <a:fillRef idx="1">
+            <a:schemeClr val="accent1"/>
+          </a:fillRef>
+          <a:effectRef idx="0">
+            <a:schemeClr val="accent1"/>
+          </a:effectRef>
+          <a:fontRef idx="minor">
+            <a:schemeClr val="lt1"/>
+          </a:fontRef>
+        </p:style>
+        <p:txBody>
+          <a:bodyPr rtlCol="0" anchor="ctr"/>
+          <a:lstStyle/>
+          <a:p>
+            <a:pPr algn="ctr"/>
+            <a:endParaRPr lang="ko-Kore-KR" altLang="en-US"/>
+          </a:p>
+        </p:txBody>
+      </p:sp>
+      <p:sp>
+        <p:nvSpPr>
+          <p:cNvPr id="133" name="직사각형 132">
+            <a:extLst>
+              <a:ext uri="{FF2B5EF4-FFF2-40B4-BE49-F238E27FC236}">
+                <a16:creationId xmlns:a16="http://schemas.microsoft.com/office/drawing/2014/main" id="{C906E15F-9D88-6F4B-ADD5-D6E5F0219422}"/>
+              </a:ext>
+            </a:extLst>
+          </p:cNvPr>
+          <p:cNvSpPr/>
+          <p:nvPr/>
+        </p:nvSpPr>
+        <p:spPr>
+          <a:xfrm rot="18483397">
+            <a:off x="719813" y="1356781"/>
+            <a:ext cx="1028632" cy="253916"/>
+          </a:xfrm>
+          <a:prstGeom prst="rect">
+            <a:avLst/>
+          </a:prstGeom>
+        </p:spPr>
+        <p:txBody>
+          <a:bodyPr wrap="square">
+            <a:spAutoFit/>
+          </a:bodyPr>
+          <a:lstStyle/>
+          <a:p>
+            <a:pPr algn="ctr"/>
+            <a:r>
+              <a:rPr kumimoji="1" lang="en-US" altLang="ko-KR" sz="1050" b="1" dirty="0">
+                <a:solidFill>
+                  <a:srgbClr val="5EA2C4"/>
+                </a:solidFill>
+                <a:latin typeface="SHeadG" panose="02030600000101010101" pitchFamily="18" charset="-127"/>
+                <a:ea typeface="SHeadG" panose="02030600000101010101" pitchFamily="18" charset="-127"/>
+              </a:rPr>
+              <a:t>Devices</a:t>
+            </a:r>
+            <a:endParaRPr lang="ko-KR" altLang="en-US" sz="1050" dirty="0"/>
+          </a:p>
+        </p:txBody>
+      </p:sp>
+      <p:sp>
+        <p:nvSpPr>
+          <p:cNvPr id="134" name="직사각형 133">
+            <a:extLst>
+              <a:ext uri="{FF2B5EF4-FFF2-40B4-BE49-F238E27FC236}">
+                <a16:creationId xmlns:a16="http://schemas.microsoft.com/office/drawing/2014/main" id="{698A4DE1-F615-0540-84E5-BB74B04A2390}"/>
+              </a:ext>
+            </a:extLst>
+          </p:cNvPr>
+          <p:cNvSpPr/>
+          <p:nvPr/>
+        </p:nvSpPr>
+        <p:spPr>
+          <a:xfrm rot="3120077">
+            <a:off x="3262360" y="1310328"/>
+            <a:ext cx="1028632" cy="253916"/>
+          </a:xfrm>
+          <a:prstGeom prst="rect">
+            <a:avLst/>
+          </a:prstGeom>
+        </p:spPr>
+        <p:txBody>
+          <a:bodyPr wrap="square">
+            <a:spAutoFit/>
+          </a:bodyPr>
+          <a:lstStyle/>
+          <a:p>
+            <a:pPr algn="ctr"/>
+            <a:r>
+              <a:rPr kumimoji="1" lang="en-US" altLang="ko-KR" sz="1050" b="1" dirty="0">
+                <a:solidFill>
+                  <a:srgbClr val="5EA2C4"/>
+                </a:solidFill>
+                <a:latin typeface="SHeadG" panose="02030600000101010101" pitchFamily="18" charset="-127"/>
+                <a:ea typeface="SHeadG" panose="02030600000101010101" pitchFamily="18" charset="-127"/>
+              </a:rPr>
+              <a:t>Web</a:t>
+            </a:r>
+            <a:endParaRPr lang="ko-KR" altLang="en-US" sz="1050" dirty="0"/>
+          </a:p>
+        </p:txBody>
+      </p:sp>
+      <p:sp>
+        <p:nvSpPr>
+          <p:cNvPr id="135" name="직사각형 134">
+            <a:extLst>
+              <a:ext uri="{FF2B5EF4-FFF2-40B4-BE49-F238E27FC236}">
+                <a16:creationId xmlns:a16="http://schemas.microsoft.com/office/drawing/2014/main" id="{E78BBAEE-56AF-D345-9EB0-81DA1539F41E}"/>
+              </a:ext>
+            </a:extLst>
+          </p:cNvPr>
+          <p:cNvSpPr/>
+          <p:nvPr/>
+        </p:nvSpPr>
+        <p:spPr>
+          <a:xfrm rot="2703026">
+            <a:off x="883720" y="3632180"/>
+            <a:ext cx="1028632" cy="253916"/>
+          </a:xfrm>
+          <a:prstGeom prst="rect">
+            <a:avLst/>
+          </a:prstGeom>
+        </p:spPr>
+        <p:txBody>
+          <a:bodyPr wrap="square">
+            <a:spAutoFit/>
+          </a:bodyPr>
+          <a:lstStyle/>
+          <a:p>
+            <a:pPr algn="ctr"/>
+            <a:r>
+              <a:rPr kumimoji="1" lang="en-US" altLang="ko-KR" sz="1050" b="1" dirty="0">
+                <a:solidFill>
+                  <a:srgbClr val="5EA2C4"/>
+                </a:solidFill>
+                <a:latin typeface="SHeadG" panose="02030600000101010101" pitchFamily="18" charset="-127"/>
+                <a:ea typeface="SHeadG" panose="02030600000101010101" pitchFamily="18" charset="-127"/>
+              </a:rPr>
+              <a:t>DB</a:t>
+            </a:r>
+            <a:endParaRPr lang="ko-KR" altLang="en-US" sz="1050" dirty="0"/>
+          </a:p>
+        </p:txBody>
+      </p:sp>
+      <p:sp>
+        <p:nvSpPr>
+          <p:cNvPr id="136" name="직사각형 135">
+            <a:extLst>
+              <a:ext uri="{FF2B5EF4-FFF2-40B4-BE49-F238E27FC236}">
+                <a16:creationId xmlns:a16="http://schemas.microsoft.com/office/drawing/2014/main" id="{4E24D56D-EFE9-C141-A44F-842C8488A8E6}"/>
+              </a:ext>
+            </a:extLst>
+          </p:cNvPr>
+          <p:cNvSpPr/>
+          <p:nvPr/>
+        </p:nvSpPr>
+        <p:spPr>
+          <a:xfrm rot="18723501">
+            <a:off x="3284473" y="3463605"/>
+            <a:ext cx="1028632" cy="253916"/>
+          </a:xfrm>
+          <a:prstGeom prst="rect">
+            <a:avLst/>
+          </a:prstGeom>
+        </p:spPr>
+        <p:txBody>
+          <a:bodyPr wrap="square">
+            <a:spAutoFit/>
+          </a:bodyPr>
+          <a:lstStyle/>
+          <a:p>
+            <a:pPr algn="ctr"/>
+            <a:r>
+              <a:rPr kumimoji="1" lang="en-US" altLang="ko-KR" sz="1050" b="1" dirty="0">
+                <a:solidFill>
+                  <a:srgbClr val="5EA2C4"/>
+                </a:solidFill>
+                <a:latin typeface="SHeadG" panose="02030600000101010101" pitchFamily="18" charset="-127"/>
+                <a:ea typeface="SHeadG" panose="02030600000101010101" pitchFamily="18" charset="-127"/>
+              </a:rPr>
+              <a:t>UI</a:t>
+            </a:r>
+            <a:endParaRPr lang="ko-KR" altLang="en-US" sz="1050" dirty="0"/>
+          </a:p>
+        </p:txBody>
+      </p:sp>
+      <p:sp>
+        <p:nvSpPr>
+          <p:cNvPr id="137" name="타원 136">
+            <a:extLst>
+              <a:ext uri="{FF2B5EF4-FFF2-40B4-BE49-F238E27FC236}">
+                <a16:creationId xmlns:a16="http://schemas.microsoft.com/office/drawing/2014/main" id="{7AB2920E-89BB-FD41-A33B-0604949E0480}"/>
+              </a:ext>
+            </a:extLst>
+          </p:cNvPr>
+          <p:cNvSpPr>
+            <a:spLocks noChangeAspect="1"/>
+          </p:cNvSpPr>
+          <p:nvPr/>
+        </p:nvSpPr>
+        <p:spPr>
+          <a:xfrm>
+            <a:off x="1527236" y="1554137"/>
+            <a:ext cx="1980000" cy="1980000"/>
+          </a:xfrm>
+          <a:prstGeom prst="ellipse">
+            <a:avLst/>
+          </a:prstGeom>
+          <a:noFill/>
+          <a:ln w="12700">
+            <a:solidFill>
+              <a:srgbClr val="8DB3CC"/>
+            </a:solidFill>
+          </a:ln>
+        </p:spPr>
+        <p:style>
+          <a:lnRef idx="2">
+            <a:schemeClr val="accent1">
+              <a:shade val="50000"/>
+            </a:schemeClr>
+          </a:lnRef>
+          <a:fillRef idx="1">
+            <a:schemeClr val="accent1"/>
+          </a:fillRef>
+          <a:effectRef idx="0">
+            <a:schemeClr val="accent1"/>
+          </a:effectRef>
+          <a:fontRef idx="minor">
+            <a:schemeClr val="lt1"/>
+          </a:fontRef>
+        </p:style>
+        <p:txBody>
+          <a:bodyPr rtlCol="0" anchor="ctr"/>
+          <a:lstStyle/>
+          <a:p>
+            <a:pPr algn="ctr"/>
+            <a:endParaRPr lang="ko-Kore-KR" altLang="en-US"/>
+          </a:p>
+        </p:txBody>
+      </p:sp>
+      <p:sp>
+        <p:nvSpPr>
+          <p:cNvPr id="138" name="직사각형 137">
+            <a:extLst>
+              <a:ext uri="{FF2B5EF4-FFF2-40B4-BE49-F238E27FC236}">
+                <a16:creationId xmlns:a16="http://schemas.microsoft.com/office/drawing/2014/main" id="{E2D5513D-D78C-FF48-B6EF-248F581E5559}"/>
+              </a:ext>
+            </a:extLst>
+          </p:cNvPr>
+          <p:cNvSpPr/>
+          <p:nvPr/>
+        </p:nvSpPr>
+        <p:spPr>
+          <a:xfrm>
+            <a:off x="2002920" y="1226886"/>
+            <a:ext cx="1028632" cy="253916"/>
+          </a:xfrm>
+          <a:prstGeom prst="rect">
+            <a:avLst/>
+          </a:prstGeom>
+        </p:spPr>
+        <p:txBody>
+          <a:bodyPr wrap="square">
+            <a:spAutoFit/>
+          </a:bodyPr>
+          <a:lstStyle/>
+          <a:p>
+            <a:pPr algn="ctr"/>
+            <a:r>
+              <a:rPr kumimoji="1" lang="en-US" altLang="ko-KR" sz="1050" b="1" dirty="0">
+                <a:solidFill>
+                  <a:srgbClr val="5EA2C4"/>
+                </a:solidFill>
+                <a:latin typeface="SHeadG" panose="02030600000101010101" pitchFamily="18" charset="-127"/>
+                <a:ea typeface="SHeadG" panose="02030600000101010101" pitchFamily="18" charset="-127"/>
+              </a:rPr>
+              <a:t>Controllers</a:t>
+            </a:r>
+            <a:endParaRPr lang="ko-KR" altLang="en-US" sz="1050" dirty="0"/>
+          </a:p>
+        </p:txBody>
+      </p:sp>
+      <p:sp>
+        <p:nvSpPr>
+          <p:cNvPr id="139" name="직사각형 138">
+            <a:extLst>
+              <a:ext uri="{FF2B5EF4-FFF2-40B4-BE49-F238E27FC236}">
+                <a16:creationId xmlns:a16="http://schemas.microsoft.com/office/drawing/2014/main" id="{3B79B943-5D24-C440-B277-3B35934F75D0}"/>
+              </a:ext>
+            </a:extLst>
+          </p:cNvPr>
+          <p:cNvSpPr/>
+          <p:nvPr/>
+        </p:nvSpPr>
+        <p:spPr>
+          <a:xfrm>
+            <a:off x="2002920" y="1687323"/>
+            <a:ext cx="1028632" cy="253916"/>
+          </a:xfrm>
+          <a:prstGeom prst="rect">
+            <a:avLst/>
+          </a:prstGeom>
+        </p:spPr>
+        <p:txBody>
+          <a:bodyPr wrap="square">
+            <a:spAutoFit/>
+          </a:bodyPr>
+          <a:lstStyle/>
+          <a:p>
+            <a:pPr algn="ctr"/>
+            <a:r>
+              <a:rPr kumimoji="1" lang="en-US" altLang="ko-KR" sz="1050" b="1" dirty="0">
+                <a:solidFill>
+                  <a:srgbClr val="5EA2C4"/>
+                </a:solidFill>
+                <a:latin typeface="SHeadG" panose="02030600000101010101" pitchFamily="18" charset="-127"/>
+                <a:ea typeface="SHeadG" panose="02030600000101010101" pitchFamily="18" charset="-127"/>
+              </a:rPr>
+              <a:t>Use Cases</a:t>
+            </a:r>
+            <a:endParaRPr lang="ko-KR" altLang="en-US" sz="1050" dirty="0"/>
+          </a:p>
+        </p:txBody>
+      </p:sp>
+      <p:sp>
+        <p:nvSpPr>
+          <p:cNvPr id="140" name="타원 139">
+            <a:extLst>
+              <a:ext uri="{FF2B5EF4-FFF2-40B4-BE49-F238E27FC236}">
+                <a16:creationId xmlns:a16="http://schemas.microsoft.com/office/drawing/2014/main" id="{26872AE2-F667-354A-8B95-D7D91E52BE4E}"/>
+              </a:ext>
+            </a:extLst>
+          </p:cNvPr>
+          <p:cNvSpPr>
+            <a:spLocks noChangeAspect="1"/>
+          </p:cNvSpPr>
+          <p:nvPr/>
+        </p:nvSpPr>
+        <p:spPr>
+          <a:xfrm>
+            <a:off x="1977236" y="2004137"/>
+            <a:ext cx="1080000" cy="1080000"/>
+          </a:xfrm>
+          <a:prstGeom prst="ellipse">
+            <a:avLst/>
+          </a:prstGeom>
+          <a:noFill/>
+          <a:ln w="12700">
+            <a:solidFill>
+              <a:srgbClr val="8DB3CC"/>
+            </a:solidFill>
+          </a:ln>
+        </p:spPr>
+        <p:style>
+          <a:lnRef idx="2">
+            <a:schemeClr val="accent1">
+              <a:shade val="50000"/>
+            </a:schemeClr>
+          </a:lnRef>
+          <a:fillRef idx="1">
+            <a:schemeClr val="accent1"/>
+          </a:fillRef>
+          <a:effectRef idx="0">
+            <a:schemeClr val="accent1"/>
+          </a:effectRef>
+          <a:fontRef idx="minor">
+            <a:schemeClr val="lt1"/>
+          </a:fontRef>
+        </p:style>
+        <p:txBody>
+          <a:bodyPr rtlCol="0" anchor="ctr"/>
+          <a:lstStyle/>
+          <a:p>
+            <a:pPr algn="ctr"/>
+            <a:endParaRPr lang="ko-Kore-KR" altLang="en-US"/>
+          </a:p>
+        </p:txBody>
+      </p:sp>
+      <p:sp>
+        <p:nvSpPr>
+          <p:cNvPr id="141" name="직사각형 140">
+            <a:extLst>
+              <a:ext uri="{FF2B5EF4-FFF2-40B4-BE49-F238E27FC236}">
+                <a16:creationId xmlns:a16="http://schemas.microsoft.com/office/drawing/2014/main" id="{42B32DB1-F28F-304F-84C6-4F1A4CE22586}"/>
+              </a:ext>
+            </a:extLst>
+          </p:cNvPr>
+          <p:cNvSpPr/>
+          <p:nvPr/>
+        </p:nvSpPr>
+        <p:spPr>
+          <a:xfrm>
+            <a:off x="2001199" y="4020230"/>
+            <a:ext cx="1028632" cy="415498"/>
+          </a:xfrm>
+          <a:prstGeom prst="rect">
+            <a:avLst/>
+          </a:prstGeom>
+        </p:spPr>
+        <p:txBody>
+          <a:bodyPr wrap="square">
+            <a:spAutoFit/>
+          </a:bodyPr>
+          <a:lstStyle/>
+          <a:p>
+            <a:pPr algn="ctr"/>
+            <a:r>
+              <a:rPr kumimoji="1" lang="en-US" altLang="ko-KR" sz="1050" b="1" dirty="0">
+                <a:solidFill>
+                  <a:srgbClr val="5EA2C4"/>
+                </a:solidFill>
+                <a:latin typeface="SHeadG" panose="02030600000101010101" pitchFamily="18" charset="-127"/>
+                <a:ea typeface="SHeadG" panose="02030600000101010101" pitchFamily="18" charset="-127"/>
+              </a:rPr>
+              <a:t>External</a:t>
+            </a:r>
+          </a:p>
+          <a:p>
+            <a:pPr algn="ctr"/>
+            <a:r>
+              <a:rPr kumimoji="1" lang="en-US" altLang="ko-KR" sz="1050" b="1" dirty="0">
+                <a:solidFill>
+                  <a:srgbClr val="5EA2C4"/>
+                </a:solidFill>
+                <a:latin typeface="SHeadG" panose="02030600000101010101" pitchFamily="18" charset="-127"/>
+                <a:ea typeface="SHeadG" panose="02030600000101010101" pitchFamily="18" charset="-127"/>
+              </a:rPr>
+              <a:t>Interfaces</a:t>
+            </a:r>
+            <a:endParaRPr lang="ko-KR" altLang="en-US" sz="1050" dirty="0"/>
+          </a:p>
+        </p:txBody>
+      </p:sp>
+      <p:sp>
+        <p:nvSpPr>
+          <p:cNvPr id="142" name="직사각형 141">
+            <a:extLst>
+              <a:ext uri="{FF2B5EF4-FFF2-40B4-BE49-F238E27FC236}">
+                <a16:creationId xmlns:a16="http://schemas.microsoft.com/office/drawing/2014/main" id="{F5FB1FA1-1C88-3644-AC3D-58F8D8537350}"/>
+              </a:ext>
+            </a:extLst>
+          </p:cNvPr>
+          <p:cNvSpPr/>
+          <p:nvPr/>
+        </p:nvSpPr>
+        <p:spPr>
+          <a:xfrm>
+            <a:off x="2026187" y="2207182"/>
+            <a:ext cx="1028632" cy="253916"/>
+          </a:xfrm>
+          <a:prstGeom prst="rect">
+            <a:avLst/>
+          </a:prstGeom>
+        </p:spPr>
+        <p:txBody>
+          <a:bodyPr wrap="square">
+            <a:spAutoFit/>
+          </a:bodyPr>
+          <a:lstStyle/>
+          <a:p>
+            <a:pPr algn="ctr"/>
+            <a:r>
+              <a:rPr kumimoji="1" lang="en-US" altLang="ko-KR" sz="1050" b="1" dirty="0">
+                <a:solidFill>
+                  <a:srgbClr val="5EA2C4"/>
+                </a:solidFill>
+                <a:latin typeface="SHeadG" panose="02030600000101010101" pitchFamily="18" charset="-127"/>
+                <a:ea typeface="SHeadG" panose="02030600000101010101" pitchFamily="18" charset="-127"/>
+              </a:rPr>
+              <a:t>Entities</a:t>
+            </a:r>
+            <a:endParaRPr lang="ko-KR" altLang="en-US" sz="1050" dirty="0"/>
+          </a:p>
+        </p:txBody>
+      </p:sp>
+      <p:cxnSp>
+        <p:nvCxnSpPr>
+          <p:cNvPr id="143" name="직선 화살표 연결선 142">
+            <a:extLst>
+              <a:ext uri="{FF2B5EF4-FFF2-40B4-BE49-F238E27FC236}">
+                <a16:creationId xmlns:a16="http://schemas.microsoft.com/office/drawing/2014/main" id="{7A65CC5E-2A2A-4A4B-877F-46DD55DE3418}"/>
+              </a:ext>
+            </a:extLst>
+          </p:cNvPr>
+          <p:cNvCxnSpPr>
+            <a:cxnSpLocks/>
+          </p:cNvCxnSpPr>
+          <p:nvPr/>
+        </p:nvCxnSpPr>
+        <p:spPr>
+          <a:xfrm flipH="1">
+            <a:off x="890911" y="2549194"/>
+            <a:ext cx="342872" cy="0"/>
+          </a:xfrm>
+          <a:prstGeom prst="straightConnector1">
+            <a:avLst/>
+          </a:prstGeom>
+          <a:ln w="25400">
+            <a:solidFill>
+              <a:srgbClr val="5DA2C5"/>
+            </a:solidFill>
+            <a:headEnd type="arrow"/>
+            <a:tailEnd type="none" w="med" len="med"/>
+          </a:ln>
+        </p:spPr>
+        <p:style>
+          <a:lnRef idx="1">
+            <a:schemeClr val="accent1"/>
+          </a:lnRef>
+          <a:fillRef idx="0">
+            <a:schemeClr val="accent1"/>
+          </a:fillRef>
+          <a:effectRef idx="0">
+            <a:schemeClr val="accent1"/>
+          </a:effectRef>
+          <a:fontRef idx="minor">
+            <a:schemeClr val="tx1"/>
+          </a:fontRef>
+        </p:style>
+      </p:cxnSp>
+      <p:cxnSp>
+        <p:nvCxnSpPr>
+          <p:cNvPr id="144" name="직선 화살표 연결선 143">
+            <a:extLst>
+              <a:ext uri="{FF2B5EF4-FFF2-40B4-BE49-F238E27FC236}">
+                <a16:creationId xmlns:a16="http://schemas.microsoft.com/office/drawing/2014/main" id="{51FA22EB-B085-AB4A-8559-21C7DCC708BB}"/>
+              </a:ext>
+            </a:extLst>
+          </p:cNvPr>
+          <p:cNvCxnSpPr>
+            <a:cxnSpLocks/>
+          </p:cNvCxnSpPr>
+          <p:nvPr/>
+        </p:nvCxnSpPr>
+        <p:spPr>
+          <a:xfrm flipH="1">
+            <a:off x="1355800" y="2549194"/>
+            <a:ext cx="342872" cy="0"/>
+          </a:xfrm>
+          <a:prstGeom prst="straightConnector1">
+            <a:avLst/>
+          </a:prstGeom>
+          <a:ln w="25400">
+            <a:solidFill>
+              <a:srgbClr val="5DA2C5"/>
+            </a:solidFill>
+            <a:headEnd type="arrow"/>
+            <a:tailEnd type="none" w="med" len="med"/>
+          </a:ln>
+        </p:spPr>
+        <p:style>
+          <a:lnRef idx="1">
+            <a:schemeClr val="accent1"/>
+          </a:lnRef>
+          <a:fillRef idx="0">
+            <a:schemeClr val="accent1"/>
+          </a:fillRef>
+          <a:effectRef idx="0">
+            <a:schemeClr val="accent1"/>
+          </a:effectRef>
+          <a:fontRef idx="minor">
+            <a:schemeClr val="tx1"/>
+          </a:fontRef>
+        </p:style>
+      </p:cxnSp>
+      <p:cxnSp>
+        <p:nvCxnSpPr>
+          <p:cNvPr id="145" name="직선 화살표 연결선 144">
+            <a:extLst>
+              <a:ext uri="{FF2B5EF4-FFF2-40B4-BE49-F238E27FC236}">
+                <a16:creationId xmlns:a16="http://schemas.microsoft.com/office/drawing/2014/main" id="{89207B04-D95F-F74C-B093-59EF7B63EED6}"/>
+              </a:ext>
+            </a:extLst>
+          </p:cNvPr>
+          <p:cNvCxnSpPr>
+            <a:cxnSpLocks/>
+            <a:stCxn id="3" idx="3"/>
+            <a:endCxn id="148" idx="1"/>
+          </p:cNvCxnSpPr>
+          <p:nvPr/>
+        </p:nvCxnSpPr>
+        <p:spPr>
+          <a:xfrm flipV="1">
+            <a:off x="2609158" y="2532290"/>
+            <a:ext cx="548188" cy="2143"/>
+          </a:xfrm>
+          <a:prstGeom prst="straightConnector1">
+            <a:avLst/>
+          </a:prstGeom>
+          <a:ln w="25400">
+            <a:solidFill>
+              <a:srgbClr val="5DA2C5"/>
+            </a:solidFill>
+            <a:headEnd type="arrow"/>
+            <a:tailEnd type="none" w="med" len="med"/>
+          </a:ln>
+        </p:spPr>
+        <p:style>
+          <a:lnRef idx="1">
+            <a:schemeClr val="accent1"/>
+          </a:lnRef>
+          <a:fillRef idx="0">
+            <a:schemeClr val="accent1"/>
+          </a:fillRef>
+          <a:effectRef idx="0">
+            <a:schemeClr val="accent1"/>
+          </a:effectRef>
+          <a:fontRef idx="minor">
+            <a:schemeClr val="tx1"/>
+          </a:fontRef>
+        </p:style>
+      </p:cxnSp>
+      <p:sp>
+        <p:nvSpPr>
+          <p:cNvPr id="146" name="직사각형 145">
+            <a:extLst>
+              <a:ext uri="{FF2B5EF4-FFF2-40B4-BE49-F238E27FC236}">
+                <a16:creationId xmlns:a16="http://schemas.microsoft.com/office/drawing/2014/main" id="{76E7514A-B142-FA4F-94D6-C54586DBAFAB}"/>
+              </a:ext>
+            </a:extLst>
+          </p:cNvPr>
+          <p:cNvSpPr/>
+          <p:nvPr/>
+        </p:nvSpPr>
+        <p:spPr>
+          <a:xfrm rot="2535515">
+            <a:off x="1185498" y="3244820"/>
+            <a:ext cx="1028632" cy="253916"/>
+          </a:xfrm>
+          <a:prstGeom prst="rect">
+            <a:avLst/>
+          </a:prstGeom>
+        </p:spPr>
+        <p:txBody>
+          <a:bodyPr wrap="square">
+            <a:spAutoFit/>
+          </a:bodyPr>
+          <a:lstStyle/>
+          <a:p>
+            <a:pPr algn="ctr"/>
+            <a:r>
+              <a:rPr kumimoji="1" lang="en-US" altLang="ko-KR" sz="1050" b="1" dirty="0">
+                <a:solidFill>
+                  <a:srgbClr val="5EA2C4"/>
+                </a:solidFill>
+                <a:latin typeface="SHeadG" panose="02030600000101010101" pitchFamily="18" charset="-127"/>
+                <a:ea typeface="SHeadG" panose="02030600000101010101" pitchFamily="18" charset="-127"/>
+              </a:rPr>
+              <a:t>Gateways</a:t>
+            </a:r>
+            <a:endParaRPr lang="ko-KR" altLang="en-US" sz="1050" dirty="0"/>
+          </a:p>
+        </p:txBody>
+      </p:sp>
+      <p:sp>
+        <p:nvSpPr>
+          <p:cNvPr id="147" name="직사각형 146">
+            <a:extLst>
+              <a:ext uri="{FF2B5EF4-FFF2-40B4-BE49-F238E27FC236}">
+                <a16:creationId xmlns:a16="http://schemas.microsoft.com/office/drawing/2014/main" id="{9EE7E01F-0DEB-944E-B678-7A12A62FEEC2}"/>
+              </a:ext>
+            </a:extLst>
+          </p:cNvPr>
+          <p:cNvSpPr/>
+          <p:nvPr/>
+        </p:nvSpPr>
+        <p:spPr>
+          <a:xfrm rot="18712710">
+            <a:off x="2956507" y="3131843"/>
+            <a:ext cx="1028632" cy="253916"/>
+          </a:xfrm>
+          <a:prstGeom prst="rect">
+            <a:avLst/>
+          </a:prstGeom>
+        </p:spPr>
+        <p:txBody>
+          <a:bodyPr wrap="square">
+            <a:spAutoFit/>
+          </a:bodyPr>
+          <a:lstStyle/>
+          <a:p>
+            <a:pPr algn="ctr"/>
+            <a:r>
+              <a:rPr kumimoji="1" lang="en-US" altLang="ko-KR" sz="1050" b="1" dirty="0">
+                <a:solidFill>
+                  <a:srgbClr val="5EA2C4"/>
+                </a:solidFill>
+                <a:latin typeface="SHeadG" panose="02030600000101010101" pitchFamily="18" charset="-127"/>
+                <a:ea typeface="SHeadG" panose="02030600000101010101" pitchFamily="18" charset="-127"/>
+              </a:rPr>
+              <a:t>Presenters</a:t>
+            </a:r>
+            <a:endParaRPr lang="ko-KR" altLang="en-US" sz="1050" dirty="0"/>
+          </a:p>
+        </p:txBody>
+      </p:sp>
+      <p:sp>
+        <p:nvSpPr>
+          <p:cNvPr id="3" name="직사각형 2">
+            <a:extLst>
+              <a:ext uri="{FF2B5EF4-FFF2-40B4-BE49-F238E27FC236}">
+                <a16:creationId xmlns:a16="http://schemas.microsoft.com/office/drawing/2014/main" id="{E71C0C86-72F0-8A4B-8BDC-85EA99467303}"/>
+              </a:ext>
+            </a:extLst>
+          </p:cNvPr>
+          <p:cNvSpPr/>
+          <p:nvPr/>
+        </p:nvSpPr>
+        <p:spPr>
+          <a:xfrm>
+            <a:off x="2421871" y="2429233"/>
+            <a:ext cx="187287" cy="210400"/>
+          </a:xfrm>
+          <a:prstGeom prst="rect">
+            <a:avLst/>
+          </a:prstGeom>
+          <a:noFill/>
+          <a:ln w="12700">
+            <a:solidFill>
+              <a:srgbClr val="5DA2C5"/>
+            </a:solidFill>
+          </a:ln>
+        </p:spPr>
+        <p:style>
+          <a:lnRef idx="2">
+            <a:schemeClr val="accent1">
+              <a:shade val="50000"/>
+            </a:schemeClr>
+          </a:lnRef>
+          <a:fillRef idx="1">
+            <a:schemeClr val="accent1"/>
+          </a:fillRef>
+          <a:effectRef idx="0">
+            <a:schemeClr val="accent1"/>
+          </a:effectRef>
+          <a:fontRef idx="minor">
+            <a:schemeClr val="lt1"/>
+          </a:fontRef>
+        </p:style>
+        <p:txBody>
+          <a:bodyPr rtlCol="0" anchor="ctr"/>
+          <a:lstStyle/>
+          <a:p>
+            <a:pPr algn="ctr"/>
+            <a:endParaRPr kumimoji="1" lang="ko-Kore-KR" altLang="en-US"/>
+          </a:p>
+        </p:txBody>
+      </p:sp>
+      <p:sp>
+        <p:nvSpPr>
+          <p:cNvPr id="148" name="직사각형 147">
+            <a:extLst>
+              <a:ext uri="{FF2B5EF4-FFF2-40B4-BE49-F238E27FC236}">
+                <a16:creationId xmlns:a16="http://schemas.microsoft.com/office/drawing/2014/main" id="{25F29F01-1CCD-9244-B5DC-565B79CF386D}"/>
+              </a:ext>
+            </a:extLst>
+          </p:cNvPr>
+          <p:cNvSpPr/>
+          <p:nvPr/>
+        </p:nvSpPr>
+        <p:spPr>
+          <a:xfrm>
+            <a:off x="3157346" y="2427090"/>
+            <a:ext cx="187287" cy="210400"/>
+          </a:xfrm>
+          <a:prstGeom prst="rect">
+            <a:avLst/>
+          </a:prstGeom>
+          <a:noFill/>
+          <a:ln w="12700">
+            <a:solidFill>
+              <a:srgbClr val="5DA2C5"/>
+            </a:solidFill>
+          </a:ln>
+        </p:spPr>
+        <p:style>
+          <a:lnRef idx="2">
+            <a:schemeClr val="accent1">
+              <a:shade val="50000"/>
+            </a:schemeClr>
+          </a:lnRef>
+          <a:fillRef idx="1">
+            <a:schemeClr val="accent1"/>
+          </a:fillRef>
+          <a:effectRef idx="0">
+            <a:schemeClr val="accent1"/>
+          </a:effectRef>
+          <a:fontRef idx="minor">
+            <a:schemeClr val="lt1"/>
+          </a:fontRef>
+        </p:style>
+        <p:txBody>
+          <a:bodyPr rtlCol="0" anchor="ctr"/>
+          <a:lstStyle/>
+          <a:p>
+            <a:pPr algn="ctr"/>
+            <a:endParaRPr kumimoji="1" lang="ko-Kore-KR" altLang="en-US"/>
+          </a:p>
+        </p:txBody>
+      </p:sp>
+      <p:sp>
+        <p:nvSpPr>
+          <p:cNvPr id="149" name="직사각형 148">
+            <a:extLst>
+              <a:ext uri="{FF2B5EF4-FFF2-40B4-BE49-F238E27FC236}">
+                <a16:creationId xmlns:a16="http://schemas.microsoft.com/office/drawing/2014/main" id="{C2D8AA5D-BA31-7245-A71D-16C51E7ACC9E}"/>
+              </a:ext>
+            </a:extLst>
+          </p:cNvPr>
+          <p:cNvSpPr/>
+          <p:nvPr/>
+        </p:nvSpPr>
+        <p:spPr>
+          <a:xfrm>
+            <a:off x="3607346" y="2428029"/>
+            <a:ext cx="187287" cy="210400"/>
+          </a:xfrm>
+          <a:prstGeom prst="rect">
+            <a:avLst/>
+          </a:prstGeom>
+          <a:noFill/>
+          <a:ln w="12700">
+            <a:solidFill>
+              <a:srgbClr val="5DA2C5"/>
+            </a:solidFill>
+          </a:ln>
+        </p:spPr>
+        <p:style>
+          <a:lnRef idx="2">
+            <a:schemeClr val="accent1">
+              <a:shade val="50000"/>
+            </a:schemeClr>
+          </a:lnRef>
+          <a:fillRef idx="1">
+            <a:schemeClr val="accent1"/>
+          </a:fillRef>
+          <a:effectRef idx="0">
+            <a:schemeClr val="accent1"/>
+          </a:effectRef>
+          <a:fontRef idx="minor">
+            <a:schemeClr val="lt1"/>
+          </a:fontRef>
+        </p:style>
+        <p:txBody>
+          <a:bodyPr rtlCol="0" anchor="ctr"/>
+          <a:lstStyle/>
+          <a:p>
+            <a:pPr algn="ctr"/>
+            <a:endParaRPr kumimoji="1" lang="ko-Kore-KR" altLang="en-US"/>
+          </a:p>
+        </p:txBody>
+      </p:sp>
+      <p:sp>
+        <p:nvSpPr>
+          <p:cNvPr id="150" name="직사각형 149">
+            <a:extLst>
+              <a:ext uri="{FF2B5EF4-FFF2-40B4-BE49-F238E27FC236}">
+                <a16:creationId xmlns:a16="http://schemas.microsoft.com/office/drawing/2014/main" id="{5A8BA8CB-F29E-0740-9655-A3496184A4F3}"/>
+              </a:ext>
+            </a:extLst>
+          </p:cNvPr>
+          <p:cNvSpPr/>
+          <p:nvPr/>
+        </p:nvSpPr>
+        <p:spPr>
+          <a:xfrm>
+            <a:off x="4099714" y="2427090"/>
+            <a:ext cx="187287" cy="210400"/>
+          </a:xfrm>
+          <a:prstGeom prst="rect">
+            <a:avLst/>
+          </a:prstGeom>
+          <a:noFill/>
+          <a:ln w="12700">
+            <a:solidFill>
+              <a:srgbClr val="5DA2C5"/>
+            </a:solidFill>
+          </a:ln>
+        </p:spPr>
+        <p:style>
+          <a:lnRef idx="2">
+            <a:schemeClr val="accent1">
+              <a:shade val="50000"/>
+            </a:schemeClr>
+          </a:lnRef>
+          <a:fillRef idx="1">
+            <a:schemeClr val="accent1"/>
+          </a:fillRef>
+          <a:effectRef idx="0">
+            <a:schemeClr val="accent1"/>
+          </a:effectRef>
+          <a:fontRef idx="minor">
+            <a:schemeClr val="lt1"/>
+          </a:fontRef>
+        </p:style>
+        <p:txBody>
+          <a:bodyPr rtlCol="0" anchor="ctr"/>
+          <a:lstStyle/>
+          <a:p>
+            <a:pPr algn="ctr"/>
+            <a:endParaRPr kumimoji="1" lang="ko-Kore-KR" altLang="en-US"/>
+          </a:p>
+        </p:txBody>
+      </p:sp>
+      <p:cxnSp>
+        <p:nvCxnSpPr>
+          <p:cNvPr id="151" name="직선 화살표 연결선 150">
+            <a:extLst>
+              <a:ext uri="{FF2B5EF4-FFF2-40B4-BE49-F238E27FC236}">
+                <a16:creationId xmlns:a16="http://schemas.microsoft.com/office/drawing/2014/main" id="{1BB337DE-1C1F-B945-8FB4-6EC773B0EA1F}"/>
+              </a:ext>
+            </a:extLst>
+          </p:cNvPr>
+          <p:cNvCxnSpPr>
+            <a:cxnSpLocks/>
+            <a:stCxn id="148" idx="3"/>
+            <a:endCxn id="149" idx="1"/>
+          </p:cNvCxnSpPr>
+          <p:nvPr/>
+        </p:nvCxnSpPr>
+        <p:spPr>
+          <a:xfrm>
+            <a:off x="3344633" y="2532290"/>
+            <a:ext cx="262713" cy="939"/>
+          </a:xfrm>
+          <a:prstGeom prst="straightConnector1">
+            <a:avLst/>
+          </a:prstGeom>
+          <a:ln w="25400">
+            <a:solidFill>
+              <a:srgbClr val="5DA2C5"/>
+            </a:solidFill>
+            <a:headEnd type="arrow"/>
+            <a:tailEnd type="none" w="med" len="med"/>
+          </a:ln>
+        </p:spPr>
+        <p:style>
+          <a:lnRef idx="1">
+            <a:schemeClr val="accent1"/>
+          </a:lnRef>
+          <a:fillRef idx="0">
+            <a:schemeClr val="accent1"/>
+          </a:fillRef>
+          <a:effectRef idx="0">
+            <a:schemeClr val="accent1"/>
+          </a:effectRef>
+          <a:fontRef idx="minor">
+            <a:schemeClr val="tx1"/>
+          </a:fontRef>
+        </p:style>
+      </p:cxnSp>
+      <p:cxnSp>
+        <p:nvCxnSpPr>
+          <p:cNvPr id="152" name="직선 화살표 연결선 151">
+            <a:extLst>
+              <a:ext uri="{FF2B5EF4-FFF2-40B4-BE49-F238E27FC236}">
+                <a16:creationId xmlns:a16="http://schemas.microsoft.com/office/drawing/2014/main" id="{1139306A-EDD1-5140-AEA8-F558DC451E22}"/>
+              </a:ext>
+            </a:extLst>
+          </p:cNvPr>
+          <p:cNvCxnSpPr>
+            <a:cxnSpLocks/>
+            <a:stCxn id="149" idx="3"/>
+            <a:endCxn id="150" idx="1"/>
+          </p:cNvCxnSpPr>
+          <p:nvPr/>
+        </p:nvCxnSpPr>
+        <p:spPr>
+          <a:xfrm flipV="1">
+            <a:off x="3794633" y="2532290"/>
+            <a:ext cx="305081" cy="939"/>
+          </a:xfrm>
+          <a:prstGeom prst="straightConnector1">
+            <a:avLst/>
+          </a:prstGeom>
+          <a:ln w="25400">
+            <a:solidFill>
+              <a:srgbClr val="5DA2C5"/>
+            </a:solidFill>
+            <a:headEnd type="arrow"/>
+            <a:tailEnd type="none" w="med" len="med"/>
+          </a:ln>
+        </p:spPr>
+        <p:style>
+          <a:lnRef idx="1">
+            <a:schemeClr val="accent1"/>
+          </a:lnRef>
+          <a:fillRef idx="0">
+            <a:schemeClr val="accent1"/>
+          </a:fillRef>
+          <a:effectRef idx="0">
+            <a:schemeClr val="accent1"/>
+          </a:effectRef>
+          <a:fontRef idx="minor">
+            <a:schemeClr val="tx1"/>
+          </a:fontRef>
+        </p:style>
+      </p:cxnSp>
+    </p:spTree>
+    <p:extLst>
+      <p:ext uri="{BB962C8B-B14F-4D97-AF65-F5344CB8AC3E}">
+        <p14:creationId xmlns:p14="http://schemas.microsoft.com/office/powerpoint/2010/main" val="201707337"/>
+      </p:ext>
+    </p:extLst>
+  </p:cSld>
+  <p:clrMapOvr>
+    <a:masterClrMapping/>
+  </p:clrMapOvr>
+</p:sld>
+</file>
+
 <file path=ppt/theme/theme1.xml><?xml version="1.0" encoding="utf-8"?>
 <a:theme xmlns:a="http://schemas.openxmlformats.org/drawingml/2006/main" name="Office 테마">
   <a:themeElements>

--- a/Get Your Hands Dirty on Clean Architecture/ref/프레젠테이션1.pptx
+++ b/Get Your Hands Dirty on Clean Architecture/ref/프레젠테이션1.pptx
@@ -9,6 +9,7 @@
     <p:sldId id="260" r:id="rId3"/>
     <p:sldId id="261" r:id="rId4"/>
     <p:sldId id="262" r:id="rId5"/>
+    <p:sldId id="263" r:id="rId6"/>
   </p:sldIdLst>
   <p:sldSz cx="12192000" cy="6858000"/>
   <p:notesSz cx="6858000" cy="9144000"/>
@@ -9398,7 +9399,7 @@
         </p:nvSpPr>
         <p:spPr>
           <a:xfrm>
-            <a:off x="625515" y="654137"/>
+            <a:off x="204275" y="623314"/>
             <a:ext cx="3780000" cy="3780000"/>
           </a:xfrm>
           <a:prstGeom prst="ellipse">
@@ -9452,7 +9453,7 @@
         </p:nvSpPr>
         <p:spPr>
           <a:xfrm>
-            <a:off x="1075515" y="1104137"/>
+            <a:off x="654275" y="1073314"/>
             <a:ext cx="2880000" cy="2880000"/>
           </a:xfrm>
           <a:prstGeom prst="ellipse">
@@ -9504,7 +9505,7 @@
         </p:nvSpPr>
         <p:spPr>
           <a:xfrm rot="18483397">
-            <a:off x="719813" y="1356781"/>
+            <a:off x="298573" y="1325958"/>
             <a:ext cx="1028632" cy="253916"/>
           </a:xfrm>
           <a:prstGeom prst="rect">
@@ -9546,7 +9547,7 @@
         </p:nvSpPr>
         <p:spPr>
           <a:xfrm rot="3120077">
-            <a:off x="3262360" y="1310328"/>
+            <a:off x="2841120" y="1279505"/>
             <a:ext cx="1028632" cy="253916"/>
           </a:xfrm>
           <a:prstGeom prst="rect">
@@ -9588,7 +9589,7 @@
         </p:nvSpPr>
         <p:spPr>
           <a:xfrm rot="2703026">
-            <a:off x="883720" y="3632180"/>
+            <a:off x="462480" y="3601357"/>
             <a:ext cx="1028632" cy="253916"/>
           </a:xfrm>
           <a:prstGeom prst="rect">
@@ -9630,7 +9631,7 @@
         </p:nvSpPr>
         <p:spPr>
           <a:xfrm rot="18723501">
-            <a:off x="3284473" y="3463605"/>
+            <a:off x="2863233" y="3432782"/>
             <a:ext cx="1028632" cy="253916"/>
           </a:xfrm>
           <a:prstGeom prst="rect">
@@ -9674,7 +9675,7 @@
         </p:nvSpPr>
         <p:spPr>
           <a:xfrm>
-            <a:off x="1527236" y="1554137"/>
+            <a:off x="1105996" y="1523314"/>
             <a:ext cx="1980000" cy="1980000"/>
           </a:xfrm>
           <a:prstGeom prst="ellipse">
@@ -9726,7 +9727,7 @@
         </p:nvSpPr>
         <p:spPr>
           <a:xfrm>
-            <a:off x="2002920" y="1226886"/>
+            <a:off x="1581680" y="1196063"/>
             <a:ext cx="1028632" cy="253916"/>
           </a:xfrm>
           <a:prstGeom prst="rect">
@@ -9768,7 +9769,7 @@
         </p:nvSpPr>
         <p:spPr>
           <a:xfrm>
-            <a:off x="2002920" y="1687323"/>
+            <a:off x="1581680" y="1656500"/>
             <a:ext cx="1028632" cy="253916"/>
           </a:xfrm>
           <a:prstGeom prst="rect">
@@ -9812,7 +9813,7 @@
         </p:nvSpPr>
         <p:spPr>
           <a:xfrm>
-            <a:off x="1977236" y="2004137"/>
+            <a:off x="1555996" y="1973314"/>
             <a:ext cx="1080000" cy="1080000"/>
           </a:xfrm>
           <a:prstGeom prst="ellipse">
@@ -9864,7 +9865,7 @@
         </p:nvSpPr>
         <p:spPr>
           <a:xfrm>
-            <a:off x="2001199" y="4020230"/>
+            <a:off x="1579959" y="3989407"/>
             <a:ext cx="1028632" cy="415498"/>
           </a:xfrm>
           <a:prstGeom prst="rect">
@@ -9919,7 +9920,7 @@
         </p:nvSpPr>
         <p:spPr>
           <a:xfrm>
-            <a:off x="2026187" y="2207182"/>
+            <a:off x="1604947" y="2176359"/>
             <a:ext cx="1028632" cy="253916"/>
           </a:xfrm>
           <a:prstGeom prst="rect">
@@ -9949,22 +9950,24 @@
       </p:sp>
       <p:cxnSp>
         <p:nvCxnSpPr>
-          <p:cNvPr id="143" name="직선 화살표 연결선 142">
-            <a:extLst>
-              <a:ext uri="{FF2B5EF4-FFF2-40B4-BE49-F238E27FC236}">
-                <a16:creationId xmlns:a16="http://schemas.microsoft.com/office/drawing/2014/main" id="{7A65CC5E-2A2A-4A4B-877F-46DD55DE3418}"/>
+          <p:cNvPr id="145" name="직선 화살표 연결선 144">
+            <a:extLst>
+              <a:ext uri="{FF2B5EF4-FFF2-40B4-BE49-F238E27FC236}">
+                <a16:creationId xmlns:a16="http://schemas.microsoft.com/office/drawing/2014/main" id="{89207B04-D95F-F74C-B093-59EF7B63EED6}"/>
               </a:ext>
             </a:extLst>
           </p:cNvPr>
           <p:cNvCxnSpPr>
             <a:cxnSpLocks/>
+            <a:stCxn id="3" idx="3"/>
+            <a:endCxn id="148" idx="1"/>
           </p:cNvCxnSpPr>
           <p:nvPr/>
         </p:nvCxnSpPr>
         <p:spPr>
-          <a:xfrm flipH="1">
-            <a:off x="890911" y="2549194"/>
-            <a:ext cx="342872" cy="0"/>
+          <a:xfrm flipV="1">
+            <a:off x="2187918" y="2501467"/>
+            <a:ext cx="548188" cy="2143"/>
           </a:xfrm>
           <a:prstGeom prst="straightConnector1">
             <a:avLst/>
@@ -9992,98 +9995,6 @@
           </a:fontRef>
         </p:style>
       </p:cxnSp>
-      <p:cxnSp>
-        <p:nvCxnSpPr>
-          <p:cNvPr id="144" name="직선 화살표 연결선 143">
-            <a:extLst>
-              <a:ext uri="{FF2B5EF4-FFF2-40B4-BE49-F238E27FC236}">
-                <a16:creationId xmlns:a16="http://schemas.microsoft.com/office/drawing/2014/main" id="{51FA22EB-B085-AB4A-8559-21C7DCC708BB}"/>
-              </a:ext>
-            </a:extLst>
-          </p:cNvPr>
-          <p:cNvCxnSpPr>
-            <a:cxnSpLocks/>
-          </p:cNvCxnSpPr>
-          <p:nvPr/>
-        </p:nvCxnSpPr>
-        <p:spPr>
-          <a:xfrm flipH="1">
-            <a:off x="1355800" y="2549194"/>
-            <a:ext cx="342872" cy="0"/>
-          </a:xfrm>
-          <a:prstGeom prst="straightConnector1">
-            <a:avLst/>
-          </a:prstGeom>
-          <a:ln w="25400">
-            <a:solidFill>
-              <a:srgbClr val="5DA2C5"/>
-            </a:solidFill>
-            <a:headEnd type="arrow"/>
-            <a:tailEnd type="none" w="med" len="med"/>
-          </a:ln>
-        </p:spPr>
-        <p:style>
-          <a:lnRef idx="1">
-            <a:schemeClr val="accent1"/>
-          </a:lnRef>
-          <a:fillRef idx="0">
-            <a:schemeClr val="accent1"/>
-          </a:fillRef>
-          <a:effectRef idx="0">
-            <a:schemeClr val="accent1"/>
-          </a:effectRef>
-          <a:fontRef idx="minor">
-            <a:schemeClr val="tx1"/>
-          </a:fontRef>
-        </p:style>
-      </p:cxnSp>
-      <p:cxnSp>
-        <p:nvCxnSpPr>
-          <p:cNvPr id="145" name="직선 화살표 연결선 144">
-            <a:extLst>
-              <a:ext uri="{FF2B5EF4-FFF2-40B4-BE49-F238E27FC236}">
-                <a16:creationId xmlns:a16="http://schemas.microsoft.com/office/drawing/2014/main" id="{89207B04-D95F-F74C-B093-59EF7B63EED6}"/>
-              </a:ext>
-            </a:extLst>
-          </p:cNvPr>
-          <p:cNvCxnSpPr>
-            <a:cxnSpLocks/>
-            <a:stCxn id="3" idx="3"/>
-            <a:endCxn id="148" idx="1"/>
-          </p:cNvCxnSpPr>
-          <p:nvPr/>
-        </p:nvCxnSpPr>
-        <p:spPr>
-          <a:xfrm flipV="1">
-            <a:off x="2609158" y="2532290"/>
-            <a:ext cx="548188" cy="2143"/>
-          </a:xfrm>
-          <a:prstGeom prst="straightConnector1">
-            <a:avLst/>
-          </a:prstGeom>
-          <a:ln w="25400">
-            <a:solidFill>
-              <a:srgbClr val="5DA2C5"/>
-            </a:solidFill>
-            <a:headEnd type="arrow"/>
-            <a:tailEnd type="none" w="med" len="med"/>
-          </a:ln>
-        </p:spPr>
-        <p:style>
-          <a:lnRef idx="1">
-            <a:schemeClr val="accent1"/>
-          </a:lnRef>
-          <a:fillRef idx="0">
-            <a:schemeClr val="accent1"/>
-          </a:fillRef>
-          <a:effectRef idx="0">
-            <a:schemeClr val="accent1"/>
-          </a:effectRef>
-          <a:fontRef idx="minor">
-            <a:schemeClr val="tx1"/>
-          </a:fontRef>
-        </p:style>
-      </p:cxnSp>
       <p:sp>
         <p:nvSpPr>
           <p:cNvPr id="146" name="직사각형 145">
@@ -10098,7 +10009,7 @@
         </p:nvSpPr>
         <p:spPr>
           <a:xfrm rot="2535515">
-            <a:off x="1185498" y="3244820"/>
+            <a:off x="764258" y="3213997"/>
             <a:ext cx="1028632" cy="253916"/>
           </a:xfrm>
           <a:prstGeom prst="rect">
@@ -10140,7 +10051,7 @@
         </p:nvSpPr>
         <p:spPr>
           <a:xfrm rot="18712710">
-            <a:off x="2956507" y="3131843"/>
+            <a:off x="2535267" y="3101020"/>
             <a:ext cx="1028632" cy="253916"/>
           </a:xfrm>
           <a:prstGeom prst="rect">
@@ -10182,7 +10093,7 @@
         </p:nvSpPr>
         <p:spPr>
           <a:xfrm>
-            <a:off x="2421871" y="2429233"/>
+            <a:off x="2000631" y="2398410"/>
             <a:ext cx="187287" cy="210400"/>
           </a:xfrm>
           <a:prstGeom prst="rect">
@@ -10234,7 +10145,7 @@
         </p:nvSpPr>
         <p:spPr>
           <a:xfrm>
-            <a:off x="3157346" y="2427090"/>
+            <a:off x="2736106" y="2396267"/>
             <a:ext cx="187287" cy="210400"/>
           </a:xfrm>
           <a:prstGeom prst="rect">
@@ -10286,7 +10197,7 @@
         </p:nvSpPr>
         <p:spPr>
           <a:xfrm>
-            <a:off x="3607346" y="2428029"/>
+            <a:off x="3186106" y="2397206"/>
             <a:ext cx="187287" cy="210400"/>
           </a:xfrm>
           <a:prstGeom prst="rect">
@@ -10338,7 +10249,7 @@
         </p:nvSpPr>
         <p:spPr>
           <a:xfrm>
-            <a:off x="4099714" y="2427090"/>
+            <a:off x="3678474" y="2396267"/>
             <a:ext cx="187287" cy="210400"/>
           </a:xfrm>
           <a:prstGeom prst="rect">
@@ -10394,7 +10305,7 @@
         </p:nvCxnSpPr>
         <p:spPr>
           <a:xfrm>
-            <a:off x="3344633" y="2532290"/>
+            <a:off x="2923393" y="2501467"/>
             <a:ext cx="262713" cy="939"/>
           </a:xfrm>
           <a:prstGeom prst="straightConnector1">
@@ -10441,7 +10352,7 @@
         </p:nvCxnSpPr>
         <p:spPr>
           <a:xfrm flipV="1">
-            <a:off x="3794633" y="2532290"/>
+            <a:off x="3373393" y="2501467"/>
             <a:ext cx="305081" cy="939"/>
           </a:xfrm>
           <a:prstGeom prst="straightConnector1">
@@ -10470,10 +10381,8272 @@
           </a:fontRef>
         </p:style>
       </p:cxnSp>
+      <p:grpSp>
+        <p:nvGrpSpPr>
+          <p:cNvPr id="153" name="그룹 152">
+            <a:extLst>
+              <a:ext uri="{FF2B5EF4-FFF2-40B4-BE49-F238E27FC236}">
+                <a16:creationId xmlns:a16="http://schemas.microsoft.com/office/drawing/2014/main" id="{F1D45CE3-93B6-FC4F-81E9-0EBC2632E0A3}"/>
+              </a:ext>
+            </a:extLst>
+          </p:cNvPr>
+          <p:cNvGrpSpPr/>
+          <p:nvPr/>
+        </p:nvGrpSpPr>
+        <p:grpSpPr>
+          <a:xfrm>
+            <a:off x="7703361" y="2430275"/>
+            <a:ext cx="1500572" cy="539735"/>
+            <a:chOff x="3737640" y="1066800"/>
+            <a:chExt cx="1408101" cy="539735"/>
+          </a:xfrm>
+        </p:grpSpPr>
+        <p:sp>
+          <p:nvSpPr>
+            <p:cNvPr id="154" name="직사각형 153">
+              <a:extLst>
+                <a:ext uri="{FF2B5EF4-FFF2-40B4-BE49-F238E27FC236}">
+                  <a16:creationId xmlns:a16="http://schemas.microsoft.com/office/drawing/2014/main" id="{51038716-7FCD-4E4C-9E49-917286637866}"/>
+                </a:ext>
+              </a:extLst>
+            </p:cNvPr>
+            <p:cNvSpPr/>
+            <p:nvPr/>
+          </p:nvSpPr>
+          <p:spPr>
+            <a:xfrm>
+              <a:off x="3737640" y="1066800"/>
+              <a:ext cx="1408101" cy="539735"/>
+            </a:xfrm>
+            <a:prstGeom prst="rect">
+              <a:avLst/>
+            </a:prstGeom>
+            <a:ln w="25400">
+              <a:solidFill>
+                <a:srgbClr val="5DA2C5"/>
+              </a:solidFill>
+            </a:ln>
+          </p:spPr>
+          <p:style>
+            <a:lnRef idx="1">
+              <a:schemeClr val="accent1"/>
+            </a:lnRef>
+            <a:fillRef idx="0">
+              <a:schemeClr val="accent1"/>
+            </a:fillRef>
+            <a:effectRef idx="0">
+              <a:schemeClr val="accent1"/>
+            </a:effectRef>
+            <a:fontRef idx="minor">
+              <a:schemeClr val="tx1"/>
+            </a:fontRef>
+          </p:style>
+          <p:txBody>
+            <a:bodyPr rtlCol="0" anchor="ctr"/>
+            <a:lstStyle/>
+            <a:p>
+              <a:pPr algn="ctr"/>
+              <a:endParaRPr kumimoji="1" lang="ko-Kore-KR" altLang="en-US"/>
+            </a:p>
+          </p:txBody>
+        </p:sp>
+        <p:sp>
+          <p:nvSpPr>
+            <p:cNvPr id="155" name="TextBox 154">
+              <a:extLst>
+                <a:ext uri="{FF2B5EF4-FFF2-40B4-BE49-F238E27FC236}">
+                  <a16:creationId xmlns:a16="http://schemas.microsoft.com/office/drawing/2014/main" id="{8304909C-1D8E-C04D-94EA-727926CA6142}"/>
+                </a:ext>
+              </a:extLst>
+            </p:cNvPr>
+            <p:cNvSpPr txBox="1"/>
+            <p:nvPr/>
+          </p:nvSpPr>
+          <p:spPr>
+            <a:xfrm>
+              <a:off x="3737640" y="1198128"/>
+              <a:ext cx="1408101" cy="276999"/>
+            </a:xfrm>
+            <a:prstGeom prst="rect">
+              <a:avLst/>
+            </a:prstGeom>
+            <a:noFill/>
+          </p:spPr>
+          <p:txBody>
+            <a:bodyPr wrap="square" rtlCol="0">
+              <a:spAutoFit/>
+            </a:bodyPr>
+            <a:lstStyle/>
+            <a:p>
+              <a:pPr algn="ctr"/>
+              <a:r>
+                <a:rPr kumimoji="1" lang="en-US" altLang="ko-Kore-KR" sz="1200" b="1" dirty="0">
+                  <a:solidFill>
+                    <a:srgbClr val="5DA2C5"/>
+                  </a:solidFill>
+                  <a:latin typeface="SHeadG" panose="02030600000101010101" pitchFamily="18" charset="-127"/>
+                  <a:ea typeface="SHeadG" panose="02030600000101010101" pitchFamily="18" charset="-127"/>
+                </a:rPr>
+                <a:t>Entity</a:t>
+              </a:r>
+              <a:endParaRPr kumimoji="1" lang="ko-Kore-KR" altLang="en-US" sz="1200" b="1" dirty="0">
+                <a:solidFill>
+                  <a:srgbClr val="5DA2C5"/>
+                </a:solidFill>
+                <a:latin typeface="SHeadG" panose="02030600000101010101" pitchFamily="18" charset="-127"/>
+                <a:ea typeface="SHeadG" panose="02030600000101010101" pitchFamily="18" charset="-127"/>
+              </a:endParaRPr>
+            </a:p>
+          </p:txBody>
+        </p:sp>
+      </p:grpSp>
+      <p:grpSp>
+        <p:nvGrpSpPr>
+          <p:cNvPr id="156" name="그룹 155">
+            <a:extLst>
+              <a:ext uri="{FF2B5EF4-FFF2-40B4-BE49-F238E27FC236}">
+                <a16:creationId xmlns:a16="http://schemas.microsoft.com/office/drawing/2014/main" id="{15C870FC-139E-8749-8932-CBC6D5B0A48E}"/>
+              </a:ext>
+            </a:extLst>
+          </p:cNvPr>
+          <p:cNvGrpSpPr/>
+          <p:nvPr/>
+        </p:nvGrpSpPr>
+        <p:grpSpPr>
+          <a:xfrm>
+            <a:off x="7703361" y="1348463"/>
+            <a:ext cx="1500572" cy="539735"/>
+            <a:chOff x="3737640" y="1066800"/>
+            <a:chExt cx="1408101" cy="539735"/>
+          </a:xfrm>
+        </p:grpSpPr>
+        <p:sp>
+          <p:nvSpPr>
+            <p:cNvPr id="157" name="직사각형 156">
+              <a:extLst>
+                <a:ext uri="{FF2B5EF4-FFF2-40B4-BE49-F238E27FC236}">
+                  <a16:creationId xmlns:a16="http://schemas.microsoft.com/office/drawing/2014/main" id="{273182BD-F724-4C4C-A41E-DB3CD577EE03}"/>
+                </a:ext>
+              </a:extLst>
+            </p:cNvPr>
+            <p:cNvSpPr/>
+            <p:nvPr/>
+          </p:nvSpPr>
+          <p:spPr>
+            <a:xfrm>
+              <a:off x="3737640" y="1066800"/>
+              <a:ext cx="1408101" cy="539735"/>
+            </a:xfrm>
+            <a:prstGeom prst="rect">
+              <a:avLst/>
+            </a:prstGeom>
+            <a:ln w="25400">
+              <a:solidFill>
+                <a:srgbClr val="5DA2C5"/>
+              </a:solidFill>
+            </a:ln>
+          </p:spPr>
+          <p:style>
+            <a:lnRef idx="1">
+              <a:schemeClr val="accent1"/>
+            </a:lnRef>
+            <a:fillRef idx="0">
+              <a:schemeClr val="accent1"/>
+            </a:fillRef>
+            <a:effectRef idx="0">
+              <a:schemeClr val="accent1"/>
+            </a:effectRef>
+            <a:fontRef idx="minor">
+              <a:schemeClr val="tx1"/>
+            </a:fontRef>
+          </p:style>
+          <p:txBody>
+            <a:bodyPr rtlCol="0" anchor="ctr"/>
+            <a:lstStyle/>
+            <a:p>
+              <a:pPr algn="ctr"/>
+              <a:endParaRPr kumimoji="1" lang="ko-Kore-KR" altLang="en-US"/>
+            </a:p>
+          </p:txBody>
+        </p:sp>
+        <p:sp>
+          <p:nvSpPr>
+            <p:cNvPr id="158" name="TextBox 157">
+              <a:extLst>
+                <a:ext uri="{FF2B5EF4-FFF2-40B4-BE49-F238E27FC236}">
+                  <a16:creationId xmlns:a16="http://schemas.microsoft.com/office/drawing/2014/main" id="{93BE3758-A494-AD42-BC13-A17DE00D8318}"/>
+                </a:ext>
+              </a:extLst>
+            </p:cNvPr>
+            <p:cNvSpPr txBox="1"/>
+            <p:nvPr/>
+          </p:nvSpPr>
+          <p:spPr>
+            <a:xfrm>
+              <a:off x="3737640" y="1198128"/>
+              <a:ext cx="1408101" cy="276999"/>
+            </a:xfrm>
+            <a:prstGeom prst="rect">
+              <a:avLst/>
+            </a:prstGeom>
+            <a:noFill/>
+          </p:spPr>
+          <p:txBody>
+            <a:bodyPr wrap="square" rtlCol="0">
+              <a:spAutoFit/>
+            </a:bodyPr>
+            <a:lstStyle/>
+            <a:p>
+              <a:pPr algn="ctr"/>
+              <a:r>
+                <a:rPr kumimoji="1" lang="en-US" altLang="ko-Kore-KR" sz="1200" b="1" dirty="0">
+                  <a:solidFill>
+                    <a:srgbClr val="5DA2C5"/>
+                  </a:solidFill>
+                  <a:latin typeface="SHeadG" panose="02030600000101010101" pitchFamily="18" charset="-127"/>
+                  <a:ea typeface="SHeadG" panose="02030600000101010101" pitchFamily="18" charset="-127"/>
+                </a:rPr>
+                <a:t>Use Case</a:t>
+              </a:r>
+              <a:endParaRPr kumimoji="1" lang="ko-Kore-KR" altLang="en-US" sz="1200" b="1" dirty="0">
+                <a:solidFill>
+                  <a:srgbClr val="5DA2C5"/>
+                </a:solidFill>
+                <a:latin typeface="SHeadG" panose="02030600000101010101" pitchFamily="18" charset="-127"/>
+                <a:ea typeface="SHeadG" panose="02030600000101010101" pitchFamily="18" charset="-127"/>
+              </a:endParaRPr>
+            </a:p>
+          </p:txBody>
+        </p:sp>
+      </p:grpSp>
+      <p:grpSp>
+        <p:nvGrpSpPr>
+          <p:cNvPr id="159" name="그룹 158">
+            <a:extLst>
+              <a:ext uri="{FF2B5EF4-FFF2-40B4-BE49-F238E27FC236}">
+                <a16:creationId xmlns:a16="http://schemas.microsoft.com/office/drawing/2014/main" id="{43EA39CE-2734-4A47-AA03-8FF1AC6D4ADD}"/>
+              </a:ext>
+            </a:extLst>
+          </p:cNvPr>
+          <p:cNvGrpSpPr/>
+          <p:nvPr/>
+        </p:nvGrpSpPr>
+        <p:grpSpPr>
+          <a:xfrm>
+            <a:off x="7703361" y="3512087"/>
+            <a:ext cx="1500572" cy="539735"/>
+            <a:chOff x="3737640" y="1066800"/>
+            <a:chExt cx="1408101" cy="539735"/>
+          </a:xfrm>
+        </p:grpSpPr>
+        <p:sp>
+          <p:nvSpPr>
+            <p:cNvPr id="160" name="직사각형 159">
+              <a:extLst>
+                <a:ext uri="{FF2B5EF4-FFF2-40B4-BE49-F238E27FC236}">
+                  <a16:creationId xmlns:a16="http://schemas.microsoft.com/office/drawing/2014/main" id="{5EFB8C0B-2361-2A4C-B2AC-337E623FE8A5}"/>
+                </a:ext>
+              </a:extLst>
+            </p:cNvPr>
+            <p:cNvSpPr/>
+            <p:nvPr/>
+          </p:nvSpPr>
+          <p:spPr>
+            <a:xfrm>
+              <a:off x="3737640" y="1066800"/>
+              <a:ext cx="1408101" cy="539735"/>
+            </a:xfrm>
+            <a:prstGeom prst="rect">
+              <a:avLst/>
+            </a:prstGeom>
+            <a:ln w="25400">
+              <a:solidFill>
+                <a:srgbClr val="5DA2C5"/>
+              </a:solidFill>
+            </a:ln>
+          </p:spPr>
+          <p:style>
+            <a:lnRef idx="1">
+              <a:schemeClr val="accent1"/>
+            </a:lnRef>
+            <a:fillRef idx="0">
+              <a:schemeClr val="accent1"/>
+            </a:fillRef>
+            <a:effectRef idx="0">
+              <a:schemeClr val="accent1"/>
+            </a:effectRef>
+            <a:fontRef idx="minor">
+              <a:schemeClr val="tx1"/>
+            </a:fontRef>
+          </p:style>
+          <p:txBody>
+            <a:bodyPr rtlCol="0" anchor="ctr"/>
+            <a:lstStyle/>
+            <a:p>
+              <a:pPr algn="ctr"/>
+              <a:endParaRPr kumimoji="1" lang="ko-Kore-KR" altLang="en-US"/>
+            </a:p>
+          </p:txBody>
+        </p:sp>
+        <p:sp>
+          <p:nvSpPr>
+            <p:cNvPr id="161" name="TextBox 160">
+              <a:extLst>
+                <a:ext uri="{FF2B5EF4-FFF2-40B4-BE49-F238E27FC236}">
+                  <a16:creationId xmlns:a16="http://schemas.microsoft.com/office/drawing/2014/main" id="{B93B1122-007B-D742-B2AB-C6466226D59C}"/>
+                </a:ext>
+              </a:extLst>
+            </p:cNvPr>
+            <p:cNvSpPr txBox="1"/>
+            <p:nvPr/>
+          </p:nvSpPr>
+          <p:spPr>
+            <a:xfrm>
+              <a:off x="3737640" y="1198128"/>
+              <a:ext cx="1408101" cy="276999"/>
+            </a:xfrm>
+            <a:prstGeom prst="rect">
+              <a:avLst/>
+            </a:prstGeom>
+            <a:noFill/>
+          </p:spPr>
+          <p:txBody>
+            <a:bodyPr wrap="square" rtlCol="0">
+              <a:spAutoFit/>
+            </a:bodyPr>
+            <a:lstStyle/>
+            <a:p>
+              <a:pPr algn="ctr"/>
+              <a:r>
+                <a:rPr kumimoji="1" lang="en-US" altLang="ko-Kore-KR" sz="1200" b="1" dirty="0">
+                  <a:solidFill>
+                    <a:srgbClr val="5DA2C5"/>
+                  </a:solidFill>
+                  <a:latin typeface="SHeadG" panose="02030600000101010101" pitchFamily="18" charset="-127"/>
+                  <a:ea typeface="SHeadG" panose="02030600000101010101" pitchFamily="18" charset="-127"/>
+                </a:rPr>
+                <a:t>Use Case</a:t>
+              </a:r>
+              <a:endParaRPr kumimoji="1" lang="ko-Kore-KR" altLang="en-US" sz="1200" b="1" dirty="0">
+                <a:solidFill>
+                  <a:srgbClr val="5DA2C5"/>
+                </a:solidFill>
+                <a:latin typeface="SHeadG" panose="02030600000101010101" pitchFamily="18" charset="-127"/>
+                <a:ea typeface="SHeadG" panose="02030600000101010101" pitchFamily="18" charset="-127"/>
+              </a:endParaRPr>
+            </a:p>
+          </p:txBody>
+        </p:sp>
+      </p:grpSp>
+      <p:cxnSp>
+        <p:nvCxnSpPr>
+          <p:cNvPr id="162" name="직선 화살표 연결선 161">
+            <a:extLst>
+              <a:ext uri="{FF2B5EF4-FFF2-40B4-BE49-F238E27FC236}">
+                <a16:creationId xmlns:a16="http://schemas.microsoft.com/office/drawing/2014/main" id="{2D8F6A10-D2A9-1A43-8C63-53AF0CD13303}"/>
+              </a:ext>
+            </a:extLst>
+          </p:cNvPr>
+          <p:cNvCxnSpPr>
+            <a:cxnSpLocks/>
+            <a:stCxn id="154" idx="0"/>
+            <a:endCxn id="157" idx="2"/>
+          </p:cNvCxnSpPr>
+          <p:nvPr/>
+        </p:nvCxnSpPr>
+        <p:spPr>
+          <a:xfrm flipV="1">
+            <a:off x="8453647" y="1888198"/>
+            <a:ext cx="0" cy="542077"/>
+          </a:xfrm>
+          <a:prstGeom prst="straightConnector1">
+            <a:avLst/>
+          </a:prstGeom>
+          <a:ln w="25400">
+            <a:solidFill>
+              <a:srgbClr val="5DA2C5"/>
+            </a:solidFill>
+            <a:headEnd type="arrow"/>
+            <a:tailEnd type="none" w="med" len="med"/>
+          </a:ln>
+        </p:spPr>
+        <p:style>
+          <a:lnRef idx="1">
+            <a:schemeClr val="accent1"/>
+          </a:lnRef>
+          <a:fillRef idx="0">
+            <a:schemeClr val="accent1"/>
+          </a:fillRef>
+          <a:effectRef idx="0">
+            <a:schemeClr val="accent1"/>
+          </a:effectRef>
+          <a:fontRef idx="minor">
+            <a:schemeClr val="tx1"/>
+          </a:fontRef>
+        </p:style>
+      </p:cxnSp>
+      <p:cxnSp>
+        <p:nvCxnSpPr>
+          <p:cNvPr id="163" name="직선 화살표 연결선 162">
+            <a:extLst>
+              <a:ext uri="{FF2B5EF4-FFF2-40B4-BE49-F238E27FC236}">
+                <a16:creationId xmlns:a16="http://schemas.microsoft.com/office/drawing/2014/main" id="{317BCEBA-96BB-9746-9659-3511FC998E6E}"/>
+              </a:ext>
+            </a:extLst>
+          </p:cNvPr>
+          <p:cNvCxnSpPr>
+            <a:cxnSpLocks/>
+            <a:stCxn id="154" idx="2"/>
+            <a:endCxn id="160" idx="0"/>
+          </p:cNvCxnSpPr>
+          <p:nvPr/>
+        </p:nvCxnSpPr>
+        <p:spPr>
+          <a:xfrm>
+            <a:off x="8453647" y="2970010"/>
+            <a:ext cx="0" cy="542077"/>
+          </a:xfrm>
+          <a:prstGeom prst="straightConnector1">
+            <a:avLst/>
+          </a:prstGeom>
+          <a:ln w="25400">
+            <a:solidFill>
+              <a:srgbClr val="5DA2C5"/>
+            </a:solidFill>
+            <a:headEnd type="arrow"/>
+            <a:tailEnd type="none" w="med" len="med"/>
+          </a:ln>
+        </p:spPr>
+        <p:style>
+          <a:lnRef idx="1">
+            <a:schemeClr val="accent1"/>
+          </a:lnRef>
+          <a:fillRef idx="0">
+            <a:schemeClr val="accent1"/>
+          </a:fillRef>
+          <a:effectRef idx="0">
+            <a:schemeClr val="accent1"/>
+          </a:effectRef>
+          <a:fontRef idx="minor">
+            <a:schemeClr val="tx1"/>
+          </a:fontRef>
+        </p:style>
+      </p:cxnSp>
+      <p:grpSp>
+        <p:nvGrpSpPr>
+          <p:cNvPr id="164" name="그룹 163">
+            <a:extLst>
+              <a:ext uri="{FF2B5EF4-FFF2-40B4-BE49-F238E27FC236}">
+                <a16:creationId xmlns:a16="http://schemas.microsoft.com/office/drawing/2014/main" id="{6D4B07DA-E547-B544-B036-C12DE3B1FEA6}"/>
+              </a:ext>
+            </a:extLst>
+          </p:cNvPr>
+          <p:cNvGrpSpPr/>
+          <p:nvPr/>
+        </p:nvGrpSpPr>
+        <p:grpSpPr>
+          <a:xfrm>
+            <a:off x="4788397" y="1538835"/>
+            <a:ext cx="1277223" cy="539735"/>
+            <a:chOff x="3737640" y="1066800"/>
+            <a:chExt cx="1408101" cy="539735"/>
+          </a:xfrm>
+        </p:grpSpPr>
+        <p:sp>
+          <p:nvSpPr>
+            <p:cNvPr id="165" name="직사각형 164">
+              <a:extLst>
+                <a:ext uri="{FF2B5EF4-FFF2-40B4-BE49-F238E27FC236}">
+                  <a16:creationId xmlns:a16="http://schemas.microsoft.com/office/drawing/2014/main" id="{D5116309-3B51-2742-A830-05847F604186}"/>
+                </a:ext>
+              </a:extLst>
+            </p:cNvPr>
+            <p:cNvSpPr/>
+            <p:nvPr/>
+          </p:nvSpPr>
+          <p:spPr>
+            <a:xfrm>
+              <a:off x="3737640" y="1066800"/>
+              <a:ext cx="1408101" cy="539735"/>
+            </a:xfrm>
+            <a:prstGeom prst="rect">
+              <a:avLst/>
+            </a:prstGeom>
+            <a:ln w="25400">
+              <a:solidFill>
+                <a:srgbClr val="5DA2C5"/>
+              </a:solidFill>
+            </a:ln>
+          </p:spPr>
+          <p:style>
+            <a:lnRef idx="1">
+              <a:schemeClr val="accent1"/>
+            </a:lnRef>
+            <a:fillRef idx="0">
+              <a:schemeClr val="accent1"/>
+            </a:fillRef>
+            <a:effectRef idx="0">
+              <a:schemeClr val="accent1"/>
+            </a:effectRef>
+            <a:fontRef idx="minor">
+              <a:schemeClr val="tx1"/>
+            </a:fontRef>
+          </p:style>
+          <p:txBody>
+            <a:bodyPr rtlCol="0" anchor="ctr"/>
+            <a:lstStyle/>
+            <a:p>
+              <a:pPr algn="ctr"/>
+              <a:endParaRPr kumimoji="1" lang="ko-Kore-KR" altLang="en-US"/>
+            </a:p>
+          </p:txBody>
+        </p:sp>
+        <p:sp>
+          <p:nvSpPr>
+            <p:cNvPr id="166" name="TextBox 165">
+              <a:extLst>
+                <a:ext uri="{FF2B5EF4-FFF2-40B4-BE49-F238E27FC236}">
+                  <a16:creationId xmlns:a16="http://schemas.microsoft.com/office/drawing/2014/main" id="{AC2F2940-C6A0-F848-88C0-36B5DBB80CD0}"/>
+                </a:ext>
+              </a:extLst>
+            </p:cNvPr>
+            <p:cNvSpPr txBox="1"/>
+            <p:nvPr/>
+          </p:nvSpPr>
+          <p:spPr>
+            <a:xfrm>
+              <a:off x="3737640" y="1198128"/>
+              <a:ext cx="1408101" cy="276999"/>
+            </a:xfrm>
+            <a:prstGeom prst="rect">
+              <a:avLst/>
+            </a:prstGeom>
+            <a:noFill/>
+          </p:spPr>
+          <p:txBody>
+            <a:bodyPr wrap="square" rtlCol="0">
+              <a:spAutoFit/>
+            </a:bodyPr>
+            <a:lstStyle/>
+            <a:p>
+              <a:pPr algn="ctr"/>
+              <a:r>
+                <a:rPr kumimoji="1" lang="en-US" altLang="ko-Kore-KR" sz="1200" b="1" dirty="0">
+                  <a:solidFill>
+                    <a:srgbClr val="5DA2C5"/>
+                  </a:solidFill>
+                  <a:latin typeface="SHeadG" panose="02030600000101010101" pitchFamily="18" charset="-127"/>
+                  <a:ea typeface="SHeadG" panose="02030600000101010101" pitchFamily="18" charset="-127"/>
+                </a:rPr>
+                <a:t>Web Adapter</a:t>
+              </a:r>
+              <a:endParaRPr kumimoji="1" lang="ko-Kore-KR" altLang="en-US" sz="1200" b="1" dirty="0">
+                <a:solidFill>
+                  <a:srgbClr val="5DA2C5"/>
+                </a:solidFill>
+                <a:latin typeface="SHeadG" panose="02030600000101010101" pitchFamily="18" charset="-127"/>
+                <a:ea typeface="SHeadG" panose="02030600000101010101" pitchFamily="18" charset="-127"/>
+              </a:endParaRPr>
+            </a:p>
+          </p:txBody>
+        </p:sp>
+      </p:grpSp>
+      <p:sp>
+        <p:nvSpPr>
+          <p:cNvPr id="15" name="육각형[H] 14">
+            <a:extLst>
+              <a:ext uri="{FF2B5EF4-FFF2-40B4-BE49-F238E27FC236}">
+                <a16:creationId xmlns:a16="http://schemas.microsoft.com/office/drawing/2014/main" id="{9C632249-B340-184A-8A30-243B65C1D4EB}"/>
+              </a:ext>
+            </a:extLst>
+          </p:cNvPr>
+          <p:cNvSpPr/>
+          <p:nvPr/>
+        </p:nvSpPr>
+        <p:spPr>
+          <a:xfrm>
+            <a:off x="6448757" y="969680"/>
+            <a:ext cx="3969445" cy="3546912"/>
+          </a:xfrm>
+          <a:prstGeom prst="hexagon">
+            <a:avLst/>
+          </a:prstGeom>
+          <a:noFill/>
+          <a:ln w="25400">
+            <a:solidFill>
+              <a:srgbClr val="5DA2C5"/>
+            </a:solidFill>
+          </a:ln>
+        </p:spPr>
+        <p:style>
+          <a:lnRef idx="2">
+            <a:schemeClr val="accent1">
+              <a:shade val="50000"/>
+            </a:schemeClr>
+          </a:lnRef>
+          <a:fillRef idx="1">
+            <a:schemeClr val="accent1"/>
+          </a:fillRef>
+          <a:effectRef idx="0">
+            <a:schemeClr val="accent1"/>
+          </a:effectRef>
+          <a:fontRef idx="minor">
+            <a:schemeClr val="lt1"/>
+          </a:fontRef>
+        </p:style>
+        <p:txBody>
+          <a:bodyPr rtlCol="0" anchor="ctr"/>
+          <a:lstStyle/>
+          <a:p>
+            <a:pPr algn="ctr"/>
+            <a:endParaRPr kumimoji="1" lang="ko-Kore-KR" altLang="en-US"/>
+          </a:p>
+        </p:txBody>
+      </p:sp>
+      <p:grpSp>
+        <p:nvGrpSpPr>
+          <p:cNvPr id="167" name="그룹 166">
+            <a:extLst>
+              <a:ext uri="{FF2B5EF4-FFF2-40B4-BE49-F238E27FC236}">
+                <a16:creationId xmlns:a16="http://schemas.microsoft.com/office/drawing/2014/main" id="{21EF4899-0CC9-3D42-96E2-EEECEF725279}"/>
+              </a:ext>
+            </a:extLst>
+          </p:cNvPr>
+          <p:cNvGrpSpPr/>
+          <p:nvPr/>
+        </p:nvGrpSpPr>
+        <p:grpSpPr>
+          <a:xfrm rot="17844373">
+            <a:off x="6145779" y="1723193"/>
+            <a:ext cx="1500572" cy="330011"/>
+            <a:chOff x="3737640" y="1066800"/>
+            <a:chExt cx="1408101" cy="539735"/>
+          </a:xfrm>
+        </p:grpSpPr>
+        <p:sp>
+          <p:nvSpPr>
+            <p:cNvPr id="168" name="직사각형 167">
+              <a:extLst>
+                <a:ext uri="{FF2B5EF4-FFF2-40B4-BE49-F238E27FC236}">
+                  <a16:creationId xmlns:a16="http://schemas.microsoft.com/office/drawing/2014/main" id="{FDAF3477-0029-7C49-B143-F7BC8B13A947}"/>
+                </a:ext>
+              </a:extLst>
+            </p:cNvPr>
+            <p:cNvSpPr/>
+            <p:nvPr/>
+          </p:nvSpPr>
+          <p:spPr>
+            <a:xfrm>
+              <a:off x="3737640" y="1066800"/>
+              <a:ext cx="1408101" cy="539735"/>
+            </a:xfrm>
+            <a:prstGeom prst="rect">
+              <a:avLst/>
+            </a:prstGeom>
+            <a:solidFill>
+              <a:schemeClr val="bg1"/>
+            </a:solidFill>
+            <a:ln w="25400">
+              <a:solidFill>
+                <a:srgbClr val="5DA2C5"/>
+              </a:solidFill>
+            </a:ln>
+          </p:spPr>
+          <p:style>
+            <a:lnRef idx="1">
+              <a:schemeClr val="accent1"/>
+            </a:lnRef>
+            <a:fillRef idx="0">
+              <a:schemeClr val="accent1"/>
+            </a:fillRef>
+            <a:effectRef idx="0">
+              <a:schemeClr val="accent1"/>
+            </a:effectRef>
+            <a:fontRef idx="minor">
+              <a:schemeClr val="tx1"/>
+            </a:fontRef>
+          </p:style>
+          <p:txBody>
+            <a:bodyPr rtlCol="0" anchor="ctr"/>
+            <a:lstStyle/>
+            <a:p>
+              <a:pPr algn="ctr"/>
+              <a:endParaRPr kumimoji="1" lang="ko-Kore-KR" altLang="en-US"/>
+            </a:p>
+          </p:txBody>
+        </p:sp>
+        <p:sp>
+          <p:nvSpPr>
+            <p:cNvPr id="169" name="TextBox 168">
+              <a:extLst>
+                <a:ext uri="{FF2B5EF4-FFF2-40B4-BE49-F238E27FC236}">
+                  <a16:creationId xmlns:a16="http://schemas.microsoft.com/office/drawing/2014/main" id="{28CEAECA-A13F-E04A-BD5A-B340BD758DBE}"/>
+                </a:ext>
+              </a:extLst>
+            </p:cNvPr>
+            <p:cNvSpPr txBox="1"/>
+            <p:nvPr/>
+          </p:nvSpPr>
+          <p:spPr>
+            <a:xfrm>
+              <a:off x="3750532" y="1130915"/>
+              <a:ext cx="1395209" cy="453034"/>
+            </a:xfrm>
+            <a:prstGeom prst="rect">
+              <a:avLst/>
+            </a:prstGeom>
+            <a:noFill/>
+          </p:spPr>
+          <p:txBody>
+            <a:bodyPr wrap="square" rtlCol="0">
+              <a:spAutoFit/>
+            </a:bodyPr>
+            <a:lstStyle/>
+            <a:p>
+              <a:pPr algn="ctr"/>
+              <a:r>
+                <a:rPr kumimoji="1" lang="en-US" altLang="ko-Kore-KR" sz="1200" b="1" dirty="0">
+                  <a:solidFill>
+                    <a:srgbClr val="5DA2C5"/>
+                  </a:solidFill>
+                  <a:latin typeface="SHeadG" panose="02030600000101010101" pitchFamily="18" charset="-127"/>
+                  <a:ea typeface="SHeadG" panose="02030600000101010101" pitchFamily="18" charset="-127"/>
+                </a:rPr>
+                <a:t>Input Port</a:t>
+              </a:r>
+              <a:endParaRPr kumimoji="1" lang="ko-Kore-KR" altLang="en-US" sz="1200" b="1" dirty="0">
+                <a:solidFill>
+                  <a:srgbClr val="5DA2C5"/>
+                </a:solidFill>
+                <a:latin typeface="SHeadG" panose="02030600000101010101" pitchFamily="18" charset="-127"/>
+                <a:ea typeface="SHeadG" panose="02030600000101010101" pitchFamily="18" charset="-127"/>
+              </a:endParaRPr>
+            </a:p>
+          </p:txBody>
+        </p:sp>
+      </p:grpSp>
+      <p:grpSp>
+        <p:nvGrpSpPr>
+          <p:cNvPr id="170" name="그룹 169">
+            <a:extLst>
+              <a:ext uri="{FF2B5EF4-FFF2-40B4-BE49-F238E27FC236}">
+                <a16:creationId xmlns:a16="http://schemas.microsoft.com/office/drawing/2014/main" id="{D6EDD3DE-3DDC-8045-8104-DF435766835D}"/>
+              </a:ext>
+            </a:extLst>
+          </p:cNvPr>
+          <p:cNvGrpSpPr/>
+          <p:nvPr/>
+        </p:nvGrpSpPr>
+        <p:grpSpPr>
+          <a:xfrm rot="3819944">
+            <a:off x="6172097" y="3505628"/>
+            <a:ext cx="1500572" cy="330011"/>
+            <a:chOff x="3737640" y="1066800"/>
+            <a:chExt cx="1408101" cy="539735"/>
+          </a:xfrm>
+        </p:grpSpPr>
+        <p:sp>
+          <p:nvSpPr>
+            <p:cNvPr id="171" name="직사각형 170">
+              <a:extLst>
+                <a:ext uri="{FF2B5EF4-FFF2-40B4-BE49-F238E27FC236}">
+                  <a16:creationId xmlns:a16="http://schemas.microsoft.com/office/drawing/2014/main" id="{A7244EBF-5E82-8C41-A34B-79B44A1FF1FA}"/>
+                </a:ext>
+              </a:extLst>
+            </p:cNvPr>
+            <p:cNvSpPr/>
+            <p:nvPr/>
+          </p:nvSpPr>
+          <p:spPr>
+            <a:xfrm>
+              <a:off x="3737640" y="1066800"/>
+              <a:ext cx="1408101" cy="539735"/>
+            </a:xfrm>
+            <a:prstGeom prst="rect">
+              <a:avLst/>
+            </a:prstGeom>
+            <a:solidFill>
+              <a:schemeClr val="bg1"/>
+            </a:solidFill>
+            <a:ln w="25400">
+              <a:solidFill>
+                <a:srgbClr val="5DA2C5"/>
+              </a:solidFill>
+            </a:ln>
+          </p:spPr>
+          <p:style>
+            <a:lnRef idx="1">
+              <a:schemeClr val="accent1"/>
+            </a:lnRef>
+            <a:fillRef idx="0">
+              <a:schemeClr val="accent1"/>
+            </a:fillRef>
+            <a:effectRef idx="0">
+              <a:schemeClr val="accent1"/>
+            </a:effectRef>
+            <a:fontRef idx="minor">
+              <a:schemeClr val="tx1"/>
+            </a:fontRef>
+          </p:style>
+          <p:txBody>
+            <a:bodyPr rtlCol="0" anchor="ctr"/>
+            <a:lstStyle/>
+            <a:p>
+              <a:pPr algn="ctr"/>
+              <a:endParaRPr kumimoji="1" lang="ko-Kore-KR" altLang="en-US"/>
+            </a:p>
+          </p:txBody>
+        </p:sp>
+        <p:sp>
+          <p:nvSpPr>
+            <p:cNvPr id="172" name="TextBox 171">
+              <a:extLst>
+                <a:ext uri="{FF2B5EF4-FFF2-40B4-BE49-F238E27FC236}">
+                  <a16:creationId xmlns:a16="http://schemas.microsoft.com/office/drawing/2014/main" id="{F408DAE6-F316-2244-A058-22EC0FBF59E1}"/>
+                </a:ext>
+              </a:extLst>
+            </p:cNvPr>
+            <p:cNvSpPr txBox="1"/>
+            <p:nvPr/>
+          </p:nvSpPr>
+          <p:spPr>
+            <a:xfrm>
+              <a:off x="3737640" y="1130915"/>
+              <a:ext cx="1408101" cy="453034"/>
+            </a:xfrm>
+            <a:prstGeom prst="rect">
+              <a:avLst/>
+            </a:prstGeom>
+            <a:noFill/>
+          </p:spPr>
+          <p:txBody>
+            <a:bodyPr wrap="square" rtlCol="0">
+              <a:spAutoFit/>
+            </a:bodyPr>
+            <a:lstStyle/>
+            <a:p>
+              <a:pPr algn="ctr"/>
+              <a:r>
+                <a:rPr kumimoji="1" lang="en-US" altLang="ko-Kore-KR" sz="1200" b="1" dirty="0">
+                  <a:solidFill>
+                    <a:srgbClr val="5DA2C5"/>
+                  </a:solidFill>
+                  <a:latin typeface="SHeadG" panose="02030600000101010101" pitchFamily="18" charset="-127"/>
+                  <a:ea typeface="SHeadG" panose="02030600000101010101" pitchFamily="18" charset="-127"/>
+                </a:rPr>
+                <a:t>Input Port</a:t>
+              </a:r>
+              <a:endParaRPr kumimoji="1" lang="ko-Kore-KR" altLang="en-US" sz="1200" b="1" dirty="0">
+                <a:solidFill>
+                  <a:srgbClr val="5DA2C5"/>
+                </a:solidFill>
+                <a:latin typeface="SHeadG" panose="02030600000101010101" pitchFamily="18" charset="-127"/>
+                <a:ea typeface="SHeadG" panose="02030600000101010101" pitchFamily="18" charset="-127"/>
+              </a:endParaRPr>
+            </a:p>
+          </p:txBody>
+        </p:sp>
+      </p:grpSp>
+      <p:grpSp>
+        <p:nvGrpSpPr>
+          <p:cNvPr id="173" name="그룹 172">
+            <a:extLst>
+              <a:ext uri="{FF2B5EF4-FFF2-40B4-BE49-F238E27FC236}">
+                <a16:creationId xmlns:a16="http://schemas.microsoft.com/office/drawing/2014/main" id="{D051443D-41C1-2C4F-87F2-6E03120C8954}"/>
+              </a:ext>
+            </a:extLst>
+          </p:cNvPr>
+          <p:cNvGrpSpPr/>
+          <p:nvPr/>
+        </p:nvGrpSpPr>
+        <p:grpSpPr>
+          <a:xfrm rot="17844373">
+            <a:off x="9260942" y="3478149"/>
+            <a:ext cx="1500572" cy="330011"/>
+            <a:chOff x="3737640" y="1066800"/>
+            <a:chExt cx="1408101" cy="539735"/>
+          </a:xfrm>
+        </p:grpSpPr>
+        <p:sp>
+          <p:nvSpPr>
+            <p:cNvPr id="174" name="직사각형 173">
+              <a:extLst>
+                <a:ext uri="{FF2B5EF4-FFF2-40B4-BE49-F238E27FC236}">
+                  <a16:creationId xmlns:a16="http://schemas.microsoft.com/office/drawing/2014/main" id="{BC8476A8-B5BB-9748-8CFF-629EF3434394}"/>
+                </a:ext>
+              </a:extLst>
+            </p:cNvPr>
+            <p:cNvSpPr/>
+            <p:nvPr/>
+          </p:nvSpPr>
+          <p:spPr>
+            <a:xfrm>
+              <a:off x="3737640" y="1066800"/>
+              <a:ext cx="1408101" cy="539735"/>
+            </a:xfrm>
+            <a:prstGeom prst="rect">
+              <a:avLst/>
+            </a:prstGeom>
+            <a:solidFill>
+              <a:schemeClr val="bg1"/>
+            </a:solidFill>
+            <a:ln w="25400">
+              <a:solidFill>
+                <a:srgbClr val="5DA2C5"/>
+              </a:solidFill>
+            </a:ln>
+          </p:spPr>
+          <p:style>
+            <a:lnRef idx="1">
+              <a:schemeClr val="accent1"/>
+            </a:lnRef>
+            <a:fillRef idx="0">
+              <a:schemeClr val="accent1"/>
+            </a:fillRef>
+            <a:effectRef idx="0">
+              <a:schemeClr val="accent1"/>
+            </a:effectRef>
+            <a:fontRef idx="minor">
+              <a:schemeClr val="tx1"/>
+            </a:fontRef>
+          </p:style>
+          <p:txBody>
+            <a:bodyPr rtlCol="0" anchor="ctr"/>
+            <a:lstStyle/>
+            <a:p>
+              <a:pPr algn="ctr"/>
+              <a:endParaRPr kumimoji="1" lang="ko-Kore-KR" altLang="en-US"/>
+            </a:p>
+          </p:txBody>
+        </p:sp>
+        <p:sp>
+          <p:nvSpPr>
+            <p:cNvPr id="175" name="TextBox 174">
+              <a:extLst>
+                <a:ext uri="{FF2B5EF4-FFF2-40B4-BE49-F238E27FC236}">
+                  <a16:creationId xmlns:a16="http://schemas.microsoft.com/office/drawing/2014/main" id="{C3C4D183-9BC1-424E-BD11-5D4FAFC63AFC}"/>
+                </a:ext>
+              </a:extLst>
+            </p:cNvPr>
+            <p:cNvSpPr txBox="1"/>
+            <p:nvPr/>
+          </p:nvSpPr>
+          <p:spPr>
+            <a:xfrm>
+              <a:off x="3750532" y="1130915"/>
+              <a:ext cx="1395209" cy="453034"/>
+            </a:xfrm>
+            <a:prstGeom prst="rect">
+              <a:avLst/>
+            </a:prstGeom>
+            <a:noFill/>
+          </p:spPr>
+          <p:txBody>
+            <a:bodyPr wrap="square" rtlCol="0">
+              <a:spAutoFit/>
+            </a:bodyPr>
+            <a:lstStyle/>
+            <a:p>
+              <a:pPr algn="ctr"/>
+              <a:r>
+                <a:rPr kumimoji="1" lang="en-US" altLang="ko-Kore-KR" sz="1200" b="1" dirty="0">
+                  <a:solidFill>
+                    <a:srgbClr val="5DA2C5"/>
+                  </a:solidFill>
+                  <a:latin typeface="SHeadG" panose="02030600000101010101" pitchFamily="18" charset="-127"/>
+                  <a:ea typeface="SHeadG" panose="02030600000101010101" pitchFamily="18" charset="-127"/>
+                </a:rPr>
+                <a:t>Output Port</a:t>
+              </a:r>
+              <a:endParaRPr kumimoji="1" lang="ko-Kore-KR" altLang="en-US" sz="1200" b="1" dirty="0">
+                <a:solidFill>
+                  <a:srgbClr val="5DA2C5"/>
+                </a:solidFill>
+                <a:latin typeface="SHeadG" panose="02030600000101010101" pitchFamily="18" charset="-127"/>
+                <a:ea typeface="SHeadG" panose="02030600000101010101" pitchFamily="18" charset="-127"/>
+              </a:endParaRPr>
+            </a:p>
+          </p:txBody>
+        </p:sp>
+      </p:grpSp>
+      <p:grpSp>
+        <p:nvGrpSpPr>
+          <p:cNvPr id="176" name="그룹 175">
+            <a:extLst>
+              <a:ext uri="{FF2B5EF4-FFF2-40B4-BE49-F238E27FC236}">
+                <a16:creationId xmlns:a16="http://schemas.microsoft.com/office/drawing/2014/main" id="{3B43E25B-BAA2-2847-93EC-F04C9010A096}"/>
+              </a:ext>
+            </a:extLst>
+          </p:cNvPr>
+          <p:cNvGrpSpPr/>
+          <p:nvPr/>
+        </p:nvGrpSpPr>
+        <p:grpSpPr>
+          <a:xfrm rot="3819944">
+            <a:off x="9223504" y="1713047"/>
+            <a:ext cx="1500572" cy="330011"/>
+            <a:chOff x="3737640" y="1066800"/>
+            <a:chExt cx="1408101" cy="539735"/>
+          </a:xfrm>
+        </p:grpSpPr>
+        <p:sp>
+          <p:nvSpPr>
+            <p:cNvPr id="177" name="직사각형 176">
+              <a:extLst>
+                <a:ext uri="{FF2B5EF4-FFF2-40B4-BE49-F238E27FC236}">
+                  <a16:creationId xmlns:a16="http://schemas.microsoft.com/office/drawing/2014/main" id="{21C361B5-CEF7-BB4A-8EEB-373247572D55}"/>
+                </a:ext>
+              </a:extLst>
+            </p:cNvPr>
+            <p:cNvSpPr/>
+            <p:nvPr/>
+          </p:nvSpPr>
+          <p:spPr>
+            <a:xfrm>
+              <a:off x="3737640" y="1066800"/>
+              <a:ext cx="1408101" cy="539735"/>
+            </a:xfrm>
+            <a:prstGeom prst="rect">
+              <a:avLst/>
+            </a:prstGeom>
+            <a:solidFill>
+              <a:schemeClr val="bg1"/>
+            </a:solidFill>
+            <a:ln w="25400">
+              <a:solidFill>
+                <a:srgbClr val="5DA2C5"/>
+              </a:solidFill>
+            </a:ln>
+          </p:spPr>
+          <p:style>
+            <a:lnRef idx="1">
+              <a:schemeClr val="accent1"/>
+            </a:lnRef>
+            <a:fillRef idx="0">
+              <a:schemeClr val="accent1"/>
+            </a:fillRef>
+            <a:effectRef idx="0">
+              <a:schemeClr val="accent1"/>
+            </a:effectRef>
+            <a:fontRef idx="minor">
+              <a:schemeClr val="tx1"/>
+            </a:fontRef>
+          </p:style>
+          <p:txBody>
+            <a:bodyPr rtlCol="0" anchor="ctr"/>
+            <a:lstStyle/>
+            <a:p>
+              <a:pPr algn="ctr"/>
+              <a:endParaRPr kumimoji="1" lang="ko-Kore-KR" altLang="en-US"/>
+            </a:p>
+          </p:txBody>
+        </p:sp>
+        <p:sp>
+          <p:nvSpPr>
+            <p:cNvPr id="178" name="TextBox 177">
+              <a:extLst>
+                <a:ext uri="{FF2B5EF4-FFF2-40B4-BE49-F238E27FC236}">
+                  <a16:creationId xmlns:a16="http://schemas.microsoft.com/office/drawing/2014/main" id="{91F4137C-530C-D542-98E2-8ACC0E255E3C}"/>
+                </a:ext>
+              </a:extLst>
+            </p:cNvPr>
+            <p:cNvSpPr txBox="1"/>
+            <p:nvPr/>
+          </p:nvSpPr>
+          <p:spPr>
+            <a:xfrm>
+              <a:off x="3737640" y="1130915"/>
+              <a:ext cx="1408101" cy="453034"/>
+            </a:xfrm>
+            <a:prstGeom prst="rect">
+              <a:avLst/>
+            </a:prstGeom>
+            <a:noFill/>
+          </p:spPr>
+          <p:txBody>
+            <a:bodyPr wrap="square" rtlCol="0">
+              <a:spAutoFit/>
+            </a:bodyPr>
+            <a:lstStyle/>
+            <a:p>
+              <a:pPr algn="ctr"/>
+              <a:r>
+                <a:rPr kumimoji="1" lang="en-US" altLang="ko-Kore-KR" sz="1200" b="1" dirty="0">
+                  <a:solidFill>
+                    <a:srgbClr val="5DA2C5"/>
+                  </a:solidFill>
+                  <a:latin typeface="SHeadG" panose="02030600000101010101" pitchFamily="18" charset="-127"/>
+                  <a:ea typeface="SHeadG" panose="02030600000101010101" pitchFamily="18" charset="-127"/>
+                </a:rPr>
+                <a:t>Output Port</a:t>
+              </a:r>
+              <a:endParaRPr kumimoji="1" lang="ko-Kore-KR" altLang="en-US" sz="1200" b="1" dirty="0">
+                <a:solidFill>
+                  <a:srgbClr val="5DA2C5"/>
+                </a:solidFill>
+                <a:latin typeface="SHeadG" panose="02030600000101010101" pitchFamily="18" charset="-127"/>
+                <a:ea typeface="SHeadG" panose="02030600000101010101" pitchFamily="18" charset="-127"/>
+              </a:endParaRPr>
+            </a:p>
+          </p:txBody>
+        </p:sp>
+      </p:grpSp>
+      <p:cxnSp>
+        <p:nvCxnSpPr>
+          <p:cNvPr id="179" name="직선 화살표 연결선 178">
+            <a:extLst>
+              <a:ext uri="{FF2B5EF4-FFF2-40B4-BE49-F238E27FC236}">
+                <a16:creationId xmlns:a16="http://schemas.microsoft.com/office/drawing/2014/main" id="{EE744D91-8574-6D48-AF43-EC44EEED66A7}"/>
+              </a:ext>
+            </a:extLst>
+          </p:cNvPr>
+          <p:cNvCxnSpPr>
+            <a:cxnSpLocks/>
+            <a:stCxn id="168" idx="0"/>
+            <a:endCxn id="166" idx="3"/>
+          </p:cNvCxnSpPr>
+          <p:nvPr/>
+        </p:nvCxnSpPr>
+        <p:spPr>
+          <a:xfrm flipH="1" flipV="1">
+            <a:off x="6065620" y="1808663"/>
+            <a:ext cx="683959" cy="3584"/>
+          </a:xfrm>
+          <a:prstGeom prst="straightConnector1">
+            <a:avLst/>
+          </a:prstGeom>
+          <a:ln w="25400">
+            <a:solidFill>
+              <a:srgbClr val="5DA2C5"/>
+            </a:solidFill>
+            <a:headEnd type="stealth" w="lg" len="lg"/>
+            <a:tailEnd type="none" w="med" len="med"/>
+          </a:ln>
+        </p:spPr>
+        <p:style>
+          <a:lnRef idx="1">
+            <a:schemeClr val="accent1"/>
+          </a:lnRef>
+          <a:fillRef idx="0">
+            <a:schemeClr val="accent1"/>
+          </a:fillRef>
+          <a:effectRef idx="0">
+            <a:schemeClr val="accent1"/>
+          </a:effectRef>
+          <a:fontRef idx="minor">
+            <a:schemeClr val="tx1"/>
+          </a:fontRef>
+        </p:style>
+      </p:cxnSp>
+      <p:grpSp>
+        <p:nvGrpSpPr>
+          <p:cNvPr id="19" name="그룹 18">
+            <a:extLst>
+              <a:ext uri="{FF2B5EF4-FFF2-40B4-BE49-F238E27FC236}">
+                <a16:creationId xmlns:a16="http://schemas.microsoft.com/office/drawing/2014/main" id="{036F4628-804A-A34D-8CAA-DD59842F0ED9}"/>
+              </a:ext>
+            </a:extLst>
+          </p:cNvPr>
+          <p:cNvGrpSpPr/>
+          <p:nvPr/>
+        </p:nvGrpSpPr>
+        <p:grpSpPr>
+          <a:xfrm>
+            <a:off x="4788398" y="3320407"/>
+            <a:ext cx="1284311" cy="824631"/>
+            <a:chOff x="4600013" y="3092833"/>
+            <a:chExt cx="1284311" cy="824631"/>
+          </a:xfrm>
+        </p:grpSpPr>
+        <p:sp>
+          <p:nvSpPr>
+            <p:cNvPr id="181" name="직사각형 180">
+              <a:extLst>
+                <a:ext uri="{FF2B5EF4-FFF2-40B4-BE49-F238E27FC236}">
+                  <a16:creationId xmlns:a16="http://schemas.microsoft.com/office/drawing/2014/main" id="{DF635DEC-81EB-824A-B440-8729ED3BA698}"/>
+                </a:ext>
+              </a:extLst>
+            </p:cNvPr>
+            <p:cNvSpPr/>
+            <p:nvPr/>
+          </p:nvSpPr>
+          <p:spPr>
+            <a:xfrm>
+              <a:off x="4600013" y="3092833"/>
+              <a:ext cx="1277223" cy="824631"/>
+            </a:xfrm>
+            <a:prstGeom prst="rect">
+              <a:avLst/>
+            </a:prstGeom>
+            <a:ln w="25400">
+              <a:solidFill>
+                <a:srgbClr val="5DA2C5"/>
+              </a:solidFill>
+            </a:ln>
+          </p:spPr>
+          <p:style>
+            <a:lnRef idx="1">
+              <a:schemeClr val="accent1"/>
+            </a:lnRef>
+            <a:fillRef idx="0">
+              <a:schemeClr val="accent1"/>
+            </a:fillRef>
+            <a:effectRef idx="0">
+              <a:schemeClr val="accent1"/>
+            </a:effectRef>
+            <a:fontRef idx="minor">
+              <a:schemeClr val="tx1"/>
+            </a:fontRef>
+          </p:style>
+          <p:txBody>
+            <a:bodyPr rtlCol="0" anchor="ctr"/>
+            <a:lstStyle/>
+            <a:p>
+              <a:pPr algn="ctr"/>
+              <a:endParaRPr kumimoji="1" lang="ko-Kore-KR" altLang="en-US"/>
+            </a:p>
+          </p:txBody>
+        </p:sp>
+        <p:sp>
+          <p:nvSpPr>
+            <p:cNvPr id="182" name="TextBox 181">
+              <a:extLst>
+                <a:ext uri="{FF2B5EF4-FFF2-40B4-BE49-F238E27FC236}">
+                  <a16:creationId xmlns:a16="http://schemas.microsoft.com/office/drawing/2014/main" id="{7B458B1F-5BC2-3F42-A8CE-E1B5E2ADB632}"/>
+                </a:ext>
+              </a:extLst>
+            </p:cNvPr>
+            <p:cNvSpPr txBox="1"/>
+            <p:nvPr/>
+          </p:nvSpPr>
+          <p:spPr>
+            <a:xfrm>
+              <a:off x="4607101" y="3188921"/>
+              <a:ext cx="1277223" cy="646331"/>
+            </a:xfrm>
+            <a:prstGeom prst="rect">
+              <a:avLst/>
+            </a:prstGeom>
+            <a:noFill/>
+          </p:spPr>
+          <p:txBody>
+            <a:bodyPr wrap="square" rtlCol="0">
+              <a:spAutoFit/>
+            </a:bodyPr>
+            <a:lstStyle/>
+            <a:p>
+              <a:pPr algn="ctr"/>
+              <a:r>
+                <a:rPr kumimoji="1" lang="en-US" altLang="ko-Kore-KR" sz="1200" b="1" dirty="0">
+                  <a:solidFill>
+                    <a:srgbClr val="5DA2C5"/>
+                  </a:solidFill>
+                  <a:latin typeface="SHeadG" panose="02030600000101010101" pitchFamily="18" charset="-127"/>
+                  <a:ea typeface="SHeadG" panose="02030600000101010101" pitchFamily="18" charset="-127"/>
+                </a:rPr>
+                <a:t>External</a:t>
+              </a:r>
+            </a:p>
+            <a:p>
+              <a:pPr algn="ctr"/>
+              <a:r>
+                <a:rPr kumimoji="1" lang="en-US" altLang="ko-Kore-KR" sz="1200" b="1" dirty="0">
+                  <a:solidFill>
+                    <a:srgbClr val="5DA2C5"/>
+                  </a:solidFill>
+                  <a:latin typeface="SHeadG" panose="02030600000101010101" pitchFamily="18" charset="-127"/>
+                  <a:ea typeface="SHeadG" panose="02030600000101010101" pitchFamily="18" charset="-127"/>
+                </a:rPr>
+                <a:t>System</a:t>
+              </a:r>
+            </a:p>
+            <a:p>
+              <a:pPr algn="ctr"/>
+              <a:r>
+                <a:rPr kumimoji="1" lang="en-US" altLang="ko-Kore-KR" sz="1200" b="1" dirty="0">
+                  <a:solidFill>
+                    <a:srgbClr val="5DA2C5"/>
+                  </a:solidFill>
+                  <a:latin typeface="SHeadG" panose="02030600000101010101" pitchFamily="18" charset="-127"/>
+                  <a:ea typeface="SHeadG" panose="02030600000101010101" pitchFamily="18" charset="-127"/>
+                </a:rPr>
+                <a:t>Adapter</a:t>
+              </a:r>
+            </a:p>
+          </p:txBody>
+        </p:sp>
+      </p:grpSp>
+      <p:cxnSp>
+        <p:nvCxnSpPr>
+          <p:cNvPr id="183" name="직선 화살표 연결선 182">
+            <a:extLst>
+              <a:ext uri="{FF2B5EF4-FFF2-40B4-BE49-F238E27FC236}">
+                <a16:creationId xmlns:a16="http://schemas.microsoft.com/office/drawing/2014/main" id="{BFE88E66-321A-B847-B612-D809C7BF2F10}"/>
+              </a:ext>
+            </a:extLst>
+          </p:cNvPr>
+          <p:cNvCxnSpPr>
+            <a:cxnSpLocks/>
+            <a:stCxn id="172" idx="2"/>
+            <a:endCxn id="182" idx="3"/>
+          </p:cNvCxnSpPr>
+          <p:nvPr/>
+        </p:nvCxnSpPr>
+        <p:spPr>
+          <a:xfrm flipH="1">
+            <a:off x="6072709" y="3737705"/>
+            <a:ext cx="714170" cy="1956"/>
+          </a:xfrm>
+          <a:prstGeom prst="straightConnector1">
+            <a:avLst/>
+          </a:prstGeom>
+          <a:ln w="25400">
+            <a:solidFill>
+              <a:srgbClr val="5DA2C5"/>
+            </a:solidFill>
+            <a:headEnd type="stealth" w="lg" len="lg"/>
+            <a:tailEnd type="none" w="med" len="med"/>
+          </a:ln>
+        </p:spPr>
+        <p:style>
+          <a:lnRef idx="1">
+            <a:schemeClr val="accent1"/>
+          </a:lnRef>
+          <a:fillRef idx="0">
+            <a:schemeClr val="accent1"/>
+          </a:fillRef>
+          <a:effectRef idx="0">
+            <a:schemeClr val="accent1"/>
+          </a:effectRef>
+          <a:fontRef idx="minor">
+            <a:schemeClr val="tx1"/>
+          </a:fontRef>
+        </p:style>
+      </p:cxnSp>
+      <p:grpSp>
+        <p:nvGrpSpPr>
+          <p:cNvPr id="184" name="그룹 183">
+            <a:extLst>
+              <a:ext uri="{FF2B5EF4-FFF2-40B4-BE49-F238E27FC236}">
+                <a16:creationId xmlns:a16="http://schemas.microsoft.com/office/drawing/2014/main" id="{047B5C1F-3B29-994C-A0F2-23BBF57F0A3C}"/>
+              </a:ext>
+            </a:extLst>
+          </p:cNvPr>
+          <p:cNvGrpSpPr/>
+          <p:nvPr/>
+        </p:nvGrpSpPr>
+        <p:grpSpPr>
+          <a:xfrm>
+            <a:off x="10670492" y="1538835"/>
+            <a:ext cx="1277224" cy="539735"/>
+            <a:chOff x="3737640" y="1066800"/>
+            <a:chExt cx="1408102" cy="539735"/>
+          </a:xfrm>
+        </p:grpSpPr>
+        <p:sp>
+          <p:nvSpPr>
+            <p:cNvPr id="185" name="직사각형 184">
+              <a:extLst>
+                <a:ext uri="{FF2B5EF4-FFF2-40B4-BE49-F238E27FC236}">
+                  <a16:creationId xmlns:a16="http://schemas.microsoft.com/office/drawing/2014/main" id="{40F4ECA3-1944-ED49-8FDC-C7A4750BB0C0}"/>
+                </a:ext>
+              </a:extLst>
+            </p:cNvPr>
+            <p:cNvSpPr/>
+            <p:nvPr/>
+          </p:nvSpPr>
+          <p:spPr>
+            <a:xfrm>
+              <a:off x="3737640" y="1066800"/>
+              <a:ext cx="1408101" cy="539735"/>
+            </a:xfrm>
+            <a:prstGeom prst="rect">
+              <a:avLst/>
+            </a:prstGeom>
+            <a:ln w="25400">
+              <a:solidFill>
+                <a:srgbClr val="5DA2C5"/>
+              </a:solidFill>
+            </a:ln>
+          </p:spPr>
+          <p:style>
+            <a:lnRef idx="1">
+              <a:schemeClr val="accent1"/>
+            </a:lnRef>
+            <a:fillRef idx="0">
+              <a:schemeClr val="accent1"/>
+            </a:fillRef>
+            <a:effectRef idx="0">
+              <a:schemeClr val="accent1"/>
+            </a:effectRef>
+            <a:fontRef idx="minor">
+              <a:schemeClr val="tx1"/>
+            </a:fontRef>
+          </p:style>
+          <p:txBody>
+            <a:bodyPr rtlCol="0" anchor="ctr"/>
+            <a:lstStyle/>
+            <a:p>
+              <a:pPr algn="ctr"/>
+              <a:endParaRPr kumimoji="1" lang="ko-Kore-KR" altLang="en-US"/>
+            </a:p>
+          </p:txBody>
+        </p:sp>
+        <p:sp>
+          <p:nvSpPr>
+            <p:cNvPr id="186" name="TextBox 185">
+              <a:extLst>
+                <a:ext uri="{FF2B5EF4-FFF2-40B4-BE49-F238E27FC236}">
+                  <a16:creationId xmlns:a16="http://schemas.microsoft.com/office/drawing/2014/main" id="{A8447ED3-F442-904A-BE0F-982DE61C8501}"/>
+                </a:ext>
+              </a:extLst>
+            </p:cNvPr>
+            <p:cNvSpPr txBox="1"/>
+            <p:nvPr/>
+          </p:nvSpPr>
+          <p:spPr>
+            <a:xfrm>
+              <a:off x="3778270" y="1119820"/>
+              <a:ext cx="1367472" cy="461665"/>
+            </a:xfrm>
+            <a:prstGeom prst="rect">
+              <a:avLst/>
+            </a:prstGeom>
+            <a:noFill/>
+          </p:spPr>
+          <p:txBody>
+            <a:bodyPr wrap="square" rtlCol="0">
+              <a:spAutoFit/>
+            </a:bodyPr>
+            <a:lstStyle/>
+            <a:p>
+              <a:pPr algn="ctr"/>
+              <a:r>
+                <a:rPr kumimoji="1" lang="en-US" altLang="ko-Kore-KR" sz="1200" b="1" dirty="0">
+                  <a:solidFill>
+                    <a:srgbClr val="5DA2C5"/>
+                  </a:solidFill>
+                  <a:latin typeface="SHeadG" panose="02030600000101010101" pitchFamily="18" charset="-127"/>
+                  <a:ea typeface="SHeadG" panose="02030600000101010101" pitchFamily="18" charset="-127"/>
+                </a:rPr>
+                <a:t>Persistence</a:t>
+              </a:r>
+            </a:p>
+            <a:p>
+              <a:pPr algn="ctr"/>
+              <a:r>
+                <a:rPr kumimoji="1" lang="en-US" altLang="ko-Kore-KR" sz="1200" b="1" dirty="0">
+                  <a:solidFill>
+                    <a:srgbClr val="5DA2C5"/>
+                  </a:solidFill>
+                  <a:latin typeface="SHeadG" panose="02030600000101010101" pitchFamily="18" charset="-127"/>
+                  <a:ea typeface="SHeadG" panose="02030600000101010101" pitchFamily="18" charset="-127"/>
+                </a:rPr>
+                <a:t>Adapter</a:t>
+              </a:r>
+              <a:endParaRPr kumimoji="1" lang="ko-Kore-KR" altLang="en-US" sz="1200" b="1" dirty="0">
+                <a:solidFill>
+                  <a:srgbClr val="5DA2C5"/>
+                </a:solidFill>
+                <a:latin typeface="SHeadG" panose="02030600000101010101" pitchFamily="18" charset="-127"/>
+                <a:ea typeface="SHeadG" panose="02030600000101010101" pitchFamily="18" charset="-127"/>
+              </a:endParaRPr>
+            </a:p>
+          </p:txBody>
+        </p:sp>
+      </p:grpSp>
+      <p:cxnSp>
+        <p:nvCxnSpPr>
+          <p:cNvPr id="187" name="직선 화살표 연결선 186">
+            <a:extLst>
+              <a:ext uri="{FF2B5EF4-FFF2-40B4-BE49-F238E27FC236}">
+                <a16:creationId xmlns:a16="http://schemas.microsoft.com/office/drawing/2014/main" id="{97B1CCEE-3066-BF4D-B7C4-4F33F24EF2E4}"/>
+              </a:ext>
+            </a:extLst>
+          </p:cNvPr>
+          <p:cNvCxnSpPr>
+            <a:cxnSpLocks/>
+            <a:stCxn id="177" idx="0"/>
+            <a:endCxn id="185" idx="1"/>
+          </p:cNvCxnSpPr>
+          <p:nvPr/>
+        </p:nvCxnSpPr>
+        <p:spPr>
+          <a:xfrm>
+            <a:off x="10121671" y="1804855"/>
+            <a:ext cx="548821" cy="3848"/>
+          </a:xfrm>
+          <a:prstGeom prst="straightConnector1">
+            <a:avLst/>
+          </a:prstGeom>
+          <a:ln w="25400">
+            <a:solidFill>
+              <a:srgbClr val="5DA2C5"/>
+            </a:solidFill>
+            <a:headEnd type="triangle" w="lg" len="lg"/>
+            <a:tailEnd type="none" w="med" len="med"/>
+          </a:ln>
+        </p:spPr>
+        <p:style>
+          <a:lnRef idx="1">
+            <a:schemeClr val="accent1"/>
+          </a:lnRef>
+          <a:fillRef idx="0">
+            <a:schemeClr val="accent1"/>
+          </a:fillRef>
+          <a:effectRef idx="0">
+            <a:schemeClr val="accent1"/>
+          </a:effectRef>
+          <a:fontRef idx="minor">
+            <a:schemeClr val="tx1"/>
+          </a:fontRef>
+        </p:style>
+      </p:cxnSp>
+      <p:grpSp>
+        <p:nvGrpSpPr>
+          <p:cNvPr id="192" name="그룹 191">
+            <a:extLst>
+              <a:ext uri="{FF2B5EF4-FFF2-40B4-BE49-F238E27FC236}">
+                <a16:creationId xmlns:a16="http://schemas.microsoft.com/office/drawing/2014/main" id="{A32D0176-D434-9945-9D9C-9F1A7EE1D3BD}"/>
+              </a:ext>
+            </a:extLst>
+          </p:cNvPr>
+          <p:cNvGrpSpPr/>
+          <p:nvPr/>
+        </p:nvGrpSpPr>
+        <p:grpSpPr>
+          <a:xfrm>
+            <a:off x="10685375" y="3294371"/>
+            <a:ext cx="1284311" cy="824631"/>
+            <a:chOff x="4600013" y="3092833"/>
+            <a:chExt cx="1284311" cy="824631"/>
+          </a:xfrm>
+        </p:grpSpPr>
+        <p:sp>
+          <p:nvSpPr>
+            <p:cNvPr id="193" name="직사각형 192">
+              <a:extLst>
+                <a:ext uri="{FF2B5EF4-FFF2-40B4-BE49-F238E27FC236}">
+                  <a16:creationId xmlns:a16="http://schemas.microsoft.com/office/drawing/2014/main" id="{E9A4D8A2-85C7-9D4E-89D8-13817BD91391}"/>
+                </a:ext>
+              </a:extLst>
+            </p:cNvPr>
+            <p:cNvSpPr/>
+            <p:nvPr/>
+          </p:nvSpPr>
+          <p:spPr>
+            <a:xfrm>
+              <a:off x="4600013" y="3092833"/>
+              <a:ext cx="1277223" cy="824631"/>
+            </a:xfrm>
+            <a:prstGeom prst="rect">
+              <a:avLst/>
+            </a:prstGeom>
+            <a:ln w="25400">
+              <a:solidFill>
+                <a:srgbClr val="5DA2C5"/>
+              </a:solidFill>
+            </a:ln>
+          </p:spPr>
+          <p:style>
+            <a:lnRef idx="1">
+              <a:schemeClr val="accent1"/>
+            </a:lnRef>
+            <a:fillRef idx="0">
+              <a:schemeClr val="accent1"/>
+            </a:fillRef>
+            <a:effectRef idx="0">
+              <a:schemeClr val="accent1"/>
+            </a:effectRef>
+            <a:fontRef idx="minor">
+              <a:schemeClr val="tx1"/>
+            </a:fontRef>
+          </p:style>
+          <p:txBody>
+            <a:bodyPr rtlCol="0" anchor="ctr"/>
+            <a:lstStyle/>
+            <a:p>
+              <a:pPr algn="ctr"/>
+              <a:endParaRPr kumimoji="1" lang="ko-Kore-KR" altLang="en-US"/>
+            </a:p>
+          </p:txBody>
+        </p:sp>
+        <p:sp>
+          <p:nvSpPr>
+            <p:cNvPr id="194" name="TextBox 193">
+              <a:extLst>
+                <a:ext uri="{FF2B5EF4-FFF2-40B4-BE49-F238E27FC236}">
+                  <a16:creationId xmlns:a16="http://schemas.microsoft.com/office/drawing/2014/main" id="{C786CBB6-A2F4-9847-A0A5-D604ECCFC916}"/>
+                </a:ext>
+              </a:extLst>
+            </p:cNvPr>
+            <p:cNvSpPr txBox="1"/>
+            <p:nvPr/>
+          </p:nvSpPr>
+          <p:spPr>
+            <a:xfrm>
+              <a:off x="4607101" y="3188921"/>
+              <a:ext cx="1277223" cy="646331"/>
+            </a:xfrm>
+            <a:prstGeom prst="rect">
+              <a:avLst/>
+            </a:prstGeom>
+            <a:noFill/>
+          </p:spPr>
+          <p:txBody>
+            <a:bodyPr wrap="square" rtlCol="0">
+              <a:spAutoFit/>
+            </a:bodyPr>
+            <a:lstStyle/>
+            <a:p>
+              <a:pPr algn="ctr"/>
+              <a:r>
+                <a:rPr kumimoji="1" lang="en-US" altLang="ko-Kore-KR" sz="1200" b="1" dirty="0">
+                  <a:solidFill>
+                    <a:srgbClr val="5DA2C5"/>
+                  </a:solidFill>
+                  <a:latin typeface="SHeadG" panose="02030600000101010101" pitchFamily="18" charset="-127"/>
+                  <a:ea typeface="SHeadG" panose="02030600000101010101" pitchFamily="18" charset="-127"/>
+                </a:rPr>
+                <a:t>External</a:t>
+              </a:r>
+            </a:p>
+            <a:p>
+              <a:pPr algn="ctr"/>
+              <a:r>
+                <a:rPr kumimoji="1" lang="en-US" altLang="ko-Kore-KR" sz="1200" b="1" dirty="0">
+                  <a:solidFill>
+                    <a:srgbClr val="5DA2C5"/>
+                  </a:solidFill>
+                  <a:latin typeface="SHeadG" panose="02030600000101010101" pitchFamily="18" charset="-127"/>
+                  <a:ea typeface="SHeadG" panose="02030600000101010101" pitchFamily="18" charset="-127"/>
+                </a:rPr>
+                <a:t>System</a:t>
+              </a:r>
+            </a:p>
+            <a:p>
+              <a:pPr algn="ctr"/>
+              <a:r>
+                <a:rPr kumimoji="1" lang="en-US" altLang="ko-Kore-KR" sz="1200" b="1" dirty="0">
+                  <a:solidFill>
+                    <a:srgbClr val="5DA2C5"/>
+                  </a:solidFill>
+                  <a:latin typeface="SHeadG" panose="02030600000101010101" pitchFamily="18" charset="-127"/>
+                  <a:ea typeface="SHeadG" panose="02030600000101010101" pitchFamily="18" charset="-127"/>
+                </a:rPr>
+                <a:t>Adapter</a:t>
+              </a:r>
+            </a:p>
+          </p:txBody>
+        </p:sp>
+      </p:grpSp>
+      <p:cxnSp>
+        <p:nvCxnSpPr>
+          <p:cNvPr id="195" name="직선 화살표 연결선 194">
+            <a:extLst>
+              <a:ext uri="{FF2B5EF4-FFF2-40B4-BE49-F238E27FC236}">
+                <a16:creationId xmlns:a16="http://schemas.microsoft.com/office/drawing/2014/main" id="{3959CFDE-F0E0-894C-A751-37B87294CC23}"/>
+              </a:ext>
+            </a:extLst>
+          </p:cNvPr>
+          <p:cNvCxnSpPr>
+            <a:cxnSpLocks/>
+            <a:stCxn id="175" idx="2"/>
+            <a:endCxn id="193" idx="1"/>
+          </p:cNvCxnSpPr>
+          <p:nvPr/>
+        </p:nvCxnSpPr>
+        <p:spPr>
+          <a:xfrm>
+            <a:off x="10148616" y="3706650"/>
+            <a:ext cx="536759" cy="37"/>
+          </a:xfrm>
+          <a:prstGeom prst="straightConnector1">
+            <a:avLst/>
+          </a:prstGeom>
+          <a:ln w="25400">
+            <a:solidFill>
+              <a:srgbClr val="5DA2C5"/>
+            </a:solidFill>
+            <a:headEnd type="triangle" w="lg" len="lg"/>
+            <a:tailEnd type="none" w="med" len="med"/>
+          </a:ln>
+        </p:spPr>
+        <p:style>
+          <a:lnRef idx="1">
+            <a:schemeClr val="accent1"/>
+          </a:lnRef>
+          <a:fillRef idx="0">
+            <a:schemeClr val="accent1"/>
+          </a:fillRef>
+          <a:effectRef idx="0">
+            <a:schemeClr val="accent1"/>
+          </a:effectRef>
+          <a:fontRef idx="minor">
+            <a:schemeClr val="tx1"/>
+          </a:fontRef>
+        </p:style>
+      </p:cxnSp>
+      <p:cxnSp>
+        <p:nvCxnSpPr>
+          <p:cNvPr id="196" name="직선 화살표 연결선 195">
+            <a:extLst>
+              <a:ext uri="{FF2B5EF4-FFF2-40B4-BE49-F238E27FC236}">
+                <a16:creationId xmlns:a16="http://schemas.microsoft.com/office/drawing/2014/main" id="{EE08AA70-1BFE-D843-B3E4-862570E39F00}"/>
+              </a:ext>
+            </a:extLst>
+          </p:cNvPr>
+          <p:cNvCxnSpPr>
+            <a:cxnSpLocks/>
+            <a:stCxn id="171" idx="0"/>
+          </p:cNvCxnSpPr>
+          <p:nvPr/>
+        </p:nvCxnSpPr>
+        <p:spPr>
+          <a:xfrm>
+            <a:off x="7070264" y="3597436"/>
+            <a:ext cx="620837" cy="0"/>
+          </a:xfrm>
+          <a:prstGeom prst="straightConnector1">
+            <a:avLst/>
+          </a:prstGeom>
+          <a:ln w="25400">
+            <a:solidFill>
+              <a:srgbClr val="5DA2C5"/>
+            </a:solidFill>
+            <a:headEnd type="triangle" w="lg" len="lg"/>
+            <a:tailEnd type="none" w="med" len="med"/>
+          </a:ln>
+        </p:spPr>
+        <p:style>
+          <a:lnRef idx="1">
+            <a:schemeClr val="accent1"/>
+          </a:lnRef>
+          <a:fillRef idx="0">
+            <a:schemeClr val="accent1"/>
+          </a:fillRef>
+          <a:effectRef idx="0">
+            <a:schemeClr val="accent1"/>
+          </a:effectRef>
+          <a:fontRef idx="minor">
+            <a:schemeClr val="tx1"/>
+          </a:fontRef>
+        </p:style>
+      </p:cxnSp>
+      <p:cxnSp>
+        <p:nvCxnSpPr>
+          <p:cNvPr id="197" name="직선 화살표 연결선 196">
+            <a:extLst>
+              <a:ext uri="{FF2B5EF4-FFF2-40B4-BE49-F238E27FC236}">
+                <a16:creationId xmlns:a16="http://schemas.microsoft.com/office/drawing/2014/main" id="{6D04FD07-CB9D-884D-AFDD-3CC9CAD32319}"/>
+              </a:ext>
+            </a:extLst>
+          </p:cNvPr>
+          <p:cNvCxnSpPr>
+            <a:cxnSpLocks/>
+            <a:stCxn id="174" idx="0"/>
+          </p:cNvCxnSpPr>
+          <p:nvPr/>
+        </p:nvCxnSpPr>
+        <p:spPr>
+          <a:xfrm flipH="1" flipV="1">
+            <a:off x="9203933" y="3559740"/>
+            <a:ext cx="660809" cy="7463"/>
+          </a:xfrm>
+          <a:prstGeom prst="straightConnector1">
+            <a:avLst/>
+          </a:prstGeom>
+          <a:ln w="25400">
+            <a:solidFill>
+              <a:srgbClr val="5DA2C5"/>
+            </a:solidFill>
+            <a:headEnd type="stealth" w="lg" len="lg"/>
+            <a:tailEnd type="none" w="med" len="med"/>
+          </a:ln>
+        </p:spPr>
+        <p:style>
+          <a:lnRef idx="1">
+            <a:schemeClr val="accent1"/>
+          </a:lnRef>
+          <a:fillRef idx="0">
+            <a:schemeClr val="accent1"/>
+          </a:fillRef>
+          <a:effectRef idx="0">
+            <a:schemeClr val="accent1"/>
+          </a:effectRef>
+          <a:fontRef idx="minor">
+            <a:schemeClr val="tx1"/>
+          </a:fontRef>
+        </p:style>
+      </p:cxnSp>
+      <p:cxnSp>
+        <p:nvCxnSpPr>
+          <p:cNvPr id="198" name="직선 화살표 연결선 197">
+            <a:extLst>
+              <a:ext uri="{FF2B5EF4-FFF2-40B4-BE49-F238E27FC236}">
+                <a16:creationId xmlns:a16="http://schemas.microsoft.com/office/drawing/2014/main" id="{DAEC2CDB-62CD-B446-994C-AC13905A397B}"/>
+              </a:ext>
+            </a:extLst>
+          </p:cNvPr>
+          <p:cNvCxnSpPr>
+            <a:cxnSpLocks/>
+          </p:cNvCxnSpPr>
+          <p:nvPr/>
+        </p:nvCxnSpPr>
+        <p:spPr>
+          <a:xfrm flipH="1">
+            <a:off x="9211023" y="1835990"/>
+            <a:ext cx="596832" cy="0"/>
+          </a:xfrm>
+          <a:prstGeom prst="straightConnector1">
+            <a:avLst/>
+          </a:prstGeom>
+          <a:ln w="25400">
+            <a:solidFill>
+              <a:srgbClr val="5DA2C5"/>
+            </a:solidFill>
+            <a:headEnd type="stealth" w="lg" len="lg"/>
+            <a:tailEnd type="none" w="med" len="med"/>
+          </a:ln>
+        </p:spPr>
+        <p:style>
+          <a:lnRef idx="1">
+            <a:schemeClr val="accent1"/>
+          </a:lnRef>
+          <a:fillRef idx="0">
+            <a:schemeClr val="accent1"/>
+          </a:fillRef>
+          <a:effectRef idx="0">
+            <a:schemeClr val="accent1"/>
+          </a:effectRef>
+          <a:fontRef idx="minor">
+            <a:schemeClr val="tx1"/>
+          </a:fontRef>
+        </p:style>
+      </p:cxnSp>
+      <p:cxnSp>
+        <p:nvCxnSpPr>
+          <p:cNvPr id="199" name="직선 화살표 연결선 198">
+            <a:extLst>
+              <a:ext uri="{FF2B5EF4-FFF2-40B4-BE49-F238E27FC236}">
+                <a16:creationId xmlns:a16="http://schemas.microsoft.com/office/drawing/2014/main" id="{14743425-EAAA-7D4E-ABCC-0D985C064C88}"/>
+              </a:ext>
+            </a:extLst>
+          </p:cNvPr>
+          <p:cNvCxnSpPr>
+            <a:cxnSpLocks/>
+          </p:cNvCxnSpPr>
+          <p:nvPr/>
+        </p:nvCxnSpPr>
+        <p:spPr>
+          <a:xfrm>
+            <a:off x="7092678" y="1812247"/>
+            <a:ext cx="620837" cy="0"/>
+          </a:xfrm>
+          <a:prstGeom prst="straightConnector1">
+            <a:avLst/>
+          </a:prstGeom>
+          <a:ln w="25400">
+            <a:solidFill>
+              <a:srgbClr val="5DA2C5"/>
+            </a:solidFill>
+            <a:headEnd type="triangle" w="lg" len="lg"/>
+            <a:tailEnd type="none" w="med" len="med"/>
+          </a:ln>
+        </p:spPr>
+        <p:style>
+          <a:lnRef idx="1">
+            <a:schemeClr val="accent1"/>
+          </a:lnRef>
+          <a:fillRef idx="0">
+            <a:schemeClr val="accent1"/>
+          </a:fillRef>
+          <a:effectRef idx="0">
+            <a:schemeClr val="accent1"/>
+          </a:effectRef>
+          <a:fontRef idx="minor">
+            <a:schemeClr val="tx1"/>
+          </a:fontRef>
+        </p:style>
+      </p:cxnSp>
     </p:spTree>
     <p:extLst>
       <p:ext uri="{BB962C8B-B14F-4D97-AF65-F5344CB8AC3E}">
         <p14:creationId xmlns:p14="http://schemas.microsoft.com/office/powerpoint/2010/main" val="201707337"/>
+      </p:ext>
+    </p:extLst>
+  </p:cSld>
+  <p:clrMapOvr>
+    <a:masterClrMapping/>
+  </p:clrMapOvr>
+</p:sld>
+</file>
+
+<file path=ppt/slides/slide5.xml><?xml version="1.0" encoding="utf-8"?>
+<p:sld xmlns:a="http://schemas.openxmlformats.org/drawingml/2006/main" xmlns:r="http://schemas.openxmlformats.org/officeDocument/2006/relationships" xmlns:p="http://schemas.openxmlformats.org/presentationml/2006/main">
+  <p:cSld>
+    <p:spTree>
+      <p:nvGrpSpPr>
+        <p:cNvPr id="1" name=""/>
+        <p:cNvGrpSpPr/>
+        <p:nvPr/>
+      </p:nvGrpSpPr>
+      <p:grpSpPr>
+        <a:xfrm>
+          <a:off x="0" y="0"/>
+          <a:ext cx="0" cy="0"/>
+          <a:chOff x="0" y="0"/>
+          <a:chExt cx="0" cy="0"/>
+        </a:xfrm>
+      </p:grpSpPr>
+      <p:sp>
+        <p:nvSpPr>
+          <p:cNvPr id="67" name="TextBox 66">
+            <a:extLst>
+              <a:ext uri="{FF2B5EF4-FFF2-40B4-BE49-F238E27FC236}">
+                <a16:creationId xmlns:a16="http://schemas.microsoft.com/office/drawing/2014/main" id="{AC43EA0A-64BA-8F4C-8F60-3B3C73117018}"/>
+              </a:ext>
+            </a:extLst>
+          </p:cNvPr>
+          <p:cNvSpPr txBox="1"/>
+          <p:nvPr/>
+        </p:nvSpPr>
+        <p:spPr>
+          <a:xfrm>
+            <a:off x="921475" y="612544"/>
+            <a:ext cx="1843758" cy="276999"/>
+          </a:xfrm>
+          <a:prstGeom prst="rect">
+            <a:avLst/>
+          </a:prstGeom>
+          <a:noFill/>
+        </p:spPr>
+        <p:txBody>
+          <a:bodyPr wrap="square" rtlCol="0">
+            <a:spAutoFit/>
+          </a:bodyPr>
+          <a:lstStyle/>
+          <a:p>
+            <a:r>
+              <a:rPr kumimoji="1" lang="en-US" altLang="ko-Kore-KR" sz="1200" b="1" dirty="0" err="1">
+                <a:solidFill>
+                  <a:srgbClr val="5DA2C5"/>
+                </a:solidFill>
+                <a:latin typeface="SHeadG" panose="02030600000101010101" pitchFamily="18" charset="-127"/>
+                <a:ea typeface="SHeadG" panose="02030600000101010101" pitchFamily="18" charset="-127"/>
+              </a:rPr>
+              <a:t>buckpal</a:t>
+            </a:r>
+            <a:endParaRPr kumimoji="1" lang="ko-Kore-KR" altLang="en-US" sz="1200" b="1" dirty="0">
+              <a:solidFill>
+                <a:srgbClr val="5DA2C5"/>
+              </a:solidFill>
+              <a:latin typeface="SHeadG" panose="02030600000101010101" pitchFamily="18" charset="-127"/>
+              <a:ea typeface="SHeadG" panose="02030600000101010101" pitchFamily="18" charset="-127"/>
+            </a:endParaRPr>
+          </a:p>
+        </p:txBody>
+      </p:sp>
+      <p:sp>
+        <p:nvSpPr>
+          <p:cNvPr id="68" name="TextBox 67">
+            <a:extLst>
+              <a:ext uri="{FF2B5EF4-FFF2-40B4-BE49-F238E27FC236}">
+                <a16:creationId xmlns:a16="http://schemas.microsoft.com/office/drawing/2014/main" id="{4B4FB24C-E8CC-8441-AD10-8BD68E9D647F}"/>
+              </a:ext>
+            </a:extLst>
+          </p:cNvPr>
+          <p:cNvSpPr txBox="1"/>
+          <p:nvPr/>
+        </p:nvSpPr>
+        <p:spPr>
+          <a:xfrm>
+            <a:off x="1294213" y="894323"/>
+            <a:ext cx="1843758" cy="276999"/>
+          </a:xfrm>
+          <a:prstGeom prst="rect">
+            <a:avLst/>
+          </a:prstGeom>
+          <a:noFill/>
+        </p:spPr>
+        <p:txBody>
+          <a:bodyPr wrap="square" rtlCol="0">
+            <a:spAutoFit/>
+          </a:bodyPr>
+          <a:lstStyle/>
+          <a:p>
+            <a:r>
+              <a:rPr kumimoji="1" lang="en-US" altLang="ko-Kore-KR" sz="1200" b="1" dirty="0">
+                <a:solidFill>
+                  <a:srgbClr val="5DA2C5"/>
+                </a:solidFill>
+                <a:latin typeface="SHeadG" panose="02030600000101010101" pitchFamily="18" charset="-127"/>
+                <a:ea typeface="SHeadG" panose="02030600000101010101" pitchFamily="18" charset="-127"/>
+              </a:rPr>
+              <a:t>domain</a:t>
+            </a:r>
+            <a:endParaRPr kumimoji="1" lang="ko-Kore-KR" altLang="en-US" sz="1200" b="1" dirty="0">
+              <a:solidFill>
+                <a:srgbClr val="5DA2C5"/>
+              </a:solidFill>
+              <a:latin typeface="SHeadG" panose="02030600000101010101" pitchFamily="18" charset="-127"/>
+              <a:ea typeface="SHeadG" panose="02030600000101010101" pitchFamily="18" charset="-127"/>
+            </a:endParaRPr>
+          </a:p>
+        </p:txBody>
+      </p:sp>
+      <p:sp>
+        <p:nvSpPr>
+          <p:cNvPr id="69" name="TextBox 68">
+            <a:extLst>
+              <a:ext uri="{FF2B5EF4-FFF2-40B4-BE49-F238E27FC236}">
+                <a16:creationId xmlns:a16="http://schemas.microsoft.com/office/drawing/2014/main" id="{92842151-9E12-D14B-8A0D-DF5FF91284BA}"/>
+              </a:ext>
+            </a:extLst>
+          </p:cNvPr>
+          <p:cNvSpPr txBox="1"/>
+          <p:nvPr/>
+        </p:nvSpPr>
+        <p:spPr>
+          <a:xfrm>
+            <a:off x="1611866" y="1174856"/>
+            <a:ext cx="1843758" cy="276999"/>
+          </a:xfrm>
+          <a:prstGeom prst="rect">
+            <a:avLst/>
+          </a:prstGeom>
+          <a:noFill/>
+        </p:spPr>
+        <p:txBody>
+          <a:bodyPr wrap="square" rtlCol="0">
+            <a:spAutoFit/>
+          </a:bodyPr>
+          <a:lstStyle/>
+          <a:p>
+            <a:r>
+              <a:rPr kumimoji="1" lang="en-US" altLang="ko-Kore-KR" sz="1200" b="1" dirty="0">
+                <a:solidFill>
+                  <a:srgbClr val="5DA2C5"/>
+                </a:solidFill>
+                <a:latin typeface="SHeadG" panose="02030600000101010101" pitchFamily="18" charset="-127"/>
+                <a:ea typeface="SHeadG" panose="02030600000101010101" pitchFamily="18" charset="-127"/>
+              </a:rPr>
+              <a:t>Account</a:t>
+            </a:r>
+            <a:endParaRPr kumimoji="1" lang="ko-Kore-KR" altLang="en-US" sz="1200" b="1" dirty="0">
+              <a:solidFill>
+                <a:srgbClr val="5DA2C5"/>
+              </a:solidFill>
+              <a:latin typeface="SHeadG" panose="02030600000101010101" pitchFamily="18" charset="-127"/>
+              <a:ea typeface="SHeadG" panose="02030600000101010101" pitchFamily="18" charset="-127"/>
+            </a:endParaRPr>
+          </a:p>
+        </p:txBody>
+      </p:sp>
+      <p:sp>
+        <p:nvSpPr>
+          <p:cNvPr id="70" name="TextBox 69">
+            <a:extLst>
+              <a:ext uri="{FF2B5EF4-FFF2-40B4-BE49-F238E27FC236}">
+                <a16:creationId xmlns:a16="http://schemas.microsoft.com/office/drawing/2014/main" id="{C83C7872-71DC-B84D-AF23-A3BA625FD462}"/>
+              </a:ext>
+            </a:extLst>
+          </p:cNvPr>
+          <p:cNvSpPr txBox="1"/>
+          <p:nvPr/>
+        </p:nvSpPr>
+        <p:spPr>
+          <a:xfrm>
+            <a:off x="1611866" y="1449483"/>
+            <a:ext cx="1843758" cy="276999"/>
+          </a:xfrm>
+          <a:prstGeom prst="rect">
+            <a:avLst/>
+          </a:prstGeom>
+          <a:noFill/>
+        </p:spPr>
+        <p:txBody>
+          <a:bodyPr wrap="square" rtlCol="0">
+            <a:spAutoFit/>
+          </a:bodyPr>
+          <a:lstStyle/>
+          <a:p>
+            <a:r>
+              <a:rPr kumimoji="1" lang="en-US" altLang="ko-Kore-KR" sz="1200" b="1" dirty="0">
+                <a:solidFill>
+                  <a:srgbClr val="5DA2C5"/>
+                </a:solidFill>
+                <a:latin typeface="SHeadG" panose="02030600000101010101" pitchFamily="18" charset="-127"/>
+                <a:ea typeface="SHeadG" panose="02030600000101010101" pitchFamily="18" charset="-127"/>
+              </a:rPr>
+              <a:t>Activity</a:t>
+            </a:r>
+            <a:endParaRPr kumimoji="1" lang="ko-Kore-KR" altLang="en-US" sz="1200" b="1" dirty="0">
+              <a:solidFill>
+                <a:srgbClr val="5DA2C5"/>
+              </a:solidFill>
+              <a:latin typeface="SHeadG" panose="02030600000101010101" pitchFamily="18" charset="-127"/>
+              <a:ea typeface="SHeadG" panose="02030600000101010101" pitchFamily="18" charset="-127"/>
+            </a:endParaRPr>
+          </a:p>
+        </p:txBody>
+      </p:sp>
+      <p:sp>
+        <p:nvSpPr>
+          <p:cNvPr id="71" name="TextBox 70">
+            <a:extLst>
+              <a:ext uri="{FF2B5EF4-FFF2-40B4-BE49-F238E27FC236}">
+                <a16:creationId xmlns:a16="http://schemas.microsoft.com/office/drawing/2014/main" id="{BE22AFDF-03B9-5244-898E-06FE3F02C6C6}"/>
+              </a:ext>
+            </a:extLst>
+          </p:cNvPr>
+          <p:cNvSpPr txBox="1"/>
+          <p:nvPr/>
+        </p:nvSpPr>
+        <p:spPr>
+          <a:xfrm>
+            <a:off x="1611866" y="1724110"/>
+            <a:ext cx="1843758" cy="276999"/>
+          </a:xfrm>
+          <a:prstGeom prst="rect">
+            <a:avLst/>
+          </a:prstGeom>
+          <a:noFill/>
+        </p:spPr>
+        <p:txBody>
+          <a:bodyPr wrap="square" rtlCol="0">
+            <a:spAutoFit/>
+          </a:bodyPr>
+          <a:lstStyle/>
+          <a:p>
+            <a:r>
+              <a:rPr kumimoji="1" lang="en-US" altLang="ko-Kore-KR" sz="1200" b="1" dirty="0" err="1">
+                <a:solidFill>
+                  <a:srgbClr val="5DA2C5"/>
+                </a:solidFill>
+                <a:latin typeface="SHeadG" panose="02030600000101010101" pitchFamily="18" charset="-127"/>
+                <a:ea typeface="SHeadG" panose="02030600000101010101" pitchFamily="18" charset="-127"/>
+              </a:rPr>
+              <a:t>AccountRepository</a:t>
+            </a:r>
+            <a:endParaRPr kumimoji="1" lang="ko-Kore-KR" altLang="en-US" sz="1200" b="1" dirty="0">
+              <a:solidFill>
+                <a:srgbClr val="5DA2C5"/>
+              </a:solidFill>
+              <a:latin typeface="SHeadG" panose="02030600000101010101" pitchFamily="18" charset="-127"/>
+              <a:ea typeface="SHeadG" panose="02030600000101010101" pitchFamily="18" charset="-127"/>
+            </a:endParaRPr>
+          </a:p>
+        </p:txBody>
+      </p:sp>
+      <p:sp>
+        <p:nvSpPr>
+          <p:cNvPr id="72" name="TextBox 71">
+            <a:extLst>
+              <a:ext uri="{FF2B5EF4-FFF2-40B4-BE49-F238E27FC236}">
+                <a16:creationId xmlns:a16="http://schemas.microsoft.com/office/drawing/2014/main" id="{4791DBCC-BA04-DF4C-9D27-5F588E8260C6}"/>
+              </a:ext>
+            </a:extLst>
+          </p:cNvPr>
+          <p:cNvSpPr txBox="1"/>
+          <p:nvPr/>
+        </p:nvSpPr>
+        <p:spPr>
+          <a:xfrm>
+            <a:off x="1611866" y="1998737"/>
+            <a:ext cx="1843758" cy="276999"/>
+          </a:xfrm>
+          <a:prstGeom prst="rect">
+            <a:avLst/>
+          </a:prstGeom>
+          <a:noFill/>
+        </p:spPr>
+        <p:txBody>
+          <a:bodyPr wrap="square" rtlCol="0">
+            <a:spAutoFit/>
+          </a:bodyPr>
+          <a:lstStyle/>
+          <a:p>
+            <a:r>
+              <a:rPr kumimoji="1" lang="en-US" altLang="ko-Kore-KR" sz="1200" b="1" dirty="0" err="1">
+                <a:solidFill>
+                  <a:srgbClr val="5DA2C5"/>
+                </a:solidFill>
+                <a:latin typeface="SHeadG" panose="02030600000101010101" pitchFamily="18" charset="-127"/>
+                <a:ea typeface="SHeadG" panose="02030600000101010101" pitchFamily="18" charset="-127"/>
+              </a:rPr>
+              <a:t>AccountService</a:t>
+            </a:r>
+            <a:endParaRPr kumimoji="1" lang="ko-Kore-KR" altLang="en-US" sz="1200" b="1" dirty="0">
+              <a:solidFill>
+                <a:srgbClr val="5DA2C5"/>
+              </a:solidFill>
+              <a:latin typeface="SHeadG" panose="02030600000101010101" pitchFamily="18" charset="-127"/>
+              <a:ea typeface="SHeadG" panose="02030600000101010101" pitchFamily="18" charset="-127"/>
+            </a:endParaRPr>
+          </a:p>
+        </p:txBody>
+      </p:sp>
+      <p:sp>
+        <p:nvSpPr>
+          <p:cNvPr id="73" name="TextBox 72">
+            <a:extLst>
+              <a:ext uri="{FF2B5EF4-FFF2-40B4-BE49-F238E27FC236}">
+                <a16:creationId xmlns:a16="http://schemas.microsoft.com/office/drawing/2014/main" id="{C296D6BD-6FE2-EF4E-A622-F6F68BCC501F}"/>
+              </a:ext>
+            </a:extLst>
+          </p:cNvPr>
+          <p:cNvSpPr txBox="1"/>
+          <p:nvPr/>
+        </p:nvSpPr>
+        <p:spPr>
+          <a:xfrm>
+            <a:off x="1294213" y="2273364"/>
+            <a:ext cx="1843758" cy="276999"/>
+          </a:xfrm>
+          <a:prstGeom prst="rect">
+            <a:avLst/>
+          </a:prstGeom>
+          <a:noFill/>
+        </p:spPr>
+        <p:txBody>
+          <a:bodyPr wrap="square" rtlCol="0">
+            <a:spAutoFit/>
+          </a:bodyPr>
+          <a:lstStyle/>
+          <a:p>
+            <a:r>
+              <a:rPr kumimoji="1" lang="en-US" altLang="ko-Kore-KR" sz="1200" b="1" dirty="0">
+                <a:solidFill>
+                  <a:srgbClr val="5DA2C5"/>
+                </a:solidFill>
+                <a:latin typeface="SHeadG" panose="02030600000101010101" pitchFamily="18" charset="-127"/>
+                <a:ea typeface="SHeadG" panose="02030600000101010101" pitchFamily="18" charset="-127"/>
+              </a:rPr>
+              <a:t>persistence</a:t>
+            </a:r>
+            <a:endParaRPr kumimoji="1" lang="ko-Kore-KR" altLang="en-US" sz="1200" b="1" dirty="0">
+              <a:solidFill>
+                <a:srgbClr val="5DA2C5"/>
+              </a:solidFill>
+              <a:latin typeface="SHeadG" panose="02030600000101010101" pitchFamily="18" charset="-127"/>
+              <a:ea typeface="SHeadG" panose="02030600000101010101" pitchFamily="18" charset="-127"/>
+            </a:endParaRPr>
+          </a:p>
+        </p:txBody>
+      </p:sp>
+      <p:sp>
+        <p:nvSpPr>
+          <p:cNvPr id="74" name="TextBox 73">
+            <a:extLst>
+              <a:ext uri="{FF2B5EF4-FFF2-40B4-BE49-F238E27FC236}">
+                <a16:creationId xmlns:a16="http://schemas.microsoft.com/office/drawing/2014/main" id="{F6095F74-AAAF-2443-957C-D495F4DF6677}"/>
+              </a:ext>
+            </a:extLst>
+          </p:cNvPr>
+          <p:cNvSpPr txBox="1"/>
+          <p:nvPr/>
+        </p:nvSpPr>
+        <p:spPr>
+          <a:xfrm>
+            <a:off x="1611866" y="2547991"/>
+            <a:ext cx="2023700" cy="276999"/>
+          </a:xfrm>
+          <a:prstGeom prst="rect">
+            <a:avLst/>
+          </a:prstGeom>
+          <a:noFill/>
+        </p:spPr>
+        <p:txBody>
+          <a:bodyPr wrap="square" rtlCol="0">
+            <a:spAutoFit/>
+          </a:bodyPr>
+          <a:lstStyle/>
+          <a:p>
+            <a:r>
+              <a:rPr kumimoji="1" lang="en-US" altLang="ko-Kore-KR" sz="1200" b="1" dirty="0" err="1">
+                <a:solidFill>
+                  <a:srgbClr val="5DA2C5"/>
+                </a:solidFill>
+                <a:latin typeface="SHeadG" panose="02030600000101010101" pitchFamily="18" charset="-127"/>
+                <a:ea typeface="SHeadG" panose="02030600000101010101" pitchFamily="18" charset="-127"/>
+              </a:rPr>
+              <a:t>AccountRepositoryImpl</a:t>
+            </a:r>
+            <a:endParaRPr kumimoji="1" lang="ko-Kore-KR" altLang="en-US" sz="1200" b="1" dirty="0">
+              <a:solidFill>
+                <a:srgbClr val="5DA2C5"/>
+              </a:solidFill>
+              <a:latin typeface="SHeadG" panose="02030600000101010101" pitchFamily="18" charset="-127"/>
+              <a:ea typeface="SHeadG" panose="02030600000101010101" pitchFamily="18" charset="-127"/>
+            </a:endParaRPr>
+          </a:p>
+        </p:txBody>
+      </p:sp>
+      <p:sp>
+        <p:nvSpPr>
+          <p:cNvPr id="75" name="TextBox 74">
+            <a:extLst>
+              <a:ext uri="{FF2B5EF4-FFF2-40B4-BE49-F238E27FC236}">
+                <a16:creationId xmlns:a16="http://schemas.microsoft.com/office/drawing/2014/main" id="{520C5101-ED53-8B40-A676-0CACD967A1EF}"/>
+              </a:ext>
+            </a:extLst>
+          </p:cNvPr>
+          <p:cNvSpPr txBox="1"/>
+          <p:nvPr/>
+        </p:nvSpPr>
+        <p:spPr>
+          <a:xfrm>
+            <a:off x="1294213" y="2822618"/>
+            <a:ext cx="1843758" cy="276999"/>
+          </a:xfrm>
+          <a:prstGeom prst="rect">
+            <a:avLst/>
+          </a:prstGeom>
+          <a:noFill/>
+        </p:spPr>
+        <p:txBody>
+          <a:bodyPr wrap="square" rtlCol="0">
+            <a:spAutoFit/>
+          </a:bodyPr>
+          <a:lstStyle/>
+          <a:p>
+            <a:r>
+              <a:rPr kumimoji="1" lang="en-US" altLang="ko-Kore-KR" sz="1200" b="1" dirty="0">
+                <a:solidFill>
+                  <a:srgbClr val="5DA2C5"/>
+                </a:solidFill>
+                <a:latin typeface="SHeadG" panose="02030600000101010101" pitchFamily="18" charset="-127"/>
+                <a:ea typeface="SHeadG" panose="02030600000101010101" pitchFamily="18" charset="-127"/>
+              </a:rPr>
+              <a:t>web</a:t>
+            </a:r>
+            <a:endParaRPr kumimoji="1" lang="ko-Kore-KR" altLang="en-US" sz="1200" b="1" dirty="0">
+              <a:solidFill>
+                <a:srgbClr val="5DA2C5"/>
+              </a:solidFill>
+              <a:latin typeface="SHeadG" panose="02030600000101010101" pitchFamily="18" charset="-127"/>
+              <a:ea typeface="SHeadG" panose="02030600000101010101" pitchFamily="18" charset="-127"/>
+            </a:endParaRPr>
+          </a:p>
+        </p:txBody>
+      </p:sp>
+      <p:sp>
+        <p:nvSpPr>
+          <p:cNvPr id="76" name="TextBox 75">
+            <a:extLst>
+              <a:ext uri="{FF2B5EF4-FFF2-40B4-BE49-F238E27FC236}">
+                <a16:creationId xmlns:a16="http://schemas.microsoft.com/office/drawing/2014/main" id="{53578124-DB5C-2A4D-B643-908ABF92879A}"/>
+              </a:ext>
+            </a:extLst>
+          </p:cNvPr>
+          <p:cNvSpPr txBox="1"/>
+          <p:nvPr/>
+        </p:nvSpPr>
+        <p:spPr>
+          <a:xfrm>
+            <a:off x="1611866" y="3082230"/>
+            <a:ext cx="2023700" cy="276999"/>
+          </a:xfrm>
+          <a:prstGeom prst="rect">
+            <a:avLst/>
+          </a:prstGeom>
+          <a:noFill/>
+        </p:spPr>
+        <p:txBody>
+          <a:bodyPr wrap="square" rtlCol="0">
+            <a:spAutoFit/>
+          </a:bodyPr>
+          <a:lstStyle/>
+          <a:p>
+            <a:r>
+              <a:rPr kumimoji="1" lang="en-US" altLang="ko-Kore-KR" sz="1200" b="1" dirty="0" err="1">
+                <a:solidFill>
+                  <a:srgbClr val="5DA2C5"/>
+                </a:solidFill>
+                <a:latin typeface="SHeadG" panose="02030600000101010101" pitchFamily="18" charset="-127"/>
+                <a:ea typeface="SHeadG" panose="02030600000101010101" pitchFamily="18" charset="-127"/>
+              </a:rPr>
+              <a:t>AccountController</a:t>
+            </a:r>
+            <a:endParaRPr kumimoji="1" lang="ko-Kore-KR" altLang="en-US" sz="1200" b="1" dirty="0">
+              <a:solidFill>
+                <a:srgbClr val="5DA2C5"/>
+              </a:solidFill>
+              <a:latin typeface="SHeadG" panose="02030600000101010101" pitchFamily="18" charset="-127"/>
+              <a:ea typeface="SHeadG" panose="02030600000101010101" pitchFamily="18" charset="-127"/>
+            </a:endParaRPr>
+          </a:p>
+        </p:txBody>
+      </p:sp>
+      <p:grpSp>
+        <p:nvGrpSpPr>
+          <p:cNvPr id="7" name="그룹 6">
+            <a:extLst>
+              <a:ext uri="{FF2B5EF4-FFF2-40B4-BE49-F238E27FC236}">
+                <a16:creationId xmlns:a16="http://schemas.microsoft.com/office/drawing/2014/main" id="{DF4C4CC4-CC52-7746-AE10-53D34F64030F}"/>
+              </a:ext>
+            </a:extLst>
+          </p:cNvPr>
+          <p:cNvGrpSpPr/>
+          <p:nvPr/>
+        </p:nvGrpSpPr>
+        <p:grpSpPr>
+          <a:xfrm>
+            <a:off x="1058268" y="927243"/>
+            <a:ext cx="235945" cy="211157"/>
+            <a:chOff x="1294213" y="3684223"/>
+            <a:chExt cx="235945" cy="211157"/>
+          </a:xfrm>
+        </p:grpSpPr>
+        <p:cxnSp>
+          <p:nvCxnSpPr>
+            <p:cNvPr id="4" name="직선 연결선[R] 3">
+              <a:extLst>
+                <a:ext uri="{FF2B5EF4-FFF2-40B4-BE49-F238E27FC236}">
+                  <a16:creationId xmlns:a16="http://schemas.microsoft.com/office/drawing/2014/main" id="{A99245DB-DABA-2A4B-86BF-8ADDC07C5BC7}"/>
+                </a:ext>
+              </a:extLst>
+            </p:cNvPr>
+            <p:cNvCxnSpPr>
+              <a:cxnSpLocks/>
+              <a:endCxn id="68" idx="1"/>
+            </p:cNvCxnSpPr>
+            <p:nvPr/>
+          </p:nvCxnSpPr>
+          <p:spPr>
+            <a:xfrm>
+              <a:off x="1294213" y="3789802"/>
+              <a:ext cx="235945" cy="1"/>
+            </a:xfrm>
+            <a:prstGeom prst="line">
+              <a:avLst/>
+            </a:prstGeom>
+            <a:ln w="25400">
+              <a:solidFill>
+                <a:srgbClr val="5DA2C5"/>
+              </a:solidFill>
+            </a:ln>
+          </p:spPr>
+          <p:style>
+            <a:lnRef idx="1">
+              <a:schemeClr val="accent1"/>
+            </a:lnRef>
+            <a:fillRef idx="0">
+              <a:schemeClr val="accent1"/>
+            </a:fillRef>
+            <a:effectRef idx="0">
+              <a:schemeClr val="accent1"/>
+            </a:effectRef>
+            <a:fontRef idx="minor">
+              <a:schemeClr val="tx1"/>
+            </a:fontRef>
+          </p:style>
+        </p:cxnSp>
+        <p:cxnSp>
+          <p:nvCxnSpPr>
+            <p:cNvPr id="79" name="직선 연결선[R] 78">
+              <a:extLst>
+                <a:ext uri="{FF2B5EF4-FFF2-40B4-BE49-F238E27FC236}">
+                  <a16:creationId xmlns:a16="http://schemas.microsoft.com/office/drawing/2014/main" id="{82383D69-9473-8743-8297-D45AE0302560}"/>
+                </a:ext>
+              </a:extLst>
+            </p:cNvPr>
+            <p:cNvCxnSpPr>
+              <a:cxnSpLocks/>
+            </p:cNvCxnSpPr>
+            <p:nvPr/>
+          </p:nvCxnSpPr>
+          <p:spPr>
+            <a:xfrm>
+              <a:off x="1297616" y="3684223"/>
+              <a:ext cx="0" cy="211157"/>
+            </a:xfrm>
+            <a:prstGeom prst="line">
+              <a:avLst/>
+            </a:prstGeom>
+            <a:ln w="25400">
+              <a:solidFill>
+                <a:srgbClr val="5DA2C5"/>
+              </a:solidFill>
+            </a:ln>
+          </p:spPr>
+          <p:style>
+            <a:lnRef idx="1">
+              <a:schemeClr val="accent1"/>
+            </a:lnRef>
+            <a:fillRef idx="0">
+              <a:schemeClr val="accent1"/>
+            </a:fillRef>
+            <a:effectRef idx="0">
+              <a:schemeClr val="accent1"/>
+            </a:effectRef>
+            <a:fontRef idx="minor">
+              <a:schemeClr val="tx1"/>
+            </a:fontRef>
+          </p:style>
+        </p:cxnSp>
+      </p:grpSp>
+      <p:grpSp>
+        <p:nvGrpSpPr>
+          <p:cNvPr id="84" name="그룹 83">
+            <a:extLst>
+              <a:ext uri="{FF2B5EF4-FFF2-40B4-BE49-F238E27FC236}">
+                <a16:creationId xmlns:a16="http://schemas.microsoft.com/office/drawing/2014/main" id="{C1BD9BB7-883F-C346-87D6-A4AB98278546}"/>
+              </a:ext>
+            </a:extLst>
+          </p:cNvPr>
+          <p:cNvGrpSpPr/>
+          <p:nvPr/>
+        </p:nvGrpSpPr>
+        <p:grpSpPr>
+          <a:xfrm>
+            <a:off x="1416774" y="1229681"/>
+            <a:ext cx="235945" cy="211157"/>
+            <a:chOff x="1294213" y="3684223"/>
+            <a:chExt cx="235945" cy="211157"/>
+          </a:xfrm>
+        </p:grpSpPr>
+        <p:cxnSp>
+          <p:nvCxnSpPr>
+            <p:cNvPr id="85" name="직선 연결선[R] 84">
+              <a:extLst>
+                <a:ext uri="{FF2B5EF4-FFF2-40B4-BE49-F238E27FC236}">
+                  <a16:creationId xmlns:a16="http://schemas.microsoft.com/office/drawing/2014/main" id="{9196B0BC-5496-DC4E-B760-F004ED1CDB83}"/>
+                </a:ext>
+              </a:extLst>
+            </p:cNvPr>
+            <p:cNvCxnSpPr>
+              <a:cxnSpLocks/>
+            </p:cNvCxnSpPr>
+            <p:nvPr/>
+          </p:nvCxnSpPr>
+          <p:spPr>
+            <a:xfrm>
+              <a:off x="1294213" y="3789802"/>
+              <a:ext cx="235945" cy="1"/>
+            </a:xfrm>
+            <a:prstGeom prst="line">
+              <a:avLst/>
+            </a:prstGeom>
+            <a:ln w="25400">
+              <a:solidFill>
+                <a:srgbClr val="5DA2C5"/>
+              </a:solidFill>
+            </a:ln>
+          </p:spPr>
+          <p:style>
+            <a:lnRef idx="1">
+              <a:schemeClr val="accent1"/>
+            </a:lnRef>
+            <a:fillRef idx="0">
+              <a:schemeClr val="accent1"/>
+            </a:fillRef>
+            <a:effectRef idx="0">
+              <a:schemeClr val="accent1"/>
+            </a:effectRef>
+            <a:fontRef idx="minor">
+              <a:schemeClr val="tx1"/>
+            </a:fontRef>
+          </p:style>
+        </p:cxnSp>
+        <p:cxnSp>
+          <p:nvCxnSpPr>
+            <p:cNvPr id="86" name="직선 연결선[R] 85">
+              <a:extLst>
+                <a:ext uri="{FF2B5EF4-FFF2-40B4-BE49-F238E27FC236}">
+                  <a16:creationId xmlns:a16="http://schemas.microsoft.com/office/drawing/2014/main" id="{478A7DDC-6494-124C-93C4-88EBA508E978}"/>
+                </a:ext>
+              </a:extLst>
+            </p:cNvPr>
+            <p:cNvCxnSpPr>
+              <a:cxnSpLocks/>
+            </p:cNvCxnSpPr>
+            <p:nvPr/>
+          </p:nvCxnSpPr>
+          <p:spPr>
+            <a:xfrm>
+              <a:off x="1297616" y="3684223"/>
+              <a:ext cx="0" cy="211157"/>
+            </a:xfrm>
+            <a:prstGeom prst="line">
+              <a:avLst/>
+            </a:prstGeom>
+            <a:ln w="25400">
+              <a:solidFill>
+                <a:srgbClr val="5DA2C5"/>
+              </a:solidFill>
+            </a:ln>
+          </p:spPr>
+          <p:style>
+            <a:lnRef idx="1">
+              <a:schemeClr val="accent1"/>
+            </a:lnRef>
+            <a:fillRef idx="0">
+              <a:schemeClr val="accent1"/>
+            </a:fillRef>
+            <a:effectRef idx="0">
+              <a:schemeClr val="accent1"/>
+            </a:effectRef>
+            <a:fontRef idx="minor">
+              <a:schemeClr val="tx1"/>
+            </a:fontRef>
+          </p:style>
+        </p:cxnSp>
+      </p:grpSp>
+      <p:grpSp>
+        <p:nvGrpSpPr>
+          <p:cNvPr id="87" name="그룹 86">
+            <a:extLst>
+              <a:ext uri="{FF2B5EF4-FFF2-40B4-BE49-F238E27FC236}">
+                <a16:creationId xmlns:a16="http://schemas.microsoft.com/office/drawing/2014/main" id="{0AB12AB1-8A39-A440-875C-AB79F543EDD4}"/>
+              </a:ext>
+            </a:extLst>
+          </p:cNvPr>
+          <p:cNvGrpSpPr/>
+          <p:nvPr/>
+        </p:nvGrpSpPr>
+        <p:grpSpPr>
+          <a:xfrm>
+            <a:off x="1422739" y="1510085"/>
+            <a:ext cx="235945" cy="211157"/>
+            <a:chOff x="1294213" y="3684223"/>
+            <a:chExt cx="235945" cy="211157"/>
+          </a:xfrm>
+        </p:grpSpPr>
+        <p:cxnSp>
+          <p:nvCxnSpPr>
+            <p:cNvPr id="88" name="직선 연결선[R] 87">
+              <a:extLst>
+                <a:ext uri="{FF2B5EF4-FFF2-40B4-BE49-F238E27FC236}">
+                  <a16:creationId xmlns:a16="http://schemas.microsoft.com/office/drawing/2014/main" id="{EF2A5E3F-1FE3-CE45-AD23-BCD15CF40798}"/>
+                </a:ext>
+              </a:extLst>
+            </p:cNvPr>
+            <p:cNvCxnSpPr>
+              <a:cxnSpLocks/>
+            </p:cNvCxnSpPr>
+            <p:nvPr/>
+          </p:nvCxnSpPr>
+          <p:spPr>
+            <a:xfrm>
+              <a:off x="1294213" y="3789802"/>
+              <a:ext cx="235945" cy="1"/>
+            </a:xfrm>
+            <a:prstGeom prst="line">
+              <a:avLst/>
+            </a:prstGeom>
+            <a:ln w="25400">
+              <a:solidFill>
+                <a:srgbClr val="5DA2C5"/>
+              </a:solidFill>
+            </a:ln>
+          </p:spPr>
+          <p:style>
+            <a:lnRef idx="1">
+              <a:schemeClr val="accent1"/>
+            </a:lnRef>
+            <a:fillRef idx="0">
+              <a:schemeClr val="accent1"/>
+            </a:fillRef>
+            <a:effectRef idx="0">
+              <a:schemeClr val="accent1"/>
+            </a:effectRef>
+            <a:fontRef idx="minor">
+              <a:schemeClr val="tx1"/>
+            </a:fontRef>
+          </p:style>
+        </p:cxnSp>
+        <p:cxnSp>
+          <p:nvCxnSpPr>
+            <p:cNvPr id="89" name="직선 연결선[R] 88">
+              <a:extLst>
+                <a:ext uri="{FF2B5EF4-FFF2-40B4-BE49-F238E27FC236}">
+                  <a16:creationId xmlns:a16="http://schemas.microsoft.com/office/drawing/2014/main" id="{810ABF31-D8DA-1D47-8472-FD0C6981821E}"/>
+                </a:ext>
+              </a:extLst>
+            </p:cNvPr>
+            <p:cNvCxnSpPr>
+              <a:cxnSpLocks/>
+            </p:cNvCxnSpPr>
+            <p:nvPr/>
+          </p:nvCxnSpPr>
+          <p:spPr>
+            <a:xfrm>
+              <a:off x="1297616" y="3684223"/>
+              <a:ext cx="0" cy="211157"/>
+            </a:xfrm>
+            <a:prstGeom prst="line">
+              <a:avLst/>
+            </a:prstGeom>
+            <a:ln w="25400">
+              <a:solidFill>
+                <a:srgbClr val="5DA2C5"/>
+              </a:solidFill>
+            </a:ln>
+          </p:spPr>
+          <p:style>
+            <a:lnRef idx="1">
+              <a:schemeClr val="accent1"/>
+            </a:lnRef>
+            <a:fillRef idx="0">
+              <a:schemeClr val="accent1"/>
+            </a:fillRef>
+            <a:effectRef idx="0">
+              <a:schemeClr val="accent1"/>
+            </a:effectRef>
+            <a:fontRef idx="minor">
+              <a:schemeClr val="tx1"/>
+            </a:fontRef>
+          </p:style>
+        </p:cxnSp>
+      </p:grpSp>
+      <p:grpSp>
+        <p:nvGrpSpPr>
+          <p:cNvPr id="90" name="그룹 89">
+            <a:extLst>
+              <a:ext uri="{FF2B5EF4-FFF2-40B4-BE49-F238E27FC236}">
+                <a16:creationId xmlns:a16="http://schemas.microsoft.com/office/drawing/2014/main" id="{CE69CE80-7D45-9B45-BF9F-7AD79477AED0}"/>
+              </a:ext>
+            </a:extLst>
+          </p:cNvPr>
+          <p:cNvGrpSpPr/>
+          <p:nvPr/>
+        </p:nvGrpSpPr>
+        <p:grpSpPr>
+          <a:xfrm>
+            <a:off x="1417687" y="1779472"/>
+            <a:ext cx="235945" cy="211157"/>
+            <a:chOff x="1294213" y="3684223"/>
+            <a:chExt cx="235945" cy="211157"/>
+          </a:xfrm>
+        </p:grpSpPr>
+        <p:cxnSp>
+          <p:nvCxnSpPr>
+            <p:cNvPr id="91" name="직선 연결선[R] 90">
+              <a:extLst>
+                <a:ext uri="{FF2B5EF4-FFF2-40B4-BE49-F238E27FC236}">
+                  <a16:creationId xmlns:a16="http://schemas.microsoft.com/office/drawing/2014/main" id="{7874802A-5BF7-8B4A-A209-1342D8753B57}"/>
+                </a:ext>
+              </a:extLst>
+            </p:cNvPr>
+            <p:cNvCxnSpPr>
+              <a:cxnSpLocks/>
+            </p:cNvCxnSpPr>
+            <p:nvPr/>
+          </p:nvCxnSpPr>
+          <p:spPr>
+            <a:xfrm>
+              <a:off x="1294213" y="3789802"/>
+              <a:ext cx="235945" cy="1"/>
+            </a:xfrm>
+            <a:prstGeom prst="line">
+              <a:avLst/>
+            </a:prstGeom>
+            <a:ln w="25400">
+              <a:solidFill>
+                <a:srgbClr val="5DA2C5"/>
+              </a:solidFill>
+            </a:ln>
+          </p:spPr>
+          <p:style>
+            <a:lnRef idx="1">
+              <a:schemeClr val="accent1"/>
+            </a:lnRef>
+            <a:fillRef idx="0">
+              <a:schemeClr val="accent1"/>
+            </a:fillRef>
+            <a:effectRef idx="0">
+              <a:schemeClr val="accent1"/>
+            </a:effectRef>
+            <a:fontRef idx="minor">
+              <a:schemeClr val="tx1"/>
+            </a:fontRef>
+          </p:style>
+        </p:cxnSp>
+        <p:cxnSp>
+          <p:nvCxnSpPr>
+            <p:cNvPr id="92" name="직선 연결선[R] 91">
+              <a:extLst>
+                <a:ext uri="{FF2B5EF4-FFF2-40B4-BE49-F238E27FC236}">
+                  <a16:creationId xmlns:a16="http://schemas.microsoft.com/office/drawing/2014/main" id="{7D0C6B2C-C045-E844-97FE-A8625D7DF62A}"/>
+                </a:ext>
+              </a:extLst>
+            </p:cNvPr>
+            <p:cNvCxnSpPr>
+              <a:cxnSpLocks/>
+            </p:cNvCxnSpPr>
+            <p:nvPr/>
+          </p:nvCxnSpPr>
+          <p:spPr>
+            <a:xfrm>
+              <a:off x="1297616" y="3684223"/>
+              <a:ext cx="0" cy="211157"/>
+            </a:xfrm>
+            <a:prstGeom prst="line">
+              <a:avLst/>
+            </a:prstGeom>
+            <a:ln w="25400">
+              <a:solidFill>
+                <a:srgbClr val="5DA2C5"/>
+              </a:solidFill>
+            </a:ln>
+          </p:spPr>
+          <p:style>
+            <a:lnRef idx="1">
+              <a:schemeClr val="accent1"/>
+            </a:lnRef>
+            <a:fillRef idx="0">
+              <a:schemeClr val="accent1"/>
+            </a:fillRef>
+            <a:effectRef idx="0">
+              <a:schemeClr val="accent1"/>
+            </a:effectRef>
+            <a:fontRef idx="minor">
+              <a:schemeClr val="tx1"/>
+            </a:fontRef>
+          </p:style>
+        </p:cxnSp>
+      </p:grpSp>
+      <p:grpSp>
+        <p:nvGrpSpPr>
+          <p:cNvPr id="96" name="그룹 95">
+            <a:extLst>
+              <a:ext uri="{FF2B5EF4-FFF2-40B4-BE49-F238E27FC236}">
+                <a16:creationId xmlns:a16="http://schemas.microsoft.com/office/drawing/2014/main" id="{1E8532EF-BE17-8943-8E76-7AA5A2808B0D}"/>
+              </a:ext>
+            </a:extLst>
+          </p:cNvPr>
+          <p:cNvGrpSpPr/>
+          <p:nvPr/>
+        </p:nvGrpSpPr>
+        <p:grpSpPr>
+          <a:xfrm>
+            <a:off x="1058267" y="2336834"/>
+            <a:ext cx="235945" cy="211157"/>
+            <a:chOff x="1294213" y="3684223"/>
+            <a:chExt cx="235945" cy="211157"/>
+          </a:xfrm>
+        </p:grpSpPr>
+        <p:cxnSp>
+          <p:nvCxnSpPr>
+            <p:cNvPr id="97" name="직선 연결선[R] 96">
+              <a:extLst>
+                <a:ext uri="{FF2B5EF4-FFF2-40B4-BE49-F238E27FC236}">
+                  <a16:creationId xmlns:a16="http://schemas.microsoft.com/office/drawing/2014/main" id="{827EAB5D-0730-884D-A8ED-7D6239650820}"/>
+                </a:ext>
+              </a:extLst>
+            </p:cNvPr>
+            <p:cNvCxnSpPr>
+              <a:cxnSpLocks/>
+            </p:cNvCxnSpPr>
+            <p:nvPr/>
+          </p:nvCxnSpPr>
+          <p:spPr>
+            <a:xfrm>
+              <a:off x="1294213" y="3789802"/>
+              <a:ext cx="235945" cy="1"/>
+            </a:xfrm>
+            <a:prstGeom prst="line">
+              <a:avLst/>
+            </a:prstGeom>
+            <a:ln w="25400">
+              <a:solidFill>
+                <a:srgbClr val="5DA2C5"/>
+              </a:solidFill>
+            </a:ln>
+          </p:spPr>
+          <p:style>
+            <a:lnRef idx="1">
+              <a:schemeClr val="accent1"/>
+            </a:lnRef>
+            <a:fillRef idx="0">
+              <a:schemeClr val="accent1"/>
+            </a:fillRef>
+            <a:effectRef idx="0">
+              <a:schemeClr val="accent1"/>
+            </a:effectRef>
+            <a:fontRef idx="minor">
+              <a:schemeClr val="tx1"/>
+            </a:fontRef>
+          </p:style>
+        </p:cxnSp>
+        <p:cxnSp>
+          <p:nvCxnSpPr>
+            <p:cNvPr id="98" name="직선 연결선[R] 97">
+              <a:extLst>
+                <a:ext uri="{FF2B5EF4-FFF2-40B4-BE49-F238E27FC236}">
+                  <a16:creationId xmlns:a16="http://schemas.microsoft.com/office/drawing/2014/main" id="{49D77F3A-5AA1-DB49-A12C-25B55A1D9527}"/>
+                </a:ext>
+              </a:extLst>
+            </p:cNvPr>
+            <p:cNvCxnSpPr>
+              <a:cxnSpLocks/>
+            </p:cNvCxnSpPr>
+            <p:nvPr/>
+          </p:nvCxnSpPr>
+          <p:spPr>
+            <a:xfrm>
+              <a:off x="1297616" y="3684223"/>
+              <a:ext cx="0" cy="211157"/>
+            </a:xfrm>
+            <a:prstGeom prst="line">
+              <a:avLst/>
+            </a:prstGeom>
+            <a:ln w="25400">
+              <a:solidFill>
+                <a:srgbClr val="5DA2C5"/>
+              </a:solidFill>
+            </a:ln>
+          </p:spPr>
+          <p:style>
+            <a:lnRef idx="1">
+              <a:schemeClr val="accent1"/>
+            </a:lnRef>
+            <a:fillRef idx="0">
+              <a:schemeClr val="accent1"/>
+            </a:fillRef>
+            <a:effectRef idx="0">
+              <a:schemeClr val="accent1"/>
+            </a:effectRef>
+            <a:fontRef idx="minor">
+              <a:schemeClr val="tx1"/>
+            </a:fontRef>
+          </p:style>
+        </p:cxnSp>
+      </p:grpSp>
+      <p:grpSp>
+        <p:nvGrpSpPr>
+          <p:cNvPr id="10" name="그룹 9">
+            <a:extLst>
+              <a:ext uri="{FF2B5EF4-FFF2-40B4-BE49-F238E27FC236}">
+                <a16:creationId xmlns:a16="http://schemas.microsoft.com/office/drawing/2014/main" id="{A598A288-46DD-3346-AF65-F821E0027BAB}"/>
+              </a:ext>
+            </a:extLst>
+          </p:cNvPr>
+          <p:cNvGrpSpPr/>
+          <p:nvPr/>
+        </p:nvGrpSpPr>
+        <p:grpSpPr>
+          <a:xfrm>
+            <a:off x="1412634" y="3131988"/>
+            <a:ext cx="235945" cy="105580"/>
+            <a:chOff x="1324234" y="3547227"/>
+            <a:chExt cx="235945" cy="105580"/>
+          </a:xfrm>
+        </p:grpSpPr>
+        <p:cxnSp>
+          <p:nvCxnSpPr>
+            <p:cNvPr id="103" name="직선 연결선[R] 102">
+              <a:extLst>
+                <a:ext uri="{FF2B5EF4-FFF2-40B4-BE49-F238E27FC236}">
+                  <a16:creationId xmlns:a16="http://schemas.microsoft.com/office/drawing/2014/main" id="{C68395CC-62B8-7547-953F-786E93C13387}"/>
+                </a:ext>
+              </a:extLst>
+            </p:cNvPr>
+            <p:cNvCxnSpPr>
+              <a:cxnSpLocks/>
+            </p:cNvCxnSpPr>
+            <p:nvPr/>
+          </p:nvCxnSpPr>
+          <p:spPr>
+            <a:xfrm>
+              <a:off x="1324234" y="3652806"/>
+              <a:ext cx="235945" cy="1"/>
+            </a:xfrm>
+            <a:prstGeom prst="line">
+              <a:avLst/>
+            </a:prstGeom>
+            <a:ln w="25400">
+              <a:solidFill>
+                <a:srgbClr val="5DA2C5"/>
+              </a:solidFill>
+            </a:ln>
+          </p:spPr>
+          <p:style>
+            <a:lnRef idx="1">
+              <a:schemeClr val="accent1"/>
+            </a:lnRef>
+            <a:fillRef idx="0">
+              <a:schemeClr val="accent1"/>
+            </a:fillRef>
+            <a:effectRef idx="0">
+              <a:schemeClr val="accent1"/>
+            </a:effectRef>
+            <a:fontRef idx="minor">
+              <a:schemeClr val="tx1"/>
+            </a:fontRef>
+          </p:style>
+        </p:cxnSp>
+        <p:cxnSp>
+          <p:nvCxnSpPr>
+            <p:cNvPr id="104" name="직선 연결선[R] 103">
+              <a:extLst>
+                <a:ext uri="{FF2B5EF4-FFF2-40B4-BE49-F238E27FC236}">
+                  <a16:creationId xmlns:a16="http://schemas.microsoft.com/office/drawing/2014/main" id="{2118C6B6-129D-8D49-9A3D-C75CFC313B45}"/>
+                </a:ext>
+              </a:extLst>
+            </p:cNvPr>
+            <p:cNvCxnSpPr>
+              <a:cxnSpLocks/>
+            </p:cNvCxnSpPr>
+            <p:nvPr/>
+          </p:nvCxnSpPr>
+          <p:spPr>
+            <a:xfrm>
+              <a:off x="1327637" y="3547227"/>
+              <a:ext cx="0" cy="105579"/>
+            </a:xfrm>
+            <a:prstGeom prst="line">
+              <a:avLst/>
+            </a:prstGeom>
+            <a:ln w="25400">
+              <a:solidFill>
+                <a:srgbClr val="5DA2C5"/>
+              </a:solidFill>
+            </a:ln>
+          </p:spPr>
+          <p:style>
+            <a:lnRef idx="1">
+              <a:schemeClr val="accent1"/>
+            </a:lnRef>
+            <a:fillRef idx="0">
+              <a:schemeClr val="accent1"/>
+            </a:fillRef>
+            <a:effectRef idx="0">
+              <a:schemeClr val="accent1"/>
+            </a:effectRef>
+            <a:fontRef idx="minor">
+              <a:schemeClr val="tx1"/>
+            </a:fontRef>
+          </p:style>
+        </p:cxnSp>
+      </p:grpSp>
+      <p:grpSp>
+        <p:nvGrpSpPr>
+          <p:cNvPr id="107" name="그룹 106">
+            <a:extLst>
+              <a:ext uri="{FF2B5EF4-FFF2-40B4-BE49-F238E27FC236}">
+                <a16:creationId xmlns:a16="http://schemas.microsoft.com/office/drawing/2014/main" id="{F07D1CD4-93B5-B547-8B11-DFF5D2907C46}"/>
+              </a:ext>
+            </a:extLst>
+          </p:cNvPr>
+          <p:cNvGrpSpPr/>
+          <p:nvPr/>
+        </p:nvGrpSpPr>
+        <p:grpSpPr>
+          <a:xfrm>
+            <a:off x="1422738" y="2589425"/>
+            <a:ext cx="235945" cy="105580"/>
+            <a:chOff x="1324234" y="3547227"/>
+            <a:chExt cx="235945" cy="105580"/>
+          </a:xfrm>
+        </p:grpSpPr>
+        <p:cxnSp>
+          <p:nvCxnSpPr>
+            <p:cNvPr id="108" name="직선 연결선[R] 107">
+              <a:extLst>
+                <a:ext uri="{FF2B5EF4-FFF2-40B4-BE49-F238E27FC236}">
+                  <a16:creationId xmlns:a16="http://schemas.microsoft.com/office/drawing/2014/main" id="{DD8FC043-62C4-7645-AFE1-BE83B08CC544}"/>
+                </a:ext>
+              </a:extLst>
+            </p:cNvPr>
+            <p:cNvCxnSpPr>
+              <a:cxnSpLocks/>
+            </p:cNvCxnSpPr>
+            <p:nvPr/>
+          </p:nvCxnSpPr>
+          <p:spPr>
+            <a:xfrm>
+              <a:off x="1324234" y="3652806"/>
+              <a:ext cx="235945" cy="1"/>
+            </a:xfrm>
+            <a:prstGeom prst="line">
+              <a:avLst/>
+            </a:prstGeom>
+            <a:ln w="25400">
+              <a:solidFill>
+                <a:srgbClr val="5DA2C5"/>
+              </a:solidFill>
+            </a:ln>
+          </p:spPr>
+          <p:style>
+            <a:lnRef idx="1">
+              <a:schemeClr val="accent1"/>
+            </a:lnRef>
+            <a:fillRef idx="0">
+              <a:schemeClr val="accent1"/>
+            </a:fillRef>
+            <a:effectRef idx="0">
+              <a:schemeClr val="accent1"/>
+            </a:effectRef>
+            <a:fontRef idx="minor">
+              <a:schemeClr val="tx1"/>
+            </a:fontRef>
+          </p:style>
+        </p:cxnSp>
+        <p:cxnSp>
+          <p:nvCxnSpPr>
+            <p:cNvPr id="109" name="직선 연결선[R] 108">
+              <a:extLst>
+                <a:ext uri="{FF2B5EF4-FFF2-40B4-BE49-F238E27FC236}">
+                  <a16:creationId xmlns:a16="http://schemas.microsoft.com/office/drawing/2014/main" id="{EF8230DA-D569-7045-9AFC-CCB0DA49FAB2}"/>
+                </a:ext>
+              </a:extLst>
+            </p:cNvPr>
+            <p:cNvCxnSpPr>
+              <a:cxnSpLocks/>
+            </p:cNvCxnSpPr>
+            <p:nvPr/>
+          </p:nvCxnSpPr>
+          <p:spPr>
+            <a:xfrm>
+              <a:off x="1327637" y="3547227"/>
+              <a:ext cx="0" cy="105579"/>
+            </a:xfrm>
+            <a:prstGeom prst="line">
+              <a:avLst/>
+            </a:prstGeom>
+            <a:ln w="25400">
+              <a:solidFill>
+                <a:srgbClr val="5DA2C5"/>
+              </a:solidFill>
+            </a:ln>
+          </p:spPr>
+          <p:style>
+            <a:lnRef idx="1">
+              <a:schemeClr val="accent1"/>
+            </a:lnRef>
+            <a:fillRef idx="0">
+              <a:schemeClr val="accent1"/>
+            </a:fillRef>
+            <a:effectRef idx="0">
+              <a:schemeClr val="accent1"/>
+            </a:effectRef>
+            <a:fontRef idx="minor">
+              <a:schemeClr val="tx1"/>
+            </a:fontRef>
+          </p:style>
+        </p:cxnSp>
+      </p:grpSp>
+      <p:cxnSp>
+        <p:nvCxnSpPr>
+          <p:cNvPr id="110" name="직선 연결선[R] 109">
+            <a:extLst>
+              <a:ext uri="{FF2B5EF4-FFF2-40B4-BE49-F238E27FC236}">
+                <a16:creationId xmlns:a16="http://schemas.microsoft.com/office/drawing/2014/main" id="{972333B6-5A74-3C4C-B61A-51EE72D5CA4B}"/>
+              </a:ext>
+            </a:extLst>
+          </p:cNvPr>
+          <p:cNvCxnSpPr>
+            <a:cxnSpLocks/>
+          </p:cNvCxnSpPr>
+          <p:nvPr/>
+        </p:nvCxnSpPr>
+        <p:spPr>
+          <a:xfrm>
+            <a:off x="1058267" y="1238326"/>
+            <a:ext cx="0" cy="211157"/>
+          </a:xfrm>
+          <a:prstGeom prst="line">
+            <a:avLst/>
+          </a:prstGeom>
+          <a:ln w="25400">
+            <a:solidFill>
+              <a:srgbClr val="5DA2C5"/>
+            </a:solidFill>
+          </a:ln>
+        </p:spPr>
+        <p:style>
+          <a:lnRef idx="1">
+            <a:schemeClr val="accent1"/>
+          </a:lnRef>
+          <a:fillRef idx="0">
+            <a:schemeClr val="accent1"/>
+          </a:fillRef>
+          <a:effectRef idx="0">
+            <a:schemeClr val="accent1"/>
+          </a:effectRef>
+          <a:fontRef idx="minor">
+            <a:schemeClr val="tx1"/>
+          </a:fontRef>
+        </p:style>
+      </p:cxnSp>
+      <p:cxnSp>
+        <p:nvCxnSpPr>
+          <p:cNvPr id="111" name="직선 연결선[R] 110">
+            <a:extLst>
+              <a:ext uri="{FF2B5EF4-FFF2-40B4-BE49-F238E27FC236}">
+                <a16:creationId xmlns:a16="http://schemas.microsoft.com/office/drawing/2014/main" id="{47E06049-7988-8143-B7A5-58C63A7CFDAE}"/>
+              </a:ext>
+            </a:extLst>
+          </p:cNvPr>
+          <p:cNvCxnSpPr>
+            <a:cxnSpLocks/>
+          </p:cNvCxnSpPr>
+          <p:nvPr/>
+        </p:nvCxnSpPr>
+        <p:spPr>
+          <a:xfrm>
+            <a:off x="1058267" y="1510085"/>
+            <a:ext cx="0" cy="211157"/>
+          </a:xfrm>
+          <a:prstGeom prst="line">
+            <a:avLst/>
+          </a:prstGeom>
+          <a:ln w="25400">
+            <a:solidFill>
+              <a:srgbClr val="5DA2C5"/>
+            </a:solidFill>
+          </a:ln>
+        </p:spPr>
+        <p:style>
+          <a:lnRef idx="1">
+            <a:schemeClr val="accent1"/>
+          </a:lnRef>
+          <a:fillRef idx="0">
+            <a:schemeClr val="accent1"/>
+          </a:fillRef>
+          <a:effectRef idx="0">
+            <a:schemeClr val="accent1"/>
+          </a:effectRef>
+          <a:fontRef idx="minor">
+            <a:schemeClr val="tx1"/>
+          </a:fontRef>
+        </p:style>
+      </p:cxnSp>
+      <p:cxnSp>
+        <p:nvCxnSpPr>
+          <p:cNvPr id="112" name="직선 연결선[R] 111">
+            <a:extLst>
+              <a:ext uri="{FF2B5EF4-FFF2-40B4-BE49-F238E27FC236}">
+                <a16:creationId xmlns:a16="http://schemas.microsoft.com/office/drawing/2014/main" id="{B862926F-CED4-9E49-8A1B-BBB512785E4C}"/>
+              </a:ext>
+            </a:extLst>
+          </p:cNvPr>
+          <p:cNvCxnSpPr>
+            <a:cxnSpLocks/>
+          </p:cNvCxnSpPr>
+          <p:nvPr/>
+        </p:nvCxnSpPr>
+        <p:spPr>
+          <a:xfrm>
+            <a:off x="1058267" y="1787580"/>
+            <a:ext cx="0" cy="211157"/>
+          </a:xfrm>
+          <a:prstGeom prst="line">
+            <a:avLst/>
+          </a:prstGeom>
+          <a:ln w="25400">
+            <a:solidFill>
+              <a:srgbClr val="5DA2C5"/>
+            </a:solidFill>
+          </a:ln>
+        </p:spPr>
+        <p:style>
+          <a:lnRef idx="1">
+            <a:schemeClr val="accent1"/>
+          </a:lnRef>
+          <a:fillRef idx="0">
+            <a:schemeClr val="accent1"/>
+          </a:fillRef>
+          <a:effectRef idx="0">
+            <a:schemeClr val="accent1"/>
+          </a:effectRef>
+          <a:fontRef idx="minor">
+            <a:schemeClr val="tx1"/>
+          </a:fontRef>
+        </p:style>
+      </p:cxnSp>
+      <p:cxnSp>
+        <p:nvCxnSpPr>
+          <p:cNvPr id="113" name="직선 연결선[R] 112">
+            <a:extLst>
+              <a:ext uri="{FF2B5EF4-FFF2-40B4-BE49-F238E27FC236}">
+                <a16:creationId xmlns:a16="http://schemas.microsoft.com/office/drawing/2014/main" id="{0EBB4205-AD45-CB46-8FF8-2CED84DE29CC}"/>
+              </a:ext>
+            </a:extLst>
+          </p:cNvPr>
+          <p:cNvCxnSpPr>
+            <a:cxnSpLocks/>
+          </p:cNvCxnSpPr>
+          <p:nvPr/>
+        </p:nvCxnSpPr>
+        <p:spPr>
+          <a:xfrm>
+            <a:off x="1058267" y="2065075"/>
+            <a:ext cx="0" cy="211157"/>
+          </a:xfrm>
+          <a:prstGeom prst="line">
+            <a:avLst/>
+          </a:prstGeom>
+          <a:ln w="25400">
+            <a:solidFill>
+              <a:srgbClr val="5DA2C5"/>
+            </a:solidFill>
+          </a:ln>
+        </p:spPr>
+        <p:style>
+          <a:lnRef idx="1">
+            <a:schemeClr val="accent1"/>
+          </a:lnRef>
+          <a:fillRef idx="0">
+            <a:schemeClr val="accent1"/>
+          </a:fillRef>
+          <a:effectRef idx="0">
+            <a:schemeClr val="accent1"/>
+          </a:effectRef>
+          <a:fontRef idx="minor">
+            <a:schemeClr val="tx1"/>
+          </a:fontRef>
+        </p:style>
+      </p:cxnSp>
+      <p:grpSp>
+        <p:nvGrpSpPr>
+          <p:cNvPr id="114" name="그룹 113">
+            <a:extLst>
+              <a:ext uri="{FF2B5EF4-FFF2-40B4-BE49-F238E27FC236}">
+                <a16:creationId xmlns:a16="http://schemas.microsoft.com/office/drawing/2014/main" id="{D14CB2D4-7773-724E-9AFC-DDB1F381025D}"/>
+              </a:ext>
+            </a:extLst>
+          </p:cNvPr>
+          <p:cNvGrpSpPr/>
+          <p:nvPr/>
+        </p:nvGrpSpPr>
+        <p:grpSpPr>
+          <a:xfrm>
+            <a:off x="1058266" y="2866886"/>
+            <a:ext cx="235945" cy="105580"/>
+            <a:chOff x="1324234" y="3547227"/>
+            <a:chExt cx="235945" cy="105580"/>
+          </a:xfrm>
+        </p:grpSpPr>
+        <p:cxnSp>
+          <p:nvCxnSpPr>
+            <p:cNvPr id="115" name="직선 연결선[R] 114">
+              <a:extLst>
+                <a:ext uri="{FF2B5EF4-FFF2-40B4-BE49-F238E27FC236}">
+                  <a16:creationId xmlns:a16="http://schemas.microsoft.com/office/drawing/2014/main" id="{C80F7139-8117-9C4D-B6F5-69FA0E550342}"/>
+                </a:ext>
+              </a:extLst>
+            </p:cNvPr>
+            <p:cNvCxnSpPr>
+              <a:cxnSpLocks/>
+            </p:cNvCxnSpPr>
+            <p:nvPr/>
+          </p:nvCxnSpPr>
+          <p:spPr>
+            <a:xfrm>
+              <a:off x="1324234" y="3652806"/>
+              <a:ext cx="235945" cy="1"/>
+            </a:xfrm>
+            <a:prstGeom prst="line">
+              <a:avLst/>
+            </a:prstGeom>
+            <a:ln w="25400">
+              <a:solidFill>
+                <a:srgbClr val="5DA2C5"/>
+              </a:solidFill>
+            </a:ln>
+          </p:spPr>
+          <p:style>
+            <a:lnRef idx="1">
+              <a:schemeClr val="accent1"/>
+            </a:lnRef>
+            <a:fillRef idx="0">
+              <a:schemeClr val="accent1"/>
+            </a:fillRef>
+            <a:effectRef idx="0">
+              <a:schemeClr val="accent1"/>
+            </a:effectRef>
+            <a:fontRef idx="minor">
+              <a:schemeClr val="tx1"/>
+            </a:fontRef>
+          </p:style>
+        </p:cxnSp>
+        <p:cxnSp>
+          <p:nvCxnSpPr>
+            <p:cNvPr id="116" name="직선 연결선[R] 115">
+              <a:extLst>
+                <a:ext uri="{FF2B5EF4-FFF2-40B4-BE49-F238E27FC236}">
+                  <a16:creationId xmlns:a16="http://schemas.microsoft.com/office/drawing/2014/main" id="{0AAC61AE-4DAE-7F44-BE7A-765CEDDEC162}"/>
+                </a:ext>
+              </a:extLst>
+            </p:cNvPr>
+            <p:cNvCxnSpPr>
+              <a:cxnSpLocks/>
+            </p:cNvCxnSpPr>
+            <p:nvPr/>
+          </p:nvCxnSpPr>
+          <p:spPr>
+            <a:xfrm>
+              <a:off x="1327637" y="3547227"/>
+              <a:ext cx="0" cy="105579"/>
+            </a:xfrm>
+            <a:prstGeom prst="line">
+              <a:avLst/>
+            </a:prstGeom>
+            <a:ln w="25400">
+              <a:solidFill>
+                <a:srgbClr val="5DA2C5"/>
+              </a:solidFill>
+            </a:ln>
+          </p:spPr>
+          <p:style>
+            <a:lnRef idx="1">
+              <a:schemeClr val="accent1"/>
+            </a:lnRef>
+            <a:fillRef idx="0">
+              <a:schemeClr val="accent1"/>
+            </a:fillRef>
+            <a:effectRef idx="0">
+              <a:schemeClr val="accent1"/>
+            </a:effectRef>
+            <a:fontRef idx="minor">
+              <a:schemeClr val="tx1"/>
+            </a:fontRef>
+          </p:style>
+        </p:cxnSp>
+      </p:grpSp>
+      <p:grpSp>
+        <p:nvGrpSpPr>
+          <p:cNvPr id="117" name="그룹 116">
+            <a:extLst>
+              <a:ext uri="{FF2B5EF4-FFF2-40B4-BE49-F238E27FC236}">
+                <a16:creationId xmlns:a16="http://schemas.microsoft.com/office/drawing/2014/main" id="{81EAE2EF-0239-6B47-9455-1BC7D2B0C15F}"/>
+              </a:ext>
+            </a:extLst>
+          </p:cNvPr>
+          <p:cNvGrpSpPr/>
+          <p:nvPr/>
+        </p:nvGrpSpPr>
+        <p:grpSpPr>
+          <a:xfrm>
+            <a:off x="1412633" y="2062004"/>
+            <a:ext cx="235945" cy="105580"/>
+            <a:chOff x="1324234" y="3547227"/>
+            <a:chExt cx="235945" cy="105580"/>
+          </a:xfrm>
+        </p:grpSpPr>
+        <p:cxnSp>
+          <p:nvCxnSpPr>
+            <p:cNvPr id="118" name="직선 연결선[R] 117">
+              <a:extLst>
+                <a:ext uri="{FF2B5EF4-FFF2-40B4-BE49-F238E27FC236}">
+                  <a16:creationId xmlns:a16="http://schemas.microsoft.com/office/drawing/2014/main" id="{AE0DFCE0-E9EB-9E48-9509-7A2F7CBAB14E}"/>
+                </a:ext>
+              </a:extLst>
+            </p:cNvPr>
+            <p:cNvCxnSpPr>
+              <a:cxnSpLocks/>
+            </p:cNvCxnSpPr>
+            <p:nvPr/>
+          </p:nvCxnSpPr>
+          <p:spPr>
+            <a:xfrm>
+              <a:off x="1324234" y="3652806"/>
+              <a:ext cx="235945" cy="1"/>
+            </a:xfrm>
+            <a:prstGeom prst="line">
+              <a:avLst/>
+            </a:prstGeom>
+            <a:ln w="25400">
+              <a:solidFill>
+                <a:srgbClr val="5DA2C5"/>
+              </a:solidFill>
+            </a:ln>
+          </p:spPr>
+          <p:style>
+            <a:lnRef idx="1">
+              <a:schemeClr val="accent1"/>
+            </a:lnRef>
+            <a:fillRef idx="0">
+              <a:schemeClr val="accent1"/>
+            </a:fillRef>
+            <a:effectRef idx="0">
+              <a:schemeClr val="accent1"/>
+            </a:effectRef>
+            <a:fontRef idx="minor">
+              <a:schemeClr val="tx1"/>
+            </a:fontRef>
+          </p:style>
+        </p:cxnSp>
+        <p:cxnSp>
+          <p:nvCxnSpPr>
+            <p:cNvPr id="119" name="직선 연결선[R] 118">
+              <a:extLst>
+                <a:ext uri="{FF2B5EF4-FFF2-40B4-BE49-F238E27FC236}">
+                  <a16:creationId xmlns:a16="http://schemas.microsoft.com/office/drawing/2014/main" id="{7613BC04-D902-9046-95D2-8071BC417E7B}"/>
+                </a:ext>
+              </a:extLst>
+            </p:cNvPr>
+            <p:cNvCxnSpPr>
+              <a:cxnSpLocks/>
+            </p:cNvCxnSpPr>
+            <p:nvPr/>
+          </p:nvCxnSpPr>
+          <p:spPr>
+            <a:xfrm>
+              <a:off x="1327637" y="3547227"/>
+              <a:ext cx="0" cy="105579"/>
+            </a:xfrm>
+            <a:prstGeom prst="line">
+              <a:avLst/>
+            </a:prstGeom>
+            <a:ln w="25400">
+              <a:solidFill>
+                <a:srgbClr val="5DA2C5"/>
+              </a:solidFill>
+            </a:ln>
+          </p:spPr>
+          <p:style>
+            <a:lnRef idx="1">
+              <a:schemeClr val="accent1"/>
+            </a:lnRef>
+            <a:fillRef idx="0">
+              <a:schemeClr val="accent1"/>
+            </a:fillRef>
+            <a:effectRef idx="0">
+              <a:schemeClr val="accent1"/>
+            </a:effectRef>
+            <a:fontRef idx="minor">
+              <a:schemeClr val="tx1"/>
+            </a:fontRef>
+          </p:style>
+        </p:cxnSp>
+      </p:grpSp>
+      <p:sp>
+        <p:nvSpPr>
+          <p:cNvPr id="120" name="TextBox 119">
+            <a:extLst>
+              <a:ext uri="{FF2B5EF4-FFF2-40B4-BE49-F238E27FC236}">
+                <a16:creationId xmlns:a16="http://schemas.microsoft.com/office/drawing/2014/main" id="{6EDFACF4-2F80-BC4A-908E-01BEF5153889}"/>
+              </a:ext>
+            </a:extLst>
+          </p:cNvPr>
+          <p:cNvSpPr txBox="1"/>
+          <p:nvPr/>
+        </p:nvSpPr>
+        <p:spPr>
+          <a:xfrm>
+            <a:off x="790082" y="4248337"/>
+            <a:ext cx="1843758" cy="276999"/>
+          </a:xfrm>
+          <a:prstGeom prst="rect">
+            <a:avLst/>
+          </a:prstGeom>
+          <a:noFill/>
+        </p:spPr>
+        <p:txBody>
+          <a:bodyPr wrap="square" rtlCol="0">
+            <a:spAutoFit/>
+          </a:bodyPr>
+          <a:lstStyle/>
+          <a:p>
+            <a:r>
+              <a:rPr kumimoji="1" lang="en-US" altLang="ko-Kore-KR" sz="1200" b="1" dirty="0" err="1">
+                <a:solidFill>
+                  <a:srgbClr val="5DA2C5"/>
+                </a:solidFill>
+                <a:latin typeface="SHeadG" panose="02030600000101010101" pitchFamily="18" charset="-127"/>
+                <a:ea typeface="SHeadG" panose="02030600000101010101" pitchFamily="18" charset="-127"/>
+              </a:rPr>
+              <a:t>buckpal</a:t>
+            </a:r>
+            <a:endParaRPr kumimoji="1" lang="ko-Kore-KR" altLang="en-US" sz="1200" b="1" dirty="0">
+              <a:solidFill>
+                <a:srgbClr val="5DA2C5"/>
+              </a:solidFill>
+              <a:latin typeface="SHeadG" panose="02030600000101010101" pitchFamily="18" charset="-127"/>
+              <a:ea typeface="SHeadG" panose="02030600000101010101" pitchFamily="18" charset="-127"/>
+            </a:endParaRPr>
+          </a:p>
+        </p:txBody>
+      </p:sp>
+      <p:sp>
+        <p:nvSpPr>
+          <p:cNvPr id="121" name="TextBox 120">
+            <a:extLst>
+              <a:ext uri="{FF2B5EF4-FFF2-40B4-BE49-F238E27FC236}">
+                <a16:creationId xmlns:a16="http://schemas.microsoft.com/office/drawing/2014/main" id="{33476BC4-83E9-8D46-8C29-63ADAE9FF029}"/>
+              </a:ext>
+            </a:extLst>
+          </p:cNvPr>
+          <p:cNvSpPr txBox="1"/>
+          <p:nvPr/>
+        </p:nvSpPr>
+        <p:spPr>
+          <a:xfrm>
+            <a:off x="1162820" y="4530116"/>
+            <a:ext cx="1843758" cy="276999"/>
+          </a:xfrm>
+          <a:prstGeom prst="rect">
+            <a:avLst/>
+          </a:prstGeom>
+          <a:noFill/>
+        </p:spPr>
+        <p:txBody>
+          <a:bodyPr wrap="square" rtlCol="0">
+            <a:spAutoFit/>
+          </a:bodyPr>
+          <a:lstStyle/>
+          <a:p>
+            <a:r>
+              <a:rPr kumimoji="1" lang="en-US" altLang="ko-Kore-KR" sz="1200" b="1" dirty="0">
+                <a:solidFill>
+                  <a:srgbClr val="5DA2C5"/>
+                </a:solidFill>
+                <a:latin typeface="SHeadG" panose="02030600000101010101" pitchFamily="18" charset="-127"/>
+                <a:ea typeface="SHeadG" panose="02030600000101010101" pitchFamily="18" charset="-127"/>
+              </a:rPr>
+              <a:t>account</a:t>
+            </a:r>
+            <a:endParaRPr kumimoji="1" lang="ko-Kore-KR" altLang="en-US" sz="1200" b="1" dirty="0">
+              <a:solidFill>
+                <a:srgbClr val="5DA2C5"/>
+              </a:solidFill>
+              <a:latin typeface="SHeadG" panose="02030600000101010101" pitchFamily="18" charset="-127"/>
+              <a:ea typeface="SHeadG" panose="02030600000101010101" pitchFamily="18" charset="-127"/>
+            </a:endParaRPr>
+          </a:p>
+        </p:txBody>
+      </p:sp>
+      <p:sp>
+        <p:nvSpPr>
+          <p:cNvPr id="122" name="TextBox 121">
+            <a:extLst>
+              <a:ext uri="{FF2B5EF4-FFF2-40B4-BE49-F238E27FC236}">
+                <a16:creationId xmlns:a16="http://schemas.microsoft.com/office/drawing/2014/main" id="{93F28EB6-1092-F54F-A886-CB98EF047703}"/>
+              </a:ext>
+            </a:extLst>
+          </p:cNvPr>
+          <p:cNvSpPr txBox="1"/>
+          <p:nvPr/>
+        </p:nvSpPr>
+        <p:spPr>
+          <a:xfrm>
+            <a:off x="1480473" y="4810649"/>
+            <a:ext cx="1843758" cy="276999"/>
+          </a:xfrm>
+          <a:prstGeom prst="rect">
+            <a:avLst/>
+          </a:prstGeom>
+          <a:noFill/>
+        </p:spPr>
+        <p:txBody>
+          <a:bodyPr wrap="square" rtlCol="0">
+            <a:spAutoFit/>
+          </a:bodyPr>
+          <a:lstStyle/>
+          <a:p>
+            <a:r>
+              <a:rPr kumimoji="1" lang="en-US" altLang="ko-Kore-KR" sz="1200" b="1" dirty="0">
+                <a:solidFill>
+                  <a:srgbClr val="5DA2C5"/>
+                </a:solidFill>
+                <a:latin typeface="SHeadG" panose="02030600000101010101" pitchFamily="18" charset="-127"/>
+                <a:ea typeface="SHeadG" panose="02030600000101010101" pitchFamily="18" charset="-127"/>
+              </a:rPr>
+              <a:t>Account</a:t>
+            </a:r>
+            <a:endParaRPr kumimoji="1" lang="ko-Kore-KR" altLang="en-US" sz="1200" b="1" dirty="0">
+              <a:solidFill>
+                <a:srgbClr val="5DA2C5"/>
+              </a:solidFill>
+              <a:latin typeface="SHeadG" panose="02030600000101010101" pitchFamily="18" charset="-127"/>
+              <a:ea typeface="SHeadG" panose="02030600000101010101" pitchFamily="18" charset="-127"/>
+            </a:endParaRPr>
+          </a:p>
+        </p:txBody>
+      </p:sp>
+      <p:sp>
+        <p:nvSpPr>
+          <p:cNvPr id="123" name="TextBox 122">
+            <a:extLst>
+              <a:ext uri="{FF2B5EF4-FFF2-40B4-BE49-F238E27FC236}">
+                <a16:creationId xmlns:a16="http://schemas.microsoft.com/office/drawing/2014/main" id="{5CB5547F-F163-3D49-A5A1-385FF6C6DA14}"/>
+              </a:ext>
+            </a:extLst>
+          </p:cNvPr>
+          <p:cNvSpPr txBox="1"/>
+          <p:nvPr/>
+        </p:nvSpPr>
+        <p:spPr>
+          <a:xfrm>
+            <a:off x="1480473" y="5085276"/>
+            <a:ext cx="1843758" cy="276999"/>
+          </a:xfrm>
+          <a:prstGeom prst="rect">
+            <a:avLst/>
+          </a:prstGeom>
+          <a:noFill/>
+        </p:spPr>
+        <p:txBody>
+          <a:bodyPr wrap="square" rtlCol="0">
+            <a:spAutoFit/>
+          </a:bodyPr>
+          <a:lstStyle/>
+          <a:p>
+            <a:r>
+              <a:rPr kumimoji="1" lang="en-US" altLang="ko-Kore-KR" sz="1200" b="1" dirty="0" err="1">
+                <a:solidFill>
+                  <a:srgbClr val="5DA2C5"/>
+                </a:solidFill>
+                <a:latin typeface="SHeadG" panose="02030600000101010101" pitchFamily="18" charset="-127"/>
+                <a:ea typeface="SHeadG" panose="02030600000101010101" pitchFamily="18" charset="-127"/>
+              </a:rPr>
+              <a:t>AccountController</a:t>
+            </a:r>
+            <a:endParaRPr kumimoji="1" lang="ko-Kore-KR" altLang="en-US" sz="1200" b="1" dirty="0">
+              <a:solidFill>
+                <a:srgbClr val="5DA2C5"/>
+              </a:solidFill>
+              <a:latin typeface="SHeadG" panose="02030600000101010101" pitchFamily="18" charset="-127"/>
+              <a:ea typeface="SHeadG" panose="02030600000101010101" pitchFamily="18" charset="-127"/>
+            </a:endParaRPr>
+          </a:p>
+        </p:txBody>
+      </p:sp>
+      <p:sp>
+        <p:nvSpPr>
+          <p:cNvPr id="124" name="TextBox 123">
+            <a:extLst>
+              <a:ext uri="{FF2B5EF4-FFF2-40B4-BE49-F238E27FC236}">
+                <a16:creationId xmlns:a16="http://schemas.microsoft.com/office/drawing/2014/main" id="{7DF85A96-1F05-D64A-88D2-D36A23C031FC}"/>
+              </a:ext>
+            </a:extLst>
+          </p:cNvPr>
+          <p:cNvSpPr txBox="1"/>
+          <p:nvPr/>
+        </p:nvSpPr>
+        <p:spPr>
+          <a:xfrm>
+            <a:off x="1480473" y="5359903"/>
+            <a:ext cx="1843758" cy="276999"/>
+          </a:xfrm>
+          <a:prstGeom prst="rect">
+            <a:avLst/>
+          </a:prstGeom>
+          <a:noFill/>
+        </p:spPr>
+        <p:txBody>
+          <a:bodyPr wrap="square" rtlCol="0">
+            <a:spAutoFit/>
+          </a:bodyPr>
+          <a:lstStyle/>
+          <a:p>
+            <a:r>
+              <a:rPr kumimoji="1" lang="en-US" altLang="ko-Kore-KR" sz="1200" b="1" dirty="0" err="1">
+                <a:solidFill>
+                  <a:srgbClr val="5DA2C5"/>
+                </a:solidFill>
+                <a:latin typeface="SHeadG" panose="02030600000101010101" pitchFamily="18" charset="-127"/>
+                <a:ea typeface="SHeadG" panose="02030600000101010101" pitchFamily="18" charset="-127"/>
+              </a:rPr>
+              <a:t>AccountRepository</a:t>
+            </a:r>
+            <a:endParaRPr kumimoji="1" lang="ko-Kore-KR" altLang="en-US" sz="1200" b="1" dirty="0">
+              <a:solidFill>
+                <a:srgbClr val="5DA2C5"/>
+              </a:solidFill>
+              <a:latin typeface="SHeadG" panose="02030600000101010101" pitchFamily="18" charset="-127"/>
+              <a:ea typeface="SHeadG" panose="02030600000101010101" pitchFamily="18" charset="-127"/>
+            </a:endParaRPr>
+          </a:p>
+        </p:txBody>
+      </p:sp>
+      <p:sp>
+        <p:nvSpPr>
+          <p:cNvPr id="125" name="TextBox 124">
+            <a:extLst>
+              <a:ext uri="{FF2B5EF4-FFF2-40B4-BE49-F238E27FC236}">
+                <a16:creationId xmlns:a16="http://schemas.microsoft.com/office/drawing/2014/main" id="{E3886C97-3DE4-B347-9E29-074281EAF468}"/>
+              </a:ext>
+            </a:extLst>
+          </p:cNvPr>
+          <p:cNvSpPr txBox="1"/>
+          <p:nvPr/>
+        </p:nvSpPr>
+        <p:spPr>
+          <a:xfrm>
+            <a:off x="1480472" y="5634530"/>
+            <a:ext cx="2186311" cy="276999"/>
+          </a:xfrm>
+          <a:prstGeom prst="rect">
+            <a:avLst/>
+          </a:prstGeom>
+          <a:noFill/>
+        </p:spPr>
+        <p:txBody>
+          <a:bodyPr wrap="square" rtlCol="0">
+            <a:spAutoFit/>
+          </a:bodyPr>
+          <a:lstStyle/>
+          <a:p>
+            <a:r>
+              <a:rPr kumimoji="1" lang="en-US" altLang="ko-Kore-KR" sz="1200" b="1" dirty="0" err="1">
+                <a:solidFill>
+                  <a:srgbClr val="5DA2C5"/>
+                </a:solidFill>
+                <a:latin typeface="SHeadG" panose="02030600000101010101" pitchFamily="18" charset="-127"/>
+                <a:ea typeface="SHeadG" panose="02030600000101010101" pitchFamily="18" charset="-127"/>
+              </a:rPr>
+              <a:t>AccountRepositoryImpl</a:t>
+            </a:r>
+            <a:endParaRPr kumimoji="1" lang="ko-Kore-KR" altLang="en-US" sz="1200" b="1" dirty="0">
+              <a:solidFill>
+                <a:srgbClr val="5DA2C5"/>
+              </a:solidFill>
+              <a:latin typeface="SHeadG" panose="02030600000101010101" pitchFamily="18" charset="-127"/>
+              <a:ea typeface="SHeadG" panose="02030600000101010101" pitchFamily="18" charset="-127"/>
+            </a:endParaRPr>
+          </a:p>
+        </p:txBody>
+      </p:sp>
+      <p:grpSp>
+        <p:nvGrpSpPr>
+          <p:cNvPr id="180" name="그룹 179">
+            <a:extLst>
+              <a:ext uri="{FF2B5EF4-FFF2-40B4-BE49-F238E27FC236}">
+                <a16:creationId xmlns:a16="http://schemas.microsoft.com/office/drawing/2014/main" id="{C738B58C-FC43-464C-AFC6-2E80C491BF8A}"/>
+              </a:ext>
+            </a:extLst>
+          </p:cNvPr>
+          <p:cNvGrpSpPr/>
+          <p:nvPr/>
+        </p:nvGrpSpPr>
+        <p:grpSpPr>
+          <a:xfrm>
+            <a:off x="1285381" y="4865474"/>
+            <a:ext cx="235945" cy="211157"/>
+            <a:chOff x="1294213" y="3684223"/>
+            <a:chExt cx="235945" cy="211157"/>
+          </a:xfrm>
+        </p:grpSpPr>
+        <p:cxnSp>
+          <p:nvCxnSpPr>
+            <p:cNvPr id="188" name="직선 연결선[R] 187">
+              <a:extLst>
+                <a:ext uri="{FF2B5EF4-FFF2-40B4-BE49-F238E27FC236}">
+                  <a16:creationId xmlns:a16="http://schemas.microsoft.com/office/drawing/2014/main" id="{855F536D-18D5-2F41-A961-AB8B335650C5}"/>
+                </a:ext>
+              </a:extLst>
+            </p:cNvPr>
+            <p:cNvCxnSpPr>
+              <a:cxnSpLocks/>
+            </p:cNvCxnSpPr>
+            <p:nvPr/>
+          </p:nvCxnSpPr>
+          <p:spPr>
+            <a:xfrm>
+              <a:off x="1294213" y="3789802"/>
+              <a:ext cx="235945" cy="1"/>
+            </a:xfrm>
+            <a:prstGeom prst="line">
+              <a:avLst/>
+            </a:prstGeom>
+            <a:ln w="25400">
+              <a:solidFill>
+                <a:srgbClr val="5DA2C5"/>
+              </a:solidFill>
+            </a:ln>
+          </p:spPr>
+          <p:style>
+            <a:lnRef idx="1">
+              <a:schemeClr val="accent1"/>
+            </a:lnRef>
+            <a:fillRef idx="0">
+              <a:schemeClr val="accent1"/>
+            </a:fillRef>
+            <a:effectRef idx="0">
+              <a:schemeClr val="accent1"/>
+            </a:effectRef>
+            <a:fontRef idx="minor">
+              <a:schemeClr val="tx1"/>
+            </a:fontRef>
+          </p:style>
+        </p:cxnSp>
+        <p:cxnSp>
+          <p:nvCxnSpPr>
+            <p:cNvPr id="189" name="직선 연결선[R] 188">
+              <a:extLst>
+                <a:ext uri="{FF2B5EF4-FFF2-40B4-BE49-F238E27FC236}">
+                  <a16:creationId xmlns:a16="http://schemas.microsoft.com/office/drawing/2014/main" id="{0E33C6E1-4994-6E4D-9B84-2981EF1B07DE}"/>
+                </a:ext>
+              </a:extLst>
+            </p:cNvPr>
+            <p:cNvCxnSpPr>
+              <a:cxnSpLocks/>
+            </p:cNvCxnSpPr>
+            <p:nvPr/>
+          </p:nvCxnSpPr>
+          <p:spPr>
+            <a:xfrm>
+              <a:off x="1297616" y="3684223"/>
+              <a:ext cx="0" cy="211157"/>
+            </a:xfrm>
+            <a:prstGeom prst="line">
+              <a:avLst/>
+            </a:prstGeom>
+            <a:ln w="25400">
+              <a:solidFill>
+                <a:srgbClr val="5DA2C5"/>
+              </a:solidFill>
+            </a:ln>
+          </p:spPr>
+          <p:style>
+            <a:lnRef idx="1">
+              <a:schemeClr val="accent1"/>
+            </a:lnRef>
+            <a:fillRef idx="0">
+              <a:schemeClr val="accent1"/>
+            </a:fillRef>
+            <a:effectRef idx="0">
+              <a:schemeClr val="accent1"/>
+            </a:effectRef>
+            <a:fontRef idx="minor">
+              <a:schemeClr val="tx1"/>
+            </a:fontRef>
+          </p:style>
+        </p:cxnSp>
+      </p:grpSp>
+      <p:grpSp>
+        <p:nvGrpSpPr>
+          <p:cNvPr id="190" name="그룹 189">
+            <a:extLst>
+              <a:ext uri="{FF2B5EF4-FFF2-40B4-BE49-F238E27FC236}">
+                <a16:creationId xmlns:a16="http://schemas.microsoft.com/office/drawing/2014/main" id="{FB7E420C-85B1-3A4B-8E6D-02F117FFCABE}"/>
+              </a:ext>
+            </a:extLst>
+          </p:cNvPr>
+          <p:cNvGrpSpPr/>
+          <p:nvPr/>
+        </p:nvGrpSpPr>
+        <p:grpSpPr>
+          <a:xfrm>
+            <a:off x="1291346" y="5145878"/>
+            <a:ext cx="235945" cy="211157"/>
+            <a:chOff x="1294213" y="3684223"/>
+            <a:chExt cx="235945" cy="211157"/>
+          </a:xfrm>
+        </p:grpSpPr>
+        <p:cxnSp>
+          <p:nvCxnSpPr>
+            <p:cNvPr id="191" name="직선 연결선[R] 190">
+              <a:extLst>
+                <a:ext uri="{FF2B5EF4-FFF2-40B4-BE49-F238E27FC236}">
+                  <a16:creationId xmlns:a16="http://schemas.microsoft.com/office/drawing/2014/main" id="{CB452C33-1FE6-924F-A99E-E8DF66B1638E}"/>
+                </a:ext>
+              </a:extLst>
+            </p:cNvPr>
+            <p:cNvCxnSpPr>
+              <a:cxnSpLocks/>
+            </p:cNvCxnSpPr>
+            <p:nvPr/>
+          </p:nvCxnSpPr>
+          <p:spPr>
+            <a:xfrm>
+              <a:off x="1294213" y="3789802"/>
+              <a:ext cx="235945" cy="1"/>
+            </a:xfrm>
+            <a:prstGeom prst="line">
+              <a:avLst/>
+            </a:prstGeom>
+            <a:ln w="25400">
+              <a:solidFill>
+                <a:srgbClr val="5DA2C5"/>
+              </a:solidFill>
+            </a:ln>
+          </p:spPr>
+          <p:style>
+            <a:lnRef idx="1">
+              <a:schemeClr val="accent1"/>
+            </a:lnRef>
+            <a:fillRef idx="0">
+              <a:schemeClr val="accent1"/>
+            </a:fillRef>
+            <a:effectRef idx="0">
+              <a:schemeClr val="accent1"/>
+            </a:effectRef>
+            <a:fontRef idx="minor">
+              <a:schemeClr val="tx1"/>
+            </a:fontRef>
+          </p:style>
+        </p:cxnSp>
+        <p:cxnSp>
+          <p:nvCxnSpPr>
+            <p:cNvPr id="200" name="직선 연결선[R] 199">
+              <a:extLst>
+                <a:ext uri="{FF2B5EF4-FFF2-40B4-BE49-F238E27FC236}">
+                  <a16:creationId xmlns:a16="http://schemas.microsoft.com/office/drawing/2014/main" id="{6EA1A1CD-3D16-864F-9742-6D00FB490FFF}"/>
+                </a:ext>
+              </a:extLst>
+            </p:cNvPr>
+            <p:cNvCxnSpPr>
+              <a:cxnSpLocks/>
+            </p:cNvCxnSpPr>
+            <p:nvPr/>
+          </p:nvCxnSpPr>
+          <p:spPr>
+            <a:xfrm>
+              <a:off x="1297616" y="3684223"/>
+              <a:ext cx="0" cy="211157"/>
+            </a:xfrm>
+            <a:prstGeom prst="line">
+              <a:avLst/>
+            </a:prstGeom>
+            <a:ln w="25400">
+              <a:solidFill>
+                <a:srgbClr val="5DA2C5"/>
+              </a:solidFill>
+            </a:ln>
+          </p:spPr>
+          <p:style>
+            <a:lnRef idx="1">
+              <a:schemeClr val="accent1"/>
+            </a:lnRef>
+            <a:fillRef idx="0">
+              <a:schemeClr val="accent1"/>
+            </a:fillRef>
+            <a:effectRef idx="0">
+              <a:schemeClr val="accent1"/>
+            </a:effectRef>
+            <a:fontRef idx="minor">
+              <a:schemeClr val="tx1"/>
+            </a:fontRef>
+          </p:style>
+        </p:cxnSp>
+      </p:grpSp>
+      <p:grpSp>
+        <p:nvGrpSpPr>
+          <p:cNvPr id="201" name="그룹 200">
+            <a:extLst>
+              <a:ext uri="{FF2B5EF4-FFF2-40B4-BE49-F238E27FC236}">
+                <a16:creationId xmlns:a16="http://schemas.microsoft.com/office/drawing/2014/main" id="{1AF7F002-11B5-D340-A028-7000AE8070D5}"/>
+              </a:ext>
+            </a:extLst>
+          </p:cNvPr>
+          <p:cNvGrpSpPr/>
+          <p:nvPr/>
+        </p:nvGrpSpPr>
+        <p:grpSpPr>
+          <a:xfrm>
+            <a:off x="1286294" y="5415265"/>
+            <a:ext cx="235945" cy="211157"/>
+            <a:chOff x="1294213" y="3684223"/>
+            <a:chExt cx="235945" cy="211157"/>
+          </a:xfrm>
+        </p:grpSpPr>
+        <p:cxnSp>
+          <p:nvCxnSpPr>
+            <p:cNvPr id="202" name="직선 연결선[R] 201">
+              <a:extLst>
+                <a:ext uri="{FF2B5EF4-FFF2-40B4-BE49-F238E27FC236}">
+                  <a16:creationId xmlns:a16="http://schemas.microsoft.com/office/drawing/2014/main" id="{FB7067A6-0622-D445-A1EB-7CC8A005EF06}"/>
+                </a:ext>
+              </a:extLst>
+            </p:cNvPr>
+            <p:cNvCxnSpPr>
+              <a:cxnSpLocks/>
+            </p:cNvCxnSpPr>
+            <p:nvPr/>
+          </p:nvCxnSpPr>
+          <p:spPr>
+            <a:xfrm>
+              <a:off x="1294213" y="3789802"/>
+              <a:ext cx="235945" cy="1"/>
+            </a:xfrm>
+            <a:prstGeom prst="line">
+              <a:avLst/>
+            </a:prstGeom>
+            <a:ln w="25400">
+              <a:solidFill>
+                <a:srgbClr val="5DA2C5"/>
+              </a:solidFill>
+            </a:ln>
+          </p:spPr>
+          <p:style>
+            <a:lnRef idx="1">
+              <a:schemeClr val="accent1"/>
+            </a:lnRef>
+            <a:fillRef idx="0">
+              <a:schemeClr val="accent1"/>
+            </a:fillRef>
+            <a:effectRef idx="0">
+              <a:schemeClr val="accent1"/>
+            </a:effectRef>
+            <a:fontRef idx="minor">
+              <a:schemeClr val="tx1"/>
+            </a:fontRef>
+          </p:style>
+        </p:cxnSp>
+        <p:cxnSp>
+          <p:nvCxnSpPr>
+            <p:cNvPr id="203" name="직선 연결선[R] 202">
+              <a:extLst>
+                <a:ext uri="{FF2B5EF4-FFF2-40B4-BE49-F238E27FC236}">
+                  <a16:creationId xmlns:a16="http://schemas.microsoft.com/office/drawing/2014/main" id="{2223D78C-D548-FE4E-8D28-D4AF238C47D1}"/>
+                </a:ext>
+              </a:extLst>
+            </p:cNvPr>
+            <p:cNvCxnSpPr>
+              <a:cxnSpLocks/>
+            </p:cNvCxnSpPr>
+            <p:nvPr/>
+          </p:nvCxnSpPr>
+          <p:spPr>
+            <a:xfrm>
+              <a:off x="1297616" y="3684223"/>
+              <a:ext cx="0" cy="211157"/>
+            </a:xfrm>
+            <a:prstGeom prst="line">
+              <a:avLst/>
+            </a:prstGeom>
+            <a:ln w="25400">
+              <a:solidFill>
+                <a:srgbClr val="5DA2C5"/>
+              </a:solidFill>
+            </a:ln>
+          </p:spPr>
+          <p:style>
+            <a:lnRef idx="1">
+              <a:schemeClr val="accent1"/>
+            </a:lnRef>
+            <a:fillRef idx="0">
+              <a:schemeClr val="accent1"/>
+            </a:fillRef>
+            <a:effectRef idx="0">
+              <a:schemeClr val="accent1"/>
+            </a:effectRef>
+            <a:fontRef idx="minor">
+              <a:schemeClr val="tx1"/>
+            </a:fontRef>
+          </p:style>
+        </p:cxnSp>
+      </p:grpSp>
+      <p:grpSp>
+        <p:nvGrpSpPr>
+          <p:cNvPr id="220" name="그룹 219">
+            <a:extLst>
+              <a:ext uri="{FF2B5EF4-FFF2-40B4-BE49-F238E27FC236}">
+                <a16:creationId xmlns:a16="http://schemas.microsoft.com/office/drawing/2014/main" id="{2DD30C01-CD35-0E4E-9C24-27134F1D4005}"/>
+              </a:ext>
+            </a:extLst>
+          </p:cNvPr>
+          <p:cNvGrpSpPr/>
+          <p:nvPr/>
+        </p:nvGrpSpPr>
+        <p:grpSpPr>
+          <a:xfrm>
+            <a:off x="1281240" y="5697797"/>
+            <a:ext cx="235945" cy="105580"/>
+            <a:chOff x="1324234" y="3547227"/>
+            <a:chExt cx="235945" cy="105580"/>
+          </a:xfrm>
+        </p:grpSpPr>
+        <p:cxnSp>
+          <p:nvCxnSpPr>
+            <p:cNvPr id="221" name="직선 연결선[R] 220">
+              <a:extLst>
+                <a:ext uri="{FF2B5EF4-FFF2-40B4-BE49-F238E27FC236}">
+                  <a16:creationId xmlns:a16="http://schemas.microsoft.com/office/drawing/2014/main" id="{9ABEE5F0-E1A6-6243-B02A-2A0D9F71369F}"/>
+                </a:ext>
+              </a:extLst>
+            </p:cNvPr>
+            <p:cNvCxnSpPr>
+              <a:cxnSpLocks/>
+            </p:cNvCxnSpPr>
+            <p:nvPr/>
+          </p:nvCxnSpPr>
+          <p:spPr>
+            <a:xfrm>
+              <a:off x="1324234" y="3652806"/>
+              <a:ext cx="235945" cy="1"/>
+            </a:xfrm>
+            <a:prstGeom prst="line">
+              <a:avLst/>
+            </a:prstGeom>
+            <a:ln w="25400">
+              <a:solidFill>
+                <a:srgbClr val="5DA2C5"/>
+              </a:solidFill>
+            </a:ln>
+          </p:spPr>
+          <p:style>
+            <a:lnRef idx="1">
+              <a:schemeClr val="accent1"/>
+            </a:lnRef>
+            <a:fillRef idx="0">
+              <a:schemeClr val="accent1"/>
+            </a:fillRef>
+            <a:effectRef idx="0">
+              <a:schemeClr val="accent1"/>
+            </a:effectRef>
+            <a:fontRef idx="minor">
+              <a:schemeClr val="tx1"/>
+            </a:fontRef>
+          </p:style>
+        </p:cxnSp>
+        <p:cxnSp>
+          <p:nvCxnSpPr>
+            <p:cNvPr id="222" name="직선 연결선[R] 221">
+              <a:extLst>
+                <a:ext uri="{FF2B5EF4-FFF2-40B4-BE49-F238E27FC236}">
+                  <a16:creationId xmlns:a16="http://schemas.microsoft.com/office/drawing/2014/main" id="{3F9B91B2-8D34-CD41-B94E-A2E5D61D0DCD}"/>
+                </a:ext>
+              </a:extLst>
+            </p:cNvPr>
+            <p:cNvCxnSpPr>
+              <a:cxnSpLocks/>
+            </p:cNvCxnSpPr>
+            <p:nvPr/>
+          </p:nvCxnSpPr>
+          <p:spPr>
+            <a:xfrm>
+              <a:off x="1327637" y="3547227"/>
+              <a:ext cx="0" cy="105579"/>
+            </a:xfrm>
+            <a:prstGeom prst="line">
+              <a:avLst/>
+            </a:prstGeom>
+            <a:ln w="25400">
+              <a:solidFill>
+                <a:srgbClr val="5DA2C5"/>
+              </a:solidFill>
+            </a:ln>
+          </p:spPr>
+          <p:style>
+            <a:lnRef idx="1">
+              <a:schemeClr val="accent1"/>
+            </a:lnRef>
+            <a:fillRef idx="0">
+              <a:schemeClr val="accent1"/>
+            </a:fillRef>
+            <a:effectRef idx="0">
+              <a:schemeClr val="accent1"/>
+            </a:effectRef>
+            <a:fontRef idx="minor">
+              <a:schemeClr val="tx1"/>
+            </a:fontRef>
+          </p:style>
+        </p:cxnSp>
+      </p:grpSp>
+      <p:grpSp>
+        <p:nvGrpSpPr>
+          <p:cNvPr id="223" name="그룹 222">
+            <a:extLst>
+              <a:ext uri="{FF2B5EF4-FFF2-40B4-BE49-F238E27FC236}">
+                <a16:creationId xmlns:a16="http://schemas.microsoft.com/office/drawing/2014/main" id="{B3AC4B98-656D-F944-BF46-E5CFE3383471}"/>
+              </a:ext>
+            </a:extLst>
+          </p:cNvPr>
+          <p:cNvGrpSpPr/>
+          <p:nvPr/>
+        </p:nvGrpSpPr>
+        <p:grpSpPr>
+          <a:xfrm>
+            <a:off x="926872" y="4583131"/>
+            <a:ext cx="235945" cy="105580"/>
+            <a:chOff x="1324234" y="3547227"/>
+            <a:chExt cx="235945" cy="105580"/>
+          </a:xfrm>
+        </p:grpSpPr>
+        <p:cxnSp>
+          <p:nvCxnSpPr>
+            <p:cNvPr id="224" name="직선 연결선[R] 223">
+              <a:extLst>
+                <a:ext uri="{FF2B5EF4-FFF2-40B4-BE49-F238E27FC236}">
+                  <a16:creationId xmlns:a16="http://schemas.microsoft.com/office/drawing/2014/main" id="{F724F465-2D84-8D4F-A12F-91534A5BA14C}"/>
+                </a:ext>
+              </a:extLst>
+            </p:cNvPr>
+            <p:cNvCxnSpPr>
+              <a:cxnSpLocks/>
+            </p:cNvCxnSpPr>
+            <p:nvPr/>
+          </p:nvCxnSpPr>
+          <p:spPr>
+            <a:xfrm>
+              <a:off x="1324234" y="3652806"/>
+              <a:ext cx="235945" cy="1"/>
+            </a:xfrm>
+            <a:prstGeom prst="line">
+              <a:avLst/>
+            </a:prstGeom>
+            <a:ln w="25400">
+              <a:solidFill>
+                <a:srgbClr val="5DA2C5"/>
+              </a:solidFill>
+            </a:ln>
+          </p:spPr>
+          <p:style>
+            <a:lnRef idx="1">
+              <a:schemeClr val="accent1"/>
+            </a:lnRef>
+            <a:fillRef idx="0">
+              <a:schemeClr val="accent1"/>
+            </a:fillRef>
+            <a:effectRef idx="0">
+              <a:schemeClr val="accent1"/>
+            </a:effectRef>
+            <a:fontRef idx="minor">
+              <a:schemeClr val="tx1"/>
+            </a:fontRef>
+          </p:style>
+        </p:cxnSp>
+        <p:cxnSp>
+          <p:nvCxnSpPr>
+            <p:cNvPr id="225" name="직선 연결선[R] 224">
+              <a:extLst>
+                <a:ext uri="{FF2B5EF4-FFF2-40B4-BE49-F238E27FC236}">
+                  <a16:creationId xmlns:a16="http://schemas.microsoft.com/office/drawing/2014/main" id="{CDE8340C-CB48-3949-9747-71A6FD444C71}"/>
+                </a:ext>
+              </a:extLst>
+            </p:cNvPr>
+            <p:cNvCxnSpPr>
+              <a:cxnSpLocks/>
+            </p:cNvCxnSpPr>
+            <p:nvPr/>
+          </p:nvCxnSpPr>
+          <p:spPr>
+            <a:xfrm>
+              <a:off x="1327637" y="3547227"/>
+              <a:ext cx="0" cy="105579"/>
+            </a:xfrm>
+            <a:prstGeom prst="line">
+              <a:avLst/>
+            </a:prstGeom>
+            <a:ln w="25400">
+              <a:solidFill>
+                <a:srgbClr val="5DA2C5"/>
+              </a:solidFill>
+            </a:ln>
+          </p:spPr>
+          <p:style>
+            <a:lnRef idx="1">
+              <a:schemeClr val="accent1"/>
+            </a:lnRef>
+            <a:fillRef idx="0">
+              <a:schemeClr val="accent1"/>
+            </a:fillRef>
+            <a:effectRef idx="0">
+              <a:schemeClr val="accent1"/>
+            </a:effectRef>
+            <a:fontRef idx="minor">
+              <a:schemeClr val="tx1"/>
+            </a:fontRef>
+          </p:style>
+        </p:cxnSp>
+      </p:grpSp>
+      <p:sp>
+        <p:nvSpPr>
+          <p:cNvPr id="226" name="TextBox 225">
+            <a:extLst>
+              <a:ext uri="{FF2B5EF4-FFF2-40B4-BE49-F238E27FC236}">
+                <a16:creationId xmlns:a16="http://schemas.microsoft.com/office/drawing/2014/main" id="{C3696776-C91E-3F44-8576-AB2AEA7FAB03}"/>
+              </a:ext>
+            </a:extLst>
+          </p:cNvPr>
+          <p:cNvSpPr txBox="1"/>
+          <p:nvPr/>
+        </p:nvSpPr>
+        <p:spPr>
+          <a:xfrm>
+            <a:off x="1480471" y="5907970"/>
+            <a:ext cx="2186311" cy="276999"/>
+          </a:xfrm>
+          <a:prstGeom prst="rect">
+            <a:avLst/>
+          </a:prstGeom>
+          <a:noFill/>
+        </p:spPr>
+        <p:txBody>
+          <a:bodyPr wrap="square" rtlCol="0">
+            <a:spAutoFit/>
+          </a:bodyPr>
+          <a:lstStyle/>
+          <a:p>
+            <a:r>
+              <a:rPr kumimoji="1" lang="en-US" altLang="ko-Kore-KR" sz="1200" b="1" dirty="0" err="1">
+                <a:solidFill>
+                  <a:srgbClr val="5DA2C5"/>
+                </a:solidFill>
+                <a:latin typeface="SHeadG" panose="02030600000101010101" pitchFamily="18" charset="-127"/>
+                <a:ea typeface="SHeadG" panose="02030600000101010101" pitchFamily="18" charset="-127"/>
+              </a:rPr>
+              <a:t>SendMoneyService</a:t>
+            </a:r>
+            <a:endParaRPr kumimoji="1" lang="ko-Kore-KR" altLang="en-US" sz="1200" b="1" dirty="0">
+              <a:solidFill>
+                <a:srgbClr val="5DA2C5"/>
+              </a:solidFill>
+              <a:latin typeface="SHeadG" panose="02030600000101010101" pitchFamily="18" charset="-127"/>
+              <a:ea typeface="SHeadG" panose="02030600000101010101" pitchFamily="18" charset="-127"/>
+            </a:endParaRPr>
+          </a:p>
+        </p:txBody>
+      </p:sp>
+      <p:grpSp>
+        <p:nvGrpSpPr>
+          <p:cNvPr id="227" name="그룹 226">
+            <a:extLst>
+              <a:ext uri="{FF2B5EF4-FFF2-40B4-BE49-F238E27FC236}">
+                <a16:creationId xmlns:a16="http://schemas.microsoft.com/office/drawing/2014/main" id="{DFAD360E-5B0A-F546-8C4B-1D6AF14FA3D1}"/>
+              </a:ext>
+            </a:extLst>
+          </p:cNvPr>
+          <p:cNvGrpSpPr/>
+          <p:nvPr/>
+        </p:nvGrpSpPr>
+        <p:grpSpPr>
+          <a:xfrm>
+            <a:off x="1281239" y="5971237"/>
+            <a:ext cx="235945" cy="105580"/>
+            <a:chOff x="1324234" y="3547227"/>
+            <a:chExt cx="235945" cy="105580"/>
+          </a:xfrm>
+        </p:grpSpPr>
+        <p:cxnSp>
+          <p:nvCxnSpPr>
+            <p:cNvPr id="228" name="직선 연결선[R] 227">
+              <a:extLst>
+                <a:ext uri="{FF2B5EF4-FFF2-40B4-BE49-F238E27FC236}">
+                  <a16:creationId xmlns:a16="http://schemas.microsoft.com/office/drawing/2014/main" id="{75263D08-CA76-064B-8726-0E881B8FE2FE}"/>
+                </a:ext>
+              </a:extLst>
+            </p:cNvPr>
+            <p:cNvCxnSpPr>
+              <a:cxnSpLocks/>
+            </p:cNvCxnSpPr>
+            <p:nvPr/>
+          </p:nvCxnSpPr>
+          <p:spPr>
+            <a:xfrm>
+              <a:off x="1324234" y="3652806"/>
+              <a:ext cx="235945" cy="1"/>
+            </a:xfrm>
+            <a:prstGeom prst="line">
+              <a:avLst/>
+            </a:prstGeom>
+            <a:ln w="25400">
+              <a:solidFill>
+                <a:srgbClr val="5DA2C5"/>
+              </a:solidFill>
+            </a:ln>
+          </p:spPr>
+          <p:style>
+            <a:lnRef idx="1">
+              <a:schemeClr val="accent1"/>
+            </a:lnRef>
+            <a:fillRef idx="0">
+              <a:schemeClr val="accent1"/>
+            </a:fillRef>
+            <a:effectRef idx="0">
+              <a:schemeClr val="accent1"/>
+            </a:effectRef>
+            <a:fontRef idx="minor">
+              <a:schemeClr val="tx1"/>
+            </a:fontRef>
+          </p:style>
+        </p:cxnSp>
+        <p:cxnSp>
+          <p:nvCxnSpPr>
+            <p:cNvPr id="229" name="직선 연결선[R] 228">
+              <a:extLst>
+                <a:ext uri="{FF2B5EF4-FFF2-40B4-BE49-F238E27FC236}">
+                  <a16:creationId xmlns:a16="http://schemas.microsoft.com/office/drawing/2014/main" id="{E7CD7552-5A46-7544-8308-0115B625C7A0}"/>
+                </a:ext>
+              </a:extLst>
+            </p:cNvPr>
+            <p:cNvCxnSpPr>
+              <a:cxnSpLocks/>
+            </p:cNvCxnSpPr>
+            <p:nvPr/>
+          </p:nvCxnSpPr>
+          <p:spPr>
+            <a:xfrm>
+              <a:off x="1327637" y="3547227"/>
+              <a:ext cx="0" cy="105579"/>
+            </a:xfrm>
+            <a:prstGeom prst="line">
+              <a:avLst/>
+            </a:prstGeom>
+            <a:ln w="25400">
+              <a:solidFill>
+                <a:srgbClr val="5DA2C5"/>
+              </a:solidFill>
+            </a:ln>
+          </p:spPr>
+          <p:style>
+            <a:lnRef idx="1">
+              <a:schemeClr val="accent1"/>
+            </a:lnRef>
+            <a:fillRef idx="0">
+              <a:schemeClr val="accent1"/>
+            </a:fillRef>
+            <a:effectRef idx="0">
+              <a:schemeClr val="accent1"/>
+            </a:effectRef>
+            <a:fontRef idx="minor">
+              <a:schemeClr val="tx1"/>
+            </a:fontRef>
+          </p:style>
+        </p:cxnSp>
+      </p:grpSp>
+      <p:sp>
+        <p:nvSpPr>
+          <p:cNvPr id="271" name="TextBox 270">
+            <a:extLst>
+              <a:ext uri="{FF2B5EF4-FFF2-40B4-BE49-F238E27FC236}">
+                <a16:creationId xmlns:a16="http://schemas.microsoft.com/office/drawing/2014/main" id="{95F9C16B-6F49-4C46-A1EE-C044183031A9}"/>
+              </a:ext>
+            </a:extLst>
+          </p:cNvPr>
+          <p:cNvSpPr txBox="1"/>
+          <p:nvPr/>
+        </p:nvSpPr>
+        <p:spPr>
+          <a:xfrm>
+            <a:off x="5227234" y="234033"/>
+            <a:ext cx="1843758" cy="276999"/>
+          </a:xfrm>
+          <a:prstGeom prst="rect">
+            <a:avLst/>
+          </a:prstGeom>
+          <a:noFill/>
+        </p:spPr>
+        <p:txBody>
+          <a:bodyPr wrap="square" rtlCol="0">
+            <a:spAutoFit/>
+          </a:bodyPr>
+          <a:lstStyle/>
+          <a:p>
+            <a:r>
+              <a:rPr kumimoji="1" lang="en-US" altLang="ko-Kore-KR" sz="1200" b="1" dirty="0" err="1">
+                <a:solidFill>
+                  <a:srgbClr val="5DA2C5"/>
+                </a:solidFill>
+                <a:latin typeface="SHeadG" panose="02030600000101010101" pitchFamily="18" charset="-127"/>
+                <a:ea typeface="SHeadG" panose="02030600000101010101" pitchFamily="18" charset="-127"/>
+              </a:rPr>
+              <a:t>buckpal</a:t>
+            </a:r>
+            <a:endParaRPr kumimoji="1" lang="ko-Kore-KR" altLang="en-US" sz="1200" b="1" dirty="0">
+              <a:solidFill>
+                <a:srgbClr val="5DA2C5"/>
+              </a:solidFill>
+              <a:latin typeface="SHeadG" panose="02030600000101010101" pitchFamily="18" charset="-127"/>
+              <a:ea typeface="SHeadG" panose="02030600000101010101" pitchFamily="18" charset="-127"/>
+            </a:endParaRPr>
+          </a:p>
+        </p:txBody>
+      </p:sp>
+      <p:sp>
+        <p:nvSpPr>
+          <p:cNvPr id="272" name="TextBox 271">
+            <a:extLst>
+              <a:ext uri="{FF2B5EF4-FFF2-40B4-BE49-F238E27FC236}">
+                <a16:creationId xmlns:a16="http://schemas.microsoft.com/office/drawing/2014/main" id="{A331B86F-A726-7B4D-9A9A-8DAB289E767A}"/>
+              </a:ext>
+            </a:extLst>
+          </p:cNvPr>
+          <p:cNvSpPr txBox="1"/>
+          <p:nvPr/>
+        </p:nvSpPr>
+        <p:spPr>
+          <a:xfrm>
+            <a:off x="5599972" y="515812"/>
+            <a:ext cx="1843758" cy="276999"/>
+          </a:xfrm>
+          <a:prstGeom prst="rect">
+            <a:avLst/>
+          </a:prstGeom>
+          <a:noFill/>
+        </p:spPr>
+        <p:txBody>
+          <a:bodyPr wrap="square" rtlCol="0">
+            <a:spAutoFit/>
+          </a:bodyPr>
+          <a:lstStyle/>
+          <a:p>
+            <a:r>
+              <a:rPr kumimoji="1" lang="en-US" altLang="ko-Kore-KR" sz="1200" b="1" dirty="0">
+                <a:solidFill>
+                  <a:srgbClr val="5DA2C5"/>
+                </a:solidFill>
+                <a:latin typeface="SHeadG" panose="02030600000101010101" pitchFamily="18" charset="-127"/>
+                <a:ea typeface="SHeadG" panose="02030600000101010101" pitchFamily="18" charset="-127"/>
+              </a:rPr>
+              <a:t>account</a:t>
+            </a:r>
+            <a:endParaRPr kumimoji="1" lang="ko-Kore-KR" altLang="en-US" sz="1200" b="1" dirty="0">
+              <a:solidFill>
+                <a:srgbClr val="5DA2C5"/>
+              </a:solidFill>
+              <a:latin typeface="SHeadG" panose="02030600000101010101" pitchFamily="18" charset="-127"/>
+              <a:ea typeface="SHeadG" panose="02030600000101010101" pitchFamily="18" charset="-127"/>
+            </a:endParaRPr>
+          </a:p>
+        </p:txBody>
+      </p:sp>
+      <p:sp>
+        <p:nvSpPr>
+          <p:cNvPr id="273" name="TextBox 272">
+            <a:extLst>
+              <a:ext uri="{FF2B5EF4-FFF2-40B4-BE49-F238E27FC236}">
+                <a16:creationId xmlns:a16="http://schemas.microsoft.com/office/drawing/2014/main" id="{14A4359E-FC68-0345-8AE4-E5E26551C505}"/>
+              </a:ext>
+            </a:extLst>
+          </p:cNvPr>
+          <p:cNvSpPr txBox="1"/>
+          <p:nvPr/>
+        </p:nvSpPr>
+        <p:spPr>
+          <a:xfrm>
+            <a:off x="5917625" y="796345"/>
+            <a:ext cx="1843758" cy="276999"/>
+          </a:xfrm>
+          <a:prstGeom prst="rect">
+            <a:avLst/>
+          </a:prstGeom>
+          <a:noFill/>
+        </p:spPr>
+        <p:txBody>
+          <a:bodyPr wrap="square" rtlCol="0">
+            <a:spAutoFit/>
+          </a:bodyPr>
+          <a:lstStyle/>
+          <a:p>
+            <a:r>
+              <a:rPr kumimoji="1" lang="en-US" altLang="ko-Kore-KR" sz="1200" b="1" dirty="0">
+                <a:solidFill>
+                  <a:srgbClr val="5DA2C5"/>
+                </a:solidFill>
+                <a:latin typeface="SHeadG" panose="02030600000101010101" pitchFamily="18" charset="-127"/>
+                <a:ea typeface="SHeadG" panose="02030600000101010101" pitchFamily="18" charset="-127"/>
+              </a:rPr>
+              <a:t>adapter</a:t>
+            </a:r>
+            <a:endParaRPr kumimoji="1" lang="ko-Kore-KR" altLang="en-US" sz="1200" b="1" dirty="0">
+              <a:solidFill>
+                <a:srgbClr val="5DA2C5"/>
+              </a:solidFill>
+              <a:latin typeface="SHeadG" panose="02030600000101010101" pitchFamily="18" charset="-127"/>
+              <a:ea typeface="SHeadG" panose="02030600000101010101" pitchFamily="18" charset="-127"/>
+            </a:endParaRPr>
+          </a:p>
+        </p:txBody>
+      </p:sp>
+      <p:grpSp>
+        <p:nvGrpSpPr>
+          <p:cNvPr id="284" name="그룹 283">
+            <a:extLst>
+              <a:ext uri="{FF2B5EF4-FFF2-40B4-BE49-F238E27FC236}">
+                <a16:creationId xmlns:a16="http://schemas.microsoft.com/office/drawing/2014/main" id="{FED83897-04CD-BD4B-A17E-B55D54A5F672}"/>
+              </a:ext>
+            </a:extLst>
+          </p:cNvPr>
+          <p:cNvGrpSpPr/>
+          <p:nvPr/>
+        </p:nvGrpSpPr>
+        <p:grpSpPr>
+          <a:xfrm>
+            <a:off x="5722533" y="851170"/>
+            <a:ext cx="235945" cy="211157"/>
+            <a:chOff x="1294213" y="3684223"/>
+            <a:chExt cx="235945" cy="211157"/>
+          </a:xfrm>
+        </p:grpSpPr>
+        <p:cxnSp>
+          <p:nvCxnSpPr>
+            <p:cNvPr id="285" name="직선 연결선[R] 284">
+              <a:extLst>
+                <a:ext uri="{FF2B5EF4-FFF2-40B4-BE49-F238E27FC236}">
+                  <a16:creationId xmlns:a16="http://schemas.microsoft.com/office/drawing/2014/main" id="{BB152189-1F85-1C47-9140-66C7B5440FDE}"/>
+                </a:ext>
+              </a:extLst>
+            </p:cNvPr>
+            <p:cNvCxnSpPr>
+              <a:cxnSpLocks/>
+            </p:cNvCxnSpPr>
+            <p:nvPr/>
+          </p:nvCxnSpPr>
+          <p:spPr>
+            <a:xfrm>
+              <a:off x="1294213" y="3789802"/>
+              <a:ext cx="235945" cy="1"/>
+            </a:xfrm>
+            <a:prstGeom prst="line">
+              <a:avLst/>
+            </a:prstGeom>
+            <a:ln w="25400">
+              <a:solidFill>
+                <a:srgbClr val="5DA2C5"/>
+              </a:solidFill>
+            </a:ln>
+          </p:spPr>
+          <p:style>
+            <a:lnRef idx="1">
+              <a:schemeClr val="accent1"/>
+            </a:lnRef>
+            <a:fillRef idx="0">
+              <a:schemeClr val="accent1"/>
+            </a:fillRef>
+            <a:effectRef idx="0">
+              <a:schemeClr val="accent1"/>
+            </a:effectRef>
+            <a:fontRef idx="minor">
+              <a:schemeClr val="tx1"/>
+            </a:fontRef>
+          </p:style>
+        </p:cxnSp>
+        <p:cxnSp>
+          <p:nvCxnSpPr>
+            <p:cNvPr id="286" name="직선 연결선[R] 285">
+              <a:extLst>
+                <a:ext uri="{FF2B5EF4-FFF2-40B4-BE49-F238E27FC236}">
+                  <a16:creationId xmlns:a16="http://schemas.microsoft.com/office/drawing/2014/main" id="{2F29D7B5-7F3A-984E-B81A-74F081DAE27D}"/>
+                </a:ext>
+              </a:extLst>
+            </p:cNvPr>
+            <p:cNvCxnSpPr>
+              <a:cxnSpLocks/>
+            </p:cNvCxnSpPr>
+            <p:nvPr/>
+          </p:nvCxnSpPr>
+          <p:spPr>
+            <a:xfrm>
+              <a:off x="1297616" y="3684223"/>
+              <a:ext cx="0" cy="211157"/>
+            </a:xfrm>
+            <a:prstGeom prst="line">
+              <a:avLst/>
+            </a:prstGeom>
+            <a:ln w="25400">
+              <a:solidFill>
+                <a:srgbClr val="5DA2C5"/>
+              </a:solidFill>
+            </a:ln>
+          </p:spPr>
+          <p:style>
+            <a:lnRef idx="1">
+              <a:schemeClr val="accent1"/>
+            </a:lnRef>
+            <a:fillRef idx="0">
+              <a:schemeClr val="accent1"/>
+            </a:fillRef>
+            <a:effectRef idx="0">
+              <a:schemeClr val="accent1"/>
+            </a:effectRef>
+            <a:fontRef idx="minor">
+              <a:schemeClr val="tx1"/>
+            </a:fontRef>
+          </p:style>
+        </p:cxnSp>
+      </p:grpSp>
+      <p:sp>
+        <p:nvSpPr>
+          <p:cNvPr id="315" name="TextBox 314">
+            <a:extLst>
+              <a:ext uri="{FF2B5EF4-FFF2-40B4-BE49-F238E27FC236}">
+                <a16:creationId xmlns:a16="http://schemas.microsoft.com/office/drawing/2014/main" id="{1CF78A7C-1A7E-EF4B-BFE3-C2FFE907835A}"/>
+              </a:ext>
+            </a:extLst>
+          </p:cNvPr>
+          <p:cNvSpPr txBox="1"/>
+          <p:nvPr/>
+        </p:nvSpPr>
+        <p:spPr>
+          <a:xfrm>
+            <a:off x="6334048" y="1082016"/>
+            <a:ext cx="1843758" cy="276999"/>
+          </a:xfrm>
+          <a:prstGeom prst="rect">
+            <a:avLst/>
+          </a:prstGeom>
+          <a:noFill/>
+        </p:spPr>
+        <p:txBody>
+          <a:bodyPr wrap="square" rtlCol="0">
+            <a:spAutoFit/>
+          </a:bodyPr>
+          <a:lstStyle/>
+          <a:p>
+            <a:r>
+              <a:rPr kumimoji="1" lang="en-US" altLang="ko-Kore-KR" sz="1200" b="1" dirty="0">
+                <a:solidFill>
+                  <a:srgbClr val="5DA2C5"/>
+                </a:solidFill>
+                <a:latin typeface="SHeadG" panose="02030600000101010101" pitchFamily="18" charset="-127"/>
+                <a:ea typeface="SHeadG" panose="02030600000101010101" pitchFamily="18" charset="-127"/>
+              </a:rPr>
+              <a:t>in</a:t>
+            </a:r>
+            <a:endParaRPr kumimoji="1" lang="ko-Kore-KR" altLang="en-US" sz="1200" b="1" dirty="0">
+              <a:solidFill>
+                <a:srgbClr val="5DA2C5"/>
+              </a:solidFill>
+              <a:latin typeface="SHeadG" panose="02030600000101010101" pitchFamily="18" charset="-127"/>
+              <a:ea typeface="SHeadG" panose="02030600000101010101" pitchFamily="18" charset="-127"/>
+            </a:endParaRPr>
+          </a:p>
+        </p:txBody>
+      </p:sp>
+      <p:sp>
+        <p:nvSpPr>
+          <p:cNvPr id="316" name="TextBox 315">
+            <a:extLst>
+              <a:ext uri="{FF2B5EF4-FFF2-40B4-BE49-F238E27FC236}">
+                <a16:creationId xmlns:a16="http://schemas.microsoft.com/office/drawing/2014/main" id="{7D0AB969-FE59-854D-BF20-68C99F1C794E}"/>
+              </a:ext>
+            </a:extLst>
+          </p:cNvPr>
+          <p:cNvSpPr txBox="1"/>
+          <p:nvPr/>
+        </p:nvSpPr>
+        <p:spPr>
+          <a:xfrm>
+            <a:off x="6733303" y="1355301"/>
+            <a:ext cx="1843758" cy="276999"/>
+          </a:xfrm>
+          <a:prstGeom prst="rect">
+            <a:avLst/>
+          </a:prstGeom>
+          <a:noFill/>
+        </p:spPr>
+        <p:txBody>
+          <a:bodyPr wrap="square" rtlCol="0">
+            <a:spAutoFit/>
+          </a:bodyPr>
+          <a:lstStyle/>
+          <a:p>
+            <a:r>
+              <a:rPr kumimoji="1" lang="en-US" altLang="ko-Kore-KR" sz="1200" b="1" dirty="0">
+                <a:solidFill>
+                  <a:srgbClr val="5DA2C5"/>
+                </a:solidFill>
+                <a:latin typeface="SHeadG" panose="02030600000101010101" pitchFamily="18" charset="-127"/>
+                <a:ea typeface="SHeadG" panose="02030600000101010101" pitchFamily="18" charset="-127"/>
+              </a:rPr>
+              <a:t>web</a:t>
+            </a:r>
+            <a:endParaRPr kumimoji="1" lang="ko-Kore-KR" altLang="en-US" sz="1200" b="1" dirty="0">
+              <a:solidFill>
+                <a:srgbClr val="5DA2C5"/>
+              </a:solidFill>
+              <a:latin typeface="SHeadG" panose="02030600000101010101" pitchFamily="18" charset="-127"/>
+              <a:ea typeface="SHeadG" panose="02030600000101010101" pitchFamily="18" charset="-127"/>
+            </a:endParaRPr>
+          </a:p>
+        </p:txBody>
+      </p:sp>
+      <p:sp>
+        <p:nvSpPr>
+          <p:cNvPr id="317" name="TextBox 316">
+            <a:extLst>
+              <a:ext uri="{FF2B5EF4-FFF2-40B4-BE49-F238E27FC236}">
+                <a16:creationId xmlns:a16="http://schemas.microsoft.com/office/drawing/2014/main" id="{053BF9D3-95A3-4048-8CF3-BEA50248F23A}"/>
+              </a:ext>
+            </a:extLst>
+          </p:cNvPr>
+          <p:cNvSpPr txBox="1"/>
+          <p:nvPr/>
+        </p:nvSpPr>
+        <p:spPr>
+          <a:xfrm>
+            <a:off x="7255927" y="1640972"/>
+            <a:ext cx="1843758" cy="276999"/>
+          </a:xfrm>
+          <a:prstGeom prst="rect">
+            <a:avLst/>
+          </a:prstGeom>
+          <a:noFill/>
+        </p:spPr>
+        <p:txBody>
+          <a:bodyPr wrap="square" rtlCol="0">
+            <a:spAutoFit/>
+          </a:bodyPr>
+          <a:lstStyle/>
+          <a:p>
+            <a:r>
+              <a:rPr kumimoji="1" lang="en-US" altLang="ko-Kore-KR" sz="1200" b="1" dirty="0" err="1">
+                <a:solidFill>
+                  <a:srgbClr val="5DA2C5"/>
+                </a:solidFill>
+                <a:latin typeface="SHeadG" panose="02030600000101010101" pitchFamily="18" charset="-127"/>
+                <a:ea typeface="SHeadG" panose="02030600000101010101" pitchFamily="18" charset="-127"/>
+              </a:rPr>
+              <a:t>AccountController</a:t>
+            </a:r>
+            <a:endParaRPr kumimoji="1" lang="ko-Kore-KR" altLang="en-US" sz="1200" b="1" dirty="0">
+              <a:solidFill>
+                <a:srgbClr val="5DA2C5"/>
+              </a:solidFill>
+              <a:latin typeface="SHeadG" panose="02030600000101010101" pitchFamily="18" charset="-127"/>
+              <a:ea typeface="SHeadG" panose="02030600000101010101" pitchFamily="18" charset="-127"/>
+            </a:endParaRPr>
+          </a:p>
+        </p:txBody>
+      </p:sp>
+      <p:grpSp>
+        <p:nvGrpSpPr>
+          <p:cNvPr id="318" name="그룹 317">
+            <a:extLst>
+              <a:ext uri="{FF2B5EF4-FFF2-40B4-BE49-F238E27FC236}">
+                <a16:creationId xmlns:a16="http://schemas.microsoft.com/office/drawing/2014/main" id="{0A359B45-A0F3-F245-95BD-C97E3EF3C19A}"/>
+              </a:ext>
+            </a:extLst>
+          </p:cNvPr>
+          <p:cNvGrpSpPr/>
+          <p:nvPr/>
+        </p:nvGrpSpPr>
+        <p:grpSpPr>
+          <a:xfrm>
+            <a:off x="6490530" y="1396693"/>
+            <a:ext cx="235945" cy="105580"/>
+            <a:chOff x="1324234" y="3547227"/>
+            <a:chExt cx="235945" cy="105580"/>
+          </a:xfrm>
+        </p:grpSpPr>
+        <p:cxnSp>
+          <p:nvCxnSpPr>
+            <p:cNvPr id="319" name="직선 연결선[R] 318">
+              <a:extLst>
+                <a:ext uri="{FF2B5EF4-FFF2-40B4-BE49-F238E27FC236}">
+                  <a16:creationId xmlns:a16="http://schemas.microsoft.com/office/drawing/2014/main" id="{BB29B363-2EF9-E34C-BF84-64EC49188E1F}"/>
+                </a:ext>
+              </a:extLst>
+            </p:cNvPr>
+            <p:cNvCxnSpPr>
+              <a:cxnSpLocks/>
+            </p:cNvCxnSpPr>
+            <p:nvPr/>
+          </p:nvCxnSpPr>
+          <p:spPr>
+            <a:xfrm>
+              <a:off x="1324234" y="3652806"/>
+              <a:ext cx="235945" cy="1"/>
+            </a:xfrm>
+            <a:prstGeom prst="line">
+              <a:avLst/>
+            </a:prstGeom>
+            <a:ln w="25400">
+              <a:solidFill>
+                <a:srgbClr val="5DA2C5"/>
+              </a:solidFill>
+            </a:ln>
+          </p:spPr>
+          <p:style>
+            <a:lnRef idx="1">
+              <a:schemeClr val="accent1"/>
+            </a:lnRef>
+            <a:fillRef idx="0">
+              <a:schemeClr val="accent1"/>
+            </a:fillRef>
+            <a:effectRef idx="0">
+              <a:schemeClr val="accent1"/>
+            </a:effectRef>
+            <a:fontRef idx="minor">
+              <a:schemeClr val="tx1"/>
+            </a:fontRef>
+          </p:style>
+        </p:cxnSp>
+        <p:cxnSp>
+          <p:nvCxnSpPr>
+            <p:cNvPr id="320" name="직선 연결선[R] 319">
+              <a:extLst>
+                <a:ext uri="{FF2B5EF4-FFF2-40B4-BE49-F238E27FC236}">
+                  <a16:creationId xmlns:a16="http://schemas.microsoft.com/office/drawing/2014/main" id="{2CBF650E-F8D1-5545-BC18-273C4E048D58}"/>
+                </a:ext>
+              </a:extLst>
+            </p:cNvPr>
+            <p:cNvCxnSpPr>
+              <a:cxnSpLocks/>
+            </p:cNvCxnSpPr>
+            <p:nvPr/>
+          </p:nvCxnSpPr>
+          <p:spPr>
+            <a:xfrm>
+              <a:off x="1327637" y="3547227"/>
+              <a:ext cx="0" cy="105579"/>
+            </a:xfrm>
+            <a:prstGeom prst="line">
+              <a:avLst/>
+            </a:prstGeom>
+            <a:ln w="25400">
+              <a:solidFill>
+                <a:srgbClr val="5DA2C5"/>
+              </a:solidFill>
+            </a:ln>
+          </p:spPr>
+          <p:style>
+            <a:lnRef idx="1">
+              <a:schemeClr val="accent1"/>
+            </a:lnRef>
+            <a:fillRef idx="0">
+              <a:schemeClr val="accent1"/>
+            </a:fillRef>
+            <a:effectRef idx="0">
+              <a:schemeClr val="accent1"/>
+            </a:effectRef>
+            <a:fontRef idx="minor">
+              <a:schemeClr val="tx1"/>
+            </a:fontRef>
+          </p:style>
+        </p:cxnSp>
+      </p:grpSp>
+      <p:grpSp>
+        <p:nvGrpSpPr>
+          <p:cNvPr id="324" name="그룹 323">
+            <a:extLst>
+              <a:ext uri="{FF2B5EF4-FFF2-40B4-BE49-F238E27FC236}">
+                <a16:creationId xmlns:a16="http://schemas.microsoft.com/office/drawing/2014/main" id="{0E867F64-4D45-D745-9F6E-F51CB20ADF2B}"/>
+              </a:ext>
+            </a:extLst>
+          </p:cNvPr>
+          <p:cNvGrpSpPr/>
+          <p:nvPr/>
+        </p:nvGrpSpPr>
+        <p:grpSpPr>
+          <a:xfrm>
+            <a:off x="7019982" y="1714295"/>
+            <a:ext cx="235945" cy="105580"/>
+            <a:chOff x="1324234" y="3547227"/>
+            <a:chExt cx="235945" cy="105580"/>
+          </a:xfrm>
+        </p:grpSpPr>
+        <p:cxnSp>
+          <p:nvCxnSpPr>
+            <p:cNvPr id="325" name="직선 연결선[R] 324">
+              <a:extLst>
+                <a:ext uri="{FF2B5EF4-FFF2-40B4-BE49-F238E27FC236}">
+                  <a16:creationId xmlns:a16="http://schemas.microsoft.com/office/drawing/2014/main" id="{04A73A9F-5414-174D-9A41-DB8681C5720E}"/>
+                </a:ext>
+              </a:extLst>
+            </p:cNvPr>
+            <p:cNvCxnSpPr>
+              <a:cxnSpLocks/>
+            </p:cNvCxnSpPr>
+            <p:nvPr/>
+          </p:nvCxnSpPr>
+          <p:spPr>
+            <a:xfrm>
+              <a:off x="1324234" y="3652806"/>
+              <a:ext cx="235945" cy="1"/>
+            </a:xfrm>
+            <a:prstGeom prst="line">
+              <a:avLst/>
+            </a:prstGeom>
+            <a:ln w="25400">
+              <a:solidFill>
+                <a:srgbClr val="5DA2C5"/>
+              </a:solidFill>
+            </a:ln>
+          </p:spPr>
+          <p:style>
+            <a:lnRef idx="1">
+              <a:schemeClr val="accent1"/>
+            </a:lnRef>
+            <a:fillRef idx="0">
+              <a:schemeClr val="accent1"/>
+            </a:fillRef>
+            <a:effectRef idx="0">
+              <a:schemeClr val="accent1"/>
+            </a:effectRef>
+            <a:fontRef idx="minor">
+              <a:schemeClr val="tx1"/>
+            </a:fontRef>
+          </p:style>
+        </p:cxnSp>
+        <p:cxnSp>
+          <p:nvCxnSpPr>
+            <p:cNvPr id="326" name="직선 연결선[R] 325">
+              <a:extLst>
+                <a:ext uri="{FF2B5EF4-FFF2-40B4-BE49-F238E27FC236}">
+                  <a16:creationId xmlns:a16="http://schemas.microsoft.com/office/drawing/2014/main" id="{644BAD74-6C2B-F044-807A-BE49A6EA5E41}"/>
+                </a:ext>
+              </a:extLst>
+            </p:cNvPr>
+            <p:cNvCxnSpPr>
+              <a:cxnSpLocks/>
+            </p:cNvCxnSpPr>
+            <p:nvPr/>
+          </p:nvCxnSpPr>
+          <p:spPr>
+            <a:xfrm>
+              <a:off x="1327637" y="3547227"/>
+              <a:ext cx="0" cy="105579"/>
+            </a:xfrm>
+            <a:prstGeom prst="line">
+              <a:avLst/>
+            </a:prstGeom>
+            <a:ln w="25400">
+              <a:solidFill>
+                <a:srgbClr val="5DA2C5"/>
+              </a:solidFill>
+            </a:ln>
+          </p:spPr>
+          <p:style>
+            <a:lnRef idx="1">
+              <a:schemeClr val="accent1"/>
+            </a:lnRef>
+            <a:fillRef idx="0">
+              <a:schemeClr val="accent1"/>
+            </a:fillRef>
+            <a:effectRef idx="0">
+              <a:schemeClr val="accent1"/>
+            </a:effectRef>
+            <a:fontRef idx="minor">
+              <a:schemeClr val="tx1"/>
+            </a:fontRef>
+          </p:style>
+        </p:cxnSp>
+      </p:grpSp>
+      <p:sp>
+        <p:nvSpPr>
+          <p:cNvPr id="327" name="TextBox 326">
+            <a:extLst>
+              <a:ext uri="{FF2B5EF4-FFF2-40B4-BE49-F238E27FC236}">
+                <a16:creationId xmlns:a16="http://schemas.microsoft.com/office/drawing/2014/main" id="{59415F8D-D47E-A041-ADF7-01652436FB3E}"/>
+              </a:ext>
+            </a:extLst>
+          </p:cNvPr>
+          <p:cNvSpPr txBox="1"/>
+          <p:nvPr/>
+        </p:nvSpPr>
+        <p:spPr>
+          <a:xfrm>
+            <a:off x="6334048" y="1976293"/>
+            <a:ext cx="1843758" cy="276999"/>
+          </a:xfrm>
+          <a:prstGeom prst="rect">
+            <a:avLst/>
+          </a:prstGeom>
+          <a:noFill/>
+        </p:spPr>
+        <p:txBody>
+          <a:bodyPr wrap="square" rtlCol="0">
+            <a:spAutoFit/>
+          </a:bodyPr>
+          <a:lstStyle/>
+          <a:p>
+            <a:r>
+              <a:rPr kumimoji="1" lang="en-US" altLang="ko-Kore-KR" sz="1200" b="1" dirty="0">
+                <a:solidFill>
+                  <a:srgbClr val="5DA2C5"/>
+                </a:solidFill>
+                <a:latin typeface="SHeadG" panose="02030600000101010101" pitchFamily="18" charset="-127"/>
+                <a:ea typeface="SHeadG" panose="02030600000101010101" pitchFamily="18" charset="-127"/>
+              </a:rPr>
+              <a:t>out</a:t>
+            </a:r>
+            <a:endParaRPr kumimoji="1" lang="ko-Kore-KR" altLang="en-US" sz="1200" b="1" dirty="0">
+              <a:solidFill>
+                <a:srgbClr val="5DA2C5"/>
+              </a:solidFill>
+              <a:latin typeface="SHeadG" panose="02030600000101010101" pitchFamily="18" charset="-127"/>
+              <a:ea typeface="SHeadG" panose="02030600000101010101" pitchFamily="18" charset="-127"/>
+            </a:endParaRPr>
+          </a:p>
+        </p:txBody>
+      </p:sp>
+      <p:sp>
+        <p:nvSpPr>
+          <p:cNvPr id="328" name="TextBox 327">
+            <a:extLst>
+              <a:ext uri="{FF2B5EF4-FFF2-40B4-BE49-F238E27FC236}">
+                <a16:creationId xmlns:a16="http://schemas.microsoft.com/office/drawing/2014/main" id="{D67E1033-0F5F-5B42-9CC3-785C6AE07E5B}"/>
+              </a:ext>
+            </a:extLst>
+          </p:cNvPr>
+          <p:cNvSpPr txBox="1"/>
+          <p:nvPr/>
+        </p:nvSpPr>
+        <p:spPr>
+          <a:xfrm>
+            <a:off x="6733303" y="2275998"/>
+            <a:ext cx="1843758" cy="276999"/>
+          </a:xfrm>
+          <a:prstGeom prst="rect">
+            <a:avLst/>
+          </a:prstGeom>
+          <a:noFill/>
+        </p:spPr>
+        <p:txBody>
+          <a:bodyPr wrap="square" rtlCol="0">
+            <a:spAutoFit/>
+          </a:bodyPr>
+          <a:lstStyle/>
+          <a:p>
+            <a:r>
+              <a:rPr kumimoji="1" lang="en-US" altLang="ko-Kore-KR" sz="1200" b="1" dirty="0">
+                <a:solidFill>
+                  <a:srgbClr val="5DA2C5"/>
+                </a:solidFill>
+                <a:latin typeface="SHeadG" panose="02030600000101010101" pitchFamily="18" charset="-127"/>
+                <a:ea typeface="SHeadG" panose="02030600000101010101" pitchFamily="18" charset="-127"/>
+              </a:rPr>
+              <a:t>persistence</a:t>
+            </a:r>
+            <a:endParaRPr kumimoji="1" lang="ko-Kore-KR" altLang="en-US" sz="1200" b="1" dirty="0">
+              <a:solidFill>
+                <a:srgbClr val="5DA2C5"/>
+              </a:solidFill>
+              <a:latin typeface="SHeadG" panose="02030600000101010101" pitchFamily="18" charset="-127"/>
+              <a:ea typeface="SHeadG" panose="02030600000101010101" pitchFamily="18" charset="-127"/>
+            </a:endParaRPr>
+          </a:p>
+        </p:txBody>
+      </p:sp>
+      <p:sp>
+        <p:nvSpPr>
+          <p:cNvPr id="329" name="TextBox 328">
+            <a:extLst>
+              <a:ext uri="{FF2B5EF4-FFF2-40B4-BE49-F238E27FC236}">
+                <a16:creationId xmlns:a16="http://schemas.microsoft.com/office/drawing/2014/main" id="{214FFBBF-20BD-CC4B-9EED-D8F0E9F011D4}"/>
+              </a:ext>
+            </a:extLst>
+          </p:cNvPr>
+          <p:cNvSpPr txBox="1"/>
+          <p:nvPr/>
+        </p:nvSpPr>
+        <p:spPr>
+          <a:xfrm>
+            <a:off x="7255926" y="2561669"/>
+            <a:ext cx="2879587" cy="276999"/>
+          </a:xfrm>
+          <a:prstGeom prst="rect">
+            <a:avLst/>
+          </a:prstGeom>
+          <a:noFill/>
+        </p:spPr>
+        <p:txBody>
+          <a:bodyPr wrap="square" rtlCol="0">
+            <a:spAutoFit/>
+          </a:bodyPr>
+          <a:lstStyle/>
+          <a:p>
+            <a:r>
+              <a:rPr kumimoji="1" lang="en-US" altLang="ko-Kore-KR" sz="1200" b="1" dirty="0" err="1">
+                <a:solidFill>
+                  <a:srgbClr val="5DA2C5"/>
+                </a:solidFill>
+                <a:latin typeface="SHeadG" panose="02030600000101010101" pitchFamily="18" charset="-127"/>
+                <a:ea typeface="SHeadG" panose="02030600000101010101" pitchFamily="18" charset="-127"/>
+              </a:rPr>
+              <a:t>AccountPersistenceAdapter</a:t>
+            </a:r>
+            <a:endParaRPr kumimoji="1" lang="ko-Kore-KR" altLang="en-US" sz="1200" b="1" dirty="0">
+              <a:solidFill>
+                <a:srgbClr val="5DA2C5"/>
+              </a:solidFill>
+              <a:latin typeface="SHeadG" panose="02030600000101010101" pitchFamily="18" charset="-127"/>
+              <a:ea typeface="SHeadG" panose="02030600000101010101" pitchFamily="18" charset="-127"/>
+            </a:endParaRPr>
+          </a:p>
+        </p:txBody>
+      </p:sp>
+      <p:grpSp>
+        <p:nvGrpSpPr>
+          <p:cNvPr id="330" name="그룹 329">
+            <a:extLst>
+              <a:ext uri="{FF2B5EF4-FFF2-40B4-BE49-F238E27FC236}">
+                <a16:creationId xmlns:a16="http://schemas.microsoft.com/office/drawing/2014/main" id="{D6E4B3D9-6010-2D48-9D19-17383CAC5DCC}"/>
+              </a:ext>
+            </a:extLst>
+          </p:cNvPr>
+          <p:cNvGrpSpPr/>
+          <p:nvPr/>
+        </p:nvGrpSpPr>
+        <p:grpSpPr>
+          <a:xfrm>
+            <a:off x="6490530" y="2317390"/>
+            <a:ext cx="235945" cy="105580"/>
+            <a:chOff x="1324234" y="3547227"/>
+            <a:chExt cx="235945" cy="105580"/>
+          </a:xfrm>
+        </p:grpSpPr>
+        <p:cxnSp>
+          <p:nvCxnSpPr>
+            <p:cNvPr id="331" name="직선 연결선[R] 330">
+              <a:extLst>
+                <a:ext uri="{FF2B5EF4-FFF2-40B4-BE49-F238E27FC236}">
+                  <a16:creationId xmlns:a16="http://schemas.microsoft.com/office/drawing/2014/main" id="{BACFA7F6-D7B0-CA4F-8652-52EB0DC19AE0}"/>
+                </a:ext>
+              </a:extLst>
+            </p:cNvPr>
+            <p:cNvCxnSpPr>
+              <a:cxnSpLocks/>
+            </p:cNvCxnSpPr>
+            <p:nvPr/>
+          </p:nvCxnSpPr>
+          <p:spPr>
+            <a:xfrm>
+              <a:off x="1324234" y="3652806"/>
+              <a:ext cx="235945" cy="1"/>
+            </a:xfrm>
+            <a:prstGeom prst="line">
+              <a:avLst/>
+            </a:prstGeom>
+            <a:ln w="25400">
+              <a:solidFill>
+                <a:srgbClr val="5DA2C5"/>
+              </a:solidFill>
+            </a:ln>
+          </p:spPr>
+          <p:style>
+            <a:lnRef idx="1">
+              <a:schemeClr val="accent1"/>
+            </a:lnRef>
+            <a:fillRef idx="0">
+              <a:schemeClr val="accent1"/>
+            </a:fillRef>
+            <a:effectRef idx="0">
+              <a:schemeClr val="accent1"/>
+            </a:effectRef>
+            <a:fontRef idx="minor">
+              <a:schemeClr val="tx1"/>
+            </a:fontRef>
+          </p:style>
+        </p:cxnSp>
+        <p:cxnSp>
+          <p:nvCxnSpPr>
+            <p:cNvPr id="332" name="직선 연결선[R] 331">
+              <a:extLst>
+                <a:ext uri="{FF2B5EF4-FFF2-40B4-BE49-F238E27FC236}">
+                  <a16:creationId xmlns:a16="http://schemas.microsoft.com/office/drawing/2014/main" id="{600BDD09-A085-E94A-994A-F5AF651BF5F4}"/>
+                </a:ext>
+              </a:extLst>
+            </p:cNvPr>
+            <p:cNvCxnSpPr>
+              <a:cxnSpLocks/>
+            </p:cNvCxnSpPr>
+            <p:nvPr/>
+          </p:nvCxnSpPr>
+          <p:spPr>
+            <a:xfrm>
+              <a:off x="1327637" y="3547227"/>
+              <a:ext cx="0" cy="105579"/>
+            </a:xfrm>
+            <a:prstGeom prst="line">
+              <a:avLst/>
+            </a:prstGeom>
+            <a:ln w="25400">
+              <a:solidFill>
+                <a:srgbClr val="5DA2C5"/>
+              </a:solidFill>
+            </a:ln>
+          </p:spPr>
+          <p:style>
+            <a:lnRef idx="1">
+              <a:schemeClr val="accent1"/>
+            </a:lnRef>
+            <a:fillRef idx="0">
+              <a:schemeClr val="accent1"/>
+            </a:fillRef>
+            <a:effectRef idx="0">
+              <a:schemeClr val="accent1"/>
+            </a:effectRef>
+            <a:fontRef idx="minor">
+              <a:schemeClr val="tx1"/>
+            </a:fontRef>
+          </p:style>
+        </p:cxnSp>
+      </p:grpSp>
+      <p:sp>
+        <p:nvSpPr>
+          <p:cNvPr id="336" name="TextBox 335">
+            <a:extLst>
+              <a:ext uri="{FF2B5EF4-FFF2-40B4-BE49-F238E27FC236}">
+                <a16:creationId xmlns:a16="http://schemas.microsoft.com/office/drawing/2014/main" id="{11144AE4-26CD-724F-A9F5-D4D630F1980B}"/>
+              </a:ext>
+            </a:extLst>
+          </p:cNvPr>
+          <p:cNvSpPr txBox="1"/>
+          <p:nvPr/>
+        </p:nvSpPr>
+        <p:spPr>
+          <a:xfrm>
+            <a:off x="7255926" y="2854989"/>
+            <a:ext cx="2879587" cy="276999"/>
+          </a:xfrm>
+          <a:prstGeom prst="rect">
+            <a:avLst/>
+          </a:prstGeom>
+          <a:noFill/>
+        </p:spPr>
+        <p:txBody>
+          <a:bodyPr wrap="square" rtlCol="0">
+            <a:spAutoFit/>
+          </a:bodyPr>
+          <a:lstStyle/>
+          <a:p>
+            <a:r>
+              <a:rPr kumimoji="1" lang="en-US" altLang="ko-Kore-KR" sz="1200" b="1" dirty="0" err="1">
+                <a:solidFill>
+                  <a:srgbClr val="5DA2C5"/>
+                </a:solidFill>
+                <a:latin typeface="SHeadG" panose="02030600000101010101" pitchFamily="18" charset="-127"/>
+                <a:ea typeface="SHeadG" panose="02030600000101010101" pitchFamily="18" charset="-127"/>
+              </a:rPr>
+              <a:t>SpringDataAccountRepository</a:t>
+            </a:r>
+            <a:endParaRPr kumimoji="1" lang="ko-Kore-KR" altLang="en-US" sz="1200" b="1" dirty="0">
+              <a:solidFill>
+                <a:srgbClr val="5DA2C5"/>
+              </a:solidFill>
+              <a:latin typeface="SHeadG" panose="02030600000101010101" pitchFamily="18" charset="-127"/>
+              <a:ea typeface="SHeadG" panose="02030600000101010101" pitchFamily="18" charset="-127"/>
+            </a:endParaRPr>
+          </a:p>
+        </p:txBody>
+      </p:sp>
+      <p:grpSp>
+        <p:nvGrpSpPr>
+          <p:cNvPr id="337" name="그룹 336">
+            <a:extLst>
+              <a:ext uri="{FF2B5EF4-FFF2-40B4-BE49-F238E27FC236}">
+                <a16:creationId xmlns:a16="http://schemas.microsoft.com/office/drawing/2014/main" id="{6A01B698-6C3B-4942-AF8B-0E53E41DD650}"/>
+              </a:ext>
+            </a:extLst>
+          </p:cNvPr>
+          <p:cNvGrpSpPr/>
+          <p:nvPr/>
+        </p:nvGrpSpPr>
+        <p:grpSpPr>
+          <a:xfrm>
+            <a:off x="7019982" y="2928312"/>
+            <a:ext cx="235945" cy="105580"/>
+            <a:chOff x="1324234" y="3547227"/>
+            <a:chExt cx="235945" cy="105580"/>
+          </a:xfrm>
+        </p:grpSpPr>
+        <p:cxnSp>
+          <p:nvCxnSpPr>
+            <p:cNvPr id="338" name="직선 연결선[R] 337">
+              <a:extLst>
+                <a:ext uri="{FF2B5EF4-FFF2-40B4-BE49-F238E27FC236}">
+                  <a16:creationId xmlns:a16="http://schemas.microsoft.com/office/drawing/2014/main" id="{F899BD33-5C27-8D4E-B2EF-8C9D377689F0}"/>
+                </a:ext>
+              </a:extLst>
+            </p:cNvPr>
+            <p:cNvCxnSpPr>
+              <a:cxnSpLocks/>
+            </p:cNvCxnSpPr>
+            <p:nvPr/>
+          </p:nvCxnSpPr>
+          <p:spPr>
+            <a:xfrm>
+              <a:off x="1324234" y="3652806"/>
+              <a:ext cx="235945" cy="1"/>
+            </a:xfrm>
+            <a:prstGeom prst="line">
+              <a:avLst/>
+            </a:prstGeom>
+            <a:ln w="25400">
+              <a:solidFill>
+                <a:srgbClr val="5DA2C5"/>
+              </a:solidFill>
+            </a:ln>
+          </p:spPr>
+          <p:style>
+            <a:lnRef idx="1">
+              <a:schemeClr val="accent1"/>
+            </a:lnRef>
+            <a:fillRef idx="0">
+              <a:schemeClr val="accent1"/>
+            </a:fillRef>
+            <a:effectRef idx="0">
+              <a:schemeClr val="accent1"/>
+            </a:effectRef>
+            <a:fontRef idx="minor">
+              <a:schemeClr val="tx1"/>
+            </a:fontRef>
+          </p:style>
+        </p:cxnSp>
+        <p:cxnSp>
+          <p:nvCxnSpPr>
+            <p:cNvPr id="339" name="직선 연결선[R] 338">
+              <a:extLst>
+                <a:ext uri="{FF2B5EF4-FFF2-40B4-BE49-F238E27FC236}">
+                  <a16:creationId xmlns:a16="http://schemas.microsoft.com/office/drawing/2014/main" id="{F56D9523-DA9D-414C-BE60-8873E04E0074}"/>
+                </a:ext>
+              </a:extLst>
+            </p:cNvPr>
+            <p:cNvCxnSpPr>
+              <a:cxnSpLocks/>
+            </p:cNvCxnSpPr>
+            <p:nvPr/>
+          </p:nvCxnSpPr>
+          <p:spPr>
+            <a:xfrm>
+              <a:off x="1327637" y="3547227"/>
+              <a:ext cx="0" cy="105579"/>
+            </a:xfrm>
+            <a:prstGeom prst="line">
+              <a:avLst/>
+            </a:prstGeom>
+            <a:ln w="25400">
+              <a:solidFill>
+                <a:srgbClr val="5DA2C5"/>
+              </a:solidFill>
+            </a:ln>
+          </p:spPr>
+          <p:style>
+            <a:lnRef idx="1">
+              <a:schemeClr val="accent1"/>
+            </a:lnRef>
+            <a:fillRef idx="0">
+              <a:schemeClr val="accent1"/>
+            </a:fillRef>
+            <a:effectRef idx="0">
+              <a:schemeClr val="accent1"/>
+            </a:effectRef>
+            <a:fontRef idx="minor">
+              <a:schemeClr val="tx1"/>
+            </a:fontRef>
+          </p:style>
+        </p:cxnSp>
+      </p:grpSp>
+      <p:grpSp>
+        <p:nvGrpSpPr>
+          <p:cNvPr id="340" name="그룹 339">
+            <a:extLst>
+              <a:ext uri="{FF2B5EF4-FFF2-40B4-BE49-F238E27FC236}">
+                <a16:creationId xmlns:a16="http://schemas.microsoft.com/office/drawing/2014/main" id="{277DD72E-4414-2741-AD80-70D4204A48F0}"/>
+              </a:ext>
+            </a:extLst>
+          </p:cNvPr>
+          <p:cNvGrpSpPr/>
+          <p:nvPr/>
+        </p:nvGrpSpPr>
+        <p:grpSpPr>
+          <a:xfrm>
+            <a:off x="5722533" y="2031657"/>
+            <a:ext cx="235945" cy="211157"/>
+            <a:chOff x="1294213" y="3684223"/>
+            <a:chExt cx="235945" cy="211157"/>
+          </a:xfrm>
+        </p:grpSpPr>
+        <p:cxnSp>
+          <p:nvCxnSpPr>
+            <p:cNvPr id="341" name="직선 연결선[R] 340">
+              <a:extLst>
+                <a:ext uri="{FF2B5EF4-FFF2-40B4-BE49-F238E27FC236}">
+                  <a16:creationId xmlns:a16="http://schemas.microsoft.com/office/drawing/2014/main" id="{BC3C5994-CCF5-C844-B166-F90F117053EA}"/>
+                </a:ext>
+              </a:extLst>
+            </p:cNvPr>
+            <p:cNvCxnSpPr>
+              <a:cxnSpLocks/>
+            </p:cNvCxnSpPr>
+            <p:nvPr/>
+          </p:nvCxnSpPr>
+          <p:spPr>
+            <a:xfrm>
+              <a:off x="1294213" y="3789802"/>
+              <a:ext cx="235945" cy="1"/>
+            </a:xfrm>
+            <a:prstGeom prst="line">
+              <a:avLst/>
+            </a:prstGeom>
+            <a:ln w="25400">
+              <a:solidFill>
+                <a:srgbClr val="5DA2C5"/>
+              </a:solidFill>
+            </a:ln>
+          </p:spPr>
+          <p:style>
+            <a:lnRef idx="1">
+              <a:schemeClr val="accent1"/>
+            </a:lnRef>
+            <a:fillRef idx="0">
+              <a:schemeClr val="accent1"/>
+            </a:fillRef>
+            <a:effectRef idx="0">
+              <a:schemeClr val="accent1"/>
+            </a:effectRef>
+            <a:fontRef idx="minor">
+              <a:schemeClr val="tx1"/>
+            </a:fontRef>
+          </p:style>
+        </p:cxnSp>
+        <p:cxnSp>
+          <p:nvCxnSpPr>
+            <p:cNvPr id="342" name="직선 연결선[R] 341">
+              <a:extLst>
+                <a:ext uri="{FF2B5EF4-FFF2-40B4-BE49-F238E27FC236}">
+                  <a16:creationId xmlns:a16="http://schemas.microsoft.com/office/drawing/2014/main" id="{B8D847F3-FD4D-DD49-BBDB-21DD337CE305}"/>
+                </a:ext>
+              </a:extLst>
+            </p:cNvPr>
+            <p:cNvCxnSpPr>
+              <a:cxnSpLocks/>
+            </p:cNvCxnSpPr>
+            <p:nvPr/>
+          </p:nvCxnSpPr>
+          <p:spPr>
+            <a:xfrm>
+              <a:off x="1297616" y="3684223"/>
+              <a:ext cx="0" cy="211157"/>
+            </a:xfrm>
+            <a:prstGeom prst="line">
+              <a:avLst/>
+            </a:prstGeom>
+            <a:ln w="25400">
+              <a:solidFill>
+                <a:srgbClr val="5DA2C5"/>
+              </a:solidFill>
+            </a:ln>
+          </p:spPr>
+          <p:style>
+            <a:lnRef idx="1">
+              <a:schemeClr val="accent1"/>
+            </a:lnRef>
+            <a:fillRef idx="0">
+              <a:schemeClr val="accent1"/>
+            </a:fillRef>
+            <a:effectRef idx="0">
+              <a:schemeClr val="accent1"/>
+            </a:effectRef>
+            <a:fontRef idx="minor">
+              <a:schemeClr val="tx1"/>
+            </a:fontRef>
+          </p:style>
+        </p:cxnSp>
+      </p:grpSp>
+      <p:cxnSp>
+        <p:nvCxnSpPr>
+          <p:cNvPr id="349" name="직선 연결선[R] 348">
+            <a:extLst>
+              <a:ext uri="{FF2B5EF4-FFF2-40B4-BE49-F238E27FC236}">
+                <a16:creationId xmlns:a16="http://schemas.microsoft.com/office/drawing/2014/main" id="{77312B94-7A59-7646-8180-18EE39182B43}"/>
+              </a:ext>
+            </a:extLst>
+          </p:cNvPr>
+          <p:cNvCxnSpPr>
+            <a:cxnSpLocks/>
+          </p:cNvCxnSpPr>
+          <p:nvPr/>
+        </p:nvCxnSpPr>
+        <p:spPr>
+          <a:xfrm>
+            <a:off x="5730523" y="1144286"/>
+            <a:ext cx="0" cy="211157"/>
+          </a:xfrm>
+          <a:prstGeom prst="line">
+            <a:avLst/>
+          </a:prstGeom>
+          <a:ln w="25400">
+            <a:solidFill>
+              <a:srgbClr val="5DA2C5"/>
+            </a:solidFill>
+          </a:ln>
+        </p:spPr>
+        <p:style>
+          <a:lnRef idx="1">
+            <a:schemeClr val="accent1"/>
+          </a:lnRef>
+          <a:fillRef idx="0">
+            <a:schemeClr val="accent1"/>
+          </a:fillRef>
+          <a:effectRef idx="0">
+            <a:schemeClr val="accent1"/>
+          </a:effectRef>
+          <a:fontRef idx="minor">
+            <a:schemeClr val="tx1"/>
+          </a:fontRef>
+        </p:style>
+      </p:cxnSp>
+      <p:cxnSp>
+        <p:nvCxnSpPr>
+          <p:cNvPr id="350" name="직선 연결선[R] 349">
+            <a:extLst>
+              <a:ext uri="{FF2B5EF4-FFF2-40B4-BE49-F238E27FC236}">
+                <a16:creationId xmlns:a16="http://schemas.microsoft.com/office/drawing/2014/main" id="{55729807-8D6A-0E4E-8E90-BCDD4EBF58A8}"/>
+              </a:ext>
+            </a:extLst>
+          </p:cNvPr>
+          <p:cNvCxnSpPr>
+            <a:cxnSpLocks/>
+          </p:cNvCxnSpPr>
+          <p:nvPr/>
+        </p:nvCxnSpPr>
+        <p:spPr>
+          <a:xfrm>
+            <a:off x="5730523" y="1410126"/>
+            <a:ext cx="0" cy="211157"/>
+          </a:xfrm>
+          <a:prstGeom prst="line">
+            <a:avLst/>
+          </a:prstGeom>
+          <a:ln w="25400">
+            <a:solidFill>
+              <a:srgbClr val="5DA2C5"/>
+            </a:solidFill>
+          </a:ln>
+        </p:spPr>
+        <p:style>
+          <a:lnRef idx="1">
+            <a:schemeClr val="accent1"/>
+          </a:lnRef>
+          <a:fillRef idx="0">
+            <a:schemeClr val="accent1"/>
+          </a:fillRef>
+          <a:effectRef idx="0">
+            <a:schemeClr val="accent1"/>
+          </a:effectRef>
+          <a:fontRef idx="minor">
+            <a:schemeClr val="tx1"/>
+          </a:fontRef>
+        </p:style>
+      </p:cxnSp>
+      <p:cxnSp>
+        <p:nvCxnSpPr>
+          <p:cNvPr id="351" name="직선 연결선[R] 350">
+            <a:extLst>
+              <a:ext uri="{FF2B5EF4-FFF2-40B4-BE49-F238E27FC236}">
+                <a16:creationId xmlns:a16="http://schemas.microsoft.com/office/drawing/2014/main" id="{CE2D3B19-19EE-F44F-85AF-C94849A2F97E}"/>
+              </a:ext>
+            </a:extLst>
+          </p:cNvPr>
+          <p:cNvCxnSpPr>
+            <a:cxnSpLocks/>
+          </p:cNvCxnSpPr>
+          <p:nvPr/>
+        </p:nvCxnSpPr>
+        <p:spPr>
+          <a:xfrm>
+            <a:off x="5730523" y="1706814"/>
+            <a:ext cx="0" cy="211157"/>
+          </a:xfrm>
+          <a:prstGeom prst="line">
+            <a:avLst/>
+          </a:prstGeom>
+          <a:ln w="25400">
+            <a:solidFill>
+              <a:srgbClr val="5DA2C5"/>
+            </a:solidFill>
+          </a:ln>
+        </p:spPr>
+        <p:style>
+          <a:lnRef idx="1">
+            <a:schemeClr val="accent1"/>
+          </a:lnRef>
+          <a:fillRef idx="0">
+            <a:schemeClr val="accent1"/>
+          </a:fillRef>
+          <a:effectRef idx="0">
+            <a:schemeClr val="accent1"/>
+          </a:effectRef>
+          <a:fontRef idx="minor">
+            <a:schemeClr val="tx1"/>
+          </a:fontRef>
+        </p:style>
+      </p:cxnSp>
+      <p:grpSp>
+        <p:nvGrpSpPr>
+          <p:cNvPr id="352" name="그룹 351">
+            <a:extLst>
+              <a:ext uri="{FF2B5EF4-FFF2-40B4-BE49-F238E27FC236}">
+                <a16:creationId xmlns:a16="http://schemas.microsoft.com/office/drawing/2014/main" id="{07D311D0-C993-F941-8F08-7D3F8DE2C6B7}"/>
+              </a:ext>
+            </a:extLst>
+          </p:cNvPr>
+          <p:cNvGrpSpPr/>
+          <p:nvPr/>
+        </p:nvGrpSpPr>
+        <p:grpSpPr>
+          <a:xfrm>
+            <a:off x="6073696" y="1136932"/>
+            <a:ext cx="235945" cy="211157"/>
+            <a:chOff x="1294213" y="3684223"/>
+            <a:chExt cx="235945" cy="211157"/>
+          </a:xfrm>
+        </p:grpSpPr>
+        <p:cxnSp>
+          <p:nvCxnSpPr>
+            <p:cNvPr id="353" name="직선 연결선[R] 352">
+              <a:extLst>
+                <a:ext uri="{FF2B5EF4-FFF2-40B4-BE49-F238E27FC236}">
+                  <a16:creationId xmlns:a16="http://schemas.microsoft.com/office/drawing/2014/main" id="{14ECB839-B9DC-104F-852C-AF1976796D5D}"/>
+                </a:ext>
+              </a:extLst>
+            </p:cNvPr>
+            <p:cNvCxnSpPr>
+              <a:cxnSpLocks/>
+            </p:cNvCxnSpPr>
+            <p:nvPr/>
+          </p:nvCxnSpPr>
+          <p:spPr>
+            <a:xfrm>
+              <a:off x="1294213" y="3789802"/>
+              <a:ext cx="235945" cy="1"/>
+            </a:xfrm>
+            <a:prstGeom prst="line">
+              <a:avLst/>
+            </a:prstGeom>
+            <a:ln w="25400">
+              <a:solidFill>
+                <a:srgbClr val="5DA2C5"/>
+              </a:solidFill>
+            </a:ln>
+          </p:spPr>
+          <p:style>
+            <a:lnRef idx="1">
+              <a:schemeClr val="accent1"/>
+            </a:lnRef>
+            <a:fillRef idx="0">
+              <a:schemeClr val="accent1"/>
+            </a:fillRef>
+            <a:effectRef idx="0">
+              <a:schemeClr val="accent1"/>
+            </a:effectRef>
+            <a:fontRef idx="minor">
+              <a:schemeClr val="tx1"/>
+            </a:fontRef>
+          </p:style>
+        </p:cxnSp>
+        <p:cxnSp>
+          <p:nvCxnSpPr>
+            <p:cNvPr id="354" name="직선 연결선[R] 353">
+              <a:extLst>
+                <a:ext uri="{FF2B5EF4-FFF2-40B4-BE49-F238E27FC236}">
+                  <a16:creationId xmlns:a16="http://schemas.microsoft.com/office/drawing/2014/main" id="{20107698-9F2F-ED46-A7B5-65CDC54E5789}"/>
+                </a:ext>
+              </a:extLst>
+            </p:cNvPr>
+            <p:cNvCxnSpPr>
+              <a:cxnSpLocks/>
+            </p:cNvCxnSpPr>
+            <p:nvPr/>
+          </p:nvCxnSpPr>
+          <p:spPr>
+            <a:xfrm>
+              <a:off x="1297616" y="3684223"/>
+              <a:ext cx="0" cy="211157"/>
+            </a:xfrm>
+            <a:prstGeom prst="line">
+              <a:avLst/>
+            </a:prstGeom>
+            <a:ln w="25400">
+              <a:solidFill>
+                <a:srgbClr val="5DA2C5"/>
+              </a:solidFill>
+            </a:ln>
+          </p:spPr>
+          <p:style>
+            <a:lnRef idx="1">
+              <a:schemeClr val="accent1"/>
+            </a:lnRef>
+            <a:fillRef idx="0">
+              <a:schemeClr val="accent1"/>
+            </a:fillRef>
+            <a:effectRef idx="0">
+              <a:schemeClr val="accent1"/>
+            </a:effectRef>
+            <a:fontRef idx="minor">
+              <a:schemeClr val="tx1"/>
+            </a:fontRef>
+          </p:style>
+        </p:cxnSp>
+      </p:grpSp>
+      <p:cxnSp>
+        <p:nvCxnSpPr>
+          <p:cNvPr id="355" name="직선 연결선[R] 354">
+            <a:extLst>
+              <a:ext uri="{FF2B5EF4-FFF2-40B4-BE49-F238E27FC236}">
+                <a16:creationId xmlns:a16="http://schemas.microsoft.com/office/drawing/2014/main" id="{6627122D-D200-6147-B49E-FEDC7F0355AD}"/>
+              </a:ext>
+            </a:extLst>
+          </p:cNvPr>
+          <p:cNvCxnSpPr>
+            <a:cxnSpLocks/>
+          </p:cNvCxnSpPr>
+          <p:nvPr/>
+        </p:nvCxnSpPr>
+        <p:spPr>
+          <a:xfrm>
+            <a:off x="6084713" y="1429815"/>
+            <a:ext cx="0" cy="211157"/>
+          </a:xfrm>
+          <a:prstGeom prst="line">
+            <a:avLst/>
+          </a:prstGeom>
+          <a:ln w="25400">
+            <a:solidFill>
+              <a:srgbClr val="5DA2C5"/>
+            </a:solidFill>
+          </a:ln>
+        </p:spPr>
+        <p:style>
+          <a:lnRef idx="1">
+            <a:schemeClr val="accent1"/>
+          </a:lnRef>
+          <a:fillRef idx="0">
+            <a:schemeClr val="accent1"/>
+          </a:fillRef>
+          <a:effectRef idx="0">
+            <a:schemeClr val="accent1"/>
+          </a:effectRef>
+          <a:fontRef idx="minor">
+            <a:schemeClr val="tx1"/>
+          </a:fontRef>
+        </p:style>
+      </p:cxnSp>
+      <p:cxnSp>
+        <p:nvCxnSpPr>
+          <p:cNvPr id="356" name="직선 연결선[R] 355">
+            <a:extLst>
+              <a:ext uri="{FF2B5EF4-FFF2-40B4-BE49-F238E27FC236}">
+                <a16:creationId xmlns:a16="http://schemas.microsoft.com/office/drawing/2014/main" id="{96A8D34D-DF66-4F46-8F6E-CB578C7DFB5B}"/>
+              </a:ext>
+            </a:extLst>
+          </p:cNvPr>
+          <p:cNvCxnSpPr>
+            <a:cxnSpLocks/>
+          </p:cNvCxnSpPr>
+          <p:nvPr/>
+        </p:nvCxnSpPr>
+        <p:spPr>
+          <a:xfrm>
+            <a:off x="6084713" y="1715486"/>
+            <a:ext cx="0" cy="211157"/>
+          </a:xfrm>
+          <a:prstGeom prst="line">
+            <a:avLst/>
+          </a:prstGeom>
+          <a:ln w="25400">
+            <a:solidFill>
+              <a:srgbClr val="5DA2C5"/>
+            </a:solidFill>
+          </a:ln>
+        </p:spPr>
+        <p:style>
+          <a:lnRef idx="1">
+            <a:schemeClr val="accent1"/>
+          </a:lnRef>
+          <a:fillRef idx="0">
+            <a:schemeClr val="accent1"/>
+          </a:fillRef>
+          <a:effectRef idx="0">
+            <a:schemeClr val="accent1"/>
+          </a:effectRef>
+          <a:fontRef idx="minor">
+            <a:schemeClr val="tx1"/>
+          </a:fontRef>
+        </p:style>
+      </p:cxnSp>
+      <p:grpSp>
+        <p:nvGrpSpPr>
+          <p:cNvPr id="357" name="그룹 356">
+            <a:extLst>
+              <a:ext uri="{FF2B5EF4-FFF2-40B4-BE49-F238E27FC236}">
+                <a16:creationId xmlns:a16="http://schemas.microsoft.com/office/drawing/2014/main" id="{5F5592FB-580E-4B4A-8308-FE0379A4BBAF}"/>
+              </a:ext>
+            </a:extLst>
+          </p:cNvPr>
+          <p:cNvGrpSpPr/>
+          <p:nvPr/>
+        </p:nvGrpSpPr>
+        <p:grpSpPr>
+          <a:xfrm>
+            <a:off x="6073695" y="2028495"/>
+            <a:ext cx="235945" cy="211157"/>
+            <a:chOff x="1294213" y="3684223"/>
+            <a:chExt cx="235945" cy="211157"/>
+          </a:xfrm>
+        </p:grpSpPr>
+        <p:cxnSp>
+          <p:nvCxnSpPr>
+            <p:cNvPr id="358" name="직선 연결선[R] 357">
+              <a:extLst>
+                <a:ext uri="{FF2B5EF4-FFF2-40B4-BE49-F238E27FC236}">
+                  <a16:creationId xmlns:a16="http://schemas.microsoft.com/office/drawing/2014/main" id="{53CCAC4F-6958-EB40-80D3-C426011E74B4}"/>
+                </a:ext>
+              </a:extLst>
+            </p:cNvPr>
+            <p:cNvCxnSpPr>
+              <a:cxnSpLocks/>
+            </p:cNvCxnSpPr>
+            <p:nvPr/>
+          </p:nvCxnSpPr>
+          <p:spPr>
+            <a:xfrm>
+              <a:off x="1294213" y="3789802"/>
+              <a:ext cx="235945" cy="1"/>
+            </a:xfrm>
+            <a:prstGeom prst="line">
+              <a:avLst/>
+            </a:prstGeom>
+            <a:ln w="25400">
+              <a:solidFill>
+                <a:srgbClr val="5DA2C5"/>
+              </a:solidFill>
+            </a:ln>
+          </p:spPr>
+          <p:style>
+            <a:lnRef idx="1">
+              <a:schemeClr val="accent1"/>
+            </a:lnRef>
+            <a:fillRef idx="0">
+              <a:schemeClr val="accent1"/>
+            </a:fillRef>
+            <a:effectRef idx="0">
+              <a:schemeClr val="accent1"/>
+            </a:effectRef>
+            <a:fontRef idx="minor">
+              <a:schemeClr val="tx1"/>
+            </a:fontRef>
+          </p:style>
+        </p:cxnSp>
+        <p:cxnSp>
+          <p:nvCxnSpPr>
+            <p:cNvPr id="359" name="직선 연결선[R] 358">
+              <a:extLst>
+                <a:ext uri="{FF2B5EF4-FFF2-40B4-BE49-F238E27FC236}">
+                  <a16:creationId xmlns:a16="http://schemas.microsoft.com/office/drawing/2014/main" id="{9D852C46-0185-704A-9A64-229DAA4C565A}"/>
+                </a:ext>
+              </a:extLst>
+            </p:cNvPr>
+            <p:cNvCxnSpPr>
+              <a:cxnSpLocks/>
+            </p:cNvCxnSpPr>
+            <p:nvPr/>
+          </p:nvCxnSpPr>
+          <p:spPr>
+            <a:xfrm>
+              <a:off x="1297616" y="3684223"/>
+              <a:ext cx="0" cy="211157"/>
+            </a:xfrm>
+            <a:prstGeom prst="line">
+              <a:avLst/>
+            </a:prstGeom>
+            <a:ln w="25400">
+              <a:solidFill>
+                <a:srgbClr val="5DA2C5"/>
+              </a:solidFill>
+            </a:ln>
+          </p:spPr>
+          <p:style>
+            <a:lnRef idx="1">
+              <a:schemeClr val="accent1"/>
+            </a:lnRef>
+            <a:fillRef idx="0">
+              <a:schemeClr val="accent1"/>
+            </a:fillRef>
+            <a:effectRef idx="0">
+              <a:schemeClr val="accent1"/>
+            </a:effectRef>
+            <a:fontRef idx="minor">
+              <a:schemeClr val="tx1"/>
+            </a:fontRef>
+          </p:style>
+        </p:cxnSp>
+      </p:grpSp>
+      <p:grpSp>
+        <p:nvGrpSpPr>
+          <p:cNvPr id="360" name="그룹 359">
+            <a:extLst>
+              <a:ext uri="{FF2B5EF4-FFF2-40B4-BE49-F238E27FC236}">
+                <a16:creationId xmlns:a16="http://schemas.microsoft.com/office/drawing/2014/main" id="{0DE13A79-35FC-9446-B456-DAFE9C6FC745}"/>
+              </a:ext>
+            </a:extLst>
+          </p:cNvPr>
+          <p:cNvGrpSpPr/>
+          <p:nvPr/>
+        </p:nvGrpSpPr>
+        <p:grpSpPr>
+          <a:xfrm>
+            <a:off x="7029162" y="2605328"/>
+            <a:ext cx="235945" cy="211157"/>
+            <a:chOff x="1294213" y="3684223"/>
+            <a:chExt cx="235945" cy="211157"/>
+          </a:xfrm>
+        </p:grpSpPr>
+        <p:cxnSp>
+          <p:nvCxnSpPr>
+            <p:cNvPr id="361" name="직선 연결선[R] 360">
+              <a:extLst>
+                <a:ext uri="{FF2B5EF4-FFF2-40B4-BE49-F238E27FC236}">
+                  <a16:creationId xmlns:a16="http://schemas.microsoft.com/office/drawing/2014/main" id="{59DB7CA2-B56F-614E-807E-4932127F6EBB}"/>
+                </a:ext>
+              </a:extLst>
+            </p:cNvPr>
+            <p:cNvCxnSpPr>
+              <a:cxnSpLocks/>
+            </p:cNvCxnSpPr>
+            <p:nvPr/>
+          </p:nvCxnSpPr>
+          <p:spPr>
+            <a:xfrm>
+              <a:off x="1294213" y="3789802"/>
+              <a:ext cx="235945" cy="1"/>
+            </a:xfrm>
+            <a:prstGeom prst="line">
+              <a:avLst/>
+            </a:prstGeom>
+            <a:ln w="25400">
+              <a:solidFill>
+                <a:srgbClr val="5DA2C5"/>
+              </a:solidFill>
+            </a:ln>
+          </p:spPr>
+          <p:style>
+            <a:lnRef idx="1">
+              <a:schemeClr val="accent1"/>
+            </a:lnRef>
+            <a:fillRef idx="0">
+              <a:schemeClr val="accent1"/>
+            </a:fillRef>
+            <a:effectRef idx="0">
+              <a:schemeClr val="accent1"/>
+            </a:effectRef>
+            <a:fontRef idx="minor">
+              <a:schemeClr val="tx1"/>
+            </a:fontRef>
+          </p:style>
+        </p:cxnSp>
+        <p:cxnSp>
+          <p:nvCxnSpPr>
+            <p:cNvPr id="362" name="직선 연결선[R] 361">
+              <a:extLst>
+                <a:ext uri="{FF2B5EF4-FFF2-40B4-BE49-F238E27FC236}">
+                  <a16:creationId xmlns:a16="http://schemas.microsoft.com/office/drawing/2014/main" id="{16B87632-B31F-A541-826A-54D1D4ACB95E}"/>
+                </a:ext>
+              </a:extLst>
+            </p:cNvPr>
+            <p:cNvCxnSpPr>
+              <a:cxnSpLocks/>
+            </p:cNvCxnSpPr>
+            <p:nvPr/>
+          </p:nvCxnSpPr>
+          <p:spPr>
+            <a:xfrm>
+              <a:off x="1297616" y="3684223"/>
+              <a:ext cx="0" cy="211157"/>
+            </a:xfrm>
+            <a:prstGeom prst="line">
+              <a:avLst/>
+            </a:prstGeom>
+            <a:ln w="25400">
+              <a:solidFill>
+                <a:srgbClr val="5DA2C5"/>
+              </a:solidFill>
+            </a:ln>
+          </p:spPr>
+          <p:style>
+            <a:lnRef idx="1">
+              <a:schemeClr val="accent1"/>
+            </a:lnRef>
+            <a:fillRef idx="0">
+              <a:schemeClr val="accent1"/>
+            </a:fillRef>
+            <a:effectRef idx="0">
+              <a:schemeClr val="accent1"/>
+            </a:effectRef>
+            <a:fontRef idx="minor">
+              <a:schemeClr val="tx1"/>
+            </a:fontRef>
+          </p:style>
+        </p:cxnSp>
+      </p:grpSp>
+      <p:cxnSp>
+        <p:nvCxnSpPr>
+          <p:cNvPr id="363" name="직선 연결선[R] 362">
+            <a:extLst>
+              <a:ext uri="{FF2B5EF4-FFF2-40B4-BE49-F238E27FC236}">
+                <a16:creationId xmlns:a16="http://schemas.microsoft.com/office/drawing/2014/main" id="{D29AAA2B-6068-F64F-B8C9-2FF9249F2C26}"/>
+              </a:ext>
+            </a:extLst>
+          </p:cNvPr>
+          <p:cNvCxnSpPr>
+            <a:cxnSpLocks/>
+          </p:cNvCxnSpPr>
+          <p:nvPr/>
+        </p:nvCxnSpPr>
+        <p:spPr>
+          <a:xfrm>
+            <a:off x="6084713" y="2306284"/>
+            <a:ext cx="0" cy="211157"/>
+          </a:xfrm>
+          <a:prstGeom prst="line">
+            <a:avLst/>
+          </a:prstGeom>
+          <a:ln w="25400">
+            <a:solidFill>
+              <a:srgbClr val="5DA2C5"/>
+            </a:solidFill>
+          </a:ln>
+        </p:spPr>
+        <p:style>
+          <a:lnRef idx="1">
+            <a:schemeClr val="accent1"/>
+          </a:lnRef>
+          <a:fillRef idx="0">
+            <a:schemeClr val="accent1"/>
+          </a:fillRef>
+          <a:effectRef idx="0">
+            <a:schemeClr val="accent1"/>
+          </a:effectRef>
+          <a:fontRef idx="minor">
+            <a:schemeClr val="tx1"/>
+          </a:fontRef>
+        </p:style>
+      </p:cxnSp>
+      <p:cxnSp>
+        <p:nvCxnSpPr>
+          <p:cNvPr id="364" name="직선 연결선[R] 363">
+            <a:extLst>
+              <a:ext uri="{FF2B5EF4-FFF2-40B4-BE49-F238E27FC236}">
+                <a16:creationId xmlns:a16="http://schemas.microsoft.com/office/drawing/2014/main" id="{6CE03338-D2BF-1D47-A8F2-EBCE6214FF0D}"/>
+              </a:ext>
+            </a:extLst>
+          </p:cNvPr>
+          <p:cNvCxnSpPr>
+            <a:cxnSpLocks/>
+          </p:cNvCxnSpPr>
+          <p:nvPr/>
+        </p:nvCxnSpPr>
+        <p:spPr>
+          <a:xfrm>
+            <a:off x="6084713" y="2587905"/>
+            <a:ext cx="0" cy="211157"/>
+          </a:xfrm>
+          <a:prstGeom prst="line">
+            <a:avLst/>
+          </a:prstGeom>
+          <a:ln w="25400">
+            <a:solidFill>
+              <a:srgbClr val="5DA2C5"/>
+            </a:solidFill>
+          </a:ln>
+        </p:spPr>
+        <p:style>
+          <a:lnRef idx="1">
+            <a:schemeClr val="accent1"/>
+          </a:lnRef>
+          <a:fillRef idx="0">
+            <a:schemeClr val="accent1"/>
+          </a:fillRef>
+          <a:effectRef idx="0">
+            <a:schemeClr val="accent1"/>
+          </a:effectRef>
+          <a:fontRef idx="minor">
+            <a:schemeClr val="tx1"/>
+          </a:fontRef>
+        </p:style>
+      </p:cxnSp>
+      <p:cxnSp>
+        <p:nvCxnSpPr>
+          <p:cNvPr id="365" name="직선 연결선[R] 364">
+            <a:extLst>
+              <a:ext uri="{FF2B5EF4-FFF2-40B4-BE49-F238E27FC236}">
+                <a16:creationId xmlns:a16="http://schemas.microsoft.com/office/drawing/2014/main" id="{0B7DBA37-10EE-894C-A706-3DF55F8E805D}"/>
+              </a:ext>
+            </a:extLst>
+          </p:cNvPr>
+          <p:cNvCxnSpPr>
+            <a:cxnSpLocks/>
+          </p:cNvCxnSpPr>
+          <p:nvPr/>
+        </p:nvCxnSpPr>
+        <p:spPr>
+          <a:xfrm>
+            <a:off x="6084713" y="2869526"/>
+            <a:ext cx="0" cy="211157"/>
+          </a:xfrm>
+          <a:prstGeom prst="line">
+            <a:avLst/>
+          </a:prstGeom>
+          <a:ln w="25400">
+            <a:solidFill>
+              <a:srgbClr val="5DA2C5"/>
+            </a:solidFill>
+          </a:ln>
+        </p:spPr>
+        <p:style>
+          <a:lnRef idx="1">
+            <a:schemeClr val="accent1"/>
+          </a:lnRef>
+          <a:fillRef idx="0">
+            <a:schemeClr val="accent1"/>
+          </a:fillRef>
+          <a:effectRef idx="0">
+            <a:schemeClr val="accent1"/>
+          </a:effectRef>
+          <a:fontRef idx="minor">
+            <a:schemeClr val="tx1"/>
+          </a:fontRef>
+        </p:style>
+      </p:cxnSp>
+      <p:sp>
+        <p:nvSpPr>
+          <p:cNvPr id="366" name="TextBox 365">
+            <a:extLst>
+              <a:ext uri="{FF2B5EF4-FFF2-40B4-BE49-F238E27FC236}">
+                <a16:creationId xmlns:a16="http://schemas.microsoft.com/office/drawing/2014/main" id="{ADD02AE5-1786-CC43-9D22-684EF7BAF566}"/>
+              </a:ext>
+            </a:extLst>
+          </p:cNvPr>
+          <p:cNvSpPr txBox="1"/>
+          <p:nvPr/>
+        </p:nvSpPr>
+        <p:spPr>
+          <a:xfrm>
+            <a:off x="5917625" y="3152373"/>
+            <a:ext cx="1843758" cy="276999"/>
+          </a:xfrm>
+          <a:prstGeom prst="rect">
+            <a:avLst/>
+          </a:prstGeom>
+          <a:noFill/>
+        </p:spPr>
+        <p:txBody>
+          <a:bodyPr wrap="square" rtlCol="0">
+            <a:spAutoFit/>
+          </a:bodyPr>
+          <a:lstStyle/>
+          <a:p>
+            <a:r>
+              <a:rPr kumimoji="1" lang="en-US" altLang="ko-Kore-KR" sz="1200" b="1" dirty="0">
+                <a:solidFill>
+                  <a:srgbClr val="5DA2C5"/>
+                </a:solidFill>
+                <a:latin typeface="SHeadG" panose="02030600000101010101" pitchFamily="18" charset="-127"/>
+                <a:ea typeface="SHeadG" panose="02030600000101010101" pitchFamily="18" charset="-127"/>
+              </a:rPr>
+              <a:t>domain</a:t>
+            </a:r>
+            <a:endParaRPr kumimoji="1" lang="ko-Kore-KR" altLang="en-US" sz="1200" b="1" dirty="0">
+              <a:solidFill>
+                <a:srgbClr val="5DA2C5"/>
+              </a:solidFill>
+              <a:latin typeface="SHeadG" panose="02030600000101010101" pitchFamily="18" charset="-127"/>
+              <a:ea typeface="SHeadG" panose="02030600000101010101" pitchFamily="18" charset="-127"/>
+            </a:endParaRPr>
+          </a:p>
+        </p:txBody>
+      </p:sp>
+      <p:sp>
+        <p:nvSpPr>
+          <p:cNvPr id="367" name="TextBox 366">
+            <a:extLst>
+              <a:ext uri="{FF2B5EF4-FFF2-40B4-BE49-F238E27FC236}">
+                <a16:creationId xmlns:a16="http://schemas.microsoft.com/office/drawing/2014/main" id="{00C2E212-E7BE-2940-9C53-507CC4218890}"/>
+              </a:ext>
+            </a:extLst>
+          </p:cNvPr>
+          <p:cNvSpPr txBox="1"/>
+          <p:nvPr/>
+        </p:nvSpPr>
+        <p:spPr>
+          <a:xfrm>
+            <a:off x="6284472" y="3389433"/>
+            <a:ext cx="1843758" cy="276999"/>
+          </a:xfrm>
+          <a:prstGeom prst="rect">
+            <a:avLst/>
+          </a:prstGeom>
+          <a:noFill/>
+        </p:spPr>
+        <p:txBody>
+          <a:bodyPr wrap="square" rtlCol="0">
+            <a:spAutoFit/>
+          </a:bodyPr>
+          <a:lstStyle/>
+          <a:p>
+            <a:r>
+              <a:rPr kumimoji="1" lang="en-US" altLang="ko-Kore-KR" sz="1200" b="1" dirty="0">
+                <a:solidFill>
+                  <a:srgbClr val="5DA2C5"/>
+                </a:solidFill>
+                <a:latin typeface="SHeadG" panose="02030600000101010101" pitchFamily="18" charset="-127"/>
+                <a:ea typeface="SHeadG" panose="02030600000101010101" pitchFamily="18" charset="-127"/>
+              </a:rPr>
+              <a:t>Account</a:t>
+            </a:r>
+            <a:endParaRPr kumimoji="1" lang="ko-Kore-KR" altLang="en-US" sz="1200" b="1" dirty="0">
+              <a:solidFill>
+                <a:srgbClr val="5DA2C5"/>
+              </a:solidFill>
+              <a:latin typeface="SHeadG" panose="02030600000101010101" pitchFamily="18" charset="-127"/>
+              <a:ea typeface="SHeadG" panose="02030600000101010101" pitchFamily="18" charset="-127"/>
+            </a:endParaRPr>
+          </a:p>
+        </p:txBody>
+      </p:sp>
+      <p:sp>
+        <p:nvSpPr>
+          <p:cNvPr id="368" name="TextBox 367">
+            <a:extLst>
+              <a:ext uri="{FF2B5EF4-FFF2-40B4-BE49-F238E27FC236}">
+                <a16:creationId xmlns:a16="http://schemas.microsoft.com/office/drawing/2014/main" id="{057F30E7-1D30-0C42-A97E-65CACC52B975}"/>
+              </a:ext>
+            </a:extLst>
+          </p:cNvPr>
+          <p:cNvSpPr txBox="1"/>
+          <p:nvPr/>
+        </p:nvSpPr>
+        <p:spPr>
+          <a:xfrm>
+            <a:off x="6284472" y="3664060"/>
+            <a:ext cx="1843758" cy="276999"/>
+          </a:xfrm>
+          <a:prstGeom prst="rect">
+            <a:avLst/>
+          </a:prstGeom>
+          <a:noFill/>
+        </p:spPr>
+        <p:txBody>
+          <a:bodyPr wrap="square" rtlCol="0">
+            <a:spAutoFit/>
+          </a:bodyPr>
+          <a:lstStyle/>
+          <a:p>
+            <a:r>
+              <a:rPr kumimoji="1" lang="en-US" altLang="ko-Kore-KR" sz="1200" b="1" dirty="0">
+                <a:solidFill>
+                  <a:srgbClr val="5DA2C5"/>
+                </a:solidFill>
+                <a:latin typeface="SHeadG" panose="02030600000101010101" pitchFamily="18" charset="-127"/>
+                <a:ea typeface="SHeadG" panose="02030600000101010101" pitchFamily="18" charset="-127"/>
+              </a:rPr>
+              <a:t>Activity</a:t>
+            </a:r>
+            <a:endParaRPr kumimoji="1" lang="ko-Kore-KR" altLang="en-US" sz="1200" b="1" dirty="0">
+              <a:solidFill>
+                <a:srgbClr val="5DA2C5"/>
+              </a:solidFill>
+              <a:latin typeface="SHeadG" panose="02030600000101010101" pitchFamily="18" charset="-127"/>
+              <a:ea typeface="SHeadG" panose="02030600000101010101" pitchFamily="18" charset="-127"/>
+            </a:endParaRPr>
+          </a:p>
+        </p:txBody>
+      </p:sp>
+      <p:grpSp>
+        <p:nvGrpSpPr>
+          <p:cNvPr id="369" name="그룹 368">
+            <a:extLst>
+              <a:ext uri="{FF2B5EF4-FFF2-40B4-BE49-F238E27FC236}">
+                <a16:creationId xmlns:a16="http://schemas.microsoft.com/office/drawing/2014/main" id="{AC8E38F7-5FC9-C94B-8F81-16C58FFAA85A}"/>
+              </a:ext>
+            </a:extLst>
+          </p:cNvPr>
+          <p:cNvGrpSpPr/>
+          <p:nvPr/>
+        </p:nvGrpSpPr>
+        <p:grpSpPr>
+          <a:xfrm>
+            <a:off x="6089380" y="3444258"/>
+            <a:ext cx="235945" cy="211157"/>
+            <a:chOff x="1294213" y="3684223"/>
+            <a:chExt cx="235945" cy="211157"/>
+          </a:xfrm>
+        </p:grpSpPr>
+        <p:cxnSp>
+          <p:nvCxnSpPr>
+            <p:cNvPr id="370" name="직선 연결선[R] 369">
+              <a:extLst>
+                <a:ext uri="{FF2B5EF4-FFF2-40B4-BE49-F238E27FC236}">
+                  <a16:creationId xmlns:a16="http://schemas.microsoft.com/office/drawing/2014/main" id="{ACC9DBD7-A950-6344-8677-BA313775B480}"/>
+                </a:ext>
+              </a:extLst>
+            </p:cNvPr>
+            <p:cNvCxnSpPr>
+              <a:cxnSpLocks/>
+            </p:cNvCxnSpPr>
+            <p:nvPr/>
+          </p:nvCxnSpPr>
+          <p:spPr>
+            <a:xfrm>
+              <a:off x="1294213" y="3789802"/>
+              <a:ext cx="235945" cy="1"/>
+            </a:xfrm>
+            <a:prstGeom prst="line">
+              <a:avLst/>
+            </a:prstGeom>
+            <a:ln w="25400">
+              <a:solidFill>
+                <a:srgbClr val="5DA2C5"/>
+              </a:solidFill>
+            </a:ln>
+          </p:spPr>
+          <p:style>
+            <a:lnRef idx="1">
+              <a:schemeClr val="accent1"/>
+            </a:lnRef>
+            <a:fillRef idx="0">
+              <a:schemeClr val="accent1"/>
+            </a:fillRef>
+            <a:effectRef idx="0">
+              <a:schemeClr val="accent1"/>
+            </a:effectRef>
+            <a:fontRef idx="minor">
+              <a:schemeClr val="tx1"/>
+            </a:fontRef>
+          </p:style>
+        </p:cxnSp>
+        <p:cxnSp>
+          <p:nvCxnSpPr>
+            <p:cNvPr id="371" name="직선 연결선[R] 370">
+              <a:extLst>
+                <a:ext uri="{FF2B5EF4-FFF2-40B4-BE49-F238E27FC236}">
+                  <a16:creationId xmlns:a16="http://schemas.microsoft.com/office/drawing/2014/main" id="{D6792E4D-2A14-8C4E-A066-0CE66E618A14}"/>
+                </a:ext>
+              </a:extLst>
+            </p:cNvPr>
+            <p:cNvCxnSpPr>
+              <a:cxnSpLocks/>
+            </p:cNvCxnSpPr>
+            <p:nvPr/>
+          </p:nvCxnSpPr>
+          <p:spPr>
+            <a:xfrm>
+              <a:off x="1297616" y="3684223"/>
+              <a:ext cx="0" cy="211157"/>
+            </a:xfrm>
+            <a:prstGeom prst="line">
+              <a:avLst/>
+            </a:prstGeom>
+            <a:ln w="25400">
+              <a:solidFill>
+                <a:srgbClr val="5DA2C5"/>
+              </a:solidFill>
+            </a:ln>
+          </p:spPr>
+          <p:style>
+            <a:lnRef idx="1">
+              <a:schemeClr val="accent1"/>
+            </a:lnRef>
+            <a:fillRef idx="0">
+              <a:schemeClr val="accent1"/>
+            </a:fillRef>
+            <a:effectRef idx="0">
+              <a:schemeClr val="accent1"/>
+            </a:effectRef>
+            <a:fontRef idx="minor">
+              <a:schemeClr val="tx1"/>
+            </a:fontRef>
+          </p:style>
+        </p:cxnSp>
+      </p:grpSp>
+      <p:grpSp>
+        <p:nvGrpSpPr>
+          <p:cNvPr id="375" name="그룹 374">
+            <a:extLst>
+              <a:ext uri="{FF2B5EF4-FFF2-40B4-BE49-F238E27FC236}">
+                <a16:creationId xmlns:a16="http://schemas.microsoft.com/office/drawing/2014/main" id="{AFBA802B-30B4-244B-B6D5-329581AA47BD}"/>
+              </a:ext>
+            </a:extLst>
+          </p:cNvPr>
+          <p:cNvGrpSpPr/>
+          <p:nvPr/>
+        </p:nvGrpSpPr>
+        <p:grpSpPr>
+          <a:xfrm>
+            <a:off x="6084713" y="3727864"/>
+            <a:ext cx="235945" cy="105580"/>
+            <a:chOff x="1324234" y="3547227"/>
+            <a:chExt cx="235945" cy="105580"/>
+          </a:xfrm>
+        </p:grpSpPr>
+        <p:cxnSp>
+          <p:nvCxnSpPr>
+            <p:cNvPr id="376" name="직선 연결선[R] 375">
+              <a:extLst>
+                <a:ext uri="{FF2B5EF4-FFF2-40B4-BE49-F238E27FC236}">
+                  <a16:creationId xmlns:a16="http://schemas.microsoft.com/office/drawing/2014/main" id="{BDEFBC3C-9EEA-C34C-8247-6180E5A7FE6C}"/>
+                </a:ext>
+              </a:extLst>
+            </p:cNvPr>
+            <p:cNvCxnSpPr>
+              <a:cxnSpLocks/>
+            </p:cNvCxnSpPr>
+            <p:nvPr/>
+          </p:nvCxnSpPr>
+          <p:spPr>
+            <a:xfrm>
+              <a:off x="1324234" y="3652806"/>
+              <a:ext cx="235945" cy="1"/>
+            </a:xfrm>
+            <a:prstGeom prst="line">
+              <a:avLst/>
+            </a:prstGeom>
+            <a:ln w="25400">
+              <a:solidFill>
+                <a:srgbClr val="5DA2C5"/>
+              </a:solidFill>
+            </a:ln>
+          </p:spPr>
+          <p:style>
+            <a:lnRef idx="1">
+              <a:schemeClr val="accent1"/>
+            </a:lnRef>
+            <a:fillRef idx="0">
+              <a:schemeClr val="accent1"/>
+            </a:fillRef>
+            <a:effectRef idx="0">
+              <a:schemeClr val="accent1"/>
+            </a:effectRef>
+            <a:fontRef idx="minor">
+              <a:schemeClr val="tx1"/>
+            </a:fontRef>
+          </p:style>
+        </p:cxnSp>
+        <p:cxnSp>
+          <p:nvCxnSpPr>
+            <p:cNvPr id="377" name="직선 연결선[R] 376">
+              <a:extLst>
+                <a:ext uri="{FF2B5EF4-FFF2-40B4-BE49-F238E27FC236}">
+                  <a16:creationId xmlns:a16="http://schemas.microsoft.com/office/drawing/2014/main" id="{A5448076-FEBA-9748-8F7F-0C976B03C904}"/>
+                </a:ext>
+              </a:extLst>
+            </p:cNvPr>
+            <p:cNvCxnSpPr>
+              <a:cxnSpLocks/>
+            </p:cNvCxnSpPr>
+            <p:nvPr/>
+          </p:nvCxnSpPr>
+          <p:spPr>
+            <a:xfrm>
+              <a:off x="1327637" y="3547227"/>
+              <a:ext cx="0" cy="105579"/>
+            </a:xfrm>
+            <a:prstGeom prst="line">
+              <a:avLst/>
+            </a:prstGeom>
+            <a:ln w="25400">
+              <a:solidFill>
+                <a:srgbClr val="5DA2C5"/>
+              </a:solidFill>
+            </a:ln>
+          </p:spPr>
+          <p:style>
+            <a:lnRef idx="1">
+              <a:schemeClr val="accent1"/>
+            </a:lnRef>
+            <a:fillRef idx="0">
+              <a:schemeClr val="accent1"/>
+            </a:fillRef>
+            <a:effectRef idx="0">
+              <a:schemeClr val="accent1"/>
+            </a:effectRef>
+            <a:fontRef idx="minor">
+              <a:schemeClr val="tx1"/>
+            </a:fontRef>
+          </p:style>
+        </p:cxnSp>
+      </p:grpSp>
+      <p:sp>
+        <p:nvSpPr>
+          <p:cNvPr id="378" name="TextBox 377">
+            <a:extLst>
+              <a:ext uri="{FF2B5EF4-FFF2-40B4-BE49-F238E27FC236}">
+                <a16:creationId xmlns:a16="http://schemas.microsoft.com/office/drawing/2014/main" id="{34C2940C-7677-9E4E-8662-1466CC51879A}"/>
+              </a:ext>
+            </a:extLst>
+          </p:cNvPr>
+          <p:cNvSpPr txBox="1"/>
+          <p:nvPr/>
+        </p:nvSpPr>
+        <p:spPr>
+          <a:xfrm>
+            <a:off x="5917625" y="3932003"/>
+            <a:ext cx="1843758" cy="276999"/>
+          </a:xfrm>
+          <a:prstGeom prst="rect">
+            <a:avLst/>
+          </a:prstGeom>
+          <a:noFill/>
+        </p:spPr>
+        <p:txBody>
+          <a:bodyPr wrap="square" rtlCol="0">
+            <a:spAutoFit/>
+          </a:bodyPr>
+          <a:lstStyle/>
+          <a:p>
+            <a:r>
+              <a:rPr kumimoji="1" lang="en-US" altLang="ko-Kore-KR" sz="1200" b="1" dirty="0">
+                <a:solidFill>
+                  <a:srgbClr val="5DA2C5"/>
+                </a:solidFill>
+                <a:latin typeface="SHeadG" panose="02030600000101010101" pitchFamily="18" charset="-127"/>
+                <a:ea typeface="SHeadG" panose="02030600000101010101" pitchFamily="18" charset="-127"/>
+              </a:rPr>
+              <a:t>application</a:t>
+            </a:r>
+            <a:endParaRPr kumimoji="1" lang="ko-Kore-KR" altLang="en-US" sz="1200" b="1" dirty="0">
+              <a:solidFill>
+                <a:srgbClr val="5DA2C5"/>
+              </a:solidFill>
+              <a:latin typeface="SHeadG" panose="02030600000101010101" pitchFamily="18" charset="-127"/>
+              <a:ea typeface="SHeadG" panose="02030600000101010101" pitchFamily="18" charset="-127"/>
+            </a:endParaRPr>
+          </a:p>
+        </p:txBody>
+      </p:sp>
+      <p:grpSp>
+        <p:nvGrpSpPr>
+          <p:cNvPr id="379" name="그룹 378">
+            <a:extLst>
+              <a:ext uri="{FF2B5EF4-FFF2-40B4-BE49-F238E27FC236}">
+                <a16:creationId xmlns:a16="http://schemas.microsoft.com/office/drawing/2014/main" id="{FAA7B779-5354-0A49-A59D-6A831450D3DA}"/>
+              </a:ext>
+            </a:extLst>
+          </p:cNvPr>
+          <p:cNvGrpSpPr/>
+          <p:nvPr/>
+        </p:nvGrpSpPr>
+        <p:grpSpPr>
+          <a:xfrm>
+            <a:off x="6110037" y="4226741"/>
+            <a:ext cx="235945" cy="105580"/>
+            <a:chOff x="1324234" y="3547227"/>
+            <a:chExt cx="235945" cy="105580"/>
+          </a:xfrm>
+        </p:grpSpPr>
+        <p:cxnSp>
+          <p:nvCxnSpPr>
+            <p:cNvPr id="380" name="직선 연결선[R] 379">
+              <a:extLst>
+                <a:ext uri="{FF2B5EF4-FFF2-40B4-BE49-F238E27FC236}">
+                  <a16:creationId xmlns:a16="http://schemas.microsoft.com/office/drawing/2014/main" id="{0576E23B-2D99-704F-8173-68294A68019A}"/>
+                </a:ext>
+              </a:extLst>
+            </p:cNvPr>
+            <p:cNvCxnSpPr>
+              <a:cxnSpLocks/>
+            </p:cNvCxnSpPr>
+            <p:nvPr/>
+          </p:nvCxnSpPr>
+          <p:spPr>
+            <a:xfrm>
+              <a:off x="1324234" y="3652806"/>
+              <a:ext cx="235945" cy="1"/>
+            </a:xfrm>
+            <a:prstGeom prst="line">
+              <a:avLst/>
+            </a:prstGeom>
+            <a:ln w="25400">
+              <a:solidFill>
+                <a:srgbClr val="5DA2C5"/>
+              </a:solidFill>
+            </a:ln>
+          </p:spPr>
+          <p:style>
+            <a:lnRef idx="1">
+              <a:schemeClr val="accent1"/>
+            </a:lnRef>
+            <a:fillRef idx="0">
+              <a:schemeClr val="accent1"/>
+            </a:fillRef>
+            <a:effectRef idx="0">
+              <a:schemeClr val="accent1"/>
+            </a:effectRef>
+            <a:fontRef idx="minor">
+              <a:schemeClr val="tx1"/>
+            </a:fontRef>
+          </p:style>
+        </p:cxnSp>
+        <p:cxnSp>
+          <p:nvCxnSpPr>
+            <p:cNvPr id="381" name="직선 연결선[R] 380">
+              <a:extLst>
+                <a:ext uri="{FF2B5EF4-FFF2-40B4-BE49-F238E27FC236}">
+                  <a16:creationId xmlns:a16="http://schemas.microsoft.com/office/drawing/2014/main" id="{3D86CED1-99D5-3948-B12A-E8A921B97C57}"/>
+                </a:ext>
+              </a:extLst>
+            </p:cNvPr>
+            <p:cNvCxnSpPr>
+              <a:cxnSpLocks/>
+            </p:cNvCxnSpPr>
+            <p:nvPr/>
+          </p:nvCxnSpPr>
+          <p:spPr>
+            <a:xfrm>
+              <a:off x="1327637" y="3547227"/>
+              <a:ext cx="0" cy="105579"/>
+            </a:xfrm>
+            <a:prstGeom prst="line">
+              <a:avLst/>
+            </a:prstGeom>
+            <a:ln w="25400">
+              <a:solidFill>
+                <a:srgbClr val="5DA2C5"/>
+              </a:solidFill>
+            </a:ln>
+          </p:spPr>
+          <p:style>
+            <a:lnRef idx="1">
+              <a:schemeClr val="accent1"/>
+            </a:lnRef>
+            <a:fillRef idx="0">
+              <a:schemeClr val="accent1"/>
+            </a:fillRef>
+            <a:effectRef idx="0">
+              <a:schemeClr val="accent1"/>
+            </a:effectRef>
+            <a:fontRef idx="minor">
+              <a:schemeClr val="tx1"/>
+            </a:fontRef>
+          </p:style>
+        </p:cxnSp>
+      </p:grpSp>
+      <p:sp>
+        <p:nvSpPr>
+          <p:cNvPr id="382" name="TextBox 381">
+            <a:extLst>
+              <a:ext uri="{FF2B5EF4-FFF2-40B4-BE49-F238E27FC236}">
+                <a16:creationId xmlns:a16="http://schemas.microsoft.com/office/drawing/2014/main" id="{6182E469-AF79-FF44-A388-511090C41D0F}"/>
+              </a:ext>
+            </a:extLst>
+          </p:cNvPr>
+          <p:cNvSpPr txBox="1"/>
+          <p:nvPr/>
+        </p:nvSpPr>
+        <p:spPr>
+          <a:xfrm>
+            <a:off x="6334048" y="4193820"/>
+            <a:ext cx="1843758" cy="276999"/>
+          </a:xfrm>
+          <a:prstGeom prst="rect">
+            <a:avLst/>
+          </a:prstGeom>
+          <a:noFill/>
+        </p:spPr>
+        <p:txBody>
+          <a:bodyPr wrap="square" rtlCol="0">
+            <a:spAutoFit/>
+          </a:bodyPr>
+          <a:lstStyle/>
+          <a:p>
+            <a:r>
+              <a:rPr kumimoji="1" lang="en-US" altLang="ko-Kore-KR" sz="1200" b="1" dirty="0" err="1">
+                <a:solidFill>
+                  <a:srgbClr val="5DA2C5"/>
+                </a:solidFill>
+                <a:latin typeface="SHeadG" panose="02030600000101010101" pitchFamily="18" charset="-127"/>
+                <a:ea typeface="SHeadG" panose="02030600000101010101" pitchFamily="18" charset="-127"/>
+              </a:rPr>
+              <a:t>SendMoneyService</a:t>
+            </a:r>
+            <a:endParaRPr kumimoji="1" lang="ko-Kore-KR" altLang="en-US" sz="1200" b="1" dirty="0">
+              <a:solidFill>
+                <a:srgbClr val="5DA2C5"/>
+              </a:solidFill>
+              <a:latin typeface="SHeadG" panose="02030600000101010101" pitchFamily="18" charset="-127"/>
+              <a:ea typeface="SHeadG" panose="02030600000101010101" pitchFamily="18" charset="-127"/>
+            </a:endParaRPr>
+          </a:p>
+        </p:txBody>
+      </p:sp>
+      <p:grpSp>
+        <p:nvGrpSpPr>
+          <p:cNvPr id="383" name="그룹 382">
+            <a:extLst>
+              <a:ext uri="{FF2B5EF4-FFF2-40B4-BE49-F238E27FC236}">
+                <a16:creationId xmlns:a16="http://schemas.microsoft.com/office/drawing/2014/main" id="{47DCA076-6299-B549-9D5D-9C250D3105E4}"/>
+              </a:ext>
+            </a:extLst>
+          </p:cNvPr>
+          <p:cNvGrpSpPr/>
+          <p:nvPr/>
+        </p:nvGrpSpPr>
+        <p:grpSpPr>
+          <a:xfrm>
+            <a:off x="6119217" y="4510069"/>
+            <a:ext cx="235945" cy="105580"/>
+            <a:chOff x="1324234" y="3547227"/>
+            <a:chExt cx="235945" cy="105580"/>
+          </a:xfrm>
+        </p:grpSpPr>
+        <p:cxnSp>
+          <p:nvCxnSpPr>
+            <p:cNvPr id="384" name="직선 연결선[R] 383">
+              <a:extLst>
+                <a:ext uri="{FF2B5EF4-FFF2-40B4-BE49-F238E27FC236}">
+                  <a16:creationId xmlns:a16="http://schemas.microsoft.com/office/drawing/2014/main" id="{C7A19C1E-A672-D541-8F02-1912F8D2BCA2}"/>
+                </a:ext>
+              </a:extLst>
+            </p:cNvPr>
+            <p:cNvCxnSpPr>
+              <a:cxnSpLocks/>
+            </p:cNvCxnSpPr>
+            <p:nvPr/>
+          </p:nvCxnSpPr>
+          <p:spPr>
+            <a:xfrm>
+              <a:off x="1324234" y="3652806"/>
+              <a:ext cx="235945" cy="1"/>
+            </a:xfrm>
+            <a:prstGeom prst="line">
+              <a:avLst/>
+            </a:prstGeom>
+            <a:ln w="25400">
+              <a:solidFill>
+                <a:srgbClr val="5DA2C5"/>
+              </a:solidFill>
+            </a:ln>
+          </p:spPr>
+          <p:style>
+            <a:lnRef idx="1">
+              <a:schemeClr val="accent1"/>
+            </a:lnRef>
+            <a:fillRef idx="0">
+              <a:schemeClr val="accent1"/>
+            </a:fillRef>
+            <a:effectRef idx="0">
+              <a:schemeClr val="accent1"/>
+            </a:effectRef>
+            <a:fontRef idx="minor">
+              <a:schemeClr val="tx1"/>
+            </a:fontRef>
+          </p:style>
+        </p:cxnSp>
+        <p:cxnSp>
+          <p:nvCxnSpPr>
+            <p:cNvPr id="385" name="직선 연결선[R] 384">
+              <a:extLst>
+                <a:ext uri="{FF2B5EF4-FFF2-40B4-BE49-F238E27FC236}">
+                  <a16:creationId xmlns:a16="http://schemas.microsoft.com/office/drawing/2014/main" id="{30C3E5E1-01AC-F348-9559-CFF37E8AB3BA}"/>
+                </a:ext>
+              </a:extLst>
+            </p:cNvPr>
+            <p:cNvCxnSpPr>
+              <a:cxnSpLocks/>
+            </p:cNvCxnSpPr>
+            <p:nvPr/>
+          </p:nvCxnSpPr>
+          <p:spPr>
+            <a:xfrm>
+              <a:off x="1327637" y="3547227"/>
+              <a:ext cx="0" cy="105579"/>
+            </a:xfrm>
+            <a:prstGeom prst="line">
+              <a:avLst/>
+            </a:prstGeom>
+            <a:ln w="25400">
+              <a:solidFill>
+                <a:srgbClr val="5DA2C5"/>
+              </a:solidFill>
+            </a:ln>
+          </p:spPr>
+          <p:style>
+            <a:lnRef idx="1">
+              <a:schemeClr val="accent1"/>
+            </a:lnRef>
+            <a:fillRef idx="0">
+              <a:schemeClr val="accent1"/>
+            </a:fillRef>
+            <a:effectRef idx="0">
+              <a:schemeClr val="accent1"/>
+            </a:effectRef>
+            <a:fontRef idx="minor">
+              <a:schemeClr val="tx1"/>
+            </a:fontRef>
+          </p:style>
+        </p:cxnSp>
+      </p:grpSp>
+      <p:sp>
+        <p:nvSpPr>
+          <p:cNvPr id="386" name="TextBox 385">
+            <a:extLst>
+              <a:ext uri="{FF2B5EF4-FFF2-40B4-BE49-F238E27FC236}">
+                <a16:creationId xmlns:a16="http://schemas.microsoft.com/office/drawing/2014/main" id="{68B282E6-13F7-B64E-A8EE-94779977B139}"/>
+              </a:ext>
+            </a:extLst>
+          </p:cNvPr>
+          <p:cNvSpPr txBox="1"/>
+          <p:nvPr/>
+        </p:nvSpPr>
+        <p:spPr>
+          <a:xfrm>
+            <a:off x="6343228" y="4477148"/>
+            <a:ext cx="1843758" cy="276999"/>
+          </a:xfrm>
+          <a:prstGeom prst="rect">
+            <a:avLst/>
+          </a:prstGeom>
+          <a:noFill/>
+        </p:spPr>
+        <p:txBody>
+          <a:bodyPr wrap="square" rtlCol="0">
+            <a:spAutoFit/>
+          </a:bodyPr>
+          <a:lstStyle/>
+          <a:p>
+            <a:r>
+              <a:rPr kumimoji="1" lang="en-US" altLang="ko-Kore-KR" sz="1200" b="1" dirty="0">
+                <a:solidFill>
+                  <a:srgbClr val="5DA2C5"/>
+                </a:solidFill>
+                <a:latin typeface="SHeadG" panose="02030600000101010101" pitchFamily="18" charset="-127"/>
+                <a:ea typeface="SHeadG" panose="02030600000101010101" pitchFamily="18" charset="-127"/>
+              </a:rPr>
+              <a:t>port</a:t>
+            </a:r>
+            <a:endParaRPr kumimoji="1" lang="ko-Kore-KR" altLang="en-US" sz="1200" b="1" dirty="0">
+              <a:solidFill>
+                <a:srgbClr val="5DA2C5"/>
+              </a:solidFill>
+              <a:latin typeface="SHeadG" panose="02030600000101010101" pitchFamily="18" charset="-127"/>
+              <a:ea typeface="SHeadG" panose="02030600000101010101" pitchFamily="18" charset="-127"/>
+            </a:endParaRPr>
+          </a:p>
+        </p:txBody>
+      </p:sp>
+      <p:sp>
+        <p:nvSpPr>
+          <p:cNvPr id="387" name="TextBox 386">
+            <a:extLst>
+              <a:ext uri="{FF2B5EF4-FFF2-40B4-BE49-F238E27FC236}">
+                <a16:creationId xmlns:a16="http://schemas.microsoft.com/office/drawing/2014/main" id="{B67A826C-96C7-F342-89DC-3FFA195A6EA2}"/>
+              </a:ext>
+            </a:extLst>
+          </p:cNvPr>
+          <p:cNvSpPr txBox="1"/>
+          <p:nvPr/>
+        </p:nvSpPr>
+        <p:spPr>
+          <a:xfrm>
+            <a:off x="6711703" y="4727143"/>
+            <a:ext cx="1843758" cy="276999"/>
+          </a:xfrm>
+          <a:prstGeom prst="rect">
+            <a:avLst/>
+          </a:prstGeom>
+          <a:noFill/>
+        </p:spPr>
+        <p:txBody>
+          <a:bodyPr wrap="square" rtlCol="0">
+            <a:spAutoFit/>
+          </a:bodyPr>
+          <a:lstStyle/>
+          <a:p>
+            <a:r>
+              <a:rPr kumimoji="1" lang="en-US" altLang="ko-Kore-KR" sz="1200" b="1" dirty="0">
+                <a:solidFill>
+                  <a:srgbClr val="5DA2C5"/>
+                </a:solidFill>
+                <a:latin typeface="SHeadG" panose="02030600000101010101" pitchFamily="18" charset="-127"/>
+                <a:ea typeface="SHeadG" panose="02030600000101010101" pitchFamily="18" charset="-127"/>
+              </a:rPr>
+              <a:t>in</a:t>
+            </a:r>
+            <a:endParaRPr kumimoji="1" lang="ko-Kore-KR" altLang="en-US" sz="1200" b="1" dirty="0">
+              <a:solidFill>
+                <a:srgbClr val="5DA2C5"/>
+              </a:solidFill>
+              <a:latin typeface="SHeadG" panose="02030600000101010101" pitchFamily="18" charset="-127"/>
+              <a:ea typeface="SHeadG" panose="02030600000101010101" pitchFamily="18" charset="-127"/>
+            </a:endParaRPr>
+          </a:p>
+        </p:txBody>
+      </p:sp>
+      <p:sp>
+        <p:nvSpPr>
+          <p:cNvPr id="388" name="TextBox 387">
+            <a:extLst>
+              <a:ext uri="{FF2B5EF4-FFF2-40B4-BE49-F238E27FC236}">
+                <a16:creationId xmlns:a16="http://schemas.microsoft.com/office/drawing/2014/main" id="{7D84CD8C-FFB2-FA46-BFE4-492D9DE17859}"/>
+              </a:ext>
+            </a:extLst>
+          </p:cNvPr>
+          <p:cNvSpPr txBox="1"/>
+          <p:nvPr/>
+        </p:nvSpPr>
+        <p:spPr>
+          <a:xfrm>
+            <a:off x="7080178" y="4977138"/>
+            <a:ext cx="1843758" cy="276999"/>
+          </a:xfrm>
+          <a:prstGeom prst="rect">
+            <a:avLst/>
+          </a:prstGeom>
+          <a:noFill/>
+        </p:spPr>
+        <p:txBody>
+          <a:bodyPr wrap="square" rtlCol="0">
+            <a:spAutoFit/>
+          </a:bodyPr>
+          <a:lstStyle/>
+          <a:p>
+            <a:r>
+              <a:rPr kumimoji="1" lang="en-US" altLang="ko-Kore-KR" sz="1200" b="1" dirty="0" err="1">
+                <a:solidFill>
+                  <a:srgbClr val="5DA2C5"/>
+                </a:solidFill>
+                <a:latin typeface="SHeadG" panose="02030600000101010101" pitchFamily="18" charset="-127"/>
+                <a:ea typeface="SHeadG" panose="02030600000101010101" pitchFamily="18" charset="-127"/>
+              </a:rPr>
+              <a:t>SendMoneyUseCase</a:t>
+            </a:r>
+            <a:endParaRPr kumimoji="1" lang="ko-Kore-KR" altLang="en-US" sz="1200" b="1" dirty="0">
+              <a:solidFill>
+                <a:srgbClr val="5DA2C5"/>
+              </a:solidFill>
+              <a:latin typeface="SHeadG" panose="02030600000101010101" pitchFamily="18" charset="-127"/>
+              <a:ea typeface="SHeadG" panose="02030600000101010101" pitchFamily="18" charset="-127"/>
+            </a:endParaRPr>
+          </a:p>
+        </p:txBody>
+      </p:sp>
+      <p:sp>
+        <p:nvSpPr>
+          <p:cNvPr id="389" name="TextBox 388">
+            <a:extLst>
+              <a:ext uri="{FF2B5EF4-FFF2-40B4-BE49-F238E27FC236}">
+                <a16:creationId xmlns:a16="http://schemas.microsoft.com/office/drawing/2014/main" id="{62B74D6A-84E8-1449-A462-AB01BBBEC159}"/>
+              </a:ext>
+            </a:extLst>
+          </p:cNvPr>
+          <p:cNvSpPr txBox="1"/>
+          <p:nvPr/>
+        </p:nvSpPr>
+        <p:spPr>
+          <a:xfrm>
+            <a:off x="6733303" y="5270834"/>
+            <a:ext cx="1843758" cy="276999"/>
+          </a:xfrm>
+          <a:prstGeom prst="rect">
+            <a:avLst/>
+          </a:prstGeom>
+          <a:noFill/>
+        </p:spPr>
+        <p:txBody>
+          <a:bodyPr wrap="square" rtlCol="0">
+            <a:spAutoFit/>
+          </a:bodyPr>
+          <a:lstStyle/>
+          <a:p>
+            <a:r>
+              <a:rPr kumimoji="1" lang="en-US" altLang="ko-Kore-KR" sz="1200" b="1" dirty="0">
+                <a:solidFill>
+                  <a:srgbClr val="5DA2C5"/>
+                </a:solidFill>
+                <a:latin typeface="SHeadG" panose="02030600000101010101" pitchFamily="18" charset="-127"/>
+                <a:ea typeface="SHeadG" panose="02030600000101010101" pitchFamily="18" charset="-127"/>
+              </a:rPr>
+              <a:t>out</a:t>
+            </a:r>
+            <a:endParaRPr kumimoji="1" lang="ko-Kore-KR" altLang="en-US" sz="1200" b="1" dirty="0">
+              <a:solidFill>
+                <a:srgbClr val="5DA2C5"/>
+              </a:solidFill>
+              <a:latin typeface="SHeadG" panose="02030600000101010101" pitchFamily="18" charset="-127"/>
+              <a:ea typeface="SHeadG" panose="02030600000101010101" pitchFamily="18" charset="-127"/>
+            </a:endParaRPr>
+          </a:p>
+        </p:txBody>
+      </p:sp>
+      <p:sp>
+        <p:nvSpPr>
+          <p:cNvPr id="390" name="TextBox 389">
+            <a:extLst>
+              <a:ext uri="{FF2B5EF4-FFF2-40B4-BE49-F238E27FC236}">
+                <a16:creationId xmlns:a16="http://schemas.microsoft.com/office/drawing/2014/main" id="{CD403FFF-320F-8E43-ADC8-585DADB25F7F}"/>
+              </a:ext>
+            </a:extLst>
+          </p:cNvPr>
+          <p:cNvSpPr txBox="1"/>
+          <p:nvPr/>
+        </p:nvSpPr>
+        <p:spPr>
+          <a:xfrm>
+            <a:off x="7137954" y="5573034"/>
+            <a:ext cx="1843758" cy="276999"/>
+          </a:xfrm>
+          <a:prstGeom prst="rect">
+            <a:avLst/>
+          </a:prstGeom>
+          <a:noFill/>
+        </p:spPr>
+        <p:txBody>
+          <a:bodyPr wrap="square" rtlCol="0">
+            <a:spAutoFit/>
+          </a:bodyPr>
+          <a:lstStyle/>
+          <a:p>
+            <a:r>
+              <a:rPr kumimoji="1" lang="en-US" altLang="ko-Kore-KR" sz="1200" b="1" dirty="0" err="1">
+                <a:solidFill>
+                  <a:srgbClr val="5DA2C5"/>
+                </a:solidFill>
+                <a:latin typeface="SHeadG" panose="02030600000101010101" pitchFamily="18" charset="-127"/>
+                <a:ea typeface="SHeadG" panose="02030600000101010101" pitchFamily="18" charset="-127"/>
+              </a:rPr>
+              <a:t>LoadAccountPort</a:t>
+            </a:r>
+            <a:endParaRPr kumimoji="1" lang="ko-Kore-KR" altLang="en-US" sz="1200" b="1" dirty="0">
+              <a:solidFill>
+                <a:srgbClr val="5DA2C5"/>
+              </a:solidFill>
+              <a:latin typeface="SHeadG" panose="02030600000101010101" pitchFamily="18" charset="-127"/>
+              <a:ea typeface="SHeadG" panose="02030600000101010101" pitchFamily="18" charset="-127"/>
+            </a:endParaRPr>
+          </a:p>
+        </p:txBody>
+      </p:sp>
+      <p:sp>
+        <p:nvSpPr>
+          <p:cNvPr id="391" name="TextBox 390">
+            <a:extLst>
+              <a:ext uri="{FF2B5EF4-FFF2-40B4-BE49-F238E27FC236}">
+                <a16:creationId xmlns:a16="http://schemas.microsoft.com/office/drawing/2014/main" id="{64022815-0E28-A942-854F-806227B99B85}"/>
+              </a:ext>
+            </a:extLst>
+          </p:cNvPr>
+          <p:cNvSpPr txBox="1"/>
+          <p:nvPr/>
+        </p:nvSpPr>
+        <p:spPr>
+          <a:xfrm>
+            <a:off x="7137953" y="5885526"/>
+            <a:ext cx="2186311" cy="276999"/>
+          </a:xfrm>
+          <a:prstGeom prst="rect">
+            <a:avLst/>
+          </a:prstGeom>
+          <a:noFill/>
+        </p:spPr>
+        <p:txBody>
+          <a:bodyPr wrap="square" rtlCol="0">
+            <a:spAutoFit/>
+          </a:bodyPr>
+          <a:lstStyle/>
+          <a:p>
+            <a:r>
+              <a:rPr kumimoji="1" lang="en-US" altLang="ko-Kore-KR" sz="1200" b="1" dirty="0" err="1">
+                <a:solidFill>
+                  <a:srgbClr val="5DA2C5"/>
+                </a:solidFill>
+                <a:latin typeface="SHeadG" panose="02030600000101010101" pitchFamily="18" charset="-127"/>
+                <a:ea typeface="SHeadG" panose="02030600000101010101" pitchFamily="18" charset="-127"/>
+              </a:rPr>
+              <a:t>UpdateAccountStatePort</a:t>
+            </a:r>
+            <a:endParaRPr kumimoji="1" lang="ko-Kore-KR" altLang="en-US" sz="1200" b="1" dirty="0">
+              <a:solidFill>
+                <a:srgbClr val="5DA2C5"/>
+              </a:solidFill>
+              <a:latin typeface="SHeadG" panose="02030600000101010101" pitchFamily="18" charset="-127"/>
+              <a:ea typeface="SHeadG" panose="02030600000101010101" pitchFamily="18" charset="-127"/>
+            </a:endParaRPr>
+          </a:p>
+        </p:txBody>
+      </p:sp>
+      <p:grpSp>
+        <p:nvGrpSpPr>
+          <p:cNvPr id="392" name="그룹 391">
+            <a:extLst>
+              <a:ext uri="{FF2B5EF4-FFF2-40B4-BE49-F238E27FC236}">
+                <a16:creationId xmlns:a16="http://schemas.microsoft.com/office/drawing/2014/main" id="{5B388785-0827-EF4C-AABC-8A6C7904CC64}"/>
+              </a:ext>
+            </a:extLst>
+          </p:cNvPr>
+          <p:cNvGrpSpPr/>
+          <p:nvPr/>
+        </p:nvGrpSpPr>
+        <p:grpSpPr>
+          <a:xfrm>
+            <a:off x="6475758" y="4773566"/>
+            <a:ext cx="235945" cy="211157"/>
+            <a:chOff x="1294213" y="3684223"/>
+            <a:chExt cx="235945" cy="211157"/>
+          </a:xfrm>
+        </p:grpSpPr>
+        <p:cxnSp>
+          <p:nvCxnSpPr>
+            <p:cNvPr id="393" name="직선 연결선[R] 392">
+              <a:extLst>
+                <a:ext uri="{FF2B5EF4-FFF2-40B4-BE49-F238E27FC236}">
+                  <a16:creationId xmlns:a16="http://schemas.microsoft.com/office/drawing/2014/main" id="{81DEF21D-1318-4744-B7CF-E8E80182B0EC}"/>
+                </a:ext>
+              </a:extLst>
+            </p:cNvPr>
+            <p:cNvCxnSpPr>
+              <a:cxnSpLocks/>
+            </p:cNvCxnSpPr>
+            <p:nvPr/>
+          </p:nvCxnSpPr>
+          <p:spPr>
+            <a:xfrm>
+              <a:off x="1294213" y="3789802"/>
+              <a:ext cx="235945" cy="1"/>
+            </a:xfrm>
+            <a:prstGeom prst="line">
+              <a:avLst/>
+            </a:prstGeom>
+            <a:ln w="25400">
+              <a:solidFill>
+                <a:srgbClr val="5DA2C5"/>
+              </a:solidFill>
+            </a:ln>
+          </p:spPr>
+          <p:style>
+            <a:lnRef idx="1">
+              <a:schemeClr val="accent1"/>
+            </a:lnRef>
+            <a:fillRef idx="0">
+              <a:schemeClr val="accent1"/>
+            </a:fillRef>
+            <a:effectRef idx="0">
+              <a:schemeClr val="accent1"/>
+            </a:effectRef>
+            <a:fontRef idx="minor">
+              <a:schemeClr val="tx1"/>
+            </a:fontRef>
+          </p:style>
+        </p:cxnSp>
+        <p:cxnSp>
+          <p:nvCxnSpPr>
+            <p:cNvPr id="394" name="직선 연결선[R] 393">
+              <a:extLst>
+                <a:ext uri="{FF2B5EF4-FFF2-40B4-BE49-F238E27FC236}">
+                  <a16:creationId xmlns:a16="http://schemas.microsoft.com/office/drawing/2014/main" id="{F1A7CDC9-0253-3B4E-BAB8-1C4E0E0FF71A}"/>
+                </a:ext>
+              </a:extLst>
+            </p:cNvPr>
+            <p:cNvCxnSpPr>
+              <a:cxnSpLocks/>
+            </p:cNvCxnSpPr>
+            <p:nvPr/>
+          </p:nvCxnSpPr>
+          <p:spPr>
+            <a:xfrm>
+              <a:off x="1297616" y="3684223"/>
+              <a:ext cx="0" cy="211157"/>
+            </a:xfrm>
+            <a:prstGeom prst="line">
+              <a:avLst/>
+            </a:prstGeom>
+            <a:ln w="25400">
+              <a:solidFill>
+                <a:srgbClr val="5DA2C5"/>
+              </a:solidFill>
+            </a:ln>
+          </p:spPr>
+          <p:style>
+            <a:lnRef idx="1">
+              <a:schemeClr val="accent1"/>
+            </a:lnRef>
+            <a:fillRef idx="0">
+              <a:schemeClr val="accent1"/>
+            </a:fillRef>
+            <a:effectRef idx="0">
+              <a:schemeClr val="accent1"/>
+            </a:effectRef>
+            <a:fontRef idx="minor">
+              <a:schemeClr val="tx1"/>
+            </a:fontRef>
+          </p:style>
+        </p:cxnSp>
+      </p:grpSp>
+      <p:grpSp>
+        <p:nvGrpSpPr>
+          <p:cNvPr id="395" name="그룹 394">
+            <a:extLst>
+              <a:ext uri="{FF2B5EF4-FFF2-40B4-BE49-F238E27FC236}">
+                <a16:creationId xmlns:a16="http://schemas.microsoft.com/office/drawing/2014/main" id="{F7AE1949-E192-3643-BF00-FF241EDF195E}"/>
+              </a:ext>
+            </a:extLst>
+          </p:cNvPr>
+          <p:cNvGrpSpPr/>
+          <p:nvPr/>
+        </p:nvGrpSpPr>
+        <p:grpSpPr>
+          <a:xfrm>
+            <a:off x="6845935" y="5018941"/>
+            <a:ext cx="235945" cy="105580"/>
+            <a:chOff x="1324234" y="3547227"/>
+            <a:chExt cx="235945" cy="105580"/>
+          </a:xfrm>
+        </p:grpSpPr>
+        <p:cxnSp>
+          <p:nvCxnSpPr>
+            <p:cNvPr id="396" name="직선 연결선[R] 395">
+              <a:extLst>
+                <a:ext uri="{FF2B5EF4-FFF2-40B4-BE49-F238E27FC236}">
+                  <a16:creationId xmlns:a16="http://schemas.microsoft.com/office/drawing/2014/main" id="{53AFA797-3541-8845-92F1-770C0A716F79}"/>
+                </a:ext>
+              </a:extLst>
+            </p:cNvPr>
+            <p:cNvCxnSpPr>
+              <a:cxnSpLocks/>
+            </p:cNvCxnSpPr>
+            <p:nvPr/>
+          </p:nvCxnSpPr>
+          <p:spPr>
+            <a:xfrm>
+              <a:off x="1324234" y="3652806"/>
+              <a:ext cx="235945" cy="1"/>
+            </a:xfrm>
+            <a:prstGeom prst="line">
+              <a:avLst/>
+            </a:prstGeom>
+            <a:ln w="25400">
+              <a:solidFill>
+                <a:srgbClr val="5DA2C5"/>
+              </a:solidFill>
+            </a:ln>
+          </p:spPr>
+          <p:style>
+            <a:lnRef idx="1">
+              <a:schemeClr val="accent1"/>
+            </a:lnRef>
+            <a:fillRef idx="0">
+              <a:schemeClr val="accent1"/>
+            </a:fillRef>
+            <a:effectRef idx="0">
+              <a:schemeClr val="accent1"/>
+            </a:effectRef>
+            <a:fontRef idx="minor">
+              <a:schemeClr val="tx1"/>
+            </a:fontRef>
+          </p:style>
+        </p:cxnSp>
+        <p:cxnSp>
+          <p:nvCxnSpPr>
+            <p:cNvPr id="397" name="직선 연결선[R] 396">
+              <a:extLst>
+                <a:ext uri="{FF2B5EF4-FFF2-40B4-BE49-F238E27FC236}">
+                  <a16:creationId xmlns:a16="http://schemas.microsoft.com/office/drawing/2014/main" id="{37B83122-86F9-294F-B0FA-FF9EC75101D9}"/>
+                </a:ext>
+              </a:extLst>
+            </p:cNvPr>
+            <p:cNvCxnSpPr>
+              <a:cxnSpLocks/>
+            </p:cNvCxnSpPr>
+            <p:nvPr/>
+          </p:nvCxnSpPr>
+          <p:spPr>
+            <a:xfrm>
+              <a:off x="1327637" y="3547227"/>
+              <a:ext cx="0" cy="105579"/>
+            </a:xfrm>
+            <a:prstGeom prst="line">
+              <a:avLst/>
+            </a:prstGeom>
+            <a:ln w="25400">
+              <a:solidFill>
+                <a:srgbClr val="5DA2C5"/>
+              </a:solidFill>
+            </a:ln>
+          </p:spPr>
+          <p:style>
+            <a:lnRef idx="1">
+              <a:schemeClr val="accent1"/>
+            </a:lnRef>
+            <a:fillRef idx="0">
+              <a:schemeClr val="accent1"/>
+            </a:fillRef>
+            <a:effectRef idx="0">
+              <a:schemeClr val="accent1"/>
+            </a:effectRef>
+            <a:fontRef idx="minor">
+              <a:schemeClr val="tx1"/>
+            </a:fontRef>
+          </p:style>
+        </p:cxnSp>
+      </p:grpSp>
+      <p:grpSp>
+        <p:nvGrpSpPr>
+          <p:cNvPr id="398" name="그룹 397">
+            <a:extLst>
+              <a:ext uri="{FF2B5EF4-FFF2-40B4-BE49-F238E27FC236}">
+                <a16:creationId xmlns:a16="http://schemas.microsoft.com/office/drawing/2014/main" id="{BE24CF50-8F7B-BE43-B44D-E96CB0442A2C}"/>
+              </a:ext>
+            </a:extLst>
+          </p:cNvPr>
+          <p:cNvGrpSpPr/>
+          <p:nvPr/>
+        </p:nvGrpSpPr>
+        <p:grpSpPr>
+          <a:xfrm>
+            <a:off x="6475757" y="5339233"/>
+            <a:ext cx="235945" cy="105580"/>
+            <a:chOff x="1324234" y="3547227"/>
+            <a:chExt cx="235945" cy="105580"/>
+          </a:xfrm>
+        </p:grpSpPr>
+        <p:cxnSp>
+          <p:nvCxnSpPr>
+            <p:cNvPr id="399" name="직선 연결선[R] 398">
+              <a:extLst>
+                <a:ext uri="{FF2B5EF4-FFF2-40B4-BE49-F238E27FC236}">
+                  <a16:creationId xmlns:a16="http://schemas.microsoft.com/office/drawing/2014/main" id="{A30488E3-22DC-EB4B-AC3C-5266469E63E1}"/>
+                </a:ext>
+              </a:extLst>
+            </p:cNvPr>
+            <p:cNvCxnSpPr>
+              <a:cxnSpLocks/>
+            </p:cNvCxnSpPr>
+            <p:nvPr/>
+          </p:nvCxnSpPr>
+          <p:spPr>
+            <a:xfrm>
+              <a:off x="1324234" y="3652806"/>
+              <a:ext cx="235945" cy="1"/>
+            </a:xfrm>
+            <a:prstGeom prst="line">
+              <a:avLst/>
+            </a:prstGeom>
+            <a:ln w="25400">
+              <a:solidFill>
+                <a:srgbClr val="5DA2C5"/>
+              </a:solidFill>
+            </a:ln>
+          </p:spPr>
+          <p:style>
+            <a:lnRef idx="1">
+              <a:schemeClr val="accent1"/>
+            </a:lnRef>
+            <a:fillRef idx="0">
+              <a:schemeClr val="accent1"/>
+            </a:fillRef>
+            <a:effectRef idx="0">
+              <a:schemeClr val="accent1"/>
+            </a:effectRef>
+            <a:fontRef idx="minor">
+              <a:schemeClr val="tx1"/>
+            </a:fontRef>
+          </p:style>
+        </p:cxnSp>
+        <p:cxnSp>
+          <p:nvCxnSpPr>
+            <p:cNvPr id="400" name="직선 연결선[R] 399">
+              <a:extLst>
+                <a:ext uri="{FF2B5EF4-FFF2-40B4-BE49-F238E27FC236}">
+                  <a16:creationId xmlns:a16="http://schemas.microsoft.com/office/drawing/2014/main" id="{E8DF651C-6C93-C14F-AA1E-A2A88832A063}"/>
+                </a:ext>
+              </a:extLst>
+            </p:cNvPr>
+            <p:cNvCxnSpPr>
+              <a:cxnSpLocks/>
+            </p:cNvCxnSpPr>
+            <p:nvPr/>
+          </p:nvCxnSpPr>
+          <p:spPr>
+            <a:xfrm>
+              <a:off x="1327637" y="3547227"/>
+              <a:ext cx="0" cy="105579"/>
+            </a:xfrm>
+            <a:prstGeom prst="line">
+              <a:avLst/>
+            </a:prstGeom>
+            <a:ln w="25400">
+              <a:solidFill>
+                <a:srgbClr val="5DA2C5"/>
+              </a:solidFill>
+            </a:ln>
+          </p:spPr>
+          <p:style>
+            <a:lnRef idx="1">
+              <a:schemeClr val="accent1"/>
+            </a:lnRef>
+            <a:fillRef idx="0">
+              <a:schemeClr val="accent1"/>
+            </a:fillRef>
+            <a:effectRef idx="0">
+              <a:schemeClr val="accent1"/>
+            </a:effectRef>
+            <a:fontRef idx="minor">
+              <a:schemeClr val="tx1"/>
+            </a:fontRef>
+          </p:style>
+        </p:cxnSp>
+      </p:grpSp>
+      <p:cxnSp>
+        <p:nvCxnSpPr>
+          <p:cNvPr id="401" name="직선 연결선[R] 400">
+            <a:extLst>
+              <a:ext uri="{FF2B5EF4-FFF2-40B4-BE49-F238E27FC236}">
+                <a16:creationId xmlns:a16="http://schemas.microsoft.com/office/drawing/2014/main" id="{6901DF26-5EE3-A04C-B920-F5963B1802B5}"/>
+              </a:ext>
+            </a:extLst>
+          </p:cNvPr>
+          <p:cNvCxnSpPr>
+            <a:cxnSpLocks/>
+          </p:cNvCxnSpPr>
+          <p:nvPr/>
+        </p:nvCxnSpPr>
+        <p:spPr>
+          <a:xfrm>
+            <a:off x="6472726" y="5040299"/>
+            <a:ext cx="0" cy="211157"/>
+          </a:xfrm>
+          <a:prstGeom prst="line">
+            <a:avLst/>
+          </a:prstGeom>
+          <a:ln w="25400">
+            <a:solidFill>
+              <a:srgbClr val="5DA2C5"/>
+            </a:solidFill>
+          </a:ln>
+        </p:spPr>
+        <p:style>
+          <a:lnRef idx="1">
+            <a:schemeClr val="accent1"/>
+          </a:lnRef>
+          <a:fillRef idx="0">
+            <a:schemeClr val="accent1"/>
+          </a:fillRef>
+          <a:effectRef idx="0">
+            <a:schemeClr val="accent1"/>
+          </a:effectRef>
+          <a:fontRef idx="minor">
+            <a:schemeClr val="tx1"/>
+          </a:fontRef>
+        </p:style>
+      </p:cxnSp>
+      <p:grpSp>
+        <p:nvGrpSpPr>
+          <p:cNvPr id="405" name="그룹 404">
+            <a:extLst>
+              <a:ext uri="{FF2B5EF4-FFF2-40B4-BE49-F238E27FC236}">
+                <a16:creationId xmlns:a16="http://schemas.microsoft.com/office/drawing/2014/main" id="{54705176-B919-474C-AA61-E863662375B5}"/>
+              </a:ext>
+            </a:extLst>
+          </p:cNvPr>
+          <p:cNvGrpSpPr/>
+          <p:nvPr/>
+        </p:nvGrpSpPr>
+        <p:grpSpPr>
+          <a:xfrm>
+            <a:off x="6868957" y="5602659"/>
+            <a:ext cx="235945" cy="211157"/>
+            <a:chOff x="1294213" y="3684223"/>
+            <a:chExt cx="235945" cy="211157"/>
+          </a:xfrm>
+        </p:grpSpPr>
+        <p:cxnSp>
+          <p:nvCxnSpPr>
+            <p:cNvPr id="406" name="직선 연결선[R] 405">
+              <a:extLst>
+                <a:ext uri="{FF2B5EF4-FFF2-40B4-BE49-F238E27FC236}">
+                  <a16:creationId xmlns:a16="http://schemas.microsoft.com/office/drawing/2014/main" id="{B3C737CA-5511-8249-9DB0-1D35B21F442C}"/>
+                </a:ext>
+              </a:extLst>
+            </p:cNvPr>
+            <p:cNvCxnSpPr>
+              <a:cxnSpLocks/>
+            </p:cNvCxnSpPr>
+            <p:nvPr/>
+          </p:nvCxnSpPr>
+          <p:spPr>
+            <a:xfrm>
+              <a:off x="1294213" y="3789802"/>
+              <a:ext cx="235945" cy="1"/>
+            </a:xfrm>
+            <a:prstGeom prst="line">
+              <a:avLst/>
+            </a:prstGeom>
+            <a:ln w="25400">
+              <a:solidFill>
+                <a:srgbClr val="5DA2C5"/>
+              </a:solidFill>
+            </a:ln>
+          </p:spPr>
+          <p:style>
+            <a:lnRef idx="1">
+              <a:schemeClr val="accent1"/>
+            </a:lnRef>
+            <a:fillRef idx="0">
+              <a:schemeClr val="accent1"/>
+            </a:fillRef>
+            <a:effectRef idx="0">
+              <a:schemeClr val="accent1"/>
+            </a:effectRef>
+            <a:fontRef idx="minor">
+              <a:schemeClr val="tx1"/>
+            </a:fontRef>
+          </p:style>
+        </p:cxnSp>
+        <p:cxnSp>
+          <p:nvCxnSpPr>
+            <p:cNvPr id="407" name="직선 연결선[R] 406">
+              <a:extLst>
+                <a:ext uri="{FF2B5EF4-FFF2-40B4-BE49-F238E27FC236}">
+                  <a16:creationId xmlns:a16="http://schemas.microsoft.com/office/drawing/2014/main" id="{363DC207-0125-4D47-9E9E-FB9426C645AF}"/>
+                </a:ext>
+              </a:extLst>
+            </p:cNvPr>
+            <p:cNvCxnSpPr>
+              <a:cxnSpLocks/>
+            </p:cNvCxnSpPr>
+            <p:nvPr/>
+          </p:nvCxnSpPr>
+          <p:spPr>
+            <a:xfrm>
+              <a:off x="1297616" y="3684223"/>
+              <a:ext cx="0" cy="211157"/>
+            </a:xfrm>
+            <a:prstGeom prst="line">
+              <a:avLst/>
+            </a:prstGeom>
+            <a:ln w="25400">
+              <a:solidFill>
+                <a:srgbClr val="5DA2C5"/>
+              </a:solidFill>
+            </a:ln>
+          </p:spPr>
+          <p:style>
+            <a:lnRef idx="1">
+              <a:schemeClr val="accent1"/>
+            </a:lnRef>
+            <a:fillRef idx="0">
+              <a:schemeClr val="accent1"/>
+            </a:fillRef>
+            <a:effectRef idx="0">
+              <a:schemeClr val="accent1"/>
+            </a:effectRef>
+            <a:fontRef idx="minor">
+              <a:schemeClr val="tx1"/>
+            </a:fontRef>
+          </p:style>
+        </p:cxnSp>
+      </p:grpSp>
+      <p:grpSp>
+        <p:nvGrpSpPr>
+          <p:cNvPr id="408" name="그룹 407">
+            <a:extLst>
+              <a:ext uri="{FF2B5EF4-FFF2-40B4-BE49-F238E27FC236}">
+                <a16:creationId xmlns:a16="http://schemas.microsoft.com/office/drawing/2014/main" id="{DC3EC299-BDC1-2F44-A3B2-F49862E31AAD}"/>
+              </a:ext>
+            </a:extLst>
+          </p:cNvPr>
+          <p:cNvGrpSpPr/>
+          <p:nvPr/>
+        </p:nvGrpSpPr>
+        <p:grpSpPr>
+          <a:xfrm>
+            <a:off x="6873094" y="5940889"/>
+            <a:ext cx="235945" cy="105580"/>
+            <a:chOff x="1324234" y="3547227"/>
+            <a:chExt cx="235945" cy="105580"/>
+          </a:xfrm>
+        </p:grpSpPr>
+        <p:cxnSp>
+          <p:nvCxnSpPr>
+            <p:cNvPr id="409" name="직선 연결선[R] 408">
+              <a:extLst>
+                <a:ext uri="{FF2B5EF4-FFF2-40B4-BE49-F238E27FC236}">
+                  <a16:creationId xmlns:a16="http://schemas.microsoft.com/office/drawing/2014/main" id="{A78254BB-BCD4-0B41-A8AC-C4CAB05B7B4D}"/>
+                </a:ext>
+              </a:extLst>
+            </p:cNvPr>
+            <p:cNvCxnSpPr>
+              <a:cxnSpLocks/>
+            </p:cNvCxnSpPr>
+            <p:nvPr/>
+          </p:nvCxnSpPr>
+          <p:spPr>
+            <a:xfrm>
+              <a:off x="1324234" y="3652806"/>
+              <a:ext cx="235945" cy="1"/>
+            </a:xfrm>
+            <a:prstGeom prst="line">
+              <a:avLst/>
+            </a:prstGeom>
+            <a:ln w="25400">
+              <a:solidFill>
+                <a:srgbClr val="5DA2C5"/>
+              </a:solidFill>
+            </a:ln>
+          </p:spPr>
+          <p:style>
+            <a:lnRef idx="1">
+              <a:schemeClr val="accent1"/>
+            </a:lnRef>
+            <a:fillRef idx="0">
+              <a:schemeClr val="accent1"/>
+            </a:fillRef>
+            <a:effectRef idx="0">
+              <a:schemeClr val="accent1"/>
+            </a:effectRef>
+            <a:fontRef idx="minor">
+              <a:schemeClr val="tx1"/>
+            </a:fontRef>
+          </p:style>
+        </p:cxnSp>
+        <p:cxnSp>
+          <p:nvCxnSpPr>
+            <p:cNvPr id="410" name="직선 연결선[R] 409">
+              <a:extLst>
+                <a:ext uri="{FF2B5EF4-FFF2-40B4-BE49-F238E27FC236}">
+                  <a16:creationId xmlns:a16="http://schemas.microsoft.com/office/drawing/2014/main" id="{2EFBF0D7-F636-EF40-AEEF-162D4E5CFCE5}"/>
+                </a:ext>
+              </a:extLst>
+            </p:cNvPr>
+            <p:cNvCxnSpPr>
+              <a:cxnSpLocks/>
+            </p:cNvCxnSpPr>
+            <p:nvPr/>
+          </p:nvCxnSpPr>
+          <p:spPr>
+            <a:xfrm>
+              <a:off x="1327637" y="3547227"/>
+              <a:ext cx="0" cy="105579"/>
+            </a:xfrm>
+            <a:prstGeom prst="line">
+              <a:avLst/>
+            </a:prstGeom>
+            <a:ln w="25400">
+              <a:solidFill>
+                <a:srgbClr val="5DA2C5"/>
+              </a:solidFill>
+            </a:ln>
+          </p:spPr>
+          <p:style>
+            <a:lnRef idx="1">
+              <a:schemeClr val="accent1"/>
+            </a:lnRef>
+            <a:fillRef idx="0">
+              <a:schemeClr val="accent1"/>
+            </a:fillRef>
+            <a:effectRef idx="0">
+              <a:schemeClr val="accent1"/>
+            </a:effectRef>
+            <a:fontRef idx="minor">
+              <a:schemeClr val="tx1"/>
+            </a:fontRef>
+          </p:style>
+        </p:cxnSp>
+      </p:grpSp>
+      <p:grpSp>
+        <p:nvGrpSpPr>
+          <p:cNvPr id="411" name="그룹 410">
+            <a:extLst>
+              <a:ext uri="{FF2B5EF4-FFF2-40B4-BE49-F238E27FC236}">
+                <a16:creationId xmlns:a16="http://schemas.microsoft.com/office/drawing/2014/main" id="{F13B3E94-77C1-5641-A004-DA5DAA809368}"/>
+              </a:ext>
+            </a:extLst>
+          </p:cNvPr>
+          <p:cNvGrpSpPr/>
+          <p:nvPr/>
+        </p:nvGrpSpPr>
+        <p:grpSpPr>
+          <a:xfrm>
+            <a:off x="5730523" y="4011514"/>
+            <a:ext cx="235945" cy="105580"/>
+            <a:chOff x="1324234" y="3547227"/>
+            <a:chExt cx="235945" cy="105580"/>
+          </a:xfrm>
+        </p:grpSpPr>
+        <p:cxnSp>
+          <p:nvCxnSpPr>
+            <p:cNvPr id="412" name="직선 연결선[R] 411">
+              <a:extLst>
+                <a:ext uri="{FF2B5EF4-FFF2-40B4-BE49-F238E27FC236}">
+                  <a16:creationId xmlns:a16="http://schemas.microsoft.com/office/drawing/2014/main" id="{C92AAA30-CA71-1941-8810-7C6F99BFD549}"/>
+                </a:ext>
+              </a:extLst>
+            </p:cNvPr>
+            <p:cNvCxnSpPr>
+              <a:cxnSpLocks/>
+            </p:cNvCxnSpPr>
+            <p:nvPr/>
+          </p:nvCxnSpPr>
+          <p:spPr>
+            <a:xfrm>
+              <a:off x="1324234" y="3652806"/>
+              <a:ext cx="235945" cy="1"/>
+            </a:xfrm>
+            <a:prstGeom prst="line">
+              <a:avLst/>
+            </a:prstGeom>
+            <a:ln w="25400">
+              <a:solidFill>
+                <a:srgbClr val="5DA2C5"/>
+              </a:solidFill>
+            </a:ln>
+          </p:spPr>
+          <p:style>
+            <a:lnRef idx="1">
+              <a:schemeClr val="accent1"/>
+            </a:lnRef>
+            <a:fillRef idx="0">
+              <a:schemeClr val="accent1"/>
+            </a:fillRef>
+            <a:effectRef idx="0">
+              <a:schemeClr val="accent1"/>
+            </a:effectRef>
+            <a:fontRef idx="minor">
+              <a:schemeClr val="tx1"/>
+            </a:fontRef>
+          </p:style>
+        </p:cxnSp>
+        <p:cxnSp>
+          <p:nvCxnSpPr>
+            <p:cNvPr id="413" name="직선 연결선[R] 412">
+              <a:extLst>
+                <a:ext uri="{FF2B5EF4-FFF2-40B4-BE49-F238E27FC236}">
+                  <a16:creationId xmlns:a16="http://schemas.microsoft.com/office/drawing/2014/main" id="{F7F94AD4-B0D3-C84A-860A-10242408BA54}"/>
+                </a:ext>
+              </a:extLst>
+            </p:cNvPr>
+            <p:cNvCxnSpPr>
+              <a:cxnSpLocks/>
+            </p:cNvCxnSpPr>
+            <p:nvPr/>
+          </p:nvCxnSpPr>
+          <p:spPr>
+            <a:xfrm>
+              <a:off x="1327637" y="3547227"/>
+              <a:ext cx="0" cy="105579"/>
+            </a:xfrm>
+            <a:prstGeom prst="line">
+              <a:avLst/>
+            </a:prstGeom>
+            <a:ln w="25400">
+              <a:solidFill>
+                <a:srgbClr val="5DA2C5"/>
+              </a:solidFill>
+            </a:ln>
+          </p:spPr>
+          <p:style>
+            <a:lnRef idx="1">
+              <a:schemeClr val="accent1"/>
+            </a:lnRef>
+            <a:fillRef idx="0">
+              <a:schemeClr val="accent1"/>
+            </a:fillRef>
+            <a:effectRef idx="0">
+              <a:schemeClr val="accent1"/>
+            </a:effectRef>
+            <a:fontRef idx="minor">
+              <a:schemeClr val="tx1"/>
+            </a:fontRef>
+          </p:style>
+        </p:cxnSp>
+      </p:grpSp>
+      <p:cxnSp>
+        <p:nvCxnSpPr>
+          <p:cNvPr id="414" name="직선 연결선[R] 413">
+            <a:extLst>
+              <a:ext uri="{FF2B5EF4-FFF2-40B4-BE49-F238E27FC236}">
+                <a16:creationId xmlns:a16="http://schemas.microsoft.com/office/drawing/2014/main" id="{4F2ACBB2-C14F-D04A-AA2C-E9616A915CE9}"/>
+              </a:ext>
+            </a:extLst>
+          </p:cNvPr>
+          <p:cNvCxnSpPr>
+            <a:cxnSpLocks/>
+          </p:cNvCxnSpPr>
+          <p:nvPr/>
+        </p:nvCxnSpPr>
+        <p:spPr>
+          <a:xfrm>
+            <a:off x="5730525" y="2354427"/>
+            <a:ext cx="0" cy="211157"/>
+          </a:xfrm>
+          <a:prstGeom prst="line">
+            <a:avLst/>
+          </a:prstGeom>
+          <a:ln w="25400">
+            <a:solidFill>
+              <a:srgbClr val="5DA2C5"/>
+            </a:solidFill>
+          </a:ln>
+        </p:spPr>
+        <p:style>
+          <a:lnRef idx="1">
+            <a:schemeClr val="accent1"/>
+          </a:lnRef>
+          <a:fillRef idx="0">
+            <a:schemeClr val="accent1"/>
+          </a:fillRef>
+          <a:effectRef idx="0">
+            <a:schemeClr val="accent1"/>
+          </a:effectRef>
+          <a:fontRef idx="minor">
+            <a:schemeClr val="tx1"/>
+          </a:fontRef>
+        </p:style>
+      </p:cxnSp>
+      <p:cxnSp>
+        <p:nvCxnSpPr>
+          <p:cNvPr id="415" name="직선 연결선[R] 414">
+            <a:extLst>
+              <a:ext uri="{FF2B5EF4-FFF2-40B4-BE49-F238E27FC236}">
+                <a16:creationId xmlns:a16="http://schemas.microsoft.com/office/drawing/2014/main" id="{C746E15A-5C82-8843-834B-E2938122500B}"/>
+              </a:ext>
+            </a:extLst>
+          </p:cNvPr>
+          <p:cNvCxnSpPr>
+            <a:cxnSpLocks/>
+          </p:cNvCxnSpPr>
+          <p:nvPr/>
+        </p:nvCxnSpPr>
+        <p:spPr>
+          <a:xfrm>
+            <a:off x="5730524" y="2699519"/>
+            <a:ext cx="0" cy="211157"/>
+          </a:xfrm>
+          <a:prstGeom prst="line">
+            <a:avLst/>
+          </a:prstGeom>
+          <a:ln w="25400">
+            <a:solidFill>
+              <a:srgbClr val="5DA2C5"/>
+            </a:solidFill>
+          </a:ln>
+        </p:spPr>
+        <p:style>
+          <a:lnRef idx="1">
+            <a:schemeClr val="accent1"/>
+          </a:lnRef>
+          <a:fillRef idx="0">
+            <a:schemeClr val="accent1"/>
+          </a:fillRef>
+          <a:effectRef idx="0">
+            <a:schemeClr val="accent1"/>
+          </a:effectRef>
+          <a:fontRef idx="minor">
+            <a:schemeClr val="tx1"/>
+          </a:fontRef>
+        </p:style>
+      </p:cxnSp>
+      <p:cxnSp>
+        <p:nvCxnSpPr>
+          <p:cNvPr id="416" name="직선 연결선[R] 415">
+            <a:extLst>
+              <a:ext uri="{FF2B5EF4-FFF2-40B4-BE49-F238E27FC236}">
+                <a16:creationId xmlns:a16="http://schemas.microsoft.com/office/drawing/2014/main" id="{AAA8EF45-91B9-A340-9630-55623614A4B6}"/>
+              </a:ext>
+            </a:extLst>
+          </p:cNvPr>
+          <p:cNvCxnSpPr>
+            <a:cxnSpLocks/>
+          </p:cNvCxnSpPr>
+          <p:nvPr/>
+        </p:nvCxnSpPr>
+        <p:spPr>
+          <a:xfrm>
+            <a:off x="5730523" y="3044611"/>
+            <a:ext cx="0" cy="211157"/>
+          </a:xfrm>
+          <a:prstGeom prst="line">
+            <a:avLst/>
+          </a:prstGeom>
+          <a:ln w="25400">
+            <a:solidFill>
+              <a:srgbClr val="5DA2C5"/>
+            </a:solidFill>
+          </a:ln>
+        </p:spPr>
+        <p:style>
+          <a:lnRef idx="1">
+            <a:schemeClr val="accent1"/>
+          </a:lnRef>
+          <a:fillRef idx="0">
+            <a:schemeClr val="accent1"/>
+          </a:fillRef>
+          <a:effectRef idx="0">
+            <a:schemeClr val="accent1"/>
+          </a:effectRef>
+          <a:fontRef idx="minor">
+            <a:schemeClr val="tx1"/>
+          </a:fontRef>
+        </p:style>
+      </p:cxnSp>
+      <p:cxnSp>
+        <p:nvCxnSpPr>
+          <p:cNvPr id="417" name="직선 연결선[R] 416">
+            <a:extLst>
+              <a:ext uri="{FF2B5EF4-FFF2-40B4-BE49-F238E27FC236}">
+                <a16:creationId xmlns:a16="http://schemas.microsoft.com/office/drawing/2014/main" id="{699DC6C0-DC44-D64D-85D7-7E92417D0C6A}"/>
+              </a:ext>
+            </a:extLst>
+          </p:cNvPr>
+          <p:cNvCxnSpPr>
+            <a:cxnSpLocks/>
+          </p:cNvCxnSpPr>
+          <p:nvPr/>
+        </p:nvCxnSpPr>
+        <p:spPr>
+          <a:xfrm>
+            <a:off x="5730522" y="3389703"/>
+            <a:ext cx="0" cy="211157"/>
+          </a:xfrm>
+          <a:prstGeom prst="line">
+            <a:avLst/>
+          </a:prstGeom>
+          <a:ln w="25400">
+            <a:solidFill>
+              <a:srgbClr val="5DA2C5"/>
+            </a:solidFill>
+          </a:ln>
+        </p:spPr>
+        <p:style>
+          <a:lnRef idx="1">
+            <a:schemeClr val="accent1"/>
+          </a:lnRef>
+          <a:fillRef idx="0">
+            <a:schemeClr val="accent1"/>
+          </a:fillRef>
+          <a:effectRef idx="0">
+            <a:schemeClr val="accent1"/>
+          </a:effectRef>
+          <a:fontRef idx="minor">
+            <a:schemeClr val="tx1"/>
+          </a:fontRef>
+        </p:style>
+      </p:cxnSp>
+      <p:cxnSp>
+        <p:nvCxnSpPr>
+          <p:cNvPr id="418" name="직선 연결선[R] 417">
+            <a:extLst>
+              <a:ext uri="{FF2B5EF4-FFF2-40B4-BE49-F238E27FC236}">
+                <a16:creationId xmlns:a16="http://schemas.microsoft.com/office/drawing/2014/main" id="{7E46AB83-1C91-664E-B8CC-16C9D2A82081}"/>
+              </a:ext>
+            </a:extLst>
+          </p:cNvPr>
+          <p:cNvCxnSpPr>
+            <a:cxnSpLocks/>
+          </p:cNvCxnSpPr>
+          <p:nvPr/>
+        </p:nvCxnSpPr>
+        <p:spPr>
+          <a:xfrm>
+            <a:off x="5730521" y="3734795"/>
+            <a:ext cx="0" cy="211157"/>
+          </a:xfrm>
+          <a:prstGeom prst="line">
+            <a:avLst/>
+          </a:prstGeom>
+          <a:ln w="25400">
+            <a:solidFill>
+              <a:srgbClr val="5DA2C5"/>
+            </a:solidFill>
+          </a:ln>
+        </p:spPr>
+        <p:style>
+          <a:lnRef idx="1">
+            <a:schemeClr val="accent1"/>
+          </a:lnRef>
+          <a:fillRef idx="0">
+            <a:schemeClr val="accent1"/>
+          </a:fillRef>
+          <a:effectRef idx="0">
+            <a:schemeClr val="accent1"/>
+          </a:effectRef>
+          <a:fontRef idx="minor">
+            <a:schemeClr val="tx1"/>
+          </a:fontRef>
+        </p:style>
+      </p:cxnSp>
+      <p:grpSp>
+        <p:nvGrpSpPr>
+          <p:cNvPr id="419" name="그룹 418">
+            <a:extLst>
+              <a:ext uri="{FF2B5EF4-FFF2-40B4-BE49-F238E27FC236}">
+                <a16:creationId xmlns:a16="http://schemas.microsoft.com/office/drawing/2014/main" id="{ED3C7874-3242-FE47-BE9C-B0DF074D9476}"/>
+              </a:ext>
+            </a:extLst>
+          </p:cNvPr>
+          <p:cNvGrpSpPr/>
+          <p:nvPr/>
+        </p:nvGrpSpPr>
+        <p:grpSpPr>
+          <a:xfrm>
+            <a:off x="5362325" y="568470"/>
+            <a:ext cx="235945" cy="105580"/>
+            <a:chOff x="1324234" y="3547227"/>
+            <a:chExt cx="235945" cy="105580"/>
+          </a:xfrm>
+        </p:grpSpPr>
+        <p:cxnSp>
+          <p:nvCxnSpPr>
+            <p:cNvPr id="420" name="직선 연결선[R] 419">
+              <a:extLst>
+                <a:ext uri="{FF2B5EF4-FFF2-40B4-BE49-F238E27FC236}">
+                  <a16:creationId xmlns:a16="http://schemas.microsoft.com/office/drawing/2014/main" id="{E39D525C-315F-C64F-8074-02E5CD023A7C}"/>
+                </a:ext>
+              </a:extLst>
+            </p:cNvPr>
+            <p:cNvCxnSpPr>
+              <a:cxnSpLocks/>
+            </p:cNvCxnSpPr>
+            <p:nvPr/>
+          </p:nvCxnSpPr>
+          <p:spPr>
+            <a:xfrm>
+              <a:off x="1324234" y="3652806"/>
+              <a:ext cx="235945" cy="1"/>
+            </a:xfrm>
+            <a:prstGeom prst="line">
+              <a:avLst/>
+            </a:prstGeom>
+            <a:ln w="25400">
+              <a:solidFill>
+                <a:srgbClr val="5DA2C5"/>
+              </a:solidFill>
+            </a:ln>
+          </p:spPr>
+          <p:style>
+            <a:lnRef idx="1">
+              <a:schemeClr val="accent1"/>
+            </a:lnRef>
+            <a:fillRef idx="0">
+              <a:schemeClr val="accent1"/>
+            </a:fillRef>
+            <a:effectRef idx="0">
+              <a:schemeClr val="accent1"/>
+            </a:effectRef>
+            <a:fontRef idx="minor">
+              <a:schemeClr val="tx1"/>
+            </a:fontRef>
+          </p:style>
+        </p:cxnSp>
+        <p:cxnSp>
+          <p:nvCxnSpPr>
+            <p:cNvPr id="421" name="직선 연결선[R] 420">
+              <a:extLst>
+                <a:ext uri="{FF2B5EF4-FFF2-40B4-BE49-F238E27FC236}">
+                  <a16:creationId xmlns:a16="http://schemas.microsoft.com/office/drawing/2014/main" id="{E6D7A6C6-236E-7244-8809-A023381440C3}"/>
+                </a:ext>
+              </a:extLst>
+            </p:cNvPr>
+            <p:cNvCxnSpPr>
+              <a:cxnSpLocks/>
+            </p:cNvCxnSpPr>
+            <p:nvPr/>
+          </p:nvCxnSpPr>
+          <p:spPr>
+            <a:xfrm>
+              <a:off x="1327637" y="3547227"/>
+              <a:ext cx="0" cy="105579"/>
+            </a:xfrm>
+            <a:prstGeom prst="line">
+              <a:avLst/>
+            </a:prstGeom>
+            <a:ln w="25400">
+              <a:solidFill>
+                <a:srgbClr val="5DA2C5"/>
+              </a:solidFill>
+            </a:ln>
+          </p:spPr>
+          <p:style>
+            <a:lnRef idx="1">
+              <a:schemeClr val="accent1"/>
+            </a:lnRef>
+            <a:fillRef idx="0">
+              <a:schemeClr val="accent1"/>
+            </a:fillRef>
+            <a:effectRef idx="0">
+              <a:schemeClr val="accent1"/>
+            </a:effectRef>
+            <a:fontRef idx="minor">
+              <a:schemeClr val="tx1"/>
+            </a:fontRef>
+          </p:style>
+        </p:cxnSp>
+      </p:grpSp>
+    </p:spTree>
+    <p:extLst>
+      <p:ext uri="{BB962C8B-B14F-4D97-AF65-F5344CB8AC3E}">
+        <p14:creationId xmlns:p14="http://schemas.microsoft.com/office/powerpoint/2010/main" val="1973675313"/>
       </p:ext>
     </p:extLst>
   </p:cSld>

--- a/Get Your Hands Dirty on Clean Architecture/ref/프레젠테이션1.pptx
+++ b/Get Your Hands Dirty on Clean Architecture/ref/프레젠테이션1.pptx
@@ -10,6 +10,7 @@
     <p:sldId id="261" r:id="rId4"/>
     <p:sldId id="262" r:id="rId5"/>
     <p:sldId id="263" r:id="rId6"/>
+    <p:sldId id="264" r:id="rId7"/>
   </p:sldIdLst>
   <p:sldSz cx="12192000" cy="6858000"/>
   <p:notesSz cx="6858000" cy="9144000"/>
@@ -18656,6 +18657,1877 @@
 </p:sld>
 </file>
 
+<file path=ppt/slides/slide6.xml><?xml version="1.0" encoding="utf-8"?>
+<p:sld xmlns:a="http://schemas.openxmlformats.org/drawingml/2006/main" xmlns:r="http://schemas.openxmlformats.org/officeDocument/2006/relationships" xmlns:p="http://schemas.openxmlformats.org/presentationml/2006/main">
+  <p:cSld>
+    <p:spTree>
+      <p:nvGrpSpPr>
+        <p:cNvPr id="1" name=""/>
+        <p:cNvGrpSpPr/>
+        <p:nvPr/>
+      </p:nvGrpSpPr>
+      <p:grpSpPr>
+        <a:xfrm>
+          <a:off x="0" y="0"/>
+          <a:ext cx="0" cy="0"/>
+          <a:chOff x="0" y="0"/>
+          <a:chExt cx="0" cy="0"/>
+        </a:xfrm>
+      </p:grpSpPr>
+      <p:cxnSp>
+        <p:nvCxnSpPr>
+          <p:cNvPr id="166" name="직선 화살표 연결선 165">
+            <a:extLst>
+              <a:ext uri="{FF2B5EF4-FFF2-40B4-BE49-F238E27FC236}">
+                <a16:creationId xmlns:a16="http://schemas.microsoft.com/office/drawing/2014/main" id="{EBDF1AE9-A902-7B49-9FA3-914C212C08FC}"/>
+              </a:ext>
+            </a:extLst>
+          </p:cNvPr>
+          <p:cNvCxnSpPr>
+            <a:cxnSpLocks/>
+            <a:stCxn id="168" idx="3"/>
+            <a:endCxn id="175" idx="1"/>
+          </p:cNvCxnSpPr>
+          <p:nvPr/>
+        </p:nvCxnSpPr>
+        <p:spPr>
+          <a:xfrm>
+            <a:off x="3007605" y="1366868"/>
+            <a:ext cx="819580" cy="6687"/>
+          </a:xfrm>
+          <a:prstGeom prst="straightConnector1">
+            <a:avLst/>
+          </a:prstGeom>
+          <a:ln w="19050">
+            <a:solidFill>
+              <a:srgbClr val="5DA2C5"/>
+            </a:solidFill>
+            <a:tailEnd type="stealth" w="lg" len="lg"/>
+          </a:ln>
+        </p:spPr>
+        <p:style>
+          <a:lnRef idx="1">
+            <a:schemeClr val="accent1"/>
+          </a:lnRef>
+          <a:fillRef idx="0">
+            <a:schemeClr val="accent1"/>
+          </a:fillRef>
+          <a:effectRef idx="0">
+            <a:schemeClr val="accent1"/>
+          </a:effectRef>
+          <a:fontRef idx="minor">
+            <a:schemeClr val="tx1"/>
+          </a:fontRef>
+        </p:style>
+      </p:cxnSp>
+      <p:grpSp>
+        <p:nvGrpSpPr>
+          <p:cNvPr id="3" name="그룹 2">
+            <a:extLst>
+              <a:ext uri="{FF2B5EF4-FFF2-40B4-BE49-F238E27FC236}">
+                <a16:creationId xmlns:a16="http://schemas.microsoft.com/office/drawing/2014/main" id="{A8EFC9D8-92D5-6C42-ADB5-0AECA32A2AC8}"/>
+              </a:ext>
+            </a:extLst>
+          </p:cNvPr>
+          <p:cNvGrpSpPr/>
+          <p:nvPr/>
+        </p:nvGrpSpPr>
+        <p:grpSpPr>
+          <a:xfrm>
+            <a:off x="999740" y="558010"/>
+            <a:ext cx="2206167" cy="1369941"/>
+            <a:chOff x="999740" y="546993"/>
+            <a:chExt cx="2206167" cy="1369941"/>
+          </a:xfrm>
+        </p:grpSpPr>
+        <p:sp>
+          <p:nvSpPr>
+            <p:cNvPr id="164" name="직사각형 163">
+              <a:extLst>
+                <a:ext uri="{FF2B5EF4-FFF2-40B4-BE49-F238E27FC236}">
+                  <a16:creationId xmlns:a16="http://schemas.microsoft.com/office/drawing/2014/main" id="{D334EA4F-020D-3C42-8ED1-F68B3FEAA6E4}"/>
+                </a:ext>
+              </a:extLst>
+            </p:cNvPr>
+            <p:cNvSpPr/>
+            <p:nvPr/>
+          </p:nvSpPr>
+          <p:spPr>
+            <a:xfrm>
+              <a:off x="999740" y="793214"/>
+              <a:ext cx="2206167" cy="1123720"/>
+            </a:xfrm>
+            <a:prstGeom prst="rect">
+              <a:avLst/>
+            </a:prstGeom>
+            <a:ln w="25400">
+              <a:solidFill>
+                <a:srgbClr val="5DA2C5"/>
+              </a:solidFill>
+            </a:ln>
+          </p:spPr>
+          <p:style>
+            <a:lnRef idx="1">
+              <a:schemeClr val="accent1"/>
+            </a:lnRef>
+            <a:fillRef idx="0">
+              <a:schemeClr val="accent1"/>
+            </a:fillRef>
+            <a:effectRef idx="0">
+              <a:schemeClr val="accent1"/>
+            </a:effectRef>
+            <a:fontRef idx="minor">
+              <a:schemeClr val="tx1"/>
+            </a:fontRef>
+          </p:style>
+          <p:txBody>
+            <a:bodyPr rtlCol="0" anchor="ctr"/>
+            <a:lstStyle/>
+            <a:p>
+              <a:pPr algn="ctr"/>
+              <a:endParaRPr kumimoji="1" lang="ko-Kore-KR" altLang="en-US"/>
+            </a:p>
+          </p:txBody>
+        </p:sp>
+        <p:sp>
+          <p:nvSpPr>
+            <p:cNvPr id="165" name="TextBox 164">
+              <a:extLst>
+                <a:ext uri="{FF2B5EF4-FFF2-40B4-BE49-F238E27FC236}">
+                  <a16:creationId xmlns:a16="http://schemas.microsoft.com/office/drawing/2014/main" id="{EAA62A86-9B74-D249-8E32-E553F9D85C4D}"/>
+                </a:ext>
+              </a:extLst>
+            </p:cNvPr>
+            <p:cNvSpPr txBox="1"/>
+            <p:nvPr/>
+          </p:nvSpPr>
+          <p:spPr>
+            <a:xfrm>
+              <a:off x="1263576" y="1093464"/>
+              <a:ext cx="1678494" cy="523220"/>
+            </a:xfrm>
+            <a:prstGeom prst="rect">
+              <a:avLst/>
+            </a:prstGeom>
+            <a:noFill/>
+          </p:spPr>
+          <p:txBody>
+            <a:bodyPr wrap="square" rtlCol="0">
+              <a:spAutoFit/>
+            </a:bodyPr>
+            <a:lstStyle/>
+            <a:p>
+              <a:pPr algn="ctr"/>
+              <a:r>
+                <a:rPr kumimoji="1" lang="en-US" altLang="ko-Kore-KR" sz="1400" b="1" dirty="0">
+                  <a:solidFill>
+                    <a:srgbClr val="5DA2C5"/>
+                  </a:solidFill>
+                  <a:latin typeface="SHeadG" panose="02030600000101010101" pitchFamily="18" charset="-127"/>
+                  <a:ea typeface="SHeadG" panose="02030600000101010101" pitchFamily="18" charset="-127"/>
+                </a:rPr>
+                <a:t>Account</a:t>
+              </a:r>
+              <a:br>
+                <a:rPr kumimoji="1" lang="en-US" altLang="ko-Kore-KR" sz="1400" b="1" dirty="0">
+                  <a:solidFill>
+                    <a:srgbClr val="5DA2C5"/>
+                  </a:solidFill>
+                  <a:latin typeface="SHeadG" panose="02030600000101010101" pitchFamily="18" charset="-127"/>
+                  <a:ea typeface="SHeadG" panose="02030600000101010101" pitchFamily="18" charset="-127"/>
+                </a:rPr>
+              </a:br>
+              <a:r>
+                <a:rPr kumimoji="1" lang="en-US" altLang="ko-Kore-KR" sz="1400" b="1" dirty="0">
+                  <a:solidFill>
+                    <a:srgbClr val="5DA2C5"/>
+                  </a:solidFill>
+                  <a:latin typeface="SHeadG" panose="02030600000101010101" pitchFamily="18" charset="-127"/>
+                  <a:ea typeface="SHeadG" panose="02030600000101010101" pitchFamily="18" charset="-127"/>
+                </a:rPr>
+                <a:t>Controller</a:t>
+              </a:r>
+              <a:endParaRPr kumimoji="1" lang="ko-Kore-KR" altLang="en-US" sz="1400" b="1" dirty="0">
+                <a:solidFill>
+                  <a:srgbClr val="5DA2C5"/>
+                </a:solidFill>
+                <a:latin typeface="SHeadG" panose="02030600000101010101" pitchFamily="18" charset="-127"/>
+                <a:ea typeface="SHeadG" panose="02030600000101010101" pitchFamily="18" charset="-127"/>
+              </a:endParaRPr>
+            </a:p>
+          </p:txBody>
+        </p:sp>
+        <p:sp>
+          <p:nvSpPr>
+            <p:cNvPr id="168" name="직사각형 167">
+              <a:extLst>
+                <a:ext uri="{FF2B5EF4-FFF2-40B4-BE49-F238E27FC236}">
+                  <a16:creationId xmlns:a16="http://schemas.microsoft.com/office/drawing/2014/main" id="{57CD06B5-5BD7-B241-BCB2-63A55A57FD13}"/>
+                </a:ext>
+              </a:extLst>
+            </p:cNvPr>
+            <p:cNvSpPr/>
+            <p:nvPr/>
+          </p:nvSpPr>
+          <p:spPr>
+            <a:xfrm>
+              <a:off x="1173957" y="1021732"/>
+              <a:ext cx="1833648" cy="668237"/>
+            </a:xfrm>
+            <a:prstGeom prst="rect">
+              <a:avLst/>
+            </a:prstGeom>
+            <a:ln w="25400">
+              <a:solidFill>
+                <a:srgbClr val="5DA2C5"/>
+              </a:solidFill>
+            </a:ln>
+          </p:spPr>
+          <p:style>
+            <a:lnRef idx="1">
+              <a:schemeClr val="accent1"/>
+            </a:lnRef>
+            <a:fillRef idx="0">
+              <a:schemeClr val="accent1"/>
+            </a:fillRef>
+            <a:effectRef idx="0">
+              <a:schemeClr val="accent1"/>
+            </a:effectRef>
+            <a:fontRef idx="minor">
+              <a:schemeClr val="tx1"/>
+            </a:fontRef>
+          </p:style>
+          <p:txBody>
+            <a:bodyPr rtlCol="0" anchor="ctr"/>
+            <a:lstStyle/>
+            <a:p>
+              <a:pPr algn="ctr"/>
+              <a:endParaRPr kumimoji="1" lang="ko-Kore-KR" altLang="en-US"/>
+            </a:p>
+          </p:txBody>
+        </p:sp>
+        <p:sp>
+          <p:nvSpPr>
+            <p:cNvPr id="169" name="직사각형 168">
+              <a:extLst>
+                <a:ext uri="{FF2B5EF4-FFF2-40B4-BE49-F238E27FC236}">
+                  <a16:creationId xmlns:a16="http://schemas.microsoft.com/office/drawing/2014/main" id="{EC201D50-485E-3A4D-B6CB-A0CBF5BE58EA}"/>
+                </a:ext>
+              </a:extLst>
+            </p:cNvPr>
+            <p:cNvSpPr/>
+            <p:nvPr/>
+          </p:nvSpPr>
+          <p:spPr>
+            <a:xfrm>
+              <a:off x="1004112" y="546993"/>
+              <a:ext cx="1739088" cy="246221"/>
+            </a:xfrm>
+            <a:prstGeom prst="rect">
+              <a:avLst/>
+            </a:prstGeom>
+            <a:ln w="25400">
+              <a:solidFill>
+                <a:srgbClr val="5DA2C5"/>
+              </a:solidFill>
+            </a:ln>
+          </p:spPr>
+          <p:style>
+            <a:lnRef idx="1">
+              <a:schemeClr val="accent1"/>
+            </a:lnRef>
+            <a:fillRef idx="0">
+              <a:schemeClr val="accent1"/>
+            </a:fillRef>
+            <a:effectRef idx="0">
+              <a:schemeClr val="accent1"/>
+            </a:effectRef>
+            <a:fontRef idx="minor">
+              <a:schemeClr val="tx1"/>
+            </a:fontRef>
+          </p:style>
+          <p:txBody>
+            <a:bodyPr rtlCol="0" anchor="ctr"/>
+            <a:lstStyle/>
+            <a:p>
+              <a:pPr algn="ctr"/>
+              <a:endParaRPr kumimoji="1" lang="ko-Kore-KR" altLang="en-US"/>
+            </a:p>
+          </p:txBody>
+        </p:sp>
+        <p:sp>
+          <p:nvSpPr>
+            <p:cNvPr id="170" name="TextBox 169">
+              <a:extLst>
+                <a:ext uri="{FF2B5EF4-FFF2-40B4-BE49-F238E27FC236}">
+                  <a16:creationId xmlns:a16="http://schemas.microsoft.com/office/drawing/2014/main" id="{33A22D6A-B77B-964D-9BE6-22010869BB14}"/>
+                </a:ext>
+              </a:extLst>
+            </p:cNvPr>
+            <p:cNvSpPr txBox="1"/>
+            <p:nvPr/>
+          </p:nvSpPr>
+          <p:spPr>
+            <a:xfrm>
+              <a:off x="999741" y="564697"/>
+              <a:ext cx="1633289" cy="246221"/>
+            </a:xfrm>
+            <a:prstGeom prst="rect">
+              <a:avLst/>
+            </a:prstGeom>
+            <a:noFill/>
+          </p:spPr>
+          <p:txBody>
+            <a:bodyPr wrap="square" rtlCol="0">
+              <a:spAutoFit/>
+            </a:bodyPr>
+            <a:lstStyle/>
+            <a:p>
+              <a:r>
+                <a:rPr kumimoji="1" lang="en-US" altLang="ko-Kore-KR" sz="1000" dirty="0" err="1">
+                  <a:solidFill>
+                    <a:srgbClr val="5DA2C5"/>
+                  </a:solidFill>
+                  <a:latin typeface="SHeadG" panose="02030600000101010101" pitchFamily="18" charset="-127"/>
+                  <a:ea typeface="SHeadG" panose="02030600000101010101" pitchFamily="18" charset="-127"/>
+                </a:rPr>
+                <a:t>adapter.in.web</a:t>
+              </a:r>
+              <a:endParaRPr kumimoji="1" lang="ko-Kore-KR" altLang="en-US" sz="1000" dirty="0">
+                <a:solidFill>
+                  <a:srgbClr val="5DA2C5"/>
+                </a:solidFill>
+                <a:latin typeface="SHeadG" panose="02030600000101010101" pitchFamily="18" charset="-127"/>
+                <a:ea typeface="SHeadG" panose="02030600000101010101" pitchFamily="18" charset="-127"/>
+              </a:endParaRPr>
+            </a:p>
+          </p:txBody>
+        </p:sp>
+      </p:grpSp>
+      <p:grpSp>
+        <p:nvGrpSpPr>
+          <p:cNvPr id="172" name="그룹 171">
+            <a:extLst>
+              <a:ext uri="{FF2B5EF4-FFF2-40B4-BE49-F238E27FC236}">
+                <a16:creationId xmlns:a16="http://schemas.microsoft.com/office/drawing/2014/main" id="{D7F048DA-C5E6-484D-A1D3-BB95FCA77E80}"/>
+              </a:ext>
+            </a:extLst>
+          </p:cNvPr>
+          <p:cNvGrpSpPr/>
+          <p:nvPr/>
+        </p:nvGrpSpPr>
+        <p:grpSpPr>
+          <a:xfrm>
+            <a:off x="3652968" y="564697"/>
+            <a:ext cx="2206167" cy="1369941"/>
+            <a:chOff x="999740" y="546993"/>
+            <a:chExt cx="2206167" cy="1369941"/>
+          </a:xfrm>
+        </p:grpSpPr>
+        <p:sp>
+          <p:nvSpPr>
+            <p:cNvPr id="173" name="직사각형 172">
+              <a:extLst>
+                <a:ext uri="{FF2B5EF4-FFF2-40B4-BE49-F238E27FC236}">
+                  <a16:creationId xmlns:a16="http://schemas.microsoft.com/office/drawing/2014/main" id="{A4B8F070-AEB6-CB42-9713-F080A9C5912E}"/>
+                </a:ext>
+              </a:extLst>
+            </p:cNvPr>
+            <p:cNvSpPr/>
+            <p:nvPr/>
+          </p:nvSpPr>
+          <p:spPr>
+            <a:xfrm>
+              <a:off x="999740" y="793214"/>
+              <a:ext cx="2206167" cy="1123720"/>
+            </a:xfrm>
+            <a:prstGeom prst="rect">
+              <a:avLst/>
+            </a:prstGeom>
+            <a:ln w="25400">
+              <a:solidFill>
+                <a:srgbClr val="5DA2C5"/>
+              </a:solidFill>
+            </a:ln>
+          </p:spPr>
+          <p:style>
+            <a:lnRef idx="1">
+              <a:schemeClr val="accent1"/>
+            </a:lnRef>
+            <a:fillRef idx="0">
+              <a:schemeClr val="accent1"/>
+            </a:fillRef>
+            <a:effectRef idx="0">
+              <a:schemeClr val="accent1"/>
+            </a:effectRef>
+            <a:fontRef idx="minor">
+              <a:schemeClr val="tx1"/>
+            </a:fontRef>
+          </p:style>
+          <p:txBody>
+            <a:bodyPr rtlCol="0" anchor="ctr"/>
+            <a:lstStyle/>
+            <a:p>
+              <a:pPr algn="ctr"/>
+              <a:endParaRPr kumimoji="1" lang="ko-Kore-KR" altLang="en-US"/>
+            </a:p>
+          </p:txBody>
+        </p:sp>
+        <p:sp>
+          <p:nvSpPr>
+            <p:cNvPr id="174" name="TextBox 173">
+              <a:extLst>
+                <a:ext uri="{FF2B5EF4-FFF2-40B4-BE49-F238E27FC236}">
+                  <a16:creationId xmlns:a16="http://schemas.microsoft.com/office/drawing/2014/main" id="{5EFF01E2-80AA-634E-95B9-5B5E50182C63}"/>
+                </a:ext>
+              </a:extLst>
+            </p:cNvPr>
+            <p:cNvSpPr txBox="1"/>
+            <p:nvPr/>
+          </p:nvSpPr>
+          <p:spPr>
+            <a:xfrm>
+              <a:off x="1263576" y="1093464"/>
+              <a:ext cx="1678494" cy="523220"/>
+            </a:xfrm>
+            <a:prstGeom prst="rect">
+              <a:avLst/>
+            </a:prstGeom>
+            <a:noFill/>
+          </p:spPr>
+          <p:txBody>
+            <a:bodyPr wrap="square" rtlCol="0">
+              <a:spAutoFit/>
+            </a:bodyPr>
+            <a:lstStyle/>
+            <a:p>
+              <a:pPr algn="ctr"/>
+              <a:r>
+                <a:rPr kumimoji="1" lang="en-US" altLang="ko-Kore-KR" sz="1400" b="1" dirty="0" err="1">
+                  <a:solidFill>
+                    <a:srgbClr val="5DA2C5"/>
+                  </a:solidFill>
+                  <a:latin typeface="SHeadG" panose="02030600000101010101" pitchFamily="18" charset="-127"/>
+                  <a:ea typeface="SHeadG" panose="02030600000101010101" pitchFamily="18" charset="-127"/>
+                </a:rPr>
+                <a:t>SendMoney</a:t>
+              </a:r>
+              <a:endParaRPr kumimoji="1" lang="en-US" altLang="ko-Kore-KR" sz="1400" b="1" dirty="0">
+                <a:solidFill>
+                  <a:srgbClr val="5DA2C5"/>
+                </a:solidFill>
+                <a:latin typeface="SHeadG" panose="02030600000101010101" pitchFamily="18" charset="-127"/>
+                <a:ea typeface="SHeadG" panose="02030600000101010101" pitchFamily="18" charset="-127"/>
+              </a:endParaRPr>
+            </a:p>
+            <a:p>
+              <a:pPr algn="ctr"/>
+              <a:r>
+                <a:rPr kumimoji="1" lang="en-US" altLang="ko-Kore-KR" sz="1400" b="1" dirty="0" err="1">
+                  <a:solidFill>
+                    <a:srgbClr val="5DA2C5"/>
+                  </a:solidFill>
+                  <a:latin typeface="SHeadG" panose="02030600000101010101" pitchFamily="18" charset="-127"/>
+                  <a:ea typeface="SHeadG" panose="02030600000101010101" pitchFamily="18" charset="-127"/>
+                </a:rPr>
+                <a:t>UseCase</a:t>
+              </a:r>
+              <a:endParaRPr kumimoji="1" lang="ko-Kore-KR" altLang="en-US" sz="1400" b="1" dirty="0">
+                <a:solidFill>
+                  <a:srgbClr val="5DA2C5"/>
+                </a:solidFill>
+                <a:latin typeface="SHeadG" panose="02030600000101010101" pitchFamily="18" charset="-127"/>
+                <a:ea typeface="SHeadG" panose="02030600000101010101" pitchFamily="18" charset="-127"/>
+              </a:endParaRPr>
+            </a:p>
+          </p:txBody>
+        </p:sp>
+        <p:sp>
+          <p:nvSpPr>
+            <p:cNvPr id="175" name="직사각형 174">
+              <a:extLst>
+                <a:ext uri="{FF2B5EF4-FFF2-40B4-BE49-F238E27FC236}">
+                  <a16:creationId xmlns:a16="http://schemas.microsoft.com/office/drawing/2014/main" id="{A4B89B15-1299-DD4D-BB38-B8518E3F0D1F}"/>
+                </a:ext>
+              </a:extLst>
+            </p:cNvPr>
+            <p:cNvSpPr/>
+            <p:nvPr/>
+          </p:nvSpPr>
+          <p:spPr>
+            <a:xfrm>
+              <a:off x="1173957" y="1021732"/>
+              <a:ext cx="1833648" cy="668237"/>
+            </a:xfrm>
+            <a:prstGeom prst="rect">
+              <a:avLst/>
+            </a:prstGeom>
+            <a:ln w="25400">
+              <a:solidFill>
+                <a:srgbClr val="5DA2C5"/>
+              </a:solidFill>
+            </a:ln>
+          </p:spPr>
+          <p:style>
+            <a:lnRef idx="1">
+              <a:schemeClr val="accent1"/>
+            </a:lnRef>
+            <a:fillRef idx="0">
+              <a:schemeClr val="accent1"/>
+            </a:fillRef>
+            <a:effectRef idx="0">
+              <a:schemeClr val="accent1"/>
+            </a:effectRef>
+            <a:fontRef idx="minor">
+              <a:schemeClr val="tx1"/>
+            </a:fontRef>
+          </p:style>
+          <p:txBody>
+            <a:bodyPr rtlCol="0" anchor="ctr"/>
+            <a:lstStyle/>
+            <a:p>
+              <a:pPr algn="ctr"/>
+              <a:endParaRPr kumimoji="1" lang="ko-Kore-KR" altLang="en-US"/>
+            </a:p>
+          </p:txBody>
+        </p:sp>
+        <p:sp>
+          <p:nvSpPr>
+            <p:cNvPr id="176" name="직사각형 175">
+              <a:extLst>
+                <a:ext uri="{FF2B5EF4-FFF2-40B4-BE49-F238E27FC236}">
+                  <a16:creationId xmlns:a16="http://schemas.microsoft.com/office/drawing/2014/main" id="{7407F8C3-F39B-0F4A-A08D-613068B03C01}"/>
+                </a:ext>
+              </a:extLst>
+            </p:cNvPr>
+            <p:cNvSpPr/>
+            <p:nvPr/>
+          </p:nvSpPr>
+          <p:spPr>
+            <a:xfrm>
+              <a:off x="1004112" y="546993"/>
+              <a:ext cx="1739088" cy="246221"/>
+            </a:xfrm>
+            <a:prstGeom prst="rect">
+              <a:avLst/>
+            </a:prstGeom>
+            <a:ln w="25400">
+              <a:solidFill>
+                <a:srgbClr val="5DA2C5"/>
+              </a:solidFill>
+            </a:ln>
+          </p:spPr>
+          <p:style>
+            <a:lnRef idx="1">
+              <a:schemeClr val="accent1"/>
+            </a:lnRef>
+            <a:fillRef idx="0">
+              <a:schemeClr val="accent1"/>
+            </a:fillRef>
+            <a:effectRef idx="0">
+              <a:schemeClr val="accent1"/>
+            </a:effectRef>
+            <a:fontRef idx="minor">
+              <a:schemeClr val="tx1"/>
+            </a:fontRef>
+          </p:style>
+          <p:txBody>
+            <a:bodyPr rtlCol="0" anchor="ctr"/>
+            <a:lstStyle/>
+            <a:p>
+              <a:pPr algn="ctr"/>
+              <a:endParaRPr kumimoji="1" lang="ko-Kore-KR" altLang="en-US"/>
+            </a:p>
+          </p:txBody>
+        </p:sp>
+        <p:sp>
+          <p:nvSpPr>
+            <p:cNvPr id="177" name="TextBox 176">
+              <a:extLst>
+                <a:ext uri="{FF2B5EF4-FFF2-40B4-BE49-F238E27FC236}">
+                  <a16:creationId xmlns:a16="http://schemas.microsoft.com/office/drawing/2014/main" id="{93B96A4A-C9C6-D042-91B8-8E8FE5AB64E9}"/>
+                </a:ext>
+              </a:extLst>
+            </p:cNvPr>
+            <p:cNvSpPr txBox="1"/>
+            <p:nvPr/>
+          </p:nvSpPr>
+          <p:spPr>
+            <a:xfrm>
+              <a:off x="999741" y="564697"/>
+              <a:ext cx="1633289" cy="246221"/>
+            </a:xfrm>
+            <a:prstGeom prst="rect">
+              <a:avLst/>
+            </a:prstGeom>
+            <a:noFill/>
+          </p:spPr>
+          <p:txBody>
+            <a:bodyPr wrap="square" rtlCol="0">
+              <a:spAutoFit/>
+            </a:bodyPr>
+            <a:lstStyle/>
+            <a:p>
+              <a:r>
+                <a:rPr kumimoji="1" lang="en-US" altLang="ko-Kore-KR" sz="1000" dirty="0" err="1">
+                  <a:solidFill>
+                    <a:srgbClr val="5DA2C5"/>
+                  </a:solidFill>
+                  <a:latin typeface="SHeadG" panose="02030600000101010101" pitchFamily="18" charset="-127"/>
+                  <a:ea typeface="SHeadG" panose="02030600000101010101" pitchFamily="18" charset="-127"/>
+                </a:rPr>
+                <a:t>application.port.in</a:t>
+              </a:r>
+              <a:endParaRPr kumimoji="1" lang="ko-Kore-KR" altLang="en-US" sz="1000" dirty="0">
+                <a:solidFill>
+                  <a:srgbClr val="5DA2C5"/>
+                </a:solidFill>
+                <a:latin typeface="SHeadG" panose="02030600000101010101" pitchFamily="18" charset="-127"/>
+                <a:ea typeface="SHeadG" panose="02030600000101010101" pitchFamily="18" charset="-127"/>
+              </a:endParaRPr>
+            </a:p>
+          </p:txBody>
+        </p:sp>
+        <p:sp>
+          <p:nvSpPr>
+            <p:cNvPr id="178" name="TextBox 177">
+              <a:extLst>
+                <a:ext uri="{FF2B5EF4-FFF2-40B4-BE49-F238E27FC236}">
+                  <a16:creationId xmlns:a16="http://schemas.microsoft.com/office/drawing/2014/main" id="{C3957F41-0722-FF44-A71B-2DD037CEFAD7}"/>
+                </a:ext>
+              </a:extLst>
+            </p:cNvPr>
+            <p:cNvSpPr txBox="1"/>
+            <p:nvPr/>
+          </p:nvSpPr>
+          <p:spPr>
+            <a:xfrm>
+              <a:off x="1583395" y="897068"/>
+              <a:ext cx="1103520" cy="246221"/>
+            </a:xfrm>
+            <a:prstGeom prst="rect">
+              <a:avLst/>
+            </a:prstGeom>
+            <a:solidFill>
+              <a:schemeClr val="bg1"/>
+            </a:solidFill>
+          </p:spPr>
+          <p:txBody>
+            <a:bodyPr wrap="square" rtlCol="0">
+              <a:spAutoFit/>
+            </a:bodyPr>
+            <a:lstStyle/>
+            <a:p>
+              <a:pPr algn="ctr"/>
+              <a:r>
+                <a:rPr kumimoji="1" lang="en-US" altLang="ko-Kore-KR" sz="1000" dirty="0">
+                  <a:solidFill>
+                    <a:srgbClr val="5DA2C5"/>
+                  </a:solidFill>
+                  <a:latin typeface="SHeadG" panose="02030600000101010101" pitchFamily="18" charset="-127"/>
+                  <a:ea typeface="SHeadG" panose="02030600000101010101" pitchFamily="18" charset="-127"/>
+                </a:rPr>
+                <a:t>&lt;&lt;Interface&gt;&gt;</a:t>
+              </a:r>
+              <a:endParaRPr kumimoji="1" lang="ko-Kore-KR" altLang="en-US" sz="1000" dirty="0">
+                <a:solidFill>
+                  <a:srgbClr val="5DA2C5"/>
+                </a:solidFill>
+                <a:latin typeface="SHeadG" panose="02030600000101010101" pitchFamily="18" charset="-127"/>
+                <a:ea typeface="SHeadG" panose="02030600000101010101" pitchFamily="18" charset="-127"/>
+              </a:endParaRPr>
+            </a:p>
+          </p:txBody>
+        </p:sp>
+      </p:grpSp>
+      <p:grpSp>
+        <p:nvGrpSpPr>
+          <p:cNvPr id="179" name="그룹 178">
+            <a:extLst>
+              <a:ext uri="{FF2B5EF4-FFF2-40B4-BE49-F238E27FC236}">
+                <a16:creationId xmlns:a16="http://schemas.microsoft.com/office/drawing/2014/main" id="{5A65611C-E4EA-784A-AF6F-DF32C1869D6C}"/>
+              </a:ext>
+            </a:extLst>
+          </p:cNvPr>
+          <p:cNvGrpSpPr/>
+          <p:nvPr/>
+        </p:nvGrpSpPr>
+        <p:grpSpPr>
+          <a:xfrm>
+            <a:off x="3652968" y="2152510"/>
+            <a:ext cx="2206167" cy="1369941"/>
+            <a:chOff x="999740" y="546993"/>
+            <a:chExt cx="2206167" cy="1369941"/>
+          </a:xfrm>
+        </p:grpSpPr>
+        <p:sp>
+          <p:nvSpPr>
+            <p:cNvPr id="181" name="직사각형 180">
+              <a:extLst>
+                <a:ext uri="{FF2B5EF4-FFF2-40B4-BE49-F238E27FC236}">
+                  <a16:creationId xmlns:a16="http://schemas.microsoft.com/office/drawing/2014/main" id="{2C1D49A1-EEFA-BD42-9059-821EB0B96DCE}"/>
+                </a:ext>
+              </a:extLst>
+            </p:cNvPr>
+            <p:cNvSpPr/>
+            <p:nvPr/>
+          </p:nvSpPr>
+          <p:spPr>
+            <a:xfrm>
+              <a:off x="999740" y="793214"/>
+              <a:ext cx="2206167" cy="1123720"/>
+            </a:xfrm>
+            <a:prstGeom prst="rect">
+              <a:avLst/>
+            </a:prstGeom>
+            <a:ln w="25400">
+              <a:solidFill>
+                <a:srgbClr val="5DA2C5"/>
+              </a:solidFill>
+            </a:ln>
+          </p:spPr>
+          <p:style>
+            <a:lnRef idx="1">
+              <a:schemeClr val="accent1"/>
+            </a:lnRef>
+            <a:fillRef idx="0">
+              <a:schemeClr val="accent1"/>
+            </a:fillRef>
+            <a:effectRef idx="0">
+              <a:schemeClr val="accent1"/>
+            </a:effectRef>
+            <a:fontRef idx="minor">
+              <a:schemeClr val="tx1"/>
+            </a:fontRef>
+          </p:style>
+          <p:txBody>
+            <a:bodyPr rtlCol="0" anchor="ctr"/>
+            <a:lstStyle/>
+            <a:p>
+              <a:pPr algn="ctr"/>
+              <a:endParaRPr kumimoji="1" lang="ko-Kore-KR" altLang="en-US"/>
+            </a:p>
+          </p:txBody>
+        </p:sp>
+        <p:sp>
+          <p:nvSpPr>
+            <p:cNvPr id="182" name="TextBox 181">
+              <a:extLst>
+                <a:ext uri="{FF2B5EF4-FFF2-40B4-BE49-F238E27FC236}">
+                  <a16:creationId xmlns:a16="http://schemas.microsoft.com/office/drawing/2014/main" id="{73B570D4-5690-6D4F-B23E-836D9F3E4F91}"/>
+                </a:ext>
+              </a:extLst>
+            </p:cNvPr>
+            <p:cNvSpPr txBox="1"/>
+            <p:nvPr/>
+          </p:nvSpPr>
+          <p:spPr>
+            <a:xfrm>
+              <a:off x="1263576" y="1093464"/>
+              <a:ext cx="1678494" cy="523220"/>
+            </a:xfrm>
+            <a:prstGeom prst="rect">
+              <a:avLst/>
+            </a:prstGeom>
+            <a:noFill/>
+          </p:spPr>
+          <p:txBody>
+            <a:bodyPr wrap="square" rtlCol="0">
+              <a:spAutoFit/>
+            </a:bodyPr>
+            <a:lstStyle/>
+            <a:p>
+              <a:pPr algn="ctr"/>
+              <a:r>
+                <a:rPr kumimoji="1" lang="en-US" altLang="ko-Kore-KR" sz="1400" b="1" dirty="0" err="1">
+                  <a:solidFill>
+                    <a:srgbClr val="5DA2C5"/>
+                  </a:solidFill>
+                  <a:latin typeface="SHeadG" panose="02030600000101010101" pitchFamily="18" charset="-127"/>
+                  <a:ea typeface="SHeadG" panose="02030600000101010101" pitchFamily="18" charset="-127"/>
+                </a:rPr>
+                <a:t>SendMoney</a:t>
+              </a:r>
+              <a:endParaRPr kumimoji="1" lang="en-US" altLang="ko-Kore-KR" sz="1400" b="1" dirty="0">
+                <a:solidFill>
+                  <a:srgbClr val="5DA2C5"/>
+                </a:solidFill>
+                <a:latin typeface="SHeadG" panose="02030600000101010101" pitchFamily="18" charset="-127"/>
+                <a:ea typeface="SHeadG" panose="02030600000101010101" pitchFamily="18" charset="-127"/>
+              </a:endParaRPr>
+            </a:p>
+            <a:p>
+              <a:pPr algn="ctr"/>
+              <a:r>
+                <a:rPr kumimoji="1" lang="en-US" altLang="ko-Kore-KR" sz="1400" b="1" dirty="0">
+                  <a:solidFill>
+                    <a:srgbClr val="5DA2C5"/>
+                  </a:solidFill>
+                  <a:latin typeface="SHeadG" panose="02030600000101010101" pitchFamily="18" charset="-127"/>
+                  <a:ea typeface="SHeadG" panose="02030600000101010101" pitchFamily="18" charset="-127"/>
+                </a:rPr>
+                <a:t>Service</a:t>
+              </a:r>
+              <a:endParaRPr kumimoji="1" lang="ko-Kore-KR" altLang="en-US" sz="1400" b="1" dirty="0">
+                <a:solidFill>
+                  <a:srgbClr val="5DA2C5"/>
+                </a:solidFill>
+                <a:latin typeface="SHeadG" panose="02030600000101010101" pitchFamily="18" charset="-127"/>
+                <a:ea typeface="SHeadG" panose="02030600000101010101" pitchFamily="18" charset="-127"/>
+              </a:endParaRPr>
+            </a:p>
+          </p:txBody>
+        </p:sp>
+        <p:sp>
+          <p:nvSpPr>
+            <p:cNvPr id="183" name="직사각형 182">
+              <a:extLst>
+                <a:ext uri="{FF2B5EF4-FFF2-40B4-BE49-F238E27FC236}">
+                  <a16:creationId xmlns:a16="http://schemas.microsoft.com/office/drawing/2014/main" id="{15F4DC46-71D5-114E-B778-AEBD85103A64}"/>
+                </a:ext>
+              </a:extLst>
+            </p:cNvPr>
+            <p:cNvSpPr/>
+            <p:nvPr/>
+          </p:nvSpPr>
+          <p:spPr>
+            <a:xfrm>
+              <a:off x="1173957" y="1021732"/>
+              <a:ext cx="1833648" cy="668237"/>
+            </a:xfrm>
+            <a:prstGeom prst="rect">
+              <a:avLst/>
+            </a:prstGeom>
+            <a:ln w="25400">
+              <a:solidFill>
+                <a:srgbClr val="5DA2C5"/>
+              </a:solidFill>
+            </a:ln>
+          </p:spPr>
+          <p:style>
+            <a:lnRef idx="1">
+              <a:schemeClr val="accent1"/>
+            </a:lnRef>
+            <a:fillRef idx="0">
+              <a:schemeClr val="accent1"/>
+            </a:fillRef>
+            <a:effectRef idx="0">
+              <a:schemeClr val="accent1"/>
+            </a:effectRef>
+            <a:fontRef idx="minor">
+              <a:schemeClr val="tx1"/>
+            </a:fontRef>
+          </p:style>
+          <p:txBody>
+            <a:bodyPr rtlCol="0" anchor="ctr"/>
+            <a:lstStyle/>
+            <a:p>
+              <a:pPr algn="ctr"/>
+              <a:endParaRPr kumimoji="1" lang="ko-Kore-KR" altLang="en-US"/>
+            </a:p>
+          </p:txBody>
+        </p:sp>
+        <p:sp>
+          <p:nvSpPr>
+            <p:cNvPr id="184" name="직사각형 183">
+              <a:extLst>
+                <a:ext uri="{FF2B5EF4-FFF2-40B4-BE49-F238E27FC236}">
+                  <a16:creationId xmlns:a16="http://schemas.microsoft.com/office/drawing/2014/main" id="{022693BF-946E-D942-958E-C0281A97962C}"/>
+                </a:ext>
+              </a:extLst>
+            </p:cNvPr>
+            <p:cNvSpPr/>
+            <p:nvPr/>
+          </p:nvSpPr>
+          <p:spPr>
+            <a:xfrm>
+              <a:off x="1004112" y="546993"/>
+              <a:ext cx="1739088" cy="246221"/>
+            </a:xfrm>
+            <a:prstGeom prst="rect">
+              <a:avLst/>
+            </a:prstGeom>
+            <a:ln w="25400">
+              <a:solidFill>
+                <a:srgbClr val="5DA2C5"/>
+              </a:solidFill>
+            </a:ln>
+          </p:spPr>
+          <p:style>
+            <a:lnRef idx="1">
+              <a:schemeClr val="accent1"/>
+            </a:lnRef>
+            <a:fillRef idx="0">
+              <a:schemeClr val="accent1"/>
+            </a:fillRef>
+            <a:effectRef idx="0">
+              <a:schemeClr val="accent1"/>
+            </a:effectRef>
+            <a:fontRef idx="minor">
+              <a:schemeClr val="tx1"/>
+            </a:fontRef>
+          </p:style>
+          <p:txBody>
+            <a:bodyPr rtlCol="0" anchor="ctr"/>
+            <a:lstStyle/>
+            <a:p>
+              <a:pPr algn="ctr"/>
+              <a:endParaRPr kumimoji="1" lang="ko-Kore-KR" altLang="en-US"/>
+            </a:p>
+          </p:txBody>
+        </p:sp>
+        <p:sp>
+          <p:nvSpPr>
+            <p:cNvPr id="185" name="TextBox 184">
+              <a:extLst>
+                <a:ext uri="{FF2B5EF4-FFF2-40B4-BE49-F238E27FC236}">
+                  <a16:creationId xmlns:a16="http://schemas.microsoft.com/office/drawing/2014/main" id="{72D30764-D90A-B349-BC9A-BABE1EE42925}"/>
+                </a:ext>
+              </a:extLst>
+            </p:cNvPr>
+            <p:cNvSpPr txBox="1"/>
+            <p:nvPr/>
+          </p:nvSpPr>
+          <p:spPr>
+            <a:xfrm>
+              <a:off x="999741" y="564697"/>
+              <a:ext cx="1633289" cy="246221"/>
+            </a:xfrm>
+            <a:prstGeom prst="rect">
+              <a:avLst/>
+            </a:prstGeom>
+            <a:noFill/>
+          </p:spPr>
+          <p:txBody>
+            <a:bodyPr wrap="square" rtlCol="0">
+              <a:spAutoFit/>
+            </a:bodyPr>
+            <a:lstStyle/>
+            <a:p>
+              <a:r>
+                <a:rPr kumimoji="1" lang="en-US" altLang="ko-Kore-KR" sz="1000" dirty="0" err="1">
+                  <a:solidFill>
+                    <a:srgbClr val="5DA2C5"/>
+                  </a:solidFill>
+                  <a:latin typeface="SHeadG" panose="02030600000101010101" pitchFamily="18" charset="-127"/>
+                  <a:ea typeface="SHeadG" panose="02030600000101010101" pitchFamily="18" charset="-127"/>
+                </a:rPr>
+                <a:t>application.service</a:t>
+              </a:r>
+              <a:endParaRPr kumimoji="1" lang="ko-Kore-KR" altLang="en-US" sz="1000" dirty="0">
+                <a:solidFill>
+                  <a:srgbClr val="5DA2C5"/>
+                </a:solidFill>
+                <a:latin typeface="SHeadG" panose="02030600000101010101" pitchFamily="18" charset="-127"/>
+                <a:ea typeface="SHeadG" panose="02030600000101010101" pitchFamily="18" charset="-127"/>
+              </a:endParaRPr>
+            </a:p>
+          </p:txBody>
+        </p:sp>
+      </p:grpSp>
+      <p:grpSp>
+        <p:nvGrpSpPr>
+          <p:cNvPr id="187" name="그룹 186">
+            <a:extLst>
+              <a:ext uri="{FF2B5EF4-FFF2-40B4-BE49-F238E27FC236}">
+                <a16:creationId xmlns:a16="http://schemas.microsoft.com/office/drawing/2014/main" id="{D5A4BF7D-F33C-8741-83AC-67358E12291B}"/>
+              </a:ext>
+            </a:extLst>
+          </p:cNvPr>
+          <p:cNvGrpSpPr/>
+          <p:nvPr/>
+        </p:nvGrpSpPr>
+        <p:grpSpPr>
+          <a:xfrm>
+            <a:off x="3652967" y="3728082"/>
+            <a:ext cx="2206167" cy="1369941"/>
+            <a:chOff x="999740" y="546993"/>
+            <a:chExt cx="2206167" cy="1369941"/>
+          </a:xfrm>
+        </p:grpSpPr>
+        <p:sp>
+          <p:nvSpPr>
+            <p:cNvPr id="192" name="직사각형 191">
+              <a:extLst>
+                <a:ext uri="{FF2B5EF4-FFF2-40B4-BE49-F238E27FC236}">
+                  <a16:creationId xmlns:a16="http://schemas.microsoft.com/office/drawing/2014/main" id="{43BED3BC-9EE7-C74A-AAE3-47A6659CC840}"/>
+                </a:ext>
+              </a:extLst>
+            </p:cNvPr>
+            <p:cNvSpPr/>
+            <p:nvPr/>
+          </p:nvSpPr>
+          <p:spPr>
+            <a:xfrm>
+              <a:off x="999740" y="793214"/>
+              <a:ext cx="2206167" cy="1123720"/>
+            </a:xfrm>
+            <a:prstGeom prst="rect">
+              <a:avLst/>
+            </a:prstGeom>
+            <a:ln w="25400">
+              <a:solidFill>
+                <a:srgbClr val="5DA2C5"/>
+              </a:solidFill>
+            </a:ln>
+          </p:spPr>
+          <p:style>
+            <a:lnRef idx="1">
+              <a:schemeClr val="accent1"/>
+            </a:lnRef>
+            <a:fillRef idx="0">
+              <a:schemeClr val="accent1"/>
+            </a:fillRef>
+            <a:effectRef idx="0">
+              <a:schemeClr val="accent1"/>
+            </a:effectRef>
+            <a:fontRef idx="minor">
+              <a:schemeClr val="tx1"/>
+            </a:fontRef>
+          </p:style>
+          <p:txBody>
+            <a:bodyPr rtlCol="0" anchor="ctr"/>
+            <a:lstStyle/>
+            <a:p>
+              <a:pPr algn="ctr"/>
+              <a:endParaRPr kumimoji="1" lang="ko-Kore-KR" altLang="en-US"/>
+            </a:p>
+          </p:txBody>
+        </p:sp>
+        <p:sp>
+          <p:nvSpPr>
+            <p:cNvPr id="193" name="TextBox 192">
+              <a:extLst>
+                <a:ext uri="{FF2B5EF4-FFF2-40B4-BE49-F238E27FC236}">
+                  <a16:creationId xmlns:a16="http://schemas.microsoft.com/office/drawing/2014/main" id="{50EDC5D9-CCEC-3843-B8D2-471A35B34E5C}"/>
+                </a:ext>
+              </a:extLst>
+            </p:cNvPr>
+            <p:cNvSpPr txBox="1"/>
+            <p:nvPr/>
+          </p:nvSpPr>
+          <p:spPr>
+            <a:xfrm>
+              <a:off x="1263576" y="1093464"/>
+              <a:ext cx="1678494" cy="523220"/>
+            </a:xfrm>
+            <a:prstGeom prst="rect">
+              <a:avLst/>
+            </a:prstGeom>
+            <a:noFill/>
+          </p:spPr>
+          <p:txBody>
+            <a:bodyPr wrap="square" rtlCol="0">
+              <a:spAutoFit/>
+            </a:bodyPr>
+            <a:lstStyle/>
+            <a:p>
+              <a:pPr algn="ctr"/>
+              <a:r>
+                <a:rPr kumimoji="1" lang="en-US" altLang="ko-Kore-KR" sz="1400" b="1" dirty="0" err="1">
+                  <a:solidFill>
+                    <a:srgbClr val="5DA2C5"/>
+                  </a:solidFill>
+                  <a:latin typeface="SHeadG" panose="02030600000101010101" pitchFamily="18" charset="-127"/>
+                  <a:ea typeface="SHeadG" panose="02030600000101010101" pitchFamily="18" charset="-127"/>
+                </a:rPr>
+                <a:t>LoadAccount</a:t>
+              </a:r>
+              <a:endParaRPr kumimoji="1" lang="en-US" altLang="ko-Kore-KR" sz="1400" b="1" dirty="0">
+                <a:solidFill>
+                  <a:srgbClr val="5DA2C5"/>
+                </a:solidFill>
+                <a:latin typeface="SHeadG" panose="02030600000101010101" pitchFamily="18" charset="-127"/>
+                <a:ea typeface="SHeadG" panose="02030600000101010101" pitchFamily="18" charset="-127"/>
+              </a:endParaRPr>
+            </a:p>
+            <a:p>
+              <a:pPr algn="ctr"/>
+              <a:r>
+                <a:rPr kumimoji="1" lang="en-US" altLang="ko-Kore-KR" sz="1400" b="1" dirty="0">
+                  <a:solidFill>
+                    <a:srgbClr val="5DA2C5"/>
+                  </a:solidFill>
+                  <a:latin typeface="SHeadG" panose="02030600000101010101" pitchFamily="18" charset="-127"/>
+                  <a:ea typeface="SHeadG" panose="02030600000101010101" pitchFamily="18" charset="-127"/>
+                </a:rPr>
+                <a:t>Port</a:t>
+              </a:r>
+              <a:endParaRPr kumimoji="1" lang="ko-Kore-KR" altLang="en-US" sz="1400" b="1" dirty="0">
+                <a:solidFill>
+                  <a:srgbClr val="5DA2C5"/>
+                </a:solidFill>
+                <a:latin typeface="SHeadG" panose="02030600000101010101" pitchFamily="18" charset="-127"/>
+                <a:ea typeface="SHeadG" panose="02030600000101010101" pitchFamily="18" charset="-127"/>
+              </a:endParaRPr>
+            </a:p>
+          </p:txBody>
+        </p:sp>
+        <p:sp>
+          <p:nvSpPr>
+            <p:cNvPr id="194" name="직사각형 193">
+              <a:extLst>
+                <a:ext uri="{FF2B5EF4-FFF2-40B4-BE49-F238E27FC236}">
+                  <a16:creationId xmlns:a16="http://schemas.microsoft.com/office/drawing/2014/main" id="{FDACFD3A-D193-C344-A224-11F183421660}"/>
+                </a:ext>
+              </a:extLst>
+            </p:cNvPr>
+            <p:cNvSpPr/>
+            <p:nvPr/>
+          </p:nvSpPr>
+          <p:spPr>
+            <a:xfrm>
+              <a:off x="1173957" y="1021732"/>
+              <a:ext cx="1833648" cy="668237"/>
+            </a:xfrm>
+            <a:prstGeom prst="rect">
+              <a:avLst/>
+            </a:prstGeom>
+            <a:ln w="25400">
+              <a:solidFill>
+                <a:srgbClr val="5DA2C5"/>
+              </a:solidFill>
+            </a:ln>
+          </p:spPr>
+          <p:style>
+            <a:lnRef idx="1">
+              <a:schemeClr val="accent1"/>
+            </a:lnRef>
+            <a:fillRef idx="0">
+              <a:schemeClr val="accent1"/>
+            </a:fillRef>
+            <a:effectRef idx="0">
+              <a:schemeClr val="accent1"/>
+            </a:effectRef>
+            <a:fontRef idx="minor">
+              <a:schemeClr val="tx1"/>
+            </a:fontRef>
+          </p:style>
+          <p:txBody>
+            <a:bodyPr rtlCol="0" anchor="ctr"/>
+            <a:lstStyle/>
+            <a:p>
+              <a:pPr algn="ctr"/>
+              <a:endParaRPr kumimoji="1" lang="ko-Kore-KR" altLang="en-US"/>
+            </a:p>
+          </p:txBody>
+        </p:sp>
+        <p:sp>
+          <p:nvSpPr>
+            <p:cNvPr id="195" name="직사각형 194">
+              <a:extLst>
+                <a:ext uri="{FF2B5EF4-FFF2-40B4-BE49-F238E27FC236}">
+                  <a16:creationId xmlns:a16="http://schemas.microsoft.com/office/drawing/2014/main" id="{B2FE628C-11B9-F545-9A02-A8D2AA916340}"/>
+                </a:ext>
+              </a:extLst>
+            </p:cNvPr>
+            <p:cNvSpPr/>
+            <p:nvPr/>
+          </p:nvSpPr>
+          <p:spPr>
+            <a:xfrm>
+              <a:off x="1004112" y="546993"/>
+              <a:ext cx="1739088" cy="246221"/>
+            </a:xfrm>
+            <a:prstGeom prst="rect">
+              <a:avLst/>
+            </a:prstGeom>
+            <a:ln w="25400">
+              <a:solidFill>
+                <a:srgbClr val="5DA2C5"/>
+              </a:solidFill>
+            </a:ln>
+          </p:spPr>
+          <p:style>
+            <a:lnRef idx="1">
+              <a:schemeClr val="accent1"/>
+            </a:lnRef>
+            <a:fillRef idx="0">
+              <a:schemeClr val="accent1"/>
+            </a:fillRef>
+            <a:effectRef idx="0">
+              <a:schemeClr val="accent1"/>
+            </a:effectRef>
+            <a:fontRef idx="minor">
+              <a:schemeClr val="tx1"/>
+            </a:fontRef>
+          </p:style>
+          <p:txBody>
+            <a:bodyPr rtlCol="0" anchor="ctr"/>
+            <a:lstStyle/>
+            <a:p>
+              <a:pPr algn="ctr"/>
+              <a:endParaRPr kumimoji="1" lang="ko-Kore-KR" altLang="en-US"/>
+            </a:p>
+          </p:txBody>
+        </p:sp>
+        <p:sp>
+          <p:nvSpPr>
+            <p:cNvPr id="196" name="TextBox 195">
+              <a:extLst>
+                <a:ext uri="{FF2B5EF4-FFF2-40B4-BE49-F238E27FC236}">
+                  <a16:creationId xmlns:a16="http://schemas.microsoft.com/office/drawing/2014/main" id="{F5D940E8-9BDE-464B-ADDC-A87FDB1AFFC2}"/>
+                </a:ext>
+              </a:extLst>
+            </p:cNvPr>
+            <p:cNvSpPr txBox="1"/>
+            <p:nvPr/>
+          </p:nvSpPr>
+          <p:spPr>
+            <a:xfrm>
+              <a:off x="999741" y="564697"/>
+              <a:ext cx="1633289" cy="246221"/>
+            </a:xfrm>
+            <a:prstGeom prst="rect">
+              <a:avLst/>
+            </a:prstGeom>
+            <a:noFill/>
+          </p:spPr>
+          <p:txBody>
+            <a:bodyPr wrap="square" rtlCol="0">
+              <a:spAutoFit/>
+            </a:bodyPr>
+            <a:lstStyle/>
+            <a:p>
+              <a:r>
+                <a:rPr kumimoji="1" lang="en-US" altLang="ko-Kore-KR" sz="1000" dirty="0" err="1">
+                  <a:solidFill>
+                    <a:srgbClr val="5DA2C5"/>
+                  </a:solidFill>
+                  <a:latin typeface="SHeadG" panose="02030600000101010101" pitchFamily="18" charset="-127"/>
+                  <a:ea typeface="SHeadG" panose="02030600000101010101" pitchFamily="18" charset="-127"/>
+                </a:rPr>
+                <a:t>application.port.out</a:t>
+              </a:r>
+              <a:endParaRPr kumimoji="1" lang="ko-Kore-KR" altLang="en-US" sz="1000" dirty="0">
+                <a:solidFill>
+                  <a:srgbClr val="5DA2C5"/>
+                </a:solidFill>
+                <a:latin typeface="SHeadG" panose="02030600000101010101" pitchFamily="18" charset="-127"/>
+                <a:ea typeface="SHeadG" panose="02030600000101010101" pitchFamily="18" charset="-127"/>
+              </a:endParaRPr>
+            </a:p>
+          </p:txBody>
+        </p:sp>
+      </p:grpSp>
+      <p:sp>
+        <p:nvSpPr>
+          <p:cNvPr id="198" name="TextBox 197">
+            <a:extLst>
+              <a:ext uri="{FF2B5EF4-FFF2-40B4-BE49-F238E27FC236}">
+                <a16:creationId xmlns:a16="http://schemas.microsoft.com/office/drawing/2014/main" id="{C0C50E56-EE35-514D-86C0-C4BB9B9E7ADB}"/>
+              </a:ext>
+            </a:extLst>
+          </p:cNvPr>
+          <p:cNvSpPr txBox="1"/>
+          <p:nvPr/>
+        </p:nvSpPr>
+        <p:spPr>
+          <a:xfrm>
+            <a:off x="4281463" y="4058117"/>
+            <a:ext cx="985680" cy="246221"/>
+          </a:xfrm>
+          <a:prstGeom prst="rect">
+            <a:avLst/>
+          </a:prstGeom>
+          <a:solidFill>
+            <a:schemeClr val="bg1"/>
+          </a:solidFill>
+        </p:spPr>
+        <p:txBody>
+          <a:bodyPr wrap="square" rtlCol="0">
+            <a:spAutoFit/>
+          </a:bodyPr>
+          <a:lstStyle/>
+          <a:p>
+            <a:pPr algn="ctr"/>
+            <a:r>
+              <a:rPr kumimoji="1" lang="en-US" altLang="ko-Kore-KR" sz="1000" dirty="0">
+                <a:solidFill>
+                  <a:srgbClr val="5DA2C5"/>
+                </a:solidFill>
+                <a:latin typeface="SHeadG" panose="02030600000101010101" pitchFamily="18" charset="-127"/>
+                <a:ea typeface="SHeadG" panose="02030600000101010101" pitchFamily="18" charset="-127"/>
+              </a:rPr>
+              <a:t>&lt;&lt;Interface&gt;&gt;</a:t>
+            </a:r>
+            <a:endParaRPr kumimoji="1" lang="ko-Kore-KR" altLang="en-US" sz="1000" dirty="0">
+              <a:solidFill>
+                <a:srgbClr val="5DA2C5"/>
+              </a:solidFill>
+              <a:latin typeface="SHeadG" panose="02030600000101010101" pitchFamily="18" charset="-127"/>
+              <a:ea typeface="SHeadG" panose="02030600000101010101" pitchFamily="18" charset="-127"/>
+            </a:endParaRPr>
+          </a:p>
+        </p:txBody>
+      </p:sp>
+      <p:grpSp>
+        <p:nvGrpSpPr>
+          <p:cNvPr id="199" name="그룹 198">
+            <a:extLst>
+              <a:ext uri="{FF2B5EF4-FFF2-40B4-BE49-F238E27FC236}">
+                <a16:creationId xmlns:a16="http://schemas.microsoft.com/office/drawing/2014/main" id="{E68C222D-05C5-1A41-8DF2-0F2A1DDC32FD}"/>
+              </a:ext>
+            </a:extLst>
+          </p:cNvPr>
+          <p:cNvGrpSpPr/>
+          <p:nvPr/>
+        </p:nvGrpSpPr>
+        <p:grpSpPr>
+          <a:xfrm>
+            <a:off x="6332868" y="3763490"/>
+            <a:ext cx="2206167" cy="1352237"/>
+            <a:chOff x="999740" y="564697"/>
+            <a:chExt cx="2206167" cy="1352237"/>
+          </a:xfrm>
+        </p:grpSpPr>
+        <p:sp>
+          <p:nvSpPr>
+            <p:cNvPr id="204" name="직사각형 203">
+              <a:extLst>
+                <a:ext uri="{FF2B5EF4-FFF2-40B4-BE49-F238E27FC236}">
+                  <a16:creationId xmlns:a16="http://schemas.microsoft.com/office/drawing/2014/main" id="{224F4A18-666B-D14C-AD92-65B19D8754B9}"/>
+                </a:ext>
+              </a:extLst>
+            </p:cNvPr>
+            <p:cNvSpPr/>
+            <p:nvPr/>
+          </p:nvSpPr>
+          <p:spPr>
+            <a:xfrm>
+              <a:off x="999740" y="793214"/>
+              <a:ext cx="2206167" cy="1123720"/>
+            </a:xfrm>
+            <a:prstGeom prst="rect">
+              <a:avLst/>
+            </a:prstGeom>
+            <a:ln w="25400">
+              <a:solidFill>
+                <a:srgbClr val="5DA2C5"/>
+              </a:solidFill>
+            </a:ln>
+          </p:spPr>
+          <p:style>
+            <a:lnRef idx="1">
+              <a:schemeClr val="accent1"/>
+            </a:lnRef>
+            <a:fillRef idx="0">
+              <a:schemeClr val="accent1"/>
+            </a:fillRef>
+            <a:effectRef idx="0">
+              <a:schemeClr val="accent1"/>
+            </a:effectRef>
+            <a:fontRef idx="minor">
+              <a:schemeClr val="tx1"/>
+            </a:fontRef>
+          </p:style>
+          <p:txBody>
+            <a:bodyPr rtlCol="0" anchor="ctr"/>
+            <a:lstStyle/>
+            <a:p>
+              <a:pPr algn="ctr"/>
+              <a:endParaRPr kumimoji="1" lang="ko-Kore-KR" altLang="en-US"/>
+            </a:p>
+          </p:txBody>
+        </p:sp>
+        <p:sp>
+          <p:nvSpPr>
+            <p:cNvPr id="205" name="TextBox 204">
+              <a:extLst>
+                <a:ext uri="{FF2B5EF4-FFF2-40B4-BE49-F238E27FC236}">
+                  <a16:creationId xmlns:a16="http://schemas.microsoft.com/office/drawing/2014/main" id="{3C82D438-731D-A14C-9885-A8C0DA021FA3}"/>
+                </a:ext>
+              </a:extLst>
+            </p:cNvPr>
+            <p:cNvSpPr txBox="1"/>
+            <p:nvPr/>
+          </p:nvSpPr>
+          <p:spPr>
+            <a:xfrm>
+              <a:off x="1263576" y="970977"/>
+              <a:ext cx="1678494" cy="738664"/>
+            </a:xfrm>
+            <a:prstGeom prst="rect">
+              <a:avLst/>
+            </a:prstGeom>
+            <a:noFill/>
+          </p:spPr>
+          <p:txBody>
+            <a:bodyPr wrap="square" rtlCol="0">
+              <a:spAutoFit/>
+            </a:bodyPr>
+            <a:lstStyle/>
+            <a:p>
+              <a:pPr algn="ctr"/>
+              <a:r>
+                <a:rPr kumimoji="1" lang="en-US" altLang="ko-Kore-KR" sz="1400" b="1" dirty="0">
+                  <a:solidFill>
+                    <a:srgbClr val="5DA2C5"/>
+                  </a:solidFill>
+                  <a:latin typeface="SHeadG" panose="02030600000101010101" pitchFamily="18" charset="-127"/>
+                  <a:ea typeface="SHeadG" panose="02030600000101010101" pitchFamily="18" charset="-127"/>
+                </a:rPr>
+                <a:t>Account</a:t>
+              </a:r>
+            </a:p>
+            <a:p>
+              <a:pPr algn="ctr"/>
+              <a:r>
+                <a:rPr kumimoji="1" lang="en-US" altLang="ko-Kore-KR" sz="1400" b="1" dirty="0">
+                  <a:solidFill>
+                    <a:srgbClr val="5DA2C5"/>
+                  </a:solidFill>
+                  <a:latin typeface="SHeadG" panose="02030600000101010101" pitchFamily="18" charset="-127"/>
+                  <a:ea typeface="SHeadG" panose="02030600000101010101" pitchFamily="18" charset="-127"/>
+                </a:rPr>
+                <a:t>Persistence</a:t>
+              </a:r>
+            </a:p>
+            <a:p>
+              <a:pPr algn="ctr"/>
+              <a:r>
+                <a:rPr kumimoji="1" lang="en-US" altLang="ko-Kore-KR" sz="1400" b="1" dirty="0">
+                  <a:solidFill>
+                    <a:srgbClr val="5DA2C5"/>
+                  </a:solidFill>
+                  <a:latin typeface="SHeadG" panose="02030600000101010101" pitchFamily="18" charset="-127"/>
+                  <a:ea typeface="SHeadG" panose="02030600000101010101" pitchFamily="18" charset="-127"/>
+                </a:rPr>
+                <a:t>Adapter</a:t>
+              </a:r>
+              <a:endParaRPr kumimoji="1" lang="ko-Kore-KR" altLang="en-US" sz="1400" b="1" dirty="0">
+                <a:solidFill>
+                  <a:srgbClr val="5DA2C5"/>
+                </a:solidFill>
+                <a:latin typeface="SHeadG" panose="02030600000101010101" pitchFamily="18" charset="-127"/>
+                <a:ea typeface="SHeadG" panose="02030600000101010101" pitchFamily="18" charset="-127"/>
+              </a:endParaRPr>
+            </a:p>
+          </p:txBody>
+        </p:sp>
+        <p:sp>
+          <p:nvSpPr>
+            <p:cNvPr id="206" name="직사각형 205">
+              <a:extLst>
+                <a:ext uri="{FF2B5EF4-FFF2-40B4-BE49-F238E27FC236}">
+                  <a16:creationId xmlns:a16="http://schemas.microsoft.com/office/drawing/2014/main" id="{6DE25791-76A9-FC4D-A759-AAE9A4C39463}"/>
+                </a:ext>
+              </a:extLst>
+            </p:cNvPr>
+            <p:cNvSpPr/>
+            <p:nvPr/>
+          </p:nvSpPr>
+          <p:spPr>
+            <a:xfrm>
+              <a:off x="1173957" y="925426"/>
+              <a:ext cx="1833648" cy="830645"/>
+            </a:xfrm>
+            <a:prstGeom prst="rect">
+              <a:avLst/>
+            </a:prstGeom>
+            <a:ln w="25400">
+              <a:solidFill>
+                <a:srgbClr val="5DA2C5"/>
+              </a:solidFill>
+            </a:ln>
+          </p:spPr>
+          <p:style>
+            <a:lnRef idx="1">
+              <a:schemeClr val="accent1"/>
+            </a:lnRef>
+            <a:fillRef idx="0">
+              <a:schemeClr val="accent1"/>
+            </a:fillRef>
+            <a:effectRef idx="0">
+              <a:schemeClr val="accent1"/>
+            </a:effectRef>
+            <a:fontRef idx="minor">
+              <a:schemeClr val="tx1"/>
+            </a:fontRef>
+          </p:style>
+          <p:txBody>
+            <a:bodyPr rtlCol="0" anchor="ctr"/>
+            <a:lstStyle/>
+            <a:p>
+              <a:pPr algn="ctr"/>
+              <a:endParaRPr kumimoji="1" lang="ko-Kore-KR" altLang="en-US"/>
+            </a:p>
+          </p:txBody>
+        </p:sp>
+        <p:sp>
+          <p:nvSpPr>
+            <p:cNvPr id="207" name="직사각형 206">
+              <a:extLst>
+                <a:ext uri="{FF2B5EF4-FFF2-40B4-BE49-F238E27FC236}">
+                  <a16:creationId xmlns:a16="http://schemas.microsoft.com/office/drawing/2014/main" id="{C9D1FCFE-797A-5C48-B416-5D3C99312444}"/>
+                </a:ext>
+              </a:extLst>
+            </p:cNvPr>
+            <p:cNvSpPr/>
+            <p:nvPr/>
+          </p:nvSpPr>
+          <p:spPr>
+            <a:xfrm>
+              <a:off x="1004112" y="564697"/>
+              <a:ext cx="1937958" cy="228517"/>
+            </a:xfrm>
+            <a:prstGeom prst="rect">
+              <a:avLst/>
+            </a:prstGeom>
+            <a:ln w="25400">
+              <a:solidFill>
+                <a:srgbClr val="5DA2C5"/>
+              </a:solidFill>
+            </a:ln>
+          </p:spPr>
+          <p:style>
+            <a:lnRef idx="1">
+              <a:schemeClr val="accent1"/>
+            </a:lnRef>
+            <a:fillRef idx="0">
+              <a:schemeClr val="accent1"/>
+            </a:fillRef>
+            <a:effectRef idx="0">
+              <a:schemeClr val="accent1"/>
+            </a:effectRef>
+            <a:fontRef idx="minor">
+              <a:schemeClr val="tx1"/>
+            </a:fontRef>
+          </p:style>
+          <p:txBody>
+            <a:bodyPr rtlCol="0" anchor="ctr"/>
+            <a:lstStyle/>
+            <a:p>
+              <a:pPr algn="ctr"/>
+              <a:endParaRPr kumimoji="1" lang="ko-Kore-KR" altLang="en-US"/>
+            </a:p>
+          </p:txBody>
+        </p:sp>
+        <p:sp>
+          <p:nvSpPr>
+            <p:cNvPr id="208" name="TextBox 207">
+              <a:extLst>
+                <a:ext uri="{FF2B5EF4-FFF2-40B4-BE49-F238E27FC236}">
+                  <a16:creationId xmlns:a16="http://schemas.microsoft.com/office/drawing/2014/main" id="{9792D98F-2D51-3243-A11A-F4723E30002D}"/>
+                </a:ext>
+              </a:extLst>
+            </p:cNvPr>
+            <p:cNvSpPr txBox="1"/>
+            <p:nvPr/>
+          </p:nvSpPr>
+          <p:spPr>
+            <a:xfrm>
+              <a:off x="999741" y="564697"/>
+              <a:ext cx="2106051" cy="246221"/>
+            </a:xfrm>
+            <a:prstGeom prst="rect">
+              <a:avLst/>
+            </a:prstGeom>
+            <a:noFill/>
+          </p:spPr>
+          <p:txBody>
+            <a:bodyPr wrap="square" rtlCol="0">
+              <a:spAutoFit/>
+            </a:bodyPr>
+            <a:lstStyle/>
+            <a:p>
+              <a:r>
+                <a:rPr kumimoji="1" lang="en-US" altLang="ko-Kore-KR" sz="1000" dirty="0" err="1">
+                  <a:solidFill>
+                    <a:srgbClr val="5DA2C5"/>
+                  </a:solidFill>
+                  <a:latin typeface="SHeadG" panose="02030600000101010101" pitchFamily="18" charset="-127"/>
+                  <a:ea typeface="SHeadG" panose="02030600000101010101" pitchFamily="18" charset="-127"/>
+                </a:rPr>
+                <a:t>application.port.persistence</a:t>
+              </a:r>
+              <a:endParaRPr kumimoji="1" lang="ko-Kore-KR" altLang="en-US" sz="1000" dirty="0">
+                <a:solidFill>
+                  <a:srgbClr val="5DA2C5"/>
+                </a:solidFill>
+                <a:latin typeface="SHeadG" panose="02030600000101010101" pitchFamily="18" charset="-127"/>
+                <a:ea typeface="SHeadG" panose="02030600000101010101" pitchFamily="18" charset="-127"/>
+              </a:endParaRPr>
+            </a:p>
+          </p:txBody>
+        </p:sp>
+      </p:grpSp>
+      <p:cxnSp>
+        <p:nvCxnSpPr>
+          <p:cNvPr id="210" name="직선 화살표 연결선 209">
+            <a:extLst>
+              <a:ext uri="{FF2B5EF4-FFF2-40B4-BE49-F238E27FC236}">
+                <a16:creationId xmlns:a16="http://schemas.microsoft.com/office/drawing/2014/main" id="{698BF162-2DD1-2D47-B4D7-8BD55E43C118}"/>
+              </a:ext>
+            </a:extLst>
+          </p:cNvPr>
+          <p:cNvCxnSpPr>
+            <a:cxnSpLocks/>
+          </p:cNvCxnSpPr>
+          <p:nvPr/>
+        </p:nvCxnSpPr>
+        <p:spPr>
+          <a:xfrm flipV="1">
+            <a:off x="5548496" y="1707674"/>
+            <a:ext cx="1" cy="918022"/>
+          </a:xfrm>
+          <a:prstGeom prst="straightConnector1">
+            <a:avLst/>
+          </a:prstGeom>
+          <a:ln w="19050">
+            <a:solidFill>
+              <a:srgbClr val="5DA2C5"/>
+            </a:solidFill>
+            <a:tailEnd type="none" w="lg" len="lg"/>
+          </a:ln>
+        </p:spPr>
+        <p:style>
+          <a:lnRef idx="1">
+            <a:schemeClr val="accent1"/>
+          </a:lnRef>
+          <a:fillRef idx="0">
+            <a:schemeClr val="accent1"/>
+          </a:fillRef>
+          <a:effectRef idx="0">
+            <a:schemeClr val="accent1"/>
+          </a:effectRef>
+          <a:fontRef idx="minor">
+            <a:schemeClr val="tx1"/>
+          </a:fontRef>
+        </p:style>
+      </p:cxnSp>
+      <p:cxnSp>
+        <p:nvCxnSpPr>
+          <p:cNvPr id="211" name="직선 화살표 연결선 210">
+            <a:extLst>
+              <a:ext uri="{FF2B5EF4-FFF2-40B4-BE49-F238E27FC236}">
+                <a16:creationId xmlns:a16="http://schemas.microsoft.com/office/drawing/2014/main" id="{6051C212-6815-CD42-AC5A-24AFAC532F35}"/>
+              </a:ext>
+            </a:extLst>
+          </p:cNvPr>
+          <p:cNvCxnSpPr>
+            <a:cxnSpLocks/>
+          </p:cNvCxnSpPr>
+          <p:nvPr/>
+        </p:nvCxnSpPr>
+        <p:spPr>
+          <a:xfrm>
+            <a:off x="5548496" y="3293933"/>
+            <a:ext cx="0" cy="908888"/>
+          </a:xfrm>
+          <a:prstGeom prst="straightConnector1">
+            <a:avLst/>
+          </a:prstGeom>
+          <a:ln w="19050">
+            <a:solidFill>
+              <a:srgbClr val="5DA2C5"/>
+            </a:solidFill>
+            <a:tailEnd type="stealth" w="lg" len="lg"/>
+          </a:ln>
+        </p:spPr>
+        <p:style>
+          <a:lnRef idx="1">
+            <a:schemeClr val="accent1"/>
+          </a:lnRef>
+          <a:fillRef idx="0">
+            <a:schemeClr val="accent1"/>
+          </a:fillRef>
+          <a:effectRef idx="0">
+            <a:schemeClr val="accent1"/>
+          </a:effectRef>
+          <a:fontRef idx="minor">
+            <a:schemeClr val="tx1"/>
+          </a:fontRef>
+        </p:style>
+      </p:cxnSp>
+      <p:grpSp>
+        <p:nvGrpSpPr>
+          <p:cNvPr id="16" name="그룹 15">
+            <a:extLst>
+              <a:ext uri="{FF2B5EF4-FFF2-40B4-BE49-F238E27FC236}">
+                <a16:creationId xmlns:a16="http://schemas.microsoft.com/office/drawing/2014/main" id="{0AEC0827-4F27-E540-912D-E304E9D33AB5}"/>
+              </a:ext>
+            </a:extLst>
+          </p:cNvPr>
+          <p:cNvGrpSpPr/>
+          <p:nvPr/>
+        </p:nvGrpSpPr>
+        <p:grpSpPr>
+          <a:xfrm>
+            <a:off x="5660832" y="4476748"/>
+            <a:ext cx="846253" cy="132203"/>
+            <a:chOff x="5660832" y="4476748"/>
+            <a:chExt cx="846253" cy="132203"/>
+          </a:xfrm>
+        </p:grpSpPr>
+        <p:cxnSp>
+          <p:nvCxnSpPr>
+            <p:cNvPr id="212" name="직선 화살표 연결선 211">
+              <a:extLst>
+                <a:ext uri="{FF2B5EF4-FFF2-40B4-BE49-F238E27FC236}">
+                  <a16:creationId xmlns:a16="http://schemas.microsoft.com/office/drawing/2014/main" id="{E8BB2C44-2C94-6841-9587-D7670F238365}"/>
+                </a:ext>
+              </a:extLst>
+            </p:cNvPr>
+            <p:cNvCxnSpPr>
+              <a:cxnSpLocks/>
+              <a:stCxn id="206" idx="1"/>
+              <a:endCxn id="194" idx="3"/>
+            </p:cNvCxnSpPr>
+            <p:nvPr/>
+          </p:nvCxnSpPr>
+          <p:spPr>
+            <a:xfrm flipH="1" flipV="1">
+              <a:off x="5660832" y="4536940"/>
+              <a:ext cx="846253" cy="2602"/>
+            </a:xfrm>
+            <a:prstGeom prst="straightConnector1">
+              <a:avLst/>
+            </a:prstGeom>
+            <a:ln w="19050">
+              <a:solidFill>
+                <a:srgbClr val="5DA2C5"/>
+              </a:solidFill>
+              <a:tailEnd type="none" w="lg" len="lg"/>
+            </a:ln>
+          </p:spPr>
+          <p:style>
+            <a:lnRef idx="1">
+              <a:schemeClr val="accent1"/>
+            </a:lnRef>
+            <a:fillRef idx="0">
+              <a:schemeClr val="accent1"/>
+            </a:fillRef>
+            <a:effectRef idx="0">
+              <a:schemeClr val="accent1"/>
+            </a:effectRef>
+            <a:fontRef idx="minor">
+              <a:schemeClr val="tx1"/>
+            </a:fontRef>
+          </p:style>
+        </p:cxnSp>
+        <p:sp>
+          <p:nvSpPr>
+            <p:cNvPr id="15" name="삼각형 14">
+              <a:extLst>
+                <a:ext uri="{FF2B5EF4-FFF2-40B4-BE49-F238E27FC236}">
+                  <a16:creationId xmlns:a16="http://schemas.microsoft.com/office/drawing/2014/main" id="{76BAE1C4-284D-5646-A48F-A9494FAB8196}"/>
+                </a:ext>
+              </a:extLst>
+            </p:cNvPr>
+            <p:cNvSpPr/>
+            <p:nvPr/>
+          </p:nvSpPr>
+          <p:spPr>
+            <a:xfrm rot="16200000">
+              <a:off x="5673332" y="4481294"/>
+              <a:ext cx="132203" cy="123111"/>
+            </a:xfrm>
+            <a:prstGeom prst="triangle">
+              <a:avLst/>
+            </a:prstGeom>
+            <a:solidFill>
+              <a:schemeClr val="bg1"/>
+            </a:solidFill>
+            <a:ln w="19050">
+              <a:solidFill>
+                <a:srgbClr val="5DA2C5"/>
+              </a:solidFill>
+            </a:ln>
+          </p:spPr>
+          <p:style>
+            <a:lnRef idx="2">
+              <a:schemeClr val="accent1">
+                <a:shade val="50000"/>
+              </a:schemeClr>
+            </a:lnRef>
+            <a:fillRef idx="1">
+              <a:schemeClr val="accent1"/>
+            </a:fillRef>
+            <a:effectRef idx="0">
+              <a:schemeClr val="accent1"/>
+            </a:effectRef>
+            <a:fontRef idx="minor">
+              <a:schemeClr val="lt1"/>
+            </a:fontRef>
+          </p:style>
+          <p:txBody>
+            <a:bodyPr rtlCol="0" anchor="ctr"/>
+            <a:lstStyle/>
+            <a:p>
+              <a:pPr algn="ctr"/>
+              <a:endParaRPr kumimoji="1" lang="ko-Kore-KR" altLang="en-US"/>
+            </a:p>
+          </p:txBody>
+        </p:sp>
+      </p:grpSp>
+      <p:sp>
+        <p:nvSpPr>
+          <p:cNvPr id="214" name="삼각형 213">
+            <a:extLst>
+              <a:ext uri="{FF2B5EF4-FFF2-40B4-BE49-F238E27FC236}">
+                <a16:creationId xmlns:a16="http://schemas.microsoft.com/office/drawing/2014/main" id="{F0333C9B-9B88-E746-B6C6-22174FC8F430}"/>
+              </a:ext>
+            </a:extLst>
+          </p:cNvPr>
+          <p:cNvSpPr/>
+          <p:nvPr/>
+        </p:nvSpPr>
+        <p:spPr>
+          <a:xfrm>
+            <a:off x="5482394" y="1728777"/>
+            <a:ext cx="132203" cy="123111"/>
+          </a:xfrm>
+          <a:prstGeom prst="triangle">
+            <a:avLst/>
+          </a:prstGeom>
+          <a:solidFill>
+            <a:schemeClr val="bg1"/>
+          </a:solidFill>
+          <a:ln w="19050">
+            <a:solidFill>
+              <a:srgbClr val="5DA2C5"/>
+            </a:solidFill>
+          </a:ln>
+        </p:spPr>
+        <p:style>
+          <a:lnRef idx="2">
+            <a:schemeClr val="accent1">
+              <a:shade val="50000"/>
+            </a:schemeClr>
+          </a:lnRef>
+          <a:fillRef idx="1">
+            <a:schemeClr val="accent1"/>
+          </a:fillRef>
+          <a:effectRef idx="0">
+            <a:schemeClr val="accent1"/>
+          </a:effectRef>
+          <a:fontRef idx="minor">
+            <a:schemeClr val="lt1"/>
+          </a:fontRef>
+        </p:style>
+        <p:txBody>
+          <a:bodyPr rtlCol="0" anchor="ctr"/>
+          <a:lstStyle/>
+          <a:p>
+            <a:pPr algn="ctr"/>
+            <a:endParaRPr kumimoji="1" lang="ko-Kore-KR" altLang="en-US"/>
+          </a:p>
+        </p:txBody>
+      </p:sp>
+    </p:spTree>
+    <p:extLst>
+      <p:ext uri="{BB962C8B-B14F-4D97-AF65-F5344CB8AC3E}">
+        <p14:creationId xmlns:p14="http://schemas.microsoft.com/office/powerpoint/2010/main" val="3165807655"/>
+      </p:ext>
+    </p:extLst>
+  </p:cSld>
+  <p:clrMapOvr>
+    <a:masterClrMapping/>
+  </p:clrMapOvr>
+</p:sld>
+</file>
+
 <file path=ppt/theme/theme1.xml><?xml version="1.0" encoding="utf-8"?>
 <a:theme xmlns:a="http://schemas.openxmlformats.org/drawingml/2006/main" name="Office 테마">
   <a:themeElements>

--- a/Get Your Hands Dirty on Clean Architecture/ref/프레젠테이션1.pptx
+++ b/Get Your Hands Dirty on Clean Architecture/ref/프레젠테이션1.pptx
@@ -11,6 +11,7 @@
     <p:sldId id="262" r:id="rId5"/>
     <p:sldId id="263" r:id="rId6"/>
     <p:sldId id="264" r:id="rId7"/>
+    <p:sldId id="265" r:id="rId8"/>
   </p:sldIdLst>
   <p:sldSz cx="12192000" cy="6858000"/>
   <p:notesSz cx="6858000" cy="9144000"/>
@@ -248,7 +249,7 @@
           <a:p>
             <a:fld id="{3083E1A9-A397-4745-BD5D-6E8E767939EE}" type="datetimeFigureOut">
               <a:rPr kumimoji="1" lang="ko-Kore-KR" altLang="en-US" smtClean="0"/>
-              <a:t>2020. 12. 23.</a:t>
+              <a:t>2020. 12. 24.</a:t>
             </a:fld>
             <a:endParaRPr kumimoji="1" lang="ko-Kore-KR" altLang="en-US"/>
           </a:p>
@@ -418,7 +419,7 @@
           <a:p>
             <a:fld id="{3083E1A9-A397-4745-BD5D-6E8E767939EE}" type="datetimeFigureOut">
               <a:rPr kumimoji="1" lang="ko-Kore-KR" altLang="en-US" smtClean="0"/>
-              <a:t>2020. 12. 23.</a:t>
+              <a:t>2020. 12. 24.</a:t>
             </a:fld>
             <a:endParaRPr kumimoji="1" lang="ko-Kore-KR" altLang="en-US"/>
           </a:p>
@@ -598,7 +599,7 @@
           <a:p>
             <a:fld id="{3083E1A9-A397-4745-BD5D-6E8E767939EE}" type="datetimeFigureOut">
               <a:rPr kumimoji="1" lang="ko-Kore-KR" altLang="en-US" smtClean="0"/>
-              <a:t>2020. 12. 23.</a:t>
+              <a:t>2020. 12. 24.</a:t>
             </a:fld>
             <a:endParaRPr kumimoji="1" lang="ko-Kore-KR" altLang="en-US"/>
           </a:p>
@@ -768,7 +769,7 @@
           <a:p>
             <a:fld id="{3083E1A9-A397-4745-BD5D-6E8E767939EE}" type="datetimeFigureOut">
               <a:rPr kumimoji="1" lang="ko-Kore-KR" altLang="en-US" smtClean="0"/>
-              <a:t>2020. 12. 23.</a:t>
+              <a:t>2020. 12. 24.</a:t>
             </a:fld>
             <a:endParaRPr kumimoji="1" lang="ko-Kore-KR" altLang="en-US"/>
           </a:p>
@@ -1014,7 +1015,7 @@
           <a:p>
             <a:fld id="{3083E1A9-A397-4745-BD5D-6E8E767939EE}" type="datetimeFigureOut">
               <a:rPr kumimoji="1" lang="ko-Kore-KR" altLang="en-US" smtClean="0"/>
-              <a:t>2020. 12. 23.</a:t>
+              <a:t>2020. 12. 24.</a:t>
             </a:fld>
             <a:endParaRPr kumimoji="1" lang="ko-Kore-KR" altLang="en-US"/>
           </a:p>
@@ -1246,7 +1247,7 @@
           <a:p>
             <a:fld id="{3083E1A9-A397-4745-BD5D-6E8E767939EE}" type="datetimeFigureOut">
               <a:rPr kumimoji="1" lang="ko-Kore-KR" altLang="en-US" smtClean="0"/>
-              <a:t>2020. 12. 23.</a:t>
+              <a:t>2020. 12. 24.</a:t>
             </a:fld>
             <a:endParaRPr kumimoji="1" lang="ko-Kore-KR" altLang="en-US"/>
           </a:p>
@@ -1613,7 +1614,7 @@
           <a:p>
             <a:fld id="{3083E1A9-A397-4745-BD5D-6E8E767939EE}" type="datetimeFigureOut">
               <a:rPr kumimoji="1" lang="ko-Kore-KR" altLang="en-US" smtClean="0"/>
-              <a:t>2020. 12. 23.</a:t>
+              <a:t>2020. 12. 24.</a:t>
             </a:fld>
             <a:endParaRPr kumimoji="1" lang="ko-Kore-KR" altLang="en-US"/>
           </a:p>
@@ -1731,7 +1732,7 @@
           <a:p>
             <a:fld id="{3083E1A9-A397-4745-BD5D-6E8E767939EE}" type="datetimeFigureOut">
               <a:rPr kumimoji="1" lang="ko-Kore-KR" altLang="en-US" smtClean="0"/>
-              <a:t>2020. 12. 23.</a:t>
+              <a:t>2020. 12. 24.</a:t>
             </a:fld>
             <a:endParaRPr kumimoji="1" lang="ko-Kore-KR" altLang="en-US"/>
           </a:p>
@@ -1826,7 +1827,7 @@
           <a:p>
             <a:fld id="{3083E1A9-A397-4745-BD5D-6E8E767939EE}" type="datetimeFigureOut">
               <a:rPr kumimoji="1" lang="ko-Kore-KR" altLang="en-US" smtClean="0"/>
-              <a:t>2020. 12. 23.</a:t>
+              <a:t>2020. 12. 24.</a:t>
             </a:fld>
             <a:endParaRPr kumimoji="1" lang="ko-Kore-KR" altLang="en-US"/>
           </a:p>
@@ -2103,7 +2104,7 @@
           <a:p>
             <a:fld id="{3083E1A9-A397-4745-BD5D-6E8E767939EE}" type="datetimeFigureOut">
               <a:rPr kumimoji="1" lang="ko-Kore-KR" altLang="en-US" smtClean="0"/>
-              <a:t>2020. 12. 23.</a:t>
+              <a:t>2020. 12. 24.</a:t>
             </a:fld>
             <a:endParaRPr kumimoji="1" lang="ko-Kore-KR" altLang="en-US"/>
           </a:p>
@@ -2360,7 +2361,7 @@
           <a:p>
             <a:fld id="{3083E1A9-A397-4745-BD5D-6E8E767939EE}" type="datetimeFigureOut">
               <a:rPr kumimoji="1" lang="ko-Kore-KR" altLang="en-US" smtClean="0"/>
-              <a:t>2020. 12. 23.</a:t>
+              <a:t>2020. 12. 24.</a:t>
             </a:fld>
             <a:endParaRPr kumimoji="1" lang="ko-Kore-KR" altLang="en-US"/>
           </a:p>
@@ -2573,7 +2574,7 @@
           <a:p>
             <a:fld id="{3083E1A9-A397-4745-BD5D-6E8E767939EE}" type="datetimeFigureOut">
               <a:rPr kumimoji="1" lang="ko-Kore-KR" altLang="en-US" smtClean="0"/>
-              <a:t>2020. 12. 23.</a:t>
+              <a:t>2020. 12. 24.</a:t>
             </a:fld>
             <a:endParaRPr kumimoji="1" lang="ko-Kore-KR" altLang="en-US"/>
           </a:p>
@@ -20528,6 +20529,1614 @@
 </p:sld>
 </file>
 
+<file path=ppt/slides/slide7.xml><?xml version="1.0" encoding="utf-8"?>
+<p:sld xmlns:a="http://schemas.openxmlformats.org/drawingml/2006/main" xmlns:r="http://schemas.openxmlformats.org/officeDocument/2006/relationships" xmlns:p="http://schemas.openxmlformats.org/presentationml/2006/main">
+  <p:cSld>
+    <p:spTree>
+      <p:nvGrpSpPr>
+        <p:cNvPr id="1" name=""/>
+        <p:cNvGrpSpPr/>
+        <p:nvPr/>
+      </p:nvGrpSpPr>
+      <p:grpSpPr>
+        <a:xfrm>
+          <a:off x="0" y="0"/>
+          <a:ext cx="0" cy="0"/>
+          <a:chOff x="0" y="0"/>
+          <a:chExt cx="0" cy="0"/>
+        </a:xfrm>
+      </p:grpSpPr>
+      <p:grpSp>
+        <p:nvGrpSpPr>
+          <p:cNvPr id="3" name="그룹 2">
+            <a:extLst>
+              <a:ext uri="{FF2B5EF4-FFF2-40B4-BE49-F238E27FC236}">
+                <a16:creationId xmlns:a16="http://schemas.microsoft.com/office/drawing/2014/main" id="{A8EFC9D8-92D5-6C42-ADB5-0AECA32A2AC8}"/>
+              </a:ext>
+            </a:extLst>
+          </p:cNvPr>
+          <p:cNvGrpSpPr/>
+          <p:nvPr/>
+        </p:nvGrpSpPr>
+        <p:grpSpPr>
+          <a:xfrm>
+            <a:off x="999740" y="558010"/>
+            <a:ext cx="2206167" cy="2964441"/>
+            <a:chOff x="999740" y="546993"/>
+            <a:chExt cx="2206167" cy="2964441"/>
+          </a:xfrm>
+        </p:grpSpPr>
+        <p:sp>
+          <p:nvSpPr>
+            <p:cNvPr id="164" name="직사각형 163">
+              <a:extLst>
+                <a:ext uri="{FF2B5EF4-FFF2-40B4-BE49-F238E27FC236}">
+                  <a16:creationId xmlns:a16="http://schemas.microsoft.com/office/drawing/2014/main" id="{D334EA4F-020D-3C42-8ED1-F68B3FEAA6E4}"/>
+                </a:ext>
+              </a:extLst>
+            </p:cNvPr>
+            <p:cNvSpPr/>
+            <p:nvPr/>
+          </p:nvSpPr>
+          <p:spPr>
+            <a:xfrm>
+              <a:off x="999740" y="793214"/>
+              <a:ext cx="2206167" cy="2718220"/>
+            </a:xfrm>
+            <a:prstGeom prst="rect">
+              <a:avLst/>
+            </a:prstGeom>
+            <a:ln w="25400">
+              <a:solidFill>
+                <a:srgbClr val="5DA2C5"/>
+              </a:solidFill>
+            </a:ln>
+          </p:spPr>
+          <p:style>
+            <a:lnRef idx="1">
+              <a:schemeClr val="accent1"/>
+            </a:lnRef>
+            <a:fillRef idx="0">
+              <a:schemeClr val="accent1"/>
+            </a:fillRef>
+            <a:effectRef idx="0">
+              <a:schemeClr val="accent1"/>
+            </a:effectRef>
+            <a:fontRef idx="minor">
+              <a:schemeClr val="tx1"/>
+            </a:fontRef>
+          </p:style>
+          <p:txBody>
+            <a:bodyPr rtlCol="0" anchor="ctr"/>
+            <a:lstStyle/>
+            <a:p>
+              <a:pPr algn="ctr"/>
+              <a:endParaRPr kumimoji="1" lang="ko-Kore-KR" altLang="en-US"/>
+            </a:p>
+          </p:txBody>
+        </p:sp>
+        <p:sp>
+          <p:nvSpPr>
+            <p:cNvPr id="165" name="TextBox 164">
+              <a:extLst>
+                <a:ext uri="{FF2B5EF4-FFF2-40B4-BE49-F238E27FC236}">
+                  <a16:creationId xmlns:a16="http://schemas.microsoft.com/office/drawing/2014/main" id="{EAA62A86-9B74-D249-8E32-E553F9D85C4D}"/>
+                </a:ext>
+              </a:extLst>
+            </p:cNvPr>
+            <p:cNvSpPr txBox="1"/>
+            <p:nvPr/>
+          </p:nvSpPr>
+          <p:spPr>
+            <a:xfrm>
+              <a:off x="1263576" y="1093464"/>
+              <a:ext cx="1678494" cy="523220"/>
+            </a:xfrm>
+            <a:prstGeom prst="rect">
+              <a:avLst/>
+            </a:prstGeom>
+            <a:noFill/>
+          </p:spPr>
+          <p:txBody>
+            <a:bodyPr wrap="square" rtlCol="0">
+              <a:spAutoFit/>
+            </a:bodyPr>
+            <a:lstStyle/>
+            <a:p>
+              <a:pPr algn="ctr"/>
+              <a:r>
+                <a:rPr kumimoji="1" lang="en-US" altLang="ko-Kore-KR" sz="1400" b="1" dirty="0" err="1">
+                  <a:solidFill>
+                    <a:srgbClr val="5DA2C5"/>
+                  </a:solidFill>
+                  <a:latin typeface="SHeadG" panose="02030600000101010101" pitchFamily="18" charset="-127"/>
+                  <a:ea typeface="SHeadG" panose="02030600000101010101" pitchFamily="18" charset="-127"/>
+                </a:rPr>
+                <a:t>SendMoney</a:t>
+              </a:r>
+              <a:endParaRPr kumimoji="1" lang="en-US" altLang="ko-Kore-KR" sz="1400" b="1" dirty="0">
+                <a:solidFill>
+                  <a:srgbClr val="5DA2C5"/>
+                </a:solidFill>
+                <a:latin typeface="SHeadG" panose="02030600000101010101" pitchFamily="18" charset="-127"/>
+                <a:ea typeface="SHeadG" panose="02030600000101010101" pitchFamily="18" charset="-127"/>
+              </a:endParaRPr>
+            </a:p>
+            <a:p>
+              <a:pPr algn="ctr"/>
+              <a:r>
+                <a:rPr kumimoji="1" lang="en-US" altLang="ko-Kore-KR" sz="1400" b="1" dirty="0" err="1">
+                  <a:solidFill>
+                    <a:srgbClr val="5DA2C5"/>
+                  </a:solidFill>
+                  <a:latin typeface="SHeadG" panose="02030600000101010101" pitchFamily="18" charset="-127"/>
+                  <a:ea typeface="SHeadG" panose="02030600000101010101" pitchFamily="18" charset="-127"/>
+                </a:rPr>
+                <a:t>UseCase</a:t>
+              </a:r>
+              <a:endParaRPr kumimoji="1" lang="ko-Kore-KR" altLang="en-US" sz="1400" b="1" dirty="0">
+                <a:solidFill>
+                  <a:srgbClr val="5DA2C5"/>
+                </a:solidFill>
+                <a:latin typeface="SHeadG" panose="02030600000101010101" pitchFamily="18" charset="-127"/>
+                <a:ea typeface="SHeadG" panose="02030600000101010101" pitchFamily="18" charset="-127"/>
+              </a:endParaRPr>
+            </a:p>
+          </p:txBody>
+        </p:sp>
+        <p:sp>
+          <p:nvSpPr>
+            <p:cNvPr id="168" name="직사각형 167">
+              <a:extLst>
+                <a:ext uri="{FF2B5EF4-FFF2-40B4-BE49-F238E27FC236}">
+                  <a16:creationId xmlns:a16="http://schemas.microsoft.com/office/drawing/2014/main" id="{57CD06B5-5BD7-B241-BCB2-63A55A57FD13}"/>
+                </a:ext>
+              </a:extLst>
+            </p:cNvPr>
+            <p:cNvSpPr/>
+            <p:nvPr/>
+          </p:nvSpPr>
+          <p:spPr>
+            <a:xfrm>
+              <a:off x="1173957" y="1021732"/>
+              <a:ext cx="1833648" cy="668237"/>
+            </a:xfrm>
+            <a:prstGeom prst="rect">
+              <a:avLst/>
+            </a:prstGeom>
+            <a:ln w="25400">
+              <a:solidFill>
+                <a:srgbClr val="5DA2C5"/>
+              </a:solidFill>
+            </a:ln>
+          </p:spPr>
+          <p:style>
+            <a:lnRef idx="1">
+              <a:schemeClr val="accent1"/>
+            </a:lnRef>
+            <a:fillRef idx="0">
+              <a:schemeClr val="accent1"/>
+            </a:fillRef>
+            <a:effectRef idx="0">
+              <a:schemeClr val="accent1"/>
+            </a:effectRef>
+            <a:fontRef idx="minor">
+              <a:schemeClr val="tx1"/>
+            </a:fontRef>
+          </p:style>
+          <p:txBody>
+            <a:bodyPr rtlCol="0" anchor="ctr"/>
+            <a:lstStyle/>
+            <a:p>
+              <a:pPr algn="ctr"/>
+              <a:endParaRPr kumimoji="1" lang="ko-Kore-KR" altLang="en-US"/>
+            </a:p>
+          </p:txBody>
+        </p:sp>
+        <p:sp>
+          <p:nvSpPr>
+            <p:cNvPr id="169" name="직사각형 168">
+              <a:extLst>
+                <a:ext uri="{FF2B5EF4-FFF2-40B4-BE49-F238E27FC236}">
+                  <a16:creationId xmlns:a16="http://schemas.microsoft.com/office/drawing/2014/main" id="{EC201D50-485E-3A4D-B6CB-A0CBF5BE58EA}"/>
+                </a:ext>
+              </a:extLst>
+            </p:cNvPr>
+            <p:cNvSpPr/>
+            <p:nvPr/>
+          </p:nvSpPr>
+          <p:spPr>
+            <a:xfrm>
+              <a:off x="1004112" y="546993"/>
+              <a:ext cx="1739088" cy="246221"/>
+            </a:xfrm>
+            <a:prstGeom prst="rect">
+              <a:avLst/>
+            </a:prstGeom>
+            <a:ln w="25400">
+              <a:solidFill>
+                <a:srgbClr val="5DA2C5"/>
+              </a:solidFill>
+            </a:ln>
+          </p:spPr>
+          <p:style>
+            <a:lnRef idx="1">
+              <a:schemeClr val="accent1"/>
+            </a:lnRef>
+            <a:fillRef idx="0">
+              <a:schemeClr val="accent1"/>
+            </a:fillRef>
+            <a:effectRef idx="0">
+              <a:schemeClr val="accent1"/>
+            </a:effectRef>
+            <a:fontRef idx="minor">
+              <a:schemeClr val="tx1"/>
+            </a:fontRef>
+          </p:style>
+          <p:txBody>
+            <a:bodyPr rtlCol="0" anchor="ctr"/>
+            <a:lstStyle/>
+            <a:p>
+              <a:pPr algn="ctr"/>
+              <a:endParaRPr kumimoji="1" lang="ko-Kore-KR" altLang="en-US"/>
+            </a:p>
+          </p:txBody>
+        </p:sp>
+        <p:sp>
+          <p:nvSpPr>
+            <p:cNvPr id="170" name="TextBox 169">
+              <a:extLst>
+                <a:ext uri="{FF2B5EF4-FFF2-40B4-BE49-F238E27FC236}">
+                  <a16:creationId xmlns:a16="http://schemas.microsoft.com/office/drawing/2014/main" id="{33A22D6A-B77B-964D-9BE6-22010869BB14}"/>
+                </a:ext>
+              </a:extLst>
+            </p:cNvPr>
+            <p:cNvSpPr txBox="1"/>
+            <p:nvPr/>
+          </p:nvSpPr>
+          <p:spPr>
+            <a:xfrm>
+              <a:off x="999741" y="564697"/>
+              <a:ext cx="1633289" cy="246221"/>
+            </a:xfrm>
+            <a:prstGeom prst="rect">
+              <a:avLst/>
+            </a:prstGeom>
+            <a:noFill/>
+          </p:spPr>
+          <p:txBody>
+            <a:bodyPr wrap="square" rtlCol="0">
+              <a:spAutoFit/>
+            </a:bodyPr>
+            <a:lstStyle/>
+            <a:p>
+              <a:r>
+                <a:rPr kumimoji="1" lang="en-US" altLang="ko-Kore-KR" sz="1000" dirty="0" err="1">
+                  <a:solidFill>
+                    <a:srgbClr val="5DA2C5"/>
+                  </a:solidFill>
+                  <a:latin typeface="SHeadG" panose="02030600000101010101" pitchFamily="18" charset="-127"/>
+                  <a:ea typeface="SHeadG" panose="02030600000101010101" pitchFamily="18" charset="-127"/>
+                </a:rPr>
+                <a:t>application.port.in</a:t>
+              </a:r>
+              <a:endParaRPr kumimoji="1" lang="ko-Kore-KR" altLang="en-US" sz="1000" dirty="0">
+                <a:solidFill>
+                  <a:srgbClr val="5DA2C5"/>
+                </a:solidFill>
+                <a:latin typeface="SHeadG" panose="02030600000101010101" pitchFamily="18" charset="-127"/>
+                <a:ea typeface="SHeadG" panose="02030600000101010101" pitchFamily="18" charset="-127"/>
+              </a:endParaRPr>
+            </a:p>
+          </p:txBody>
+        </p:sp>
+        <p:sp>
+          <p:nvSpPr>
+            <p:cNvPr id="42" name="직사각형 41">
+              <a:extLst>
+                <a:ext uri="{FF2B5EF4-FFF2-40B4-BE49-F238E27FC236}">
+                  <a16:creationId xmlns:a16="http://schemas.microsoft.com/office/drawing/2014/main" id="{62B4D389-522D-3F45-AA95-92444C44D5BF}"/>
+                </a:ext>
+              </a:extLst>
+            </p:cNvPr>
+            <p:cNvSpPr/>
+            <p:nvPr/>
+          </p:nvSpPr>
+          <p:spPr>
+            <a:xfrm>
+              <a:off x="1173957" y="2614679"/>
+              <a:ext cx="1833648" cy="668237"/>
+            </a:xfrm>
+            <a:prstGeom prst="rect">
+              <a:avLst/>
+            </a:prstGeom>
+            <a:ln w="25400">
+              <a:solidFill>
+                <a:srgbClr val="5DA2C5"/>
+              </a:solidFill>
+            </a:ln>
+          </p:spPr>
+          <p:style>
+            <a:lnRef idx="1">
+              <a:schemeClr val="accent1"/>
+            </a:lnRef>
+            <a:fillRef idx="0">
+              <a:schemeClr val="accent1"/>
+            </a:fillRef>
+            <a:effectRef idx="0">
+              <a:schemeClr val="accent1"/>
+            </a:effectRef>
+            <a:fontRef idx="minor">
+              <a:schemeClr val="tx1"/>
+            </a:fontRef>
+          </p:style>
+          <p:txBody>
+            <a:bodyPr rtlCol="0" anchor="ctr"/>
+            <a:lstStyle/>
+            <a:p>
+              <a:pPr algn="ctr"/>
+              <a:endParaRPr kumimoji="1" lang="ko-Kore-KR" altLang="en-US"/>
+            </a:p>
+          </p:txBody>
+        </p:sp>
+        <p:sp>
+          <p:nvSpPr>
+            <p:cNvPr id="43" name="TextBox 42">
+              <a:extLst>
+                <a:ext uri="{FF2B5EF4-FFF2-40B4-BE49-F238E27FC236}">
+                  <a16:creationId xmlns:a16="http://schemas.microsoft.com/office/drawing/2014/main" id="{BA55D211-CC5C-FA4C-B4BE-3458FB442E16}"/>
+                </a:ext>
+              </a:extLst>
+            </p:cNvPr>
+            <p:cNvSpPr txBox="1"/>
+            <p:nvPr/>
+          </p:nvSpPr>
+          <p:spPr>
+            <a:xfrm>
+              <a:off x="1249375" y="2689579"/>
+              <a:ext cx="1678494" cy="523220"/>
+            </a:xfrm>
+            <a:prstGeom prst="rect">
+              <a:avLst/>
+            </a:prstGeom>
+            <a:noFill/>
+          </p:spPr>
+          <p:txBody>
+            <a:bodyPr wrap="square" rtlCol="0">
+              <a:spAutoFit/>
+            </a:bodyPr>
+            <a:lstStyle/>
+            <a:p>
+              <a:pPr algn="ctr"/>
+              <a:r>
+                <a:rPr kumimoji="1" lang="en-US" altLang="ko-Kore-KR" sz="1400" b="1" dirty="0" err="1">
+                  <a:solidFill>
+                    <a:srgbClr val="5DA2C5"/>
+                  </a:solidFill>
+                  <a:latin typeface="SHeadG" panose="02030600000101010101" pitchFamily="18" charset="-127"/>
+                  <a:ea typeface="SHeadG" panose="02030600000101010101" pitchFamily="18" charset="-127"/>
+                </a:rPr>
+                <a:t>SendMoney</a:t>
+              </a:r>
+              <a:endParaRPr kumimoji="1" lang="en-US" altLang="ko-Kore-KR" sz="1400" b="1" dirty="0">
+                <a:solidFill>
+                  <a:srgbClr val="5DA2C5"/>
+                </a:solidFill>
+                <a:latin typeface="SHeadG" panose="02030600000101010101" pitchFamily="18" charset="-127"/>
+                <a:ea typeface="SHeadG" panose="02030600000101010101" pitchFamily="18" charset="-127"/>
+              </a:endParaRPr>
+            </a:p>
+            <a:p>
+              <a:pPr algn="ctr"/>
+              <a:r>
+                <a:rPr kumimoji="1" lang="en-US" altLang="ko-Kore-KR" sz="1400" b="1" dirty="0">
+                  <a:solidFill>
+                    <a:srgbClr val="5DA2C5"/>
+                  </a:solidFill>
+                  <a:latin typeface="SHeadG" panose="02030600000101010101" pitchFamily="18" charset="-127"/>
+                  <a:ea typeface="SHeadG" panose="02030600000101010101" pitchFamily="18" charset="-127"/>
+                </a:rPr>
+                <a:t>Command</a:t>
+              </a:r>
+              <a:endParaRPr kumimoji="1" lang="ko-Kore-KR" altLang="en-US" sz="1400" b="1" dirty="0">
+                <a:solidFill>
+                  <a:srgbClr val="5DA2C5"/>
+                </a:solidFill>
+                <a:latin typeface="SHeadG" panose="02030600000101010101" pitchFamily="18" charset="-127"/>
+                <a:ea typeface="SHeadG" panose="02030600000101010101" pitchFamily="18" charset="-127"/>
+              </a:endParaRPr>
+            </a:p>
+          </p:txBody>
+        </p:sp>
+      </p:grpSp>
+      <p:grpSp>
+        <p:nvGrpSpPr>
+          <p:cNvPr id="172" name="그룹 171">
+            <a:extLst>
+              <a:ext uri="{FF2B5EF4-FFF2-40B4-BE49-F238E27FC236}">
+                <a16:creationId xmlns:a16="http://schemas.microsoft.com/office/drawing/2014/main" id="{D7F048DA-C5E6-484D-A1D3-BB95FCA77E80}"/>
+              </a:ext>
+            </a:extLst>
+          </p:cNvPr>
+          <p:cNvGrpSpPr/>
+          <p:nvPr/>
+        </p:nvGrpSpPr>
+        <p:grpSpPr>
+          <a:xfrm>
+            <a:off x="3652968" y="564697"/>
+            <a:ext cx="2206167" cy="1369941"/>
+            <a:chOff x="999740" y="546993"/>
+            <a:chExt cx="2206167" cy="1369941"/>
+          </a:xfrm>
+        </p:grpSpPr>
+        <p:sp>
+          <p:nvSpPr>
+            <p:cNvPr id="173" name="직사각형 172">
+              <a:extLst>
+                <a:ext uri="{FF2B5EF4-FFF2-40B4-BE49-F238E27FC236}">
+                  <a16:creationId xmlns:a16="http://schemas.microsoft.com/office/drawing/2014/main" id="{A4B8F070-AEB6-CB42-9713-F080A9C5912E}"/>
+                </a:ext>
+              </a:extLst>
+            </p:cNvPr>
+            <p:cNvSpPr/>
+            <p:nvPr/>
+          </p:nvSpPr>
+          <p:spPr>
+            <a:xfrm>
+              <a:off x="999740" y="793214"/>
+              <a:ext cx="2206167" cy="1123720"/>
+            </a:xfrm>
+            <a:prstGeom prst="rect">
+              <a:avLst/>
+            </a:prstGeom>
+            <a:ln w="25400">
+              <a:solidFill>
+                <a:srgbClr val="5DA2C5"/>
+              </a:solidFill>
+            </a:ln>
+          </p:spPr>
+          <p:style>
+            <a:lnRef idx="1">
+              <a:schemeClr val="accent1"/>
+            </a:lnRef>
+            <a:fillRef idx="0">
+              <a:schemeClr val="accent1"/>
+            </a:fillRef>
+            <a:effectRef idx="0">
+              <a:schemeClr val="accent1"/>
+            </a:effectRef>
+            <a:fontRef idx="minor">
+              <a:schemeClr val="tx1"/>
+            </a:fontRef>
+          </p:style>
+          <p:txBody>
+            <a:bodyPr rtlCol="0" anchor="ctr"/>
+            <a:lstStyle/>
+            <a:p>
+              <a:pPr algn="ctr"/>
+              <a:endParaRPr kumimoji="1" lang="ko-Kore-KR" altLang="en-US"/>
+            </a:p>
+          </p:txBody>
+        </p:sp>
+        <p:sp>
+          <p:nvSpPr>
+            <p:cNvPr id="174" name="TextBox 173">
+              <a:extLst>
+                <a:ext uri="{FF2B5EF4-FFF2-40B4-BE49-F238E27FC236}">
+                  <a16:creationId xmlns:a16="http://schemas.microsoft.com/office/drawing/2014/main" id="{5EFF01E2-80AA-634E-95B9-5B5E50182C63}"/>
+                </a:ext>
+              </a:extLst>
+            </p:cNvPr>
+            <p:cNvSpPr txBox="1"/>
+            <p:nvPr/>
+          </p:nvSpPr>
+          <p:spPr>
+            <a:xfrm>
+              <a:off x="1263576" y="1093464"/>
+              <a:ext cx="1678494" cy="523220"/>
+            </a:xfrm>
+            <a:prstGeom prst="rect">
+              <a:avLst/>
+            </a:prstGeom>
+            <a:noFill/>
+          </p:spPr>
+          <p:txBody>
+            <a:bodyPr wrap="square" rtlCol="0">
+              <a:spAutoFit/>
+            </a:bodyPr>
+            <a:lstStyle/>
+            <a:p>
+              <a:pPr algn="ctr"/>
+              <a:r>
+                <a:rPr kumimoji="1" lang="en-US" altLang="ko-Kore-KR" sz="1400" b="1" dirty="0" err="1">
+                  <a:solidFill>
+                    <a:srgbClr val="5DA2C5"/>
+                  </a:solidFill>
+                  <a:latin typeface="SHeadG" panose="02030600000101010101" pitchFamily="18" charset="-127"/>
+                  <a:ea typeface="SHeadG" panose="02030600000101010101" pitchFamily="18" charset="-127"/>
+                </a:rPr>
+                <a:t>SendMoney</a:t>
+              </a:r>
+              <a:endParaRPr kumimoji="1" lang="en-US" altLang="ko-Kore-KR" sz="1400" b="1" dirty="0">
+                <a:solidFill>
+                  <a:srgbClr val="5DA2C5"/>
+                </a:solidFill>
+                <a:latin typeface="SHeadG" panose="02030600000101010101" pitchFamily="18" charset="-127"/>
+                <a:ea typeface="SHeadG" panose="02030600000101010101" pitchFamily="18" charset="-127"/>
+              </a:endParaRPr>
+            </a:p>
+            <a:p>
+              <a:pPr algn="ctr"/>
+              <a:r>
+                <a:rPr kumimoji="1" lang="en-US" altLang="ko-Kore-KR" sz="1400" b="1" dirty="0">
+                  <a:solidFill>
+                    <a:srgbClr val="5DA2C5"/>
+                  </a:solidFill>
+                  <a:latin typeface="SHeadG" panose="02030600000101010101" pitchFamily="18" charset="-127"/>
+                  <a:ea typeface="SHeadG" panose="02030600000101010101" pitchFamily="18" charset="-127"/>
+                </a:rPr>
+                <a:t>Service</a:t>
+              </a:r>
+              <a:endParaRPr kumimoji="1" lang="ko-Kore-KR" altLang="en-US" sz="1400" b="1" dirty="0">
+                <a:solidFill>
+                  <a:srgbClr val="5DA2C5"/>
+                </a:solidFill>
+                <a:latin typeface="SHeadG" panose="02030600000101010101" pitchFamily="18" charset="-127"/>
+                <a:ea typeface="SHeadG" panose="02030600000101010101" pitchFamily="18" charset="-127"/>
+              </a:endParaRPr>
+            </a:p>
+          </p:txBody>
+        </p:sp>
+        <p:sp>
+          <p:nvSpPr>
+            <p:cNvPr id="175" name="직사각형 174">
+              <a:extLst>
+                <a:ext uri="{FF2B5EF4-FFF2-40B4-BE49-F238E27FC236}">
+                  <a16:creationId xmlns:a16="http://schemas.microsoft.com/office/drawing/2014/main" id="{A4B89B15-1299-DD4D-BB38-B8518E3F0D1F}"/>
+                </a:ext>
+              </a:extLst>
+            </p:cNvPr>
+            <p:cNvSpPr/>
+            <p:nvPr/>
+          </p:nvSpPr>
+          <p:spPr>
+            <a:xfrm>
+              <a:off x="1173957" y="1021732"/>
+              <a:ext cx="1833648" cy="668237"/>
+            </a:xfrm>
+            <a:prstGeom prst="rect">
+              <a:avLst/>
+            </a:prstGeom>
+            <a:ln w="25400">
+              <a:solidFill>
+                <a:srgbClr val="5DA2C5"/>
+              </a:solidFill>
+            </a:ln>
+          </p:spPr>
+          <p:style>
+            <a:lnRef idx="1">
+              <a:schemeClr val="accent1"/>
+            </a:lnRef>
+            <a:fillRef idx="0">
+              <a:schemeClr val="accent1"/>
+            </a:fillRef>
+            <a:effectRef idx="0">
+              <a:schemeClr val="accent1"/>
+            </a:effectRef>
+            <a:fontRef idx="minor">
+              <a:schemeClr val="tx1"/>
+            </a:fontRef>
+          </p:style>
+          <p:txBody>
+            <a:bodyPr rtlCol="0" anchor="ctr"/>
+            <a:lstStyle/>
+            <a:p>
+              <a:pPr algn="ctr"/>
+              <a:endParaRPr kumimoji="1" lang="ko-Kore-KR" altLang="en-US"/>
+            </a:p>
+          </p:txBody>
+        </p:sp>
+        <p:sp>
+          <p:nvSpPr>
+            <p:cNvPr id="176" name="직사각형 175">
+              <a:extLst>
+                <a:ext uri="{FF2B5EF4-FFF2-40B4-BE49-F238E27FC236}">
+                  <a16:creationId xmlns:a16="http://schemas.microsoft.com/office/drawing/2014/main" id="{7407F8C3-F39B-0F4A-A08D-613068B03C01}"/>
+                </a:ext>
+              </a:extLst>
+            </p:cNvPr>
+            <p:cNvSpPr/>
+            <p:nvPr/>
+          </p:nvSpPr>
+          <p:spPr>
+            <a:xfrm>
+              <a:off x="1004112" y="546993"/>
+              <a:ext cx="1739088" cy="246221"/>
+            </a:xfrm>
+            <a:prstGeom prst="rect">
+              <a:avLst/>
+            </a:prstGeom>
+            <a:ln w="25400">
+              <a:solidFill>
+                <a:srgbClr val="5DA2C5"/>
+              </a:solidFill>
+            </a:ln>
+          </p:spPr>
+          <p:style>
+            <a:lnRef idx="1">
+              <a:schemeClr val="accent1"/>
+            </a:lnRef>
+            <a:fillRef idx="0">
+              <a:schemeClr val="accent1"/>
+            </a:fillRef>
+            <a:effectRef idx="0">
+              <a:schemeClr val="accent1"/>
+            </a:effectRef>
+            <a:fontRef idx="minor">
+              <a:schemeClr val="tx1"/>
+            </a:fontRef>
+          </p:style>
+          <p:txBody>
+            <a:bodyPr rtlCol="0" anchor="ctr"/>
+            <a:lstStyle/>
+            <a:p>
+              <a:pPr algn="ctr"/>
+              <a:endParaRPr kumimoji="1" lang="ko-Kore-KR" altLang="en-US"/>
+            </a:p>
+          </p:txBody>
+        </p:sp>
+        <p:sp>
+          <p:nvSpPr>
+            <p:cNvPr id="177" name="TextBox 176">
+              <a:extLst>
+                <a:ext uri="{FF2B5EF4-FFF2-40B4-BE49-F238E27FC236}">
+                  <a16:creationId xmlns:a16="http://schemas.microsoft.com/office/drawing/2014/main" id="{93B96A4A-C9C6-D042-91B8-8E8FE5AB64E9}"/>
+                </a:ext>
+              </a:extLst>
+            </p:cNvPr>
+            <p:cNvSpPr txBox="1"/>
+            <p:nvPr/>
+          </p:nvSpPr>
+          <p:spPr>
+            <a:xfrm>
+              <a:off x="999741" y="564697"/>
+              <a:ext cx="1633289" cy="246221"/>
+            </a:xfrm>
+            <a:prstGeom prst="rect">
+              <a:avLst/>
+            </a:prstGeom>
+            <a:noFill/>
+          </p:spPr>
+          <p:txBody>
+            <a:bodyPr wrap="square" rtlCol="0">
+              <a:spAutoFit/>
+            </a:bodyPr>
+            <a:lstStyle/>
+            <a:p>
+              <a:r>
+                <a:rPr kumimoji="1" lang="en-US" altLang="ko-Kore-KR" sz="1000" dirty="0" err="1">
+                  <a:solidFill>
+                    <a:srgbClr val="5DA2C5"/>
+                  </a:solidFill>
+                  <a:latin typeface="SHeadG" panose="02030600000101010101" pitchFamily="18" charset="-127"/>
+                  <a:ea typeface="SHeadG" panose="02030600000101010101" pitchFamily="18" charset="-127"/>
+                </a:rPr>
+                <a:t>application.service</a:t>
+              </a:r>
+              <a:endParaRPr kumimoji="1" lang="ko-Kore-KR" altLang="en-US" sz="1000" dirty="0">
+                <a:solidFill>
+                  <a:srgbClr val="5DA2C5"/>
+                </a:solidFill>
+                <a:latin typeface="SHeadG" panose="02030600000101010101" pitchFamily="18" charset="-127"/>
+                <a:ea typeface="SHeadG" panose="02030600000101010101" pitchFamily="18" charset="-127"/>
+              </a:endParaRPr>
+            </a:p>
+          </p:txBody>
+        </p:sp>
+      </p:grpSp>
+      <p:grpSp>
+        <p:nvGrpSpPr>
+          <p:cNvPr id="179" name="그룹 178">
+            <a:extLst>
+              <a:ext uri="{FF2B5EF4-FFF2-40B4-BE49-F238E27FC236}">
+                <a16:creationId xmlns:a16="http://schemas.microsoft.com/office/drawing/2014/main" id="{5A65611C-E4EA-784A-AF6F-DF32C1869D6C}"/>
+              </a:ext>
+            </a:extLst>
+          </p:cNvPr>
+          <p:cNvGrpSpPr/>
+          <p:nvPr/>
+        </p:nvGrpSpPr>
+        <p:grpSpPr>
+          <a:xfrm>
+            <a:off x="3652968" y="2152510"/>
+            <a:ext cx="2206167" cy="1369941"/>
+            <a:chOff x="999740" y="546993"/>
+            <a:chExt cx="2206167" cy="1369941"/>
+          </a:xfrm>
+        </p:grpSpPr>
+        <p:sp>
+          <p:nvSpPr>
+            <p:cNvPr id="181" name="직사각형 180">
+              <a:extLst>
+                <a:ext uri="{FF2B5EF4-FFF2-40B4-BE49-F238E27FC236}">
+                  <a16:creationId xmlns:a16="http://schemas.microsoft.com/office/drawing/2014/main" id="{2C1D49A1-EEFA-BD42-9059-821EB0B96DCE}"/>
+                </a:ext>
+              </a:extLst>
+            </p:cNvPr>
+            <p:cNvSpPr/>
+            <p:nvPr/>
+          </p:nvSpPr>
+          <p:spPr>
+            <a:xfrm>
+              <a:off x="999740" y="793214"/>
+              <a:ext cx="2206167" cy="1123720"/>
+            </a:xfrm>
+            <a:prstGeom prst="rect">
+              <a:avLst/>
+            </a:prstGeom>
+            <a:ln w="25400">
+              <a:solidFill>
+                <a:srgbClr val="5DA2C5"/>
+              </a:solidFill>
+            </a:ln>
+          </p:spPr>
+          <p:style>
+            <a:lnRef idx="1">
+              <a:schemeClr val="accent1"/>
+            </a:lnRef>
+            <a:fillRef idx="0">
+              <a:schemeClr val="accent1"/>
+            </a:fillRef>
+            <a:effectRef idx="0">
+              <a:schemeClr val="accent1"/>
+            </a:effectRef>
+            <a:fontRef idx="minor">
+              <a:schemeClr val="tx1"/>
+            </a:fontRef>
+          </p:style>
+          <p:txBody>
+            <a:bodyPr rtlCol="0" anchor="ctr"/>
+            <a:lstStyle/>
+            <a:p>
+              <a:pPr algn="ctr"/>
+              <a:endParaRPr kumimoji="1" lang="ko-Kore-KR" altLang="en-US"/>
+            </a:p>
+          </p:txBody>
+        </p:sp>
+        <p:sp>
+          <p:nvSpPr>
+            <p:cNvPr id="182" name="TextBox 181">
+              <a:extLst>
+                <a:ext uri="{FF2B5EF4-FFF2-40B4-BE49-F238E27FC236}">
+                  <a16:creationId xmlns:a16="http://schemas.microsoft.com/office/drawing/2014/main" id="{73B570D4-5690-6D4F-B23E-836D9F3E4F91}"/>
+                </a:ext>
+              </a:extLst>
+            </p:cNvPr>
+            <p:cNvSpPr txBox="1"/>
+            <p:nvPr/>
+          </p:nvSpPr>
+          <p:spPr>
+            <a:xfrm>
+              <a:off x="1263575" y="1201185"/>
+              <a:ext cx="1678494" cy="307777"/>
+            </a:xfrm>
+            <a:prstGeom prst="rect">
+              <a:avLst/>
+            </a:prstGeom>
+            <a:noFill/>
+          </p:spPr>
+          <p:txBody>
+            <a:bodyPr wrap="square" rtlCol="0">
+              <a:spAutoFit/>
+            </a:bodyPr>
+            <a:lstStyle/>
+            <a:p>
+              <a:pPr algn="ctr"/>
+              <a:r>
+                <a:rPr kumimoji="1" lang="en-US" altLang="ko-Kore-KR" sz="1400" b="1" dirty="0">
+                  <a:solidFill>
+                    <a:srgbClr val="5DA2C5"/>
+                  </a:solidFill>
+                  <a:latin typeface="SHeadG" panose="02030600000101010101" pitchFamily="18" charset="-127"/>
+                  <a:ea typeface="SHeadG" panose="02030600000101010101" pitchFamily="18" charset="-127"/>
+                </a:rPr>
+                <a:t>Account</a:t>
+              </a:r>
+              <a:endParaRPr kumimoji="1" lang="ko-Kore-KR" altLang="en-US" sz="1400" b="1" dirty="0">
+                <a:solidFill>
+                  <a:srgbClr val="5DA2C5"/>
+                </a:solidFill>
+                <a:latin typeface="SHeadG" panose="02030600000101010101" pitchFamily="18" charset="-127"/>
+                <a:ea typeface="SHeadG" panose="02030600000101010101" pitchFamily="18" charset="-127"/>
+              </a:endParaRPr>
+            </a:p>
+          </p:txBody>
+        </p:sp>
+        <p:sp>
+          <p:nvSpPr>
+            <p:cNvPr id="183" name="직사각형 182">
+              <a:extLst>
+                <a:ext uri="{FF2B5EF4-FFF2-40B4-BE49-F238E27FC236}">
+                  <a16:creationId xmlns:a16="http://schemas.microsoft.com/office/drawing/2014/main" id="{15F4DC46-71D5-114E-B778-AEBD85103A64}"/>
+                </a:ext>
+              </a:extLst>
+            </p:cNvPr>
+            <p:cNvSpPr/>
+            <p:nvPr/>
+          </p:nvSpPr>
+          <p:spPr>
+            <a:xfrm>
+              <a:off x="1173957" y="1021732"/>
+              <a:ext cx="1833648" cy="668237"/>
+            </a:xfrm>
+            <a:prstGeom prst="rect">
+              <a:avLst/>
+            </a:prstGeom>
+            <a:ln w="25400">
+              <a:solidFill>
+                <a:srgbClr val="5DA2C5"/>
+              </a:solidFill>
+            </a:ln>
+          </p:spPr>
+          <p:style>
+            <a:lnRef idx="1">
+              <a:schemeClr val="accent1"/>
+            </a:lnRef>
+            <a:fillRef idx="0">
+              <a:schemeClr val="accent1"/>
+            </a:fillRef>
+            <a:effectRef idx="0">
+              <a:schemeClr val="accent1"/>
+            </a:effectRef>
+            <a:fontRef idx="minor">
+              <a:schemeClr val="tx1"/>
+            </a:fontRef>
+          </p:style>
+          <p:txBody>
+            <a:bodyPr rtlCol="0" anchor="ctr"/>
+            <a:lstStyle/>
+            <a:p>
+              <a:pPr algn="ctr"/>
+              <a:endParaRPr kumimoji="1" lang="ko-Kore-KR" altLang="en-US"/>
+            </a:p>
+          </p:txBody>
+        </p:sp>
+        <p:sp>
+          <p:nvSpPr>
+            <p:cNvPr id="184" name="직사각형 183">
+              <a:extLst>
+                <a:ext uri="{FF2B5EF4-FFF2-40B4-BE49-F238E27FC236}">
+                  <a16:creationId xmlns:a16="http://schemas.microsoft.com/office/drawing/2014/main" id="{022693BF-946E-D942-958E-C0281A97962C}"/>
+                </a:ext>
+              </a:extLst>
+            </p:cNvPr>
+            <p:cNvSpPr/>
+            <p:nvPr/>
+          </p:nvSpPr>
+          <p:spPr>
+            <a:xfrm>
+              <a:off x="1004112" y="546993"/>
+              <a:ext cx="1739088" cy="246221"/>
+            </a:xfrm>
+            <a:prstGeom prst="rect">
+              <a:avLst/>
+            </a:prstGeom>
+            <a:ln w="25400">
+              <a:solidFill>
+                <a:srgbClr val="5DA2C5"/>
+              </a:solidFill>
+            </a:ln>
+          </p:spPr>
+          <p:style>
+            <a:lnRef idx="1">
+              <a:schemeClr val="accent1"/>
+            </a:lnRef>
+            <a:fillRef idx="0">
+              <a:schemeClr val="accent1"/>
+            </a:fillRef>
+            <a:effectRef idx="0">
+              <a:schemeClr val="accent1"/>
+            </a:effectRef>
+            <a:fontRef idx="minor">
+              <a:schemeClr val="tx1"/>
+            </a:fontRef>
+          </p:style>
+          <p:txBody>
+            <a:bodyPr rtlCol="0" anchor="ctr"/>
+            <a:lstStyle/>
+            <a:p>
+              <a:pPr algn="ctr"/>
+              <a:endParaRPr kumimoji="1" lang="ko-Kore-KR" altLang="en-US"/>
+            </a:p>
+          </p:txBody>
+        </p:sp>
+        <p:sp>
+          <p:nvSpPr>
+            <p:cNvPr id="185" name="TextBox 184">
+              <a:extLst>
+                <a:ext uri="{FF2B5EF4-FFF2-40B4-BE49-F238E27FC236}">
+                  <a16:creationId xmlns:a16="http://schemas.microsoft.com/office/drawing/2014/main" id="{72D30764-D90A-B349-BC9A-BABE1EE42925}"/>
+                </a:ext>
+              </a:extLst>
+            </p:cNvPr>
+            <p:cNvSpPr txBox="1"/>
+            <p:nvPr/>
+          </p:nvSpPr>
+          <p:spPr>
+            <a:xfrm>
+              <a:off x="999741" y="564697"/>
+              <a:ext cx="1633289" cy="246221"/>
+            </a:xfrm>
+            <a:prstGeom prst="rect">
+              <a:avLst/>
+            </a:prstGeom>
+            <a:noFill/>
+          </p:spPr>
+          <p:txBody>
+            <a:bodyPr wrap="square" rtlCol="0">
+              <a:spAutoFit/>
+            </a:bodyPr>
+            <a:lstStyle/>
+            <a:p>
+              <a:r>
+                <a:rPr kumimoji="1" lang="en-US" altLang="ko-Kore-KR" sz="1000" dirty="0">
+                  <a:solidFill>
+                    <a:srgbClr val="5DA2C5"/>
+                  </a:solidFill>
+                  <a:latin typeface="SHeadG" panose="02030600000101010101" pitchFamily="18" charset="-127"/>
+                  <a:ea typeface="SHeadG" panose="02030600000101010101" pitchFamily="18" charset="-127"/>
+                </a:rPr>
+                <a:t>domain</a:t>
+              </a:r>
+              <a:endParaRPr kumimoji="1" lang="ko-Kore-KR" altLang="en-US" sz="1000" dirty="0">
+                <a:solidFill>
+                  <a:srgbClr val="5DA2C5"/>
+                </a:solidFill>
+                <a:latin typeface="SHeadG" panose="02030600000101010101" pitchFamily="18" charset="-127"/>
+                <a:ea typeface="SHeadG" panose="02030600000101010101" pitchFamily="18" charset="-127"/>
+              </a:endParaRPr>
+            </a:p>
+          </p:txBody>
+        </p:sp>
+      </p:grpSp>
+      <p:sp>
+        <p:nvSpPr>
+          <p:cNvPr id="198" name="TextBox 197">
+            <a:extLst>
+              <a:ext uri="{FF2B5EF4-FFF2-40B4-BE49-F238E27FC236}">
+                <a16:creationId xmlns:a16="http://schemas.microsoft.com/office/drawing/2014/main" id="{C0C50E56-EE35-514D-86C0-C4BB9B9E7ADB}"/>
+              </a:ext>
+            </a:extLst>
+          </p:cNvPr>
+          <p:cNvSpPr txBox="1"/>
+          <p:nvPr/>
+        </p:nvSpPr>
+        <p:spPr>
+          <a:xfrm>
+            <a:off x="1597941" y="905730"/>
+            <a:ext cx="985680" cy="246221"/>
+          </a:xfrm>
+          <a:prstGeom prst="rect">
+            <a:avLst/>
+          </a:prstGeom>
+          <a:solidFill>
+            <a:schemeClr val="bg1"/>
+          </a:solidFill>
+        </p:spPr>
+        <p:txBody>
+          <a:bodyPr wrap="square" rtlCol="0">
+            <a:spAutoFit/>
+          </a:bodyPr>
+          <a:lstStyle/>
+          <a:p>
+            <a:pPr algn="ctr"/>
+            <a:r>
+              <a:rPr kumimoji="1" lang="en-US" altLang="ko-Kore-KR" sz="1000" dirty="0">
+                <a:solidFill>
+                  <a:srgbClr val="5DA2C5"/>
+                </a:solidFill>
+                <a:latin typeface="SHeadG" panose="02030600000101010101" pitchFamily="18" charset="-127"/>
+                <a:ea typeface="SHeadG" panose="02030600000101010101" pitchFamily="18" charset="-127"/>
+              </a:rPr>
+              <a:t>&lt;&lt;Interface&gt;&gt;</a:t>
+            </a:r>
+            <a:endParaRPr kumimoji="1" lang="ko-Kore-KR" altLang="en-US" sz="1000" dirty="0">
+              <a:solidFill>
+                <a:srgbClr val="5DA2C5"/>
+              </a:solidFill>
+              <a:latin typeface="SHeadG" panose="02030600000101010101" pitchFamily="18" charset="-127"/>
+              <a:ea typeface="SHeadG" panose="02030600000101010101" pitchFamily="18" charset="-127"/>
+            </a:endParaRPr>
+          </a:p>
+        </p:txBody>
+      </p:sp>
+      <p:cxnSp>
+        <p:nvCxnSpPr>
+          <p:cNvPr id="210" name="직선 화살표 연결선 209">
+            <a:extLst>
+              <a:ext uri="{FF2B5EF4-FFF2-40B4-BE49-F238E27FC236}">
+                <a16:creationId xmlns:a16="http://schemas.microsoft.com/office/drawing/2014/main" id="{698BF162-2DD1-2D47-B4D7-8BD55E43C118}"/>
+              </a:ext>
+            </a:extLst>
+          </p:cNvPr>
+          <p:cNvCxnSpPr>
+            <a:cxnSpLocks/>
+            <a:stCxn id="214" idx="3"/>
+            <a:endCxn id="175" idx="1"/>
+          </p:cNvCxnSpPr>
+          <p:nvPr/>
+        </p:nvCxnSpPr>
+        <p:spPr>
+          <a:xfrm>
+            <a:off x="3144351" y="1371343"/>
+            <a:ext cx="682834" cy="2212"/>
+          </a:xfrm>
+          <a:prstGeom prst="straightConnector1">
+            <a:avLst/>
+          </a:prstGeom>
+          <a:ln w="19050">
+            <a:solidFill>
+              <a:srgbClr val="5DA2C5"/>
+            </a:solidFill>
+            <a:tailEnd type="none" w="lg" len="lg"/>
+          </a:ln>
+        </p:spPr>
+        <p:style>
+          <a:lnRef idx="1">
+            <a:schemeClr val="accent1"/>
+          </a:lnRef>
+          <a:fillRef idx="0">
+            <a:schemeClr val="accent1"/>
+          </a:fillRef>
+          <a:effectRef idx="0">
+            <a:schemeClr val="accent1"/>
+          </a:effectRef>
+          <a:fontRef idx="minor">
+            <a:schemeClr val="tx1"/>
+          </a:fontRef>
+        </p:style>
+      </p:cxnSp>
+      <p:sp>
+        <p:nvSpPr>
+          <p:cNvPr id="214" name="삼각형 213">
+            <a:extLst>
+              <a:ext uri="{FF2B5EF4-FFF2-40B4-BE49-F238E27FC236}">
+                <a16:creationId xmlns:a16="http://schemas.microsoft.com/office/drawing/2014/main" id="{F0333C9B-9B88-E746-B6C6-22174FC8F430}"/>
+              </a:ext>
+            </a:extLst>
+          </p:cNvPr>
+          <p:cNvSpPr/>
+          <p:nvPr/>
+        </p:nvSpPr>
+        <p:spPr>
+          <a:xfrm rot="16200000">
+            <a:off x="3016694" y="1309788"/>
+            <a:ext cx="132203" cy="123111"/>
+          </a:xfrm>
+          <a:prstGeom prst="triangle">
+            <a:avLst/>
+          </a:prstGeom>
+          <a:solidFill>
+            <a:schemeClr val="bg1"/>
+          </a:solidFill>
+          <a:ln w="19050">
+            <a:solidFill>
+              <a:srgbClr val="5DA2C5"/>
+            </a:solidFill>
+          </a:ln>
+        </p:spPr>
+        <p:style>
+          <a:lnRef idx="2">
+            <a:schemeClr val="accent1">
+              <a:shade val="50000"/>
+            </a:schemeClr>
+          </a:lnRef>
+          <a:fillRef idx="1">
+            <a:schemeClr val="accent1"/>
+          </a:fillRef>
+          <a:effectRef idx="0">
+            <a:schemeClr val="accent1"/>
+          </a:effectRef>
+          <a:fontRef idx="minor">
+            <a:schemeClr val="lt1"/>
+          </a:fontRef>
+        </p:style>
+        <p:txBody>
+          <a:bodyPr rtlCol="0" anchor="ctr"/>
+          <a:lstStyle/>
+          <a:p>
+            <a:pPr algn="ctr"/>
+            <a:endParaRPr kumimoji="1" lang="ko-Kore-KR" altLang="en-US"/>
+          </a:p>
+        </p:txBody>
+      </p:sp>
+      <p:cxnSp>
+        <p:nvCxnSpPr>
+          <p:cNvPr id="44" name="직선 화살표 연결선 43">
+            <a:extLst>
+              <a:ext uri="{FF2B5EF4-FFF2-40B4-BE49-F238E27FC236}">
+                <a16:creationId xmlns:a16="http://schemas.microsoft.com/office/drawing/2014/main" id="{C96F1C00-FF3D-0B4B-ADE5-E6F80CD91A1C}"/>
+              </a:ext>
+            </a:extLst>
+          </p:cNvPr>
+          <p:cNvCxnSpPr>
+            <a:cxnSpLocks/>
+            <a:stCxn id="168" idx="2"/>
+            <a:endCxn id="42" idx="0"/>
+          </p:cNvCxnSpPr>
+          <p:nvPr/>
+        </p:nvCxnSpPr>
+        <p:spPr>
+          <a:xfrm>
+            <a:off x="2090781" y="1700986"/>
+            <a:ext cx="0" cy="924710"/>
+          </a:xfrm>
+          <a:prstGeom prst="straightConnector1">
+            <a:avLst/>
+          </a:prstGeom>
+          <a:ln w="19050">
+            <a:solidFill>
+              <a:srgbClr val="5DA2C5"/>
+            </a:solidFill>
+            <a:tailEnd type="stealth" w="lg" len="lg"/>
+          </a:ln>
+        </p:spPr>
+        <p:style>
+          <a:lnRef idx="1">
+            <a:schemeClr val="accent1"/>
+          </a:lnRef>
+          <a:fillRef idx="0">
+            <a:schemeClr val="accent1"/>
+          </a:fillRef>
+          <a:effectRef idx="0">
+            <a:schemeClr val="accent1"/>
+          </a:effectRef>
+          <a:fontRef idx="minor">
+            <a:schemeClr val="tx1"/>
+          </a:fontRef>
+        </p:style>
+      </p:cxnSp>
+      <p:cxnSp>
+        <p:nvCxnSpPr>
+          <p:cNvPr id="47" name="직선 화살표 연결선 46">
+            <a:extLst>
+              <a:ext uri="{FF2B5EF4-FFF2-40B4-BE49-F238E27FC236}">
+                <a16:creationId xmlns:a16="http://schemas.microsoft.com/office/drawing/2014/main" id="{6BAB18B7-F0B6-2248-996F-6C69C57B51ED}"/>
+              </a:ext>
+            </a:extLst>
+          </p:cNvPr>
+          <p:cNvCxnSpPr>
+            <a:cxnSpLocks/>
+            <a:stCxn id="175" idx="2"/>
+            <a:endCxn id="183" idx="0"/>
+          </p:cNvCxnSpPr>
+          <p:nvPr/>
+        </p:nvCxnSpPr>
+        <p:spPr>
+          <a:xfrm>
+            <a:off x="4744009" y="1707673"/>
+            <a:ext cx="0" cy="919576"/>
+          </a:xfrm>
+          <a:prstGeom prst="straightConnector1">
+            <a:avLst/>
+          </a:prstGeom>
+          <a:ln w="19050">
+            <a:solidFill>
+              <a:srgbClr val="5DA2C5"/>
+            </a:solidFill>
+            <a:tailEnd type="stealth" w="lg" len="lg"/>
+          </a:ln>
+        </p:spPr>
+        <p:style>
+          <a:lnRef idx="1">
+            <a:schemeClr val="accent1"/>
+          </a:lnRef>
+          <a:fillRef idx="0">
+            <a:schemeClr val="accent1"/>
+          </a:fillRef>
+          <a:effectRef idx="0">
+            <a:schemeClr val="accent1"/>
+          </a:effectRef>
+          <a:fontRef idx="minor">
+            <a:schemeClr val="tx1"/>
+          </a:fontRef>
+        </p:style>
+      </p:cxnSp>
+      <p:cxnSp>
+        <p:nvCxnSpPr>
+          <p:cNvPr id="53" name="직선 화살표 연결선 52">
+            <a:extLst>
+              <a:ext uri="{FF2B5EF4-FFF2-40B4-BE49-F238E27FC236}">
+                <a16:creationId xmlns:a16="http://schemas.microsoft.com/office/drawing/2014/main" id="{61B3DB98-F306-0E48-9AD0-F1353B3C8363}"/>
+              </a:ext>
+            </a:extLst>
+          </p:cNvPr>
+          <p:cNvCxnSpPr>
+            <a:cxnSpLocks/>
+            <a:stCxn id="175" idx="3"/>
+            <a:endCxn id="59" idx="1"/>
+          </p:cNvCxnSpPr>
+          <p:nvPr/>
+        </p:nvCxnSpPr>
+        <p:spPr>
+          <a:xfrm flipV="1">
+            <a:off x="5660833" y="1366868"/>
+            <a:ext cx="807537" cy="6687"/>
+          </a:xfrm>
+          <a:prstGeom prst="straightConnector1">
+            <a:avLst/>
+          </a:prstGeom>
+          <a:ln w="19050">
+            <a:solidFill>
+              <a:srgbClr val="5DA2C5"/>
+            </a:solidFill>
+            <a:tailEnd type="stealth" w="lg" len="lg"/>
+          </a:ln>
+        </p:spPr>
+        <p:style>
+          <a:lnRef idx="1">
+            <a:schemeClr val="accent1"/>
+          </a:lnRef>
+          <a:fillRef idx="0">
+            <a:schemeClr val="accent1"/>
+          </a:fillRef>
+          <a:effectRef idx="0">
+            <a:schemeClr val="accent1"/>
+          </a:effectRef>
+          <a:fontRef idx="minor">
+            <a:schemeClr val="tx1"/>
+          </a:fontRef>
+        </p:style>
+      </p:cxnSp>
+      <p:grpSp>
+        <p:nvGrpSpPr>
+          <p:cNvPr id="56" name="그룹 55">
+            <a:extLst>
+              <a:ext uri="{FF2B5EF4-FFF2-40B4-BE49-F238E27FC236}">
+                <a16:creationId xmlns:a16="http://schemas.microsoft.com/office/drawing/2014/main" id="{01B10908-21E7-4144-834D-E63E1EBD743F}"/>
+              </a:ext>
+            </a:extLst>
+          </p:cNvPr>
+          <p:cNvGrpSpPr/>
+          <p:nvPr/>
+        </p:nvGrpSpPr>
+        <p:grpSpPr>
+          <a:xfrm>
+            <a:off x="6294153" y="558010"/>
+            <a:ext cx="2206167" cy="1369941"/>
+            <a:chOff x="999740" y="546993"/>
+            <a:chExt cx="2206167" cy="1369941"/>
+          </a:xfrm>
+        </p:grpSpPr>
+        <p:sp>
+          <p:nvSpPr>
+            <p:cNvPr id="57" name="직사각형 56">
+              <a:extLst>
+                <a:ext uri="{FF2B5EF4-FFF2-40B4-BE49-F238E27FC236}">
+                  <a16:creationId xmlns:a16="http://schemas.microsoft.com/office/drawing/2014/main" id="{6E886D9F-4BEE-FE42-97B7-4B96FD81E09C}"/>
+                </a:ext>
+              </a:extLst>
+            </p:cNvPr>
+            <p:cNvSpPr/>
+            <p:nvPr/>
+          </p:nvSpPr>
+          <p:spPr>
+            <a:xfrm>
+              <a:off x="999740" y="793214"/>
+              <a:ext cx="2206167" cy="1123720"/>
+            </a:xfrm>
+            <a:prstGeom prst="rect">
+              <a:avLst/>
+            </a:prstGeom>
+            <a:ln w="25400">
+              <a:solidFill>
+                <a:srgbClr val="5DA2C5"/>
+              </a:solidFill>
+            </a:ln>
+          </p:spPr>
+          <p:style>
+            <a:lnRef idx="1">
+              <a:schemeClr val="accent1"/>
+            </a:lnRef>
+            <a:fillRef idx="0">
+              <a:schemeClr val="accent1"/>
+            </a:fillRef>
+            <a:effectRef idx="0">
+              <a:schemeClr val="accent1"/>
+            </a:effectRef>
+            <a:fontRef idx="minor">
+              <a:schemeClr val="tx1"/>
+            </a:fontRef>
+          </p:style>
+          <p:txBody>
+            <a:bodyPr rtlCol="0" anchor="ctr"/>
+            <a:lstStyle/>
+            <a:p>
+              <a:pPr algn="ctr"/>
+              <a:endParaRPr kumimoji="1" lang="ko-Kore-KR" altLang="en-US"/>
+            </a:p>
+          </p:txBody>
+        </p:sp>
+        <p:sp>
+          <p:nvSpPr>
+            <p:cNvPr id="58" name="TextBox 57">
+              <a:extLst>
+                <a:ext uri="{FF2B5EF4-FFF2-40B4-BE49-F238E27FC236}">
+                  <a16:creationId xmlns:a16="http://schemas.microsoft.com/office/drawing/2014/main" id="{D7B688E3-3136-8448-BF55-A5DE62AD28E0}"/>
+                </a:ext>
+              </a:extLst>
+            </p:cNvPr>
+            <p:cNvSpPr txBox="1"/>
+            <p:nvPr/>
+          </p:nvSpPr>
+          <p:spPr>
+            <a:xfrm>
+              <a:off x="1263576" y="1093464"/>
+              <a:ext cx="1678494" cy="523220"/>
+            </a:xfrm>
+            <a:prstGeom prst="rect">
+              <a:avLst/>
+            </a:prstGeom>
+            <a:noFill/>
+          </p:spPr>
+          <p:txBody>
+            <a:bodyPr wrap="square" rtlCol="0">
+              <a:spAutoFit/>
+            </a:bodyPr>
+            <a:lstStyle/>
+            <a:p>
+              <a:pPr algn="ctr"/>
+              <a:r>
+                <a:rPr kumimoji="1" lang="en-US" altLang="ko-Kore-KR" sz="1400" b="1" dirty="0" err="1">
+                  <a:solidFill>
+                    <a:srgbClr val="5DA2C5"/>
+                  </a:solidFill>
+                  <a:latin typeface="SHeadG" panose="02030600000101010101" pitchFamily="18" charset="-127"/>
+                  <a:ea typeface="SHeadG" panose="02030600000101010101" pitchFamily="18" charset="-127"/>
+                </a:rPr>
+                <a:t>UpdateAccount</a:t>
+              </a:r>
+              <a:endParaRPr kumimoji="1" lang="en-US" altLang="ko-Kore-KR" sz="1400" b="1" dirty="0">
+                <a:solidFill>
+                  <a:srgbClr val="5DA2C5"/>
+                </a:solidFill>
+                <a:latin typeface="SHeadG" panose="02030600000101010101" pitchFamily="18" charset="-127"/>
+                <a:ea typeface="SHeadG" panose="02030600000101010101" pitchFamily="18" charset="-127"/>
+              </a:endParaRPr>
+            </a:p>
+            <a:p>
+              <a:pPr algn="ctr"/>
+              <a:r>
+                <a:rPr kumimoji="1" lang="en-US" altLang="ko-Kore-KR" sz="1400" b="1" dirty="0" err="1">
+                  <a:solidFill>
+                    <a:srgbClr val="5DA2C5"/>
+                  </a:solidFill>
+                  <a:latin typeface="SHeadG" panose="02030600000101010101" pitchFamily="18" charset="-127"/>
+                  <a:ea typeface="SHeadG" panose="02030600000101010101" pitchFamily="18" charset="-127"/>
+                </a:rPr>
+                <a:t>StatePort</a:t>
+              </a:r>
+              <a:endParaRPr kumimoji="1" lang="ko-Kore-KR" altLang="en-US" sz="1400" b="1" dirty="0">
+                <a:solidFill>
+                  <a:srgbClr val="5DA2C5"/>
+                </a:solidFill>
+                <a:latin typeface="SHeadG" panose="02030600000101010101" pitchFamily="18" charset="-127"/>
+                <a:ea typeface="SHeadG" panose="02030600000101010101" pitchFamily="18" charset="-127"/>
+              </a:endParaRPr>
+            </a:p>
+          </p:txBody>
+        </p:sp>
+        <p:sp>
+          <p:nvSpPr>
+            <p:cNvPr id="59" name="직사각형 58">
+              <a:extLst>
+                <a:ext uri="{FF2B5EF4-FFF2-40B4-BE49-F238E27FC236}">
+                  <a16:creationId xmlns:a16="http://schemas.microsoft.com/office/drawing/2014/main" id="{F5426CDE-7CCC-1646-BDA3-653BA0058F59}"/>
+                </a:ext>
+              </a:extLst>
+            </p:cNvPr>
+            <p:cNvSpPr/>
+            <p:nvPr/>
+          </p:nvSpPr>
+          <p:spPr>
+            <a:xfrm>
+              <a:off x="1173957" y="1021732"/>
+              <a:ext cx="1833648" cy="668237"/>
+            </a:xfrm>
+            <a:prstGeom prst="rect">
+              <a:avLst/>
+            </a:prstGeom>
+            <a:ln w="25400">
+              <a:solidFill>
+                <a:srgbClr val="5DA2C5"/>
+              </a:solidFill>
+            </a:ln>
+          </p:spPr>
+          <p:style>
+            <a:lnRef idx="1">
+              <a:schemeClr val="accent1"/>
+            </a:lnRef>
+            <a:fillRef idx="0">
+              <a:schemeClr val="accent1"/>
+            </a:fillRef>
+            <a:effectRef idx="0">
+              <a:schemeClr val="accent1"/>
+            </a:effectRef>
+            <a:fontRef idx="minor">
+              <a:schemeClr val="tx1"/>
+            </a:fontRef>
+          </p:style>
+          <p:txBody>
+            <a:bodyPr rtlCol="0" anchor="ctr"/>
+            <a:lstStyle/>
+            <a:p>
+              <a:pPr algn="ctr"/>
+              <a:endParaRPr kumimoji="1" lang="ko-Kore-KR" altLang="en-US"/>
+            </a:p>
+          </p:txBody>
+        </p:sp>
+        <p:sp>
+          <p:nvSpPr>
+            <p:cNvPr id="60" name="직사각형 59">
+              <a:extLst>
+                <a:ext uri="{FF2B5EF4-FFF2-40B4-BE49-F238E27FC236}">
+                  <a16:creationId xmlns:a16="http://schemas.microsoft.com/office/drawing/2014/main" id="{21FC1DD4-70C4-914C-9306-2A75F90AB635}"/>
+                </a:ext>
+              </a:extLst>
+            </p:cNvPr>
+            <p:cNvSpPr/>
+            <p:nvPr/>
+          </p:nvSpPr>
+          <p:spPr>
+            <a:xfrm>
+              <a:off x="1004112" y="546993"/>
+              <a:ext cx="1739088" cy="246221"/>
+            </a:xfrm>
+            <a:prstGeom prst="rect">
+              <a:avLst/>
+            </a:prstGeom>
+            <a:ln w="25400">
+              <a:solidFill>
+                <a:srgbClr val="5DA2C5"/>
+              </a:solidFill>
+            </a:ln>
+          </p:spPr>
+          <p:style>
+            <a:lnRef idx="1">
+              <a:schemeClr val="accent1"/>
+            </a:lnRef>
+            <a:fillRef idx="0">
+              <a:schemeClr val="accent1"/>
+            </a:fillRef>
+            <a:effectRef idx="0">
+              <a:schemeClr val="accent1"/>
+            </a:effectRef>
+            <a:fontRef idx="minor">
+              <a:schemeClr val="tx1"/>
+            </a:fontRef>
+          </p:style>
+          <p:txBody>
+            <a:bodyPr rtlCol="0" anchor="ctr"/>
+            <a:lstStyle/>
+            <a:p>
+              <a:pPr algn="ctr"/>
+              <a:endParaRPr kumimoji="1" lang="ko-Kore-KR" altLang="en-US"/>
+            </a:p>
+          </p:txBody>
+        </p:sp>
+        <p:sp>
+          <p:nvSpPr>
+            <p:cNvPr id="61" name="TextBox 60">
+              <a:extLst>
+                <a:ext uri="{FF2B5EF4-FFF2-40B4-BE49-F238E27FC236}">
+                  <a16:creationId xmlns:a16="http://schemas.microsoft.com/office/drawing/2014/main" id="{25AB3B9B-07B8-D244-9967-18C0D4676E6B}"/>
+                </a:ext>
+              </a:extLst>
+            </p:cNvPr>
+            <p:cNvSpPr txBox="1"/>
+            <p:nvPr/>
+          </p:nvSpPr>
+          <p:spPr>
+            <a:xfrm>
+              <a:off x="999741" y="564697"/>
+              <a:ext cx="1633289" cy="246221"/>
+            </a:xfrm>
+            <a:prstGeom prst="rect">
+              <a:avLst/>
+            </a:prstGeom>
+            <a:noFill/>
+          </p:spPr>
+          <p:txBody>
+            <a:bodyPr wrap="square" rtlCol="0">
+              <a:spAutoFit/>
+            </a:bodyPr>
+            <a:lstStyle/>
+            <a:p>
+              <a:r>
+                <a:rPr kumimoji="1" lang="en-US" altLang="ko-Kore-KR" sz="1000" dirty="0" err="1">
+                  <a:solidFill>
+                    <a:srgbClr val="5DA2C5"/>
+                  </a:solidFill>
+                  <a:latin typeface="SHeadG" panose="02030600000101010101" pitchFamily="18" charset="-127"/>
+                  <a:ea typeface="SHeadG" panose="02030600000101010101" pitchFamily="18" charset="-127"/>
+                </a:rPr>
+                <a:t>application.port.out</a:t>
+              </a:r>
+              <a:endParaRPr kumimoji="1" lang="ko-Kore-KR" altLang="en-US" sz="1000" dirty="0">
+                <a:solidFill>
+                  <a:srgbClr val="5DA2C5"/>
+                </a:solidFill>
+                <a:latin typeface="SHeadG" panose="02030600000101010101" pitchFamily="18" charset="-127"/>
+                <a:ea typeface="SHeadG" panose="02030600000101010101" pitchFamily="18" charset="-127"/>
+              </a:endParaRPr>
+            </a:p>
+          </p:txBody>
+        </p:sp>
+      </p:grpSp>
+      <p:sp>
+        <p:nvSpPr>
+          <p:cNvPr id="63" name="TextBox 62">
+            <a:extLst>
+              <a:ext uri="{FF2B5EF4-FFF2-40B4-BE49-F238E27FC236}">
+                <a16:creationId xmlns:a16="http://schemas.microsoft.com/office/drawing/2014/main" id="{EDC23631-77A5-3C4E-84D0-3D17D6289AB4}"/>
+              </a:ext>
+            </a:extLst>
+          </p:cNvPr>
+          <p:cNvSpPr txBox="1"/>
+          <p:nvPr/>
+        </p:nvSpPr>
+        <p:spPr>
+          <a:xfrm>
+            <a:off x="6892354" y="905730"/>
+            <a:ext cx="985680" cy="246221"/>
+          </a:xfrm>
+          <a:prstGeom prst="rect">
+            <a:avLst/>
+          </a:prstGeom>
+          <a:solidFill>
+            <a:schemeClr val="bg1"/>
+          </a:solidFill>
+        </p:spPr>
+        <p:txBody>
+          <a:bodyPr wrap="square" rtlCol="0">
+            <a:spAutoFit/>
+          </a:bodyPr>
+          <a:lstStyle/>
+          <a:p>
+            <a:pPr algn="ctr"/>
+            <a:r>
+              <a:rPr kumimoji="1" lang="en-US" altLang="ko-Kore-KR" sz="1000" dirty="0">
+                <a:solidFill>
+                  <a:srgbClr val="5DA2C5"/>
+                </a:solidFill>
+                <a:latin typeface="SHeadG" panose="02030600000101010101" pitchFamily="18" charset="-127"/>
+                <a:ea typeface="SHeadG" panose="02030600000101010101" pitchFamily="18" charset="-127"/>
+              </a:rPr>
+              <a:t>&lt;&lt;Interface&gt;&gt;</a:t>
+            </a:r>
+            <a:endParaRPr kumimoji="1" lang="ko-Kore-KR" altLang="en-US" sz="1000" dirty="0">
+              <a:solidFill>
+                <a:srgbClr val="5DA2C5"/>
+              </a:solidFill>
+              <a:latin typeface="SHeadG" panose="02030600000101010101" pitchFamily="18" charset="-127"/>
+              <a:ea typeface="SHeadG" panose="02030600000101010101" pitchFamily="18" charset="-127"/>
+            </a:endParaRPr>
+          </a:p>
+        </p:txBody>
+      </p:sp>
+    </p:spTree>
+    <p:extLst>
+      <p:ext uri="{BB962C8B-B14F-4D97-AF65-F5344CB8AC3E}">
+        <p14:creationId xmlns:p14="http://schemas.microsoft.com/office/powerpoint/2010/main" val="685069378"/>
+      </p:ext>
+    </p:extLst>
+  </p:cSld>
+  <p:clrMapOvr>
+    <a:masterClrMapping/>
+  </p:clrMapOvr>
+</p:sld>
+</file>
+
 <file path=ppt/theme/theme1.xml><?xml version="1.0" encoding="utf-8"?>
 <a:theme xmlns:a="http://schemas.openxmlformats.org/drawingml/2006/main" name="Office 테마">
   <a:themeElements>

--- a/Get Your Hands Dirty on Clean Architecture/ref/프레젠테이션1.pptx
+++ b/Get Your Hands Dirty on Clean Architecture/ref/프레젠테이션1.pptx
@@ -12,6 +12,8 @@
     <p:sldId id="263" r:id="rId6"/>
     <p:sldId id="264" r:id="rId7"/>
     <p:sldId id="265" r:id="rId8"/>
+    <p:sldId id="266" r:id="rId9"/>
+    <p:sldId id="267" r:id="rId10"/>
   </p:sldIdLst>
   <p:sldSz cx="12192000" cy="6858000"/>
   <p:notesSz cx="6858000" cy="9144000"/>
@@ -249,7 +251,7 @@
           <a:p>
             <a:fld id="{3083E1A9-A397-4745-BD5D-6E8E767939EE}" type="datetimeFigureOut">
               <a:rPr kumimoji="1" lang="ko-Kore-KR" altLang="en-US" smtClean="0"/>
-              <a:t>2020. 12. 24.</a:t>
+              <a:t>2020. 12. 25.</a:t>
             </a:fld>
             <a:endParaRPr kumimoji="1" lang="ko-Kore-KR" altLang="en-US"/>
           </a:p>
@@ -419,7 +421,7 @@
           <a:p>
             <a:fld id="{3083E1A9-A397-4745-BD5D-6E8E767939EE}" type="datetimeFigureOut">
               <a:rPr kumimoji="1" lang="ko-Kore-KR" altLang="en-US" smtClean="0"/>
-              <a:t>2020. 12. 24.</a:t>
+              <a:t>2020. 12. 25.</a:t>
             </a:fld>
             <a:endParaRPr kumimoji="1" lang="ko-Kore-KR" altLang="en-US"/>
           </a:p>
@@ -599,7 +601,7 @@
           <a:p>
             <a:fld id="{3083E1A9-A397-4745-BD5D-6E8E767939EE}" type="datetimeFigureOut">
               <a:rPr kumimoji="1" lang="ko-Kore-KR" altLang="en-US" smtClean="0"/>
-              <a:t>2020. 12. 24.</a:t>
+              <a:t>2020. 12. 25.</a:t>
             </a:fld>
             <a:endParaRPr kumimoji="1" lang="ko-Kore-KR" altLang="en-US"/>
           </a:p>
@@ -769,7 +771,7 @@
           <a:p>
             <a:fld id="{3083E1A9-A397-4745-BD5D-6E8E767939EE}" type="datetimeFigureOut">
               <a:rPr kumimoji="1" lang="ko-Kore-KR" altLang="en-US" smtClean="0"/>
-              <a:t>2020. 12. 24.</a:t>
+              <a:t>2020. 12. 25.</a:t>
             </a:fld>
             <a:endParaRPr kumimoji="1" lang="ko-Kore-KR" altLang="en-US"/>
           </a:p>
@@ -1015,7 +1017,7 @@
           <a:p>
             <a:fld id="{3083E1A9-A397-4745-BD5D-6E8E767939EE}" type="datetimeFigureOut">
               <a:rPr kumimoji="1" lang="ko-Kore-KR" altLang="en-US" smtClean="0"/>
-              <a:t>2020. 12. 24.</a:t>
+              <a:t>2020. 12. 25.</a:t>
             </a:fld>
             <a:endParaRPr kumimoji="1" lang="ko-Kore-KR" altLang="en-US"/>
           </a:p>
@@ -1247,7 +1249,7 @@
           <a:p>
             <a:fld id="{3083E1A9-A397-4745-BD5D-6E8E767939EE}" type="datetimeFigureOut">
               <a:rPr kumimoji="1" lang="ko-Kore-KR" altLang="en-US" smtClean="0"/>
-              <a:t>2020. 12. 24.</a:t>
+              <a:t>2020. 12. 25.</a:t>
             </a:fld>
             <a:endParaRPr kumimoji="1" lang="ko-Kore-KR" altLang="en-US"/>
           </a:p>
@@ -1614,7 +1616,7 @@
           <a:p>
             <a:fld id="{3083E1A9-A397-4745-BD5D-6E8E767939EE}" type="datetimeFigureOut">
               <a:rPr kumimoji="1" lang="ko-Kore-KR" altLang="en-US" smtClean="0"/>
-              <a:t>2020. 12. 24.</a:t>
+              <a:t>2020. 12. 25.</a:t>
             </a:fld>
             <a:endParaRPr kumimoji="1" lang="ko-Kore-KR" altLang="en-US"/>
           </a:p>
@@ -1732,7 +1734,7 @@
           <a:p>
             <a:fld id="{3083E1A9-A397-4745-BD5D-6E8E767939EE}" type="datetimeFigureOut">
               <a:rPr kumimoji="1" lang="ko-Kore-KR" altLang="en-US" smtClean="0"/>
-              <a:t>2020. 12. 24.</a:t>
+              <a:t>2020. 12. 25.</a:t>
             </a:fld>
             <a:endParaRPr kumimoji="1" lang="ko-Kore-KR" altLang="en-US"/>
           </a:p>
@@ -1827,7 +1829,7 @@
           <a:p>
             <a:fld id="{3083E1A9-A397-4745-BD5D-6E8E767939EE}" type="datetimeFigureOut">
               <a:rPr kumimoji="1" lang="ko-Kore-KR" altLang="en-US" smtClean="0"/>
-              <a:t>2020. 12. 24.</a:t>
+              <a:t>2020. 12. 25.</a:t>
             </a:fld>
             <a:endParaRPr kumimoji="1" lang="ko-Kore-KR" altLang="en-US"/>
           </a:p>
@@ -2104,7 +2106,7 @@
           <a:p>
             <a:fld id="{3083E1A9-A397-4745-BD5D-6E8E767939EE}" type="datetimeFigureOut">
               <a:rPr kumimoji="1" lang="ko-Kore-KR" altLang="en-US" smtClean="0"/>
-              <a:t>2020. 12. 24.</a:t>
+              <a:t>2020. 12. 25.</a:t>
             </a:fld>
             <a:endParaRPr kumimoji="1" lang="ko-Kore-KR" altLang="en-US"/>
           </a:p>
@@ -2361,7 +2363,7 @@
           <a:p>
             <a:fld id="{3083E1A9-A397-4745-BD5D-6E8E767939EE}" type="datetimeFigureOut">
               <a:rPr kumimoji="1" lang="ko-Kore-KR" altLang="en-US" smtClean="0"/>
-              <a:t>2020. 12. 24.</a:t>
+              <a:t>2020. 12. 25.</a:t>
             </a:fld>
             <a:endParaRPr kumimoji="1" lang="ko-Kore-KR" altLang="en-US"/>
           </a:p>
@@ -2574,7 +2576,7 @@
           <a:p>
             <a:fld id="{3083E1A9-A397-4745-BD5D-6E8E767939EE}" type="datetimeFigureOut">
               <a:rPr kumimoji="1" lang="ko-Kore-KR" altLang="en-US" smtClean="0"/>
-              <a:t>2020. 12. 24.</a:t>
+              <a:t>2020. 12. 25.</a:t>
             </a:fld>
             <a:endParaRPr kumimoji="1" lang="ko-Kore-KR" altLang="en-US"/>
           </a:p>
@@ -22137,6 +22139,4545 @@
 </p:sld>
 </file>
 
+<file path=ppt/slides/slide8.xml><?xml version="1.0" encoding="utf-8"?>
+<p:sld xmlns:a="http://schemas.openxmlformats.org/drawingml/2006/main" xmlns:r="http://schemas.openxmlformats.org/officeDocument/2006/relationships" xmlns:p="http://schemas.openxmlformats.org/presentationml/2006/main">
+  <p:cSld>
+    <p:spTree>
+      <p:nvGrpSpPr>
+        <p:cNvPr id="1" name=""/>
+        <p:cNvGrpSpPr/>
+        <p:nvPr/>
+      </p:nvGrpSpPr>
+      <p:grpSpPr>
+        <a:xfrm>
+          <a:off x="0" y="0"/>
+          <a:ext cx="0" cy="0"/>
+          <a:chOff x="0" y="0"/>
+          <a:chExt cx="0" cy="0"/>
+        </a:xfrm>
+      </p:grpSpPr>
+      <p:grpSp>
+        <p:nvGrpSpPr>
+          <p:cNvPr id="4" name="그룹 3">
+            <a:extLst>
+              <a:ext uri="{FF2B5EF4-FFF2-40B4-BE49-F238E27FC236}">
+                <a16:creationId xmlns:a16="http://schemas.microsoft.com/office/drawing/2014/main" id="{0A41621F-3B69-734B-A0DE-53E9B41766CE}"/>
+              </a:ext>
+            </a:extLst>
+          </p:cNvPr>
+          <p:cNvGrpSpPr/>
+          <p:nvPr/>
+        </p:nvGrpSpPr>
+        <p:grpSpPr>
+          <a:xfrm>
+            <a:off x="335712" y="514320"/>
+            <a:ext cx="2206167" cy="2402500"/>
+            <a:chOff x="335712" y="514320"/>
+            <a:chExt cx="2206167" cy="2402500"/>
+          </a:xfrm>
+        </p:grpSpPr>
+        <p:sp>
+          <p:nvSpPr>
+            <p:cNvPr id="36" name="직사각형 35">
+              <a:extLst>
+                <a:ext uri="{FF2B5EF4-FFF2-40B4-BE49-F238E27FC236}">
+                  <a16:creationId xmlns:a16="http://schemas.microsoft.com/office/drawing/2014/main" id="{A8469094-3A32-4A42-9923-9F4412698C8D}"/>
+                </a:ext>
+              </a:extLst>
+            </p:cNvPr>
+            <p:cNvSpPr/>
+            <p:nvPr/>
+          </p:nvSpPr>
+          <p:spPr>
+            <a:xfrm>
+              <a:off x="335712" y="760541"/>
+              <a:ext cx="2206167" cy="2156279"/>
+            </a:xfrm>
+            <a:prstGeom prst="rect">
+              <a:avLst/>
+            </a:prstGeom>
+            <a:ln w="25400">
+              <a:solidFill>
+                <a:srgbClr val="5DA2C5"/>
+              </a:solidFill>
+            </a:ln>
+          </p:spPr>
+          <p:style>
+            <a:lnRef idx="1">
+              <a:schemeClr val="accent1"/>
+            </a:lnRef>
+            <a:fillRef idx="0">
+              <a:schemeClr val="accent1"/>
+            </a:fillRef>
+            <a:effectRef idx="0">
+              <a:schemeClr val="accent1"/>
+            </a:effectRef>
+            <a:fontRef idx="minor">
+              <a:schemeClr val="tx1"/>
+            </a:fontRef>
+          </p:style>
+          <p:txBody>
+            <a:bodyPr rtlCol="0" anchor="ctr"/>
+            <a:lstStyle/>
+            <a:p>
+              <a:pPr algn="ctr"/>
+              <a:endParaRPr kumimoji="1" lang="ko-Kore-KR" altLang="en-US"/>
+            </a:p>
+          </p:txBody>
+        </p:sp>
+        <p:sp>
+          <p:nvSpPr>
+            <p:cNvPr id="37" name="TextBox 36">
+              <a:extLst>
+                <a:ext uri="{FF2B5EF4-FFF2-40B4-BE49-F238E27FC236}">
+                  <a16:creationId xmlns:a16="http://schemas.microsoft.com/office/drawing/2014/main" id="{F3CA63C8-8AA8-ED4C-90C0-FEF220F13671}"/>
+                </a:ext>
+              </a:extLst>
+            </p:cNvPr>
+            <p:cNvSpPr txBox="1"/>
+            <p:nvPr/>
+          </p:nvSpPr>
+          <p:spPr>
+            <a:xfrm>
+              <a:off x="599548" y="1193254"/>
+              <a:ext cx="1678494" cy="307777"/>
+            </a:xfrm>
+            <a:prstGeom prst="rect">
+              <a:avLst/>
+            </a:prstGeom>
+            <a:noFill/>
+          </p:spPr>
+          <p:txBody>
+            <a:bodyPr wrap="square" rtlCol="0">
+              <a:spAutoFit/>
+            </a:bodyPr>
+            <a:lstStyle/>
+            <a:p>
+              <a:pPr algn="ctr"/>
+              <a:r>
+                <a:rPr kumimoji="1" lang="en-US" altLang="ko-Kore-KR" sz="1400" b="1" dirty="0">
+                  <a:solidFill>
+                    <a:srgbClr val="5DA2C5"/>
+                  </a:solidFill>
+                  <a:latin typeface="SHeadG" panose="02030600000101010101" pitchFamily="18" charset="-127"/>
+                  <a:ea typeface="SHeadG" panose="02030600000101010101" pitchFamily="18" charset="-127"/>
+                </a:rPr>
+                <a:t>Controller</a:t>
+              </a:r>
+              <a:endParaRPr kumimoji="1" lang="ko-Kore-KR" altLang="en-US" sz="1400" b="1" dirty="0">
+                <a:solidFill>
+                  <a:srgbClr val="5DA2C5"/>
+                </a:solidFill>
+                <a:latin typeface="SHeadG" panose="02030600000101010101" pitchFamily="18" charset="-127"/>
+                <a:ea typeface="SHeadG" panose="02030600000101010101" pitchFamily="18" charset="-127"/>
+              </a:endParaRPr>
+            </a:p>
+          </p:txBody>
+        </p:sp>
+        <p:sp>
+          <p:nvSpPr>
+            <p:cNvPr id="38" name="직사각형 37">
+              <a:extLst>
+                <a:ext uri="{FF2B5EF4-FFF2-40B4-BE49-F238E27FC236}">
+                  <a16:creationId xmlns:a16="http://schemas.microsoft.com/office/drawing/2014/main" id="{21E72600-38C4-C64D-9728-8447ACCEE74A}"/>
+                </a:ext>
+              </a:extLst>
+            </p:cNvPr>
+            <p:cNvSpPr/>
+            <p:nvPr/>
+          </p:nvSpPr>
+          <p:spPr>
+            <a:xfrm>
+              <a:off x="509929" y="1121523"/>
+              <a:ext cx="1833648" cy="494090"/>
+            </a:xfrm>
+            <a:prstGeom prst="rect">
+              <a:avLst/>
+            </a:prstGeom>
+            <a:ln w="25400">
+              <a:solidFill>
+                <a:srgbClr val="5DA2C5"/>
+              </a:solidFill>
+            </a:ln>
+          </p:spPr>
+          <p:style>
+            <a:lnRef idx="1">
+              <a:schemeClr val="accent1"/>
+            </a:lnRef>
+            <a:fillRef idx="0">
+              <a:schemeClr val="accent1"/>
+            </a:fillRef>
+            <a:effectRef idx="0">
+              <a:schemeClr val="accent1"/>
+            </a:effectRef>
+            <a:fontRef idx="minor">
+              <a:schemeClr val="tx1"/>
+            </a:fontRef>
+          </p:style>
+          <p:txBody>
+            <a:bodyPr rtlCol="0" anchor="ctr"/>
+            <a:lstStyle/>
+            <a:p>
+              <a:pPr algn="ctr"/>
+              <a:endParaRPr kumimoji="1" lang="ko-Kore-KR" altLang="en-US"/>
+            </a:p>
+          </p:txBody>
+        </p:sp>
+        <p:sp>
+          <p:nvSpPr>
+            <p:cNvPr id="39" name="직사각형 38">
+              <a:extLst>
+                <a:ext uri="{FF2B5EF4-FFF2-40B4-BE49-F238E27FC236}">
+                  <a16:creationId xmlns:a16="http://schemas.microsoft.com/office/drawing/2014/main" id="{BD29CB26-C63A-A546-98AC-C20E51686973}"/>
+                </a:ext>
+              </a:extLst>
+            </p:cNvPr>
+            <p:cNvSpPr/>
+            <p:nvPr/>
+          </p:nvSpPr>
+          <p:spPr>
+            <a:xfrm>
+              <a:off x="340084" y="514320"/>
+              <a:ext cx="1739088" cy="246221"/>
+            </a:xfrm>
+            <a:prstGeom prst="rect">
+              <a:avLst/>
+            </a:prstGeom>
+            <a:ln w="25400">
+              <a:solidFill>
+                <a:srgbClr val="5DA2C5"/>
+              </a:solidFill>
+            </a:ln>
+          </p:spPr>
+          <p:style>
+            <a:lnRef idx="1">
+              <a:schemeClr val="accent1"/>
+            </a:lnRef>
+            <a:fillRef idx="0">
+              <a:schemeClr val="accent1"/>
+            </a:fillRef>
+            <a:effectRef idx="0">
+              <a:schemeClr val="accent1"/>
+            </a:effectRef>
+            <a:fontRef idx="minor">
+              <a:schemeClr val="tx1"/>
+            </a:fontRef>
+          </p:style>
+          <p:txBody>
+            <a:bodyPr rtlCol="0" anchor="ctr"/>
+            <a:lstStyle/>
+            <a:p>
+              <a:pPr algn="ctr"/>
+              <a:endParaRPr kumimoji="1" lang="ko-Kore-KR" altLang="en-US"/>
+            </a:p>
+          </p:txBody>
+        </p:sp>
+        <p:sp>
+          <p:nvSpPr>
+            <p:cNvPr id="40" name="TextBox 39">
+              <a:extLst>
+                <a:ext uri="{FF2B5EF4-FFF2-40B4-BE49-F238E27FC236}">
+                  <a16:creationId xmlns:a16="http://schemas.microsoft.com/office/drawing/2014/main" id="{D44DBA4D-6A18-7349-A2F9-E20E4A16E3B9}"/>
+                </a:ext>
+              </a:extLst>
+            </p:cNvPr>
+            <p:cNvSpPr txBox="1"/>
+            <p:nvPr/>
+          </p:nvSpPr>
+          <p:spPr>
+            <a:xfrm>
+              <a:off x="335713" y="532024"/>
+              <a:ext cx="1633289" cy="246221"/>
+            </a:xfrm>
+            <a:prstGeom prst="rect">
+              <a:avLst/>
+            </a:prstGeom>
+            <a:noFill/>
+          </p:spPr>
+          <p:txBody>
+            <a:bodyPr wrap="square" rtlCol="0">
+              <a:spAutoFit/>
+            </a:bodyPr>
+            <a:lstStyle/>
+            <a:p>
+              <a:r>
+                <a:rPr kumimoji="1" lang="en-US" altLang="ko-Kore-KR" sz="1000" dirty="0" err="1">
+                  <a:solidFill>
+                    <a:srgbClr val="5DA2C5"/>
+                  </a:solidFill>
+                  <a:latin typeface="SHeadG" panose="02030600000101010101" pitchFamily="18" charset="-127"/>
+                  <a:ea typeface="SHeadG" panose="02030600000101010101" pitchFamily="18" charset="-127"/>
+                </a:rPr>
+                <a:t>adapter.in.web</a:t>
+              </a:r>
+              <a:endParaRPr kumimoji="1" lang="ko-Kore-KR" altLang="en-US" sz="1000" dirty="0">
+                <a:solidFill>
+                  <a:srgbClr val="5DA2C5"/>
+                </a:solidFill>
+                <a:latin typeface="SHeadG" panose="02030600000101010101" pitchFamily="18" charset="-127"/>
+                <a:ea typeface="SHeadG" panose="02030600000101010101" pitchFamily="18" charset="-127"/>
+              </a:endParaRPr>
+            </a:p>
+          </p:txBody>
+        </p:sp>
+        <p:sp>
+          <p:nvSpPr>
+            <p:cNvPr id="50" name="TextBox 49">
+              <a:extLst>
+                <a:ext uri="{FF2B5EF4-FFF2-40B4-BE49-F238E27FC236}">
+                  <a16:creationId xmlns:a16="http://schemas.microsoft.com/office/drawing/2014/main" id="{4B2EC33D-8492-494C-8BC9-EBE14FBFE94F}"/>
+                </a:ext>
+              </a:extLst>
+            </p:cNvPr>
+            <p:cNvSpPr txBox="1"/>
+            <p:nvPr/>
+          </p:nvSpPr>
+          <p:spPr>
+            <a:xfrm>
+              <a:off x="599548" y="2167906"/>
+              <a:ext cx="1678494" cy="307777"/>
+            </a:xfrm>
+            <a:prstGeom prst="rect">
+              <a:avLst/>
+            </a:prstGeom>
+            <a:noFill/>
+          </p:spPr>
+          <p:txBody>
+            <a:bodyPr wrap="square" rtlCol="0">
+              <a:spAutoFit/>
+            </a:bodyPr>
+            <a:lstStyle/>
+            <a:p>
+              <a:pPr algn="ctr"/>
+              <a:r>
+                <a:rPr kumimoji="1" lang="en-US" altLang="ko-Kore-KR" sz="1400" b="1" dirty="0">
+                  <a:solidFill>
+                    <a:srgbClr val="5DA2C5"/>
+                  </a:solidFill>
+                  <a:latin typeface="SHeadG" panose="02030600000101010101" pitchFamily="18" charset="-127"/>
+                  <a:ea typeface="SHeadG" panose="02030600000101010101" pitchFamily="18" charset="-127"/>
+                </a:rPr>
+                <a:t>Controller</a:t>
+              </a:r>
+              <a:endParaRPr kumimoji="1" lang="ko-Kore-KR" altLang="en-US" sz="1400" b="1" dirty="0">
+                <a:solidFill>
+                  <a:srgbClr val="5DA2C5"/>
+                </a:solidFill>
+                <a:latin typeface="SHeadG" panose="02030600000101010101" pitchFamily="18" charset="-127"/>
+                <a:ea typeface="SHeadG" panose="02030600000101010101" pitchFamily="18" charset="-127"/>
+              </a:endParaRPr>
+            </a:p>
+          </p:txBody>
+        </p:sp>
+        <p:sp>
+          <p:nvSpPr>
+            <p:cNvPr id="51" name="직사각형 50">
+              <a:extLst>
+                <a:ext uri="{FF2B5EF4-FFF2-40B4-BE49-F238E27FC236}">
+                  <a16:creationId xmlns:a16="http://schemas.microsoft.com/office/drawing/2014/main" id="{C5B2E76A-5380-DF4E-87BE-EBCE6E8C4ECB}"/>
+                </a:ext>
+              </a:extLst>
+            </p:cNvPr>
+            <p:cNvSpPr/>
+            <p:nvPr/>
+          </p:nvSpPr>
+          <p:spPr>
+            <a:xfrm>
+              <a:off x="509929" y="2096175"/>
+              <a:ext cx="1833648" cy="494090"/>
+            </a:xfrm>
+            <a:prstGeom prst="rect">
+              <a:avLst/>
+            </a:prstGeom>
+            <a:ln w="25400">
+              <a:solidFill>
+                <a:srgbClr val="5DA2C5"/>
+              </a:solidFill>
+            </a:ln>
+          </p:spPr>
+          <p:style>
+            <a:lnRef idx="1">
+              <a:schemeClr val="accent1"/>
+            </a:lnRef>
+            <a:fillRef idx="0">
+              <a:schemeClr val="accent1"/>
+            </a:fillRef>
+            <a:effectRef idx="0">
+              <a:schemeClr val="accent1"/>
+            </a:effectRef>
+            <a:fontRef idx="minor">
+              <a:schemeClr val="tx1"/>
+            </a:fontRef>
+          </p:style>
+          <p:txBody>
+            <a:bodyPr rtlCol="0" anchor="ctr"/>
+            <a:lstStyle/>
+            <a:p>
+              <a:pPr algn="ctr"/>
+              <a:endParaRPr kumimoji="1" lang="ko-Kore-KR" altLang="en-US"/>
+            </a:p>
+          </p:txBody>
+        </p:sp>
+      </p:grpSp>
+      <p:grpSp>
+        <p:nvGrpSpPr>
+          <p:cNvPr id="52" name="그룹 51">
+            <a:extLst>
+              <a:ext uri="{FF2B5EF4-FFF2-40B4-BE49-F238E27FC236}">
+                <a16:creationId xmlns:a16="http://schemas.microsoft.com/office/drawing/2014/main" id="{E9F8DDC7-3FDD-E743-A4A9-532719391546}"/>
+              </a:ext>
+            </a:extLst>
+          </p:cNvPr>
+          <p:cNvGrpSpPr/>
+          <p:nvPr/>
+        </p:nvGrpSpPr>
+        <p:grpSpPr>
+          <a:xfrm>
+            <a:off x="3136973" y="514320"/>
+            <a:ext cx="2206167" cy="2402500"/>
+            <a:chOff x="335712" y="514320"/>
+            <a:chExt cx="2206167" cy="2402500"/>
+          </a:xfrm>
+        </p:grpSpPr>
+        <p:sp>
+          <p:nvSpPr>
+            <p:cNvPr id="54" name="직사각형 53">
+              <a:extLst>
+                <a:ext uri="{FF2B5EF4-FFF2-40B4-BE49-F238E27FC236}">
+                  <a16:creationId xmlns:a16="http://schemas.microsoft.com/office/drawing/2014/main" id="{4F407DE3-2F83-CB4D-A86D-85D3246BC301}"/>
+                </a:ext>
+              </a:extLst>
+            </p:cNvPr>
+            <p:cNvSpPr/>
+            <p:nvPr/>
+          </p:nvSpPr>
+          <p:spPr>
+            <a:xfrm>
+              <a:off x="335712" y="760541"/>
+              <a:ext cx="2206167" cy="2156279"/>
+            </a:xfrm>
+            <a:prstGeom prst="rect">
+              <a:avLst/>
+            </a:prstGeom>
+            <a:ln w="25400">
+              <a:solidFill>
+                <a:srgbClr val="5DA2C5"/>
+              </a:solidFill>
+            </a:ln>
+          </p:spPr>
+          <p:style>
+            <a:lnRef idx="1">
+              <a:schemeClr val="accent1"/>
+            </a:lnRef>
+            <a:fillRef idx="0">
+              <a:schemeClr val="accent1"/>
+            </a:fillRef>
+            <a:effectRef idx="0">
+              <a:schemeClr val="accent1"/>
+            </a:effectRef>
+            <a:fontRef idx="minor">
+              <a:schemeClr val="tx1"/>
+            </a:fontRef>
+          </p:style>
+          <p:txBody>
+            <a:bodyPr rtlCol="0" anchor="ctr"/>
+            <a:lstStyle/>
+            <a:p>
+              <a:pPr algn="ctr"/>
+              <a:endParaRPr kumimoji="1" lang="ko-Kore-KR" altLang="en-US"/>
+            </a:p>
+          </p:txBody>
+        </p:sp>
+        <p:sp>
+          <p:nvSpPr>
+            <p:cNvPr id="55" name="TextBox 54">
+              <a:extLst>
+                <a:ext uri="{FF2B5EF4-FFF2-40B4-BE49-F238E27FC236}">
+                  <a16:creationId xmlns:a16="http://schemas.microsoft.com/office/drawing/2014/main" id="{6883C627-1DBD-A14F-86CB-770B0F0C0481}"/>
+                </a:ext>
+              </a:extLst>
+            </p:cNvPr>
+            <p:cNvSpPr txBox="1"/>
+            <p:nvPr/>
+          </p:nvSpPr>
+          <p:spPr>
+            <a:xfrm>
+              <a:off x="599548" y="1060791"/>
+              <a:ext cx="1678494" cy="307777"/>
+            </a:xfrm>
+            <a:prstGeom prst="rect">
+              <a:avLst/>
+            </a:prstGeom>
+            <a:noFill/>
+          </p:spPr>
+          <p:txBody>
+            <a:bodyPr wrap="square" rtlCol="0">
+              <a:spAutoFit/>
+            </a:bodyPr>
+            <a:lstStyle/>
+            <a:p>
+              <a:pPr algn="ctr"/>
+              <a:r>
+                <a:rPr kumimoji="1" lang="en-US" altLang="ko-Kore-KR" sz="1400" b="1" dirty="0">
+                  <a:solidFill>
+                    <a:srgbClr val="5DA2C5"/>
+                  </a:solidFill>
+                  <a:latin typeface="SHeadG" panose="02030600000101010101" pitchFamily="18" charset="-127"/>
+                  <a:ea typeface="SHeadG" panose="02030600000101010101" pitchFamily="18" charset="-127"/>
+                </a:rPr>
+                <a:t>Port</a:t>
+              </a:r>
+              <a:endParaRPr kumimoji="1" lang="ko-Kore-KR" altLang="en-US" sz="1400" b="1" dirty="0">
+                <a:solidFill>
+                  <a:srgbClr val="5DA2C5"/>
+                </a:solidFill>
+                <a:latin typeface="SHeadG" panose="02030600000101010101" pitchFamily="18" charset="-127"/>
+                <a:ea typeface="SHeadG" panose="02030600000101010101" pitchFamily="18" charset="-127"/>
+              </a:endParaRPr>
+            </a:p>
+          </p:txBody>
+        </p:sp>
+        <p:sp>
+          <p:nvSpPr>
+            <p:cNvPr id="62" name="직사각형 61">
+              <a:extLst>
+                <a:ext uri="{FF2B5EF4-FFF2-40B4-BE49-F238E27FC236}">
+                  <a16:creationId xmlns:a16="http://schemas.microsoft.com/office/drawing/2014/main" id="{3F65A6E8-F62E-414D-ADA0-50ABA84A9286}"/>
+                </a:ext>
+              </a:extLst>
+            </p:cNvPr>
+            <p:cNvSpPr/>
+            <p:nvPr/>
+          </p:nvSpPr>
+          <p:spPr>
+            <a:xfrm>
+              <a:off x="509929" y="989060"/>
+              <a:ext cx="1833648" cy="494090"/>
+            </a:xfrm>
+            <a:prstGeom prst="rect">
+              <a:avLst/>
+            </a:prstGeom>
+            <a:ln w="25400">
+              <a:solidFill>
+                <a:srgbClr val="5DA2C5"/>
+              </a:solidFill>
+            </a:ln>
+          </p:spPr>
+          <p:style>
+            <a:lnRef idx="1">
+              <a:schemeClr val="accent1"/>
+            </a:lnRef>
+            <a:fillRef idx="0">
+              <a:schemeClr val="accent1"/>
+            </a:fillRef>
+            <a:effectRef idx="0">
+              <a:schemeClr val="accent1"/>
+            </a:effectRef>
+            <a:fontRef idx="minor">
+              <a:schemeClr val="tx1"/>
+            </a:fontRef>
+          </p:style>
+          <p:txBody>
+            <a:bodyPr rtlCol="0" anchor="ctr"/>
+            <a:lstStyle/>
+            <a:p>
+              <a:pPr algn="ctr"/>
+              <a:endParaRPr kumimoji="1" lang="ko-Kore-KR" altLang="en-US"/>
+            </a:p>
+          </p:txBody>
+        </p:sp>
+        <p:sp>
+          <p:nvSpPr>
+            <p:cNvPr id="64" name="직사각형 63">
+              <a:extLst>
+                <a:ext uri="{FF2B5EF4-FFF2-40B4-BE49-F238E27FC236}">
+                  <a16:creationId xmlns:a16="http://schemas.microsoft.com/office/drawing/2014/main" id="{D2084002-BC9D-0E43-B0EA-1ECC3BB7C81B}"/>
+                </a:ext>
+              </a:extLst>
+            </p:cNvPr>
+            <p:cNvSpPr/>
+            <p:nvPr/>
+          </p:nvSpPr>
+          <p:spPr>
+            <a:xfrm>
+              <a:off x="340084" y="514320"/>
+              <a:ext cx="1739088" cy="246221"/>
+            </a:xfrm>
+            <a:prstGeom prst="rect">
+              <a:avLst/>
+            </a:prstGeom>
+            <a:ln w="25400">
+              <a:solidFill>
+                <a:srgbClr val="5DA2C5"/>
+              </a:solidFill>
+            </a:ln>
+          </p:spPr>
+          <p:style>
+            <a:lnRef idx="1">
+              <a:schemeClr val="accent1"/>
+            </a:lnRef>
+            <a:fillRef idx="0">
+              <a:schemeClr val="accent1"/>
+            </a:fillRef>
+            <a:effectRef idx="0">
+              <a:schemeClr val="accent1"/>
+            </a:effectRef>
+            <a:fontRef idx="minor">
+              <a:schemeClr val="tx1"/>
+            </a:fontRef>
+          </p:style>
+          <p:txBody>
+            <a:bodyPr rtlCol="0" anchor="ctr"/>
+            <a:lstStyle/>
+            <a:p>
+              <a:pPr algn="ctr"/>
+              <a:endParaRPr kumimoji="1" lang="ko-Kore-KR" altLang="en-US"/>
+            </a:p>
+          </p:txBody>
+        </p:sp>
+        <p:sp>
+          <p:nvSpPr>
+            <p:cNvPr id="65" name="TextBox 64">
+              <a:extLst>
+                <a:ext uri="{FF2B5EF4-FFF2-40B4-BE49-F238E27FC236}">
+                  <a16:creationId xmlns:a16="http://schemas.microsoft.com/office/drawing/2014/main" id="{1B1412D4-A1C4-7545-A76B-C8B949F51036}"/>
+                </a:ext>
+              </a:extLst>
+            </p:cNvPr>
+            <p:cNvSpPr txBox="1"/>
+            <p:nvPr/>
+          </p:nvSpPr>
+          <p:spPr>
+            <a:xfrm>
+              <a:off x="335713" y="532024"/>
+              <a:ext cx="1633289" cy="246221"/>
+            </a:xfrm>
+            <a:prstGeom prst="rect">
+              <a:avLst/>
+            </a:prstGeom>
+            <a:noFill/>
+          </p:spPr>
+          <p:txBody>
+            <a:bodyPr wrap="square" rtlCol="0">
+              <a:spAutoFit/>
+            </a:bodyPr>
+            <a:lstStyle/>
+            <a:p>
+              <a:r>
+                <a:rPr kumimoji="1" lang="en-US" altLang="ko-Kore-KR" sz="1000" dirty="0" err="1">
+                  <a:solidFill>
+                    <a:srgbClr val="5DA2C5"/>
+                  </a:solidFill>
+                  <a:latin typeface="SHeadG" panose="02030600000101010101" pitchFamily="18" charset="-127"/>
+                  <a:ea typeface="SHeadG" panose="02030600000101010101" pitchFamily="18" charset="-127"/>
+                </a:rPr>
+                <a:t>application.port.in</a:t>
+              </a:r>
+              <a:endParaRPr kumimoji="1" lang="ko-Kore-KR" altLang="en-US" sz="1000" dirty="0">
+                <a:solidFill>
+                  <a:srgbClr val="5DA2C5"/>
+                </a:solidFill>
+                <a:latin typeface="SHeadG" panose="02030600000101010101" pitchFamily="18" charset="-127"/>
+                <a:ea typeface="SHeadG" panose="02030600000101010101" pitchFamily="18" charset="-127"/>
+              </a:endParaRPr>
+            </a:p>
+          </p:txBody>
+        </p:sp>
+        <p:sp>
+          <p:nvSpPr>
+            <p:cNvPr id="66" name="TextBox 65">
+              <a:extLst>
+                <a:ext uri="{FF2B5EF4-FFF2-40B4-BE49-F238E27FC236}">
+                  <a16:creationId xmlns:a16="http://schemas.microsoft.com/office/drawing/2014/main" id="{5A66620B-1114-C04B-A77B-445893AE0829}"/>
+                </a:ext>
+              </a:extLst>
+            </p:cNvPr>
+            <p:cNvSpPr txBox="1"/>
+            <p:nvPr/>
+          </p:nvSpPr>
+          <p:spPr>
+            <a:xfrm>
+              <a:off x="599548" y="2305641"/>
+              <a:ext cx="1678494" cy="307777"/>
+            </a:xfrm>
+            <a:prstGeom prst="rect">
+              <a:avLst/>
+            </a:prstGeom>
+            <a:noFill/>
+          </p:spPr>
+          <p:txBody>
+            <a:bodyPr wrap="square" rtlCol="0">
+              <a:spAutoFit/>
+            </a:bodyPr>
+            <a:lstStyle/>
+            <a:p>
+              <a:pPr algn="ctr"/>
+              <a:r>
+                <a:rPr kumimoji="1" lang="en-US" altLang="ko-Kore-KR" sz="1400" b="1" dirty="0">
+                  <a:solidFill>
+                    <a:srgbClr val="5DA2C5"/>
+                  </a:solidFill>
+                  <a:latin typeface="SHeadG" panose="02030600000101010101" pitchFamily="18" charset="-127"/>
+                  <a:ea typeface="SHeadG" panose="02030600000101010101" pitchFamily="18" charset="-127"/>
+                </a:rPr>
+                <a:t>Port</a:t>
+              </a:r>
+              <a:endParaRPr kumimoji="1" lang="ko-Kore-KR" altLang="en-US" sz="1400" b="1" dirty="0">
+                <a:solidFill>
+                  <a:srgbClr val="5DA2C5"/>
+                </a:solidFill>
+                <a:latin typeface="SHeadG" panose="02030600000101010101" pitchFamily="18" charset="-127"/>
+                <a:ea typeface="SHeadG" panose="02030600000101010101" pitchFamily="18" charset="-127"/>
+              </a:endParaRPr>
+            </a:p>
+          </p:txBody>
+        </p:sp>
+        <p:sp>
+          <p:nvSpPr>
+            <p:cNvPr id="67" name="직사각형 66">
+              <a:extLst>
+                <a:ext uri="{FF2B5EF4-FFF2-40B4-BE49-F238E27FC236}">
+                  <a16:creationId xmlns:a16="http://schemas.microsoft.com/office/drawing/2014/main" id="{CCF01D92-5A05-EF4E-AE1F-AC9EB2CD0ED1}"/>
+                </a:ext>
+              </a:extLst>
+            </p:cNvPr>
+            <p:cNvSpPr/>
+            <p:nvPr/>
+          </p:nvSpPr>
+          <p:spPr>
+            <a:xfrm>
+              <a:off x="509929" y="2233910"/>
+              <a:ext cx="1833648" cy="494090"/>
+            </a:xfrm>
+            <a:prstGeom prst="rect">
+              <a:avLst/>
+            </a:prstGeom>
+            <a:ln w="25400">
+              <a:solidFill>
+                <a:srgbClr val="5DA2C5"/>
+              </a:solidFill>
+            </a:ln>
+          </p:spPr>
+          <p:style>
+            <a:lnRef idx="1">
+              <a:schemeClr val="accent1"/>
+            </a:lnRef>
+            <a:fillRef idx="0">
+              <a:schemeClr val="accent1"/>
+            </a:fillRef>
+            <a:effectRef idx="0">
+              <a:schemeClr val="accent1"/>
+            </a:effectRef>
+            <a:fontRef idx="minor">
+              <a:schemeClr val="tx1"/>
+            </a:fontRef>
+          </p:style>
+          <p:txBody>
+            <a:bodyPr rtlCol="0" anchor="ctr"/>
+            <a:lstStyle/>
+            <a:p>
+              <a:pPr algn="ctr"/>
+              <a:endParaRPr kumimoji="1" lang="ko-Kore-KR" altLang="en-US"/>
+            </a:p>
+          </p:txBody>
+        </p:sp>
+        <p:sp>
+          <p:nvSpPr>
+            <p:cNvPr id="76" name="TextBox 75">
+              <a:extLst>
+                <a:ext uri="{FF2B5EF4-FFF2-40B4-BE49-F238E27FC236}">
+                  <a16:creationId xmlns:a16="http://schemas.microsoft.com/office/drawing/2014/main" id="{604DAD21-AFE3-CB4F-AC79-41D784905143}"/>
+                </a:ext>
+              </a:extLst>
+            </p:cNvPr>
+            <p:cNvSpPr txBox="1"/>
+            <p:nvPr/>
+          </p:nvSpPr>
+          <p:spPr>
+            <a:xfrm>
+              <a:off x="604853" y="1680267"/>
+              <a:ext cx="1678494" cy="307777"/>
+            </a:xfrm>
+            <a:prstGeom prst="rect">
+              <a:avLst/>
+            </a:prstGeom>
+            <a:noFill/>
+          </p:spPr>
+          <p:txBody>
+            <a:bodyPr wrap="square" rtlCol="0">
+              <a:spAutoFit/>
+            </a:bodyPr>
+            <a:lstStyle/>
+            <a:p>
+              <a:pPr algn="ctr"/>
+              <a:r>
+                <a:rPr kumimoji="1" lang="en-US" altLang="ko-Kore-KR" sz="1400" b="1" dirty="0">
+                  <a:solidFill>
+                    <a:srgbClr val="5DA2C5"/>
+                  </a:solidFill>
+                  <a:latin typeface="SHeadG" panose="02030600000101010101" pitchFamily="18" charset="-127"/>
+                  <a:ea typeface="SHeadG" panose="02030600000101010101" pitchFamily="18" charset="-127"/>
+                </a:rPr>
+                <a:t>Port</a:t>
+              </a:r>
+              <a:endParaRPr kumimoji="1" lang="ko-Kore-KR" altLang="en-US" sz="1400" b="1" dirty="0">
+                <a:solidFill>
+                  <a:srgbClr val="5DA2C5"/>
+                </a:solidFill>
+                <a:latin typeface="SHeadG" panose="02030600000101010101" pitchFamily="18" charset="-127"/>
+                <a:ea typeface="SHeadG" panose="02030600000101010101" pitchFamily="18" charset="-127"/>
+              </a:endParaRPr>
+            </a:p>
+          </p:txBody>
+        </p:sp>
+        <p:sp>
+          <p:nvSpPr>
+            <p:cNvPr id="77" name="직사각형 76">
+              <a:extLst>
+                <a:ext uri="{FF2B5EF4-FFF2-40B4-BE49-F238E27FC236}">
+                  <a16:creationId xmlns:a16="http://schemas.microsoft.com/office/drawing/2014/main" id="{8D7B30D2-812A-1F42-8F81-9DB25CC2B537}"/>
+                </a:ext>
+              </a:extLst>
+            </p:cNvPr>
+            <p:cNvSpPr/>
+            <p:nvPr/>
+          </p:nvSpPr>
+          <p:spPr>
+            <a:xfrm>
+              <a:off x="515234" y="1608536"/>
+              <a:ext cx="1833648" cy="494090"/>
+            </a:xfrm>
+            <a:prstGeom prst="rect">
+              <a:avLst/>
+            </a:prstGeom>
+            <a:ln w="25400">
+              <a:solidFill>
+                <a:srgbClr val="5DA2C5"/>
+              </a:solidFill>
+            </a:ln>
+          </p:spPr>
+          <p:style>
+            <a:lnRef idx="1">
+              <a:schemeClr val="accent1"/>
+            </a:lnRef>
+            <a:fillRef idx="0">
+              <a:schemeClr val="accent1"/>
+            </a:fillRef>
+            <a:effectRef idx="0">
+              <a:schemeClr val="accent1"/>
+            </a:effectRef>
+            <a:fontRef idx="minor">
+              <a:schemeClr val="tx1"/>
+            </a:fontRef>
+          </p:style>
+          <p:txBody>
+            <a:bodyPr rtlCol="0" anchor="ctr"/>
+            <a:lstStyle/>
+            <a:p>
+              <a:pPr algn="ctr"/>
+              <a:endParaRPr kumimoji="1" lang="ko-Kore-KR" altLang="en-US"/>
+            </a:p>
+          </p:txBody>
+        </p:sp>
+      </p:grpSp>
+      <p:grpSp>
+        <p:nvGrpSpPr>
+          <p:cNvPr id="68" name="그룹 67">
+            <a:extLst>
+              <a:ext uri="{FF2B5EF4-FFF2-40B4-BE49-F238E27FC236}">
+                <a16:creationId xmlns:a16="http://schemas.microsoft.com/office/drawing/2014/main" id="{7672413D-5701-D045-B0C0-A9CDF1D3FB62}"/>
+              </a:ext>
+            </a:extLst>
+          </p:cNvPr>
+          <p:cNvGrpSpPr/>
+          <p:nvPr/>
+        </p:nvGrpSpPr>
+        <p:grpSpPr>
+          <a:xfrm>
+            <a:off x="5938234" y="514320"/>
+            <a:ext cx="2206167" cy="2402500"/>
+            <a:chOff x="335712" y="514320"/>
+            <a:chExt cx="2206167" cy="2402500"/>
+          </a:xfrm>
+        </p:grpSpPr>
+        <p:sp>
+          <p:nvSpPr>
+            <p:cNvPr id="69" name="직사각형 68">
+              <a:extLst>
+                <a:ext uri="{FF2B5EF4-FFF2-40B4-BE49-F238E27FC236}">
+                  <a16:creationId xmlns:a16="http://schemas.microsoft.com/office/drawing/2014/main" id="{6CF741A5-603C-FC47-959D-7FB7145EA712}"/>
+                </a:ext>
+              </a:extLst>
+            </p:cNvPr>
+            <p:cNvSpPr/>
+            <p:nvPr/>
+          </p:nvSpPr>
+          <p:spPr>
+            <a:xfrm>
+              <a:off x="335712" y="760541"/>
+              <a:ext cx="2206167" cy="2156279"/>
+            </a:xfrm>
+            <a:prstGeom prst="rect">
+              <a:avLst/>
+            </a:prstGeom>
+            <a:ln w="25400">
+              <a:solidFill>
+                <a:srgbClr val="5DA2C5"/>
+              </a:solidFill>
+            </a:ln>
+          </p:spPr>
+          <p:style>
+            <a:lnRef idx="1">
+              <a:schemeClr val="accent1"/>
+            </a:lnRef>
+            <a:fillRef idx="0">
+              <a:schemeClr val="accent1"/>
+            </a:fillRef>
+            <a:effectRef idx="0">
+              <a:schemeClr val="accent1"/>
+            </a:effectRef>
+            <a:fontRef idx="minor">
+              <a:schemeClr val="tx1"/>
+            </a:fontRef>
+          </p:style>
+          <p:txBody>
+            <a:bodyPr rtlCol="0" anchor="ctr"/>
+            <a:lstStyle/>
+            <a:p>
+              <a:pPr algn="ctr"/>
+              <a:endParaRPr kumimoji="1" lang="ko-Kore-KR" altLang="en-US"/>
+            </a:p>
+          </p:txBody>
+        </p:sp>
+        <p:sp>
+          <p:nvSpPr>
+            <p:cNvPr id="70" name="TextBox 69">
+              <a:extLst>
+                <a:ext uri="{FF2B5EF4-FFF2-40B4-BE49-F238E27FC236}">
+                  <a16:creationId xmlns:a16="http://schemas.microsoft.com/office/drawing/2014/main" id="{BAB1854B-AAC6-C146-838B-74A61408DB2B}"/>
+                </a:ext>
+              </a:extLst>
+            </p:cNvPr>
+            <p:cNvSpPr txBox="1"/>
+            <p:nvPr/>
+          </p:nvSpPr>
+          <p:spPr>
+            <a:xfrm>
+              <a:off x="599548" y="1187573"/>
+              <a:ext cx="1678494" cy="307777"/>
+            </a:xfrm>
+            <a:prstGeom prst="rect">
+              <a:avLst/>
+            </a:prstGeom>
+            <a:noFill/>
+          </p:spPr>
+          <p:txBody>
+            <a:bodyPr wrap="square" rtlCol="0">
+              <a:spAutoFit/>
+            </a:bodyPr>
+            <a:lstStyle/>
+            <a:p>
+              <a:pPr algn="ctr"/>
+              <a:r>
+                <a:rPr kumimoji="1" lang="en-US" altLang="ko-Kore-KR" sz="1400" b="1" dirty="0">
+                  <a:solidFill>
+                    <a:srgbClr val="5DA2C5"/>
+                  </a:solidFill>
+                  <a:latin typeface="SHeadG" panose="02030600000101010101" pitchFamily="18" charset="-127"/>
+                  <a:ea typeface="SHeadG" panose="02030600000101010101" pitchFamily="18" charset="-127"/>
+                </a:rPr>
+                <a:t>Service</a:t>
+              </a:r>
+              <a:endParaRPr kumimoji="1" lang="ko-Kore-KR" altLang="en-US" sz="1400" b="1" dirty="0">
+                <a:solidFill>
+                  <a:srgbClr val="5DA2C5"/>
+                </a:solidFill>
+                <a:latin typeface="SHeadG" panose="02030600000101010101" pitchFamily="18" charset="-127"/>
+                <a:ea typeface="SHeadG" panose="02030600000101010101" pitchFamily="18" charset="-127"/>
+              </a:endParaRPr>
+            </a:p>
+          </p:txBody>
+        </p:sp>
+        <p:sp>
+          <p:nvSpPr>
+            <p:cNvPr id="71" name="직사각형 70">
+              <a:extLst>
+                <a:ext uri="{FF2B5EF4-FFF2-40B4-BE49-F238E27FC236}">
+                  <a16:creationId xmlns:a16="http://schemas.microsoft.com/office/drawing/2014/main" id="{A05A85EB-D19A-744C-8890-E1C048B65FF4}"/>
+                </a:ext>
+              </a:extLst>
+            </p:cNvPr>
+            <p:cNvSpPr/>
+            <p:nvPr/>
+          </p:nvSpPr>
+          <p:spPr>
+            <a:xfrm>
+              <a:off x="509929" y="1115842"/>
+              <a:ext cx="1833648" cy="494090"/>
+            </a:xfrm>
+            <a:prstGeom prst="rect">
+              <a:avLst/>
+            </a:prstGeom>
+            <a:ln w="25400">
+              <a:solidFill>
+                <a:srgbClr val="5DA2C5"/>
+              </a:solidFill>
+            </a:ln>
+          </p:spPr>
+          <p:style>
+            <a:lnRef idx="1">
+              <a:schemeClr val="accent1"/>
+            </a:lnRef>
+            <a:fillRef idx="0">
+              <a:schemeClr val="accent1"/>
+            </a:fillRef>
+            <a:effectRef idx="0">
+              <a:schemeClr val="accent1"/>
+            </a:effectRef>
+            <a:fontRef idx="minor">
+              <a:schemeClr val="tx1"/>
+            </a:fontRef>
+          </p:style>
+          <p:txBody>
+            <a:bodyPr rtlCol="0" anchor="ctr"/>
+            <a:lstStyle/>
+            <a:p>
+              <a:pPr algn="ctr"/>
+              <a:endParaRPr kumimoji="1" lang="ko-Kore-KR" altLang="en-US"/>
+            </a:p>
+          </p:txBody>
+        </p:sp>
+        <p:sp>
+          <p:nvSpPr>
+            <p:cNvPr id="72" name="직사각형 71">
+              <a:extLst>
+                <a:ext uri="{FF2B5EF4-FFF2-40B4-BE49-F238E27FC236}">
+                  <a16:creationId xmlns:a16="http://schemas.microsoft.com/office/drawing/2014/main" id="{C3B7E95A-658F-8E46-86A6-0FE96DC32E3B}"/>
+                </a:ext>
+              </a:extLst>
+            </p:cNvPr>
+            <p:cNvSpPr/>
+            <p:nvPr/>
+          </p:nvSpPr>
+          <p:spPr>
+            <a:xfrm>
+              <a:off x="340084" y="514320"/>
+              <a:ext cx="1739088" cy="246221"/>
+            </a:xfrm>
+            <a:prstGeom prst="rect">
+              <a:avLst/>
+            </a:prstGeom>
+            <a:ln w="25400">
+              <a:solidFill>
+                <a:srgbClr val="5DA2C5"/>
+              </a:solidFill>
+            </a:ln>
+          </p:spPr>
+          <p:style>
+            <a:lnRef idx="1">
+              <a:schemeClr val="accent1"/>
+            </a:lnRef>
+            <a:fillRef idx="0">
+              <a:schemeClr val="accent1"/>
+            </a:fillRef>
+            <a:effectRef idx="0">
+              <a:schemeClr val="accent1"/>
+            </a:effectRef>
+            <a:fontRef idx="minor">
+              <a:schemeClr val="tx1"/>
+            </a:fontRef>
+          </p:style>
+          <p:txBody>
+            <a:bodyPr rtlCol="0" anchor="ctr"/>
+            <a:lstStyle/>
+            <a:p>
+              <a:pPr algn="ctr"/>
+              <a:endParaRPr kumimoji="1" lang="ko-Kore-KR" altLang="en-US"/>
+            </a:p>
+          </p:txBody>
+        </p:sp>
+        <p:sp>
+          <p:nvSpPr>
+            <p:cNvPr id="73" name="TextBox 72">
+              <a:extLst>
+                <a:ext uri="{FF2B5EF4-FFF2-40B4-BE49-F238E27FC236}">
+                  <a16:creationId xmlns:a16="http://schemas.microsoft.com/office/drawing/2014/main" id="{4B01EA62-E962-B448-A0E3-97B7CFB013B2}"/>
+                </a:ext>
+              </a:extLst>
+            </p:cNvPr>
+            <p:cNvSpPr txBox="1"/>
+            <p:nvPr/>
+          </p:nvSpPr>
+          <p:spPr>
+            <a:xfrm>
+              <a:off x="335713" y="532024"/>
+              <a:ext cx="1633289" cy="246221"/>
+            </a:xfrm>
+            <a:prstGeom prst="rect">
+              <a:avLst/>
+            </a:prstGeom>
+            <a:noFill/>
+          </p:spPr>
+          <p:txBody>
+            <a:bodyPr wrap="square" rtlCol="0">
+              <a:spAutoFit/>
+            </a:bodyPr>
+            <a:lstStyle/>
+            <a:p>
+              <a:r>
+                <a:rPr kumimoji="1" lang="en-US" altLang="ko-Kore-KR" sz="1000" dirty="0" err="1">
+                  <a:solidFill>
+                    <a:srgbClr val="5DA2C5"/>
+                  </a:solidFill>
+                  <a:latin typeface="SHeadG" panose="02030600000101010101" pitchFamily="18" charset="-127"/>
+                  <a:ea typeface="SHeadG" panose="02030600000101010101" pitchFamily="18" charset="-127"/>
+                </a:rPr>
+                <a:t>application.service</a:t>
+              </a:r>
+              <a:endParaRPr kumimoji="1" lang="ko-Kore-KR" altLang="en-US" sz="1000" dirty="0">
+                <a:solidFill>
+                  <a:srgbClr val="5DA2C5"/>
+                </a:solidFill>
+                <a:latin typeface="SHeadG" panose="02030600000101010101" pitchFamily="18" charset="-127"/>
+                <a:ea typeface="SHeadG" panose="02030600000101010101" pitchFamily="18" charset="-127"/>
+              </a:endParaRPr>
+            </a:p>
+          </p:txBody>
+        </p:sp>
+        <p:sp>
+          <p:nvSpPr>
+            <p:cNvPr id="74" name="TextBox 73">
+              <a:extLst>
+                <a:ext uri="{FF2B5EF4-FFF2-40B4-BE49-F238E27FC236}">
+                  <a16:creationId xmlns:a16="http://schemas.microsoft.com/office/drawing/2014/main" id="{19A9B8D8-3005-1D46-BD90-6D06C4BA591F}"/>
+                </a:ext>
+              </a:extLst>
+            </p:cNvPr>
+            <p:cNvSpPr txBox="1"/>
+            <p:nvPr/>
+          </p:nvSpPr>
+          <p:spPr>
+            <a:xfrm>
+              <a:off x="583097" y="2167906"/>
+              <a:ext cx="1678494" cy="307777"/>
+            </a:xfrm>
+            <a:prstGeom prst="rect">
+              <a:avLst/>
+            </a:prstGeom>
+            <a:noFill/>
+          </p:spPr>
+          <p:txBody>
+            <a:bodyPr wrap="square" rtlCol="0">
+              <a:spAutoFit/>
+            </a:bodyPr>
+            <a:lstStyle/>
+            <a:p>
+              <a:pPr algn="ctr"/>
+              <a:r>
+                <a:rPr kumimoji="1" lang="en-US" altLang="ko-Kore-KR" sz="1400" b="1" dirty="0">
+                  <a:solidFill>
+                    <a:srgbClr val="5DA2C5"/>
+                  </a:solidFill>
+                  <a:latin typeface="SHeadG" panose="02030600000101010101" pitchFamily="18" charset="-127"/>
+                  <a:ea typeface="SHeadG" panose="02030600000101010101" pitchFamily="18" charset="-127"/>
+                </a:rPr>
+                <a:t>Service</a:t>
+              </a:r>
+              <a:endParaRPr kumimoji="1" lang="ko-Kore-KR" altLang="en-US" sz="1400" b="1" dirty="0">
+                <a:solidFill>
+                  <a:srgbClr val="5DA2C5"/>
+                </a:solidFill>
+                <a:latin typeface="SHeadG" panose="02030600000101010101" pitchFamily="18" charset="-127"/>
+                <a:ea typeface="SHeadG" panose="02030600000101010101" pitchFamily="18" charset="-127"/>
+              </a:endParaRPr>
+            </a:p>
+          </p:txBody>
+        </p:sp>
+        <p:sp>
+          <p:nvSpPr>
+            <p:cNvPr id="75" name="직사각형 74">
+              <a:extLst>
+                <a:ext uri="{FF2B5EF4-FFF2-40B4-BE49-F238E27FC236}">
+                  <a16:creationId xmlns:a16="http://schemas.microsoft.com/office/drawing/2014/main" id="{215A3852-839D-5A4A-B56F-72F1F412D924}"/>
+                </a:ext>
+              </a:extLst>
+            </p:cNvPr>
+            <p:cNvSpPr/>
+            <p:nvPr/>
+          </p:nvSpPr>
+          <p:spPr>
+            <a:xfrm>
+              <a:off x="493478" y="2096175"/>
+              <a:ext cx="1833648" cy="494090"/>
+            </a:xfrm>
+            <a:prstGeom prst="rect">
+              <a:avLst/>
+            </a:prstGeom>
+            <a:ln w="25400">
+              <a:solidFill>
+                <a:srgbClr val="5DA2C5"/>
+              </a:solidFill>
+            </a:ln>
+          </p:spPr>
+          <p:style>
+            <a:lnRef idx="1">
+              <a:schemeClr val="accent1"/>
+            </a:lnRef>
+            <a:fillRef idx="0">
+              <a:schemeClr val="accent1"/>
+            </a:fillRef>
+            <a:effectRef idx="0">
+              <a:schemeClr val="accent1"/>
+            </a:effectRef>
+            <a:fontRef idx="minor">
+              <a:schemeClr val="tx1"/>
+            </a:fontRef>
+          </p:style>
+          <p:txBody>
+            <a:bodyPr rtlCol="0" anchor="ctr"/>
+            <a:lstStyle/>
+            <a:p>
+              <a:pPr algn="ctr"/>
+              <a:endParaRPr kumimoji="1" lang="ko-Kore-KR" altLang="en-US"/>
+            </a:p>
+          </p:txBody>
+        </p:sp>
+      </p:grpSp>
+      <p:cxnSp>
+        <p:nvCxnSpPr>
+          <p:cNvPr id="6" name="꺾인 연결선[E] 5">
+            <a:extLst>
+              <a:ext uri="{FF2B5EF4-FFF2-40B4-BE49-F238E27FC236}">
+                <a16:creationId xmlns:a16="http://schemas.microsoft.com/office/drawing/2014/main" id="{FD7D032B-1EDA-0844-8FE8-99E59546FDCF}"/>
+              </a:ext>
+            </a:extLst>
+          </p:cNvPr>
+          <p:cNvCxnSpPr>
+            <a:stCxn id="38" idx="3"/>
+            <a:endCxn id="62" idx="1"/>
+          </p:cNvCxnSpPr>
+          <p:nvPr/>
+        </p:nvCxnSpPr>
+        <p:spPr>
+          <a:xfrm flipV="1">
+            <a:off x="2343577" y="1236105"/>
+            <a:ext cx="967613" cy="132463"/>
+          </a:xfrm>
+          <a:prstGeom prst="bentConnector3">
+            <a:avLst/>
+          </a:prstGeom>
+          <a:ln w="19050">
+            <a:solidFill>
+              <a:srgbClr val="5DA2C5"/>
+            </a:solidFill>
+            <a:tailEnd type="stealth" w="lg" len="lg"/>
+          </a:ln>
+        </p:spPr>
+        <p:style>
+          <a:lnRef idx="1">
+            <a:schemeClr val="accent1"/>
+          </a:lnRef>
+          <a:fillRef idx="0">
+            <a:schemeClr val="accent1"/>
+          </a:fillRef>
+          <a:effectRef idx="0">
+            <a:schemeClr val="accent1"/>
+          </a:effectRef>
+          <a:fontRef idx="minor">
+            <a:schemeClr val="tx1"/>
+          </a:fontRef>
+        </p:style>
+      </p:cxnSp>
+      <p:cxnSp>
+        <p:nvCxnSpPr>
+          <p:cNvPr id="78" name="꺾인 연결선[E] 77">
+            <a:extLst>
+              <a:ext uri="{FF2B5EF4-FFF2-40B4-BE49-F238E27FC236}">
+                <a16:creationId xmlns:a16="http://schemas.microsoft.com/office/drawing/2014/main" id="{F1AEA9B5-DB45-5445-BF3E-4E517D02A64C}"/>
+              </a:ext>
+            </a:extLst>
+          </p:cNvPr>
+          <p:cNvCxnSpPr>
+            <a:cxnSpLocks/>
+            <a:stCxn id="51" idx="3"/>
+            <a:endCxn id="77" idx="1"/>
+          </p:cNvCxnSpPr>
+          <p:nvPr/>
+        </p:nvCxnSpPr>
+        <p:spPr>
+          <a:xfrm flipV="1">
+            <a:off x="2343577" y="1855581"/>
+            <a:ext cx="972918" cy="487639"/>
+          </a:xfrm>
+          <a:prstGeom prst="bentConnector3">
+            <a:avLst/>
+          </a:prstGeom>
+          <a:ln w="19050">
+            <a:solidFill>
+              <a:srgbClr val="5DA2C5"/>
+            </a:solidFill>
+            <a:tailEnd type="stealth" w="lg" len="lg"/>
+          </a:ln>
+        </p:spPr>
+        <p:style>
+          <a:lnRef idx="1">
+            <a:schemeClr val="accent1"/>
+          </a:lnRef>
+          <a:fillRef idx="0">
+            <a:schemeClr val="accent1"/>
+          </a:fillRef>
+          <a:effectRef idx="0">
+            <a:schemeClr val="accent1"/>
+          </a:effectRef>
+          <a:fontRef idx="minor">
+            <a:schemeClr val="tx1"/>
+          </a:fontRef>
+        </p:style>
+      </p:cxnSp>
+      <p:cxnSp>
+        <p:nvCxnSpPr>
+          <p:cNvPr id="79" name="꺾인 연결선[E] 78">
+            <a:extLst>
+              <a:ext uri="{FF2B5EF4-FFF2-40B4-BE49-F238E27FC236}">
+                <a16:creationId xmlns:a16="http://schemas.microsoft.com/office/drawing/2014/main" id="{17D4E236-155F-D548-A0BF-74D53D83585F}"/>
+              </a:ext>
+            </a:extLst>
+          </p:cNvPr>
+          <p:cNvCxnSpPr>
+            <a:cxnSpLocks/>
+            <a:stCxn id="51" idx="3"/>
+            <a:endCxn id="67" idx="1"/>
+          </p:cNvCxnSpPr>
+          <p:nvPr/>
+        </p:nvCxnSpPr>
+        <p:spPr>
+          <a:xfrm>
+            <a:off x="2343577" y="2343220"/>
+            <a:ext cx="967613" cy="137735"/>
+          </a:xfrm>
+          <a:prstGeom prst="bentConnector3">
+            <a:avLst/>
+          </a:prstGeom>
+          <a:ln w="19050">
+            <a:solidFill>
+              <a:srgbClr val="5DA2C5"/>
+            </a:solidFill>
+            <a:tailEnd type="stealth" w="lg" len="lg"/>
+          </a:ln>
+        </p:spPr>
+        <p:style>
+          <a:lnRef idx="1">
+            <a:schemeClr val="accent1"/>
+          </a:lnRef>
+          <a:fillRef idx="0">
+            <a:schemeClr val="accent1"/>
+          </a:fillRef>
+          <a:effectRef idx="0">
+            <a:schemeClr val="accent1"/>
+          </a:effectRef>
+          <a:fontRef idx="minor">
+            <a:schemeClr val="tx1"/>
+          </a:fontRef>
+        </p:style>
+      </p:cxnSp>
+      <p:cxnSp>
+        <p:nvCxnSpPr>
+          <p:cNvPr id="80" name="꺾인 연결선[E] 79">
+            <a:extLst>
+              <a:ext uri="{FF2B5EF4-FFF2-40B4-BE49-F238E27FC236}">
+                <a16:creationId xmlns:a16="http://schemas.microsoft.com/office/drawing/2014/main" id="{2FB3E6AD-074B-064D-9301-1EBB8DE35CD6}"/>
+              </a:ext>
+            </a:extLst>
+          </p:cNvPr>
+          <p:cNvCxnSpPr>
+            <a:cxnSpLocks/>
+            <a:stCxn id="71" idx="1"/>
+            <a:endCxn id="62" idx="3"/>
+          </p:cNvCxnSpPr>
+          <p:nvPr/>
+        </p:nvCxnSpPr>
+        <p:spPr>
+          <a:xfrm rot="10800000">
+            <a:off x="5144839" y="1236105"/>
+            <a:ext cx="967613" cy="126782"/>
+          </a:xfrm>
+          <a:prstGeom prst="bentConnector3">
+            <a:avLst>
+              <a:gd name="adj1" fmla="val 50000"/>
+            </a:avLst>
+          </a:prstGeom>
+          <a:ln w="19050">
+            <a:solidFill>
+              <a:srgbClr val="5DA2C5"/>
+            </a:solidFill>
+            <a:tailEnd type="stealth" w="lg" len="lg"/>
+          </a:ln>
+        </p:spPr>
+        <p:style>
+          <a:lnRef idx="1">
+            <a:schemeClr val="accent1"/>
+          </a:lnRef>
+          <a:fillRef idx="0">
+            <a:schemeClr val="accent1"/>
+          </a:fillRef>
+          <a:effectRef idx="0">
+            <a:schemeClr val="accent1"/>
+          </a:effectRef>
+          <a:fontRef idx="minor">
+            <a:schemeClr val="tx1"/>
+          </a:fontRef>
+        </p:style>
+      </p:cxnSp>
+      <p:cxnSp>
+        <p:nvCxnSpPr>
+          <p:cNvPr id="82" name="꺾인 연결선[E] 81">
+            <a:extLst>
+              <a:ext uri="{FF2B5EF4-FFF2-40B4-BE49-F238E27FC236}">
+                <a16:creationId xmlns:a16="http://schemas.microsoft.com/office/drawing/2014/main" id="{E1A800A7-CDA6-BC4C-A238-9CF304DE686E}"/>
+              </a:ext>
+            </a:extLst>
+          </p:cNvPr>
+          <p:cNvCxnSpPr>
+            <a:cxnSpLocks/>
+            <a:stCxn id="71" idx="1"/>
+            <a:endCxn id="77" idx="3"/>
+          </p:cNvCxnSpPr>
+          <p:nvPr/>
+        </p:nvCxnSpPr>
+        <p:spPr>
+          <a:xfrm rot="10800000" flipV="1">
+            <a:off x="5150143" y="1362887"/>
+            <a:ext cx="962308" cy="492694"/>
+          </a:xfrm>
+          <a:prstGeom prst="bentConnector3">
+            <a:avLst>
+              <a:gd name="adj1" fmla="val 50000"/>
+            </a:avLst>
+          </a:prstGeom>
+          <a:ln w="19050">
+            <a:solidFill>
+              <a:srgbClr val="5DA2C5"/>
+            </a:solidFill>
+            <a:tailEnd type="stealth" w="lg" len="lg"/>
+          </a:ln>
+        </p:spPr>
+        <p:style>
+          <a:lnRef idx="1">
+            <a:schemeClr val="accent1"/>
+          </a:lnRef>
+          <a:fillRef idx="0">
+            <a:schemeClr val="accent1"/>
+          </a:fillRef>
+          <a:effectRef idx="0">
+            <a:schemeClr val="accent1"/>
+          </a:effectRef>
+          <a:fontRef idx="minor">
+            <a:schemeClr val="tx1"/>
+          </a:fontRef>
+        </p:style>
+      </p:cxnSp>
+      <p:cxnSp>
+        <p:nvCxnSpPr>
+          <p:cNvPr id="83" name="꺾인 연결선[E] 82">
+            <a:extLst>
+              <a:ext uri="{FF2B5EF4-FFF2-40B4-BE49-F238E27FC236}">
+                <a16:creationId xmlns:a16="http://schemas.microsoft.com/office/drawing/2014/main" id="{726C1B74-3002-6447-B40B-BC1A0EDFA7F1}"/>
+              </a:ext>
+            </a:extLst>
+          </p:cNvPr>
+          <p:cNvCxnSpPr>
+            <a:cxnSpLocks/>
+            <a:stCxn id="75" idx="1"/>
+            <a:endCxn id="67" idx="3"/>
+          </p:cNvCxnSpPr>
+          <p:nvPr/>
+        </p:nvCxnSpPr>
+        <p:spPr>
+          <a:xfrm rot="10800000" flipV="1">
+            <a:off x="5144838" y="2343219"/>
+            <a:ext cx="951162" cy="137735"/>
+          </a:xfrm>
+          <a:prstGeom prst="bentConnector3">
+            <a:avLst>
+              <a:gd name="adj1" fmla="val 50000"/>
+            </a:avLst>
+          </a:prstGeom>
+          <a:ln w="19050">
+            <a:solidFill>
+              <a:srgbClr val="5DA2C5"/>
+            </a:solidFill>
+            <a:tailEnd type="stealth" w="lg" len="lg"/>
+          </a:ln>
+        </p:spPr>
+        <p:style>
+          <a:lnRef idx="1">
+            <a:schemeClr val="accent1"/>
+          </a:lnRef>
+          <a:fillRef idx="0">
+            <a:schemeClr val="accent1"/>
+          </a:fillRef>
+          <a:effectRef idx="0">
+            <a:schemeClr val="accent1"/>
+          </a:effectRef>
+          <a:fontRef idx="minor">
+            <a:schemeClr val="tx1"/>
+          </a:fontRef>
+        </p:style>
+      </p:cxnSp>
+      <p:sp>
+        <p:nvSpPr>
+          <p:cNvPr id="86" name="삼각형 85">
+            <a:extLst>
+              <a:ext uri="{FF2B5EF4-FFF2-40B4-BE49-F238E27FC236}">
+                <a16:creationId xmlns:a16="http://schemas.microsoft.com/office/drawing/2014/main" id="{42C53468-85F0-1F4D-955C-6DC9895C36D0}"/>
+              </a:ext>
+            </a:extLst>
+          </p:cNvPr>
+          <p:cNvSpPr/>
+          <p:nvPr/>
+        </p:nvSpPr>
+        <p:spPr>
+          <a:xfrm rot="16200000">
+            <a:off x="5141524" y="1184239"/>
+            <a:ext cx="132203" cy="123111"/>
+          </a:xfrm>
+          <a:prstGeom prst="triangle">
+            <a:avLst/>
+          </a:prstGeom>
+          <a:solidFill>
+            <a:schemeClr val="bg1"/>
+          </a:solidFill>
+          <a:ln w="19050">
+            <a:solidFill>
+              <a:srgbClr val="5DA2C5"/>
+            </a:solidFill>
+          </a:ln>
+        </p:spPr>
+        <p:style>
+          <a:lnRef idx="2">
+            <a:schemeClr val="accent1">
+              <a:shade val="50000"/>
+            </a:schemeClr>
+          </a:lnRef>
+          <a:fillRef idx="1">
+            <a:schemeClr val="accent1"/>
+          </a:fillRef>
+          <a:effectRef idx="0">
+            <a:schemeClr val="accent1"/>
+          </a:effectRef>
+          <a:fontRef idx="minor">
+            <a:schemeClr val="lt1"/>
+          </a:fontRef>
+        </p:style>
+        <p:txBody>
+          <a:bodyPr rtlCol="0" anchor="ctr"/>
+          <a:lstStyle/>
+          <a:p>
+            <a:pPr algn="ctr"/>
+            <a:endParaRPr kumimoji="1" lang="ko-Kore-KR" altLang="en-US"/>
+          </a:p>
+        </p:txBody>
+      </p:sp>
+      <p:sp>
+        <p:nvSpPr>
+          <p:cNvPr id="87" name="삼각형 86">
+            <a:extLst>
+              <a:ext uri="{FF2B5EF4-FFF2-40B4-BE49-F238E27FC236}">
+                <a16:creationId xmlns:a16="http://schemas.microsoft.com/office/drawing/2014/main" id="{4E6F2C30-8356-1142-B913-21B045334A5E}"/>
+              </a:ext>
+            </a:extLst>
+          </p:cNvPr>
+          <p:cNvSpPr/>
+          <p:nvPr/>
+        </p:nvSpPr>
+        <p:spPr>
+          <a:xfrm rot="16200000">
+            <a:off x="5163551" y="1790567"/>
+            <a:ext cx="132203" cy="123111"/>
+          </a:xfrm>
+          <a:prstGeom prst="triangle">
+            <a:avLst/>
+          </a:prstGeom>
+          <a:solidFill>
+            <a:schemeClr val="bg1"/>
+          </a:solidFill>
+          <a:ln w="19050">
+            <a:solidFill>
+              <a:srgbClr val="5DA2C5"/>
+            </a:solidFill>
+          </a:ln>
+        </p:spPr>
+        <p:style>
+          <a:lnRef idx="2">
+            <a:schemeClr val="accent1">
+              <a:shade val="50000"/>
+            </a:schemeClr>
+          </a:lnRef>
+          <a:fillRef idx="1">
+            <a:schemeClr val="accent1"/>
+          </a:fillRef>
+          <a:effectRef idx="0">
+            <a:schemeClr val="accent1"/>
+          </a:effectRef>
+          <a:fontRef idx="minor">
+            <a:schemeClr val="lt1"/>
+          </a:fontRef>
+        </p:style>
+        <p:txBody>
+          <a:bodyPr rtlCol="0" anchor="ctr"/>
+          <a:lstStyle/>
+          <a:p>
+            <a:pPr algn="ctr"/>
+            <a:endParaRPr kumimoji="1" lang="ko-Kore-KR" altLang="en-US"/>
+          </a:p>
+        </p:txBody>
+      </p:sp>
+      <p:sp>
+        <p:nvSpPr>
+          <p:cNvPr id="88" name="삼각형 87">
+            <a:extLst>
+              <a:ext uri="{FF2B5EF4-FFF2-40B4-BE49-F238E27FC236}">
+                <a16:creationId xmlns:a16="http://schemas.microsoft.com/office/drawing/2014/main" id="{CA9F3860-E8CC-9741-8EF8-EA621B430567}"/>
+              </a:ext>
+            </a:extLst>
+          </p:cNvPr>
+          <p:cNvSpPr/>
+          <p:nvPr/>
+        </p:nvSpPr>
+        <p:spPr>
+          <a:xfrm rot="16200000">
+            <a:off x="5163545" y="2418449"/>
+            <a:ext cx="132203" cy="123111"/>
+          </a:xfrm>
+          <a:prstGeom prst="triangle">
+            <a:avLst/>
+          </a:prstGeom>
+          <a:solidFill>
+            <a:schemeClr val="bg1"/>
+          </a:solidFill>
+          <a:ln w="19050">
+            <a:solidFill>
+              <a:srgbClr val="5DA2C5"/>
+            </a:solidFill>
+          </a:ln>
+        </p:spPr>
+        <p:style>
+          <a:lnRef idx="2">
+            <a:schemeClr val="accent1">
+              <a:shade val="50000"/>
+            </a:schemeClr>
+          </a:lnRef>
+          <a:fillRef idx="1">
+            <a:schemeClr val="accent1"/>
+          </a:fillRef>
+          <a:effectRef idx="0">
+            <a:schemeClr val="accent1"/>
+          </a:effectRef>
+          <a:fontRef idx="minor">
+            <a:schemeClr val="lt1"/>
+          </a:fontRef>
+        </p:style>
+        <p:txBody>
+          <a:bodyPr rtlCol="0" anchor="ctr"/>
+          <a:lstStyle/>
+          <a:p>
+            <a:pPr algn="ctr"/>
+            <a:endParaRPr kumimoji="1" lang="ko-Kore-KR" altLang="en-US"/>
+          </a:p>
+        </p:txBody>
+      </p:sp>
+      <p:sp>
+        <p:nvSpPr>
+          <p:cNvPr id="89" name="TextBox 88">
+            <a:extLst>
+              <a:ext uri="{FF2B5EF4-FFF2-40B4-BE49-F238E27FC236}">
+                <a16:creationId xmlns:a16="http://schemas.microsoft.com/office/drawing/2014/main" id="{90543B25-E647-C041-B7EF-6C855EC1A951}"/>
+              </a:ext>
+            </a:extLst>
+          </p:cNvPr>
+          <p:cNvSpPr txBox="1"/>
+          <p:nvPr/>
+        </p:nvSpPr>
+        <p:spPr>
+          <a:xfrm>
+            <a:off x="3735174" y="874478"/>
+            <a:ext cx="985680" cy="246221"/>
+          </a:xfrm>
+          <a:prstGeom prst="rect">
+            <a:avLst/>
+          </a:prstGeom>
+          <a:solidFill>
+            <a:schemeClr val="bg1"/>
+          </a:solidFill>
+        </p:spPr>
+        <p:txBody>
+          <a:bodyPr wrap="square" rtlCol="0">
+            <a:spAutoFit/>
+          </a:bodyPr>
+          <a:lstStyle/>
+          <a:p>
+            <a:pPr algn="ctr"/>
+            <a:r>
+              <a:rPr kumimoji="1" lang="en-US" altLang="ko-Kore-KR" sz="1000" dirty="0">
+                <a:solidFill>
+                  <a:srgbClr val="5DA2C5"/>
+                </a:solidFill>
+                <a:latin typeface="SHeadG" panose="02030600000101010101" pitchFamily="18" charset="-127"/>
+                <a:ea typeface="SHeadG" panose="02030600000101010101" pitchFamily="18" charset="-127"/>
+              </a:rPr>
+              <a:t>&lt;&lt;Interface&gt;&gt;</a:t>
+            </a:r>
+            <a:endParaRPr kumimoji="1" lang="ko-Kore-KR" altLang="en-US" sz="1000" dirty="0">
+              <a:solidFill>
+                <a:srgbClr val="5DA2C5"/>
+              </a:solidFill>
+              <a:latin typeface="SHeadG" panose="02030600000101010101" pitchFamily="18" charset="-127"/>
+              <a:ea typeface="SHeadG" panose="02030600000101010101" pitchFamily="18" charset="-127"/>
+            </a:endParaRPr>
+          </a:p>
+        </p:txBody>
+      </p:sp>
+      <p:sp>
+        <p:nvSpPr>
+          <p:cNvPr id="90" name="TextBox 89">
+            <a:extLst>
+              <a:ext uri="{FF2B5EF4-FFF2-40B4-BE49-F238E27FC236}">
+                <a16:creationId xmlns:a16="http://schemas.microsoft.com/office/drawing/2014/main" id="{ACED83FE-D1CE-004B-AC70-EF95BFE6026D}"/>
+              </a:ext>
+            </a:extLst>
+          </p:cNvPr>
+          <p:cNvSpPr txBox="1"/>
+          <p:nvPr/>
+        </p:nvSpPr>
+        <p:spPr>
+          <a:xfrm>
+            <a:off x="3784583" y="1500243"/>
+            <a:ext cx="985680" cy="246221"/>
+          </a:xfrm>
+          <a:prstGeom prst="rect">
+            <a:avLst/>
+          </a:prstGeom>
+          <a:solidFill>
+            <a:schemeClr val="bg1"/>
+          </a:solidFill>
+        </p:spPr>
+        <p:txBody>
+          <a:bodyPr wrap="square" rtlCol="0">
+            <a:spAutoFit/>
+          </a:bodyPr>
+          <a:lstStyle/>
+          <a:p>
+            <a:pPr algn="ctr"/>
+            <a:r>
+              <a:rPr kumimoji="1" lang="en-US" altLang="ko-Kore-KR" sz="1000" dirty="0">
+                <a:solidFill>
+                  <a:srgbClr val="5DA2C5"/>
+                </a:solidFill>
+                <a:latin typeface="SHeadG" panose="02030600000101010101" pitchFamily="18" charset="-127"/>
+                <a:ea typeface="SHeadG" panose="02030600000101010101" pitchFamily="18" charset="-127"/>
+              </a:rPr>
+              <a:t>&lt;&lt;Interface&gt;&gt;</a:t>
+            </a:r>
+            <a:endParaRPr kumimoji="1" lang="ko-Kore-KR" altLang="en-US" sz="1000" dirty="0">
+              <a:solidFill>
+                <a:srgbClr val="5DA2C5"/>
+              </a:solidFill>
+              <a:latin typeface="SHeadG" panose="02030600000101010101" pitchFamily="18" charset="-127"/>
+              <a:ea typeface="SHeadG" panose="02030600000101010101" pitchFamily="18" charset="-127"/>
+            </a:endParaRPr>
+          </a:p>
+        </p:txBody>
+      </p:sp>
+      <p:sp>
+        <p:nvSpPr>
+          <p:cNvPr id="91" name="TextBox 90">
+            <a:extLst>
+              <a:ext uri="{FF2B5EF4-FFF2-40B4-BE49-F238E27FC236}">
+                <a16:creationId xmlns:a16="http://schemas.microsoft.com/office/drawing/2014/main" id="{74015DC8-864B-144F-8A8F-6F7A66E9B8B5}"/>
+              </a:ext>
+            </a:extLst>
+          </p:cNvPr>
+          <p:cNvSpPr txBox="1"/>
+          <p:nvPr/>
+        </p:nvSpPr>
+        <p:spPr>
+          <a:xfrm>
+            <a:off x="3784583" y="2153045"/>
+            <a:ext cx="985680" cy="246221"/>
+          </a:xfrm>
+          <a:prstGeom prst="rect">
+            <a:avLst/>
+          </a:prstGeom>
+          <a:solidFill>
+            <a:schemeClr val="bg1"/>
+          </a:solidFill>
+        </p:spPr>
+        <p:txBody>
+          <a:bodyPr wrap="square" rtlCol="0">
+            <a:spAutoFit/>
+          </a:bodyPr>
+          <a:lstStyle/>
+          <a:p>
+            <a:pPr algn="ctr"/>
+            <a:r>
+              <a:rPr kumimoji="1" lang="en-US" altLang="ko-Kore-KR" sz="1000" dirty="0">
+                <a:solidFill>
+                  <a:srgbClr val="5DA2C5"/>
+                </a:solidFill>
+                <a:latin typeface="SHeadG" panose="02030600000101010101" pitchFamily="18" charset="-127"/>
+                <a:ea typeface="SHeadG" panose="02030600000101010101" pitchFamily="18" charset="-127"/>
+              </a:rPr>
+              <a:t>&lt;&lt;Interface&gt;&gt;</a:t>
+            </a:r>
+            <a:endParaRPr kumimoji="1" lang="ko-Kore-KR" altLang="en-US" sz="1000" dirty="0">
+              <a:solidFill>
+                <a:srgbClr val="5DA2C5"/>
+              </a:solidFill>
+              <a:latin typeface="SHeadG" panose="02030600000101010101" pitchFamily="18" charset="-127"/>
+              <a:ea typeface="SHeadG" panose="02030600000101010101" pitchFamily="18" charset="-127"/>
+            </a:endParaRPr>
+          </a:p>
+        </p:txBody>
+      </p:sp>
+      <p:cxnSp>
+        <p:nvCxnSpPr>
+          <p:cNvPr id="18" name="직선 연결선[R] 17">
+            <a:extLst>
+              <a:ext uri="{FF2B5EF4-FFF2-40B4-BE49-F238E27FC236}">
+                <a16:creationId xmlns:a16="http://schemas.microsoft.com/office/drawing/2014/main" id="{66694B40-044D-E446-AABC-F2AA92C9617E}"/>
+              </a:ext>
+            </a:extLst>
+          </p:cNvPr>
+          <p:cNvCxnSpPr/>
+          <p:nvPr/>
+        </p:nvCxnSpPr>
+        <p:spPr>
+          <a:xfrm>
+            <a:off x="2943133" y="219919"/>
+            <a:ext cx="0" cy="2882096"/>
+          </a:xfrm>
+          <a:prstGeom prst="line">
+            <a:avLst/>
+          </a:prstGeom>
+          <a:ln w="25400">
+            <a:solidFill>
+              <a:srgbClr val="5DA2C5"/>
+            </a:solidFill>
+            <a:prstDash val="dash"/>
+          </a:ln>
+        </p:spPr>
+        <p:style>
+          <a:lnRef idx="1">
+            <a:schemeClr val="accent1"/>
+          </a:lnRef>
+          <a:fillRef idx="0">
+            <a:schemeClr val="accent1"/>
+          </a:fillRef>
+          <a:effectRef idx="0">
+            <a:schemeClr val="accent1"/>
+          </a:effectRef>
+          <a:fontRef idx="minor">
+            <a:schemeClr val="tx1"/>
+          </a:fontRef>
+        </p:style>
+      </p:cxnSp>
+      <p:grpSp>
+        <p:nvGrpSpPr>
+          <p:cNvPr id="94" name="그룹 93">
+            <a:extLst>
+              <a:ext uri="{FF2B5EF4-FFF2-40B4-BE49-F238E27FC236}">
+                <a16:creationId xmlns:a16="http://schemas.microsoft.com/office/drawing/2014/main" id="{74EF3CA1-CD12-6F45-9D44-B5D9FC8A4A6E}"/>
+              </a:ext>
+            </a:extLst>
+          </p:cNvPr>
+          <p:cNvGrpSpPr/>
+          <p:nvPr/>
+        </p:nvGrpSpPr>
+        <p:grpSpPr>
+          <a:xfrm>
+            <a:off x="335712" y="3559874"/>
+            <a:ext cx="2206167" cy="2402500"/>
+            <a:chOff x="335712" y="514320"/>
+            <a:chExt cx="2206167" cy="2402500"/>
+          </a:xfrm>
+        </p:grpSpPr>
+        <p:sp>
+          <p:nvSpPr>
+            <p:cNvPr id="95" name="직사각형 94">
+              <a:extLst>
+                <a:ext uri="{FF2B5EF4-FFF2-40B4-BE49-F238E27FC236}">
+                  <a16:creationId xmlns:a16="http://schemas.microsoft.com/office/drawing/2014/main" id="{34C01CBA-8F58-0C4D-957B-543657364D76}"/>
+                </a:ext>
+              </a:extLst>
+            </p:cNvPr>
+            <p:cNvSpPr/>
+            <p:nvPr/>
+          </p:nvSpPr>
+          <p:spPr>
+            <a:xfrm>
+              <a:off x="335712" y="760541"/>
+              <a:ext cx="2206167" cy="2156279"/>
+            </a:xfrm>
+            <a:prstGeom prst="rect">
+              <a:avLst/>
+            </a:prstGeom>
+            <a:ln w="25400">
+              <a:solidFill>
+                <a:srgbClr val="5DA2C5"/>
+              </a:solidFill>
+            </a:ln>
+          </p:spPr>
+          <p:style>
+            <a:lnRef idx="1">
+              <a:schemeClr val="accent1"/>
+            </a:lnRef>
+            <a:fillRef idx="0">
+              <a:schemeClr val="accent1"/>
+            </a:fillRef>
+            <a:effectRef idx="0">
+              <a:schemeClr val="accent1"/>
+            </a:effectRef>
+            <a:fontRef idx="minor">
+              <a:schemeClr val="tx1"/>
+            </a:fontRef>
+          </p:style>
+          <p:txBody>
+            <a:bodyPr rtlCol="0" anchor="ctr"/>
+            <a:lstStyle/>
+            <a:p>
+              <a:pPr algn="ctr"/>
+              <a:endParaRPr kumimoji="1" lang="ko-Kore-KR" altLang="en-US"/>
+            </a:p>
+          </p:txBody>
+        </p:sp>
+        <p:sp>
+          <p:nvSpPr>
+            <p:cNvPr id="96" name="TextBox 95">
+              <a:extLst>
+                <a:ext uri="{FF2B5EF4-FFF2-40B4-BE49-F238E27FC236}">
+                  <a16:creationId xmlns:a16="http://schemas.microsoft.com/office/drawing/2014/main" id="{AF18603B-E4F0-3949-A376-AD92D667DCF1}"/>
+                </a:ext>
+              </a:extLst>
+            </p:cNvPr>
+            <p:cNvSpPr txBox="1"/>
+            <p:nvPr/>
+          </p:nvSpPr>
+          <p:spPr>
+            <a:xfrm>
+              <a:off x="599548" y="1193254"/>
+              <a:ext cx="1678494" cy="307777"/>
+            </a:xfrm>
+            <a:prstGeom prst="rect">
+              <a:avLst/>
+            </a:prstGeom>
+            <a:noFill/>
+          </p:spPr>
+          <p:txBody>
+            <a:bodyPr wrap="square" rtlCol="0">
+              <a:spAutoFit/>
+            </a:bodyPr>
+            <a:lstStyle/>
+            <a:p>
+              <a:pPr algn="ctr"/>
+              <a:r>
+                <a:rPr kumimoji="1" lang="en-US" altLang="ko-Kore-KR" sz="1400" b="1" dirty="0">
+                  <a:solidFill>
+                    <a:srgbClr val="5DA2C5"/>
+                  </a:solidFill>
+                  <a:latin typeface="SHeadG" panose="02030600000101010101" pitchFamily="18" charset="-127"/>
+                  <a:ea typeface="SHeadG" panose="02030600000101010101" pitchFamily="18" charset="-127"/>
+                </a:rPr>
+                <a:t>Controller</a:t>
+              </a:r>
+              <a:endParaRPr kumimoji="1" lang="ko-Kore-KR" altLang="en-US" sz="1400" b="1" dirty="0">
+                <a:solidFill>
+                  <a:srgbClr val="5DA2C5"/>
+                </a:solidFill>
+                <a:latin typeface="SHeadG" panose="02030600000101010101" pitchFamily="18" charset="-127"/>
+                <a:ea typeface="SHeadG" panose="02030600000101010101" pitchFamily="18" charset="-127"/>
+              </a:endParaRPr>
+            </a:p>
+          </p:txBody>
+        </p:sp>
+        <p:sp>
+          <p:nvSpPr>
+            <p:cNvPr id="97" name="직사각형 96">
+              <a:extLst>
+                <a:ext uri="{FF2B5EF4-FFF2-40B4-BE49-F238E27FC236}">
+                  <a16:creationId xmlns:a16="http://schemas.microsoft.com/office/drawing/2014/main" id="{92A2516A-D149-CE49-A5EC-709698568A06}"/>
+                </a:ext>
+              </a:extLst>
+            </p:cNvPr>
+            <p:cNvSpPr/>
+            <p:nvPr/>
+          </p:nvSpPr>
+          <p:spPr>
+            <a:xfrm>
+              <a:off x="509929" y="1121523"/>
+              <a:ext cx="1833648" cy="494090"/>
+            </a:xfrm>
+            <a:prstGeom prst="rect">
+              <a:avLst/>
+            </a:prstGeom>
+            <a:ln w="25400">
+              <a:solidFill>
+                <a:srgbClr val="5DA2C5"/>
+              </a:solidFill>
+            </a:ln>
+          </p:spPr>
+          <p:style>
+            <a:lnRef idx="1">
+              <a:schemeClr val="accent1"/>
+            </a:lnRef>
+            <a:fillRef idx="0">
+              <a:schemeClr val="accent1"/>
+            </a:fillRef>
+            <a:effectRef idx="0">
+              <a:schemeClr val="accent1"/>
+            </a:effectRef>
+            <a:fontRef idx="minor">
+              <a:schemeClr val="tx1"/>
+            </a:fontRef>
+          </p:style>
+          <p:txBody>
+            <a:bodyPr rtlCol="0" anchor="ctr"/>
+            <a:lstStyle/>
+            <a:p>
+              <a:pPr algn="ctr"/>
+              <a:endParaRPr kumimoji="1" lang="ko-Kore-KR" altLang="en-US"/>
+            </a:p>
+          </p:txBody>
+        </p:sp>
+        <p:sp>
+          <p:nvSpPr>
+            <p:cNvPr id="98" name="직사각형 97">
+              <a:extLst>
+                <a:ext uri="{FF2B5EF4-FFF2-40B4-BE49-F238E27FC236}">
+                  <a16:creationId xmlns:a16="http://schemas.microsoft.com/office/drawing/2014/main" id="{F0773987-A61A-D040-89D5-C349105ABADD}"/>
+                </a:ext>
+              </a:extLst>
+            </p:cNvPr>
+            <p:cNvSpPr/>
+            <p:nvPr/>
+          </p:nvSpPr>
+          <p:spPr>
+            <a:xfrm>
+              <a:off x="340084" y="514320"/>
+              <a:ext cx="1739088" cy="246221"/>
+            </a:xfrm>
+            <a:prstGeom prst="rect">
+              <a:avLst/>
+            </a:prstGeom>
+            <a:ln w="25400">
+              <a:solidFill>
+                <a:srgbClr val="5DA2C5"/>
+              </a:solidFill>
+            </a:ln>
+          </p:spPr>
+          <p:style>
+            <a:lnRef idx="1">
+              <a:schemeClr val="accent1"/>
+            </a:lnRef>
+            <a:fillRef idx="0">
+              <a:schemeClr val="accent1"/>
+            </a:fillRef>
+            <a:effectRef idx="0">
+              <a:schemeClr val="accent1"/>
+            </a:effectRef>
+            <a:fontRef idx="minor">
+              <a:schemeClr val="tx1"/>
+            </a:fontRef>
+          </p:style>
+          <p:txBody>
+            <a:bodyPr rtlCol="0" anchor="ctr"/>
+            <a:lstStyle/>
+            <a:p>
+              <a:pPr algn="ctr"/>
+              <a:endParaRPr kumimoji="1" lang="ko-Kore-KR" altLang="en-US"/>
+            </a:p>
+          </p:txBody>
+        </p:sp>
+        <p:sp>
+          <p:nvSpPr>
+            <p:cNvPr id="99" name="TextBox 98">
+              <a:extLst>
+                <a:ext uri="{FF2B5EF4-FFF2-40B4-BE49-F238E27FC236}">
+                  <a16:creationId xmlns:a16="http://schemas.microsoft.com/office/drawing/2014/main" id="{5E05B856-83B0-EC4A-85E2-7CD7A208123C}"/>
+                </a:ext>
+              </a:extLst>
+            </p:cNvPr>
+            <p:cNvSpPr txBox="1"/>
+            <p:nvPr/>
+          </p:nvSpPr>
+          <p:spPr>
+            <a:xfrm>
+              <a:off x="335713" y="532024"/>
+              <a:ext cx="1633289" cy="246221"/>
+            </a:xfrm>
+            <a:prstGeom prst="rect">
+              <a:avLst/>
+            </a:prstGeom>
+            <a:noFill/>
+          </p:spPr>
+          <p:txBody>
+            <a:bodyPr wrap="square" rtlCol="0">
+              <a:spAutoFit/>
+            </a:bodyPr>
+            <a:lstStyle/>
+            <a:p>
+              <a:r>
+                <a:rPr kumimoji="1" lang="en-US" altLang="ko-Kore-KR" sz="1000" dirty="0" err="1">
+                  <a:solidFill>
+                    <a:srgbClr val="5DA2C5"/>
+                  </a:solidFill>
+                  <a:latin typeface="SHeadG" panose="02030600000101010101" pitchFamily="18" charset="-127"/>
+                  <a:ea typeface="SHeadG" panose="02030600000101010101" pitchFamily="18" charset="-127"/>
+                </a:rPr>
+                <a:t>adapter.in.web</a:t>
+              </a:r>
+              <a:endParaRPr kumimoji="1" lang="ko-Kore-KR" altLang="en-US" sz="1000" dirty="0">
+                <a:solidFill>
+                  <a:srgbClr val="5DA2C5"/>
+                </a:solidFill>
+                <a:latin typeface="SHeadG" panose="02030600000101010101" pitchFamily="18" charset="-127"/>
+                <a:ea typeface="SHeadG" panose="02030600000101010101" pitchFamily="18" charset="-127"/>
+              </a:endParaRPr>
+            </a:p>
+          </p:txBody>
+        </p:sp>
+        <p:sp>
+          <p:nvSpPr>
+            <p:cNvPr id="100" name="TextBox 99">
+              <a:extLst>
+                <a:ext uri="{FF2B5EF4-FFF2-40B4-BE49-F238E27FC236}">
+                  <a16:creationId xmlns:a16="http://schemas.microsoft.com/office/drawing/2014/main" id="{1A71C419-3ACC-D74B-9158-9488E1A4B6A4}"/>
+                </a:ext>
+              </a:extLst>
+            </p:cNvPr>
+            <p:cNvSpPr txBox="1"/>
+            <p:nvPr/>
+          </p:nvSpPr>
+          <p:spPr>
+            <a:xfrm>
+              <a:off x="599548" y="2167906"/>
+              <a:ext cx="1678494" cy="307777"/>
+            </a:xfrm>
+            <a:prstGeom prst="rect">
+              <a:avLst/>
+            </a:prstGeom>
+            <a:noFill/>
+          </p:spPr>
+          <p:txBody>
+            <a:bodyPr wrap="square" rtlCol="0">
+              <a:spAutoFit/>
+            </a:bodyPr>
+            <a:lstStyle/>
+            <a:p>
+              <a:pPr algn="ctr"/>
+              <a:r>
+                <a:rPr kumimoji="1" lang="en-US" altLang="ko-Kore-KR" sz="1400" b="1" dirty="0">
+                  <a:solidFill>
+                    <a:srgbClr val="5DA2C5"/>
+                  </a:solidFill>
+                  <a:latin typeface="SHeadG" panose="02030600000101010101" pitchFamily="18" charset="-127"/>
+                  <a:ea typeface="SHeadG" panose="02030600000101010101" pitchFamily="18" charset="-127"/>
+                </a:rPr>
+                <a:t>Controller</a:t>
+              </a:r>
+              <a:endParaRPr kumimoji="1" lang="ko-Kore-KR" altLang="en-US" sz="1400" b="1" dirty="0">
+                <a:solidFill>
+                  <a:srgbClr val="5DA2C5"/>
+                </a:solidFill>
+                <a:latin typeface="SHeadG" panose="02030600000101010101" pitchFamily="18" charset="-127"/>
+                <a:ea typeface="SHeadG" panose="02030600000101010101" pitchFamily="18" charset="-127"/>
+              </a:endParaRPr>
+            </a:p>
+          </p:txBody>
+        </p:sp>
+        <p:sp>
+          <p:nvSpPr>
+            <p:cNvPr id="101" name="직사각형 100">
+              <a:extLst>
+                <a:ext uri="{FF2B5EF4-FFF2-40B4-BE49-F238E27FC236}">
+                  <a16:creationId xmlns:a16="http://schemas.microsoft.com/office/drawing/2014/main" id="{770CCB0A-2EF3-AE4B-A18B-83C3FED72FED}"/>
+                </a:ext>
+              </a:extLst>
+            </p:cNvPr>
+            <p:cNvSpPr/>
+            <p:nvPr/>
+          </p:nvSpPr>
+          <p:spPr>
+            <a:xfrm>
+              <a:off x="509929" y="2096175"/>
+              <a:ext cx="1833648" cy="494090"/>
+            </a:xfrm>
+            <a:prstGeom prst="rect">
+              <a:avLst/>
+            </a:prstGeom>
+            <a:ln w="25400">
+              <a:solidFill>
+                <a:srgbClr val="5DA2C5"/>
+              </a:solidFill>
+            </a:ln>
+          </p:spPr>
+          <p:style>
+            <a:lnRef idx="1">
+              <a:schemeClr val="accent1"/>
+            </a:lnRef>
+            <a:fillRef idx="0">
+              <a:schemeClr val="accent1"/>
+            </a:fillRef>
+            <a:effectRef idx="0">
+              <a:schemeClr val="accent1"/>
+            </a:effectRef>
+            <a:fontRef idx="minor">
+              <a:schemeClr val="tx1"/>
+            </a:fontRef>
+          </p:style>
+          <p:txBody>
+            <a:bodyPr rtlCol="0" anchor="ctr"/>
+            <a:lstStyle/>
+            <a:p>
+              <a:pPr algn="ctr"/>
+              <a:endParaRPr kumimoji="1" lang="ko-Kore-KR" altLang="en-US"/>
+            </a:p>
+          </p:txBody>
+        </p:sp>
+      </p:grpSp>
+      <p:grpSp>
+        <p:nvGrpSpPr>
+          <p:cNvPr id="112" name="그룹 111">
+            <a:extLst>
+              <a:ext uri="{FF2B5EF4-FFF2-40B4-BE49-F238E27FC236}">
+                <a16:creationId xmlns:a16="http://schemas.microsoft.com/office/drawing/2014/main" id="{49B6B587-11CF-5B4C-B70E-B611A5F884DA}"/>
+              </a:ext>
+            </a:extLst>
+          </p:cNvPr>
+          <p:cNvGrpSpPr/>
+          <p:nvPr/>
+        </p:nvGrpSpPr>
+        <p:grpSpPr>
+          <a:xfrm>
+            <a:off x="3136973" y="3581022"/>
+            <a:ext cx="2206167" cy="2402500"/>
+            <a:chOff x="335712" y="514320"/>
+            <a:chExt cx="2206167" cy="2402500"/>
+          </a:xfrm>
+        </p:grpSpPr>
+        <p:sp>
+          <p:nvSpPr>
+            <p:cNvPr id="113" name="직사각형 112">
+              <a:extLst>
+                <a:ext uri="{FF2B5EF4-FFF2-40B4-BE49-F238E27FC236}">
+                  <a16:creationId xmlns:a16="http://schemas.microsoft.com/office/drawing/2014/main" id="{E5938D19-16ED-D84F-BE37-A93445B85881}"/>
+                </a:ext>
+              </a:extLst>
+            </p:cNvPr>
+            <p:cNvSpPr/>
+            <p:nvPr/>
+          </p:nvSpPr>
+          <p:spPr>
+            <a:xfrm>
+              <a:off x="335712" y="760541"/>
+              <a:ext cx="2206167" cy="2156279"/>
+            </a:xfrm>
+            <a:prstGeom prst="rect">
+              <a:avLst/>
+            </a:prstGeom>
+            <a:ln w="25400">
+              <a:solidFill>
+                <a:srgbClr val="5DA2C5"/>
+              </a:solidFill>
+            </a:ln>
+          </p:spPr>
+          <p:style>
+            <a:lnRef idx="1">
+              <a:schemeClr val="accent1"/>
+            </a:lnRef>
+            <a:fillRef idx="0">
+              <a:schemeClr val="accent1"/>
+            </a:fillRef>
+            <a:effectRef idx="0">
+              <a:schemeClr val="accent1"/>
+            </a:effectRef>
+            <a:fontRef idx="minor">
+              <a:schemeClr val="tx1"/>
+            </a:fontRef>
+          </p:style>
+          <p:txBody>
+            <a:bodyPr rtlCol="0" anchor="ctr"/>
+            <a:lstStyle/>
+            <a:p>
+              <a:pPr algn="ctr"/>
+              <a:endParaRPr kumimoji="1" lang="ko-Kore-KR" altLang="en-US"/>
+            </a:p>
+          </p:txBody>
+        </p:sp>
+        <p:sp>
+          <p:nvSpPr>
+            <p:cNvPr id="114" name="TextBox 113">
+              <a:extLst>
+                <a:ext uri="{FF2B5EF4-FFF2-40B4-BE49-F238E27FC236}">
+                  <a16:creationId xmlns:a16="http://schemas.microsoft.com/office/drawing/2014/main" id="{309E0E0A-639E-474F-B746-84D4BD45B707}"/>
+                </a:ext>
+              </a:extLst>
+            </p:cNvPr>
+            <p:cNvSpPr txBox="1"/>
+            <p:nvPr/>
+          </p:nvSpPr>
+          <p:spPr>
+            <a:xfrm>
+              <a:off x="599548" y="1187573"/>
+              <a:ext cx="1678494" cy="307777"/>
+            </a:xfrm>
+            <a:prstGeom prst="rect">
+              <a:avLst/>
+            </a:prstGeom>
+            <a:noFill/>
+          </p:spPr>
+          <p:txBody>
+            <a:bodyPr wrap="square" rtlCol="0">
+              <a:spAutoFit/>
+            </a:bodyPr>
+            <a:lstStyle/>
+            <a:p>
+              <a:pPr algn="ctr"/>
+              <a:r>
+                <a:rPr kumimoji="1" lang="en-US" altLang="ko-Kore-KR" sz="1400" b="1" dirty="0">
+                  <a:solidFill>
+                    <a:srgbClr val="5DA2C5"/>
+                  </a:solidFill>
+                  <a:latin typeface="SHeadG" panose="02030600000101010101" pitchFamily="18" charset="-127"/>
+                  <a:ea typeface="SHeadG" panose="02030600000101010101" pitchFamily="18" charset="-127"/>
+                </a:rPr>
+                <a:t>Service</a:t>
+              </a:r>
+              <a:endParaRPr kumimoji="1" lang="ko-Kore-KR" altLang="en-US" sz="1400" b="1" dirty="0">
+                <a:solidFill>
+                  <a:srgbClr val="5DA2C5"/>
+                </a:solidFill>
+                <a:latin typeface="SHeadG" panose="02030600000101010101" pitchFamily="18" charset="-127"/>
+                <a:ea typeface="SHeadG" panose="02030600000101010101" pitchFamily="18" charset="-127"/>
+              </a:endParaRPr>
+            </a:p>
+          </p:txBody>
+        </p:sp>
+        <p:sp>
+          <p:nvSpPr>
+            <p:cNvPr id="115" name="직사각형 114">
+              <a:extLst>
+                <a:ext uri="{FF2B5EF4-FFF2-40B4-BE49-F238E27FC236}">
+                  <a16:creationId xmlns:a16="http://schemas.microsoft.com/office/drawing/2014/main" id="{CA4821B0-BCA5-CC4C-BF36-F9A0FF299667}"/>
+                </a:ext>
+              </a:extLst>
+            </p:cNvPr>
+            <p:cNvSpPr/>
+            <p:nvPr/>
+          </p:nvSpPr>
+          <p:spPr>
+            <a:xfrm>
+              <a:off x="509929" y="1104267"/>
+              <a:ext cx="1833648" cy="494090"/>
+            </a:xfrm>
+            <a:prstGeom prst="rect">
+              <a:avLst/>
+            </a:prstGeom>
+            <a:ln w="25400">
+              <a:solidFill>
+                <a:srgbClr val="5DA2C5"/>
+              </a:solidFill>
+            </a:ln>
+          </p:spPr>
+          <p:style>
+            <a:lnRef idx="1">
+              <a:schemeClr val="accent1"/>
+            </a:lnRef>
+            <a:fillRef idx="0">
+              <a:schemeClr val="accent1"/>
+            </a:fillRef>
+            <a:effectRef idx="0">
+              <a:schemeClr val="accent1"/>
+            </a:effectRef>
+            <a:fontRef idx="minor">
+              <a:schemeClr val="tx1"/>
+            </a:fontRef>
+          </p:style>
+          <p:txBody>
+            <a:bodyPr rtlCol="0" anchor="ctr"/>
+            <a:lstStyle/>
+            <a:p>
+              <a:pPr algn="ctr"/>
+              <a:endParaRPr kumimoji="1" lang="ko-Kore-KR" altLang="en-US"/>
+            </a:p>
+          </p:txBody>
+        </p:sp>
+        <p:sp>
+          <p:nvSpPr>
+            <p:cNvPr id="116" name="직사각형 115">
+              <a:extLst>
+                <a:ext uri="{FF2B5EF4-FFF2-40B4-BE49-F238E27FC236}">
+                  <a16:creationId xmlns:a16="http://schemas.microsoft.com/office/drawing/2014/main" id="{02BA702B-CA13-4644-948D-30D87AE97E85}"/>
+                </a:ext>
+              </a:extLst>
+            </p:cNvPr>
+            <p:cNvSpPr/>
+            <p:nvPr/>
+          </p:nvSpPr>
+          <p:spPr>
+            <a:xfrm>
+              <a:off x="340084" y="514320"/>
+              <a:ext cx="1739088" cy="246221"/>
+            </a:xfrm>
+            <a:prstGeom prst="rect">
+              <a:avLst/>
+            </a:prstGeom>
+            <a:ln w="25400">
+              <a:solidFill>
+                <a:srgbClr val="5DA2C5"/>
+              </a:solidFill>
+            </a:ln>
+          </p:spPr>
+          <p:style>
+            <a:lnRef idx="1">
+              <a:schemeClr val="accent1"/>
+            </a:lnRef>
+            <a:fillRef idx="0">
+              <a:schemeClr val="accent1"/>
+            </a:fillRef>
+            <a:effectRef idx="0">
+              <a:schemeClr val="accent1"/>
+            </a:effectRef>
+            <a:fontRef idx="minor">
+              <a:schemeClr val="tx1"/>
+            </a:fontRef>
+          </p:style>
+          <p:txBody>
+            <a:bodyPr rtlCol="0" anchor="ctr"/>
+            <a:lstStyle/>
+            <a:p>
+              <a:pPr algn="ctr"/>
+              <a:endParaRPr kumimoji="1" lang="ko-Kore-KR" altLang="en-US"/>
+            </a:p>
+          </p:txBody>
+        </p:sp>
+        <p:sp>
+          <p:nvSpPr>
+            <p:cNvPr id="117" name="TextBox 116">
+              <a:extLst>
+                <a:ext uri="{FF2B5EF4-FFF2-40B4-BE49-F238E27FC236}">
+                  <a16:creationId xmlns:a16="http://schemas.microsoft.com/office/drawing/2014/main" id="{47094F0B-8BDD-9C40-B0C1-FBCD149F3CB6}"/>
+                </a:ext>
+              </a:extLst>
+            </p:cNvPr>
+            <p:cNvSpPr txBox="1"/>
+            <p:nvPr/>
+          </p:nvSpPr>
+          <p:spPr>
+            <a:xfrm>
+              <a:off x="335713" y="532024"/>
+              <a:ext cx="1633289" cy="246221"/>
+            </a:xfrm>
+            <a:prstGeom prst="rect">
+              <a:avLst/>
+            </a:prstGeom>
+            <a:noFill/>
+          </p:spPr>
+          <p:txBody>
+            <a:bodyPr wrap="square" rtlCol="0">
+              <a:spAutoFit/>
+            </a:bodyPr>
+            <a:lstStyle/>
+            <a:p>
+              <a:r>
+                <a:rPr kumimoji="1" lang="en-US" altLang="ko-Kore-KR" sz="1000" dirty="0" err="1">
+                  <a:solidFill>
+                    <a:srgbClr val="5DA2C5"/>
+                  </a:solidFill>
+                  <a:latin typeface="SHeadG" panose="02030600000101010101" pitchFamily="18" charset="-127"/>
+                  <a:ea typeface="SHeadG" panose="02030600000101010101" pitchFamily="18" charset="-127"/>
+                </a:rPr>
+                <a:t>application.service</a:t>
+              </a:r>
+              <a:endParaRPr kumimoji="1" lang="ko-Kore-KR" altLang="en-US" sz="1000" dirty="0">
+                <a:solidFill>
+                  <a:srgbClr val="5DA2C5"/>
+                </a:solidFill>
+                <a:latin typeface="SHeadG" panose="02030600000101010101" pitchFamily="18" charset="-127"/>
+                <a:ea typeface="SHeadG" panose="02030600000101010101" pitchFamily="18" charset="-127"/>
+              </a:endParaRPr>
+            </a:p>
+          </p:txBody>
+        </p:sp>
+        <p:sp>
+          <p:nvSpPr>
+            <p:cNvPr id="118" name="TextBox 117">
+              <a:extLst>
+                <a:ext uri="{FF2B5EF4-FFF2-40B4-BE49-F238E27FC236}">
+                  <a16:creationId xmlns:a16="http://schemas.microsoft.com/office/drawing/2014/main" id="{C39366A6-1B88-B24E-A6E4-7608F7FFEDB6}"/>
+                </a:ext>
+              </a:extLst>
+            </p:cNvPr>
+            <p:cNvSpPr txBox="1"/>
+            <p:nvPr/>
+          </p:nvSpPr>
+          <p:spPr>
+            <a:xfrm>
+              <a:off x="583097" y="2167906"/>
+              <a:ext cx="1678494" cy="307777"/>
+            </a:xfrm>
+            <a:prstGeom prst="rect">
+              <a:avLst/>
+            </a:prstGeom>
+            <a:noFill/>
+          </p:spPr>
+          <p:txBody>
+            <a:bodyPr wrap="square" rtlCol="0">
+              <a:spAutoFit/>
+            </a:bodyPr>
+            <a:lstStyle/>
+            <a:p>
+              <a:pPr algn="ctr"/>
+              <a:r>
+                <a:rPr kumimoji="1" lang="en-US" altLang="ko-Kore-KR" sz="1400" b="1" dirty="0">
+                  <a:solidFill>
+                    <a:srgbClr val="5DA2C5"/>
+                  </a:solidFill>
+                  <a:latin typeface="SHeadG" panose="02030600000101010101" pitchFamily="18" charset="-127"/>
+                  <a:ea typeface="SHeadG" panose="02030600000101010101" pitchFamily="18" charset="-127"/>
+                </a:rPr>
+                <a:t>Service</a:t>
+              </a:r>
+              <a:endParaRPr kumimoji="1" lang="ko-Kore-KR" altLang="en-US" sz="1400" b="1" dirty="0">
+                <a:solidFill>
+                  <a:srgbClr val="5DA2C5"/>
+                </a:solidFill>
+                <a:latin typeface="SHeadG" panose="02030600000101010101" pitchFamily="18" charset="-127"/>
+                <a:ea typeface="SHeadG" panose="02030600000101010101" pitchFamily="18" charset="-127"/>
+              </a:endParaRPr>
+            </a:p>
+          </p:txBody>
+        </p:sp>
+        <p:sp>
+          <p:nvSpPr>
+            <p:cNvPr id="119" name="직사각형 118">
+              <a:extLst>
+                <a:ext uri="{FF2B5EF4-FFF2-40B4-BE49-F238E27FC236}">
+                  <a16:creationId xmlns:a16="http://schemas.microsoft.com/office/drawing/2014/main" id="{8B4C6248-62A4-664B-8D5A-32C83F2CB489}"/>
+                </a:ext>
+              </a:extLst>
+            </p:cNvPr>
+            <p:cNvSpPr/>
+            <p:nvPr/>
+          </p:nvSpPr>
+          <p:spPr>
+            <a:xfrm>
+              <a:off x="493478" y="2096175"/>
+              <a:ext cx="1833648" cy="494090"/>
+            </a:xfrm>
+            <a:prstGeom prst="rect">
+              <a:avLst/>
+            </a:prstGeom>
+            <a:ln w="25400">
+              <a:solidFill>
+                <a:srgbClr val="5DA2C5"/>
+              </a:solidFill>
+            </a:ln>
+          </p:spPr>
+          <p:style>
+            <a:lnRef idx="1">
+              <a:schemeClr val="accent1"/>
+            </a:lnRef>
+            <a:fillRef idx="0">
+              <a:schemeClr val="accent1"/>
+            </a:fillRef>
+            <a:effectRef idx="0">
+              <a:schemeClr val="accent1"/>
+            </a:effectRef>
+            <a:fontRef idx="minor">
+              <a:schemeClr val="tx1"/>
+            </a:fontRef>
+          </p:style>
+          <p:txBody>
+            <a:bodyPr rtlCol="0" anchor="ctr"/>
+            <a:lstStyle/>
+            <a:p>
+              <a:pPr algn="ctr"/>
+              <a:endParaRPr kumimoji="1" lang="ko-Kore-KR" altLang="en-US"/>
+            </a:p>
+          </p:txBody>
+        </p:sp>
+      </p:grpSp>
+      <p:cxnSp>
+        <p:nvCxnSpPr>
+          <p:cNvPr id="120" name="꺾인 연결선[E] 119">
+            <a:extLst>
+              <a:ext uri="{FF2B5EF4-FFF2-40B4-BE49-F238E27FC236}">
+                <a16:creationId xmlns:a16="http://schemas.microsoft.com/office/drawing/2014/main" id="{4486C914-B65F-5243-ACB6-24532F7EEDAA}"/>
+              </a:ext>
+            </a:extLst>
+          </p:cNvPr>
+          <p:cNvCxnSpPr>
+            <a:cxnSpLocks/>
+            <a:stCxn id="97" idx="3"/>
+            <a:endCxn id="115" idx="1"/>
+          </p:cNvCxnSpPr>
+          <p:nvPr/>
+        </p:nvCxnSpPr>
+        <p:spPr>
+          <a:xfrm>
+            <a:off x="2343577" y="4414122"/>
+            <a:ext cx="967613" cy="3892"/>
+          </a:xfrm>
+          <a:prstGeom prst="bentConnector3">
+            <a:avLst/>
+          </a:prstGeom>
+          <a:ln w="19050">
+            <a:solidFill>
+              <a:srgbClr val="5DA2C5"/>
+            </a:solidFill>
+            <a:tailEnd type="stealth" w="lg" len="lg"/>
+          </a:ln>
+        </p:spPr>
+        <p:style>
+          <a:lnRef idx="1">
+            <a:schemeClr val="accent1"/>
+          </a:lnRef>
+          <a:fillRef idx="0">
+            <a:schemeClr val="accent1"/>
+          </a:fillRef>
+          <a:effectRef idx="0">
+            <a:schemeClr val="accent1"/>
+          </a:effectRef>
+          <a:fontRef idx="minor">
+            <a:schemeClr val="tx1"/>
+          </a:fontRef>
+        </p:style>
+      </p:cxnSp>
+      <p:cxnSp>
+        <p:nvCxnSpPr>
+          <p:cNvPr id="121" name="꺾인 연결선[E] 120">
+            <a:extLst>
+              <a:ext uri="{FF2B5EF4-FFF2-40B4-BE49-F238E27FC236}">
+                <a16:creationId xmlns:a16="http://schemas.microsoft.com/office/drawing/2014/main" id="{FD2BFA32-EDBF-6E4C-B812-AB18685166CC}"/>
+              </a:ext>
+            </a:extLst>
+          </p:cNvPr>
+          <p:cNvCxnSpPr>
+            <a:cxnSpLocks/>
+          </p:cNvCxnSpPr>
+          <p:nvPr/>
+        </p:nvCxnSpPr>
+        <p:spPr>
+          <a:xfrm>
+            <a:off x="2343576" y="4550719"/>
+            <a:ext cx="951163" cy="718475"/>
+          </a:xfrm>
+          <a:prstGeom prst="bentConnector3">
+            <a:avLst/>
+          </a:prstGeom>
+          <a:ln w="19050">
+            <a:solidFill>
+              <a:srgbClr val="5DA2C5"/>
+            </a:solidFill>
+            <a:tailEnd type="stealth" w="lg" len="lg"/>
+          </a:ln>
+        </p:spPr>
+        <p:style>
+          <a:lnRef idx="1">
+            <a:schemeClr val="accent1"/>
+          </a:lnRef>
+          <a:fillRef idx="0">
+            <a:schemeClr val="accent1"/>
+          </a:fillRef>
+          <a:effectRef idx="0">
+            <a:schemeClr val="accent1"/>
+          </a:effectRef>
+          <a:fontRef idx="minor">
+            <a:schemeClr val="tx1"/>
+          </a:fontRef>
+        </p:style>
+      </p:cxnSp>
+      <p:cxnSp>
+        <p:nvCxnSpPr>
+          <p:cNvPr id="122" name="꺾인 연결선[E] 121">
+            <a:extLst>
+              <a:ext uri="{FF2B5EF4-FFF2-40B4-BE49-F238E27FC236}">
+                <a16:creationId xmlns:a16="http://schemas.microsoft.com/office/drawing/2014/main" id="{819EC217-3251-624D-AD4C-0D25AA757811}"/>
+              </a:ext>
+            </a:extLst>
+          </p:cNvPr>
+          <p:cNvCxnSpPr>
+            <a:cxnSpLocks/>
+          </p:cNvCxnSpPr>
+          <p:nvPr/>
+        </p:nvCxnSpPr>
+        <p:spPr>
+          <a:xfrm>
+            <a:off x="2367661" y="5503359"/>
+            <a:ext cx="943529" cy="12700"/>
+          </a:xfrm>
+          <a:prstGeom prst="bentConnector3">
+            <a:avLst/>
+          </a:prstGeom>
+          <a:ln w="19050">
+            <a:solidFill>
+              <a:srgbClr val="5DA2C5"/>
+            </a:solidFill>
+            <a:tailEnd type="stealth" w="lg" len="lg"/>
+          </a:ln>
+        </p:spPr>
+        <p:style>
+          <a:lnRef idx="1">
+            <a:schemeClr val="accent1"/>
+          </a:lnRef>
+          <a:fillRef idx="0">
+            <a:schemeClr val="accent1"/>
+          </a:fillRef>
+          <a:effectRef idx="0">
+            <a:schemeClr val="accent1"/>
+          </a:effectRef>
+          <a:fontRef idx="minor">
+            <a:schemeClr val="tx1"/>
+          </a:fontRef>
+        </p:style>
+      </p:cxnSp>
+      <p:cxnSp>
+        <p:nvCxnSpPr>
+          <p:cNvPr id="132" name="직선 연결선[R] 131">
+            <a:extLst>
+              <a:ext uri="{FF2B5EF4-FFF2-40B4-BE49-F238E27FC236}">
+                <a16:creationId xmlns:a16="http://schemas.microsoft.com/office/drawing/2014/main" id="{C2BFCCB0-1EE1-FC41-B6E7-88FAD504B696}"/>
+              </a:ext>
+            </a:extLst>
+          </p:cNvPr>
+          <p:cNvCxnSpPr/>
+          <p:nvPr/>
+        </p:nvCxnSpPr>
+        <p:spPr>
+          <a:xfrm>
+            <a:off x="2943133" y="3265473"/>
+            <a:ext cx="0" cy="2882096"/>
+          </a:xfrm>
+          <a:prstGeom prst="line">
+            <a:avLst/>
+          </a:prstGeom>
+          <a:ln w="25400">
+            <a:solidFill>
+              <a:srgbClr val="5DA2C5"/>
+            </a:solidFill>
+            <a:prstDash val="dash"/>
+          </a:ln>
+        </p:spPr>
+        <p:style>
+          <a:lnRef idx="1">
+            <a:schemeClr val="accent1"/>
+          </a:lnRef>
+          <a:fillRef idx="0">
+            <a:schemeClr val="accent1"/>
+          </a:fillRef>
+          <a:effectRef idx="0">
+            <a:schemeClr val="accent1"/>
+          </a:effectRef>
+          <a:fontRef idx="minor">
+            <a:schemeClr val="tx1"/>
+          </a:fontRef>
+        </p:style>
+      </p:cxnSp>
+    </p:spTree>
+    <p:extLst>
+      <p:ext uri="{BB962C8B-B14F-4D97-AF65-F5344CB8AC3E}">
+        <p14:creationId xmlns:p14="http://schemas.microsoft.com/office/powerpoint/2010/main" val="1705221425"/>
+      </p:ext>
+    </p:extLst>
+  </p:cSld>
+  <p:clrMapOvr>
+    <a:masterClrMapping/>
+  </p:clrMapOvr>
+</p:sld>
+</file>
+
+<file path=ppt/slides/slide9.xml><?xml version="1.0" encoding="utf-8"?>
+<p:sld xmlns:a="http://schemas.openxmlformats.org/drawingml/2006/main" xmlns:r="http://schemas.openxmlformats.org/officeDocument/2006/relationships" xmlns:p="http://schemas.openxmlformats.org/presentationml/2006/main">
+  <p:cSld>
+    <p:spTree>
+      <p:nvGrpSpPr>
+        <p:cNvPr id="1" name=""/>
+        <p:cNvGrpSpPr/>
+        <p:nvPr/>
+      </p:nvGrpSpPr>
+      <p:grpSpPr>
+        <a:xfrm>
+          <a:off x="0" y="0"/>
+          <a:ext cx="0" cy="0"/>
+          <a:chOff x="0" y="0"/>
+          <a:chExt cx="0" cy="0"/>
+        </a:xfrm>
+      </p:grpSpPr>
+      <p:grpSp>
+        <p:nvGrpSpPr>
+          <p:cNvPr id="4" name="그룹 3">
+            <a:extLst>
+              <a:ext uri="{FF2B5EF4-FFF2-40B4-BE49-F238E27FC236}">
+                <a16:creationId xmlns:a16="http://schemas.microsoft.com/office/drawing/2014/main" id="{0A41621F-3B69-734B-A0DE-53E9B41766CE}"/>
+              </a:ext>
+            </a:extLst>
+          </p:cNvPr>
+          <p:cNvGrpSpPr/>
+          <p:nvPr/>
+        </p:nvGrpSpPr>
+        <p:grpSpPr>
+          <a:xfrm>
+            <a:off x="335712" y="514320"/>
+            <a:ext cx="2206167" cy="2402500"/>
+            <a:chOff x="335712" y="514320"/>
+            <a:chExt cx="2206167" cy="2402500"/>
+          </a:xfrm>
+        </p:grpSpPr>
+        <p:sp>
+          <p:nvSpPr>
+            <p:cNvPr id="36" name="직사각형 35">
+              <a:extLst>
+                <a:ext uri="{FF2B5EF4-FFF2-40B4-BE49-F238E27FC236}">
+                  <a16:creationId xmlns:a16="http://schemas.microsoft.com/office/drawing/2014/main" id="{A8469094-3A32-4A42-9923-9F4412698C8D}"/>
+                </a:ext>
+              </a:extLst>
+            </p:cNvPr>
+            <p:cNvSpPr/>
+            <p:nvPr/>
+          </p:nvSpPr>
+          <p:spPr>
+            <a:xfrm>
+              <a:off x="335712" y="760541"/>
+              <a:ext cx="2206167" cy="2156279"/>
+            </a:xfrm>
+            <a:prstGeom prst="rect">
+              <a:avLst/>
+            </a:prstGeom>
+            <a:ln w="25400">
+              <a:solidFill>
+                <a:srgbClr val="5DA2C5"/>
+              </a:solidFill>
+            </a:ln>
+          </p:spPr>
+          <p:style>
+            <a:lnRef idx="1">
+              <a:schemeClr val="accent1"/>
+            </a:lnRef>
+            <a:fillRef idx="0">
+              <a:schemeClr val="accent1"/>
+            </a:fillRef>
+            <a:effectRef idx="0">
+              <a:schemeClr val="accent1"/>
+            </a:effectRef>
+            <a:fontRef idx="minor">
+              <a:schemeClr val="tx1"/>
+            </a:fontRef>
+          </p:style>
+          <p:txBody>
+            <a:bodyPr rtlCol="0" anchor="ctr"/>
+            <a:lstStyle/>
+            <a:p>
+              <a:pPr algn="ctr"/>
+              <a:endParaRPr kumimoji="1" lang="ko-Kore-KR" altLang="en-US"/>
+            </a:p>
+          </p:txBody>
+        </p:sp>
+        <p:sp>
+          <p:nvSpPr>
+            <p:cNvPr id="37" name="TextBox 36">
+              <a:extLst>
+                <a:ext uri="{FF2B5EF4-FFF2-40B4-BE49-F238E27FC236}">
+                  <a16:creationId xmlns:a16="http://schemas.microsoft.com/office/drawing/2014/main" id="{F3CA63C8-8AA8-ED4C-90C0-FEF220F13671}"/>
+                </a:ext>
+              </a:extLst>
+            </p:cNvPr>
+            <p:cNvSpPr txBox="1"/>
+            <p:nvPr/>
+          </p:nvSpPr>
+          <p:spPr>
+            <a:xfrm>
+              <a:off x="599548" y="1064318"/>
+              <a:ext cx="1678494" cy="307777"/>
+            </a:xfrm>
+            <a:prstGeom prst="rect">
+              <a:avLst/>
+            </a:prstGeom>
+            <a:noFill/>
+          </p:spPr>
+          <p:txBody>
+            <a:bodyPr wrap="square" rtlCol="0">
+              <a:spAutoFit/>
+            </a:bodyPr>
+            <a:lstStyle/>
+            <a:p>
+              <a:pPr algn="ctr"/>
+              <a:r>
+                <a:rPr kumimoji="1" lang="en-US" altLang="ko-Kore-KR" sz="1400" b="1" dirty="0">
+                  <a:solidFill>
+                    <a:srgbClr val="5DA2C5"/>
+                  </a:solidFill>
+                  <a:latin typeface="SHeadG" panose="02030600000101010101" pitchFamily="18" charset="-127"/>
+                  <a:ea typeface="SHeadG" panose="02030600000101010101" pitchFamily="18" charset="-127"/>
+                </a:rPr>
+                <a:t>Controller</a:t>
+              </a:r>
+              <a:endParaRPr kumimoji="1" lang="ko-Kore-KR" altLang="en-US" sz="1400" b="1" dirty="0">
+                <a:solidFill>
+                  <a:srgbClr val="5DA2C5"/>
+                </a:solidFill>
+                <a:latin typeface="SHeadG" panose="02030600000101010101" pitchFamily="18" charset="-127"/>
+                <a:ea typeface="SHeadG" panose="02030600000101010101" pitchFamily="18" charset="-127"/>
+              </a:endParaRPr>
+            </a:p>
+          </p:txBody>
+        </p:sp>
+        <p:sp>
+          <p:nvSpPr>
+            <p:cNvPr id="38" name="직사각형 37">
+              <a:extLst>
+                <a:ext uri="{FF2B5EF4-FFF2-40B4-BE49-F238E27FC236}">
+                  <a16:creationId xmlns:a16="http://schemas.microsoft.com/office/drawing/2014/main" id="{21E72600-38C4-C64D-9728-8447ACCEE74A}"/>
+                </a:ext>
+              </a:extLst>
+            </p:cNvPr>
+            <p:cNvSpPr/>
+            <p:nvPr/>
+          </p:nvSpPr>
+          <p:spPr>
+            <a:xfrm>
+              <a:off x="509929" y="992587"/>
+              <a:ext cx="1833648" cy="494090"/>
+            </a:xfrm>
+            <a:prstGeom prst="rect">
+              <a:avLst/>
+            </a:prstGeom>
+            <a:ln w="25400">
+              <a:solidFill>
+                <a:srgbClr val="5DA2C5"/>
+              </a:solidFill>
+            </a:ln>
+          </p:spPr>
+          <p:style>
+            <a:lnRef idx="1">
+              <a:schemeClr val="accent1"/>
+            </a:lnRef>
+            <a:fillRef idx="0">
+              <a:schemeClr val="accent1"/>
+            </a:fillRef>
+            <a:effectRef idx="0">
+              <a:schemeClr val="accent1"/>
+            </a:effectRef>
+            <a:fontRef idx="minor">
+              <a:schemeClr val="tx1"/>
+            </a:fontRef>
+          </p:style>
+          <p:txBody>
+            <a:bodyPr rtlCol="0" anchor="ctr"/>
+            <a:lstStyle/>
+            <a:p>
+              <a:pPr algn="ctr"/>
+              <a:endParaRPr kumimoji="1" lang="ko-Kore-KR" altLang="en-US"/>
+            </a:p>
+          </p:txBody>
+        </p:sp>
+        <p:sp>
+          <p:nvSpPr>
+            <p:cNvPr id="39" name="직사각형 38">
+              <a:extLst>
+                <a:ext uri="{FF2B5EF4-FFF2-40B4-BE49-F238E27FC236}">
+                  <a16:creationId xmlns:a16="http://schemas.microsoft.com/office/drawing/2014/main" id="{BD29CB26-C63A-A546-98AC-C20E51686973}"/>
+                </a:ext>
+              </a:extLst>
+            </p:cNvPr>
+            <p:cNvSpPr/>
+            <p:nvPr/>
+          </p:nvSpPr>
+          <p:spPr>
+            <a:xfrm>
+              <a:off x="340084" y="514320"/>
+              <a:ext cx="1739088" cy="246221"/>
+            </a:xfrm>
+            <a:prstGeom prst="rect">
+              <a:avLst/>
+            </a:prstGeom>
+            <a:ln w="25400">
+              <a:solidFill>
+                <a:srgbClr val="5DA2C5"/>
+              </a:solidFill>
+            </a:ln>
+          </p:spPr>
+          <p:style>
+            <a:lnRef idx="1">
+              <a:schemeClr val="accent1"/>
+            </a:lnRef>
+            <a:fillRef idx="0">
+              <a:schemeClr val="accent1"/>
+            </a:fillRef>
+            <a:effectRef idx="0">
+              <a:schemeClr val="accent1"/>
+            </a:effectRef>
+            <a:fontRef idx="minor">
+              <a:schemeClr val="tx1"/>
+            </a:fontRef>
+          </p:style>
+          <p:txBody>
+            <a:bodyPr rtlCol="0" anchor="ctr"/>
+            <a:lstStyle/>
+            <a:p>
+              <a:pPr algn="ctr"/>
+              <a:endParaRPr kumimoji="1" lang="ko-Kore-KR" altLang="en-US"/>
+            </a:p>
+          </p:txBody>
+        </p:sp>
+        <p:sp>
+          <p:nvSpPr>
+            <p:cNvPr id="40" name="TextBox 39">
+              <a:extLst>
+                <a:ext uri="{FF2B5EF4-FFF2-40B4-BE49-F238E27FC236}">
+                  <a16:creationId xmlns:a16="http://schemas.microsoft.com/office/drawing/2014/main" id="{D44DBA4D-6A18-7349-A2F9-E20E4A16E3B9}"/>
+                </a:ext>
+              </a:extLst>
+            </p:cNvPr>
+            <p:cNvSpPr txBox="1"/>
+            <p:nvPr/>
+          </p:nvSpPr>
+          <p:spPr>
+            <a:xfrm>
+              <a:off x="335713" y="532024"/>
+              <a:ext cx="1633289" cy="246221"/>
+            </a:xfrm>
+            <a:prstGeom prst="rect">
+              <a:avLst/>
+            </a:prstGeom>
+            <a:noFill/>
+          </p:spPr>
+          <p:txBody>
+            <a:bodyPr wrap="square" rtlCol="0">
+              <a:spAutoFit/>
+            </a:bodyPr>
+            <a:lstStyle/>
+            <a:p>
+              <a:r>
+                <a:rPr kumimoji="1" lang="en-US" altLang="ko-Kore-KR" sz="1000" dirty="0" err="1">
+                  <a:solidFill>
+                    <a:srgbClr val="5DA2C5"/>
+                  </a:solidFill>
+                  <a:latin typeface="SHeadG" panose="02030600000101010101" pitchFamily="18" charset="-127"/>
+                  <a:ea typeface="SHeadG" panose="02030600000101010101" pitchFamily="18" charset="-127"/>
+                </a:rPr>
+                <a:t>adapter.in.web</a:t>
+              </a:r>
+              <a:endParaRPr kumimoji="1" lang="ko-Kore-KR" altLang="en-US" sz="1000" dirty="0">
+                <a:solidFill>
+                  <a:srgbClr val="5DA2C5"/>
+                </a:solidFill>
+                <a:latin typeface="SHeadG" panose="02030600000101010101" pitchFamily="18" charset="-127"/>
+                <a:ea typeface="SHeadG" panose="02030600000101010101" pitchFamily="18" charset="-127"/>
+              </a:endParaRPr>
+            </a:p>
+          </p:txBody>
+        </p:sp>
+        <p:sp>
+          <p:nvSpPr>
+            <p:cNvPr id="50" name="TextBox 49">
+              <a:extLst>
+                <a:ext uri="{FF2B5EF4-FFF2-40B4-BE49-F238E27FC236}">
+                  <a16:creationId xmlns:a16="http://schemas.microsoft.com/office/drawing/2014/main" id="{4B2EC33D-8492-494C-8BC9-EBE14FBFE94F}"/>
+                </a:ext>
+              </a:extLst>
+            </p:cNvPr>
+            <p:cNvSpPr txBox="1"/>
+            <p:nvPr/>
+          </p:nvSpPr>
+          <p:spPr>
+            <a:xfrm>
+              <a:off x="599548" y="2167906"/>
+              <a:ext cx="1678494" cy="523220"/>
+            </a:xfrm>
+            <a:prstGeom prst="rect">
+              <a:avLst/>
+            </a:prstGeom>
+            <a:noFill/>
+          </p:spPr>
+          <p:txBody>
+            <a:bodyPr wrap="square" rtlCol="0">
+              <a:spAutoFit/>
+            </a:bodyPr>
+            <a:lstStyle/>
+            <a:p>
+              <a:pPr algn="ctr"/>
+              <a:r>
+                <a:rPr kumimoji="1" lang="en-US" altLang="ko-Kore-KR" sz="1400" b="1" dirty="0">
+                  <a:solidFill>
+                    <a:srgbClr val="5DA2C5"/>
+                  </a:solidFill>
+                  <a:latin typeface="SHeadG" panose="02030600000101010101" pitchFamily="18" charset="-127"/>
+                  <a:ea typeface="SHeadG" panose="02030600000101010101" pitchFamily="18" charset="-127"/>
+                </a:rPr>
+                <a:t>WebSocket</a:t>
+              </a:r>
+            </a:p>
+            <a:p>
+              <a:pPr algn="ctr"/>
+              <a:r>
+                <a:rPr kumimoji="1" lang="en-US" altLang="ko-Kore-KR" sz="1400" b="1" dirty="0">
+                  <a:solidFill>
+                    <a:srgbClr val="5DA2C5"/>
+                  </a:solidFill>
+                  <a:latin typeface="SHeadG" panose="02030600000101010101" pitchFamily="18" charset="-127"/>
+                  <a:ea typeface="SHeadG" panose="02030600000101010101" pitchFamily="18" charset="-127"/>
+                </a:rPr>
+                <a:t>Controller</a:t>
+              </a:r>
+              <a:endParaRPr kumimoji="1" lang="ko-Kore-KR" altLang="en-US" sz="1400" b="1" dirty="0">
+                <a:solidFill>
+                  <a:srgbClr val="5DA2C5"/>
+                </a:solidFill>
+                <a:latin typeface="SHeadG" panose="02030600000101010101" pitchFamily="18" charset="-127"/>
+                <a:ea typeface="SHeadG" panose="02030600000101010101" pitchFamily="18" charset="-127"/>
+              </a:endParaRPr>
+            </a:p>
+          </p:txBody>
+        </p:sp>
+        <p:sp>
+          <p:nvSpPr>
+            <p:cNvPr id="51" name="직사각형 50">
+              <a:extLst>
+                <a:ext uri="{FF2B5EF4-FFF2-40B4-BE49-F238E27FC236}">
+                  <a16:creationId xmlns:a16="http://schemas.microsoft.com/office/drawing/2014/main" id="{C5B2E76A-5380-DF4E-87BE-EBCE6E8C4ECB}"/>
+                </a:ext>
+              </a:extLst>
+            </p:cNvPr>
+            <p:cNvSpPr/>
+            <p:nvPr/>
+          </p:nvSpPr>
+          <p:spPr>
+            <a:xfrm>
+              <a:off x="509929" y="2096174"/>
+              <a:ext cx="1833648" cy="631825"/>
+            </a:xfrm>
+            <a:prstGeom prst="rect">
+              <a:avLst/>
+            </a:prstGeom>
+            <a:ln w="25400">
+              <a:solidFill>
+                <a:srgbClr val="5DA2C5"/>
+              </a:solidFill>
+            </a:ln>
+          </p:spPr>
+          <p:style>
+            <a:lnRef idx="1">
+              <a:schemeClr val="accent1"/>
+            </a:lnRef>
+            <a:fillRef idx="0">
+              <a:schemeClr val="accent1"/>
+            </a:fillRef>
+            <a:effectRef idx="0">
+              <a:schemeClr val="accent1"/>
+            </a:effectRef>
+            <a:fontRef idx="minor">
+              <a:schemeClr val="tx1"/>
+            </a:fontRef>
+          </p:style>
+          <p:txBody>
+            <a:bodyPr rtlCol="0" anchor="ctr"/>
+            <a:lstStyle/>
+            <a:p>
+              <a:pPr algn="ctr"/>
+              <a:endParaRPr kumimoji="1" lang="ko-Kore-KR" altLang="en-US"/>
+            </a:p>
+          </p:txBody>
+        </p:sp>
+      </p:grpSp>
+      <p:grpSp>
+        <p:nvGrpSpPr>
+          <p:cNvPr id="68" name="그룹 67">
+            <a:extLst>
+              <a:ext uri="{FF2B5EF4-FFF2-40B4-BE49-F238E27FC236}">
+                <a16:creationId xmlns:a16="http://schemas.microsoft.com/office/drawing/2014/main" id="{7672413D-5701-D045-B0C0-A9CDF1D3FB62}"/>
+              </a:ext>
+            </a:extLst>
+          </p:cNvPr>
+          <p:cNvGrpSpPr/>
+          <p:nvPr/>
+        </p:nvGrpSpPr>
+        <p:grpSpPr>
+          <a:xfrm>
+            <a:off x="5938234" y="514320"/>
+            <a:ext cx="2206167" cy="2402500"/>
+            <a:chOff x="335712" y="514320"/>
+            <a:chExt cx="2206167" cy="2402500"/>
+          </a:xfrm>
+        </p:grpSpPr>
+        <p:sp>
+          <p:nvSpPr>
+            <p:cNvPr id="69" name="직사각형 68">
+              <a:extLst>
+                <a:ext uri="{FF2B5EF4-FFF2-40B4-BE49-F238E27FC236}">
+                  <a16:creationId xmlns:a16="http://schemas.microsoft.com/office/drawing/2014/main" id="{6CF741A5-603C-FC47-959D-7FB7145EA712}"/>
+                </a:ext>
+              </a:extLst>
+            </p:cNvPr>
+            <p:cNvSpPr/>
+            <p:nvPr/>
+          </p:nvSpPr>
+          <p:spPr>
+            <a:xfrm>
+              <a:off x="335712" y="760541"/>
+              <a:ext cx="2206167" cy="2156279"/>
+            </a:xfrm>
+            <a:prstGeom prst="rect">
+              <a:avLst/>
+            </a:prstGeom>
+            <a:ln w="25400">
+              <a:solidFill>
+                <a:srgbClr val="5DA2C5"/>
+              </a:solidFill>
+            </a:ln>
+          </p:spPr>
+          <p:style>
+            <a:lnRef idx="1">
+              <a:schemeClr val="accent1"/>
+            </a:lnRef>
+            <a:fillRef idx="0">
+              <a:schemeClr val="accent1"/>
+            </a:fillRef>
+            <a:effectRef idx="0">
+              <a:schemeClr val="accent1"/>
+            </a:effectRef>
+            <a:fontRef idx="minor">
+              <a:schemeClr val="tx1"/>
+            </a:fontRef>
+          </p:style>
+          <p:txBody>
+            <a:bodyPr rtlCol="0" anchor="ctr"/>
+            <a:lstStyle/>
+            <a:p>
+              <a:pPr algn="ctr"/>
+              <a:endParaRPr kumimoji="1" lang="ko-Kore-KR" altLang="en-US"/>
+            </a:p>
+          </p:txBody>
+        </p:sp>
+        <p:sp>
+          <p:nvSpPr>
+            <p:cNvPr id="70" name="TextBox 69">
+              <a:extLst>
+                <a:ext uri="{FF2B5EF4-FFF2-40B4-BE49-F238E27FC236}">
+                  <a16:creationId xmlns:a16="http://schemas.microsoft.com/office/drawing/2014/main" id="{BAB1854B-AAC6-C146-838B-74A61408DB2B}"/>
+                </a:ext>
+              </a:extLst>
+            </p:cNvPr>
+            <p:cNvSpPr txBox="1"/>
+            <p:nvPr/>
+          </p:nvSpPr>
+          <p:spPr>
+            <a:xfrm>
+              <a:off x="583097" y="1072274"/>
+              <a:ext cx="1678494" cy="307777"/>
+            </a:xfrm>
+            <a:prstGeom prst="rect">
+              <a:avLst/>
+            </a:prstGeom>
+            <a:noFill/>
+          </p:spPr>
+          <p:txBody>
+            <a:bodyPr wrap="square" rtlCol="0">
+              <a:spAutoFit/>
+            </a:bodyPr>
+            <a:lstStyle/>
+            <a:p>
+              <a:pPr algn="ctr"/>
+              <a:r>
+                <a:rPr kumimoji="1" lang="en-US" altLang="ko-Kore-KR" sz="1400" b="1" dirty="0">
+                  <a:solidFill>
+                    <a:srgbClr val="5DA2C5"/>
+                  </a:solidFill>
+                  <a:latin typeface="SHeadG" panose="02030600000101010101" pitchFamily="18" charset="-127"/>
+                  <a:ea typeface="SHeadG" panose="02030600000101010101" pitchFamily="18" charset="-127"/>
+                </a:rPr>
+                <a:t>Service</a:t>
+              </a:r>
+              <a:endParaRPr kumimoji="1" lang="ko-Kore-KR" altLang="en-US" sz="1400" b="1" dirty="0">
+                <a:solidFill>
+                  <a:srgbClr val="5DA2C5"/>
+                </a:solidFill>
+                <a:latin typeface="SHeadG" panose="02030600000101010101" pitchFamily="18" charset="-127"/>
+                <a:ea typeface="SHeadG" panose="02030600000101010101" pitchFamily="18" charset="-127"/>
+              </a:endParaRPr>
+            </a:p>
+          </p:txBody>
+        </p:sp>
+        <p:sp>
+          <p:nvSpPr>
+            <p:cNvPr id="71" name="직사각형 70">
+              <a:extLst>
+                <a:ext uri="{FF2B5EF4-FFF2-40B4-BE49-F238E27FC236}">
+                  <a16:creationId xmlns:a16="http://schemas.microsoft.com/office/drawing/2014/main" id="{A05A85EB-D19A-744C-8890-E1C048B65FF4}"/>
+                </a:ext>
+              </a:extLst>
+            </p:cNvPr>
+            <p:cNvSpPr/>
+            <p:nvPr/>
+          </p:nvSpPr>
+          <p:spPr>
+            <a:xfrm>
+              <a:off x="493478" y="1000543"/>
+              <a:ext cx="1833648" cy="494090"/>
+            </a:xfrm>
+            <a:prstGeom prst="rect">
+              <a:avLst/>
+            </a:prstGeom>
+            <a:ln w="25400">
+              <a:solidFill>
+                <a:srgbClr val="5DA2C5"/>
+              </a:solidFill>
+            </a:ln>
+          </p:spPr>
+          <p:style>
+            <a:lnRef idx="1">
+              <a:schemeClr val="accent1"/>
+            </a:lnRef>
+            <a:fillRef idx="0">
+              <a:schemeClr val="accent1"/>
+            </a:fillRef>
+            <a:effectRef idx="0">
+              <a:schemeClr val="accent1"/>
+            </a:effectRef>
+            <a:fontRef idx="minor">
+              <a:schemeClr val="tx1"/>
+            </a:fontRef>
+          </p:style>
+          <p:txBody>
+            <a:bodyPr rtlCol="0" anchor="ctr"/>
+            <a:lstStyle/>
+            <a:p>
+              <a:pPr algn="ctr"/>
+              <a:endParaRPr kumimoji="1" lang="ko-Kore-KR" altLang="en-US"/>
+            </a:p>
+          </p:txBody>
+        </p:sp>
+        <p:sp>
+          <p:nvSpPr>
+            <p:cNvPr id="72" name="직사각형 71">
+              <a:extLst>
+                <a:ext uri="{FF2B5EF4-FFF2-40B4-BE49-F238E27FC236}">
+                  <a16:creationId xmlns:a16="http://schemas.microsoft.com/office/drawing/2014/main" id="{C3B7E95A-658F-8E46-86A6-0FE96DC32E3B}"/>
+                </a:ext>
+              </a:extLst>
+            </p:cNvPr>
+            <p:cNvSpPr/>
+            <p:nvPr/>
+          </p:nvSpPr>
+          <p:spPr>
+            <a:xfrm>
+              <a:off x="340084" y="514320"/>
+              <a:ext cx="1739088" cy="246221"/>
+            </a:xfrm>
+            <a:prstGeom prst="rect">
+              <a:avLst/>
+            </a:prstGeom>
+            <a:ln w="25400">
+              <a:solidFill>
+                <a:srgbClr val="5DA2C5"/>
+              </a:solidFill>
+            </a:ln>
+          </p:spPr>
+          <p:style>
+            <a:lnRef idx="1">
+              <a:schemeClr val="accent1"/>
+            </a:lnRef>
+            <a:fillRef idx="0">
+              <a:schemeClr val="accent1"/>
+            </a:fillRef>
+            <a:effectRef idx="0">
+              <a:schemeClr val="accent1"/>
+            </a:effectRef>
+            <a:fontRef idx="minor">
+              <a:schemeClr val="tx1"/>
+            </a:fontRef>
+          </p:style>
+          <p:txBody>
+            <a:bodyPr rtlCol="0" anchor="ctr"/>
+            <a:lstStyle/>
+            <a:p>
+              <a:pPr algn="ctr"/>
+              <a:endParaRPr kumimoji="1" lang="ko-Kore-KR" altLang="en-US"/>
+            </a:p>
+          </p:txBody>
+        </p:sp>
+        <p:sp>
+          <p:nvSpPr>
+            <p:cNvPr id="73" name="TextBox 72">
+              <a:extLst>
+                <a:ext uri="{FF2B5EF4-FFF2-40B4-BE49-F238E27FC236}">
+                  <a16:creationId xmlns:a16="http://schemas.microsoft.com/office/drawing/2014/main" id="{4B01EA62-E962-B448-A0E3-97B7CFB013B2}"/>
+                </a:ext>
+              </a:extLst>
+            </p:cNvPr>
+            <p:cNvSpPr txBox="1"/>
+            <p:nvPr/>
+          </p:nvSpPr>
+          <p:spPr>
+            <a:xfrm>
+              <a:off x="335713" y="532024"/>
+              <a:ext cx="1633289" cy="246221"/>
+            </a:xfrm>
+            <a:prstGeom prst="rect">
+              <a:avLst/>
+            </a:prstGeom>
+            <a:noFill/>
+          </p:spPr>
+          <p:txBody>
+            <a:bodyPr wrap="square" rtlCol="0">
+              <a:spAutoFit/>
+            </a:bodyPr>
+            <a:lstStyle/>
+            <a:p>
+              <a:r>
+                <a:rPr kumimoji="1" lang="en-US" altLang="ko-Kore-KR" sz="1000" dirty="0" err="1">
+                  <a:solidFill>
+                    <a:srgbClr val="5DA2C5"/>
+                  </a:solidFill>
+                  <a:latin typeface="SHeadG" panose="02030600000101010101" pitchFamily="18" charset="-127"/>
+                  <a:ea typeface="SHeadG" panose="02030600000101010101" pitchFamily="18" charset="-127"/>
+                </a:rPr>
+                <a:t>application.service</a:t>
+              </a:r>
+              <a:endParaRPr kumimoji="1" lang="ko-Kore-KR" altLang="en-US" sz="1000" dirty="0">
+                <a:solidFill>
+                  <a:srgbClr val="5DA2C5"/>
+                </a:solidFill>
+                <a:latin typeface="SHeadG" panose="02030600000101010101" pitchFamily="18" charset="-127"/>
+                <a:ea typeface="SHeadG" panose="02030600000101010101" pitchFamily="18" charset="-127"/>
+              </a:endParaRPr>
+            </a:p>
+          </p:txBody>
+        </p:sp>
+        <p:sp>
+          <p:nvSpPr>
+            <p:cNvPr id="74" name="TextBox 73">
+              <a:extLst>
+                <a:ext uri="{FF2B5EF4-FFF2-40B4-BE49-F238E27FC236}">
+                  <a16:creationId xmlns:a16="http://schemas.microsoft.com/office/drawing/2014/main" id="{19A9B8D8-3005-1D46-BD90-6D06C4BA591F}"/>
+                </a:ext>
+              </a:extLst>
+            </p:cNvPr>
+            <p:cNvSpPr txBox="1"/>
+            <p:nvPr/>
+          </p:nvSpPr>
+          <p:spPr>
+            <a:xfrm>
+              <a:off x="583097" y="2296375"/>
+              <a:ext cx="1678494" cy="307777"/>
+            </a:xfrm>
+            <a:prstGeom prst="rect">
+              <a:avLst/>
+            </a:prstGeom>
+            <a:noFill/>
+          </p:spPr>
+          <p:txBody>
+            <a:bodyPr wrap="square" rtlCol="0">
+              <a:spAutoFit/>
+            </a:bodyPr>
+            <a:lstStyle/>
+            <a:p>
+              <a:pPr algn="ctr"/>
+              <a:r>
+                <a:rPr kumimoji="1" lang="en-US" altLang="ko-Kore-KR" sz="1400" b="1" dirty="0">
+                  <a:solidFill>
+                    <a:srgbClr val="5DA2C5"/>
+                  </a:solidFill>
+                  <a:latin typeface="SHeadG" panose="02030600000101010101" pitchFamily="18" charset="-127"/>
+                  <a:ea typeface="SHeadG" panose="02030600000101010101" pitchFamily="18" charset="-127"/>
+                </a:rPr>
+                <a:t>Service</a:t>
+              </a:r>
+              <a:endParaRPr kumimoji="1" lang="ko-Kore-KR" altLang="en-US" sz="1400" b="1" dirty="0">
+                <a:solidFill>
+                  <a:srgbClr val="5DA2C5"/>
+                </a:solidFill>
+                <a:latin typeface="SHeadG" panose="02030600000101010101" pitchFamily="18" charset="-127"/>
+                <a:ea typeface="SHeadG" panose="02030600000101010101" pitchFamily="18" charset="-127"/>
+              </a:endParaRPr>
+            </a:p>
+          </p:txBody>
+        </p:sp>
+        <p:sp>
+          <p:nvSpPr>
+            <p:cNvPr id="75" name="직사각형 74">
+              <a:extLst>
+                <a:ext uri="{FF2B5EF4-FFF2-40B4-BE49-F238E27FC236}">
+                  <a16:creationId xmlns:a16="http://schemas.microsoft.com/office/drawing/2014/main" id="{215A3852-839D-5A4A-B56F-72F1F412D924}"/>
+                </a:ext>
+              </a:extLst>
+            </p:cNvPr>
+            <p:cNvSpPr/>
+            <p:nvPr/>
+          </p:nvSpPr>
+          <p:spPr>
+            <a:xfrm>
+              <a:off x="493478" y="2247794"/>
+              <a:ext cx="1833648" cy="494090"/>
+            </a:xfrm>
+            <a:prstGeom prst="rect">
+              <a:avLst/>
+            </a:prstGeom>
+            <a:ln w="25400">
+              <a:solidFill>
+                <a:srgbClr val="5DA2C5"/>
+              </a:solidFill>
+            </a:ln>
+          </p:spPr>
+          <p:style>
+            <a:lnRef idx="1">
+              <a:schemeClr val="accent1"/>
+            </a:lnRef>
+            <a:fillRef idx="0">
+              <a:schemeClr val="accent1"/>
+            </a:fillRef>
+            <a:effectRef idx="0">
+              <a:schemeClr val="accent1"/>
+            </a:effectRef>
+            <a:fontRef idx="minor">
+              <a:schemeClr val="tx1"/>
+            </a:fontRef>
+          </p:style>
+          <p:txBody>
+            <a:bodyPr rtlCol="0" anchor="ctr"/>
+            <a:lstStyle/>
+            <a:p>
+              <a:pPr algn="ctr"/>
+              <a:endParaRPr kumimoji="1" lang="ko-Kore-KR" altLang="en-US"/>
+            </a:p>
+          </p:txBody>
+        </p:sp>
+      </p:grpSp>
+      <p:cxnSp>
+        <p:nvCxnSpPr>
+          <p:cNvPr id="6" name="꺾인 연결선[E] 5">
+            <a:extLst>
+              <a:ext uri="{FF2B5EF4-FFF2-40B4-BE49-F238E27FC236}">
+                <a16:creationId xmlns:a16="http://schemas.microsoft.com/office/drawing/2014/main" id="{FD7D032B-1EDA-0844-8FE8-99E59546FDCF}"/>
+              </a:ext>
+            </a:extLst>
+          </p:cNvPr>
+          <p:cNvCxnSpPr>
+            <a:cxnSpLocks/>
+            <a:endCxn id="62" idx="1"/>
+          </p:cNvCxnSpPr>
+          <p:nvPr/>
+        </p:nvCxnSpPr>
+        <p:spPr>
+          <a:xfrm>
+            <a:off x="2343577" y="1236104"/>
+            <a:ext cx="967613" cy="1"/>
+          </a:xfrm>
+          <a:prstGeom prst="bentConnector3">
+            <a:avLst/>
+          </a:prstGeom>
+          <a:ln w="19050">
+            <a:solidFill>
+              <a:srgbClr val="5DA2C5"/>
+            </a:solidFill>
+            <a:tailEnd type="stealth" w="lg" len="lg"/>
+          </a:ln>
+        </p:spPr>
+        <p:style>
+          <a:lnRef idx="1">
+            <a:schemeClr val="accent1"/>
+          </a:lnRef>
+          <a:fillRef idx="0">
+            <a:schemeClr val="accent1"/>
+          </a:fillRef>
+          <a:effectRef idx="0">
+            <a:schemeClr val="accent1"/>
+          </a:effectRef>
+          <a:fontRef idx="minor">
+            <a:schemeClr val="tx1"/>
+          </a:fontRef>
+        </p:style>
+      </p:cxnSp>
+      <p:cxnSp>
+        <p:nvCxnSpPr>
+          <p:cNvPr id="78" name="꺾인 연결선[E] 77">
+            <a:extLst>
+              <a:ext uri="{FF2B5EF4-FFF2-40B4-BE49-F238E27FC236}">
+                <a16:creationId xmlns:a16="http://schemas.microsoft.com/office/drawing/2014/main" id="{F1AEA9B5-DB45-5445-BF3E-4E517D02A64C}"/>
+              </a:ext>
+            </a:extLst>
+          </p:cNvPr>
+          <p:cNvCxnSpPr>
+            <a:cxnSpLocks/>
+          </p:cNvCxnSpPr>
+          <p:nvPr/>
+        </p:nvCxnSpPr>
+        <p:spPr>
+          <a:xfrm flipV="1">
+            <a:off x="2343577" y="1385073"/>
+            <a:ext cx="955570" cy="875478"/>
+          </a:xfrm>
+          <a:prstGeom prst="bentConnector3">
+            <a:avLst>
+              <a:gd name="adj1" fmla="val 50000"/>
+            </a:avLst>
+          </a:prstGeom>
+          <a:ln w="19050">
+            <a:solidFill>
+              <a:srgbClr val="5DA2C5"/>
+            </a:solidFill>
+            <a:tailEnd type="stealth" w="lg" len="lg"/>
+          </a:ln>
+        </p:spPr>
+        <p:style>
+          <a:lnRef idx="1">
+            <a:schemeClr val="accent1"/>
+          </a:lnRef>
+          <a:fillRef idx="0">
+            <a:schemeClr val="accent1"/>
+          </a:fillRef>
+          <a:effectRef idx="0">
+            <a:schemeClr val="accent1"/>
+          </a:effectRef>
+          <a:fontRef idx="minor">
+            <a:schemeClr val="tx1"/>
+          </a:fontRef>
+        </p:style>
+      </p:cxnSp>
+      <p:cxnSp>
+        <p:nvCxnSpPr>
+          <p:cNvPr id="79" name="꺾인 연결선[E] 78">
+            <a:extLst>
+              <a:ext uri="{FF2B5EF4-FFF2-40B4-BE49-F238E27FC236}">
+                <a16:creationId xmlns:a16="http://schemas.microsoft.com/office/drawing/2014/main" id="{17D4E236-155F-D548-A0BF-74D53D83585F}"/>
+              </a:ext>
+            </a:extLst>
+          </p:cNvPr>
+          <p:cNvCxnSpPr>
+            <a:cxnSpLocks/>
+          </p:cNvCxnSpPr>
+          <p:nvPr/>
+        </p:nvCxnSpPr>
+        <p:spPr>
+          <a:xfrm flipV="1">
+            <a:off x="2343577" y="2480955"/>
+            <a:ext cx="967613" cy="65151"/>
+          </a:xfrm>
+          <a:prstGeom prst="bentConnector3">
+            <a:avLst/>
+          </a:prstGeom>
+          <a:ln w="19050">
+            <a:solidFill>
+              <a:srgbClr val="5DA2C5"/>
+            </a:solidFill>
+            <a:tailEnd type="stealth" w="lg" len="lg"/>
+          </a:ln>
+        </p:spPr>
+        <p:style>
+          <a:lnRef idx="1">
+            <a:schemeClr val="accent1"/>
+          </a:lnRef>
+          <a:fillRef idx="0">
+            <a:schemeClr val="accent1"/>
+          </a:fillRef>
+          <a:effectRef idx="0">
+            <a:schemeClr val="accent1"/>
+          </a:effectRef>
+          <a:fontRef idx="minor">
+            <a:schemeClr val="tx1"/>
+          </a:fontRef>
+        </p:style>
+      </p:cxnSp>
+      <p:cxnSp>
+        <p:nvCxnSpPr>
+          <p:cNvPr id="80" name="꺾인 연결선[E] 79">
+            <a:extLst>
+              <a:ext uri="{FF2B5EF4-FFF2-40B4-BE49-F238E27FC236}">
+                <a16:creationId xmlns:a16="http://schemas.microsoft.com/office/drawing/2014/main" id="{2FB3E6AD-074B-064D-9301-1EBB8DE35CD6}"/>
+              </a:ext>
+            </a:extLst>
+          </p:cNvPr>
+          <p:cNvCxnSpPr>
+            <a:cxnSpLocks/>
+            <a:stCxn id="71" idx="1"/>
+            <a:endCxn id="62" idx="3"/>
+          </p:cNvCxnSpPr>
+          <p:nvPr/>
+        </p:nvCxnSpPr>
+        <p:spPr>
+          <a:xfrm rot="10800000">
+            <a:off x="5144838" y="1236106"/>
+            <a:ext cx="951162" cy="11483"/>
+          </a:xfrm>
+          <a:prstGeom prst="bentConnector3">
+            <a:avLst>
+              <a:gd name="adj1" fmla="val 50000"/>
+            </a:avLst>
+          </a:prstGeom>
+          <a:ln w="19050">
+            <a:solidFill>
+              <a:srgbClr val="5DA2C5"/>
+            </a:solidFill>
+            <a:tailEnd type="stealth" w="lg" len="lg"/>
+          </a:ln>
+        </p:spPr>
+        <p:style>
+          <a:lnRef idx="1">
+            <a:schemeClr val="accent1"/>
+          </a:lnRef>
+          <a:fillRef idx="0">
+            <a:schemeClr val="accent1"/>
+          </a:fillRef>
+          <a:effectRef idx="0">
+            <a:schemeClr val="accent1"/>
+          </a:effectRef>
+          <a:fontRef idx="minor">
+            <a:schemeClr val="tx1"/>
+          </a:fontRef>
+        </p:style>
+      </p:cxnSp>
+      <p:cxnSp>
+        <p:nvCxnSpPr>
+          <p:cNvPr id="83" name="꺾인 연결선[E] 82">
+            <a:extLst>
+              <a:ext uri="{FF2B5EF4-FFF2-40B4-BE49-F238E27FC236}">
+                <a16:creationId xmlns:a16="http://schemas.microsoft.com/office/drawing/2014/main" id="{726C1B74-3002-6447-B40B-BC1A0EDFA7F1}"/>
+              </a:ext>
+            </a:extLst>
+          </p:cNvPr>
+          <p:cNvCxnSpPr>
+            <a:cxnSpLocks/>
+            <a:stCxn id="75" idx="1"/>
+            <a:endCxn id="92" idx="3"/>
+          </p:cNvCxnSpPr>
+          <p:nvPr/>
+        </p:nvCxnSpPr>
+        <p:spPr>
+          <a:xfrm rot="10800000" flipV="1">
+            <a:off x="5132796" y="2494838"/>
+            <a:ext cx="963204" cy="4229"/>
+          </a:xfrm>
+          <a:prstGeom prst="bentConnector3">
+            <a:avLst>
+              <a:gd name="adj1" fmla="val 50000"/>
+            </a:avLst>
+          </a:prstGeom>
+          <a:ln w="19050">
+            <a:solidFill>
+              <a:srgbClr val="5DA2C5"/>
+            </a:solidFill>
+            <a:tailEnd type="stealth" w="lg" len="lg"/>
+          </a:ln>
+        </p:spPr>
+        <p:style>
+          <a:lnRef idx="1">
+            <a:schemeClr val="accent1"/>
+          </a:lnRef>
+          <a:fillRef idx="0">
+            <a:schemeClr val="accent1"/>
+          </a:fillRef>
+          <a:effectRef idx="0">
+            <a:schemeClr val="accent1"/>
+          </a:effectRef>
+          <a:fontRef idx="minor">
+            <a:schemeClr val="tx1"/>
+          </a:fontRef>
+        </p:style>
+      </p:cxnSp>
+      <p:sp>
+        <p:nvSpPr>
+          <p:cNvPr id="86" name="삼각형 85">
+            <a:extLst>
+              <a:ext uri="{FF2B5EF4-FFF2-40B4-BE49-F238E27FC236}">
+                <a16:creationId xmlns:a16="http://schemas.microsoft.com/office/drawing/2014/main" id="{42C53468-85F0-1F4D-955C-6DC9895C36D0}"/>
+              </a:ext>
+            </a:extLst>
+          </p:cNvPr>
+          <p:cNvSpPr/>
+          <p:nvPr/>
+        </p:nvSpPr>
+        <p:spPr>
+          <a:xfrm rot="16200000">
+            <a:off x="5141524" y="1184239"/>
+            <a:ext cx="132203" cy="123111"/>
+          </a:xfrm>
+          <a:prstGeom prst="triangle">
+            <a:avLst/>
+          </a:prstGeom>
+          <a:solidFill>
+            <a:schemeClr val="bg1"/>
+          </a:solidFill>
+          <a:ln w="19050">
+            <a:solidFill>
+              <a:srgbClr val="5DA2C5"/>
+            </a:solidFill>
+          </a:ln>
+        </p:spPr>
+        <p:style>
+          <a:lnRef idx="2">
+            <a:schemeClr val="accent1">
+              <a:shade val="50000"/>
+            </a:schemeClr>
+          </a:lnRef>
+          <a:fillRef idx="1">
+            <a:schemeClr val="accent1"/>
+          </a:fillRef>
+          <a:effectRef idx="0">
+            <a:schemeClr val="accent1"/>
+          </a:effectRef>
+          <a:fontRef idx="minor">
+            <a:schemeClr val="lt1"/>
+          </a:fontRef>
+        </p:style>
+        <p:txBody>
+          <a:bodyPr rtlCol="0" anchor="ctr"/>
+          <a:lstStyle/>
+          <a:p>
+            <a:pPr algn="ctr"/>
+            <a:endParaRPr kumimoji="1" lang="ko-Kore-KR" altLang="en-US"/>
+          </a:p>
+        </p:txBody>
+      </p:sp>
+      <p:sp>
+        <p:nvSpPr>
+          <p:cNvPr id="88" name="삼각형 87">
+            <a:extLst>
+              <a:ext uri="{FF2B5EF4-FFF2-40B4-BE49-F238E27FC236}">
+                <a16:creationId xmlns:a16="http://schemas.microsoft.com/office/drawing/2014/main" id="{CA9F3860-E8CC-9741-8EF8-EA621B430567}"/>
+              </a:ext>
+            </a:extLst>
+          </p:cNvPr>
+          <p:cNvSpPr/>
+          <p:nvPr/>
+        </p:nvSpPr>
+        <p:spPr>
+          <a:xfrm rot="16200000">
+            <a:off x="5150921" y="2437039"/>
+            <a:ext cx="132203" cy="123111"/>
+          </a:xfrm>
+          <a:prstGeom prst="triangle">
+            <a:avLst/>
+          </a:prstGeom>
+          <a:solidFill>
+            <a:schemeClr val="bg1"/>
+          </a:solidFill>
+          <a:ln w="19050">
+            <a:solidFill>
+              <a:srgbClr val="5DA2C5"/>
+            </a:solidFill>
+          </a:ln>
+        </p:spPr>
+        <p:style>
+          <a:lnRef idx="2">
+            <a:schemeClr val="accent1">
+              <a:shade val="50000"/>
+            </a:schemeClr>
+          </a:lnRef>
+          <a:fillRef idx="1">
+            <a:schemeClr val="accent1"/>
+          </a:fillRef>
+          <a:effectRef idx="0">
+            <a:schemeClr val="accent1"/>
+          </a:effectRef>
+          <a:fontRef idx="minor">
+            <a:schemeClr val="lt1"/>
+          </a:fontRef>
+        </p:style>
+        <p:txBody>
+          <a:bodyPr rtlCol="0" anchor="ctr"/>
+          <a:lstStyle/>
+          <a:p>
+            <a:pPr algn="ctr"/>
+            <a:endParaRPr kumimoji="1" lang="ko-Kore-KR" altLang="en-US"/>
+          </a:p>
+        </p:txBody>
+      </p:sp>
+      <p:grpSp>
+        <p:nvGrpSpPr>
+          <p:cNvPr id="5" name="그룹 4">
+            <a:extLst>
+              <a:ext uri="{FF2B5EF4-FFF2-40B4-BE49-F238E27FC236}">
+                <a16:creationId xmlns:a16="http://schemas.microsoft.com/office/drawing/2014/main" id="{8C94FCAC-86EF-D146-A4A7-75024F7A1B7E}"/>
+              </a:ext>
+            </a:extLst>
+          </p:cNvPr>
+          <p:cNvGrpSpPr/>
+          <p:nvPr/>
+        </p:nvGrpSpPr>
+        <p:grpSpPr>
+          <a:xfrm>
+            <a:off x="3136973" y="514320"/>
+            <a:ext cx="2206167" cy="1123994"/>
+            <a:chOff x="3136973" y="514320"/>
+            <a:chExt cx="2206167" cy="1123994"/>
+          </a:xfrm>
+        </p:grpSpPr>
+        <p:sp>
+          <p:nvSpPr>
+            <p:cNvPr id="54" name="직사각형 53">
+              <a:extLst>
+                <a:ext uri="{FF2B5EF4-FFF2-40B4-BE49-F238E27FC236}">
+                  <a16:creationId xmlns:a16="http://schemas.microsoft.com/office/drawing/2014/main" id="{4F407DE3-2F83-CB4D-A86D-85D3246BC301}"/>
+                </a:ext>
+              </a:extLst>
+            </p:cNvPr>
+            <p:cNvSpPr/>
+            <p:nvPr/>
+          </p:nvSpPr>
+          <p:spPr>
+            <a:xfrm>
+              <a:off x="3136973" y="760541"/>
+              <a:ext cx="2206167" cy="877773"/>
+            </a:xfrm>
+            <a:prstGeom prst="rect">
+              <a:avLst/>
+            </a:prstGeom>
+            <a:ln w="25400">
+              <a:solidFill>
+                <a:srgbClr val="5DA2C5"/>
+              </a:solidFill>
+            </a:ln>
+          </p:spPr>
+          <p:style>
+            <a:lnRef idx="1">
+              <a:schemeClr val="accent1"/>
+            </a:lnRef>
+            <a:fillRef idx="0">
+              <a:schemeClr val="accent1"/>
+            </a:fillRef>
+            <a:effectRef idx="0">
+              <a:schemeClr val="accent1"/>
+            </a:effectRef>
+            <a:fontRef idx="minor">
+              <a:schemeClr val="tx1"/>
+            </a:fontRef>
+          </p:style>
+          <p:txBody>
+            <a:bodyPr rtlCol="0" anchor="ctr"/>
+            <a:lstStyle/>
+            <a:p>
+              <a:pPr algn="ctr"/>
+              <a:endParaRPr kumimoji="1" lang="ko-Kore-KR" altLang="en-US"/>
+            </a:p>
+          </p:txBody>
+        </p:sp>
+        <p:sp>
+          <p:nvSpPr>
+            <p:cNvPr id="55" name="TextBox 54">
+              <a:extLst>
+                <a:ext uri="{FF2B5EF4-FFF2-40B4-BE49-F238E27FC236}">
+                  <a16:creationId xmlns:a16="http://schemas.microsoft.com/office/drawing/2014/main" id="{6883C627-1DBD-A14F-86CB-770B0F0C0481}"/>
+                </a:ext>
+              </a:extLst>
+            </p:cNvPr>
+            <p:cNvSpPr txBox="1"/>
+            <p:nvPr/>
+          </p:nvSpPr>
+          <p:spPr>
+            <a:xfrm>
+              <a:off x="3400809" y="1060791"/>
+              <a:ext cx="1678494" cy="307777"/>
+            </a:xfrm>
+            <a:prstGeom prst="rect">
+              <a:avLst/>
+            </a:prstGeom>
+            <a:noFill/>
+          </p:spPr>
+          <p:txBody>
+            <a:bodyPr wrap="square" rtlCol="0">
+              <a:spAutoFit/>
+            </a:bodyPr>
+            <a:lstStyle/>
+            <a:p>
+              <a:pPr algn="ctr"/>
+              <a:r>
+                <a:rPr kumimoji="1" lang="en-US" altLang="ko-Kore-KR" sz="1400" b="1" dirty="0">
+                  <a:solidFill>
+                    <a:srgbClr val="5DA2C5"/>
+                  </a:solidFill>
+                  <a:latin typeface="SHeadG" panose="02030600000101010101" pitchFamily="18" charset="-127"/>
+                  <a:ea typeface="SHeadG" panose="02030600000101010101" pitchFamily="18" charset="-127"/>
+                </a:rPr>
+                <a:t>Port</a:t>
+              </a:r>
+              <a:endParaRPr kumimoji="1" lang="ko-Kore-KR" altLang="en-US" sz="1400" b="1" dirty="0">
+                <a:solidFill>
+                  <a:srgbClr val="5DA2C5"/>
+                </a:solidFill>
+                <a:latin typeface="SHeadG" panose="02030600000101010101" pitchFamily="18" charset="-127"/>
+                <a:ea typeface="SHeadG" panose="02030600000101010101" pitchFamily="18" charset="-127"/>
+              </a:endParaRPr>
+            </a:p>
+          </p:txBody>
+        </p:sp>
+        <p:sp>
+          <p:nvSpPr>
+            <p:cNvPr id="62" name="직사각형 61">
+              <a:extLst>
+                <a:ext uri="{FF2B5EF4-FFF2-40B4-BE49-F238E27FC236}">
+                  <a16:creationId xmlns:a16="http://schemas.microsoft.com/office/drawing/2014/main" id="{3F65A6E8-F62E-414D-ADA0-50ABA84A9286}"/>
+                </a:ext>
+              </a:extLst>
+            </p:cNvPr>
+            <p:cNvSpPr/>
+            <p:nvPr/>
+          </p:nvSpPr>
+          <p:spPr>
+            <a:xfrm>
+              <a:off x="3311190" y="989060"/>
+              <a:ext cx="1833648" cy="494090"/>
+            </a:xfrm>
+            <a:prstGeom prst="rect">
+              <a:avLst/>
+            </a:prstGeom>
+            <a:ln w="25400">
+              <a:solidFill>
+                <a:srgbClr val="5DA2C5"/>
+              </a:solidFill>
+            </a:ln>
+          </p:spPr>
+          <p:style>
+            <a:lnRef idx="1">
+              <a:schemeClr val="accent1"/>
+            </a:lnRef>
+            <a:fillRef idx="0">
+              <a:schemeClr val="accent1"/>
+            </a:fillRef>
+            <a:effectRef idx="0">
+              <a:schemeClr val="accent1"/>
+            </a:effectRef>
+            <a:fontRef idx="minor">
+              <a:schemeClr val="tx1"/>
+            </a:fontRef>
+          </p:style>
+          <p:txBody>
+            <a:bodyPr rtlCol="0" anchor="ctr"/>
+            <a:lstStyle/>
+            <a:p>
+              <a:pPr algn="ctr"/>
+              <a:endParaRPr kumimoji="1" lang="ko-Kore-KR" altLang="en-US"/>
+            </a:p>
+          </p:txBody>
+        </p:sp>
+        <p:sp>
+          <p:nvSpPr>
+            <p:cNvPr id="64" name="직사각형 63">
+              <a:extLst>
+                <a:ext uri="{FF2B5EF4-FFF2-40B4-BE49-F238E27FC236}">
+                  <a16:creationId xmlns:a16="http://schemas.microsoft.com/office/drawing/2014/main" id="{D2084002-BC9D-0E43-B0EA-1ECC3BB7C81B}"/>
+                </a:ext>
+              </a:extLst>
+            </p:cNvPr>
+            <p:cNvSpPr/>
+            <p:nvPr/>
+          </p:nvSpPr>
+          <p:spPr>
+            <a:xfrm>
+              <a:off x="3141345" y="514320"/>
+              <a:ext cx="1739088" cy="246221"/>
+            </a:xfrm>
+            <a:prstGeom prst="rect">
+              <a:avLst/>
+            </a:prstGeom>
+            <a:ln w="25400">
+              <a:solidFill>
+                <a:srgbClr val="5DA2C5"/>
+              </a:solidFill>
+            </a:ln>
+          </p:spPr>
+          <p:style>
+            <a:lnRef idx="1">
+              <a:schemeClr val="accent1"/>
+            </a:lnRef>
+            <a:fillRef idx="0">
+              <a:schemeClr val="accent1"/>
+            </a:fillRef>
+            <a:effectRef idx="0">
+              <a:schemeClr val="accent1"/>
+            </a:effectRef>
+            <a:fontRef idx="minor">
+              <a:schemeClr val="tx1"/>
+            </a:fontRef>
+          </p:style>
+          <p:txBody>
+            <a:bodyPr rtlCol="0" anchor="ctr"/>
+            <a:lstStyle/>
+            <a:p>
+              <a:pPr algn="ctr"/>
+              <a:endParaRPr kumimoji="1" lang="ko-Kore-KR" altLang="en-US"/>
+            </a:p>
+          </p:txBody>
+        </p:sp>
+        <p:sp>
+          <p:nvSpPr>
+            <p:cNvPr id="65" name="TextBox 64">
+              <a:extLst>
+                <a:ext uri="{FF2B5EF4-FFF2-40B4-BE49-F238E27FC236}">
+                  <a16:creationId xmlns:a16="http://schemas.microsoft.com/office/drawing/2014/main" id="{1B1412D4-A1C4-7545-A76B-C8B949F51036}"/>
+                </a:ext>
+              </a:extLst>
+            </p:cNvPr>
+            <p:cNvSpPr txBox="1"/>
+            <p:nvPr/>
+          </p:nvSpPr>
+          <p:spPr>
+            <a:xfrm>
+              <a:off x="3136974" y="532024"/>
+              <a:ext cx="1633289" cy="246221"/>
+            </a:xfrm>
+            <a:prstGeom prst="rect">
+              <a:avLst/>
+            </a:prstGeom>
+            <a:noFill/>
+          </p:spPr>
+          <p:txBody>
+            <a:bodyPr wrap="square" rtlCol="0">
+              <a:spAutoFit/>
+            </a:bodyPr>
+            <a:lstStyle/>
+            <a:p>
+              <a:r>
+                <a:rPr kumimoji="1" lang="en-US" altLang="ko-Kore-KR" sz="1000" dirty="0" err="1">
+                  <a:solidFill>
+                    <a:srgbClr val="5DA2C5"/>
+                  </a:solidFill>
+                  <a:latin typeface="SHeadG" panose="02030600000101010101" pitchFamily="18" charset="-127"/>
+                  <a:ea typeface="SHeadG" panose="02030600000101010101" pitchFamily="18" charset="-127"/>
+                </a:rPr>
+                <a:t>application.port.in</a:t>
+              </a:r>
+              <a:endParaRPr kumimoji="1" lang="ko-Kore-KR" altLang="en-US" sz="1000" dirty="0">
+                <a:solidFill>
+                  <a:srgbClr val="5DA2C5"/>
+                </a:solidFill>
+                <a:latin typeface="SHeadG" panose="02030600000101010101" pitchFamily="18" charset="-127"/>
+                <a:ea typeface="SHeadG" panose="02030600000101010101" pitchFamily="18" charset="-127"/>
+              </a:endParaRPr>
+            </a:p>
+          </p:txBody>
+        </p:sp>
+        <p:sp>
+          <p:nvSpPr>
+            <p:cNvPr id="89" name="TextBox 88">
+              <a:extLst>
+                <a:ext uri="{FF2B5EF4-FFF2-40B4-BE49-F238E27FC236}">
+                  <a16:creationId xmlns:a16="http://schemas.microsoft.com/office/drawing/2014/main" id="{90543B25-E647-C041-B7EF-6C855EC1A951}"/>
+                </a:ext>
+              </a:extLst>
+            </p:cNvPr>
+            <p:cNvSpPr txBox="1"/>
+            <p:nvPr/>
+          </p:nvSpPr>
+          <p:spPr>
+            <a:xfrm>
+              <a:off x="3735174" y="874478"/>
+              <a:ext cx="985680" cy="246221"/>
+            </a:xfrm>
+            <a:prstGeom prst="rect">
+              <a:avLst/>
+            </a:prstGeom>
+            <a:solidFill>
+              <a:schemeClr val="bg1"/>
+            </a:solidFill>
+          </p:spPr>
+          <p:txBody>
+            <a:bodyPr wrap="square" rtlCol="0">
+              <a:spAutoFit/>
+            </a:bodyPr>
+            <a:lstStyle/>
+            <a:p>
+              <a:pPr algn="ctr"/>
+              <a:r>
+                <a:rPr kumimoji="1" lang="en-US" altLang="ko-Kore-KR" sz="1000" dirty="0">
+                  <a:solidFill>
+                    <a:srgbClr val="5DA2C5"/>
+                  </a:solidFill>
+                  <a:latin typeface="SHeadG" panose="02030600000101010101" pitchFamily="18" charset="-127"/>
+                  <a:ea typeface="SHeadG" panose="02030600000101010101" pitchFamily="18" charset="-127"/>
+                </a:rPr>
+                <a:t>&lt;&lt;Interface&gt;&gt;</a:t>
+              </a:r>
+              <a:endParaRPr kumimoji="1" lang="ko-Kore-KR" altLang="en-US" sz="1000" dirty="0">
+                <a:solidFill>
+                  <a:srgbClr val="5DA2C5"/>
+                </a:solidFill>
+                <a:latin typeface="SHeadG" panose="02030600000101010101" pitchFamily="18" charset="-127"/>
+                <a:ea typeface="SHeadG" panose="02030600000101010101" pitchFamily="18" charset="-127"/>
+              </a:endParaRPr>
+            </a:p>
+          </p:txBody>
+        </p:sp>
+      </p:grpSp>
+      <p:cxnSp>
+        <p:nvCxnSpPr>
+          <p:cNvPr id="18" name="직선 연결선[R] 17">
+            <a:extLst>
+              <a:ext uri="{FF2B5EF4-FFF2-40B4-BE49-F238E27FC236}">
+                <a16:creationId xmlns:a16="http://schemas.microsoft.com/office/drawing/2014/main" id="{66694B40-044D-E446-AABC-F2AA92C9617E}"/>
+              </a:ext>
+            </a:extLst>
+          </p:cNvPr>
+          <p:cNvCxnSpPr/>
+          <p:nvPr/>
+        </p:nvCxnSpPr>
+        <p:spPr>
+          <a:xfrm>
+            <a:off x="2943133" y="219919"/>
+            <a:ext cx="0" cy="2882096"/>
+          </a:xfrm>
+          <a:prstGeom prst="line">
+            <a:avLst/>
+          </a:prstGeom>
+          <a:ln w="25400">
+            <a:solidFill>
+              <a:srgbClr val="5DA2C5"/>
+            </a:solidFill>
+            <a:prstDash val="dash"/>
+          </a:ln>
+        </p:spPr>
+        <p:style>
+          <a:lnRef idx="1">
+            <a:schemeClr val="accent1"/>
+          </a:lnRef>
+          <a:fillRef idx="0">
+            <a:schemeClr val="accent1"/>
+          </a:fillRef>
+          <a:effectRef idx="0">
+            <a:schemeClr val="accent1"/>
+          </a:effectRef>
+          <a:fontRef idx="minor">
+            <a:schemeClr val="tx1"/>
+          </a:fontRef>
+        </p:style>
+      </p:cxnSp>
+      <p:grpSp>
+        <p:nvGrpSpPr>
+          <p:cNvPr id="81" name="그룹 80">
+            <a:extLst>
+              <a:ext uri="{FF2B5EF4-FFF2-40B4-BE49-F238E27FC236}">
+                <a16:creationId xmlns:a16="http://schemas.microsoft.com/office/drawing/2014/main" id="{D582C29B-8CA2-D348-AC43-889C1CFF9744}"/>
+              </a:ext>
+            </a:extLst>
+          </p:cNvPr>
+          <p:cNvGrpSpPr/>
+          <p:nvPr/>
+        </p:nvGrpSpPr>
+        <p:grpSpPr>
+          <a:xfrm>
+            <a:off x="3124931" y="1777283"/>
+            <a:ext cx="2206167" cy="1123994"/>
+            <a:chOff x="3136973" y="514320"/>
+            <a:chExt cx="2206167" cy="1123994"/>
+          </a:xfrm>
+        </p:grpSpPr>
+        <p:sp>
+          <p:nvSpPr>
+            <p:cNvPr id="84" name="직사각형 83">
+              <a:extLst>
+                <a:ext uri="{FF2B5EF4-FFF2-40B4-BE49-F238E27FC236}">
+                  <a16:creationId xmlns:a16="http://schemas.microsoft.com/office/drawing/2014/main" id="{9D600E02-BED0-BC41-AFF0-C0EC02D484CC}"/>
+                </a:ext>
+              </a:extLst>
+            </p:cNvPr>
+            <p:cNvSpPr/>
+            <p:nvPr/>
+          </p:nvSpPr>
+          <p:spPr>
+            <a:xfrm>
+              <a:off x="3136973" y="760541"/>
+              <a:ext cx="2206167" cy="877773"/>
+            </a:xfrm>
+            <a:prstGeom prst="rect">
+              <a:avLst/>
+            </a:prstGeom>
+            <a:ln w="25400">
+              <a:solidFill>
+                <a:srgbClr val="5DA2C5"/>
+              </a:solidFill>
+            </a:ln>
+          </p:spPr>
+          <p:style>
+            <a:lnRef idx="1">
+              <a:schemeClr val="accent1"/>
+            </a:lnRef>
+            <a:fillRef idx="0">
+              <a:schemeClr val="accent1"/>
+            </a:fillRef>
+            <a:effectRef idx="0">
+              <a:schemeClr val="accent1"/>
+            </a:effectRef>
+            <a:fontRef idx="minor">
+              <a:schemeClr val="tx1"/>
+            </a:fontRef>
+          </p:style>
+          <p:txBody>
+            <a:bodyPr rtlCol="0" anchor="ctr"/>
+            <a:lstStyle/>
+            <a:p>
+              <a:pPr algn="ctr"/>
+              <a:endParaRPr kumimoji="1" lang="ko-Kore-KR" altLang="en-US"/>
+            </a:p>
+          </p:txBody>
+        </p:sp>
+        <p:sp>
+          <p:nvSpPr>
+            <p:cNvPr id="85" name="TextBox 84">
+              <a:extLst>
+                <a:ext uri="{FF2B5EF4-FFF2-40B4-BE49-F238E27FC236}">
+                  <a16:creationId xmlns:a16="http://schemas.microsoft.com/office/drawing/2014/main" id="{B41B5936-A2BA-8A42-9E6A-236C53232E99}"/>
+                </a:ext>
+              </a:extLst>
+            </p:cNvPr>
+            <p:cNvSpPr txBox="1"/>
+            <p:nvPr/>
+          </p:nvSpPr>
+          <p:spPr>
+            <a:xfrm>
+              <a:off x="3400809" y="1060791"/>
+              <a:ext cx="1678494" cy="307777"/>
+            </a:xfrm>
+            <a:prstGeom prst="rect">
+              <a:avLst/>
+            </a:prstGeom>
+            <a:noFill/>
+          </p:spPr>
+          <p:txBody>
+            <a:bodyPr wrap="square" rtlCol="0">
+              <a:spAutoFit/>
+            </a:bodyPr>
+            <a:lstStyle/>
+            <a:p>
+              <a:pPr algn="ctr"/>
+              <a:r>
+                <a:rPr kumimoji="1" lang="en-US" altLang="ko-Kore-KR" sz="1400" b="1" dirty="0">
+                  <a:solidFill>
+                    <a:srgbClr val="5DA2C5"/>
+                  </a:solidFill>
+                  <a:latin typeface="SHeadG" panose="02030600000101010101" pitchFamily="18" charset="-127"/>
+                  <a:ea typeface="SHeadG" panose="02030600000101010101" pitchFamily="18" charset="-127"/>
+                </a:rPr>
+                <a:t>Port</a:t>
+              </a:r>
+              <a:endParaRPr kumimoji="1" lang="ko-Kore-KR" altLang="en-US" sz="1400" b="1" dirty="0">
+                <a:solidFill>
+                  <a:srgbClr val="5DA2C5"/>
+                </a:solidFill>
+                <a:latin typeface="SHeadG" panose="02030600000101010101" pitchFamily="18" charset="-127"/>
+                <a:ea typeface="SHeadG" panose="02030600000101010101" pitchFamily="18" charset="-127"/>
+              </a:endParaRPr>
+            </a:p>
+          </p:txBody>
+        </p:sp>
+        <p:sp>
+          <p:nvSpPr>
+            <p:cNvPr id="92" name="직사각형 91">
+              <a:extLst>
+                <a:ext uri="{FF2B5EF4-FFF2-40B4-BE49-F238E27FC236}">
+                  <a16:creationId xmlns:a16="http://schemas.microsoft.com/office/drawing/2014/main" id="{092753D2-1428-0542-B68D-718237DF5359}"/>
+                </a:ext>
+              </a:extLst>
+            </p:cNvPr>
+            <p:cNvSpPr/>
+            <p:nvPr/>
+          </p:nvSpPr>
+          <p:spPr>
+            <a:xfrm>
+              <a:off x="3311190" y="989060"/>
+              <a:ext cx="1833648" cy="494090"/>
+            </a:xfrm>
+            <a:prstGeom prst="rect">
+              <a:avLst/>
+            </a:prstGeom>
+            <a:ln w="25400">
+              <a:solidFill>
+                <a:srgbClr val="5DA2C5"/>
+              </a:solidFill>
+            </a:ln>
+          </p:spPr>
+          <p:style>
+            <a:lnRef idx="1">
+              <a:schemeClr val="accent1"/>
+            </a:lnRef>
+            <a:fillRef idx="0">
+              <a:schemeClr val="accent1"/>
+            </a:fillRef>
+            <a:effectRef idx="0">
+              <a:schemeClr val="accent1"/>
+            </a:effectRef>
+            <a:fontRef idx="minor">
+              <a:schemeClr val="tx1"/>
+            </a:fontRef>
+          </p:style>
+          <p:txBody>
+            <a:bodyPr rtlCol="0" anchor="ctr"/>
+            <a:lstStyle/>
+            <a:p>
+              <a:pPr algn="ctr"/>
+              <a:endParaRPr kumimoji="1" lang="ko-Kore-KR" altLang="en-US"/>
+            </a:p>
+          </p:txBody>
+        </p:sp>
+        <p:sp>
+          <p:nvSpPr>
+            <p:cNvPr id="93" name="직사각형 92">
+              <a:extLst>
+                <a:ext uri="{FF2B5EF4-FFF2-40B4-BE49-F238E27FC236}">
+                  <a16:creationId xmlns:a16="http://schemas.microsoft.com/office/drawing/2014/main" id="{374EC663-FD60-624A-A94D-25F7A7ECC395}"/>
+                </a:ext>
+              </a:extLst>
+            </p:cNvPr>
+            <p:cNvSpPr/>
+            <p:nvPr/>
+          </p:nvSpPr>
+          <p:spPr>
+            <a:xfrm>
+              <a:off x="3141345" y="514320"/>
+              <a:ext cx="1739088" cy="246221"/>
+            </a:xfrm>
+            <a:prstGeom prst="rect">
+              <a:avLst/>
+            </a:prstGeom>
+            <a:ln w="25400">
+              <a:solidFill>
+                <a:srgbClr val="5DA2C5"/>
+              </a:solidFill>
+            </a:ln>
+          </p:spPr>
+          <p:style>
+            <a:lnRef idx="1">
+              <a:schemeClr val="accent1"/>
+            </a:lnRef>
+            <a:fillRef idx="0">
+              <a:schemeClr val="accent1"/>
+            </a:fillRef>
+            <a:effectRef idx="0">
+              <a:schemeClr val="accent1"/>
+            </a:effectRef>
+            <a:fontRef idx="minor">
+              <a:schemeClr val="tx1"/>
+            </a:fontRef>
+          </p:style>
+          <p:txBody>
+            <a:bodyPr rtlCol="0" anchor="ctr"/>
+            <a:lstStyle/>
+            <a:p>
+              <a:pPr algn="ctr"/>
+              <a:endParaRPr kumimoji="1" lang="ko-Kore-KR" altLang="en-US"/>
+            </a:p>
+          </p:txBody>
+        </p:sp>
+        <p:sp>
+          <p:nvSpPr>
+            <p:cNvPr id="102" name="TextBox 101">
+              <a:extLst>
+                <a:ext uri="{FF2B5EF4-FFF2-40B4-BE49-F238E27FC236}">
+                  <a16:creationId xmlns:a16="http://schemas.microsoft.com/office/drawing/2014/main" id="{017B6567-6003-8244-B2E7-2F54E80E3394}"/>
+                </a:ext>
+              </a:extLst>
+            </p:cNvPr>
+            <p:cNvSpPr txBox="1"/>
+            <p:nvPr/>
+          </p:nvSpPr>
+          <p:spPr>
+            <a:xfrm>
+              <a:off x="3136974" y="532024"/>
+              <a:ext cx="1633289" cy="246221"/>
+            </a:xfrm>
+            <a:prstGeom prst="rect">
+              <a:avLst/>
+            </a:prstGeom>
+            <a:noFill/>
+          </p:spPr>
+          <p:txBody>
+            <a:bodyPr wrap="square" rtlCol="0">
+              <a:spAutoFit/>
+            </a:bodyPr>
+            <a:lstStyle/>
+            <a:p>
+              <a:r>
+                <a:rPr kumimoji="1" lang="en-US" altLang="ko-Kore-KR" sz="1000" dirty="0" err="1">
+                  <a:solidFill>
+                    <a:srgbClr val="5DA2C5"/>
+                  </a:solidFill>
+                  <a:latin typeface="SHeadG" panose="02030600000101010101" pitchFamily="18" charset="-127"/>
+                  <a:ea typeface="SHeadG" panose="02030600000101010101" pitchFamily="18" charset="-127"/>
+                </a:rPr>
+                <a:t>application.port.out</a:t>
+              </a:r>
+              <a:endParaRPr kumimoji="1" lang="ko-Kore-KR" altLang="en-US" sz="1000" dirty="0">
+                <a:solidFill>
+                  <a:srgbClr val="5DA2C5"/>
+                </a:solidFill>
+                <a:latin typeface="SHeadG" panose="02030600000101010101" pitchFamily="18" charset="-127"/>
+                <a:ea typeface="SHeadG" panose="02030600000101010101" pitchFamily="18" charset="-127"/>
+              </a:endParaRPr>
+            </a:p>
+          </p:txBody>
+        </p:sp>
+        <p:sp>
+          <p:nvSpPr>
+            <p:cNvPr id="103" name="TextBox 102">
+              <a:extLst>
+                <a:ext uri="{FF2B5EF4-FFF2-40B4-BE49-F238E27FC236}">
+                  <a16:creationId xmlns:a16="http://schemas.microsoft.com/office/drawing/2014/main" id="{02D480D8-B94E-A54C-BEDB-3F5A3F0459E4}"/>
+                </a:ext>
+              </a:extLst>
+            </p:cNvPr>
+            <p:cNvSpPr txBox="1"/>
+            <p:nvPr/>
+          </p:nvSpPr>
+          <p:spPr>
+            <a:xfrm>
+              <a:off x="3735174" y="874478"/>
+              <a:ext cx="985680" cy="246221"/>
+            </a:xfrm>
+            <a:prstGeom prst="rect">
+              <a:avLst/>
+            </a:prstGeom>
+            <a:solidFill>
+              <a:schemeClr val="bg1"/>
+            </a:solidFill>
+          </p:spPr>
+          <p:txBody>
+            <a:bodyPr wrap="square" rtlCol="0">
+              <a:spAutoFit/>
+            </a:bodyPr>
+            <a:lstStyle/>
+            <a:p>
+              <a:pPr algn="ctr"/>
+              <a:r>
+                <a:rPr kumimoji="1" lang="en-US" altLang="ko-Kore-KR" sz="1000" dirty="0">
+                  <a:solidFill>
+                    <a:srgbClr val="5DA2C5"/>
+                  </a:solidFill>
+                  <a:latin typeface="SHeadG" panose="02030600000101010101" pitchFamily="18" charset="-127"/>
+                  <a:ea typeface="SHeadG" panose="02030600000101010101" pitchFamily="18" charset="-127"/>
+                </a:rPr>
+                <a:t>&lt;&lt;Interface&gt;&gt;</a:t>
+              </a:r>
+              <a:endParaRPr kumimoji="1" lang="ko-Kore-KR" altLang="en-US" sz="1000" dirty="0">
+                <a:solidFill>
+                  <a:srgbClr val="5DA2C5"/>
+                </a:solidFill>
+                <a:latin typeface="SHeadG" panose="02030600000101010101" pitchFamily="18" charset="-127"/>
+                <a:ea typeface="SHeadG" panose="02030600000101010101" pitchFamily="18" charset="-127"/>
+              </a:endParaRPr>
+            </a:p>
+          </p:txBody>
+        </p:sp>
+      </p:grpSp>
+    </p:spTree>
+    <p:extLst>
+      <p:ext uri="{BB962C8B-B14F-4D97-AF65-F5344CB8AC3E}">
+        <p14:creationId xmlns:p14="http://schemas.microsoft.com/office/powerpoint/2010/main" val="2255439238"/>
+      </p:ext>
+    </p:extLst>
+  </p:cSld>
+  <p:clrMapOvr>
+    <a:masterClrMapping/>
+  </p:clrMapOvr>
+</p:sld>
+</file>
+
 <file path=ppt/theme/theme1.xml><?xml version="1.0" encoding="utf-8"?>
 <a:theme xmlns:a="http://schemas.openxmlformats.org/drawingml/2006/main" name="Office 테마">
   <a:themeElements>

--- a/Get Your Hands Dirty on Clean Architecture/ref/프레젠테이션1.pptx
+++ b/Get Your Hands Dirty on Clean Architecture/ref/프레젠테이션1.pptx
@@ -18,6 +18,7 @@
     <p:sldId id="269" r:id="rId12"/>
     <p:sldId id="270" r:id="rId13"/>
     <p:sldId id="271" r:id="rId14"/>
+    <p:sldId id="272" r:id="rId15"/>
   </p:sldIdLst>
   <p:sldSz cx="12192000" cy="6858000"/>
   <p:notesSz cx="6858000" cy="9144000"/>
@@ -14947,6 +14948,3266 @@
     <p:extLst>
       <p:ext uri="{BB962C8B-B14F-4D97-AF65-F5344CB8AC3E}">
         <p14:creationId xmlns:p14="http://schemas.microsoft.com/office/powerpoint/2010/main" val="2822889537"/>
+      </p:ext>
+    </p:extLst>
+  </p:cSld>
+  <p:clrMapOvr>
+    <a:masterClrMapping/>
+  </p:clrMapOvr>
+</p:sld>
+</file>
+
+<file path=ppt/slides/slide14.xml><?xml version="1.0" encoding="utf-8"?>
+<p:sld xmlns:a="http://schemas.openxmlformats.org/drawingml/2006/main" xmlns:r="http://schemas.openxmlformats.org/officeDocument/2006/relationships" xmlns:p="http://schemas.openxmlformats.org/presentationml/2006/main">
+  <p:cSld>
+    <p:spTree>
+      <p:nvGrpSpPr>
+        <p:cNvPr id="1" name=""/>
+        <p:cNvGrpSpPr/>
+        <p:nvPr/>
+      </p:nvGrpSpPr>
+      <p:grpSpPr>
+        <a:xfrm>
+          <a:off x="0" y="0"/>
+          <a:ext cx="0" cy="0"/>
+          <a:chOff x="0" y="0"/>
+          <a:chExt cx="0" cy="0"/>
+        </a:xfrm>
+      </p:grpSpPr>
+      <p:grpSp>
+        <p:nvGrpSpPr>
+          <p:cNvPr id="3" name="그룹 2">
+            <a:extLst>
+              <a:ext uri="{FF2B5EF4-FFF2-40B4-BE49-F238E27FC236}">
+                <a16:creationId xmlns:a16="http://schemas.microsoft.com/office/drawing/2014/main" id="{4265C307-D932-854A-86D8-442C50842B87}"/>
+              </a:ext>
+            </a:extLst>
+          </p:cNvPr>
+          <p:cNvGrpSpPr/>
+          <p:nvPr/>
+        </p:nvGrpSpPr>
+        <p:grpSpPr>
+          <a:xfrm>
+            <a:off x="688457" y="542690"/>
+            <a:ext cx="1833648" cy="619272"/>
+            <a:chOff x="688457" y="542690"/>
+            <a:chExt cx="1833648" cy="619272"/>
+          </a:xfrm>
+        </p:grpSpPr>
+        <p:sp>
+          <p:nvSpPr>
+            <p:cNvPr id="8" name="TextBox 7">
+              <a:extLst>
+                <a:ext uri="{FF2B5EF4-FFF2-40B4-BE49-F238E27FC236}">
+                  <a16:creationId xmlns:a16="http://schemas.microsoft.com/office/drawing/2014/main" id="{77572058-CFAD-E24D-860C-92E549F63693}"/>
+                </a:ext>
+              </a:extLst>
+            </p:cNvPr>
+            <p:cNvSpPr txBox="1"/>
+            <p:nvPr/>
+          </p:nvSpPr>
+          <p:spPr>
+            <a:xfrm>
+              <a:off x="765148" y="585839"/>
+              <a:ext cx="1684137" cy="523220"/>
+            </a:xfrm>
+            <a:prstGeom prst="rect">
+              <a:avLst/>
+            </a:prstGeom>
+            <a:noFill/>
+          </p:spPr>
+          <p:txBody>
+            <a:bodyPr wrap="square" rtlCol="0">
+              <a:spAutoFit/>
+            </a:bodyPr>
+            <a:lstStyle/>
+            <a:p>
+              <a:pPr algn="ctr"/>
+              <a:r>
+                <a:rPr kumimoji="1" lang="en-US" altLang="ko-Kore-KR" sz="1400" b="1" dirty="0">
+                  <a:solidFill>
+                    <a:srgbClr val="5DA2C5"/>
+                  </a:solidFill>
+                  <a:latin typeface="SHeadG" panose="02030600000101010101" pitchFamily="18" charset="-127"/>
+                  <a:ea typeface="SHeadG" panose="02030600000101010101" pitchFamily="18" charset="-127"/>
+                </a:rPr>
+                <a:t>Account</a:t>
+              </a:r>
+            </a:p>
+            <a:p>
+              <a:pPr algn="ctr"/>
+              <a:r>
+                <a:rPr kumimoji="1" lang="en-US" altLang="ko-Kore-KR" sz="1400" b="1" dirty="0">
+                  <a:solidFill>
+                    <a:srgbClr val="5DA2C5"/>
+                  </a:solidFill>
+                  <a:latin typeface="SHeadG" panose="02030600000101010101" pitchFamily="18" charset="-127"/>
+                  <a:ea typeface="SHeadG" panose="02030600000101010101" pitchFamily="18" charset="-127"/>
+                </a:rPr>
+                <a:t>Controller</a:t>
+              </a:r>
+            </a:p>
+          </p:txBody>
+        </p:sp>
+        <p:sp>
+          <p:nvSpPr>
+            <p:cNvPr id="9" name="직사각형 8">
+              <a:extLst>
+                <a:ext uri="{FF2B5EF4-FFF2-40B4-BE49-F238E27FC236}">
+                  <a16:creationId xmlns:a16="http://schemas.microsoft.com/office/drawing/2014/main" id="{40F22511-798E-6C48-8F86-211F62E0D145}"/>
+                </a:ext>
+              </a:extLst>
+            </p:cNvPr>
+            <p:cNvSpPr/>
+            <p:nvPr/>
+          </p:nvSpPr>
+          <p:spPr>
+            <a:xfrm>
+              <a:off x="688457" y="542690"/>
+              <a:ext cx="1833648" cy="619272"/>
+            </a:xfrm>
+            <a:prstGeom prst="rect">
+              <a:avLst/>
+            </a:prstGeom>
+            <a:ln w="25400">
+              <a:solidFill>
+                <a:srgbClr val="5DA2C5"/>
+              </a:solidFill>
+            </a:ln>
+          </p:spPr>
+          <p:style>
+            <a:lnRef idx="1">
+              <a:schemeClr val="accent1"/>
+            </a:lnRef>
+            <a:fillRef idx="0">
+              <a:schemeClr val="accent1"/>
+            </a:fillRef>
+            <a:effectRef idx="0">
+              <a:schemeClr val="accent1"/>
+            </a:effectRef>
+            <a:fontRef idx="minor">
+              <a:schemeClr val="tx1"/>
+            </a:fontRef>
+          </p:style>
+          <p:txBody>
+            <a:bodyPr rtlCol="0" anchor="ctr"/>
+            <a:lstStyle/>
+            <a:p>
+              <a:pPr algn="ctr"/>
+              <a:endParaRPr kumimoji="1" lang="ko-Kore-KR" altLang="en-US"/>
+            </a:p>
+          </p:txBody>
+        </p:sp>
+      </p:grpSp>
+      <p:grpSp>
+        <p:nvGrpSpPr>
+          <p:cNvPr id="11" name="그룹 10">
+            <a:extLst>
+              <a:ext uri="{FF2B5EF4-FFF2-40B4-BE49-F238E27FC236}">
+                <a16:creationId xmlns:a16="http://schemas.microsoft.com/office/drawing/2014/main" id="{2F9D5B0D-C213-9549-9C9B-390890EE970D}"/>
+              </a:ext>
+            </a:extLst>
+          </p:cNvPr>
+          <p:cNvGrpSpPr/>
+          <p:nvPr/>
+        </p:nvGrpSpPr>
+        <p:grpSpPr>
+          <a:xfrm>
+            <a:off x="2941800" y="542690"/>
+            <a:ext cx="1833648" cy="619272"/>
+            <a:chOff x="688457" y="542690"/>
+            <a:chExt cx="1833648" cy="619272"/>
+          </a:xfrm>
+        </p:grpSpPr>
+        <p:sp>
+          <p:nvSpPr>
+            <p:cNvPr id="12" name="TextBox 11">
+              <a:extLst>
+                <a:ext uri="{FF2B5EF4-FFF2-40B4-BE49-F238E27FC236}">
+                  <a16:creationId xmlns:a16="http://schemas.microsoft.com/office/drawing/2014/main" id="{765CE9E9-C848-124A-9973-4590894A1DA3}"/>
+                </a:ext>
+              </a:extLst>
+            </p:cNvPr>
+            <p:cNvSpPr txBox="1"/>
+            <p:nvPr/>
+          </p:nvSpPr>
+          <p:spPr>
+            <a:xfrm>
+              <a:off x="765148" y="585839"/>
+              <a:ext cx="1684137" cy="523220"/>
+            </a:xfrm>
+            <a:prstGeom prst="rect">
+              <a:avLst/>
+            </a:prstGeom>
+            <a:noFill/>
+          </p:spPr>
+          <p:txBody>
+            <a:bodyPr wrap="square" rtlCol="0">
+              <a:spAutoFit/>
+            </a:bodyPr>
+            <a:lstStyle/>
+            <a:p>
+              <a:pPr algn="ctr"/>
+              <a:r>
+                <a:rPr kumimoji="1" lang="en-US" altLang="ko-Kore-KR" sz="1400" b="1" dirty="0" err="1">
+                  <a:solidFill>
+                    <a:srgbClr val="5DA2C5"/>
+                  </a:solidFill>
+                  <a:latin typeface="SHeadG" panose="02030600000101010101" pitchFamily="18" charset="-127"/>
+                  <a:ea typeface="SHeadG" panose="02030600000101010101" pitchFamily="18" charset="-127"/>
+                </a:rPr>
+                <a:t>SendMoney</a:t>
+              </a:r>
+              <a:endParaRPr kumimoji="1" lang="en-US" altLang="ko-Kore-KR" sz="1400" b="1" dirty="0">
+                <a:solidFill>
+                  <a:srgbClr val="5DA2C5"/>
+                </a:solidFill>
+                <a:latin typeface="SHeadG" panose="02030600000101010101" pitchFamily="18" charset="-127"/>
+                <a:ea typeface="SHeadG" panose="02030600000101010101" pitchFamily="18" charset="-127"/>
+              </a:endParaRPr>
+            </a:p>
+            <a:p>
+              <a:pPr algn="ctr"/>
+              <a:r>
+                <a:rPr kumimoji="1" lang="en-US" altLang="ko-Kore-KR" sz="1400" b="1" dirty="0" err="1">
+                  <a:solidFill>
+                    <a:srgbClr val="5DA2C5"/>
+                  </a:solidFill>
+                  <a:latin typeface="SHeadG" panose="02030600000101010101" pitchFamily="18" charset="-127"/>
+                  <a:ea typeface="SHeadG" panose="02030600000101010101" pitchFamily="18" charset="-127"/>
+                </a:rPr>
+                <a:t>UseCase</a:t>
+              </a:r>
+              <a:endParaRPr kumimoji="1" lang="en-US" altLang="ko-Kore-KR" sz="1400" b="1" dirty="0">
+                <a:solidFill>
+                  <a:srgbClr val="5DA2C5"/>
+                </a:solidFill>
+                <a:latin typeface="SHeadG" panose="02030600000101010101" pitchFamily="18" charset="-127"/>
+                <a:ea typeface="SHeadG" panose="02030600000101010101" pitchFamily="18" charset="-127"/>
+              </a:endParaRPr>
+            </a:p>
+          </p:txBody>
+        </p:sp>
+        <p:sp>
+          <p:nvSpPr>
+            <p:cNvPr id="13" name="직사각형 12">
+              <a:extLst>
+                <a:ext uri="{FF2B5EF4-FFF2-40B4-BE49-F238E27FC236}">
+                  <a16:creationId xmlns:a16="http://schemas.microsoft.com/office/drawing/2014/main" id="{96727435-71E8-2C43-8836-96B08D601A31}"/>
+                </a:ext>
+              </a:extLst>
+            </p:cNvPr>
+            <p:cNvSpPr/>
+            <p:nvPr/>
+          </p:nvSpPr>
+          <p:spPr>
+            <a:xfrm>
+              <a:off x="688457" y="542690"/>
+              <a:ext cx="1833648" cy="619272"/>
+            </a:xfrm>
+            <a:prstGeom prst="rect">
+              <a:avLst/>
+            </a:prstGeom>
+            <a:ln w="25400">
+              <a:solidFill>
+                <a:srgbClr val="5DA2C5"/>
+              </a:solidFill>
+            </a:ln>
+          </p:spPr>
+          <p:style>
+            <a:lnRef idx="1">
+              <a:schemeClr val="accent1"/>
+            </a:lnRef>
+            <a:fillRef idx="0">
+              <a:schemeClr val="accent1"/>
+            </a:fillRef>
+            <a:effectRef idx="0">
+              <a:schemeClr val="accent1"/>
+            </a:effectRef>
+            <a:fontRef idx="minor">
+              <a:schemeClr val="tx1"/>
+            </a:fontRef>
+          </p:style>
+          <p:txBody>
+            <a:bodyPr rtlCol="0" anchor="ctr"/>
+            <a:lstStyle/>
+            <a:p>
+              <a:pPr algn="ctr"/>
+              <a:endParaRPr kumimoji="1" lang="ko-Kore-KR" altLang="en-US"/>
+            </a:p>
+          </p:txBody>
+        </p:sp>
+      </p:grpSp>
+      <p:grpSp>
+        <p:nvGrpSpPr>
+          <p:cNvPr id="14" name="그룹 13">
+            <a:extLst>
+              <a:ext uri="{FF2B5EF4-FFF2-40B4-BE49-F238E27FC236}">
+                <a16:creationId xmlns:a16="http://schemas.microsoft.com/office/drawing/2014/main" id="{7F53C9F2-1BB4-3D40-8AF7-424E00FBEC0B}"/>
+              </a:ext>
+            </a:extLst>
+          </p:cNvPr>
+          <p:cNvGrpSpPr/>
+          <p:nvPr/>
+        </p:nvGrpSpPr>
+        <p:grpSpPr>
+          <a:xfrm>
+            <a:off x="5195143" y="537813"/>
+            <a:ext cx="1833648" cy="619272"/>
+            <a:chOff x="688457" y="542690"/>
+            <a:chExt cx="1833648" cy="619272"/>
+          </a:xfrm>
+        </p:grpSpPr>
+        <p:sp>
+          <p:nvSpPr>
+            <p:cNvPr id="15" name="TextBox 14">
+              <a:extLst>
+                <a:ext uri="{FF2B5EF4-FFF2-40B4-BE49-F238E27FC236}">
+                  <a16:creationId xmlns:a16="http://schemas.microsoft.com/office/drawing/2014/main" id="{C234DFA4-BC1B-214C-B3B1-1FA56F38D697}"/>
+                </a:ext>
+              </a:extLst>
+            </p:cNvPr>
+            <p:cNvSpPr txBox="1"/>
+            <p:nvPr/>
+          </p:nvSpPr>
+          <p:spPr>
+            <a:xfrm>
+              <a:off x="765148" y="585839"/>
+              <a:ext cx="1684137" cy="523220"/>
+            </a:xfrm>
+            <a:prstGeom prst="rect">
+              <a:avLst/>
+            </a:prstGeom>
+            <a:noFill/>
+          </p:spPr>
+          <p:txBody>
+            <a:bodyPr wrap="square" rtlCol="0">
+              <a:spAutoFit/>
+            </a:bodyPr>
+            <a:lstStyle/>
+            <a:p>
+              <a:pPr algn="ctr"/>
+              <a:r>
+                <a:rPr kumimoji="1" lang="en-US" altLang="ko-Kore-KR" sz="1400" b="1" dirty="0" err="1">
+                  <a:solidFill>
+                    <a:srgbClr val="5DA2C5"/>
+                  </a:solidFill>
+                  <a:latin typeface="SHeadG" panose="02030600000101010101" pitchFamily="18" charset="-127"/>
+                  <a:ea typeface="SHeadG" panose="02030600000101010101" pitchFamily="18" charset="-127"/>
+                </a:rPr>
+                <a:t>SendMoney</a:t>
+              </a:r>
+              <a:endParaRPr kumimoji="1" lang="en-US" altLang="ko-Kore-KR" sz="1400" b="1" dirty="0">
+                <a:solidFill>
+                  <a:srgbClr val="5DA2C5"/>
+                </a:solidFill>
+                <a:latin typeface="SHeadG" panose="02030600000101010101" pitchFamily="18" charset="-127"/>
+                <a:ea typeface="SHeadG" panose="02030600000101010101" pitchFamily="18" charset="-127"/>
+              </a:endParaRPr>
+            </a:p>
+            <a:p>
+              <a:pPr algn="ctr"/>
+              <a:r>
+                <a:rPr kumimoji="1" lang="en-US" altLang="ko-Kore-KR" sz="1400" b="1" dirty="0">
+                  <a:solidFill>
+                    <a:srgbClr val="5DA2C5"/>
+                  </a:solidFill>
+                  <a:latin typeface="SHeadG" panose="02030600000101010101" pitchFamily="18" charset="-127"/>
+                  <a:ea typeface="SHeadG" panose="02030600000101010101" pitchFamily="18" charset="-127"/>
+                </a:rPr>
+                <a:t>Service</a:t>
+              </a:r>
+            </a:p>
+          </p:txBody>
+        </p:sp>
+        <p:sp>
+          <p:nvSpPr>
+            <p:cNvPr id="16" name="직사각형 15">
+              <a:extLst>
+                <a:ext uri="{FF2B5EF4-FFF2-40B4-BE49-F238E27FC236}">
+                  <a16:creationId xmlns:a16="http://schemas.microsoft.com/office/drawing/2014/main" id="{5E88ABD1-624D-0F41-8FC3-F8B6C54DF4EF}"/>
+                </a:ext>
+              </a:extLst>
+            </p:cNvPr>
+            <p:cNvSpPr/>
+            <p:nvPr/>
+          </p:nvSpPr>
+          <p:spPr>
+            <a:xfrm>
+              <a:off x="688457" y="542690"/>
+              <a:ext cx="1833648" cy="619272"/>
+            </a:xfrm>
+            <a:prstGeom prst="rect">
+              <a:avLst/>
+            </a:prstGeom>
+            <a:ln w="25400">
+              <a:solidFill>
+                <a:srgbClr val="5DA2C5"/>
+              </a:solidFill>
+            </a:ln>
+          </p:spPr>
+          <p:style>
+            <a:lnRef idx="1">
+              <a:schemeClr val="accent1"/>
+            </a:lnRef>
+            <a:fillRef idx="0">
+              <a:schemeClr val="accent1"/>
+            </a:fillRef>
+            <a:effectRef idx="0">
+              <a:schemeClr val="accent1"/>
+            </a:effectRef>
+            <a:fontRef idx="minor">
+              <a:schemeClr val="tx1"/>
+            </a:fontRef>
+          </p:style>
+          <p:txBody>
+            <a:bodyPr rtlCol="0" anchor="ctr"/>
+            <a:lstStyle/>
+            <a:p>
+              <a:pPr algn="ctr"/>
+              <a:endParaRPr kumimoji="1" lang="ko-Kore-KR" altLang="en-US"/>
+            </a:p>
+          </p:txBody>
+        </p:sp>
+      </p:grpSp>
+      <p:grpSp>
+        <p:nvGrpSpPr>
+          <p:cNvPr id="17" name="그룹 16">
+            <a:extLst>
+              <a:ext uri="{FF2B5EF4-FFF2-40B4-BE49-F238E27FC236}">
+                <a16:creationId xmlns:a16="http://schemas.microsoft.com/office/drawing/2014/main" id="{01553AEF-63E2-964D-8C0E-E59591C72734}"/>
+              </a:ext>
+            </a:extLst>
+          </p:cNvPr>
+          <p:cNvGrpSpPr/>
+          <p:nvPr/>
+        </p:nvGrpSpPr>
+        <p:grpSpPr>
+          <a:xfrm>
+            <a:off x="7448486" y="532936"/>
+            <a:ext cx="1833648" cy="619272"/>
+            <a:chOff x="688457" y="542690"/>
+            <a:chExt cx="1833648" cy="619272"/>
+          </a:xfrm>
+        </p:grpSpPr>
+        <p:sp>
+          <p:nvSpPr>
+            <p:cNvPr id="18" name="TextBox 17">
+              <a:extLst>
+                <a:ext uri="{FF2B5EF4-FFF2-40B4-BE49-F238E27FC236}">
+                  <a16:creationId xmlns:a16="http://schemas.microsoft.com/office/drawing/2014/main" id="{1F576489-0A0E-E343-86B9-EE7A8343E404}"/>
+                </a:ext>
+              </a:extLst>
+            </p:cNvPr>
+            <p:cNvSpPr txBox="1"/>
+            <p:nvPr/>
+          </p:nvSpPr>
+          <p:spPr>
+            <a:xfrm>
+              <a:off x="765148" y="585839"/>
+              <a:ext cx="1684137" cy="523220"/>
+            </a:xfrm>
+            <a:prstGeom prst="rect">
+              <a:avLst/>
+            </a:prstGeom>
+            <a:noFill/>
+          </p:spPr>
+          <p:txBody>
+            <a:bodyPr wrap="square" rtlCol="0">
+              <a:spAutoFit/>
+            </a:bodyPr>
+            <a:lstStyle/>
+            <a:p>
+              <a:pPr algn="ctr"/>
+              <a:r>
+                <a:rPr kumimoji="1" lang="en-US" altLang="ko-Kore-KR" sz="1400" b="1" dirty="0" err="1">
+                  <a:solidFill>
+                    <a:srgbClr val="5DA2C5"/>
+                  </a:solidFill>
+                  <a:latin typeface="SHeadG" panose="02030600000101010101" pitchFamily="18" charset="-127"/>
+                  <a:ea typeface="SHeadG" panose="02030600000101010101" pitchFamily="18" charset="-127"/>
+                </a:rPr>
+                <a:t>UpdateAccount</a:t>
+              </a:r>
+              <a:endParaRPr kumimoji="1" lang="en-US" altLang="ko-Kore-KR" sz="1400" b="1" dirty="0">
+                <a:solidFill>
+                  <a:srgbClr val="5DA2C5"/>
+                </a:solidFill>
+                <a:latin typeface="SHeadG" panose="02030600000101010101" pitchFamily="18" charset="-127"/>
+                <a:ea typeface="SHeadG" panose="02030600000101010101" pitchFamily="18" charset="-127"/>
+              </a:endParaRPr>
+            </a:p>
+            <a:p>
+              <a:pPr algn="ctr"/>
+              <a:r>
+                <a:rPr kumimoji="1" lang="en-US" altLang="ko-Kore-KR" sz="1400" b="1" dirty="0" err="1">
+                  <a:solidFill>
+                    <a:srgbClr val="5DA2C5"/>
+                  </a:solidFill>
+                  <a:latin typeface="SHeadG" panose="02030600000101010101" pitchFamily="18" charset="-127"/>
+                  <a:ea typeface="SHeadG" panose="02030600000101010101" pitchFamily="18" charset="-127"/>
+                </a:rPr>
+                <a:t>StatePort</a:t>
+              </a:r>
+              <a:endParaRPr kumimoji="1" lang="en-US" altLang="ko-Kore-KR" sz="1400" b="1" dirty="0">
+                <a:solidFill>
+                  <a:srgbClr val="5DA2C5"/>
+                </a:solidFill>
+                <a:latin typeface="SHeadG" panose="02030600000101010101" pitchFamily="18" charset="-127"/>
+                <a:ea typeface="SHeadG" panose="02030600000101010101" pitchFamily="18" charset="-127"/>
+              </a:endParaRPr>
+            </a:p>
+          </p:txBody>
+        </p:sp>
+        <p:sp>
+          <p:nvSpPr>
+            <p:cNvPr id="19" name="직사각형 18">
+              <a:extLst>
+                <a:ext uri="{FF2B5EF4-FFF2-40B4-BE49-F238E27FC236}">
+                  <a16:creationId xmlns:a16="http://schemas.microsoft.com/office/drawing/2014/main" id="{F2564E02-97CE-3F49-AEB2-9964F7AE633B}"/>
+                </a:ext>
+              </a:extLst>
+            </p:cNvPr>
+            <p:cNvSpPr/>
+            <p:nvPr/>
+          </p:nvSpPr>
+          <p:spPr>
+            <a:xfrm>
+              <a:off x="688457" y="542690"/>
+              <a:ext cx="1833648" cy="619272"/>
+            </a:xfrm>
+            <a:prstGeom prst="rect">
+              <a:avLst/>
+            </a:prstGeom>
+            <a:ln w="25400">
+              <a:solidFill>
+                <a:srgbClr val="5DA2C5"/>
+              </a:solidFill>
+            </a:ln>
+          </p:spPr>
+          <p:style>
+            <a:lnRef idx="1">
+              <a:schemeClr val="accent1"/>
+            </a:lnRef>
+            <a:fillRef idx="0">
+              <a:schemeClr val="accent1"/>
+            </a:fillRef>
+            <a:effectRef idx="0">
+              <a:schemeClr val="accent1"/>
+            </a:effectRef>
+            <a:fontRef idx="minor">
+              <a:schemeClr val="tx1"/>
+            </a:fontRef>
+          </p:style>
+          <p:txBody>
+            <a:bodyPr rtlCol="0" anchor="ctr"/>
+            <a:lstStyle/>
+            <a:p>
+              <a:pPr algn="ctr"/>
+              <a:endParaRPr kumimoji="1" lang="ko-Kore-KR" altLang="en-US"/>
+            </a:p>
+          </p:txBody>
+        </p:sp>
+      </p:grpSp>
+      <p:grpSp>
+        <p:nvGrpSpPr>
+          <p:cNvPr id="20" name="그룹 19">
+            <a:extLst>
+              <a:ext uri="{FF2B5EF4-FFF2-40B4-BE49-F238E27FC236}">
+                <a16:creationId xmlns:a16="http://schemas.microsoft.com/office/drawing/2014/main" id="{EDF478EF-7B02-8041-9CB8-8F04456287E8}"/>
+              </a:ext>
+            </a:extLst>
+          </p:cNvPr>
+          <p:cNvGrpSpPr/>
+          <p:nvPr/>
+        </p:nvGrpSpPr>
+        <p:grpSpPr>
+          <a:xfrm>
+            <a:off x="9701829" y="528059"/>
+            <a:ext cx="1833648" cy="621541"/>
+            <a:chOff x="688457" y="542690"/>
+            <a:chExt cx="1833648" cy="621541"/>
+          </a:xfrm>
+        </p:grpSpPr>
+        <p:sp>
+          <p:nvSpPr>
+            <p:cNvPr id="21" name="TextBox 20">
+              <a:extLst>
+                <a:ext uri="{FF2B5EF4-FFF2-40B4-BE49-F238E27FC236}">
+                  <a16:creationId xmlns:a16="http://schemas.microsoft.com/office/drawing/2014/main" id="{898A6F73-9200-1349-976D-BFC865D62EC4}"/>
+                </a:ext>
+              </a:extLst>
+            </p:cNvPr>
+            <p:cNvSpPr txBox="1"/>
+            <p:nvPr/>
+          </p:nvSpPr>
+          <p:spPr>
+            <a:xfrm>
+              <a:off x="765148" y="564067"/>
+              <a:ext cx="1684137" cy="600164"/>
+            </a:xfrm>
+            <a:prstGeom prst="rect">
+              <a:avLst/>
+            </a:prstGeom>
+            <a:noFill/>
+          </p:spPr>
+          <p:txBody>
+            <a:bodyPr wrap="square" rtlCol="0">
+              <a:spAutoFit/>
+            </a:bodyPr>
+            <a:lstStyle/>
+            <a:p>
+              <a:pPr algn="ctr"/>
+              <a:r>
+                <a:rPr kumimoji="1" lang="en-US" altLang="ko-Kore-KR" sz="1100" b="1" dirty="0">
+                  <a:solidFill>
+                    <a:srgbClr val="5DA2C5"/>
+                  </a:solidFill>
+                  <a:latin typeface="SHeadG" panose="02030600000101010101" pitchFamily="18" charset="-127"/>
+                  <a:ea typeface="SHeadG" panose="02030600000101010101" pitchFamily="18" charset="-127"/>
+                </a:rPr>
+                <a:t>Account </a:t>
+              </a:r>
+            </a:p>
+            <a:p>
+              <a:pPr algn="ctr"/>
+              <a:r>
+                <a:rPr kumimoji="1" lang="en-US" altLang="ko-Kore-KR" sz="1100" b="1" dirty="0">
+                  <a:solidFill>
+                    <a:srgbClr val="5DA2C5"/>
+                  </a:solidFill>
+                  <a:latin typeface="SHeadG" panose="02030600000101010101" pitchFamily="18" charset="-127"/>
+                  <a:ea typeface="SHeadG" panose="02030600000101010101" pitchFamily="18" charset="-127"/>
+                </a:rPr>
+                <a:t>Persistence </a:t>
+              </a:r>
+            </a:p>
+            <a:p>
+              <a:pPr algn="ctr"/>
+              <a:r>
+                <a:rPr kumimoji="1" lang="en-US" altLang="ko-Kore-KR" sz="1100" b="1" dirty="0">
+                  <a:solidFill>
+                    <a:srgbClr val="5DA2C5"/>
+                  </a:solidFill>
+                  <a:latin typeface="SHeadG" panose="02030600000101010101" pitchFamily="18" charset="-127"/>
+                  <a:ea typeface="SHeadG" panose="02030600000101010101" pitchFamily="18" charset="-127"/>
+                </a:rPr>
+                <a:t>Adapter</a:t>
+              </a:r>
+            </a:p>
+          </p:txBody>
+        </p:sp>
+        <p:sp>
+          <p:nvSpPr>
+            <p:cNvPr id="22" name="직사각형 21">
+              <a:extLst>
+                <a:ext uri="{FF2B5EF4-FFF2-40B4-BE49-F238E27FC236}">
+                  <a16:creationId xmlns:a16="http://schemas.microsoft.com/office/drawing/2014/main" id="{A610BF45-2A57-AC45-8E92-E5656CE6C2B1}"/>
+                </a:ext>
+              </a:extLst>
+            </p:cNvPr>
+            <p:cNvSpPr/>
+            <p:nvPr/>
+          </p:nvSpPr>
+          <p:spPr>
+            <a:xfrm>
+              <a:off x="688457" y="542690"/>
+              <a:ext cx="1833648" cy="619272"/>
+            </a:xfrm>
+            <a:prstGeom prst="rect">
+              <a:avLst/>
+            </a:prstGeom>
+            <a:ln w="25400">
+              <a:solidFill>
+                <a:srgbClr val="5DA2C5"/>
+              </a:solidFill>
+            </a:ln>
+          </p:spPr>
+          <p:style>
+            <a:lnRef idx="1">
+              <a:schemeClr val="accent1"/>
+            </a:lnRef>
+            <a:fillRef idx="0">
+              <a:schemeClr val="accent1"/>
+            </a:fillRef>
+            <a:effectRef idx="0">
+              <a:schemeClr val="accent1"/>
+            </a:effectRef>
+            <a:fontRef idx="minor">
+              <a:schemeClr val="tx1"/>
+            </a:fontRef>
+          </p:style>
+          <p:txBody>
+            <a:bodyPr rtlCol="0" anchor="ctr"/>
+            <a:lstStyle/>
+            <a:p>
+              <a:pPr algn="ctr"/>
+              <a:endParaRPr kumimoji="1" lang="ko-Kore-KR" altLang="en-US"/>
+            </a:p>
+          </p:txBody>
+        </p:sp>
+      </p:grpSp>
+      <p:cxnSp>
+        <p:nvCxnSpPr>
+          <p:cNvPr id="23" name="직선 화살표 연결선 22">
+            <a:extLst>
+              <a:ext uri="{FF2B5EF4-FFF2-40B4-BE49-F238E27FC236}">
+                <a16:creationId xmlns:a16="http://schemas.microsoft.com/office/drawing/2014/main" id="{78C2993B-9BB9-554F-8D14-FFBBF299737A}"/>
+              </a:ext>
+            </a:extLst>
+          </p:cNvPr>
+          <p:cNvCxnSpPr>
+            <a:cxnSpLocks/>
+            <a:stCxn id="9" idx="3"/>
+            <a:endCxn id="13" idx="1"/>
+          </p:cNvCxnSpPr>
+          <p:nvPr/>
+        </p:nvCxnSpPr>
+        <p:spPr>
+          <a:xfrm>
+            <a:off x="2522105" y="852326"/>
+            <a:ext cx="419695" cy="0"/>
+          </a:xfrm>
+          <a:prstGeom prst="straightConnector1">
+            <a:avLst/>
+          </a:prstGeom>
+          <a:ln w="25400">
+            <a:solidFill>
+              <a:srgbClr val="5DA2C5"/>
+            </a:solidFill>
+            <a:tailEnd type="stealth" w="lg" len="lg"/>
+          </a:ln>
+        </p:spPr>
+        <p:style>
+          <a:lnRef idx="1">
+            <a:schemeClr val="accent1"/>
+          </a:lnRef>
+          <a:fillRef idx="0">
+            <a:schemeClr val="accent1"/>
+          </a:fillRef>
+          <a:effectRef idx="0">
+            <a:schemeClr val="accent1"/>
+          </a:effectRef>
+          <a:fontRef idx="minor">
+            <a:schemeClr val="tx1"/>
+          </a:fontRef>
+        </p:style>
+      </p:cxnSp>
+      <p:cxnSp>
+        <p:nvCxnSpPr>
+          <p:cNvPr id="26" name="직선 화살표 연결선 25">
+            <a:extLst>
+              <a:ext uri="{FF2B5EF4-FFF2-40B4-BE49-F238E27FC236}">
+                <a16:creationId xmlns:a16="http://schemas.microsoft.com/office/drawing/2014/main" id="{D74A5CD7-82A0-1946-8695-21E6A69EAF50}"/>
+              </a:ext>
+            </a:extLst>
+          </p:cNvPr>
+          <p:cNvCxnSpPr>
+            <a:cxnSpLocks/>
+            <a:stCxn id="16" idx="3"/>
+            <a:endCxn id="19" idx="1"/>
+          </p:cNvCxnSpPr>
+          <p:nvPr/>
+        </p:nvCxnSpPr>
+        <p:spPr>
+          <a:xfrm flipV="1">
+            <a:off x="7028791" y="842572"/>
+            <a:ext cx="419695" cy="4877"/>
+          </a:xfrm>
+          <a:prstGeom prst="straightConnector1">
+            <a:avLst/>
+          </a:prstGeom>
+          <a:ln w="25400">
+            <a:solidFill>
+              <a:srgbClr val="5DA2C5"/>
+            </a:solidFill>
+            <a:tailEnd type="stealth" w="lg" len="lg"/>
+          </a:ln>
+        </p:spPr>
+        <p:style>
+          <a:lnRef idx="1">
+            <a:schemeClr val="accent1"/>
+          </a:lnRef>
+          <a:fillRef idx="0">
+            <a:schemeClr val="accent1"/>
+          </a:fillRef>
+          <a:effectRef idx="0">
+            <a:schemeClr val="accent1"/>
+          </a:effectRef>
+          <a:fontRef idx="minor">
+            <a:schemeClr val="tx1"/>
+          </a:fontRef>
+        </p:style>
+      </p:cxnSp>
+      <p:cxnSp>
+        <p:nvCxnSpPr>
+          <p:cNvPr id="29" name="직선 화살표 연결선 28">
+            <a:extLst>
+              <a:ext uri="{FF2B5EF4-FFF2-40B4-BE49-F238E27FC236}">
+                <a16:creationId xmlns:a16="http://schemas.microsoft.com/office/drawing/2014/main" id="{AA85F8F9-BBE4-8344-AA55-0A182B1BCF04}"/>
+              </a:ext>
+            </a:extLst>
+          </p:cNvPr>
+          <p:cNvCxnSpPr>
+            <a:cxnSpLocks/>
+            <a:stCxn id="16" idx="2"/>
+            <a:endCxn id="32" idx="0"/>
+          </p:cNvCxnSpPr>
+          <p:nvPr/>
+        </p:nvCxnSpPr>
+        <p:spPr>
+          <a:xfrm>
+            <a:off x="6111967" y="1157085"/>
+            <a:ext cx="0" cy="578157"/>
+          </a:xfrm>
+          <a:prstGeom prst="straightConnector1">
+            <a:avLst/>
+          </a:prstGeom>
+          <a:ln w="25400">
+            <a:solidFill>
+              <a:srgbClr val="5DA2C5"/>
+            </a:solidFill>
+            <a:tailEnd type="stealth" w="lg" len="lg"/>
+          </a:ln>
+        </p:spPr>
+        <p:style>
+          <a:lnRef idx="1">
+            <a:schemeClr val="accent1"/>
+          </a:lnRef>
+          <a:fillRef idx="0">
+            <a:schemeClr val="accent1"/>
+          </a:fillRef>
+          <a:effectRef idx="0">
+            <a:schemeClr val="accent1"/>
+          </a:effectRef>
+          <a:fontRef idx="minor">
+            <a:schemeClr val="tx1"/>
+          </a:fontRef>
+        </p:style>
+      </p:cxnSp>
+      <p:grpSp>
+        <p:nvGrpSpPr>
+          <p:cNvPr id="30" name="그룹 29">
+            <a:extLst>
+              <a:ext uri="{FF2B5EF4-FFF2-40B4-BE49-F238E27FC236}">
+                <a16:creationId xmlns:a16="http://schemas.microsoft.com/office/drawing/2014/main" id="{A4A3BDF9-82FA-9949-B20E-0AA9303438E3}"/>
+              </a:ext>
+            </a:extLst>
+          </p:cNvPr>
+          <p:cNvGrpSpPr/>
+          <p:nvPr/>
+        </p:nvGrpSpPr>
+        <p:grpSpPr>
+          <a:xfrm>
+            <a:off x="5195143" y="1735242"/>
+            <a:ext cx="1833648" cy="619272"/>
+            <a:chOff x="688457" y="542690"/>
+            <a:chExt cx="1833648" cy="619272"/>
+          </a:xfrm>
+        </p:grpSpPr>
+        <p:sp>
+          <p:nvSpPr>
+            <p:cNvPr id="31" name="TextBox 30">
+              <a:extLst>
+                <a:ext uri="{FF2B5EF4-FFF2-40B4-BE49-F238E27FC236}">
+                  <a16:creationId xmlns:a16="http://schemas.microsoft.com/office/drawing/2014/main" id="{EC968089-2248-B04C-BC43-2D2A5F95364F}"/>
+                </a:ext>
+              </a:extLst>
+            </p:cNvPr>
+            <p:cNvSpPr txBox="1"/>
+            <p:nvPr/>
+          </p:nvSpPr>
+          <p:spPr>
+            <a:xfrm>
+              <a:off x="765148" y="698437"/>
+              <a:ext cx="1684137" cy="307777"/>
+            </a:xfrm>
+            <a:prstGeom prst="rect">
+              <a:avLst/>
+            </a:prstGeom>
+            <a:noFill/>
+          </p:spPr>
+          <p:txBody>
+            <a:bodyPr wrap="square" rtlCol="0">
+              <a:spAutoFit/>
+            </a:bodyPr>
+            <a:lstStyle/>
+            <a:p>
+              <a:pPr algn="ctr"/>
+              <a:r>
+                <a:rPr kumimoji="1" lang="en-US" altLang="ko-Kore-KR" sz="1400" b="1" dirty="0">
+                  <a:solidFill>
+                    <a:srgbClr val="5DA2C5"/>
+                  </a:solidFill>
+                  <a:latin typeface="SHeadG" panose="02030600000101010101" pitchFamily="18" charset="-127"/>
+                  <a:ea typeface="SHeadG" panose="02030600000101010101" pitchFamily="18" charset="-127"/>
+                </a:rPr>
+                <a:t>Account</a:t>
+              </a:r>
+            </a:p>
+          </p:txBody>
+        </p:sp>
+        <p:sp>
+          <p:nvSpPr>
+            <p:cNvPr id="32" name="직사각형 31">
+              <a:extLst>
+                <a:ext uri="{FF2B5EF4-FFF2-40B4-BE49-F238E27FC236}">
+                  <a16:creationId xmlns:a16="http://schemas.microsoft.com/office/drawing/2014/main" id="{A45AD347-833B-494C-B00B-9BA6F8C581E3}"/>
+                </a:ext>
+              </a:extLst>
+            </p:cNvPr>
+            <p:cNvSpPr/>
+            <p:nvPr/>
+          </p:nvSpPr>
+          <p:spPr>
+            <a:xfrm>
+              <a:off x="688457" y="542690"/>
+              <a:ext cx="1833648" cy="619272"/>
+            </a:xfrm>
+            <a:prstGeom prst="rect">
+              <a:avLst/>
+            </a:prstGeom>
+            <a:ln w="25400">
+              <a:solidFill>
+                <a:srgbClr val="5DA2C5"/>
+              </a:solidFill>
+            </a:ln>
+          </p:spPr>
+          <p:style>
+            <a:lnRef idx="1">
+              <a:schemeClr val="accent1"/>
+            </a:lnRef>
+            <a:fillRef idx="0">
+              <a:schemeClr val="accent1"/>
+            </a:fillRef>
+            <a:effectRef idx="0">
+              <a:schemeClr val="accent1"/>
+            </a:effectRef>
+            <a:fontRef idx="minor">
+              <a:schemeClr val="tx1"/>
+            </a:fontRef>
+          </p:style>
+          <p:txBody>
+            <a:bodyPr rtlCol="0" anchor="ctr"/>
+            <a:lstStyle/>
+            <a:p>
+              <a:pPr algn="ctr"/>
+              <a:endParaRPr kumimoji="1" lang="ko-Kore-KR" altLang="en-US"/>
+            </a:p>
+          </p:txBody>
+        </p:sp>
+      </p:grpSp>
+      <p:cxnSp>
+        <p:nvCxnSpPr>
+          <p:cNvPr id="35" name="꺾인 연결선[E] 34">
+            <a:extLst>
+              <a:ext uri="{FF2B5EF4-FFF2-40B4-BE49-F238E27FC236}">
+                <a16:creationId xmlns:a16="http://schemas.microsoft.com/office/drawing/2014/main" id="{196562A0-EC73-CF42-A3C1-4FCE886A7DDF}"/>
+              </a:ext>
+            </a:extLst>
+          </p:cNvPr>
+          <p:cNvCxnSpPr>
+            <a:cxnSpLocks/>
+            <a:stCxn id="13" idx="2"/>
+            <a:endCxn id="32" idx="1"/>
+          </p:cNvCxnSpPr>
+          <p:nvPr/>
+        </p:nvCxnSpPr>
+        <p:spPr>
+          <a:xfrm rot="16200000" flipH="1">
+            <a:off x="4085425" y="935160"/>
+            <a:ext cx="882916" cy="1336519"/>
+          </a:xfrm>
+          <a:prstGeom prst="bentConnector2">
+            <a:avLst/>
+          </a:prstGeom>
+          <a:ln w="25400">
+            <a:solidFill>
+              <a:srgbClr val="5DA2C5"/>
+            </a:solidFill>
+            <a:tailEnd type="stealth" w="lg" len="lg"/>
+          </a:ln>
+        </p:spPr>
+        <p:style>
+          <a:lnRef idx="1">
+            <a:schemeClr val="accent1"/>
+          </a:lnRef>
+          <a:fillRef idx="0">
+            <a:schemeClr val="accent1"/>
+          </a:fillRef>
+          <a:effectRef idx="0">
+            <a:schemeClr val="accent1"/>
+          </a:effectRef>
+          <a:fontRef idx="minor">
+            <a:schemeClr val="tx1"/>
+          </a:fontRef>
+        </p:style>
+      </p:cxnSp>
+      <p:cxnSp>
+        <p:nvCxnSpPr>
+          <p:cNvPr id="38" name="꺾인 연결선[E] 37">
+            <a:extLst>
+              <a:ext uri="{FF2B5EF4-FFF2-40B4-BE49-F238E27FC236}">
+                <a16:creationId xmlns:a16="http://schemas.microsoft.com/office/drawing/2014/main" id="{D7B6A330-E263-F544-B74D-DA371307A47B}"/>
+              </a:ext>
+            </a:extLst>
+          </p:cNvPr>
+          <p:cNvCxnSpPr>
+            <a:cxnSpLocks/>
+            <a:stCxn id="19" idx="2"/>
+            <a:endCxn id="32" idx="3"/>
+          </p:cNvCxnSpPr>
+          <p:nvPr/>
+        </p:nvCxnSpPr>
+        <p:spPr>
+          <a:xfrm rot="5400000">
+            <a:off x="7250716" y="930284"/>
+            <a:ext cx="892670" cy="1336519"/>
+          </a:xfrm>
+          <a:prstGeom prst="bentConnector2">
+            <a:avLst/>
+          </a:prstGeom>
+          <a:ln w="25400">
+            <a:solidFill>
+              <a:srgbClr val="5DA2C5"/>
+            </a:solidFill>
+            <a:tailEnd type="stealth" w="lg" len="lg"/>
+          </a:ln>
+        </p:spPr>
+        <p:style>
+          <a:lnRef idx="1">
+            <a:schemeClr val="accent1"/>
+          </a:lnRef>
+          <a:fillRef idx="0">
+            <a:schemeClr val="accent1"/>
+          </a:fillRef>
+          <a:effectRef idx="0">
+            <a:schemeClr val="accent1"/>
+          </a:effectRef>
+          <a:fontRef idx="minor">
+            <a:schemeClr val="tx1"/>
+          </a:fontRef>
+        </p:style>
+      </p:cxnSp>
+      <p:cxnSp>
+        <p:nvCxnSpPr>
+          <p:cNvPr id="41" name="직선 화살표 연결선 40">
+            <a:extLst>
+              <a:ext uri="{FF2B5EF4-FFF2-40B4-BE49-F238E27FC236}">
+                <a16:creationId xmlns:a16="http://schemas.microsoft.com/office/drawing/2014/main" id="{37A386BF-BD7B-F848-99DD-5B62694E0D4E}"/>
+              </a:ext>
+            </a:extLst>
+          </p:cNvPr>
+          <p:cNvCxnSpPr>
+            <a:cxnSpLocks/>
+            <a:stCxn id="22" idx="1"/>
+            <a:endCxn id="19" idx="3"/>
+          </p:cNvCxnSpPr>
+          <p:nvPr/>
+        </p:nvCxnSpPr>
+        <p:spPr>
+          <a:xfrm flipH="1">
+            <a:off x="9282134" y="837695"/>
+            <a:ext cx="419695" cy="4877"/>
+          </a:xfrm>
+          <a:prstGeom prst="straightConnector1">
+            <a:avLst/>
+          </a:prstGeom>
+          <a:ln w="25400">
+            <a:solidFill>
+              <a:srgbClr val="5DA2C5"/>
+            </a:solidFill>
+            <a:tailEnd type="stealth" w="lg" len="lg"/>
+          </a:ln>
+        </p:spPr>
+        <p:style>
+          <a:lnRef idx="1">
+            <a:schemeClr val="accent1"/>
+          </a:lnRef>
+          <a:fillRef idx="0">
+            <a:schemeClr val="accent1"/>
+          </a:fillRef>
+          <a:effectRef idx="0">
+            <a:schemeClr val="accent1"/>
+          </a:effectRef>
+          <a:fontRef idx="minor">
+            <a:schemeClr val="tx1"/>
+          </a:fontRef>
+        </p:style>
+      </p:cxnSp>
+      <p:sp>
+        <p:nvSpPr>
+          <p:cNvPr id="44" name="삼각형 43">
+            <a:extLst>
+              <a:ext uri="{FF2B5EF4-FFF2-40B4-BE49-F238E27FC236}">
+                <a16:creationId xmlns:a16="http://schemas.microsoft.com/office/drawing/2014/main" id="{87AB6065-FAFF-8E44-8347-1469E7E2B4AB}"/>
+              </a:ext>
+            </a:extLst>
+          </p:cNvPr>
+          <p:cNvSpPr/>
+          <p:nvPr/>
+        </p:nvSpPr>
+        <p:spPr>
+          <a:xfrm rot="16200000">
+            <a:off x="9277588" y="781571"/>
+            <a:ext cx="132203" cy="123111"/>
+          </a:xfrm>
+          <a:prstGeom prst="triangle">
+            <a:avLst/>
+          </a:prstGeom>
+          <a:solidFill>
+            <a:schemeClr val="bg1"/>
+          </a:solidFill>
+          <a:ln w="19050">
+            <a:solidFill>
+              <a:srgbClr val="5DA2C5"/>
+            </a:solidFill>
+          </a:ln>
+        </p:spPr>
+        <p:style>
+          <a:lnRef idx="2">
+            <a:schemeClr val="accent1">
+              <a:shade val="50000"/>
+            </a:schemeClr>
+          </a:lnRef>
+          <a:fillRef idx="1">
+            <a:schemeClr val="accent1"/>
+          </a:fillRef>
+          <a:effectRef idx="0">
+            <a:schemeClr val="accent1"/>
+          </a:effectRef>
+          <a:fontRef idx="minor">
+            <a:schemeClr val="lt1"/>
+          </a:fontRef>
+        </p:style>
+        <p:txBody>
+          <a:bodyPr rtlCol="0" anchor="ctr"/>
+          <a:lstStyle/>
+          <a:p>
+            <a:pPr algn="ctr"/>
+            <a:endParaRPr kumimoji="1" lang="ko-Kore-KR" altLang="en-US"/>
+          </a:p>
+        </p:txBody>
+      </p:sp>
+      <p:cxnSp>
+        <p:nvCxnSpPr>
+          <p:cNvPr id="45" name="직선 화살표 연결선 44">
+            <a:extLst>
+              <a:ext uri="{FF2B5EF4-FFF2-40B4-BE49-F238E27FC236}">
+                <a16:creationId xmlns:a16="http://schemas.microsoft.com/office/drawing/2014/main" id="{7D732830-C83E-134B-8D1D-698761B5EAED}"/>
+              </a:ext>
+            </a:extLst>
+          </p:cNvPr>
+          <p:cNvCxnSpPr>
+            <a:cxnSpLocks/>
+          </p:cNvCxnSpPr>
+          <p:nvPr/>
+        </p:nvCxnSpPr>
+        <p:spPr>
+          <a:xfrm flipH="1">
+            <a:off x="4775448" y="857255"/>
+            <a:ext cx="419695" cy="4877"/>
+          </a:xfrm>
+          <a:prstGeom prst="straightConnector1">
+            <a:avLst/>
+          </a:prstGeom>
+          <a:ln w="25400">
+            <a:solidFill>
+              <a:srgbClr val="5DA2C5"/>
+            </a:solidFill>
+            <a:tailEnd type="stealth" w="lg" len="lg"/>
+          </a:ln>
+        </p:spPr>
+        <p:style>
+          <a:lnRef idx="1">
+            <a:schemeClr val="accent1"/>
+          </a:lnRef>
+          <a:fillRef idx="0">
+            <a:schemeClr val="accent1"/>
+          </a:fillRef>
+          <a:effectRef idx="0">
+            <a:schemeClr val="accent1"/>
+          </a:effectRef>
+          <a:fontRef idx="minor">
+            <a:schemeClr val="tx1"/>
+          </a:fontRef>
+        </p:style>
+      </p:cxnSp>
+      <p:sp>
+        <p:nvSpPr>
+          <p:cNvPr id="46" name="삼각형 45">
+            <a:extLst>
+              <a:ext uri="{FF2B5EF4-FFF2-40B4-BE49-F238E27FC236}">
+                <a16:creationId xmlns:a16="http://schemas.microsoft.com/office/drawing/2014/main" id="{D0E221C7-E67D-244C-81F8-36F48CFEFBD7}"/>
+              </a:ext>
+            </a:extLst>
+          </p:cNvPr>
+          <p:cNvSpPr/>
+          <p:nvPr/>
+        </p:nvSpPr>
+        <p:spPr>
+          <a:xfrm rot="16200000">
+            <a:off x="4770902" y="801131"/>
+            <a:ext cx="132203" cy="123111"/>
+          </a:xfrm>
+          <a:prstGeom prst="triangle">
+            <a:avLst/>
+          </a:prstGeom>
+          <a:solidFill>
+            <a:schemeClr val="bg1"/>
+          </a:solidFill>
+          <a:ln w="19050">
+            <a:solidFill>
+              <a:srgbClr val="5DA2C5"/>
+            </a:solidFill>
+          </a:ln>
+        </p:spPr>
+        <p:style>
+          <a:lnRef idx="2">
+            <a:schemeClr val="accent1">
+              <a:shade val="50000"/>
+            </a:schemeClr>
+          </a:lnRef>
+          <a:fillRef idx="1">
+            <a:schemeClr val="accent1"/>
+          </a:fillRef>
+          <a:effectRef idx="0">
+            <a:schemeClr val="accent1"/>
+          </a:effectRef>
+          <a:fontRef idx="minor">
+            <a:schemeClr val="lt1"/>
+          </a:fontRef>
+        </p:style>
+        <p:txBody>
+          <a:bodyPr rtlCol="0" anchor="ctr"/>
+          <a:lstStyle/>
+          <a:p>
+            <a:pPr algn="ctr"/>
+            <a:endParaRPr kumimoji="1" lang="ko-Kore-KR" altLang="en-US"/>
+          </a:p>
+        </p:txBody>
+      </p:sp>
+      <p:sp>
+        <p:nvSpPr>
+          <p:cNvPr id="47" name="TextBox 46">
+            <a:extLst>
+              <a:ext uri="{FF2B5EF4-FFF2-40B4-BE49-F238E27FC236}">
+                <a16:creationId xmlns:a16="http://schemas.microsoft.com/office/drawing/2014/main" id="{ED140BC5-7624-8D41-80B6-FFD47BFAFF89}"/>
+              </a:ext>
+            </a:extLst>
+          </p:cNvPr>
+          <p:cNvSpPr txBox="1"/>
+          <p:nvPr/>
+        </p:nvSpPr>
+        <p:spPr>
+          <a:xfrm>
+            <a:off x="3365784" y="404948"/>
+            <a:ext cx="985680" cy="246221"/>
+          </a:xfrm>
+          <a:prstGeom prst="rect">
+            <a:avLst/>
+          </a:prstGeom>
+          <a:solidFill>
+            <a:schemeClr val="bg1"/>
+          </a:solidFill>
+        </p:spPr>
+        <p:txBody>
+          <a:bodyPr wrap="square" rtlCol="0">
+            <a:spAutoFit/>
+          </a:bodyPr>
+          <a:lstStyle/>
+          <a:p>
+            <a:pPr algn="ctr"/>
+            <a:r>
+              <a:rPr kumimoji="1" lang="en-US" altLang="ko-Kore-KR" sz="1000" dirty="0">
+                <a:solidFill>
+                  <a:srgbClr val="5DA2C5"/>
+                </a:solidFill>
+                <a:latin typeface="SHeadG" panose="02030600000101010101" pitchFamily="18" charset="-127"/>
+                <a:ea typeface="SHeadG" panose="02030600000101010101" pitchFamily="18" charset="-127"/>
+              </a:rPr>
+              <a:t>&lt;&lt;Interface&gt;&gt;</a:t>
+            </a:r>
+            <a:endParaRPr kumimoji="1" lang="ko-Kore-KR" altLang="en-US" sz="1000" dirty="0">
+              <a:solidFill>
+                <a:srgbClr val="5DA2C5"/>
+              </a:solidFill>
+              <a:latin typeface="SHeadG" panose="02030600000101010101" pitchFamily="18" charset="-127"/>
+              <a:ea typeface="SHeadG" panose="02030600000101010101" pitchFamily="18" charset="-127"/>
+            </a:endParaRPr>
+          </a:p>
+        </p:txBody>
+      </p:sp>
+      <p:sp>
+        <p:nvSpPr>
+          <p:cNvPr id="48" name="TextBox 47">
+            <a:extLst>
+              <a:ext uri="{FF2B5EF4-FFF2-40B4-BE49-F238E27FC236}">
+                <a16:creationId xmlns:a16="http://schemas.microsoft.com/office/drawing/2014/main" id="{A7242DDA-FEA4-5F42-8C43-0670EB50F5EE}"/>
+              </a:ext>
+            </a:extLst>
+          </p:cNvPr>
+          <p:cNvSpPr txBox="1"/>
+          <p:nvPr/>
+        </p:nvSpPr>
+        <p:spPr>
+          <a:xfrm>
+            <a:off x="7838451" y="400071"/>
+            <a:ext cx="985680" cy="246221"/>
+          </a:xfrm>
+          <a:prstGeom prst="rect">
+            <a:avLst/>
+          </a:prstGeom>
+          <a:solidFill>
+            <a:schemeClr val="bg1"/>
+          </a:solidFill>
+        </p:spPr>
+        <p:txBody>
+          <a:bodyPr wrap="square" rtlCol="0">
+            <a:spAutoFit/>
+          </a:bodyPr>
+          <a:lstStyle/>
+          <a:p>
+            <a:pPr algn="ctr"/>
+            <a:r>
+              <a:rPr kumimoji="1" lang="en-US" altLang="ko-Kore-KR" sz="1000" dirty="0">
+                <a:solidFill>
+                  <a:srgbClr val="5DA2C5"/>
+                </a:solidFill>
+                <a:latin typeface="SHeadG" panose="02030600000101010101" pitchFamily="18" charset="-127"/>
+                <a:ea typeface="SHeadG" panose="02030600000101010101" pitchFamily="18" charset="-127"/>
+              </a:rPr>
+              <a:t>&lt;&lt;Interface&gt;&gt;</a:t>
+            </a:r>
+            <a:endParaRPr kumimoji="1" lang="ko-Kore-KR" altLang="en-US" sz="1000" dirty="0">
+              <a:solidFill>
+                <a:srgbClr val="5DA2C5"/>
+              </a:solidFill>
+              <a:latin typeface="SHeadG" panose="02030600000101010101" pitchFamily="18" charset="-127"/>
+              <a:ea typeface="SHeadG" panose="02030600000101010101" pitchFamily="18" charset="-127"/>
+            </a:endParaRPr>
+          </a:p>
+        </p:txBody>
+      </p:sp>
+      <p:cxnSp>
+        <p:nvCxnSpPr>
+          <p:cNvPr id="49" name="직선 연결선[R] 48">
+            <a:extLst>
+              <a:ext uri="{FF2B5EF4-FFF2-40B4-BE49-F238E27FC236}">
+                <a16:creationId xmlns:a16="http://schemas.microsoft.com/office/drawing/2014/main" id="{10E81BAA-B214-494B-88D2-F349DF58E8DE}"/>
+              </a:ext>
+            </a:extLst>
+          </p:cNvPr>
+          <p:cNvCxnSpPr>
+            <a:cxnSpLocks/>
+          </p:cNvCxnSpPr>
+          <p:nvPr/>
+        </p:nvCxnSpPr>
+        <p:spPr>
+          <a:xfrm>
+            <a:off x="2677880" y="400071"/>
+            <a:ext cx="0" cy="2303089"/>
+          </a:xfrm>
+          <a:prstGeom prst="line">
+            <a:avLst/>
+          </a:prstGeom>
+          <a:ln w="25400">
+            <a:solidFill>
+              <a:srgbClr val="5DA2C5"/>
+            </a:solidFill>
+            <a:prstDash val="dash"/>
+          </a:ln>
+        </p:spPr>
+        <p:style>
+          <a:lnRef idx="1">
+            <a:schemeClr val="accent1"/>
+          </a:lnRef>
+          <a:fillRef idx="0">
+            <a:schemeClr val="accent1"/>
+          </a:fillRef>
+          <a:effectRef idx="0">
+            <a:schemeClr val="accent1"/>
+          </a:effectRef>
+          <a:fontRef idx="minor">
+            <a:schemeClr val="tx1"/>
+          </a:fontRef>
+        </p:style>
+      </p:cxnSp>
+      <p:cxnSp>
+        <p:nvCxnSpPr>
+          <p:cNvPr id="50" name="직선 연결선[R] 49">
+            <a:extLst>
+              <a:ext uri="{FF2B5EF4-FFF2-40B4-BE49-F238E27FC236}">
+                <a16:creationId xmlns:a16="http://schemas.microsoft.com/office/drawing/2014/main" id="{27EF59A4-1477-024B-8DBA-477EA5A01434}"/>
+              </a:ext>
+            </a:extLst>
+          </p:cNvPr>
+          <p:cNvCxnSpPr>
+            <a:cxnSpLocks/>
+          </p:cNvCxnSpPr>
+          <p:nvPr/>
+        </p:nvCxnSpPr>
+        <p:spPr>
+          <a:xfrm>
+            <a:off x="9535880" y="364289"/>
+            <a:ext cx="0" cy="2303089"/>
+          </a:xfrm>
+          <a:prstGeom prst="line">
+            <a:avLst/>
+          </a:prstGeom>
+          <a:ln w="25400">
+            <a:solidFill>
+              <a:srgbClr val="5DA2C5"/>
+            </a:solidFill>
+            <a:prstDash val="dash"/>
+          </a:ln>
+        </p:spPr>
+        <p:style>
+          <a:lnRef idx="1">
+            <a:schemeClr val="accent1"/>
+          </a:lnRef>
+          <a:fillRef idx="0">
+            <a:schemeClr val="accent1"/>
+          </a:fillRef>
+          <a:effectRef idx="0">
+            <a:schemeClr val="accent1"/>
+          </a:effectRef>
+          <a:fontRef idx="minor">
+            <a:schemeClr val="tx1"/>
+          </a:fontRef>
+        </p:style>
+      </p:cxnSp>
+      <p:cxnSp>
+        <p:nvCxnSpPr>
+          <p:cNvPr id="51" name="직선 연결선[R] 50">
+            <a:extLst>
+              <a:ext uri="{FF2B5EF4-FFF2-40B4-BE49-F238E27FC236}">
+                <a16:creationId xmlns:a16="http://schemas.microsoft.com/office/drawing/2014/main" id="{CA297DCC-54D9-A841-8B1F-3BC831543DA9}"/>
+              </a:ext>
+            </a:extLst>
+          </p:cNvPr>
+          <p:cNvCxnSpPr>
+            <a:cxnSpLocks/>
+          </p:cNvCxnSpPr>
+          <p:nvPr/>
+        </p:nvCxnSpPr>
+        <p:spPr>
+          <a:xfrm>
+            <a:off x="2677880" y="1513114"/>
+            <a:ext cx="6847120" cy="0"/>
+          </a:xfrm>
+          <a:prstGeom prst="line">
+            <a:avLst/>
+          </a:prstGeom>
+          <a:ln w="25400">
+            <a:solidFill>
+              <a:srgbClr val="5DA2C5"/>
+            </a:solidFill>
+            <a:prstDash val="dash"/>
+          </a:ln>
+        </p:spPr>
+        <p:style>
+          <a:lnRef idx="1">
+            <a:schemeClr val="accent1"/>
+          </a:lnRef>
+          <a:fillRef idx="0">
+            <a:schemeClr val="accent1"/>
+          </a:fillRef>
+          <a:effectRef idx="0">
+            <a:schemeClr val="accent1"/>
+          </a:effectRef>
+          <a:fontRef idx="minor">
+            <a:schemeClr val="tx1"/>
+          </a:fontRef>
+        </p:style>
+      </p:cxnSp>
+      <p:grpSp>
+        <p:nvGrpSpPr>
+          <p:cNvPr id="54" name="그룹 53">
+            <a:extLst>
+              <a:ext uri="{FF2B5EF4-FFF2-40B4-BE49-F238E27FC236}">
+                <a16:creationId xmlns:a16="http://schemas.microsoft.com/office/drawing/2014/main" id="{AB072F6F-9EEE-D54B-A8E5-31E2FF03A9D9}"/>
+              </a:ext>
+            </a:extLst>
+          </p:cNvPr>
+          <p:cNvGrpSpPr/>
+          <p:nvPr/>
+        </p:nvGrpSpPr>
+        <p:grpSpPr>
+          <a:xfrm>
+            <a:off x="688456" y="3447634"/>
+            <a:ext cx="1833648" cy="619272"/>
+            <a:chOff x="688457" y="542690"/>
+            <a:chExt cx="1833648" cy="619272"/>
+          </a:xfrm>
+        </p:grpSpPr>
+        <p:sp>
+          <p:nvSpPr>
+            <p:cNvPr id="55" name="TextBox 54">
+              <a:extLst>
+                <a:ext uri="{FF2B5EF4-FFF2-40B4-BE49-F238E27FC236}">
+                  <a16:creationId xmlns:a16="http://schemas.microsoft.com/office/drawing/2014/main" id="{AFD56859-6E05-9940-BE29-AA70AAB69E90}"/>
+                </a:ext>
+              </a:extLst>
+            </p:cNvPr>
+            <p:cNvSpPr txBox="1"/>
+            <p:nvPr/>
+          </p:nvSpPr>
+          <p:spPr>
+            <a:xfrm>
+              <a:off x="765148" y="585839"/>
+              <a:ext cx="1684137" cy="523220"/>
+            </a:xfrm>
+            <a:prstGeom prst="rect">
+              <a:avLst/>
+            </a:prstGeom>
+            <a:noFill/>
+          </p:spPr>
+          <p:txBody>
+            <a:bodyPr wrap="square" rtlCol="0">
+              <a:spAutoFit/>
+            </a:bodyPr>
+            <a:lstStyle/>
+            <a:p>
+              <a:pPr algn="ctr"/>
+              <a:r>
+                <a:rPr kumimoji="1" lang="en-US" altLang="ko-Kore-KR" sz="1400" b="1" dirty="0">
+                  <a:solidFill>
+                    <a:srgbClr val="5DA2C5"/>
+                  </a:solidFill>
+                  <a:latin typeface="SHeadG" panose="02030600000101010101" pitchFamily="18" charset="-127"/>
+                  <a:ea typeface="SHeadG" panose="02030600000101010101" pitchFamily="18" charset="-127"/>
+                </a:rPr>
+                <a:t>Account</a:t>
+              </a:r>
+            </a:p>
+            <a:p>
+              <a:pPr algn="ctr"/>
+              <a:r>
+                <a:rPr kumimoji="1" lang="en-US" altLang="ko-Kore-KR" sz="1400" b="1" dirty="0">
+                  <a:solidFill>
+                    <a:srgbClr val="5DA2C5"/>
+                  </a:solidFill>
+                  <a:latin typeface="SHeadG" panose="02030600000101010101" pitchFamily="18" charset="-127"/>
+                  <a:ea typeface="SHeadG" panose="02030600000101010101" pitchFamily="18" charset="-127"/>
+                </a:rPr>
+                <a:t>Controller</a:t>
+              </a:r>
+            </a:p>
+          </p:txBody>
+        </p:sp>
+        <p:sp>
+          <p:nvSpPr>
+            <p:cNvPr id="56" name="직사각형 55">
+              <a:extLst>
+                <a:ext uri="{FF2B5EF4-FFF2-40B4-BE49-F238E27FC236}">
+                  <a16:creationId xmlns:a16="http://schemas.microsoft.com/office/drawing/2014/main" id="{B30DC34D-3CDE-4448-8E7A-AF35155325BE}"/>
+                </a:ext>
+              </a:extLst>
+            </p:cNvPr>
+            <p:cNvSpPr/>
+            <p:nvPr/>
+          </p:nvSpPr>
+          <p:spPr>
+            <a:xfrm>
+              <a:off x="688457" y="542690"/>
+              <a:ext cx="1833648" cy="619272"/>
+            </a:xfrm>
+            <a:prstGeom prst="rect">
+              <a:avLst/>
+            </a:prstGeom>
+            <a:ln w="25400">
+              <a:solidFill>
+                <a:srgbClr val="5DA2C5"/>
+              </a:solidFill>
+            </a:ln>
+          </p:spPr>
+          <p:style>
+            <a:lnRef idx="1">
+              <a:schemeClr val="accent1"/>
+            </a:lnRef>
+            <a:fillRef idx="0">
+              <a:schemeClr val="accent1"/>
+            </a:fillRef>
+            <a:effectRef idx="0">
+              <a:schemeClr val="accent1"/>
+            </a:effectRef>
+            <a:fontRef idx="minor">
+              <a:schemeClr val="tx1"/>
+            </a:fontRef>
+          </p:style>
+          <p:txBody>
+            <a:bodyPr rtlCol="0" anchor="ctr"/>
+            <a:lstStyle/>
+            <a:p>
+              <a:pPr algn="ctr"/>
+              <a:endParaRPr kumimoji="1" lang="ko-Kore-KR" altLang="en-US"/>
+            </a:p>
+          </p:txBody>
+        </p:sp>
+      </p:grpSp>
+      <p:grpSp>
+        <p:nvGrpSpPr>
+          <p:cNvPr id="57" name="그룹 56">
+            <a:extLst>
+              <a:ext uri="{FF2B5EF4-FFF2-40B4-BE49-F238E27FC236}">
+                <a16:creationId xmlns:a16="http://schemas.microsoft.com/office/drawing/2014/main" id="{5683F909-521C-EE40-B7C3-AAB242434AB2}"/>
+              </a:ext>
+            </a:extLst>
+          </p:cNvPr>
+          <p:cNvGrpSpPr/>
+          <p:nvPr/>
+        </p:nvGrpSpPr>
+        <p:grpSpPr>
+          <a:xfrm>
+            <a:off x="2941799" y="3447634"/>
+            <a:ext cx="1833648" cy="619272"/>
+            <a:chOff x="688457" y="542690"/>
+            <a:chExt cx="1833648" cy="619272"/>
+          </a:xfrm>
+        </p:grpSpPr>
+        <p:sp>
+          <p:nvSpPr>
+            <p:cNvPr id="58" name="TextBox 57">
+              <a:extLst>
+                <a:ext uri="{FF2B5EF4-FFF2-40B4-BE49-F238E27FC236}">
+                  <a16:creationId xmlns:a16="http://schemas.microsoft.com/office/drawing/2014/main" id="{2CE9B128-6C4D-174F-9DE1-B2A00123EB38}"/>
+                </a:ext>
+              </a:extLst>
+            </p:cNvPr>
+            <p:cNvSpPr txBox="1"/>
+            <p:nvPr/>
+          </p:nvSpPr>
+          <p:spPr>
+            <a:xfrm>
+              <a:off x="765148" y="585839"/>
+              <a:ext cx="1684137" cy="523220"/>
+            </a:xfrm>
+            <a:prstGeom prst="rect">
+              <a:avLst/>
+            </a:prstGeom>
+            <a:noFill/>
+          </p:spPr>
+          <p:txBody>
+            <a:bodyPr wrap="square" rtlCol="0">
+              <a:spAutoFit/>
+            </a:bodyPr>
+            <a:lstStyle/>
+            <a:p>
+              <a:pPr algn="ctr"/>
+              <a:r>
+                <a:rPr kumimoji="1" lang="en-US" altLang="ko-Kore-KR" sz="1400" b="1" dirty="0" err="1">
+                  <a:solidFill>
+                    <a:srgbClr val="5DA2C5"/>
+                  </a:solidFill>
+                  <a:latin typeface="SHeadG" panose="02030600000101010101" pitchFamily="18" charset="-127"/>
+                  <a:ea typeface="SHeadG" panose="02030600000101010101" pitchFamily="18" charset="-127"/>
+                </a:rPr>
+                <a:t>SendMoney</a:t>
+              </a:r>
+              <a:endParaRPr kumimoji="1" lang="en-US" altLang="ko-Kore-KR" sz="1400" b="1" dirty="0">
+                <a:solidFill>
+                  <a:srgbClr val="5DA2C5"/>
+                </a:solidFill>
+                <a:latin typeface="SHeadG" panose="02030600000101010101" pitchFamily="18" charset="-127"/>
+                <a:ea typeface="SHeadG" panose="02030600000101010101" pitchFamily="18" charset="-127"/>
+              </a:endParaRPr>
+            </a:p>
+            <a:p>
+              <a:pPr algn="ctr"/>
+              <a:r>
+                <a:rPr kumimoji="1" lang="en-US" altLang="ko-Kore-KR" sz="1400" b="1" dirty="0" err="1">
+                  <a:solidFill>
+                    <a:srgbClr val="5DA2C5"/>
+                  </a:solidFill>
+                  <a:latin typeface="SHeadG" panose="02030600000101010101" pitchFamily="18" charset="-127"/>
+                  <a:ea typeface="SHeadG" panose="02030600000101010101" pitchFamily="18" charset="-127"/>
+                </a:rPr>
+                <a:t>UseCase</a:t>
+              </a:r>
+              <a:endParaRPr kumimoji="1" lang="en-US" altLang="ko-Kore-KR" sz="1400" b="1" dirty="0">
+                <a:solidFill>
+                  <a:srgbClr val="5DA2C5"/>
+                </a:solidFill>
+                <a:latin typeface="SHeadG" panose="02030600000101010101" pitchFamily="18" charset="-127"/>
+                <a:ea typeface="SHeadG" panose="02030600000101010101" pitchFamily="18" charset="-127"/>
+              </a:endParaRPr>
+            </a:p>
+          </p:txBody>
+        </p:sp>
+        <p:sp>
+          <p:nvSpPr>
+            <p:cNvPr id="59" name="직사각형 58">
+              <a:extLst>
+                <a:ext uri="{FF2B5EF4-FFF2-40B4-BE49-F238E27FC236}">
+                  <a16:creationId xmlns:a16="http://schemas.microsoft.com/office/drawing/2014/main" id="{CB5B4947-2A6B-1143-A8BA-FDFAC8151BEE}"/>
+                </a:ext>
+              </a:extLst>
+            </p:cNvPr>
+            <p:cNvSpPr/>
+            <p:nvPr/>
+          </p:nvSpPr>
+          <p:spPr>
+            <a:xfrm>
+              <a:off x="688457" y="542690"/>
+              <a:ext cx="1833648" cy="619272"/>
+            </a:xfrm>
+            <a:prstGeom prst="rect">
+              <a:avLst/>
+            </a:prstGeom>
+            <a:ln w="25400">
+              <a:solidFill>
+                <a:srgbClr val="5DA2C5"/>
+              </a:solidFill>
+            </a:ln>
+          </p:spPr>
+          <p:style>
+            <a:lnRef idx="1">
+              <a:schemeClr val="accent1"/>
+            </a:lnRef>
+            <a:fillRef idx="0">
+              <a:schemeClr val="accent1"/>
+            </a:fillRef>
+            <a:effectRef idx="0">
+              <a:schemeClr val="accent1"/>
+            </a:effectRef>
+            <a:fontRef idx="minor">
+              <a:schemeClr val="tx1"/>
+            </a:fontRef>
+          </p:style>
+          <p:txBody>
+            <a:bodyPr rtlCol="0" anchor="ctr"/>
+            <a:lstStyle/>
+            <a:p>
+              <a:pPr algn="ctr"/>
+              <a:endParaRPr kumimoji="1" lang="ko-Kore-KR" altLang="en-US"/>
+            </a:p>
+          </p:txBody>
+        </p:sp>
+      </p:grpSp>
+      <p:grpSp>
+        <p:nvGrpSpPr>
+          <p:cNvPr id="60" name="그룹 59">
+            <a:extLst>
+              <a:ext uri="{FF2B5EF4-FFF2-40B4-BE49-F238E27FC236}">
+                <a16:creationId xmlns:a16="http://schemas.microsoft.com/office/drawing/2014/main" id="{AF8BF321-E0F6-AD42-8426-2585DAC73CB8}"/>
+              </a:ext>
+            </a:extLst>
+          </p:cNvPr>
+          <p:cNvGrpSpPr/>
+          <p:nvPr/>
+        </p:nvGrpSpPr>
+        <p:grpSpPr>
+          <a:xfrm>
+            <a:off x="5195142" y="3442757"/>
+            <a:ext cx="1833648" cy="619272"/>
+            <a:chOff x="688457" y="542690"/>
+            <a:chExt cx="1833648" cy="619272"/>
+          </a:xfrm>
+        </p:grpSpPr>
+        <p:sp>
+          <p:nvSpPr>
+            <p:cNvPr id="61" name="TextBox 60">
+              <a:extLst>
+                <a:ext uri="{FF2B5EF4-FFF2-40B4-BE49-F238E27FC236}">
+                  <a16:creationId xmlns:a16="http://schemas.microsoft.com/office/drawing/2014/main" id="{ECD89EBF-A489-6F40-841F-1AD74CF279EE}"/>
+                </a:ext>
+              </a:extLst>
+            </p:cNvPr>
+            <p:cNvSpPr txBox="1"/>
+            <p:nvPr/>
+          </p:nvSpPr>
+          <p:spPr>
+            <a:xfrm>
+              <a:off x="765148" y="585839"/>
+              <a:ext cx="1684137" cy="523220"/>
+            </a:xfrm>
+            <a:prstGeom prst="rect">
+              <a:avLst/>
+            </a:prstGeom>
+            <a:noFill/>
+          </p:spPr>
+          <p:txBody>
+            <a:bodyPr wrap="square" rtlCol="0">
+              <a:spAutoFit/>
+            </a:bodyPr>
+            <a:lstStyle/>
+            <a:p>
+              <a:pPr algn="ctr"/>
+              <a:r>
+                <a:rPr kumimoji="1" lang="en-US" altLang="ko-Kore-KR" sz="1400" b="1" dirty="0" err="1">
+                  <a:solidFill>
+                    <a:srgbClr val="5DA2C5"/>
+                  </a:solidFill>
+                  <a:latin typeface="SHeadG" panose="02030600000101010101" pitchFamily="18" charset="-127"/>
+                  <a:ea typeface="SHeadG" panose="02030600000101010101" pitchFamily="18" charset="-127"/>
+                </a:rPr>
+                <a:t>SendMoney</a:t>
+              </a:r>
+              <a:endParaRPr kumimoji="1" lang="en-US" altLang="ko-Kore-KR" sz="1400" b="1" dirty="0">
+                <a:solidFill>
+                  <a:srgbClr val="5DA2C5"/>
+                </a:solidFill>
+                <a:latin typeface="SHeadG" panose="02030600000101010101" pitchFamily="18" charset="-127"/>
+                <a:ea typeface="SHeadG" panose="02030600000101010101" pitchFamily="18" charset="-127"/>
+              </a:endParaRPr>
+            </a:p>
+            <a:p>
+              <a:pPr algn="ctr"/>
+              <a:r>
+                <a:rPr kumimoji="1" lang="en-US" altLang="ko-Kore-KR" sz="1400" b="1" dirty="0">
+                  <a:solidFill>
+                    <a:srgbClr val="5DA2C5"/>
+                  </a:solidFill>
+                  <a:latin typeface="SHeadG" panose="02030600000101010101" pitchFamily="18" charset="-127"/>
+                  <a:ea typeface="SHeadG" panose="02030600000101010101" pitchFamily="18" charset="-127"/>
+                </a:rPr>
+                <a:t>Service</a:t>
+              </a:r>
+            </a:p>
+          </p:txBody>
+        </p:sp>
+        <p:sp>
+          <p:nvSpPr>
+            <p:cNvPr id="62" name="직사각형 61">
+              <a:extLst>
+                <a:ext uri="{FF2B5EF4-FFF2-40B4-BE49-F238E27FC236}">
+                  <a16:creationId xmlns:a16="http://schemas.microsoft.com/office/drawing/2014/main" id="{AE7BAAEC-D3F2-5B47-B91E-1FF405880938}"/>
+                </a:ext>
+              </a:extLst>
+            </p:cNvPr>
+            <p:cNvSpPr/>
+            <p:nvPr/>
+          </p:nvSpPr>
+          <p:spPr>
+            <a:xfrm>
+              <a:off x="688457" y="542690"/>
+              <a:ext cx="1833648" cy="619272"/>
+            </a:xfrm>
+            <a:prstGeom prst="rect">
+              <a:avLst/>
+            </a:prstGeom>
+            <a:ln w="25400">
+              <a:solidFill>
+                <a:srgbClr val="5DA2C5"/>
+              </a:solidFill>
+            </a:ln>
+          </p:spPr>
+          <p:style>
+            <a:lnRef idx="1">
+              <a:schemeClr val="accent1"/>
+            </a:lnRef>
+            <a:fillRef idx="0">
+              <a:schemeClr val="accent1"/>
+            </a:fillRef>
+            <a:effectRef idx="0">
+              <a:schemeClr val="accent1"/>
+            </a:effectRef>
+            <a:fontRef idx="minor">
+              <a:schemeClr val="tx1"/>
+            </a:fontRef>
+          </p:style>
+          <p:txBody>
+            <a:bodyPr rtlCol="0" anchor="ctr"/>
+            <a:lstStyle/>
+            <a:p>
+              <a:pPr algn="ctr"/>
+              <a:endParaRPr kumimoji="1" lang="ko-Kore-KR" altLang="en-US"/>
+            </a:p>
+          </p:txBody>
+        </p:sp>
+      </p:grpSp>
+      <p:grpSp>
+        <p:nvGrpSpPr>
+          <p:cNvPr id="63" name="그룹 62">
+            <a:extLst>
+              <a:ext uri="{FF2B5EF4-FFF2-40B4-BE49-F238E27FC236}">
+                <a16:creationId xmlns:a16="http://schemas.microsoft.com/office/drawing/2014/main" id="{2EFDDDC6-87B1-5949-95C4-74EF250976BA}"/>
+              </a:ext>
+            </a:extLst>
+          </p:cNvPr>
+          <p:cNvGrpSpPr/>
+          <p:nvPr/>
+        </p:nvGrpSpPr>
+        <p:grpSpPr>
+          <a:xfrm>
+            <a:off x="7448485" y="3437880"/>
+            <a:ext cx="1833648" cy="619272"/>
+            <a:chOff x="688457" y="542690"/>
+            <a:chExt cx="1833648" cy="619272"/>
+          </a:xfrm>
+        </p:grpSpPr>
+        <p:sp>
+          <p:nvSpPr>
+            <p:cNvPr id="64" name="TextBox 63">
+              <a:extLst>
+                <a:ext uri="{FF2B5EF4-FFF2-40B4-BE49-F238E27FC236}">
+                  <a16:creationId xmlns:a16="http://schemas.microsoft.com/office/drawing/2014/main" id="{6D52362D-FF76-AA46-8DA8-4C7CFCBA618C}"/>
+                </a:ext>
+              </a:extLst>
+            </p:cNvPr>
+            <p:cNvSpPr txBox="1"/>
+            <p:nvPr/>
+          </p:nvSpPr>
+          <p:spPr>
+            <a:xfrm>
+              <a:off x="765148" y="585839"/>
+              <a:ext cx="1684137" cy="523220"/>
+            </a:xfrm>
+            <a:prstGeom prst="rect">
+              <a:avLst/>
+            </a:prstGeom>
+            <a:noFill/>
+          </p:spPr>
+          <p:txBody>
+            <a:bodyPr wrap="square" rtlCol="0">
+              <a:spAutoFit/>
+            </a:bodyPr>
+            <a:lstStyle/>
+            <a:p>
+              <a:pPr algn="ctr"/>
+              <a:r>
+                <a:rPr kumimoji="1" lang="en-US" altLang="ko-Kore-KR" sz="1400" b="1" dirty="0" err="1">
+                  <a:solidFill>
+                    <a:srgbClr val="5DA2C5"/>
+                  </a:solidFill>
+                  <a:latin typeface="SHeadG" panose="02030600000101010101" pitchFamily="18" charset="-127"/>
+                  <a:ea typeface="SHeadG" panose="02030600000101010101" pitchFamily="18" charset="-127"/>
+                </a:rPr>
+                <a:t>UpdateAccount</a:t>
+              </a:r>
+              <a:endParaRPr kumimoji="1" lang="en-US" altLang="ko-Kore-KR" sz="1400" b="1" dirty="0">
+                <a:solidFill>
+                  <a:srgbClr val="5DA2C5"/>
+                </a:solidFill>
+                <a:latin typeface="SHeadG" panose="02030600000101010101" pitchFamily="18" charset="-127"/>
+                <a:ea typeface="SHeadG" panose="02030600000101010101" pitchFamily="18" charset="-127"/>
+              </a:endParaRPr>
+            </a:p>
+            <a:p>
+              <a:pPr algn="ctr"/>
+              <a:r>
+                <a:rPr kumimoji="1" lang="en-US" altLang="ko-Kore-KR" sz="1400" b="1" dirty="0" err="1">
+                  <a:solidFill>
+                    <a:srgbClr val="5DA2C5"/>
+                  </a:solidFill>
+                  <a:latin typeface="SHeadG" panose="02030600000101010101" pitchFamily="18" charset="-127"/>
+                  <a:ea typeface="SHeadG" panose="02030600000101010101" pitchFamily="18" charset="-127"/>
+                </a:rPr>
+                <a:t>StatePort</a:t>
+              </a:r>
+              <a:endParaRPr kumimoji="1" lang="en-US" altLang="ko-Kore-KR" sz="1400" b="1" dirty="0">
+                <a:solidFill>
+                  <a:srgbClr val="5DA2C5"/>
+                </a:solidFill>
+                <a:latin typeface="SHeadG" panose="02030600000101010101" pitchFamily="18" charset="-127"/>
+                <a:ea typeface="SHeadG" panose="02030600000101010101" pitchFamily="18" charset="-127"/>
+              </a:endParaRPr>
+            </a:p>
+          </p:txBody>
+        </p:sp>
+        <p:sp>
+          <p:nvSpPr>
+            <p:cNvPr id="65" name="직사각형 64">
+              <a:extLst>
+                <a:ext uri="{FF2B5EF4-FFF2-40B4-BE49-F238E27FC236}">
+                  <a16:creationId xmlns:a16="http://schemas.microsoft.com/office/drawing/2014/main" id="{4B43E7E4-11C4-534B-BE4F-B49FF4C3B1F3}"/>
+                </a:ext>
+              </a:extLst>
+            </p:cNvPr>
+            <p:cNvSpPr/>
+            <p:nvPr/>
+          </p:nvSpPr>
+          <p:spPr>
+            <a:xfrm>
+              <a:off x="688457" y="542690"/>
+              <a:ext cx="1833648" cy="619272"/>
+            </a:xfrm>
+            <a:prstGeom prst="rect">
+              <a:avLst/>
+            </a:prstGeom>
+            <a:ln w="25400">
+              <a:solidFill>
+                <a:srgbClr val="5DA2C5"/>
+              </a:solidFill>
+            </a:ln>
+          </p:spPr>
+          <p:style>
+            <a:lnRef idx="1">
+              <a:schemeClr val="accent1"/>
+            </a:lnRef>
+            <a:fillRef idx="0">
+              <a:schemeClr val="accent1"/>
+            </a:fillRef>
+            <a:effectRef idx="0">
+              <a:schemeClr val="accent1"/>
+            </a:effectRef>
+            <a:fontRef idx="minor">
+              <a:schemeClr val="tx1"/>
+            </a:fontRef>
+          </p:style>
+          <p:txBody>
+            <a:bodyPr rtlCol="0" anchor="ctr"/>
+            <a:lstStyle/>
+            <a:p>
+              <a:pPr algn="ctr"/>
+              <a:endParaRPr kumimoji="1" lang="ko-Kore-KR" altLang="en-US"/>
+            </a:p>
+          </p:txBody>
+        </p:sp>
+      </p:grpSp>
+      <p:grpSp>
+        <p:nvGrpSpPr>
+          <p:cNvPr id="66" name="그룹 65">
+            <a:extLst>
+              <a:ext uri="{FF2B5EF4-FFF2-40B4-BE49-F238E27FC236}">
+                <a16:creationId xmlns:a16="http://schemas.microsoft.com/office/drawing/2014/main" id="{8F2C28C5-EA35-754A-ABC0-5681FAB767A5}"/>
+              </a:ext>
+            </a:extLst>
+          </p:cNvPr>
+          <p:cNvGrpSpPr/>
+          <p:nvPr/>
+        </p:nvGrpSpPr>
+        <p:grpSpPr>
+          <a:xfrm>
+            <a:off x="9701828" y="3433003"/>
+            <a:ext cx="1833648" cy="621541"/>
+            <a:chOff x="688457" y="542690"/>
+            <a:chExt cx="1833648" cy="621541"/>
+          </a:xfrm>
+        </p:grpSpPr>
+        <p:sp>
+          <p:nvSpPr>
+            <p:cNvPr id="71" name="TextBox 70">
+              <a:extLst>
+                <a:ext uri="{FF2B5EF4-FFF2-40B4-BE49-F238E27FC236}">
+                  <a16:creationId xmlns:a16="http://schemas.microsoft.com/office/drawing/2014/main" id="{572D1678-9650-EF42-B5C9-D94F3F795407}"/>
+                </a:ext>
+              </a:extLst>
+            </p:cNvPr>
+            <p:cNvSpPr txBox="1"/>
+            <p:nvPr/>
+          </p:nvSpPr>
+          <p:spPr>
+            <a:xfrm>
+              <a:off x="765148" y="564067"/>
+              <a:ext cx="1684137" cy="600164"/>
+            </a:xfrm>
+            <a:prstGeom prst="rect">
+              <a:avLst/>
+            </a:prstGeom>
+            <a:noFill/>
+          </p:spPr>
+          <p:txBody>
+            <a:bodyPr wrap="square" rtlCol="0">
+              <a:spAutoFit/>
+            </a:bodyPr>
+            <a:lstStyle/>
+            <a:p>
+              <a:pPr algn="ctr"/>
+              <a:r>
+                <a:rPr kumimoji="1" lang="en-US" altLang="ko-Kore-KR" sz="1100" b="1" dirty="0">
+                  <a:solidFill>
+                    <a:srgbClr val="5DA2C5"/>
+                  </a:solidFill>
+                  <a:latin typeface="SHeadG" panose="02030600000101010101" pitchFamily="18" charset="-127"/>
+                  <a:ea typeface="SHeadG" panose="02030600000101010101" pitchFamily="18" charset="-127"/>
+                </a:rPr>
+                <a:t>Account </a:t>
+              </a:r>
+            </a:p>
+            <a:p>
+              <a:pPr algn="ctr"/>
+              <a:r>
+                <a:rPr kumimoji="1" lang="en-US" altLang="ko-Kore-KR" sz="1100" b="1" dirty="0">
+                  <a:solidFill>
+                    <a:srgbClr val="5DA2C5"/>
+                  </a:solidFill>
+                  <a:latin typeface="SHeadG" panose="02030600000101010101" pitchFamily="18" charset="-127"/>
+                  <a:ea typeface="SHeadG" panose="02030600000101010101" pitchFamily="18" charset="-127"/>
+                </a:rPr>
+                <a:t>Persistence </a:t>
+              </a:r>
+            </a:p>
+            <a:p>
+              <a:pPr algn="ctr"/>
+              <a:r>
+                <a:rPr kumimoji="1" lang="en-US" altLang="ko-Kore-KR" sz="1100" b="1" dirty="0">
+                  <a:solidFill>
+                    <a:srgbClr val="5DA2C5"/>
+                  </a:solidFill>
+                  <a:latin typeface="SHeadG" panose="02030600000101010101" pitchFamily="18" charset="-127"/>
+                  <a:ea typeface="SHeadG" panose="02030600000101010101" pitchFamily="18" charset="-127"/>
+                </a:rPr>
+                <a:t>Adapter</a:t>
+              </a:r>
+            </a:p>
+          </p:txBody>
+        </p:sp>
+        <p:sp>
+          <p:nvSpPr>
+            <p:cNvPr id="72" name="직사각형 71">
+              <a:extLst>
+                <a:ext uri="{FF2B5EF4-FFF2-40B4-BE49-F238E27FC236}">
+                  <a16:creationId xmlns:a16="http://schemas.microsoft.com/office/drawing/2014/main" id="{C74E7346-9AB0-5241-A9BC-9A778FBE170A}"/>
+                </a:ext>
+              </a:extLst>
+            </p:cNvPr>
+            <p:cNvSpPr/>
+            <p:nvPr/>
+          </p:nvSpPr>
+          <p:spPr>
+            <a:xfrm>
+              <a:off x="688457" y="542690"/>
+              <a:ext cx="1833648" cy="619272"/>
+            </a:xfrm>
+            <a:prstGeom prst="rect">
+              <a:avLst/>
+            </a:prstGeom>
+            <a:ln w="25400">
+              <a:solidFill>
+                <a:srgbClr val="5DA2C5"/>
+              </a:solidFill>
+            </a:ln>
+          </p:spPr>
+          <p:style>
+            <a:lnRef idx="1">
+              <a:schemeClr val="accent1"/>
+            </a:lnRef>
+            <a:fillRef idx="0">
+              <a:schemeClr val="accent1"/>
+            </a:fillRef>
+            <a:effectRef idx="0">
+              <a:schemeClr val="accent1"/>
+            </a:effectRef>
+            <a:fontRef idx="minor">
+              <a:schemeClr val="tx1"/>
+            </a:fontRef>
+          </p:style>
+          <p:txBody>
+            <a:bodyPr rtlCol="0" anchor="ctr"/>
+            <a:lstStyle/>
+            <a:p>
+              <a:pPr algn="ctr"/>
+              <a:endParaRPr kumimoji="1" lang="ko-Kore-KR" altLang="en-US"/>
+            </a:p>
+          </p:txBody>
+        </p:sp>
+      </p:grpSp>
+      <p:cxnSp>
+        <p:nvCxnSpPr>
+          <p:cNvPr id="73" name="직선 화살표 연결선 72">
+            <a:extLst>
+              <a:ext uri="{FF2B5EF4-FFF2-40B4-BE49-F238E27FC236}">
+                <a16:creationId xmlns:a16="http://schemas.microsoft.com/office/drawing/2014/main" id="{DB7759EC-F24D-8944-9B35-691FA5B46673}"/>
+              </a:ext>
+            </a:extLst>
+          </p:cNvPr>
+          <p:cNvCxnSpPr>
+            <a:cxnSpLocks/>
+            <a:stCxn id="56" idx="3"/>
+            <a:endCxn id="59" idx="1"/>
+          </p:cNvCxnSpPr>
+          <p:nvPr/>
+        </p:nvCxnSpPr>
+        <p:spPr>
+          <a:xfrm>
+            <a:off x="2522104" y="3757270"/>
+            <a:ext cx="419695" cy="0"/>
+          </a:xfrm>
+          <a:prstGeom prst="straightConnector1">
+            <a:avLst/>
+          </a:prstGeom>
+          <a:ln w="25400">
+            <a:solidFill>
+              <a:srgbClr val="5DA2C5"/>
+            </a:solidFill>
+            <a:tailEnd type="stealth" w="lg" len="lg"/>
+          </a:ln>
+        </p:spPr>
+        <p:style>
+          <a:lnRef idx="1">
+            <a:schemeClr val="accent1"/>
+          </a:lnRef>
+          <a:fillRef idx="0">
+            <a:schemeClr val="accent1"/>
+          </a:fillRef>
+          <a:effectRef idx="0">
+            <a:schemeClr val="accent1"/>
+          </a:effectRef>
+          <a:fontRef idx="minor">
+            <a:schemeClr val="tx1"/>
+          </a:fontRef>
+        </p:style>
+      </p:cxnSp>
+      <p:cxnSp>
+        <p:nvCxnSpPr>
+          <p:cNvPr id="74" name="직선 화살표 연결선 73">
+            <a:extLst>
+              <a:ext uri="{FF2B5EF4-FFF2-40B4-BE49-F238E27FC236}">
+                <a16:creationId xmlns:a16="http://schemas.microsoft.com/office/drawing/2014/main" id="{EFF3977F-E8A7-F84F-8977-EB9FB18D4FB0}"/>
+              </a:ext>
+            </a:extLst>
+          </p:cNvPr>
+          <p:cNvCxnSpPr>
+            <a:cxnSpLocks/>
+            <a:stCxn id="62" idx="3"/>
+            <a:endCxn id="65" idx="1"/>
+          </p:cNvCxnSpPr>
+          <p:nvPr/>
+        </p:nvCxnSpPr>
+        <p:spPr>
+          <a:xfrm flipV="1">
+            <a:off x="7028790" y="3747516"/>
+            <a:ext cx="419695" cy="4877"/>
+          </a:xfrm>
+          <a:prstGeom prst="straightConnector1">
+            <a:avLst/>
+          </a:prstGeom>
+          <a:ln w="25400">
+            <a:solidFill>
+              <a:srgbClr val="5DA2C5"/>
+            </a:solidFill>
+            <a:tailEnd type="stealth" w="lg" len="lg"/>
+          </a:ln>
+        </p:spPr>
+        <p:style>
+          <a:lnRef idx="1">
+            <a:schemeClr val="accent1"/>
+          </a:lnRef>
+          <a:fillRef idx="0">
+            <a:schemeClr val="accent1"/>
+          </a:fillRef>
+          <a:effectRef idx="0">
+            <a:schemeClr val="accent1"/>
+          </a:effectRef>
+          <a:fontRef idx="minor">
+            <a:schemeClr val="tx1"/>
+          </a:fontRef>
+        </p:style>
+      </p:cxnSp>
+      <p:cxnSp>
+        <p:nvCxnSpPr>
+          <p:cNvPr id="75" name="직선 화살표 연결선 74">
+            <a:extLst>
+              <a:ext uri="{FF2B5EF4-FFF2-40B4-BE49-F238E27FC236}">
+                <a16:creationId xmlns:a16="http://schemas.microsoft.com/office/drawing/2014/main" id="{2C337674-6471-484A-B597-CB68D3737EA1}"/>
+              </a:ext>
+            </a:extLst>
+          </p:cNvPr>
+          <p:cNvCxnSpPr>
+            <a:cxnSpLocks/>
+            <a:stCxn id="62" idx="2"/>
+            <a:endCxn id="78" idx="0"/>
+          </p:cNvCxnSpPr>
+          <p:nvPr/>
+        </p:nvCxnSpPr>
+        <p:spPr>
+          <a:xfrm>
+            <a:off x="6111966" y="4062029"/>
+            <a:ext cx="0" cy="578157"/>
+          </a:xfrm>
+          <a:prstGeom prst="straightConnector1">
+            <a:avLst/>
+          </a:prstGeom>
+          <a:ln w="25400">
+            <a:solidFill>
+              <a:srgbClr val="5DA2C5"/>
+            </a:solidFill>
+            <a:tailEnd type="stealth" w="lg" len="lg"/>
+          </a:ln>
+        </p:spPr>
+        <p:style>
+          <a:lnRef idx="1">
+            <a:schemeClr val="accent1"/>
+          </a:lnRef>
+          <a:fillRef idx="0">
+            <a:schemeClr val="accent1"/>
+          </a:fillRef>
+          <a:effectRef idx="0">
+            <a:schemeClr val="accent1"/>
+          </a:effectRef>
+          <a:fontRef idx="minor">
+            <a:schemeClr val="tx1"/>
+          </a:fontRef>
+        </p:style>
+      </p:cxnSp>
+      <p:grpSp>
+        <p:nvGrpSpPr>
+          <p:cNvPr id="76" name="그룹 75">
+            <a:extLst>
+              <a:ext uri="{FF2B5EF4-FFF2-40B4-BE49-F238E27FC236}">
+                <a16:creationId xmlns:a16="http://schemas.microsoft.com/office/drawing/2014/main" id="{23452FF9-191F-3E48-9275-081B8086B65F}"/>
+              </a:ext>
+            </a:extLst>
+          </p:cNvPr>
+          <p:cNvGrpSpPr/>
+          <p:nvPr/>
+        </p:nvGrpSpPr>
+        <p:grpSpPr>
+          <a:xfrm>
+            <a:off x="5195142" y="4640186"/>
+            <a:ext cx="1833648" cy="619272"/>
+            <a:chOff x="688457" y="542690"/>
+            <a:chExt cx="1833648" cy="619272"/>
+          </a:xfrm>
+        </p:grpSpPr>
+        <p:sp>
+          <p:nvSpPr>
+            <p:cNvPr id="77" name="TextBox 76">
+              <a:extLst>
+                <a:ext uri="{FF2B5EF4-FFF2-40B4-BE49-F238E27FC236}">
+                  <a16:creationId xmlns:a16="http://schemas.microsoft.com/office/drawing/2014/main" id="{9FD43F75-6087-9A44-A0D9-64F5A8B01108}"/>
+                </a:ext>
+              </a:extLst>
+            </p:cNvPr>
+            <p:cNvSpPr txBox="1"/>
+            <p:nvPr/>
+          </p:nvSpPr>
+          <p:spPr>
+            <a:xfrm>
+              <a:off x="765148" y="698437"/>
+              <a:ext cx="1684137" cy="307777"/>
+            </a:xfrm>
+            <a:prstGeom prst="rect">
+              <a:avLst/>
+            </a:prstGeom>
+            <a:noFill/>
+          </p:spPr>
+          <p:txBody>
+            <a:bodyPr wrap="square" rtlCol="0">
+              <a:spAutoFit/>
+            </a:bodyPr>
+            <a:lstStyle/>
+            <a:p>
+              <a:pPr algn="ctr"/>
+              <a:r>
+                <a:rPr kumimoji="1" lang="en-US" altLang="ko-Kore-KR" sz="1400" b="1" dirty="0">
+                  <a:solidFill>
+                    <a:srgbClr val="5DA2C5"/>
+                  </a:solidFill>
+                  <a:latin typeface="SHeadG" panose="02030600000101010101" pitchFamily="18" charset="-127"/>
+                  <a:ea typeface="SHeadG" panose="02030600000101010101" pitchFamily="18" charset="-127"/>
+                </a:rPr>
+                <a:t>Account</a:t>
+              </a:r>
+            </a:p>
+          </p:txBody>
+        </p:sp>
+        <p:sp>
+          <p:nvSpPr>
+            <p:cNvPr id="78" name="직사각형 77">
+              <a:extLst>
+                <a:ext uri="{FF2B5EF4-FFF2-40B4-BE49-F238E27FC236}">
+                  <a16:creationId xmlns:a16="http://schemas.microsoft.com/office/drawing/2014/main" id="{E38EAA67-3AB9-9D4D-97A3-2DC21ADA0C62}"/>
+                </a:ext>
+              </a:extLst>
+            </p:cNvPr>
+            <p:cNvSpPr/>
+            <p:nvPr/>
+          </p:nvSpPr>
+          <p:spPr>
+            <a:xfrm>
+              <a:off x="688457" y="542690"/>
+              <a:ext cx="1833648" cy="619272"/>
+            </a:xfrm>
+            <a:prstGeom prst="rect">
+              <a:avLst/>
+            </a:prstGeom>
+            <a:ln w="25400">
+              <a:solidFill>
+                <a:srgbClr val="5DA2C5"/>
+              </a:solidFill>
+            </a:ln>
+          </p:spPr>
+          <p:style>
+            <a:lnRef idx="1">
+              <a:schemeClr val="accent1"/>
+            </a:lnRef>
+            <a:fillRef idx="0">
+              <a:schemeClr val="accent1"/>
+            </a:fillRef>
+            <a:effectRef idx="0">
+              <a:schemeClr val="accent1"/>
+            </a:effectRef>
+            <a:fontRef idx="minor">
+              <a:schemeClr val="tx1"/>
+            </a:fontRef>
+          </p:style>
+          <p:txBody>
+            <a:bodyPr rtlCol="0" anchor="ctr"/>
+            <a:lstStyle/>
+            <a:p>
+              <a:pPr algn="ctr"/>
+              <a:endParaRPr kumimoji="1" lang="ko-Kore-KR" altLang="en-US"/>
+            </a:p>
+          </p:txBody>
+        </p:sp>
+      </p:grpSp>
+      <p:cxnSp>
+        <p:nvCxnSpPr>
+          <p:cNvPr id="79" name="꺾인 연결선[E] 78">
+            <a:extLst>
+              <a:ext uri="{FF2B5EF4-FFF2-40B4-BE49-F238E27FC236}">
+                <a16:creationId xmlns:a16="http://schemas.microsoft.com/office/drawing/2014/main" id="{AF81AB27-B9C7-AB42-BC71-BB9407352575}"/>
+              </a:ext>
+            </a:extLst>
+          </p:cNvPr>
+          <p:cNvCxnSpPr>
+            <a:cxnSpLocks/>
+            <a:stCxn id="59" idx="2"/>
+            <a:endCxn id="78" idx="1"/>
+          </p:cNvCxnSpPr>
+          <p:nvPr/>
+        </p:nvCxnSpPr>
+        <p:spPr>
+          <a:xfrm rot="16200000" flipH="1">
+            <a:off x="4085424" y="3840104"/>
+            <a:ext cx="882916" cy="1336519"/>
+          </a:xfrm>
+          <a:prstGeom prst="bentConnector2">
+            <a:avLst/>
+          </a:prstGeom>
+          <a:ln w="25400">
+            <a:solidFill>
+              <a:srgbClr val="5DA2C5"/>
+            </a:solidFill>
+            <a:tailEnd type="stealth" w="lg" len="lg"/>
+          </a:ln>
+        </p:spPr>
+        <p:style>
+          <a:lnRef idx="1">
+            <a:schemeClr val="accent1"/>
+          </a:lnRef>
+          <a:fillRef idx="0">
+            <a:schemeClr val="accent1"/>
+          </a:fillRef>
+          <a:effectRef idx="0">
+            <a:schemeClr val="accent1"/>
+          </a:effectRef>
+          <a:fontRef idx="minor">
+            <a:schemeClr val="tx1"/>
+          </a:fontRef>
+        </p:style>
+      </p:cxnSp>
+      <p:cxnSp>
+        <p:nvCxnSpPr>
+          <p:cNvPr id="80" name="꺾인 연결선[E] 79">
+            <a:extLst>
+              <a:ext uri="{FF2B5EF4-FFF2-40B4-BE49-F238E27FC236}">
+                <a16:creationId xmlns:a16="http://schemas.microsoft.com/office/drawing/2014/main" id="{3730960F-65F6-5D46-8D3E-DD2F07C26981}"/>
+              </a:ext>
+            </a:extLst>
+          </p:cNvPr>
+          <p:cNvCxnSpPr>
+            <a:cxnSpLocks/>
+            <a:stCxn id="65" idx="2"/>
+            <a:endCxn id="78" idx="3"/>
+          </p:cNvCxnSpPr>
+          <p:nvPr/>
+        </p:nvCxnSpPr>
+        <p:spPr>
+          <a:xfrm rot="5400000">
+            <a:off x="7250715" y="3835228"/>
+            <a:ext cx="892670" cy="1336519"/>
+          </a:xfrm>
+          <a:prstGeom prst="bentConnector2">
+            <a:avLst/>
+          </a:prstGeom>
+          <a:ln w="25400">
+            <a:solidFill>
+              <a:srgbClr val="5DA2C5"/>
+            </a:solidFill>
+            <a:tailEnd type="stealth" w="lg" len="lg"/>
+          </a:ln>
+        </p:spPr>
+        <p:style>
+          <a:lnRef idx="1">
+            <a:schemeClr val="accent1"/>
+          </a:lnRef>
+          <a:fillRef idx="0">
+            <a:schemeClr val="accent1"/>
+          </a:fillRef>
+          <a:effectRef idx="0">
+            <a:schemeClr val="accent1"/>
+          </a:effectRef>
+          <a:fontRef idx="minor">
+            <a:schemeClr val="tx1"/>
+          </a:fontRef>
+        </p:style>
+      </p:cxnSp>
+      <p:cxnSp>
+        <p:nvCxnSpPr>
+          <p:cNvPr id="81" name="직선 화살표 연결선 80">
+            <a:extLst>
+              <a:ext uri="{FF2B5EF4-FFF2-40B4-BE49-F238E27FC236}">
+                <a16:creationId xmlns:a16="http://schemas.microsoft.com/office/drawing/2014/main" id="{55AF8BE4-C98D-0C47-B960-E0DD7EF2179B}"/>
+              </a:ext>
+            </a:extLst>
+          </p:cNvPr>
+          <p:cNvCxnSpPr>
+            <a:cxnSpLocks/>
+            <a:stCxn id="72" idx="1"/>
+            <a:endCxn id="65" idx="3"/>
+          </p:cNvCxnSpPr>
+          <p:nvPr/>
+        </p:nvCxnSpPr>
+        <p:spPr>
+          <a:xfrm flipH="1">
+            <a:off x="9282133" y="3742639"/>
+            <a:ext cx="419695" cy="4877"/>
+          </a:xfrm>
+          <a:prstGeom prst="straightConnector1">
+            <a:avLst/>
+          </a:prstGeom>
+          <a:ln w="25400">
+            <a:solidFill>
+              <a:srgbClr val="5DA2C5"/>
+            </a:solidFill>
+            <a:tailEnd type="stealth" w="lg" len="lg"/>
+          </a:ln>
+        </p:spPr>
+        <p:style>
+          <a:lnRef idx="1">
+            <a:schemeClr val="accent1"/>
+          </a:lnRef>
+          <a:fillRef idx="0">
+            <a:schemeClr val="accent1"/>
+          </a:fillRef>
+          <a:effectRef idx="0">
+            <a:schemeClr val="accent1"/>
+          </a:effectRef>
+          <a:fontRef idx="minor">
+            <a:schemeClr val="tx1"/>
+          </a:fontRef>
+        </p:style>
+      </p:cxnSp>
+      <p:sp>
+        <p:nvSpPr>
+          <p:cNvPr id="82" name="삼각형 81">
+            <a:extLst>
+              <a:ext uri="{FF2B5EF4-FFF2-40B4-BE49-F238E27FC236}">
+                <a16:creationId xmlns:a16="http://schemas.microsoft.com/office/drawing/2014/main" id="{808788A2-1EB3-6D4F-8F54-1ED4FA16BEAB}"/>
+              </a:ext>
+            </a:extLst>
+          </p:cNvPr>
+          <p:cNvSpPr/>
+          <p:nvPr/>
+        </p:nvSpPr>
+        <p:spPr>
+          <a:xfrm rot="16200000">
+            <a:off x="9277587" y="3686515"/>
+            <a:ext cx="132203" cy="123111"/>
+          </a:xfrm>
+          <a:prstGeom prst="triangle">
+            <a:avLst/>
+          </a:prstGeom>
+          <a:solidFill>
+            <a:schemeClr val="bg1"/>
+          </a:solidFill>
+          <a:ln w="19050">
+            <a:solidFill>
+              <a:srgbClr val="5DA2C5"/>
+            </a:solidFill>
+          </a:ln>
+        </p:spPr>
+        <p:style>
+          <a:lnRef idx="2">
+            <a:schemeClr val="accent1">
+              <a:shade val="50000"/>
+            </a:schemeClr>
+          </a:lnRef>
+          <a:fillRef idx="1">
+            <a:schemeClr val="accent1"/>
+          </a:fillRef>
+          <a:effectRef idx="0">
+            <a:schemeClr val="accent1"/>
+          </a:effectRef>
+          <a:fontRef idx="minor">
+            <a:schemeClr val="lt1"/>
+          </a:fontRef>
+        </p:style>
+        <p:txBody>
+          <a:bodyPr rtlCol="0" anchor="ctr"/>
+          <a:lstStyle/>
+          <a:p>
+            <a:pPr algn="ctr"/>
+            <a:endParaRPr kumimoji="1" lang="ko-Kore-KR" altLang="en-US"/>
+          </a:p>
+        </p:txBody>
+      </p:sp>
+      <p:cxnSp>
+        <p:nvCxnSpPr>
+          <p:cNvPr id="83" name="직선 화살표 연결선 82">
+            <a:extLst>
+              <a:ext uri="{FF2B5EF4-FFF2-40B4-BE49-F238E27FC236}">
+                <a16:creationId xmlns:a16="http://schemas.microsoft.com/office/drawing/2014/main" id="{717A8D91-9002-C24F-B05A-50C420C93156}"/>
+              </a:ext>
+            </a:extLst>
+          </p:cNvPr>
+          <p:cNvCxnSpPr>
+            <a:cxnSpLocks/>
+          </p:cNvCxnSpPr>
+          <p:nvPr/>
+        </p:nvCxnSpPr>
+        <p:spPr>
+          <a:xfrm flipH="1">
+            <a:off x="4775447" y="3762199"/>
+            <a:ext cx="419695" cy="4877"/>
+          </a:xfrm>
+          <a:prstGeom prst="straightConnector1">
+            <a:avLst/>
+          </a:prstGeom>
+          <a:ln w="25400">
+            <a:solidFill>
+              <a:srgbClr val="5DA2C5"/>
+            </a:solidFill>
+            <a:tailEnd type="stealth" w="lg" len="lg"/>
+          </a:ln>
+        </p:spPr>
+        <p:style>
+          <a:lnRef idx="1">
+            <a:schemeClr val="accent1"/>
+          </a:lnRef>
+          <a:fillRef idx="0">
+            <a:schemeClr val="accent1"/>
+          </a:fillRef>
+          <a:effectRef idx="0">
+            <a:schemeClr val="accent1"/>
+          </a:effectRef>
+          <a:fontRef idx="minor">
+            <a:schemeClr val="tx1"/>
+          </a:fontRef>
+        </p:style>
+      </p:cxnSp>
+      <p:sp>
+        <p:nvSpPr>
+          <p:cNvPr id="84" name="삼각형 83">
+            <a:extLst>
+              <a:ext uri="{FF2B5EF4-FFF2-40B4-BE49-F238E27FC236}">
+                <a16:creationId xmlns:a16="http://schemas.microsoft.com/office/drawing/2014/main" id="{9A8EE8D4-EE11-C04F-B3CA-18B0EE7AB523}"/>
+              </a:ext>
+            </a:extLst>
+          </p:cNvPr>
+          <p:cNvSpPr/>
+          <p:nvPr/>
+        </p:nvSpPr>
+        <p:spPr>
+          <a:xfrm rot="16200000">
+            <a:off x="4770901" y="3706075"/>
+            <a:ext cx="132203" cy="123111"/>
+          </a:xfrm>
+          <a:prstGeom prst="triangle">
+            <a:avLst/>
+          </a:prstGeom>
+          <a:solidFill>
+            <a:schemeClr val="bg1"/>
+          </a:solidFill>
+          <a:ln w="19050">
+            <a:solidFill>
+              <a:srgbClr val="5DA2C5"/>
+            </a:solidFill>
+          </a:ln>
+        </p:spPr>
+        <p:style>
+          <a:lnRef idx="2">
+            <a:schemeClr val="accent1">
+              <a:shade val="50000"/>
+            </a:schemeClr>
+          </a:lnRef>
+          <a:fillRef idx="1">
+            <a:schemeClr val="accent1"/>
+          </a:fillRef>
+          <a:effectRef idx="0">
+            <a:schemeClr val="accent1"/>
+          </a:effectRef>
+          <a:fontRef idx="minor">
+            <a:schemeClr val="lt1"/>
+          </a:fontRef>
+        </p:style>
+        <p:txBody>
+          <a:bodyPr rtlCol="0" anchor="ctr"/>
+          <a:lstStyle/>
+          <a:p>
+            <a:pPr algn="ctr"/>
+            <a:endParaRPr kumimoji="1" lang="ko-Kore-KR" altLang="en-US"/>
+          </a:p>
+        </p:txBody>
+      </p:sp>
+      <p:sp>
+        <p:nvSpPr>
+          <p:cNvPr id="85" name="TextBox 84">
+            <a:extLst>
+              <a:ext uri="{FF2B5EF4-FFF2-40B4-BE49-F238E27FC236}">
+                <a16:creationId xmlns:a16="http://schemas.microsoft.com/office/drawing/2014/main" id="{61AEAEDD-A0C8-B64E-BD1E-A021EE8BC4D8}"/>
+              </a:ext>
+            </a:extLst>
+          </p:cNvPr>
+          <p:cNvSpPr txBox="1"/>
+          <p:nvPr/>
+        </p:nvSpPr>
+        <p:spPr>
+          <a:xfrm>
+            <a:off x="3365783" y="3309892"/>
+            <a:ext cx="985680" cy="246221"/>
+          </a:xfrm>
+          <a:prstGeom prst="rect">
+            <a:avLst/>
+          </a:prstGeom>
+          <a:solidFill>
+            <a:schemeClr val="bg1"/>
+          </a:solidFill>
+        </p:spPr>
+        <p:txBody>
+          <a:bodyPr wrap="square" rtlCol="0">
+            <a:spAutoFit/>
+          </a:bodyPr>
+          <a:lstStyle/>
+          <a:p>
+            <a:pPr algn="ctr"/>
+            <a:r>
+              <a:rPr kumimoji="1" lang="en-US" altLang="ko-Kore-KR" sz="1000" dirty="0">
+                <a:solidFill>
+                  <a:srgbClr val="5DA2C5"/>
+                </a:solidFill>
+                <a:latin typeface="SHeadG" panose="02030600000101010101" pitchFamily="18" charset="-127"/>
+                <a:ea typeface="SHeadG" panose="02030600000101010101" pitchFamily="18" charset="-127"/>
+              </a:rPr>
+              <a:t>&lt;&lt;Interface&gt;&gt;</a:t>
+            </a:r>
+            <a:endParaRPr kumimoji="1" lang="ko-Kore-KR" altLang="en-US" sz="1000" dirty="0">
+              <a:solidFill>
+                <a:srgbClr val="5DA2C5"/>
+              </a:solidFill>
+              <a:latin typeface="SHeadG" panose="02030600000101010101" pitchFamily="18" charset="-127"/>
+              <a:ea typeface="SHeadG" panose="02030600000101010101" pitchFamily="18" charset="-127"/>
+            </a:endParaRPr>
+          </a:p>
+        </p:txBody>
+      </p:sp>
+      <p:sp>
+        <p:nvSpPr>
+          <p:cNvPr id="86" name="TextBox 85">
+            <a:extLst>
+              <a:ext uri="{FF2B5EF4-FFF2-40B4-BE49-F238E27FC236}">
+                <a16:creationId xmlns:a16="http://schemas.microsoft.com/office/drawing/2014/main" id="{1C106BAB-6290-2C4B-8307-38A8C7B0BF88}"/>
+              </a:ext>
+            </a:extLst>
+          </p:cNvPr>
+          <p:cNvSpPr txBox="1"/>
+          <p:nvPr/>
+        </p:nvSpPr>
+        <p:spPr>
+          <a:xfrm>
+            <a:off x="7838450" y="3305015"/>
+            <a:ext cx="985680" cy="246221"/>
+          </a:xfrm>
+          <a:prstGeom prst="rect">
+            <a:avLst/>
+          </a:prstGeom>
+          <a:solidFill>
+            <a:schemeClr val="bg1"/>
+          </a:solidFill>
+        </p:spPr>
+        <p:txBody>
+          <a:bodyPr wrap="square" rtlCol="0">
+            <a:spAutoFit/>
+          </a:bodyPr>
+          <a:lstStyle/>
+          <a:p>
+            <a:pPr algn="ctr"/>
+            <a:r>
+              <a:rPr kumimoji="1" lang="en-US" altLang="ko-Kore-KR" sz="1000" dirty="0">
+                <a:solidFill>
+                  <a:srgbClr val="5DA2C5"/>
+                </a:solidFill>
+                <a:latin typeface="SHeadG" panose="02030600000101010101" pitchFamily="18" charset="-127"/>
+                <a:ea typeface="SHeadG" panose="02030600000101010101" pitchFamily="18" charset="-127"/>
+              </a:rPr>
+              <a:t>&lt;&lt;Interface&gt;&gt;</a:t>
+            </a:r>
+            <a:endParaRPr kumimoji="1" lang="ko-Kore-KR" altLang="en-US" sz="1000" dirty="0">
+              <a:solidFill>
+                <a:srgbClr val="5DA2C5"/>
+              </a:solidFill>
+              <a:latin typeface="SHeadG" panose="02030600000101010101" pitchFamily="18" charset="-127"/>
+              <a:ea typeface="SHeadG" panose="02030600000101010101" pitchFamily="18" charset="-127"/>
+            </a:endParaRPr>
+          </a:p>
+        </p:txBody>
+      </p:sp>
+      <p:cxnSp>
+        <p:nvCxnSpPr>
+          <p:cNvPr id="87" name="직선 연결선[R] 86">
+            <a:extLst>
+              <a:ext uri="{FF2B5EF4-FFF2-40B4-BE49-F238E27FC236}">
+                <a16:creationId xmlns:a16="http://schemas.microsoft.com/office/drawing/2014/main" id="{EC378EB0-0EEA-9844-99E7-B784B45E00E7}"/>
+              </a:ext>
+            </a:extLst>
+          </p:cNvPr>
+          <p:cNvCxnSpPr>
+            <a:cxnSpLocks/>
+          </p:cNvCxnSpPr>
+          <p:nvPr/>
+        </p:nvCxnSpPr>
+        <p:spPr>
+          <a:xfrm>
+            <a:off x="2677879" y="3305015"/>
+            <a:ext cx="0" cy="2303089"/>
+          </a:xfrm>
+          <a:prstGeom prst="line">
+            <a:avLst/>
+          </a:prstGeom>
+          <a:ln w="25400">
+            <a:solidFill>
+              <a:srgbClr val="5DA2C5"/>
+            </a:solidFill>
+            <a:prstDash val="dash"/>
+          </a:ln>
+        </p:spPr>
+        <p:style>
+          <a:lnRef idx="1">
+            <a:schemeClr val="accent1"/>
+          </a:lnRef>
+          <a:fillRef idx="0">
+            <a:schemeClr val="accent1"/>
+          </a:fillRef>
+          <a:effectRef idx="0">
+            <a:schemeClr val="accent1"/>
+          </a:effectRef>
+          <a:fontRef idx="minor">
+            <a:schemeClr val="tx1"/>
+          </a:fontRef>
+        </p:style>
+      </p:cxnSp>
+      <p:cxnSp>
+        <p:nvCxnSpPr>
+          <p:cNvPr id="88" name="직선 연결선[R] 87">
+            <a:extLst>
+              <a:ext uri="{FF2B5EF4-FFF2-40B4-BE49-F238E27FC236}">
+                <a16:creationId xmlns:a16="http://schemas.microsoft.com/office/drawing/2014/main" id="{30260762-DD71-2E4B-B061-BEA358F5F093}"/>
+              </a:ext>
+            </a:extLst>
+          </p:cNvPr>
+          <p:cNvCxnSpPr>
+            <a:cxnSpLocks/>
+          </p:cNvCxnSpPr>
+          <p:nvPr/>
+        </p:nvCxnSpPr>
+        <p:spPr>
+          <a:xfrm>
+            <a:off x="9535879" y="3269233"/>
+            <a:ext cx="0" cy="2303089"/>
+          </a:xfrm>
+          <a:prstGeom prst="line">
+            <a:avLst/>
+          </a:prstGeom>
+          <a:ln w="25400">
+            <a:solidFill>
+              <a:srgbClr val="5DA2C5"/>
+            </a:solidFill>
+            <a:prstDash val="dash"/>
+          </a:ln>
+        </p:spPr>
+        <p:style>
+          <a:lnRef idx="1">
+            <a:schemeClr val="accent1"/>
+          </a:lnRef>
+          <a:fillRef idx="0">
+            <a:schemeClr val="accent1"/>
+          </a:fillRef>
+          <a:effectRef idx="0">
+            <a:schemeClr val="accent1"/>
+          </a:effectRef>
+          <a:fontRef idx="minor">
+            <a:schemeClr val="tx1"/>
+          </a:fontRef>
+        </p:style>
+      </p:cxnSp>
+      <p:cxnSp>
+        <p:nvCxnSpPr>
+          <p:cNvPr id="89" name="직선 연결선[R] 88">
+            <a:extLst>
+              <a:ext uri="{FF2B5EF4-FFF2-40B4-BE49-F238E27FC236}">
+                <a16:creationId xmlns:a16="http://schemas.microsoft.com/office/drawing/2014/main" id="{9D9E633B-F50E-184A-AECC-FC9676C158F2}"/>
+              </a:ext>
+            </a:extLst>
+          </p:cNvPr>
+          <p:cNvCxnSpPr>
+            <a:cxnSpLocks/>
+          </p:cNvCxnSpPr>
+          <p:nvPr/>
+        </p:nvCxnSpPr>
+        <p:spPr>
+          <a:xfrm>
+            <a:off x="2677879" y="4418058"/>
+            <a:ext cx="6847120" cy="0"/>
+          </a:xfrm>
+          <a:prstGeom prst="line">
+            <a:avLst/>
+          </a:prstGeom>
+          <a:ln w="25400">
+            <a:solidFill>
+              <a:srgbClr val="5DA2C5"/>
+            </a:solidFill>
+            <a:prstDash val="dash"/>
+          </a:ln>
+        </p:spPr>
+        <p:style>
+          <a:lnRef idx="1">
+            <a:schemeClr val="accent1"/>
+          </a:lnRef>
+          <a:fillRef idx="0">
+            <a:schemeClr val="accent1"/>
+          </a:fillRef>
+          <a:effectRef idx="0">
+            <a:schemeClr val="accent1"/>
+          </a:effectRef>
+          <a:fontRef idx="minor">
+            <a:schemeClr val="tx1"/>
+          </a:fontRef>
+        </p:style>
+      </p:cxnSp>
+      <p:grpSp>
+        <p:nvGrpSpPr>
+          <p:cNvPr id="90" name="그룹 89">
+            <a:extLst>
+              <a:ext uri="{FF2B5EF4-FFF2-40B4-BE49-F238E27FC236}">
+                <a16:creationId xmlns:a16="http://schemas.microsoft.com/office/drawing/2014/main" id="{825C78D6-4AB0-EF44-8808-61FBBABDBA61}"/>
+              </a:ext>
+            </a:extLst>
+          </p:cNvPr>
+          <p:cNvGrpSpPr/>
+          <p:nvPr/>
+        </p:nvGrpSpPr>
+        <p:grpSpPr>
+          <a:xfrm>
+            <a:off x="689365" y="4640186"/>
+            <a:ext cx="1833648" cy="619272"/>
+            <a:chOff x="688457" y="542690"/>
+            <a:chExt cx="1833648" cy="619272"/>
+          </a:xfrm>
+        </p:grpSpPr>
+        <p:sp>
+          <p:nvSpPr>
+            <p:cNvPr id="91" name="TextBox 90">
+              <a:extLst>
+                <a:ext uri="{FF2B5EF4-FFF2-40B4-BE49-F238E27FC236}">
+                  <a16:creationId xmlns:a16="http://schemas.microsoft.com/office/drawing/2014/main" id="{D5330F25-FBDE-2F4A-98AE-36EC266576C5}"/>
+                </a:ext>
+              </a:extLst>
+            </p:cNvPr>
+            <p:cNvSpPr txBox="1"/>
+            <p:nvPr/>
+          </p:nvSpPr>
+          <p:spPr>
+            <a:xfrm>
+              <a:off x="764239" y="693560"/>
+              <a:ext cx="1684137" cy="307777"/>
+            </a:xfrm>
+            <a:prstGeom prst="rect">
+              <a:avLst/>
+            </a:prstGeom>
+            <a:noFill/>
+          </p:spPr>
+          <p:txBody>
+            <a:bodyPr wrap="square" rtlCol="0">
+              <a:spAutoFit/>
+            </a:bodyPr>
+            <a:lstStyle/>
+            <a:p>
+              <a:pPr algn="ctr"/>
+              <a:r>
+                <a:rPr kumimoji="1" lang="en-US" altLang="ko-Kore-KR" sz="1400" b="1" dirty="0" err="1">
+                  <a:solidFill>
+                    <a:srgbClr val="5DA2C5"/>
+                  </a:solidFill>
+                  <a:latin typeface="SHeadG" panose="02030600000101010101" pitchFamily="18" charset="-127"/>
+                  <a:ea typeface="SHeadG" panose="02030600000101010101" pitchFamily="18" charset="-127"/>
+                </a:rPr>
+                <a:t>WebModel</a:t>
+              </a:r>
+              <a:endParaRPr kumimoji="1" lang="en-US" altLang="ko-Kore-KR" sz="1400" b="1" dirty="0">
+                <a:solidFill>
+                  <a:srgbClr val="5DA2C5"/>
+                </a:solidFill>
+                <a:latin typeface="SHeadG" panose="02030600000101010101" pitchFamily="18" charset="-127"/>
+                <a:ea typeface="SHeadG" panose="02030600000101010101" pitchFamily="18" charset="-127"/>
+              </a:endParaRPr>
+            </a:p>
+          </p:txBody>
+        </p:sp>
+        <p:sp>
+          <p:nvSpPr>
+            <p:cNvPr id="92" name="직사각형 91">
+              <a:extLst>
+                <a:ext uri="{FF2B5EF4-FFF2-40B4-BE49-F238E27FC236}">
+                  <a16:creationId xmlns:a16="http://schemas.microsoft.com/office/drawing/2014/main" id="{97A79D14-3365-9446-9CB7-ACA61607CEFC}"/>
+                </a:ext>
+              </a:extLst>
+            </p:cNvPr>
+            <p:cNvSpPr/>
+            <p:nvPr/>
+          </p:nvSpPr>
+          <p:spPr>
+            <a:xfrm>
+              <a:off x="688457" y="542690"/>
+              <a:ext cx="1833648" cy="619272"/>
+            </a:xfrm>
+            <a:prstGeom prst="rect">
+              <a:avLst/>
+            </a:prstGeom>
+            <a:ln w="25400">
+              <a:solidFill>
+                <a:srgbClr val="5DA2C5"/>
+              </a:solidFill>
+            </a:ln>
+          </p:spPr>
+          <p:style>
+            <a:lnRef idx="1">
+              <a:schemeClr val="accent1"/>
+            </a:lnRef>
+            <a:fillRef idx="0">
+              <a:schemeClr val="accent1"/>
+            </a:fillRef>
+            <a:effectRef idx="0">
+              <a:schemeClr val="accent1"/>
+            </a:effectRef>
+            <a:fontRef idx="minor">
+              <a:schemeClr val="tx1"/>
+            </a:fontRef>
+          </p:style>
+          <p:txBody>
+            <a:bodyPr rtlCol="0" anchor="ctr"/>
+            <a:lstStyle/>
+            <a:p>
+              <a:pPr algn="ctr"/>
+              <a:endParaRPr kumimoji="1" lang="ko-Kore-KR" altLang="en-US"/>
+            </a:p>
+          </p:txBody>
+        </p:sp>
+      </p:grpSp>
+      <p:grpSp>
+        <p:nvGrpSpPr>
+          <p:cNvPr id="93" name="그룹 92">
+            <a:extLst>
+              <a:ext uri="{FF2B5EF4-FFF2-40B4-BE49-F238E27FC236}">
+                <a16:creationId xmlns:a16="http://schemas.microsoft.com/office/drawing/2014/main" id="{9124F276-7228-9246-B2F9-D0864D209578}"/>
+              </a:ext>
+            </a:extLst>
+          </p:cNvPr>
+          <p:cNvGrpSpPr/>
+          <p:nvPr/>
+        </p:nvGrpSpPr>
+        <p:grpSpPr>
+          <a:xfrm>
+            <a:off x="9701828" y="4640186"/>
+            <a:ext cx="1833648" cy="619272"/>
+            <a:chOff x="688457" y="542690"/>
+            <a:chExt cx="1833648" cy="619272"/>
+          </a:xfrm>
+        </p:grpSpPr>
+        <p:sp>
+          <p:nvSpPr>
+            <p:cNvPr id="94" name="TextBox 93">
+              <a:extLst>
+                <a:ext uri="{FF2B5EF4-FFF2-40B4-BE49-F238E27FC236}">
+                  <a16:creationId xmlns:a16="http://schemas.microsoft.com/office/drawing/2014/main" id="{278B9C74-1DA0-0E4F-ACAA-1456564A59C4}"/>
+                </a:ext>
+              </a:extLst>
+            </p:cNvPr>
+            <p:cNvSpPr txBox="1"/>
+            <p:nvPr/>
+          </p:nvSpPr>
+          <p:spPr>
+            <a:xfrm>
+              <a:off x="765148" y="585839"/>
+              <a:ext cx="1684137" cy="523220"/>
+            </a:xfrm>
+            <a:prstGeom prst="rect">
+              <a:avLst/>
+            </a:prstGeom>
+            <a:noFill/>
+          </p:spPr>
+          <p:txBody>
+            <a:bodyPr wrap="square" rtlCol="0">
+              <a:spAutoFit/>
+            </a:bodyPr>
+            <a:lstStyle/>
+            <a:p>
+              <a:pPr algn="ctr"/>
+              <a:r>
+                <a:rPr kumimoji="1" lang="en-US" altLang="ko-Kore-KR" sz="1400" b="1" dirty="0">
+                  <a:solidFill>
+                    <a:srgbClr val="5DA2C5"/>
+                  </a:solidFill>
+                  <a:latin typeface="SHeadG" panose="02030600000101010101" pitchFamily="18" charset="-127"/>
+                  <a:ea typeface="SHeadG" panose="02030600000101010101" pitchFamily="18" charset="-127"/>
+                </a:rPr>
+                <a:t>Persistence</a:t>
+              </a:r>
+            </a:p>
+            <a:p>
+              <a:pPr algn="ctr"/>
+              <a:r>
+                <a:rPr kumimoji="1" lang="en-US" altLang="ko-Kore-KR" sz="1400" b="1" dirty="0">
+                  <a:solidFill>
+                    <a:srgbClr val="5DA2C5"/>
+                  </a:solidFill>
+                  <a:latin typeface="SHeadG" panose="02030600000101010101" pitchFamily="18" charset="-127"/>
+                  <a:ea typeface="SHeadG" panose="02030600000101010101" pitchFamily="18" charset="-127"/>
+                </a:rPr>
+                <a:t>Model</a:t>
+              </a:r>
+            </a:p>
+          </p:txBody>
+        </p:sp>
+        <p:sp>
+          <p:nvSpPr>
+            <p:cNvPr id="95" name="직사각형 94">
+              <a:extLst>
+                <a:ext uri="{FF2B5EF4-FFF2-40B4-BE49-F238E27FC236}">
+                  <a16:creationId xmlns:a16="http://schemas.microsoft.com/office/drawing/2014/main" id="{A3E179C1-51EB-5444-B6C3-4BCF233F47D6}"/>
+                </a:ext>
+              </a:extLst>
+            </p:cNvPr>
+            <p:cNvSpPr/>
+            <p:nvPr/>
+          </p:nvSpPr>
+          <p:spPr>
+            <a:xfrm>
+              <a:off x="688457" y="542690"/>
+              <a:ext cx="1833648" cy="619272"/>
+            </a:xfrm>
+            <a:prstGeom prst="rect">
+              <a:avLst/>
+            </a:prstGeom>
+            <a:ln w="25400">
+              <a:solidFill>
+                <a:srgbClr val="5DA2C5"/>
+              </a:solidFill>
+            </a:ln>
+          </p:spPr>
+          <p:style>
+            <a:lnRef idx="1">
+              <a:schemeClr val="accent1"/>
+            </a:lnRef>
+            <a:fillRef idx="0">
+              <a:schemeClr val="accent1"/>
+            </a:fillRef>
+            <a:effectRef idx="0">
+              <a:schemeClr val="accent1"/>
+            </a:effectRef>
+            <a:fontRef idx="minor">
+              <a:schemeClr val="tx1"/>
+            </a:fontRef>
+          </p:style>
+          <p:txBody>
+            <a:bodyPr rtlCol="0" anchor="ctr"/>
+            <a:lstStyle/>
+            <a:p>
+              <a:pPr algn="ctr"/>
+              <a:endParaRPr kumimoji="1" lang="ko-Kore-KR" altLang="en-US"/>
+            </a:p>
+          </p:txBody>
+        </p:sp>
+      </p:grpSp>
+      <p:cxnSp>
+        <p:nvCxnSpPr>
+          <p:cNvPr id="96" name="직선 화살표 연결선 95">
+            <a:extLst>
+              <a:ext uri="{FF2B5EF4-FFF2-40B4-BE49-F238E27FC236}">
+                <a16:creationId xmlns:a16="http://schemas.microsoft.com/office/drawing/2014/main" id="{B9EC727F-BE23-E442-B32C-6ACBD824AB82}"/>
+              </a:ext>
+            </a:extLst>
+          </p:cNvPr>
+          <p:cNvCxnSpPr>
+            <a:cxnSpLocks/>
+            <a:stCxn id="72" idx="2"/>
+            <a:endCxn id="95" idx="0"/>
+          </p:cNvCxnSpPr>
+          <p:nvPr/>
+        </p:nvCxnSpPr>
+        <p:spPr>
+          <a:xfrm>
+            <a:off x="10618652" y="4052275"/>
+            <a:ext cx="0" cy="587911"/>
+          </a:xfrm>
+          <a:prstGeom prst="straightConnector1">
+            <a:avLst/>
+          </a:prstGeom>
+          <a:ln w="25400">
+            <a:solidFill>
+              <a:srgbClr val="5DA2C5"/>
+            </a:solidFill>
+            <a:tailEnd type="stealth" w="lg" len="lg"/>
+          </a:ln>
+        </p:spPr>
+        <p:style>
+          <a:lnRef idx="1">
+            <a:schemeClr val="accent1"/>
+          </a:lnRef>
+          <a:fillRef idx="0">
+            <a:schemeClr val="accent1"/>
+          </a:fillRef>
+          <a:effectRef idx="0">
+            <a:schemeClr val="accent1"/>
+          </a:effectRef>
+          <a:fontRef idx="minor">
+            <a:schemeClr val="tx1"/>
+          </a:fontRef>
+        </p:style>
+      </p:cxnSp>
+      <p:cxnSp>
+        <p:nvCxnSpPr>
+          <p:cNvPr id="97" name="직선 화살표 연결선 96">
+            <a:extLst>
+              <a:ext uri="{FF2B5EF4-FFF2-40B4-BE49-F238E27FC236}">
+                <a16:creationId xmlns:a16="http://schemas.microsoft.com/office/drawing/2014/main" id="{190C98BC-F4E3-D540-A020-2C7B461BAA0B}"/>
+              </a:ext>
+            </a:extLst>
+          </p:cNvPr>
+          <p:cNvCxnSpPr>
+            <a:cxnSpLocks/>
+            <a:stCxn id="56" idx="2"/>
+            <a:endCxn id="92" idx="0"/>
+          </p:cNvCxnSpPr>
+          <p:nvPr/>
+        </p:nvCxnSpPr>
+        <p:spPr>
+          <a:xfrm>
+            <a:off x="1605280" y="4066906"/>
+            <a:ext cx="909" cy="573280"/>
+          </a:xfrm>
+          <a:prstGeom prst="straightConnector1">
+            <a:avLst/>
+          </a:prstGeom>
+          <a:ln w="25400">
+            <a:solidFill>
+              <a:srgbClr val="5DA2C5"/>
+            </a:solidFill>
+            <a:tailEnd type="stealth" w="lg" len="lg"/>
+          </a:ln>
+        </p:spPr>
+        <p:style>
+          <a:lnRef idx="1">
+            <a:schemeClr val="accent1"/>
+          </a:lnRef>
+          <a:fillRef idx="0">
+            <a:schemeClr val="accent1"/>
+          </a:fillRef>
+          <a:effectRef idx="0">
+            <a:schemeClr val="accent1"/>
+          </a:effectRef>
+          <a:fontRef idx="minor">
+            <a:schemeClr val="tx1"/>
+          </a:fontRef>
+        </p:style>
+      </p:cxnSp>
+    </p:spTree>
+    <p:extLst>
+      <p:ext uri="{BB962C8B-B14F-4D97-AF65-F5344CB8AC3E}">
+        <p14:creationId xmlns:p14="http://schemas.microsoft.com/office/powerpoint/2010/main" val="1259225417"/>
       </p:ext>
     </p:extLst>
   </p:cSld>

--- a/Get Your Hands Dirty on Clean Architecture/ref/프레젠테이션1.pptx
+++ b/Get Your Hands Dirty on Clean Architecture/ref/프레젠테이션1.pptx
@@ -19,6 +19,8 @@
     <p:sldId id="270" r:id="rId13"/>
     <p:sldId id="271" r:id="rId14"/>
     <p:sldId id="272" r:id="rId15"/>
+    <p:sldId id="273" r:id="rId16"/>
+    <p:sldId id="274" r:id="rId17"/>
   </p:sldIdLst>
   <p:sldSz cx="12192000" cy="6858000"/>
   <p:notesSz cx="6858000" cy="9144000"/>
@@ -256,7 +258,7 @@
           <a:p>
             <a:fld id="{3083E1A9-A397-4745-BD5D-6E8E767939EE}" type="datetimeFigureOut">
               <a:rPr kumimoji="1" lang="ko-Kore-KR" altLang="en-US" smtClean="0"/>
-              <a:t>2020. 12. 26.</a:t>
+              <a:t>2020. 12. 27.</a:t>
             </a:fld>
             <a:endParaRPr kumimoji="1" lang="ko-Kore-KR" altLang="en-US"/>
           </a:p>
@@ -426,7 +428,7 @@
           <a:p>
             <a:fld id="{3083E1A9-A397-4745-BD5D-6E8E767939EE}" type="datetimeFigureOut">
               <a:rPr kumimoji="1" lang="ko-Kore-KR" altLang="en-US" smtClean="0"/>
-              <a:t>2020. 12. 26.</a:t>
+              <a:t>2020. 12. 27.</a:t>
             </a:fld>
             <a:endParaRPr kumimoji="1" lang="ko-Kore-KR" altLang="en-US"/>
           </a:p>
@@ -606,7 +608,7 @@
           <a:p>
             <a:fld id="{3083E1A9-A397-4745-BD5D-6E8E767939EE}" type="datetimeFigureOut">
               <a:rPr kumimoji="1" lang="ko-Kore-KR" altLang="en-US" smtClean="0"/>
-              <a:t>2020. 12. 26.</a:t>
+              <a:t>2020. 12. 27.</a:t>
             </a:fld>
             <a:endParaRPr kumimoji="1" lang="ko-Kore-KR" altLang="en-US"/>
           </a:p>
@@ -776,7 +778,7 @@
           <a:p>
             <a:fld id="{3083E1A9-A397-4745-BD5D-6E8E767939EE}" type="datetimeFigureOut">
               <a:rPr kumimoji="1" lang="ko-Kore-KR" altLang="en-US" smtClean="0"/>
-              <a:t>2020. 12. 26.</a:t>
+              <a:t>2020. 12. 27.</a:t>
             </a:fld>
             <a:endParaRPr kumimoji="1" lang="ko-Kore-KR" altLang="en-US"/>
           </a:p>
@@ -1022,7 +1024,7 @@
           <a:p>
             <a:fld id="{3083E1A9-A397-4745-BD5D-6E8E767939EE}" type="datetimeFigureOut">
               <a:rPr kumimoji="1" lang="ko-Kore-KR" altLang="en-US" smtClean="0"/>
-              <a:t>2020. 12. 26.</a:t>
+              <a:t>2020. 12. 27.</a:t>
             </a:fld>
             <a:endParaRPr kumimoji="1" lang="ko-Kore-KR" altLang="en-US"/>
           </a:p>
@@ -1254,7 +1256,7 @@
           <a:p>
             <a:fld id="{3083E1A9-A397-4745-BD5D-6E8E767939EE}" type="datetimeFigureOut">
               <a:rPr kumimoji="1" lang="ko-Kore-KR" altLang="en-US" smtClean="0"/>
-              <a:t>2020. 12. 26.</a:t>
+              <a:t>2020. 12. 27.</a:t>
             </a:fld>
             <a:endParaRPr kumimoji="1" lang="ko-Kore-KR" altLang="en-US"/>
           </a:p>
@@ -1621,7 +1623,7 @@
           <a:p>
             <a:fld id="{3083E1A9-A397-4745-BD5D-6E8E767939EE}" type="datetimeFigureOut">
               <a:rPr kumimoji="1" lang="ko-Kore-KR" altLang="en-US" smtClean="0"/>
-              <a:t>2020. 12. 26.</a:t>
+              <a:t>2020. 12. 27.</a:t>
             </a:fld>
             <a:endParaRPr kumimoji="1" lang="ko-Kore-KR" altLang="en-US"/>
           </a:p>
@@ -1739,7 +1741,7 @@
           <a:p>
             <a:fld id="{3083E1A9-A397-4745-BD5D-6E8E767939EE}" type="datetimeFigureOut">
               <a:rPr kumimoji="1" lang="ko-Kore-KR" altLang="en-US" smtClean="0"/>
-              <a:t>2020. 12. 26.</a:t>
+              <a:t>2020. 12. 27.</a:t>
             </a:fld>
             <a:endParaRPr kumimoji="1" lang="ko-Kore-KR" altLang="en-US"/>
           </a:p>
@@ -1834,7 +1836,7 @@
           <a:p>
             <a:fld id="{3083E1A9-A397-4745-BD5D-6E8E767939EE}" type="datetimeFigureOut">
               <a:rPr kumimoji="1" lang="ko-Kore-KR" altLang="en-US" smtClean="0"/>
-              <a:t>2020. 12. 26.</a:t>
+              <a:t>2020. 12. 27.</a:t>
             </a:fld>
             <a:endParaRPr kumimoji="1" lang="ko-Kore-KR" altLang="en-US"/>
           </a:p>
@@ -2111,7 +2113,7 @@
           <a:p>
             <a:fld id="{3083E1A9-A397-4745-BD5D-6E8E767939EE}" type="datetimeFigureOut">
               <a:rPr kumimoji="1" lang="ko-Kore-KR" altLang="en-US" smtClean="0"/>
-              <a:t>2020. 12. 26.</a:t>
+              <a:t>2020. 12. 27.</a:t>
             </a:fld>
             <a:endParaRPr kumimoji="1" lang="ko-Kore-KR" altLang="en-US"/>
           </a:p>
@@ -2368,7 +2370,7 @@
           <a:p>
             <a:fld id="{3083E1A9-A397-4745-BD5D-6E8E767939EE}" type="datetimeFigureOut">
               <a:rPr kumimoji="1" lang="ko-Kore-KR" altLang="en-US" smtClean="0"/>
-              <a:t>2020. 12. 26.</a:t>
+              <a:t>2020. 12. 27.</a:t>
             </a:fld>
             <a:endParaRPr kumimoji="1" lang="ko-Kore-KR" altLang="en-US"/>
           </a:p>
@@ -2581,7 +2583,7 @@
           <a:p>
             <a:fld id="{3083E1A9-A397-4745-BD5D-6E8E767939EE}" type="datetimeFigureOut">
               <a:rPr kumimoji="1" lang="ko-Kore-KR" altLang="en-US" smtClean="0"/>
-              <a:t>2020. 12. 26.</a:t>
+              <a:t>2020. 12. 27.</a:t>
             </a:fld>
             <a:endParaRPr kumimoji="1" lang="ko-Kore-KR" altLang="en-US"/>
           </a:p>
@@ -18208,6 +18210,6697 @@
     <p:extLst>
       <p:ext uri="{BB962C8B-B14F-4D97-AF65-F5344CB8AC3E}">
         <p14:creationId xmlns:p14="http://schemas.microsoft.com/office/powerpoint/2010/main" val="1259225417"/>
+      </p:ext>
+    </p:extLst>
+  </p:cSld>
+  <p:clrMapOvr>
+    <a:masterClrMapping/>
+  </p:clrMapOvr>
+</p:sld>
+</file>
+
+<file path=ppt/slides/slide15.xml><?xml version="1.0" encoding="utf-8"?>
+<p:sld xmlns:a="http://schemas.openxmlformats.org/drawingml/2006/main" xmlns:r="http://schemas.openxmlformats.org/officeDocument/2006/relationships" xmlns:p="http://schemas.openxmlformats.org/presentationml/2006/main">
+  <p:cSld>
+    <p:spTree>
+      <p:nvGrpSpPr>
+        <p:cNvPr id="1" name=""/>
+        <p:cNvGrpSpPr/>
+        <p:nvPr/>
+      </p:nvGrpSpPr>
+      <p:grpSpPr>
+        <a:xfrm>
+          <a:off x="0" y="0"/>
+          <a:ext cx="0" cy="0"/>
+          <a:chOff x="0" y="0"/>
+          <a:chExt cx="0" cy="0"/>
+        </a:xfrm>
+      </p:grpSpPr>
+      <p:grpSp>
+        <p:nvGrpSpPr>
+          <p:cNvPr id="54" name="그룹 53">
+            <a:extLst>
+              <a:ext uri="{FF2B5EF4-FFF2-40B4-BE49-F238E27FC236}">
+                <a16:creationId xmlns:a16="http://schemas.microsoft.com/office/drawing/2014/main" id="{AB072F6F-9EEE-D54B-A8E5-31E2FF03A9D9}"/>
+              </a:ext>
+            </a:extLst>
+          </p:cNvPr>
+          <p:cNvGrpSpPr/>
+          <p:nvPr/>
+        </p:nvGrpSpPr>
+        <p:grpSpPr>
+          <a:xfrm>
+            <a:off x="568713" y="377862"/>
+            <a:ext cx="1833648" cy="619272"/>
+            <a:chOff x="688457" y="542690"/>
+            <a:chExt cx="1833648" cy="619272"/>
+          </a:xfrm>
+        </p:grpSpPr>
+        <p:sp>
+          <p:nvSpPr>
+            <p:cNvPr id="55" name="TextBox 54">
+              <a:extLst>
+                <a:ext uri="{FF2B5EF4-FFF2-40B4-BE49-F238E27FC236}">
+                  <a16:creationId xmlns:a16="http://schemas.microsoft.com/office/drawing/2014/main" id="{AFD56859-6E05-9940-BE29-AA70AAB69E90}"/>
+                </a:ext>
+              </a:extLst>
+            </p:cNvPr>
+            <p:cNvSpPr txBox="1"/>
+            <p:nvPr/>
+          </p:nvSpPr>
+          <p:spPr>
+            <a:xfrm>
+              <a:off x="765148" y="585839"/>
+              <a:ext cx="1684137" cy="523220"/>
+            </a:xfrm>
+            <a:prstGeom prst="rect">
+              <a:avLst/>
+            </a:prstGeom>
+            <a:noFill/>
+          </p:spPr>
+          <p:txBody>
+            <a:bodyPr wrap="square" rtlCol="0">
+              <a:spAutoFit/>
+            </a:bodyPr>
+            <a:lstStyle/>
+            <a:p>
+              <a:pPr algn="ctr"/>
+              <a:r>
+                <a:rPr kumimoji="1" lang="en-US" altLang="ko-Kore-KR" sz="1400" b="1" dirty="0">
+                  <a:solidFill>
+                    <a:srgbClr val="5DA2C5"/>
+                  </a:solidFill>
+                  <a:latin typeface="SHeadG" panose="02030600000101010101" pitchFamily="18" charset="-127"/>
+                  <a:ea typeface="SHeadG" panose="02030600000101010101" pitchFamily="18" charset="-127"/>
+                </a:rPr>
+                <a:t>Account</a:t>
+              </a:r>
+            </a:p>
+            <a:p>
+              <a:pPr algn="ctr"/>
+              <a:r>
+                <a:rPr kumimoji="1" lang="en-US" altLang="ko-Kore-KR" sz="1400" b="1" dirty="0">
+                  <a:solidFill>
+                    <a:srgbClr val="5DA2C5"/>
+                  </a:solidFill>
+                  <a:latin typeface="SHeadG" panose="02030600000101010101" pitchFamily="18" charset="-127"/>
+                  <a:ea typeface="SHeadG" panose="02030600000101010101" pitchFamily="18" charset="-127"/>
+                </a:rPr>
+                <a:t>Controller</a:t>
+              </a:r>
+            </a:p>
+          </p:txBody>
+        </p:sp>
+        <p:sp>
+          <p:nvSpPr>
+            <p:cNvPr id="56" name="직사각형 55">
+              <a:extLst>
+                <a:ext uri="{FF2B5EF4-FFF2-40B4-BE49-F238E27FC236}">
+                  <a16:creationId xmlns:a16="http://schemas.microsoft.com/office/drawing/2014/main" id="{B30DC34D-3CDE-4448-8E7A-AF35155325BE}"/>
+                </a:ext>
+              </a:extLst>
+            </p:cNvPr>
+            <p:cNvSpPr/>
+            <p:nvPr/>
+          </p:nvSpPr>
+          <p:spPr>
+            <a:xfrm>
+              <a:off x="688457" y="542690"/>
+              <a:ext cx="1833648" cy="619272"/>
+            </a:xfrm>
+            <a:prstGeom prst="rect">
+              <a:avLst/>
+            </a:prstGeom>
+            <a:ln w="25400">
+              <a:solidFill>
+                <a:srgbClr val="5DA2C5"/>
+              </a:solidFill>
+            </a:ln>
+          </p:spPr>
+          <p:style>
+            <a:lnRef idx="1">
+              <a:schemeClr val="accent1"/>
+            </a:lnRef>
+            <a:fillRef idx="0">
+              <a:schemeClr val="accent1"/>
+            </a:fillRef>
+            <a:effectRef idx="0">
+              <a:schemeClr val="accent1"/>
+            </a:effectRef>
+            <a:fontRef idx="minor">
+              <a:schemeClr val="tx1"/>
+            </a:fontRef>
+          </p:style>
+          <p:txBody>
+            <a:bodyPr rtlCol="0" anchor="ctr"/>
+            <a:lstStyle/>
+            <a:p>
+              <a:pPr algn="ctr"/>
+              <a:endParaRPr kumimoji="1" lang="ko-Kore-KR" altLang="en-US"/>
+            </a:p>
+          </p:txBody>
+        </p:sp>
+      </p:grpSp>
+      <p:grpSp>
+        <p:nvGrpSpPr>
+          <p:cNvPr id="57" name="그룹 56">
+            <a:extLst>
+              <a:ext uri="{FF2B5EF4-FFF2-40B4-BE49-F238E27FC236}">
+                <a16:creationId xmlns:a16="http://schemas.microsoft.com/office/drawing/2014/main" id="{5683F909-521C-EE40-B7C3-AAB242434AB2}"/>
+              </a:ext>
+            </a:extLst>
+          </p:cNvPr>
+          <p:cNvGrpSpPr/>
+          <p:nvPr/>
+        </p:nvGrpSpPr>
+        <p:grpSpPr>
+          <a:xfrm>
+            <a:off x="2822056" y="377862"/>
+            <a:ext cx="1833648" cy="619272"/>
+            <a:chOff x="688457" y="542690"/>
+            <a:chExt cx="1833648" cy="619272"/>
+          </a:xfrm>
+        </p:grpSpPr>
+        <p:sp>
+          <p:nvSpPr>
+            <p:cNvPr id="58" name="TextBox 57">
+              <a:extLst>
+                <a:ext uri="{FF2B5EF4-FFF2-40B4-BE49-F238E27FC236}">
+                  <a16:creationId xmlns:a16="http://schemas.microsoft.com/office/drawing/2014/main" id="{2CE9B128-6C4D-174F-9DE1-B2A00123EB38}"/>
+                </a:ext>
+              </a:extLst>
+            </p:cNvPr>
+            <p:cNvSpPr txBox="1"/>
+            <p:nvPr/>
+          </p:nvSpPr>
+          <p:spPr>
+            <a:xfrm>
+              <a:off x="765148" y="585839"/>
+              <a:ext cx="1684137" cy="523220"/>
+            </a:xfrm>
+            <a:prstGeom prst="rect">
+              <a:avLst/>
+            </a:prstGeom>
+            <a:noFill/>
+          </p:spPr>
+          <p:txBody>
+            <a:bodyPr wrap="square" rtlCol="0">
+              <a:spAutoFit/>
+            </a:bodyPr>
+            <a:lstStyle/>
+            <a:p>
+              <a:pPr algn="ctr"/>
+              <a:r>
+                <a:rPr kumimoji="1" lang="en-US" altLang="ko-Kore-KR" sz="1400" b="1" dirty="0" err="1">
+                  <a:solidFill>
+                    <a:srgbClr val="5DA2C5"/>
+                  </a:solidFill>
+                  <a:latin typeface="SHeadG" panose="02030600000101010101" pitchFamily="18" charset="-127"/>
+                  <a:ea typeface="SHeadG" panose="02030600000101010101" pitchFamily="18" charset="-127"/>
+                </a:rPr>
+                <a:t>SendMoney</a:t>
+              </a:r>
+              <a:endParaRPr kumimoji="1" lang="en-US" altLang="ko-Kore-KR" sz="1400" b="1" dirty="0">
+                <a:solidFill>
+                  <a:srgbClr val="5DA2C5"/>
+                </a:solidFill>
+                <a:latin typeface="SHeadG" panose="02030600000101010101" pitchFamily="18" charset="-127"/>
+                <a:ea typeface="SHeadG" panose="02030600000101010101" pitchFamily="18" charset="-127"/>
+              </a:endParaRPr>
+            </a:p>
+            <a:p>
+              <a:pPr algn="ctr"/>
+              <a:r>
+                <a:rPr kumimoji="1" lang="en-US" altLang="ko-Kore-KR" sz="1400" b="1" dirty="0" err="1">
+                  <a:solidFill>
+                    <a:srgbClr val="5DA2C5"/>
+                  </a:solidFill>
+                  <a:latin typeface="SHeadG" panose="02030600000101010101" pitchFamily="18" charset="-127"/>
+                  <a:ea typeface="SHeadG" panose="02030600000101010101" pitchFamily="18" charset="-127"/>
+                </a:rPr>
+                <a:t>UseCase</a:t>
+              </a:r>
+              <a:endParaRPr kumimoji="1" lang="en-US" altLang="ko-Kore-KR" sz="1400" b="1" dirty="0">
+                <a:solidFill>
+                  <a:srgbClr val="5DA2C5"/>
+                </a:solidFill>
+                <a:latin typeface="SHeadG" panose="02030600000101010101" pitchFamily="18" charset="-127"/>
+                <a:ea typeface="SHeadG" panose="02030600000101010101" pitchFamily="18" charset="-127"/>
+              </a:endParaRPr>
+            </a:p>
+          </p:txBody>
+        </p:sp>
+        <p:sp>
+          <p:nvSpPr>
+            <p:cNvPr id="59" name="직사각형 58">
+              <a:extLst>
+                <a:ext uri="{FF2B5EF4-FFF2-40B4-BE49-F238E27FC236}">
+                  <a16:creationId xmlns:a16="http://schemas.microsoft.com/office/drawing/2014/main" id="{CB5B4947-2A6B-1143-A8BA-FDFAC8151BEE}"/>
+                </a:ext>
+              </a:extLst>
+            </p:cNvPr>
+            <p:cNvSpPr/>
+            <p:nvPr/>
+          </p:nvSpPr>
+          <p:spPr>
+            <a:xfrm>
+              <a:off x="688457" y="542690"/>
+              <a:ext cx="1833648" cy="619272"/>
+            </a:xfrm>
+            <a:prstGeom prst="rect">
+              <a:avLst/>
+            </a:prstGeom>
+            <a:ln w="25400">
+              <a:solidFill>
+                <a:srgbClr val="5DA2C5"/>
+              </a:solidFill>
+            </a:ln>
+          </p:spPr>
+          <p:style>
+            <a:lnRef idx="1">
+              <a:schemeClr val="accent1"/>
+            </a:lnRef>
+            <a:fillRef idx="0">
+              <a:schemeClr val="accent1"/>
+            </a:fillRef>
+            <a:effectRef idx="0">
+              <a:schemeClr val="accent1"/>
+            </a:effectRef>
+            <a:fontRef idx="minor">
+              <a:schemeClr val="tx1"/>
+            </a:fontRef>
+          </p:style>
+          <p:txBody>
+            <a:bodyPr rtlCol="0" anchor="ctr"/>
+            <a:lstStyle/>
+            <a:p>
+              <a:pPr algn="ctr"/>
+              <a:endParaRPr kumimoji="1" lang="ko-Kore-KR" altLang="en-US"/>
+            </a:p>
+          </p:txBody>
+        </p:sp>
+      </p:grpSp>
+      <p:grpSp>
+        <p:nvGrpSpPr>
+          <p:cNvPr id="60" name="그룹 59">
+            <a:extLst>
+              <a:ext uri="{FF2B5EF4-FFF2-40B4-BE49-F238E27FC236}">
+                <a16:creationId xmlns:a16="http://schemas.microsoft.com/office/drawing/2014/main" id="{AF8BF321-E0F6-AD42-8426-2585DAC73CB8}"/>
+              </a:ext>
+            </a:extLst>
+          </p:cNvPr>
+          <p:cNvGrpSpPr/>
+          <p:nvPr/>
+        </p:nvGrpSpPr>
+        <p:grpSpPr>
+          <a:xfrm>
+            <a:off x="5075399" y="372985"/>
+            <a:ext cx="1833648" cy="619272"/>
+            <a:chOff x="688457" y="542690"/>
+            <a:chExt cx="1833648" cy="619272"/>
+          </a:xfrm>
+        </p:grpSpPr>
+        <p:sp>
+          <p:nvSpPr>
+            <p:cNvPr id="61" name="TextBox 60">
+              <a:extLst>
+                <a:ext uri="{FF2B5EF4-FFF2-40B4-BE49-F238E27FC236}">
+                  <a16:creationId xmlns:a16="http://schemas.microsoft.com/office/drawing/2014/main" id="{ECD89EBF-A489-6F40-841F-1AD74CF279EE}"/>
+                </a:ext>
+              </a:extLst>
+            </p:cNvPr>
+            <p:cNvSpPr txBox="1"/>
+            <p:nvPr/>
+          </p:nvSpPr>
+          <p:spPr>
+            <a:xfrm>
+              <a:off x="765148" y="585839"/>
+              <a:ext cx="1684137" cy="523220"/>
+            </a:xfrm>
+            <a:prstGeom prst="rect">
+              <a:avLst/>
+            </a:prstGeom>
+            <a:noFill/>
+          </p:spPr>
+          <p:txBody>
+            <a:bodyPr wrap="square" rtlCol="0">
+              <a:spAutoFit/>
+            </a:bodyPr>
+            <a:lstStyle/>
+            <a:p>
+              <a:pPr algn="ctr"/>
+              <a:r>
+                <a:rPr kumimoji="1" lang="en-US" altLang="ko-Kore-KR" sz="1400" b="1" dirty="0" err="1">
+                  <a:solidFill>
+                    <a:srgbClr val="5DA2C5"/>
+                  </a:solidFill>
+                  <a:latin typeface="SHeadG" panose="02030600000101010101" pitchFamily="18" charset="-127"/>
+                  <a:ea typeface="SHeadG" panose="02030600000101010101" pitchFamily="18" charset="-127"/>
+                </a:rPr>
+                <a:t>SendMoney</a:t>
+              </a:r>
+              <a:endParaRPr kumimoji="1" lang="en-US" altLang="ko-Kore-KR" sz="1400" b="1" dirty="0">
+                <a:solidFill>
+                  <a:srgbClr val="5DA2C5"/>
+                </a:solidFill>
+                <a:latin typeface="SHeadG" panose="02030600000101010101" pitchFamily="18" charset="-127"/>
+                <a:ea typeface="SHeadG" panose="02030600000101010101" pitchFamily="18" charset="-127"/>
+              </a:endParaRPr>
+            </a:p>
+            <a:p>
+              <a:pPr algn="ctr"/>
+              <a:r>
+                <a:rPr kumimoji="1" lang="en-US" altLang="ko-Kore-KR" sz="1400" b="1" dirty="0">
+                  <a:solidFill>
+                    <a:srgbClr val="5DA2C5"/>
+                  </a:solidFill>
+                  <a:latin typeface="SHeadG" panose="02030600000101010101" pitchFamily="18" charset="-127"/>
+                  <a:ea typeface="SHeadG" panose="02030600000101010101" pitchFamily="18" charset="-127"/>
+                </a:rPr>
+                <a:t>Service</a:t>
+              </a:r>
+            </a:p>
+          </p:txBody>
+        </p:sp>
+        <p:sp>
+          <p:nvSpPr>
+            <p:cNvPr id="62" name="직사각형 61">
+              <a:extLst>
+                <a:ext uri="{FF2B5EF4-FFF2-40B4-BE49-F238E27FC236}">
+                  <a16:creationId xmlns:a16="http://schemas.microsoft.com/office/drawing/2014/main" id="{AE7BAAEC-D3F2-5B47-B91E-1FF405880938}"/>
+                </a:ext>
+              </a:extLst>
+            </p:cNvPr>
+            <p:cNvSpPr/>
+            <p:nvPr/>
+          </p:nvSpPr>
+          <p:spPr>
+            <a:xfrm>
+              <a:off x="688457" y="542690"/>
+              <a:ext cx="1833648" cy="619272"/>
+            </a:xfrm>
+            <a:prstGeom prst="rect">
+              <a:avLst/>
+            </a:prstGeom>
+            <a:ln w="25400">
+              <a:solidFill>
+                <a:srgbClr val="5DA2C5"/>
+              </a:solidFill>
+            </a:ln>
+          </p:spPr>
+          <p:style>
+            <a:lnRef idx="1">
+              <a:schemeClr val="accent1"/>
+            </a:lnRef>
+            <a:fillRef idx="0">
+              <a:schemeClr val="accent1"/>
+            </a:fillRef>
+            <a:effectRef idx="0">
+              <a:schemeClr val="accent1"/>
+            </a:effectRef>
+            <a:fontRef idx="minor">
+              <a:schemeClr val="tx1"/>
+            </a:fontRef>
+          </p:style>
+          <p:txBody>
+            <a:bodyPr rtlCol="0" anchor="ctr"/>
+            <a:lstStyle/>
+            <a:p>
+              <a:pPr algn="ctr"/>
+              <a:endParaRPr kumimoji="1" lang="ko-Kore-KR" altLang="en-US"/>
+            </a:p>
+          </p:txBody>
+        </p:sp>
+      </p:grpSp>
+      <p:grpSp>
+        <p:nvGrpSpPr>
+          <p:cNvPr id="63" name="그룹 62">
+            <a:extLst>
+              <a:ext uri="{FF2B5EF4-FFF2-40B4-BE49-F238E27FC236}">
+                <a16:creationId xmlns:a16="http://schemas.microsoft.com/office/drawing/2014/main" id="{2EFDDDC6-87B1-5949-95C4-74EF250976BA}"/>
+              </a:ext>
+            </a:extLst>
+          </p:cNvPr>
+          <p:cNvGrpSpPr/>
+          <p:nvPr/>
+        </p:nvGrpSpPr>
+        <p:grpSpPr>
+          <a:xfrm>
+            <a:off x="7328742" y="368108"/>
+            <a:ext cx="1833648" cy="619272"/>
+            <a:chOff x="688457" y="542690"/>
+            <a:chExt cx="1833648" cy="619272"/>
+          </a:xfrm>
+        </p:grpSpPr>
+        <p:sp>
+          <p:nvSpPr>
+            <p:cNvPr id="64" name="TextBox 63">
+              <a:extLst>
+                <a:ext uri="{FF2B5EF4-FFF2-40B4-BE49-F238E27FC236}">
+                  <a16:creationId xmlns:a16="http://schemas.microsoft.com/office/drawing/2014/main" id="{6D52362D-FF76-AA46-8DA8-4C7CFCBA618C}"/>
+                </a:ext>
+              </a:extLst>
+            </p:cNvPr>
+            <p:cNvSpPr txBox="1"/>
+            <p:nvPr/>
+          </p:nvSpPr>
+          <p:spPr>
+            <a:xfrm>
+              <a:off x="765148" y="585839"/>
+              <a:ext cx="1684137" cy="523220"/>
+            </a:xfrm>
+            <a:prstGeom prst="rect">
+              <a:avLst/>
+            </a:prstGeom>
+            <a:noFill/>
+          </p:spPr>
+          <p:txBody>
+            <a:bodyPr wrap="square" rtlCol="0">
+              <a:spAutoFit/>
+            </a:bodyPr>
+            <a:lstStyle/>
+            <a:p>
+              <a:pPr algn="ctr"/>
+              <a:r>
+                <a:rPr kumimoji="1" lang="en-US" altLang="ko-Kore-KR" sz="1400" b="1" dirty="0" err="1">
+                  <a:solidFill>
+                    <a:srgbClr val="5DA2C5"/>
+                  </a:solidFill>
+                  <a:latin typeface="SHeadG" panose="02030600000101010101" pitchFamily="18" charset="-127"/>
+                  <a:ea typeface="SHeadG" panose="02030600000101010101" pitchFamily="18" charset="-127"/>
+                </a:rPr>
+                <a:t>UpdateAccount</a:t>
+              </a:r>
+              <a:endParaRPr kumimoji="1" lang="en-US" altLang="ko-Kore-KR" sz="1400" b="1" dirty="0">
+                <a:solidFill>
+                  <a:srgbClr val="5DA2C5"/>
+                </a:solidFill>
+                <a:latin typeface="SHeadG" panose="02030600000101010101" pitchFamily="18" charset="-127"/>
+                <a:ea typeface="SHeadG" panose="02030600000101010101" pitchFamily="18" charset="-127"/>
+              </a:endParaRPr>
+            </a:p>
+            <a:p>
+              <a:pPr algn="ctr"/>
+              <a:r>
+                <a:rPr kumimoji="1" lang="en-US" altLang="ko-Kore-KR" sz="1400" b="1" dirty="0" err="1">
+                  <a:solidFill>
+                    <a:srgbClr val="5DA2C5"/>
+                  </a:solidFill>
+                  <a:latin typeface="SHeadG" panose="02030600000101010101" pitchFamily="18" charset="-127"/>
+                  <a:ea typeface="SHeadG" panose="02030600000101010101" pitchFamily="18" charset="-127"/>
+                </a:rPr>
+                <a:t>StatePort</a:t>
+              </a:r>
+              <a:endParaRPr kumimoji="1" lang="en-US" altLang="ko-Kore-KR" sz="1400" b="1" dirty="0">
+                <a:solidFill>
+                  <a:srgbClr val="5DA2C5"/>
+                </a:solidFill>
+                <a:latin typeface="SHeadG" panose="02030600000101010101" pitchFamily="18" charset="-127"/>
+                <a:ea typeface="SHeadG" panose="02030600000101010101" pitchFamily="18" charset="-127"/>
+              </a:endParaRPr>
+            </a:p>
+          </p:txBody>
+        </p:sp>
+        <p:sp>
+          <p:nvSpPr>
+            <p:cNvPr id="65" name="직사각형 64">
+              <a:extLst>
+                <a:ext uri="{FF2B5EF4-FFF2-40B4-BE49-F238E27FC236}">
+                  <a16:creationId xmlns:a16="http://schemas.microsoft.com/office/drawing/2014/main" id="{4B43E7E4-11C4-534B-BE4F-B49FF4C3B1F3}"/>
+                </a:ext>
+              </a:extLst>
+            </p:cNvPr>
+            <p:cNvSpPr/>
+            <p:nvPr/>
+          </p:nvSpPr>
+          <p:spPr>
+            <a:xfrm>
+              <a:off x="688457" y="542690"/>
+              <a:ext cx="1833648" cy="619272"/>
+            </a:xfrm>
+            <a:prstGeom prst="rect">
+              <a:avLst/>
+            </a:prstGeom>
+            <a:ln w="25400">
+              <a:solidFill>
+                <a:srgbClr val="5DA2C5"/>
+              </a:solidFill>
+            </a:ln>
+          </p:spPr>
+          <p:style>
+            <a:lnRef idx="1">
+              <a:schemeClr val="accent1"/>
+            </a:lnRef>
+            <a:fillRef idx="0">
+              <a:schemeClr val="accent1"/>
+            </a:fillRef>
+            <a:effectRef idx="0">
+              <a:schemeClr val="accent1"/>
+            </a:effectRef>
+            <a:fontRef idx="minor">
+              <a:schemeClr val="tx1"/>
+            </a:fontRef>
+          </p:style>
+          <p:txBody>
+            <a:bodyPr rtlCol="0" anchor="ctr"/>
+            <a:lstStyle/>
+            <a:p>
+              <a:pPr algn="ctr"/>
+              <a:endParaRPr kumimoji="1" lang="ko-Kore-KR" altLang="en-US"/>
+            </a:p>
+          </p:txBody>
+        </p:sp>
+      </p:grpSp>
+      <p:grpSp>
+        <p:nvGrpSpPr>
+          <p:cNvPr id="66" name="그룹 65">
+            <a:extLst>
+              <a:ext uri="{FF2B5EF4-FFF2-40B4-BE49-F238E27FC236}">
+                <a16:creationId xmlns:a16="http://schemas.microsoft.com/office/drawing/2014/main" id="{8F2C28C5-EA35-754A-ABC0-5681FAB767A5}"/>
+              </a:ext>
+            </a:extLst>
+          </p:cNvPr>
+          <p:cNvGrpSpPr/>
+          <p:nvPr/>
+        </p:nvGrpSpPr>
+        <p:grpSpPr>
+          <a:xfrm>
+            <a:off x="9582085" y="363231"/>
+            <a:ext cx="1833648" cy="621541"/>
+            <a:chOff x="688457" y="542690"/>
+            <a:chExt cx="1833648" cy="621541"/>
+          </a:xfrm>
+        </p:grpSpPr>
+        <p:sp>
+          <p:nvSpPr>
+            <p:cNvPr id="71" name="TextBox 70">
+              <a:extLst>
+                <a:ext uri="{FF2B5EF4-FFF2-40B4-BE49-F238E27FC236}">
+                  <a16:creationId xmlns:a16="http://schemas.microsoft.com/office/drawing/2014/main" id="{572D1678-9650-EF42-B5C9-D94F3F795407}"/>
+                </a:ext>
+              </a:extLst>
+            </p:cNvPr>
+            <p:cNvSpPr txBox="1"/>
+            <p:nvPr/>
+          </p:nvSpPr>
+          <p:spPr>
+            <a:xfrm>
+              <a:off x="765148" y="564067"/>
+              <a:ext cx="1684137" cy="600164"/>
+            </a:xfrm>
+            <a:prstGeom prst="rect">
+              <a:avLst/>
+            </a:prstGeom>
+            <a:noFill/>
+          </p:spPr>
+          <p:txBody>
+            <a:bodyPr wrap="square" rtlCol="0">
+              <a:spAutoFit/>
+            </a:bodyPr>
+            <a:lstStyle/>
+            <a:p>
+              <a:pPr algn="ctr"/>
+              <a:r>
+                <a:rPr kumimoji="1" lang="en-US" altLang="ko-Kore-KR" sz="1100" b="1" dirty="0">
+                  <a:solidFill>
+                    <a:srgbClr val="5DA2C5"/>
+                  </a:solidFill>
+                  <a:latin typeface="SHeadG" panose="02030600000101010101" pitchFamily="18" charset="-127"/>
+                  <a:ea typeface="SHeadG" panose="02030600000101010101" pitchFamily="18" charset="-127"/>
+                </a:rPr>
+                <a:t>Account </a:t>
+              </a:r>
+            </a:p>
+            <a:p>
+              <a:pPr algn="ctr"/>
+              <a:r>
+                <a:rPr kumimoji="1" lang="en-US" altLang="ko-Kore-KR" sz="1100" b="1" dirty="0">
+                  <a:solidFill>
+                    <a:srgbClr val="5DA2C5"/>
+                  </a:solidFill>
+                  <a:latin typeface="SHeadG" panose="02030600000101010101" pitchFamily="18" charset="-127"/>
+                  <a:ea typeface="SHeadG" panose="02030600000101010101" pitchFamily="18" charset="-127"/>
+                </a:rPr>
+                <a:t>Persistence </a:t>
+              </a:r>
+            </a:p>
+            <a:p>
+              <a:pPr algn="ctr"/>
+              <a:r>
+                <a:rPr kumimoji="1" lang="en-US" altLang="ko-Kore-KR" sz="1100" b="1" dirty="0">
+                  <a:solidFill>
+                    <a:srgbClr val="5DA2C5"/>
+                  </a:solidFill>
+                  <a:latin typeface="SHeadG" panose="02030600000101010101" pitchFamily="18" charset="-127"/>
+                  <a:ea typeface="SHeadG" panose="02030600000101010101" pitchFamily="18" charset="-127"/>
+                </a:rPr>
+                <a:t>Adapter</a:t>
+              </a:r>
+            </a:p>
+          </p:txBody>
+        </p:sp>
+        <p:sp>
+          <p:nvSpPr>
+            <p:cNvPr id="72" name="직사각형 71">
+              <a:extLst>
+                <a:ext uri="{FF2B5EF4-FFF2-40B4-BE49-F238E27FC236}">
+                  <a16:creationId xmlns:a16="http://schemas.microsoft.com/office/drawing/2014/main" id="{C74E7346-9AB0-5241-A9BC-9A778FBE170A}"/>
+                </a:ext>
+              </a:extLst>
+            </p:cNvPr>
+            <p:cNvSpPr/>
+            <p:nvPr/>
+          </p:nvSpPr>
+          <p:spPr>
+            <a:xfrm>
+              <a:off x="688457" y="542690"/>
+              <a:ext cx="1833648" cy="619272"/>
+            </a:xfrm>
+            <a:prstGeom prst="rect">
+              <a:avLst/>
+            </a:prstGeom>
+            <a:ln w="25400">
+              <a:solidFill>
+                <a:srgbClr val="5DA2C5"/>
+              </a:solidFill>
+            </a:ln>
+          </p:spPr>
+          <p:style>
+            <a:lnRef idx="1">
+              <a:schemeClr val="accent1"/>
+            </a:lnRef>
+            <a:fillRef idx="0">
+              <a:schemeClr val="accent1"/>
+            </a:fillRef>
+            <a:effectRef idx="0">
+              <a:schemeClr val="accent1"/>
+            </a:effectRef>
+            <a:fontRef idx="minor">
+              <a:schemeClr val="tx1"/>
+            </a:fontRef>
+          </p:style>
+          <p:txBody>
+            <a:bodyPr rtlCol="0" anchor="ctr"/>
+            <a:lstStyle/>
+            <a:p>
+              <a:pPr algn="ctr"/>
+              <a:endParaRPr kumimoji="1" lang="ko-Kore-KR" altLang="en-US"/>
+            </a:p>
+          </p:txBody>
+        </p:sp>
+      </p:grpSp>
+      <p:cxnSp>
+        <p:nvCxnSpPr>
+          <p:cNvPr id="73" name="직선 화살표 연결선 72">
+            <a:extLst>
+              <a:ext uri="{FF2B5EF4-FFF2-40B4-BE49-F238E27FC236}">
+                <a16:creationId xmlns:a16="http://schemas.microsoft.com/office/drawing/2014/main" id="{DB7759EC-F24D-8944-9B35-691FA5B46673}"/>
+              </a:ext>
+            </a:extLst>
+          </p:cNvPr>
+          <p:cNvCxnSpPr>
+            <a:cxnSpLocks/>
+            <a:stCxn id="56" idx="3"/>
+            <a:endCxn id="59" idx="1"/>
+          </p:cNvCxnSpPr>
+          <p:nvPr/>
+        </p:nvCxnSpPr>
+        <p:spPr>
+          <a:xfrm>
+            <a:off x="2402361" y="687498"/>
+            <a:ext cx="419695" cy="0"/>
+          </a:xfrm>
+          <a:prstGeom prst="straightConnector1">
+            <a:avLst/>
+          </a:prstGeom>
+          <a:ln w="25400">
+            <a:solidFill>
+              <a:srgbClr val="5DA2C5"/>
+            </a:solidFill>
+            <a:tailEnd type="stealth" w="lg" len="lg"/>
+          </a:ln>
+        </p:spPr>
+        <p:style>
+          <a:lnRef idx="1">
+            <a:schemeClr val="accent1"/>
+          </a:lnRef>
+          <a:fillRef idx="0">
+            <a:schemeClr val="accent1"/>
+          </a:fillRef>
+          <a:effectRef idx="0">
+            <a:schemeClr val="accent1"/>
+          </a:effectRef>
+          <a:fontRef idx="minor">
+            <a:schemeClr val="tx1"/>
+          </a:fontRef>
+        </p:style>
+      </p:cxnSp>
+      <p:cxnSp>
+        <p:nvCxnSpPr>
+          <p:cNvPr id="74" name="직선 화살표 연결선 73">
+            <a:extLst>
+              <a:ext uri="{FF2B5EF4-FFF2-40B4-BE49-F238E27FC236}">
+                <a16:creationId xmlns:a16="http://schemas.microsoft.com/office/drawing/2014/main" id="{EFF3977F-E8A7-F84F-8977-EB9FB18D4FB0}"/>
+              </a:ext>
+            </a:extLst>
+          </p:cNvPr>
+          <p:cNvCxnSpPr>
+            <a:cxnSpLocks/>
+            <a:stCxn id="62" idx="3"/>
+            <a:endCxn id="65" idx="1"/>
+          </p:cNvCxnSpPr>
+          <p:nvPr/>
+        </p:nvCxnSpPr>
+        <p:spPr>
+          <a:xfrm flipV="1">
+            <a:off x="6909047" y="677744"/>
+            <a:ext cx="419695" cy="4877"/>
+          </a:xfrm>
+          <a:prstGeom prst="straightConnector1">
+            <a:avLst/>
+          </a:prstGeom>
+          <a:ln w="25400">
+            <a:solidFill>
+              <a:srgbClr val="5DA2C5"/>
+            </a:solidFill>
+            <a:tailEnd type="stealth" w="lg" len="lg"/>
+          </a:ln>
+        </p:spPr>
+        <p:style>
+          <a:lnRef idx="1">
+            <a:schemeClr val="accent1"/>
+          </a:lnRef>
+          <a:fillRef idx="0">
+            <a:schemeClr val="accent1"/>
+          </a:fillRef>
+          <a:effectRef idx="0">
+            <a:schemeClr val="accent1"/>
+          </a:effectRef>
+          <a:fontRef idx="minor">
+            <a:schemeClr val="tx1"/>
+          </a:fontRef>
+        </p:style>
+      </p:cxnSp>
+      <p:cxnSp>
+        <p:nvCxnSpPr>
+          <p:cNvPr id="75" name="직선 화살표 연결선 74">
+            <a:extLst>
+              <a:ext uri="{FF2B5EF4-FFF2-40B4-BE49-F238E27FC236}">
+                <a16:creationId xmlns:a16="http://schemas.microsoft.com/office/drawing/2014/main" id="{2C337674-6471-484A-B597-CB68D3737EA1}"/>
+              </a:ext>
+            </a:extLst>
+          </p:cNvPr>
+          <p:cNvCxnSpPr>
+            <a:cxnSpLocks/>
+            <a:stCxn id="62" idx="2"/>
+            <a:endCxn id="78" idx="0"/>
+          </p:cNvCxnSpPr>
+          <p:nvPr/>
+        </p:nvCxnSpPr>
+        <p:spPr>
+          <a:xfrm>
+            <a:off x="5992223" y="992257"/>
+            <a:ext cx="0" cy="578157"/>
+          </a:xfrm>
+          <a:prstGeom prst="straightConnector1">
+            <a:avLst/>
+          </a:prstGeom>
+          <a:ln w="25400">
+            <a:solidFill>
+              <a:srgbClr val="5DA2C5"/>
+            </a:solidFill>
+            <a:tailEnd type="stealth" w="lg" len="lg"/>
+          </a:ln>
+        </p:spPr>
+        <p:style>
+          <a:lnRef idx="1">
+            <a:schemeClr val="accent1"/>
+          </a:lnRef>
+          <a:fillRef idx="0">
+            <a:schemeClr val="accent1"/>
+          </a:fillRef>
+          <a:effectRef idx="0">
+            <a:schemeClr val="accent1"/>
+          </a:effectRef>
+          <a:fontRef idx="minor">
+            <a:schemeClr val="tx1"/>
+          </a:fontRef>
+        </p:style>
+      </p:cxnSp>
+      <p:grpSp>
+        <p:nvGrpSpPr>
+          <p:cNvPr id="76" name="그룹 75">
+            <a:extLst>
+              <a:ext uri="{FF2B5EF4-FFF2-40B4-BE49-F238E27FC236}">
+                <a16:creationId xmlns:a16="http://schemas.microsoft.com/office/drawing/2014/main" id="{23452FF9-191F-3E48-9275-081B8086B65F}"/>
+              </a:ext>
+            </a:extLst>
+          </p:cNvPr>
+          <p:cNvGrpSpPr/>
+          <p:nvPr/>
+        </p:nvGrpSpPr>
+        <p:grpSpPr>
+          <a:xfrm>
+            <a:off x="5075399" y="1570414"/>
+            <a:ext cx="1833648" cy="619272"/>
+            <a:chOff x="688457" y="542690"/>
+            <a:chExt cx="1833648" cy="619272"/>
+          </a:xfrm>
+        </p:grpSpPr>
+        <p:sp>
+          <p:nvSpPr>
+            <p:cNvPr id="77" name="TextBox 76">
+              <a:extLst>
+                <a:ext uri="{FF2B5EF4-FFF2-40B4-BE49-F238E27FC236}">
+                  <a16:creationId xmlns:a16="http://schemas.microsoft.com/office/drawing/2014/main" id="{9FD43F75-6087-9A44-A0D9-64F5A8B01108}"/>
+                </a:ext>
+              </a:extLst>
+            </p:cNvPr>
+            <p:cNvSpPr txBox="1"/>
+            <p:nvPr/>
+          </p:nvSpPr>
+          <p:spPr>
+            <a:xfrm>
+              <a:off x="765148" y="698437"/>
+              <a:ext cx="1684137" cy="307777"/>
+            </a:xfrm>
+            <a:prstGeom prst="rect">
+              <a:avLst/>
+            </a:prstGeom>
+            <a:noFill/>
+          </p:spPr>
+          <p:txBody>
+            <a:bodyPr wrap="square" rtlCol="0">
+              <a:spAutoFit/>
+            </a:bodyPr>
+            <a:lstStyle/>
+            <a:p>
+              <a:pPr algn="ctr"/>
+              <a:r>
+                <a:rPr kumimoji="1" lang="en-US" altLang="ko-Kore-KR" sz="1400" b="1" dirty="0">
+                  <a:solidFill>
+                    <a:srgbClr val="5DA2C5"/>
+                  </a:solidFill>
+                  <a:latin typeface="SHeadG" panose="02030600000101010101" pitchFamily="18" charset="-127"/>
+                  <a:ea typeface="SHeadG" panose="02030600000101010101" pitchFamily="18" charset="-127"/>
+                </a:rPr>
+                <a:t>Account</a:t>
+              </a:r>
+            </a:p>
+          </p:txBody>
+        </p:sp>
+        <p:sp>
+          <p:nvSpPr>
+            <p:cNvPr id="78" name="직사각형 77">
+              <a:extLst>
+                <a:ext uri="{FF2B5EF4-FFF2-40B4-BE49-F238E27FC236}">
+                  <a16:creationId xmlns:a16="http://schemas.microsoft.com/office/drawing/2014/main" id="{E38EAA67-3AB9-9D4D-97A3-2DC21ADA0C62}"/>
+                </a:ext>
+              </a:extLst>
+            </p:cNvPr>
+            <p:cNvSpPr/>
+            <p:nvPr/>
+          </p:nvSpPr>
+          <p:spPr>
+            <a:xfrm>
+              <a:off x="688457" y="542690"/>
+              <a:ext cx="1833648" cy="619272"/>
+            </a:xfrm>
+            <a:prstGeom prst="rect">
+              <a:avLst/>
+            </a:prstGeom>
+            <a:ln w="25400">
+              <a:solidFill>
+                <a:srgbClr val="5DA2C5"/>
+              </a:solidFill>
+            </a:ln>
+          </p:spPr>
+          <p:style>
+            <a:lnRef idx="1">
+              <a:schemeClr val="accent1"/>
+            </a:lnRef>
+            <a:fillRef idx="0">
+              <a:schemeClr val="accent1"/>
+            </a:fillRef>
+            <a:effectRef idx="0">
+              <a:schemeClr val="accent1"/>
+            </a:effectRef>
+            <a:fontRef idx="minor">
+              <a:schemeClr val="tx1"/>
+            </a:fontRef>
+          </p:style>
+          <p:txBody>
+            <a:bodyPr rtlCol="0" anchor="ctr"/>
+            <a:lstStyle/>
+            <a:p>
+              <a:pPr algn="ctr"/>
+              <a:endParaRPr kumimoji="1" lang="ko-Kore-KR" altLang="en-US"/>
+            </a:p>
+          </p:txBody>
+        </p:sp>
+      </p:grpSp>
+      <p:cxnSp>
+        <p:nvCxnSpPr>
+          <p:cNvPr id="81" name="직선 화살표 연결선 80">
+            <a:extLst>
+              <a:ext uri="{FF2B5EF4-FFF2-40B4-BE49-F238E27FC236}">
+                <a16:creationId xmlns:a16="http://schemas.microsoft.com/office/drawing/2014/main" id="{55AF8BE4-C98D-0C47-B960-E0DD7EF2179B}"/>
+              </a:ext>
+            </a:extLst>
+          </p:cNvPr>
+          <p:cNvCxnSpPr>
+            <a:cxnSpLocks/>
+            <a:stCxn id="72" idx="1"/>
+            <a:endCxn id="65" idx="3"/>
+          </p:cNvCxnSpPr>
+          <p:nvPr/>
+        </p:nvCxnSpPr>
+        <p:spPr>
+          <a:xfrm flipH="1">
+            <a:off x="9162390" y="672867"/>
+            <a:ext cx="419695" cy="4877"/>
+          </a:xfrm>
+          <a:prstGeom prst="straightConnector1">
+            <a:avLst/>
+          </a:prstGeom>
+          <a:ln w="25400">
+            <a:solidFill>
+              <a:srgbClr val="5DA2C5"/>
+            </a:solidFill>
+            <a:tailEnd type="stealth" w="lg" len="lg"/>
+          </a:ln>
+        </p:spPr>
+        <p:style>
+          <a:lnRef idx="1">
+            <a:schemeClr val="accent1"/>
+          </a:lnRef>
+          <a:fillRef idx="0">
+            <a:schemeClr val="accent1"/>
+          </a:fillRef>
+          <a:effectRef idx="0">
+            <a:schemeClr val="accent1"/>
+          </a:effectRef>
+          <a:fontRef idx="minor">
+            <a:schemeClr val="tx1"/>
+          </a:fontRef>
+        </p:style>
+      </p:cxnSp>
+      <p:sp>
+        <p:nvSpPr>
+          <p:cNvPr id="82" name="삼각형 81">
+            <a:extLst>
+              <a:ext uri="{FF2B5EF4-FFF2-40B4-BE49-F238E27FC236}">
+                <a16:creationId xmlns:a16="http://schemas.microsoft.com/office/drawing/2014/main" id="{808788A2-1EB3-6D4F-8F54-1ED4FA16BEAB}"/>
+              </a:ext>
+            </a:extLst>
+          </p:cNvPr>
+          <p:cNvSpPr/>
+          <p:nvPr/>
+        </p:nvSpPr>
+        <p:spPr>
+          <a:xfrm rot="16200000">
+            <a:off x="9157844" y="616743"/>
+            <a:ext cx="132203" cy="123111"/>
+          </a:xfrm>
+          <a:prstGeom prst="triangle">
+            <a:avLst/>
+          </a:prstGeom>
+          <a:solidFill>
+            <a:schemeClr val="bg1"/>
+          </a:solidFill>
+          <a:ln w="19050">
+            <a:solidFill>
+              <a:srgbClr val="5DA2C5"/>
+            </a:solidFill>
+          </a:ln>
+        </p:spPr>
+        <p:style>
+          <a:lnRef idx="2">
+            <a:schemeClr val="accent1">
+              <a:shade val="50000"/>
+            </a:schemeClr>
+          </a:lnRef>
+          <a:fillRef idx="1">
+            <a:schemeClr val="accent1"/>
+          </a:fillRef>
+          <a:effectRef idx="0">
+            <a:schemeClr val="accent1"/>
+          </a:effectRef>
+          <a:fontRef idx="minor">
+            <a:schemeClr val="lt1"/>
+          </a:fontRef>
+        </p:style>
+        <p:txBody>
+          <a:bodyPr rtlCol="0" anchor="ctr"/>
+          <a:lstStyle/>
+          <a:p>
+            <a:pPr algn="ctr"/>
+            <a:endParaRPr kumimoji="1" lang="ko-Kore-KR" altLang="en-US"/>
+          </a:p>
+        </p:txBody>
+      </p:sp>
+      <p:cxnSp>
+        <p:nvCxnSpPr>
+          <p:cNvPr id="83" name="직선 화살표 연결선 82">
+            <a:extLst>
+              <a:ext uri="{FF2B5EF4-FFF2-40B4-BE49-F238E27FC236}">
+                <a16:creationId xmlns:a16="http://schemas.microsoft.com/office/drawing/2014/main" id="{717A8D91-9002-C24F-B05A-50C420C93156}"/>
+              </a:ext>
+            </a:extLst>
+          </p:cNvPr>
+          <p:cNvCxnSpPr>
+            <a:cxnSpLocks/>
+          </p:cNvCxnSpPr>
+          <p:nvPr/>
+        </p:nvCxnSpPr>
+        <p:spPr>
+          <a:xfrm flipH="1">
+            <a:off x="4655704" y="692427"/>
+            <a:ext cx="419695" cy="4877"/>
+          </a:xfrm>
+          <a:prstGeom prst="straightConnector1">
+            <a:avLst/>
+          </a:prstGeom>
+          <a:ln w="25400">
+            <a:solidFill>
+              <a:srgbClr val="5DA2C5"/>
+            </a:solidFill>
+            <a:tailEnd type="stealth" w="lg" len="lg"/>
+          </a:ln>
+        </p:spPr>
+        <p:style>
+          <a:lnRef idx="1">
+            <a:schemeClr val="accent1"/>
+          </a:lnRef>
+          <a:fillRef idx="0">
+            <a:schemeClr val="accent1"/>
+          </a:fillRef>
+          <a:effectRef idx="0">
+            <a:schemeClr val="accent1"/>
+          </a:effectRef>
+          <a:fontRef idx="minor">
+            <a:schemeClr val="tx1"/>
+          </a:fontRef>
+        </p:style>
+      </p:cxnSp>
+      <p:sp>
+        <p:nvSpPr>
+          <p:cNvPr id="84" name="삼각형 83">
+            <a:extLst>
+              <a:ext uri="{FF2B5EF4-FFF2-40B4-BE49-F238E27FC236}">
+                <a16:creationId xmlns:a16="http://schemas.microsoft.com/office/drawing/2014/main" id="{9A8EE8D4-EE11-C04F-B3CA-18B0EE7AB523}"/>
+              </a:ext>
+            </a:extLst>
+          </p:cNvPr>
+          <p:cNvSpPr/>
+          <p:nvPr/>
+        </p:nvSpPr>
+        <p:spPr>
+          <a:xfrm rot="16200000">
+            <a:off x="4651158" y="636303"/>
+            <a:ext cx="132203" cy="123111"/>
+          </a:xfrm>
+          <a:prstGeom prst="triangle">
+            <a:avLst/>
+          </a:prstGeom>
+          <a:solidFill>
+            <a:schemeClr val="bg1"/>
+          </a:solidFill>
+          <a:ln w="19050">
+            <a:solidFill>
+              <a:srgbClr val="5DA2C5"/>
+            </a:solidFill>
+          </a:ln>
+        </p:spPr>
+        <p:style>
+          <a:lnRef idx="2">
+            <a:schemeClr val="accent1">
+              <a:shade val="50000"/>
+            </a:schemeClr>
+          </a:lnRef>
+          <a:fillRef idx="1">
+            <a:schemeClr val="accent1"/>
+          </a:fillRef>
+          <a:effectRef idx="0">
+            <a:schemeClr val="accent1"/>
+          </a:effectRef>
+          <a:fontRef idx="minor">
+            <a:schemeClr val="lt1"/>
+          </a:fontRef>
+        </p:style>
+        <p:txBody>
+          <a:bodyPr rtlCol="0" anchor="ctr"/>
+          <a:lstStyle/>
+          <a:p>
+            <a:pPr algn="ctr"/>
+            <a:endParaRPr kumimoji="1" lang="ko-Kore-KR" altLang="en-US"/>
+          </a:p>
+        </p:txBody>
+      </p:sp>
+      <p:sp>
+        <p:nvSpPr>
+          <p:cNvPr id="85" name="TextBox 84">
+            <a:extLst>
+              <a:ext uri="{FF2B5EF4-FFF2-40B4-BE49-F238E27FC236}">
+                <a16:creationId xmlns:a16="http://schemas.microsoft.com/office/drawing/2014/main" id="{61AEAEDD-A0C8-B64E-BD1E-A021EE8BC4D8}"/>
+              </a:ext>
+            </a:extLst>
+          </p:cNvPr>
+          <p:cNvSpPr txBox="1"/>
+          <p:nvPr/>
+        </p:nvSpPr>
+        <p:spPr>
+          <a:xfrm>
+            <a:off x="3246040" y="240120"/>
+            <a:ext cx="985680" cy="246221"/>
+          </a:xfrm>
+          <a:prstGeom prst="rect">
+            <a:avLst/>
+          </a:prstGeom>
+          <a:solidFill>
+            <a:schemeClr val="bg1"/>
+          </a:solidFill>
+        </p:spPr>
+        <p:txBody>
+          <a:bodyPr wrap="square" rtlCol="0">
+            <a:spAutoFit/>
+          </a:bodyPr>
+          <a:lstStyle/>
+          <a:p>
+            <a:pPr algn="ctr"/>
+            <a:r>
+              <a:rPr kumimoji="1" lang="en-US" altLang="ko-Kore-KR" sz="1000" dirty="0">
+                <a:solidFill>
+                  <a:srgbClr val="5DA2C5"/>
+                </a:solidFill>
+                <a:latin typeface="SHeadG" panose="02030600000101010101" pitchFamily="18" charset="-127"/>
+                <a:ea typeface="SHeadG" panose="02030600000101010101" pitchFamily="18" charset="-127"/>
+              </a:rPr>
+              <a:t>&lt;&lt;Interface&gt;&gt;</a:t>
+            </a:r>
+            <a:endParaRPr kumimoji="1" lang="ko-Kore-KR" altLang="en-US" sz="1000" dirty="0">
+              <a:solidFill>
+                <a:srgbClr val="5DA2C5"/>
+              </a:solidFill>
+              <a:latin typeface="SHeadG" panose="02030600000101010101" pitchFamily="18" charset="-127"/>
+              <a:ea typeface="SHeadG" panose="02030600000101010101" pitchFamily="18" charset="-127"/>
+            </a:endParaRPr>
+          </a:p>
+        </p:txBody>
+      </p:sp>
+      <p:sp>
+        <p:nvSpPr>
+          <p:cNvPr id="86" name="TextBox 85">
+            <a:extLst>
+              <a:ext uri="{FF2B5EF4-FFF2-40B4-BE49-F238E27FC236}">
+                <a16:creationId xmlns:a16="http://schemas.microsoft.com/office/drawing/2014/main" id="{1C106BAB-6290-2C4B-8307-38A8C7B0BF88}"/>
+              </a:ext>
+            </a:extLst>
+          </p:cNvPr>
+          <p:cNvSpPr txBox="1"/>
+          <p:nvPr/>
+        </p:nvSpPr>
+        <p:spPr>
+          <a:xfrm>
+            <a:off x="7718707" y="235243"/>
+            <a:ext cx="985680" cy="246221"/>
+          </a:xfrm>
+          <a:prstGeom prst="rect">
+            <a:avLst/>
+          </a:prstGeom>
+          <a:solidFill>
+            <a:schemeClr val="bg1"/>
+          </a:solidFill>
+        </p:spPr>
+        <p:txBody>
+          <a:bodyPr wrap="square" rtlCol="0">
+            <a:spAutoFit/>
+          </a:bodyPr>
+          <a:lstStyle/>
+          <a:p>
+            <a:pPr algn="ctr"/>
+            <a:r>
+              <a:rPr kumimoji="1" lang="en-US" altLang="ko-Kore-KR" sz="1000" dirty="0">
+                <a:solidFill>
+                  <a:srgbClr val="5DA2C5"/>
+                </a:solidFill>
+                <a:latin typeface="SHeadG" panose="02030600000101010101" pitchFamily="18" charset="-127"/>
+                <a:ea typeface="SHeadG" panose="02030600000101010101" pitchFamily="18" charset="-127"/>
+              </a:rPr>
+              <a:t>&lt;&lt;Interface&gt;&gt;</a:t>
+            </a:r>
+            <a:endParaRPr kumimoji="1" lang="ko-Kore-KR" altLang="en-US" sz="1000" dirty="0">
+              <a:solidFill>
+                <a:srgbClr val="5DA2C5"/>
+              </a:solidFill>
+              <a:latin typeface="SHeadG" panose="02030600000101010101" pitchFamily="18" charset="-127"/>
+              <a:ea typeface="SHeadG" panose="02030600000101010101" pitchFamily="18" charset="-127"/>
+            </a:endParaRPr>
+          </a:p>
+        </p:txBody>
+      </p:sp>
+      <p:cxnSp>
+        <p:nvCxnSpPr>
+          <p:cNvPr id="87" name="직선 연결선[R] 86">
+            <a:extLst>
+              <a:ext uri="{FF2B5EF4-FFF2-40B4-BE49-F238E27FC236}">
+                <a16:creationId xmlns:a16="http://schemas.microsoft.com/office/drawing/2014/main" id="{EC378EB0-0EEA-9844-99E7-B784B45E00E7}"/>
+              </a:ext>
+            </a:extLst>
+          </p:cNvPr>
+          <p:cNvCxnSpPr>
+            <a:cxnSpLocks/>
+          </p:cNvCxnSpPr>
+          <p:nvPr/>
+        </p:nvCxnSpPr>
+        <p:spPr>
+          <a:xfrm>
+            <a:off x="2558136" y="235243"/>
+            <a:ext cx="0" cy="2303089"/>
+          </a:xfrm>
+          <a:prstGeom prst="line">
+            <a:avLst/>
+          </a:prstGeom>
+          <a:ln w="25400">
+            <a:solidFill>
+              <a:srgbClr val="5DA2C5"/>
+            </a:solidFill>
+            <a:prstDash val="dash"/>
+          </a:ln>
+        </p:spPr>
+        <p:style>
+          <a:lnRef idx="1">
+            <a:schemeClr val="accent1"/>
+          </a:lnRef>
+          <a:fillRef idx="0">
+            <a:schemeClr val="accent1"/>
+          </a:fillRef>
+          <a:effectRef idx="0">
+            <a:schemeClr val="accent1"/>
+          </a:effectRef>
+          <a:fontRef idx="minor">
+            <a:schemeClr val="tx1"/>
+          </a:fontRef>
+        </p:style>
+      </p:cxnSp>
+      <p:cxnSp>
+        <p:nvCxnSpPr>
+          <p:cNvPr id="88" name="직선 연결선[R] 87">
+            <a:extLst>
+              <a:ext uri="{FF2B5EF4-FFF2-40B4-BE49-F238E27FC236}">
+                <a16:creationId xmlns:a16="http://schemas.microsoft.com/office/drawing/2014/main" id="{30260762-DD71-2E4B-B061-BEA358F5F093}"/>
+              </a:ext>
+            </a:extLst>
+          </p:cNvPr>
+          <p:cNvCxnSpPr>
+            <a:cxnSpLocks/>
+          </p:cNvCxnSpPr>
+          <p:nvPr/>
+        </p:nvCxnSpPr>
+        <p:spPr>
+          <a:xfrm>
+            <a:off x="9416136" y="199461"/>
+            <a:ext cx="0" cy="2303089"/>
+          </a:xfrm>
+          <a:prstGeom prst="line">
+            <a:avLst/>
+          </a:prstGeom>
+          <a:ln w="25400">
+            <a:solidFill>
+              <a:srgbClr val="5DA2C5"/>
+            </a:solidFill>
+            <a:prstDash val="dash"/>
+          </a:ln>
+        </p:spPr>
+        <p:style>
+          <a:lnRef idx="1">
+            <a:schemeClr val="accent1"/>
+          </a:lnRef>
+          <a:fillRef idx="0">
+            <a:schemeClr val="accent1"/>
+          </a:fillRef>
+          <a:effectRef idx="0">
+            <a:schemeClr val="accent1"/>
+          </a:effectRef>
+          <a:fontRef idx="minor">
+            <a:schemeClr val="tx1"/>
+          </a:fontRef>
+        </p:style>
+      </p:cxnSp>
+      <p:grpSp>
+        <p:nvGrpSpPr>
+          <p:cNvPr id="90" name="그룹 89">
+            <a:extLst>
+              <a:ext uri="{FF2B5EF4-FFF2-40B4-BE49-F238E27FC236}">
+                <a16:creationId xmlns:a16="http://schemas.microsoft.com/office/drawing/2014/main" id="{825C78D6-4AB0-EF44-8808-61FBBABDBA61}"/>
+              </a:ext>
+            </a:extLst>
+          </p:cNvPr>
+          <p:cNvGrpSpPr/>
+          <p:nvPr/>
+        </p:nvGrpSpPr>
+        <p:grpSpPr>
+          <a:xfrm>
+            <a:off x="569622" y="1570414"/>
+            <a:ext cx="1833648" cy="619272"/>
+            <a:chOff x="688457" y="542690"/>
+            <a:chExt cx="1833648" cy="619272"/>
+          </a:xfrm>
+        </p:grpSpPr>
+        <p:sp>
+          <p:nvSpPr>
+            <p:cNvPr id="91" name="TextBox 90">
+              <a:extLst>
+                <a:ext uri="{FF2B5EF4-FFF2-40B4-BE49-F238E27FC236}">
+                  <a16:creationId xmlns:a16="http://schemas.microsoft.com/office/drawing/2014/main" id="{D5330F25-FBDE-2F4A-98AE-36EC266576C5}"/>
+                </a:ext>
+              </a:extLst>
+            </p:cNvPr>
+            <p:cNvSpPr txBox="1"/>
+            <p:nvPr/>
+          </p:nvSpPr>
+          <p:spPr>
+            <a:xfrm>
+              <a:off x="764239" y="693560"/>
+              <a:ext cx="1684137" cy="307777"/>
+            </a:xfrm>
+            <a:prstGeom prst="rect">
+              <a:avLst/>
+            </a:prstGeom>
+            <a:noFill/>
+          </p:spPr>
+          <p:txBody>
+            <a:bodyPr wrap="square" rtlCol="0">
+              <a:spAutoFit/>
+            </a:bodyPr>
+            <a:lstStyle/>
+            <a:p>
+              <a:pPr algn="ctr"/>
+              <a:r>
+                <a:rPr kumimoji="1" lang="en-US" altLang="ko-Kore-KR" sz="1400" b="1" dirty="0" err="1">
+                  <a:solidFill>
+                    <a:srgbClr val="5DA2C5"/>
+                  </a:solidFill>
+                  <a:latin typeface="SHeadG" panose="02030600000101010101" pitchFamily="18" charset="-127"/>
+                  <a:ea typeface="SHeadG" panose="02030600000101010101" pitchFamily="18" charset="-127"/>
+                </a:rPr>
+                <a:t>WebModel</a:t>
+              </a:r>
+              <a:endParaRPr kumimoji="1" lang="en-US" altLang="ko-Kore-KR" sz="1400" b="1" dirty="0">
+                <a:solidFill>
+                  <a:srgbClr val="5DA2C5"/>
+                </a:solidFill>
+                <a:latin typeface="SHeadG" panose="02030600000101010101" pitchFamily="18" charset="-127"/>
+                <a:ea typeface="SHeadG" panose="02030600000101010101" pitchFamily="18" charset="-127"/>
+              </a:endParaRPr>
+            </a:p>
+          </p:txBody>
+        </p:sp>
+        <p:sp>
+          <p:nvSpPr>
+            <p:cNvPr id="92" name="직사각형 91">
+              <a:extLst>
+                <a:ext uri="{FF2B5EF4-FFF2-40B4-BE49-F238E27FC236}">
+                  <a16:creationId xmlns:a16="http://schemas.microsoft.com/office/drawing/2014/main" id="{97A79D14-3365-9446-9CB7-ACA61607CEFC}"/>
+                </a:ext>
+              </a:extLst>
+            </p:cNvPr>
+            <p:cNvSpPr/>
+            <p:nvPr/>
+          </p:nvSpPr>
+          <p:spPr>
+            <a:xfrm>
+              <a:off x="688457" y="542690"/>
+              <a:ext cx="1833648" cy="619272"/>
+            </a:xfrm>
+            <a:prstGeom prst="rect">
+              <a:avLst/>
+            </a:prstGeom>
+            <a:ln w="25400">
+              <a:solidFill>
+                <a:srgbClr val="5DA2C5"/>
+              </a:solidFill>
+            </a:ln>
+          </p:spPr>
+          <p:style>
+            <a:lnRef idx="1">
+              <a:schemeClr val="accent1"/>
+            </a:lnRef>
+            <a:fillRef idx="0">
+              <a:schemeClr val="accent1"/>
+            </a:fillRef>
+            <a:effectRef idx="0">
+              <a:schemeClr val="accent1"/>
+            </a:effectRef>
+            <a:fontRef idx="minor">
+              <a:schemeClr val="tx1"/>
+            </a:fontRef>
+          </p:style>
+          <p:txBody>
+            <a:bodyPr rtlCol="0" anchor="ctr"/>
+            <a:lstStyle/>
+            <a:p>
+              <a:pPr algn="ctr"/>
+              <a:endParaRPr kumimoji="1" lang="ko-Kore-KR" altLang="en-US"/>
+            </a:p>
+          </p:txBody>
+        </p:sp>
+      </p:grpSp>
+      <p:grpSp>
+        <p:nvGrpSpPr>
+          <p:cNvPr id="93" name="그룹 92">
+            <a:extLst>
+              <a:ext uri="{FF2B5EF4-FFF2-40B4-BE49-F238E27FC236}">
+                <a16:creationId xmlns:a16="http://schemas.microsoft.com/office/drawing/2014/main" id="{9124F276-7228-9246-B2F9-D0864D209578}"/>
+              </a:ext>
+            </a:extLst>
+          </p:cNvPr>
+          <p:cNvGrpSpPr/>
+          <p:nvPr/>
+        </p:nvGrpSpPr>
+        <p:grpSpPr>
+          <a:xfrm>
+            <a:off x="9582085" y="1570414"/>
+            <a:ext cx="1833648" cy="619272"/>
+            <a:chOff x="688457" y="542690"/>
+            <a:chExt cx="1833648" cy="619272"/>
+          </a:xfrm>
+        </p:grpSpPr>
+        <p:sp>
+          <p:nvSpPr>
+            <p:cNvPr id="94" name="TextBox 93">
+              <a:extLst>
+                <a:ext uri="{FF2B5EF4-FFF2-40B4-BE49-F238E27FC236}">
+                  <a16:creationId xmlns:a16="http://schemas.microsoft.com/office/drawing/2014/main" id="{278B9C74-1DA0-0E4F-ACAA-1456564A59C4}"/>
+                </a:ext>
+              </a:extLst>
+            </p:cNvPr>
+            <p:cNvSpPr txBox="1"/>
+            <p:nvPr/>
+          </p:nvSpPr>
+          <p:spPr>
+            <a:xfrm>
+              <a:off x="765148" y="585839"/>
+              <a:ext cx="1684137" cy="523220"/>
+            </a:xfrm>
+            <a:prstGeom prst="rect">
+              <a:avLst/>
+            </a:prstGeom>
+            <a:noFill/>
+          </p:spPr>
+          <p:txBody>
+            <a:bodyPr wrap="square" rtlCol="0">
+              <a:spAutoFit/>
+            </a:bodyPr>
+            <a:lstStyle/>
+            <a:p>
+              <a:pPr algn="ctr"/>
+              <a:r>
+                <a:rPr kumimoji="1" lang="en-US" altLang="ko-Kore-KR" sz="1400" b="1" dirty="0">
+                  <a:solidFill>
+                    <a:srgbClr val="5DA2C5"/>
+                  </a:solidFill>
+                  <a:latin typeface="SHeadG" panose="02030600000101010101" pitchFamily="18" charset="-127"/>
+                  <a:ea typeface="SHeadG" panose="02030600000101010101" pitchFamily="18" charset="-127"/>
+                </a:rPr>
+                <a:t>Persistence</a:t>
+              </a:r>
+            </a:p>
+            <a:p>
+              <a:pPr algn="ctr"/>
+              <a:r>
+                <a:rPr kumimoji="1" lang="en-US" altLang="ko-Kore-KR" sz="1400" b="1" dirty="0">
+                  <a:solidFill>
+                    <a:srgbClr val="5DA2C5"/>
+                  </a:solidFill>
+                  <a:latin typeface="SHeadG" panose="02030600000101010101" pitchFamily="18" charset="-127"/>
+                  <a:ea typeface="SHeadG" panose="02030600000101010101" pitchFamily="18" charset="-127"/>
+                </a:rPr>
+                <a:t>Model</a:t>
+              </a:r>
+            </a:p>
+          </p:txBody>
+        </p:sp>
+        <p:sp>
+          <p:nvSpPr>
+            <p:cNvPr id="95" name="직사각형 94">
+              <a:extLst>
+                <a:ext uri="{FF2B5EF4-FFF2-40B4-BE49-F238E27FC236}">
+                  <a16:creationId xmlns:a16="http://schemas.microsoft.com/office/drawing/2014/main" id="{A3E179C1-51EB-5444-B6C3-4BCF233F47D6}"/>
+                </a:ext>
+              </a:extLst>
+            </p:cNvPr>
+            <p:cNvSpPr/>
+            <p:nvPr/>
+          </p:nvSpPr>
+          <p:spPr>
+            <a:xfrm>
+              <a:off x="688457" y="542690"/>
+              <a:ext cx="1833648" cy="619272"/>
+            </a:xfrm>
+            <a:prstGeom prst="rect">
+              <a:avLst/>
+            </a:prstGeom>
+            <a:ln w="25400">
+              <a:solidFill>
+                <a:srgbClr val="5DA2C5"/>
+              </a:solidFill>
+            </a:ln>
+          </p:spPr>
+          <p:style>
+            <a:lnRef idx="1">
+              <a:schemeClr val="accent1"/>
+            </a:lnRef>
+            <a:fillRef idx="0">
+              <a:schemeClr val="accent1"/>
+            </a:fillRef>
+            <a:effectRef idx="0">
+              <a:schemeClr val="accent1"/>
+            </a:effectRef>
+            <a:fontRef idx="minor">
+              <a:schemeClr val="tx1"/>
+            </a:fontRef>
+          </p:style>
+          <p:txBody>
+            <a:bodyPr rtlCol="0" anchor="ctr"/>
+            <a:lstStyle/>
+            <a:p>
+              <a:pPr algn="ctr"/>
+              <a:endParaRPr kumimoji="1" lang="ko-Kore-KR" altLang="en-US"/>
+            </a:p>
+          </p:txBody>
+        </p:sp>
+      </p:grpSp>
+      <p:cxnSp>
+        <p:nvCxnSpPr>
+          <p:cNvPr id="96" name="직선 화살표 연결선 95">
+            <a:extLst>
+              <a:ext uri="{FF2B5EF4-FFF2-40B4-BE49-F238E27FC236}">
+                <a16:creationId xmlns:a16="http://schemas.microsoft.com/office/drawing/2014/main" id="{B9EC727F-BE23-E442-B32C-6ACBD824AB82}"/>
+              </a:ext>
+            </a:extLst>
+          </p:cNvPr>
+          <p:cNvCxnSpPr>
+            <a:cxnSpLocks/>
+            <a:stCxn id="72" idx="2"/>
+            <a:endCxn id="95" idx="0"/>
+          </p:cNvCxnSpPr>
+          <p:nvPr/>
+        </p:nvCxnSpPr>
+        <p:spPr>
+          <a:xfrm>
+            <a:off x="10498909" y="982503"/>
+            <a:ext cx="0" cy="587911"/>
+          </a:xfrm>
+          <a:prstGeom prst="straightConnector1">
+            <a:avLst/>
+          </a:prstGeom>
+          <a:ln w="25400">
+            <a:solidFill>
+              <a:srgbClr val="5DA2C5"/>
+            </a:solidFill>
+            <a:tailEnd type="stealth" w="lg" len="lg"/>
+          </a:ln>
+        </p:spPr>
+        <p:style>
+          <a:lnRef idx="1">
+            <a:schemeClr val="accent1"/>
+          </a:lnRef>
+          <a:fillRef idx="0">
+            <a:schemeClr val="accent1"/>
+          </a:fillRef>
+          <a:effectRef idx="0">
+            <a:schemeClr val="accent1"/>
+          </a:effectRef>
+          <a:fontRef idx="minor">
+            <a:schemeClr val="tx1"/>
+          </a:fontRef>
+        </p:style>
+      </p:cxnSp>
+      <p:cxnSp>
+        <p:nvCxnSpPr>
+          <p:cNvPr id="97" name="직선 화살표 연결선 96">
+            <a:extLst>
+              <a:ext uri="{FF2B5EF4-FFF2-40B4-BE49-F238E27FC236}">
+                <a16:creationId xmlns:a16="http://schemas.microsoft.com/office/drawing/2014/main" id="{190C98BC-F4E3-D540-A020-2C7B461BAA0B}"/>
+              </a:ext>
+            </a:extLst>
+          </p:cNvPr>
+          <p:cNvCxnSpPr>
+            <a:cxnSpLocks/>
+            <a:stCxn id="56" idx="2"/>
+            <a:endCxn id="92" idx="0"/>
+          </p:cNvCxnSpPr>
+          <p:nvPr/>
+        </p:nvCxnSpPr>
+        <p:spPr>
+          <a:xfrm>
+            <a:off x="1485537" y="997134"/>
+            <a:ext cx="909" cy="573280"/>
+          </a:xfrm>
+          <a:prstGeom prst="straightConnector1">
+            <a:avLst/>
+          </a:prstGeom>
+          <a:ln w="25400">
+            <a:solidFill>
+              <a:srgbClr val="5DA2C5"/>
+            </a:solidFill>
+            <a:tailEnd type="stealth" w="lg" len="lg"/>
+          </a:ln>
+        </p:spPr>
+        <p:style>
+          <a:lnRef idx="1">
+            <a:schemeClr val="accent1"/>
+          </a:lnRef>
+          <a:fillRef idx="0">
+            <a:schemeClr val="accent1"/>
+          </a:fillRef>
+          <a:effectRef idx="0">
+            <a:schemeClr val="accent1"/>
+          </a:effectRef>
+          <a:fontRef idx="minor">
+            <a:schemeClr val="tx1"/>
+          </a:fontRef>
+        </p:style>
+      </p:cxnSp>
+      <p:grpSp>
+        <p:nvGrpSpPr>
+          <p:cNvPr id="104" name="그룹 103">
+            <a:extLst>
+              <a:ext uri="{FF2B5EF4-FFF2-40B4-BE49-F238E27FC236}">
+                <a16:creationId xmlns:a16="http://schemas.microsoft.com/office/drawing/2014/main" id="{ACC0891A-759B-5346-A700-7622928B84D9}"/>
+              </a:ext>
+            </a:extLst>
+          </p:cNvPr>
+          <p:cNvGrpSpPr/>
+          <p:nvPr/>
+        </p:nvGrpSpPr>
+        <p:grpSpPr>
+          <a:xfrm>
+            <a:off x="2816255" y="1570414"/>
+            <a:ext cx="1833648" cy="619272"/>
+            <a:chOff x="688457" y="542690"/>
+            <a:chExt cx="1833648" cy="619272"/>
+          </a:xfrm>
+        </p:grpSpPr>
+        <p:sp>
+          <p:nvSpPr>
+            <p:cNvPr id="105" name="TextBox 104">
+              <a:extLst>
+                <a:ext uri="{FF2B5EF4-FFF2-40B4-BE49-F238E27FC236}">
+                  <a16:creationId xmlns:a16="http://schemas.microsoft.com/office/drawing/2014/main" id="{363C29FC-B9AC-0D45-BB7E-8E47EFCB12FA}"/>
+                </a:ext>
+              </a:extLst>
+            </p:cNvPr>
+            <p:cNvSpPr txBox="1"/>
+            <p:nvPr/>
+          </p:nvSpPr>
+          <p:spPr>
+            <a:xfrm>
+              <a:off x="763212" y="585839"/>
+              <a:ext cx="1684137" cy="523220"/>
+            </a:xfrm>
+            <a:prstGeom prst="rect">
+              <a:avLst/>
+            </a:prstGeom>
+            <a:noFill/>
+          </p:spPr>
+          <p:txBody>
+            <a:bodyPr wrap="square" rtlCol="0">
+              <a:spAutoFit/>
+            </a:bodyPr>
+            <a:lstStyle/>
+            <a:p>
+              <a:pPr algn="ctr"/>
+              <a:r>
+                <a:rPr kumimoji="1" lang="en-US" altLang="ko-Kore-KR" sz="1400" b="1" dirty="0" err="1">
+                  <a:solidFill>
+                    <a:srgbClr val="5DA2C5"/>
+                  </a:solidFill>
+                  <a:latin typeface="SHeadG" panose="02030600000101010101" pitchFamily="18" charset="-127"/>
+                  <a:ea typeface="SHeadG" panose="02030600000101010101" pitchFamily="18" charset="-127"/>
+                </a:rPr>
+                <a:t>SendMoney</a:t>
+              </a:r>
+              <a:endParaRPr kumimoji="1" lang="en-US" altLang="ko-Kore-KR" sz="1400" b="1" dirty="0">
+                <a:solidFill>
+                  <a:srgbClr val="5DA2C5"/>
+                </a:solidFill>
+                <a:latin typeface="SHeadG" panose="02030600000101010101" pitchFamily="18" charset="-127"/>
+                <a:ea typeface="SHeadG" panose="02030600000101010101" pitchFamily="18" charset="-127"/>
+              </a:endParaRPr>
+            </a:p>
+            <a:p>
+              <a:pPr algn="ctr"/>
+              <a:r>
+                <a:rPr kumimoji="1" lang="en-US" altLang="ko-Kore-KR" sz="1400" b="1" dirty="0">
+                  <a:solidFill>
+                    <a:srgbClr val="5DA2C5"/>
+                  </a:solidFill>
+                  <a:latin typeface="SHeadG" panose="02030600000101010101" pitchFamily="18" charset="-127"/>
+                  <a:ea typeface="SHeadG" panose="02030600000101010101" pitchFamily="18" charset="-127"/>
+                </a:rPr>
+                <a:t>Command</a:t>
+              </a:r>
+            </a:p>
+          </p:txBody>
+        </p:sp>
+        <p:sp>
+          <p:nvSpPr>
+            <p:cNvPr id="106" name="직사각형 105">
+              <a:extLst>
+                <a:ext uri="{FF2B5EF4-FFF2-40B4-BE49-F238E27FC236}">
+                  <a16:creationId xmlns:a16="http://schemas.microsoft.com/office/drawing/2014/main" id="{AE6B46BC-14F4-C144-97E0-EE5512913F3A}"/>
+                </a:ext>
+              </a:extLst>
+            </p:cNvPr>
+            <p:cNvSpPr/>
+            <p:nvPr/>
+          </p:nvSpPr>
+          <p:spPr>
+            <a:xfrm>
+              <a:off x="688457" y="542690"/>
+              <a:ext cx="1833648" cy="619272"/>
+            </a:xfrm>
+            <a:prstGeom prst="rect">
+              <a:avLst/>
+            </a:prstGeom>
+            <a:ln w="25400">
+              <a:solidFill>
+                <a:srgbClr val="5DA2C5"/>
+              </a:solidFill>
+            </a:ln>
+          </p:spPr>
+          <p:style>
+            <a:lnRef idx="1">
+              <a:schemeClr val="accent1"/>
+            </a:lnRef>
+            <a:fillRef idx="0">
+              <a:schemeClr val="accent1"/>
+            </a:fillRef>
+            <a:effectRef idx="0">
+              <a:schemeClr val="accent1"/>
+            </a:effectRef>
+            <a:fontRef idx="minor">
+              <a:schemeClr val="tx1"/>
+            </a:fontRef>
+          </p:style>
+          <p:txBody>
+            <a:bodyPr rtlCol="0" anchor="ctr"/>
+            <a:lstStyle/>
+            <a:p>
+              <a:pPr algn="ctr"/>
+              <a:endParaRPr kumimoji="1" lang="ko-Kore-KR" altLang="en-US"/>
+            </a:p>
+          </p:txBody>
+        </p:sp>
+      </p:grpSp>
+      <p:grpSp>
+        <p:nvGrpSpPr>
+          <p:cNvPr id="107" name="그룹 106">
+            <a:extLst>
+              <a:ext uri="{FF2B5EF4-FFF2-40B4-BE49-F238E27FC236}">
+                <a16:creationId xmlns:a16="http://schemas.microsoft.com/office/drawing/2014/main" id="{6363ECC6-95FC-0D42-83AE-8AA3522255B0}"/>
+              </a:ext>
+            </a:extLst>
+          </p:cNvPr>
+          <p:cNvGrpSpPr/>
+          <p:nvPr/>
+        </p:nvGrpSpPr>
+        <p:grpSpPr>
+          <a:xfrm>
+            <a:off x="7328371" y="1565536"/>
+            <a:ext cx="1833648" cy="619272"/>
+            <a:chOff x="688457" y="542690"/>
+            <a:chExt cx="1833648" cy="619272"/>
+          </a:xfrm>
+        </p:grpSpPr>
+        <p:sp>
+          <p:nvSpPr>
+            <p:cNvPr id="108" name="TextBox 107">
+              <a:extLst>
+                <a:ext uri="{FF2B5EF4-FFF2-40B4-BE49-F238E27FC236}">
+                  <a16:creationId xmlns:a16="http://schemas.microsoft.com/office/drawing/2014/main" id="{86B99D06-0CAC-344E-A0EC-1B8C81ECACB0}"/>
+                </a:ext>
+              </a:extLst>
+            </p:cNvPr>
+            <p:cNvSpPr txBox="1"/>
+            <p:nvPr/>
+          </p:nvSpPr>
+          <p:spPr>
+            <a:xfrm>
+              <a:off x="765519" y="590717"/>
+              <a:ext cx="1684137" cy="523220"/>
+            </a:xfrm>
+            <a:prstGeom prst="rect">
+              <a:avLst/>
+            </a:prstGeom>
+            <a:noFill/>
+          </p:spPr>
+          <p:txBody>
+            <a:bodyPr wrap="square" rtlCol="0">
+              <a:spAutoFit/>
+            </a:bodyPr>
+            <a:lstStyle/>
+            <a:p>
+              <a:pPr algn="ctr"/>
+              <a:r>
+                <a:rPr kumimoji="1" lang="en-US" altLang="ko-Kore-KR" sz="1400" b="1" dirty="0" err="1">
+                  <a:solidFill>
+                    <a:srgbClr val="5DA2C5"/>
+                  </a:solidFill>
+                  <a:latin typeface="SHeadG" panose="02030600000101010101" pitchFamily="18" charset="-127"/>
+                  <a:ea typeface="SHeadG" panose="02030600000101010101" pitchFamily="18" charset="-127"/>
+                </a:rPr>
+                <a:t>UpdateAccount</a:t>
+              </a:r>
+              <a:endParaRPr kumimoji="1" lang="en-US" altLang="ko-Kore-KR" sz="1400" b="1" dirty="0">
+                <a:solidFill>
+                  <a:srgbClr val="5DA2C5"/>
+                </a:solidFill>
+                <a:latin typeface="SHeadG" panose="02030600000101010101" pitchFamily="18" charset="-127"/>
+                <a:ea typeface="SHeadG" panose="02030600000101010101" pitchFamily="18" charset="-127"/>
+              </a:endParaRPr>
+            </a:p>
+            <a:p>
+              <a:pPr algn="ctr"/>
+              <a:r>
+                <a:rPr kumimoji="1" lang="en-US" altLang="ko-Kore-KR" sz="1400" b="1" dirty="0" err="1">
+                  <a:solidFill>
+                    <a:srgbClr val="5DA2C5"/>
+                  </a:solidFill>
+                  <a:latin typeface="SHeadG" panose="02030600000101010101" pitchFamily="18" charset="-127"/>
+                  <a:ea typeface="SHeadG" panose="02030600000101010101" pitchFamily="18" charset="-127"/>
+                </a:rPr>
+                <a:t>StateCommand</a:t>
+              </a:r>
+              <a:endParaRPr kumimoji="1" lang="en-US" altLang="ko-Kore-KR" sz="1400" b="1" dirty="0">
+                <a:solidFill>
+                  <a:srgbClr val="5DA2C5"/>
+                </a:solidFill>
+                <a:latin typeface="SHeadG" panose="02030600000101010101" pitchFamily="18" charset="-127"/>
+                <a:ea typeface="SHeadG" panose="02030600000101010101" pitchFamily="18" charset="-127"/>
+              </a:endParaRPr>
+            </a:p>
+          </p:txBody>
+        </p:sp>
+        <p:sp>
+          <p:nvSpPr>
+            <p:cNvPr id="109" name="직사각형 108">
+              <a:extLst>
+                <a:ext uri="{FF2B5EF4-FFF2-40B4-BE49-F238E27FC236}">
+                  <a16:creationId xmlns:a16="http://schemas.microsoft.com/office/drawing/2014/main" id="{E60E09CA-905B-224F-924B-5FDF7A050E01}"/>
+                </a:ext>
+              </a:extLst>
+            </p:cNvPr>
+            <p:cNvSpPr/>
+            <p:nvPr/>
+          </p:nvSpPr>
+          <p:spPr>
+            <a:xfrm>
+              <a:off x="688457" y="542690"/>
+              <a:ext cx="1833648" cy="619272"/>
+            </a:xfrm>
+            <a:prstGeom prst="rect">
+              <a:avLst/>
+            </a:prstGeom>
+            <a:ln w="25400">
+              <a:solidFill>
+                <a:srgbClr val="5DA2C5"/>
+              </a:solidFill>
+            </a:ln>
+          </p:spPr>
+          <p:style>
+            <a:lnRef idx="1">
+              <a:schemeClr val="accent1"/>
+            </a:lnRef>
+            <a:fillRef idx="0">
+              <a:schemeClr val="accent1"/>
+            </a:fillRef>
+            <a:effectRef idx="0">
+              <a:schemeClr val="accent1"/>
+            </a:effectRef>
+            <a:fontRef idx="minor">
+              <a:schemeClr val="tx1"/>
+            </a:fontRef>
+          </p:style>
+          <p:txBody>
+            <a:bodyPr rtlCol="0" anchor="ctr"/>
+            <a:lstStyle/>
+            <a:p>
+              <a:pPr algn="ctr"/>
+              <a:endParaRPr kumimoji="1" lang="ko-Kore-KR" altLang="en-US"/>
+            </a:p>
+          </p:txBody>
+        </p:sp>
+      </p:grpSp>
+      <p:cxnSp>
+        <p:nvCxnSpPr>
+          <p:cNvPr id="110" name="직선 화살표 연결선 109">
+            <a:extLst>
+              <a:ext uri="{FF2B5EF4-FFF2-40B4-BE49-F238E27FC236}">
+                <a16:creationId xmlns:a16="http://schemas.microsoft.com/office/drawing/2014/main" id="{89F3562D-9945-1E42-A43E-FFFB404D6258}"/>
+              </a:ext>
+            </a:extLst>
+          </p:cNvPr>
+          <p:cNvCxnSpPr>
+            <a:cxnSpLocks/>
+            <a:stCxn id="65" idx="2"/>
+            <a:endCxn id="109" idx="0"/>
+          </p:cNvCxnSpPr>
+          <p:nvPr/>
+        </p:nvCxnSpPr>
+        <p:spPr>
+          <a:xfrm flipH="1">
+            <a:off x="8245195" y="987380"/>
+            <a:ext cx="371" cy="578156"/>
+          </a:xfrm>
+          <a:prstGeom prst="straightConnector1">
+            <a:avLst/>
+          </a:prstGeom>
+          <a:ln w="25400">
+            <a:solidFill>
+              <a:srgbClr val="5DA2C5"/>
+            </a:solidFill>
+            <a:tailEnd type="stealth" w="lg" len="lg"/>
+          </a:ln>
+        </p:spPr>
+        <p:style>
+          <a:lnRef idx="1">
+            <a:schemeClr val="accent1"/>
+          </a:lnRef>
+          <a:fillRef idx="0">
+            <a:schemeClr val="accent1"/>
+          </a:fillRef>
+          <a:effectRef idx="0">
+            <a:schemeClr val="accent1"/>
+          </a:effectRef>
+          <a:fontRef idx="minor">
+            <a:schemeClr val="tx1"/>
+          </a:fontRef>
+        </p:style>
+      </p:cxnSp>
+      <p:cxnSp>
+        <p:nvCxnSpPr>
+          <p:cNvPr id="111" name="직선 화살표 연결선 110">
+            <a:extLst>
+              <a:ext uri="{FF2B5EF4-FFF2-40B4-BE49-F238E27FC236}">
+                <a16:creationId xmlns:a16="http://schemas.microsoft.com/office/drawing/2014/main" id="{250B532D-A0A9-9346-B89D-8CEF1FC03E8F}"/>
+              </a:ext>
+            </a:extLst>
+          </p:cNvPr>
+          <p:cNvCxnSpPr>
+            <a:cxnSpLocks/>
+            <a:stCxn id="59" idx="2"/>
+            <a:endCxn id="106" idx="0"/>
+          </p:cNvCxnSpPr>
+          <p:nvPr/>
+        </p:nvCxnSpPr>
+        <p:spPr>
+          <a:xfrm flipH="1">
+            <a:off x="3733079" y="997134"/>
+            <a:ext cx="5801" cy="573280"/>
+          </a:xfrm>
+          <a:prstGeom prst="straightConnector1">
+            <a:avLst/>
+          </a:prstGeom>
+          <a:ln w="25400">
+            <a:solidFill>
+              <a:srgbClr val="5DA2C5"/>
+            </a:solidFill>
+            <a:tailEnd type="stealth" w="lg" len="lg"/>
+          </a:ln>
+        </p:spPr>
+        <p:style>
+          <a:lnRef idx="1">
+            <a:schemeClr val="accent1"/>
+          </a:lnRef>
+          <a:fillRef idx="0">
+            <a:schemeClr val="accent1"/>
+          </a:fillRef>
+          <a:effectRef idx="0">
+            <a:schemeClr val="accent1"/>
+          </a:effectRef>
+          <a:fontRef idx="minor">
+            <a:schemeClr val="tx1"/>
+          </a:fontRef>
+        </p:style>
+      </p:cxnSp>
+      <p:cxnSp>
+        <p:nvCxnSpPr>
+          <p:cNvPr id="112" name="직선 연결선[R] 111">
+            <a:extLst>
+              <a:ext uri="{FF2B5EF4-FFF2-40B4-BE49-F238E27FC236}">
+                <a16:creationId xmlns:a16="http://schemas.microsoft.com/office/drawing/2014/main" id="{201D2CE5-6545-8645-8E8A-DCC3997D0891}"/>
+              </a:ext>
+            </a:extLst>
+          </p:cNvPr>
+          <p:cNvCxnSpPr>
+            <a:cxnSpLocks/>
+          </p:cNvCxnSpPr>
+          <p:nvPr/>
+        </p:nvCxnSpPr>
+        <p:spPr>
+          <a:xfrm>
+            <a:off x="4865551" y="1351005"/>
+            <a:ext cx="0" cy="1151545"/>
+          </a:xfrm>
+          <a:prstGeom prst="line">
+            <a:avLst/>
+          </a:prstGeom>
+          <a:ln w="25400">
+            <a:solidFill>
+              <a:srgbClr val="5DA2C5"/>
+            </a:solidFill>
+            <a:prstDash val="dash"/>
+          </a:ln>
+        </p:spPr>
+        <p:style>
+          <a:lnRef idx="1">
+            <a:schemeClr val="accent1"/>
+          </a:lnRef>
+          <a:fillRef idx="0">
+            <a:schemeClr val="accent1"/>
+          </a:fillRef>
+          <a:effectRef idx="0">
+            <a:schemeClr val="accent1"/>
+          </a:effectRef>
+          <a:fontRef idx="minor">
+            <a:schemeClr val="tx1"/>
+          </a:fontRef>
+        </p:style>
+      </p:cxnSp>
+      <p:cxnSp>
+        <p:nvCxnSpPr>
+          <p:cNvPr id="113" name="직선 연결선[R] 112">
+            <a:extLst>
+              <a:ext uri="{FF2B5EF4-FFF2-40B4-BE49-F238E27FC236}">
+                <a16:creationId xmlns:a16="http://schemas.microsoft.com/office/drawing/2014/main" id="{01BA9FFF-BC76-B44A-91EA-B2137011BBFC}"/>
+              </a:ext>
+            </a:extLst>
+          </p:cNvPr>
+          <p:cNvCxnSpPr>
+            <a:cxnSpLocks/>
+          </p:cNvCxnSpPr>
+          <p:nvPr/>
+        </p:nvCxnSpPr>
+        <p:spPr>
+          <a:xfrm flipH="1">
+            <a:off x="7118523" y="1351005"/>
+            <a:ext cx="371" cy="1151545"/>
+          </a:xfrm>
+          <a:prstGeom prst="line">
+            <a:avLst/>
+          </a:prstGeom>
+          <a:ln w="25400">
+            <a:solidFill>
+              <a:srgbClr val="5DA2C5"/>
+            </a:solidFill>
+            <a:prstDash val="dash"/>
+          </a:ln>
+        </p:spPr>
+        <p:style>
+          <a:lnRef idx="1">
+            <a:schemeClr val="accent1"/>
+          </a:lnRef>
+          <a:fillRef idx="0">
+            <a:schemeClr val="accent1"/>
+          </a:fillRef>
+          <a:effectRef idx="0">
+            <a:schemeClr val="accent1"/>
+          </a:effectRef>
+          <a:fontRef idx="minor">
+            <a:schemeClr val="tx1"/>
+          </a:fontRef>
+        </p:style>
+      </p:cxnSp>
+      <p:cxnSp>
+        <p:nvCxnSpPr>
+          <p:cNvPr id="114" name="직선 연결선[R] 113">
+            <a:extLst>
+              <a:ext uri="{FF2B5EF4-FFF2-40B4-BE49-F238E27FC236}">
+                <a16:creationId xmlns:a16="http://schemas.microsoft.com/office/drawing/2014/main" id="{F58318AF-547F-DD4C-80EB-7DAA490B53C1}"/>
+              </a:ext>
+            </a:extLst>
+          </p:cNvPr>
+          <p:cNvCxnSpPr>
+            <a:cxnSpLocks/>
+          </p:cNvCxnSpPr>
+          <p:nvPr/>
+        </p:nvCxnSpPr>
+        <p:spPr>
+          <a:xfrm>
+            <a:off x="4865551" y="1351005"/>
+            <a:ext cx="2252972" cy="0"/>
+          </a:xfrm>
+          <a:prstGeom prst="line">
+            <a:avLst/>
+          </a:prstGeom>
+          <a:ln w="25400">
+            <a:solidFill>
+              <a:srgbClr val="5DA2C5"/>
+            </a:solidFill>
+            <a:prstDash val="dash"/>
+          </a:ln>
+        </p:spPr>
+        <p:style>
+          <a:lnRef idx="1">
+            <a:schemeClr val="accent1"/>
+          </a:lnRef>
+          <a:fillRef idx="0">
+            <a:schemeClr val="accent1"/>
+          </a:fillRef>
+          <a:effectRef idx="0">
+            <a:schemeClr val="accent1"/>
+          </a:effectRef>
+          <a:fontRef idx="minor">
+            <a:schemeClr val="tx1"/>
+          </a:fontRef>
+        </p:style>
+      </p:cxnSp>
+      <p:grpSp>
+        <p:nvGrpSpPr>
+          <p:cNvPr id="115" name="그룹 114">
+            <a:extLst>
+              <a:ext uri="{FF2B5EF4-FFF2-40B4-BE49-F238E27FC236}">
+                <a16:creationId xmlns:a16="http://schemas.microsoft.com/office/drawing/2014/main" id="{EFC0DA8A-5E87-3044-8F37-38F11F358F33}"/>
+              </a:ext>
+            </a:extLst>
+          </p:cNvPr>
+          <p:cNvGrpSpPr/>
+          <p:nvPr/>
+        </p:nvGrpSpPr>
+        <p:grpSpPr>
+          <a:xfrm>
+            <a:off x="568714" y="3230811"/>
+            <a:ext cx="1833648" cy="619272"/>
+            <a:chOff x="688457" y="542690"/>
+            <a:chExt cx="1833648" cy="619272"/>
+          </a:xfrm>
+        </p:grpSpPr>
+        <p:sp>
+          <p:nvSpPr>
+            <p:cNvPr id="116" name="TextBox 115">
+              <a:extLst>
+                <a:ext uri="{FF2B5EF4-FFF2-40B4-BE49-F238E27FC236}">
+                  <a16:creationId xmlns:a16="http://schemas.microsoft.com/office/drawing/2014/main" id="{64B37B6C-EDD0-C547-BF9E-98A2D45938BD}"/>
+                </a:ext>
+              </a:extLst>
+            </p:cNvPr>
+            <p:cNvSpPr txBox="1"/>
+            <p:nvPr/>
+          </p:nvSpPr>
+          <p:spPr>
+            <a:xfrm>
+              <a:off x="765148" y="585839"/>
+              <a:ext cx="1684137" cy="523220"/>
+            </a:xfrm>
+            <a:prstGeom prst="rect">
+              <a:avLst/>
+            </a:prstGeom>
+            <a:noFill/>
+          </p:spPr>
+          <p:txBody>
+            <a:bodyPr wrap="square" rtlCol="0">
+              <a:spAutoFit/>
+            </a:bodyPr>
+            <a:lstStyle/>
+            <a:p>
+              <a:pPr algn="ctr"/>
+              <a:r>
+                <a:rPr kumimoji="1" lang="en-US" altLang="ko-Kore-KR" sz="1400" b="1" dirty="0">
+                  <a:solidFill>
+                    <a:srgbClr val="5DA2C5"/>
+                  </a:solidFill>
+                  <a:latin typeface="SHeadG" panose="02030600000101010101" pitchFamily="18" charset="-127"/>
+                  <a:ea typeface="SHeadG" panose="02030600000101010101" pitchFamily="18" charset="-127"/>
+                </a:rPr>
+                <a:t>Account</a:t>
+              </a:r>
+            </a:p>
+            <a:p>
+              <a:pPr algn="ctr"/>
+              <a:r>
+                <a:rPr kumimoji="1" lang="en-US" altLang="ko-Kore-KR" sz="1400" b="1" dirty="0">
+                  <a:solidFill>
+                    <a:srgbClr val="5DA2C5"/>
+                  </a:solidFill>
+                  <a:latin typeface="SHeadG" panose="02030600000101010101" pitchFamily="18" charset="-127"/>
+                  <a:ea typeface="SHeadG" panose="02030600000101010101" pitchFamily="18" charset="-127"/>
+                </a:rPr>
+                <a:t>Controller</a:t>
+              </a:r>
+            </a:p>
+          </p:txBody>
+        </p:sp>
+        <p:sp>
+          <p:nvSpPr>
+            <p:cNvPr id="117" name="직사각형 116">
+              <a:extLst>
+                <a:ext uri="{FF2B5EF4-FFF2-40B4-BE49-F238E27FC236}">
+                  <a16:creationId xmlns:a16="http://schemas.microsoft.com/office/drawing/2014/main" id="{8D935460-BB6C-8F4F-8ADA-FB35664003CE}"/>
+                </a:ext>
+              </a:extLst>
+            </p:cNvPr>
+            <p:cNvSpPr/>
+            <p:nvPr/>
+          </p:nvSpPr>
+          <p:spPr>
+            <a:xfrm>
+              <a:off x="688457" y="542690"/>
+              <a:ext cx="1833648" cy="619272"/>
+            </a:xfrm>
+            <a:prstGeom prst="rect">
+              <a:avLst/>
+            </a:prstGeom>
+            <a:ln w="25400">
+              <a:solidFill>
+                <a:srgbClr val="5DA2C5"/>
+              </a:solidFill>
+            </a:ln>
+          </p:spPr>
+          <p:style>
+            <a:lnRef idx="1">
+              <a:schemeClr val="accent1"/>
+            </a:lnRef>
+            <a:fillRef idx="0">
+              <a:schemeClr val="accent1"/>
+            </a:fillRef>
+            <a:effectRef idx="0">
+              <a:schemeClr val="accent1"/>
+            </a:effectRef>
+            <a:fontRef idx="minor">
+              <a:schemeClr val="tx1"/>
+            </a:fontRef>
+          </p:style>
+          <p:txBody>
+            <a:bodyPr rtlCol="0" anchor="ctr"/>
+            <a:lstStyle/>
+            <a:p>
+              <a:pPr algn="ctr"/>
+              <a:endParaRPr kumimoji="1" lang="ko-Kore-KR" altLang="en-US"/>
+            </a:p>
+          </p:txBody>
+        </p:sp>
+      </p:grpSp>
+      <p:grpSp>
+        <p:nvGrpSpPr>
+          <p:cNvPr id="118" name="그룹 117">
+            <a:extLst>
+              <a:ext uri="{FF2B5EF4-FFF2-40B4-BE49-F238E27FC236}">
+                <a16:creationId xmlns:a16="http://schemas.microsoft.com/office/drawing/2014/main" id="{4C60C3C2-23A6-6744-AAD8-B32521ACB378}"/>
+              </a:ext>
+            </a:extLst>
+          </p:cNvPr>
+          <p:cNvGrpSpPr/>
+          <p:nvPr/>
+        </p:nvGrpSpPr>
+        <p:grpSpPr>
+          <a:xfrm>
+            <a:off x="2822057" y="3230811"/>
+            <a:ext cx="1833648" cy="619272"/>
+            <a:chOff x="688457" y="542690"/>
+            <a:chExt cx="1833648" cy="619272"/>
+          </a:xfrm>
+        </p:grpSpPr>
+        <p:sp>
+          <p:nvSpPr>
+            <p:cNvPr id="119" name="TextBox 118">
+              <a:extLst>
+                <a:ext uri="{FF2B5EF4-FFF2-40B4-BE49-F238E27FC236}">
+                  <a16:creationId xmlns:a16="http://schemas.microsoft.com/office/drawing/2014/main" id="{7339D3CF-E76C-194E-A67B-3D4397291F89}"/>
+                </a:ext>
+              </a:extLst>
+            </p:cNvPr>
+            <p:cNvSpPr txBox="1"/>
+            <p:nvPr/>
+          </p:nvSpPr>
+          <p:spPr>
+            <a:xfrm>
+              <a:off x="765148" y="585839"/>
+              <a:ext cx="1684137" cy="523220"/>
+            </a:xfrm>
+            <a:prstGeom prst="rect">
+              <a:avLst/>
+            </a:prstGeom>
+            <a:noFill/>
+          </p:spPr>
+          <p:txBody>
+            <a:bodyPr wrap="square" rtlCol="0">
+              <a:spAutoFit/>
+            </a:bodyPr>
+            <a:lstStyle/>
+            <a:p>
+              <a:pPr algn="ctr"/>
+              <a:r>
+                <a:rPr kumimoji="1" lang="en-US" altLang="ko-Kore-KR" sz="1400" b="1" dirty="0" err="1">
+                  <a:solidFill>
+                    <a:srgbClr val="5DA2C5"/>
+                  </a:solidFill>
+                  <a:latin typeface="SHeadG" panose="02030600000101010101" pitchFamily="18" charset="-127"/>
+                  <a:ea typeface="SHeadG" panose="02030600000101010101" pitchFamily="18" charset="-127"/>
+                </a:rPr>
+                <a:t>SendMoney</a:t>
+              </a:r>
+              <a:endParaRPr kumimoji="1" lang="en-US" altLang="ko-Kore-KR" sz="1400" b="1" dirty="0">
+                <a:solidFill>
+                  <a:srgbClr val="5DA2C5"/>
+                </a:solidFill>
+                <a:latin typeface="SHeadG" panose="02030600000101010101" pitchFamily="18" charset="-127"/>
+                <a:ea typeface="SHeadG" panose="02030600000101010101" pitchFamily="18" charset="-127"/>
+              </a:endParaRPr>
+            </a:p>
+            <a:p>
+              <a:pPr algn="ctr"/>
+              <a:r>
+                <a:rPr kumimoji="1" lang="en-US" altLang="ko-Kore-KR" sz="1400" b="1" dirty="0" err="1">
+                  <a:solidFill>
+                    <a:srgbClr val="5DA2C5"/>
+                  </a:solidFill>
+                  <a:latin typeface="SHeadG" panose="02030600000101010101" pitchFamily="18" charset="-127"/>
+                  <a:ea typeface="SHeadG" panose="02030600000101010101" pitchFamily="18" charset="-127"/>
+                </a:rPr>
+                <a:t>UseCase</a:t>
+              </a:r>
+              <a:endParaRPr kumimoji="1" lang="en-US" altLang="ko-Kore-KR" sz="1400" b="1" dirty="0">
+                <a:solidFill>
+                  <a:srgbClr val="5DA2C5"/>
+                </a:solidFill>
+                <a:latin typeface="SHeadG" panose="02030600000101010101" pitchFamily="18" charset="-127"/>
+                <a:ea typeface="SHeadG" panose="02030600000101010101" pitchFamily="18" charset="-127"/>
+              </a:endParaRPr>
+            </a:p>
+          </p:txBody>
+        </p:sp>
+        <p:sp>
+          <p:nvSpPr>
+            <p:cNvPr id="120" name="직사각형 119">
+              <a:extLst>
+                <a:ext uri="{FF2B5EF4-FFF2-40B4-BE49-F238E27FC236}">
+                  <a16:creationId xmlns:a16="http://schemas.microsoft.com/office/drawing/2014/main" id="{145F3905-CEF9-AB46-84C5-C79285C179FE}"/>
+                </a:ext>
+              </a:extLst>
+            </p:cNvPr>
+            <p:cNvSpPr/>
+            <p:nvPr/>
+          </p:nvSpPr>
+          <p:spPr>
+            <a:xfrm>
+              <a:off x="688457" y="542690"/>
+              <a:ext cx="1833648" cy="619272"/>
+            </a:xfrm>
+            <a:prstGeom prst="rect">
+              <a:avLst/>
+            </a:prstGeom>
+            <a:ln w="25400">
+              <a:solidFill>
+                <a:srgbClr val="5DA2C5"/>
+              </a:solidFill>
+            </a:ln>
+          </p:spPr>
+          <p:style>
+            <a:lnRef idx="1">
+              <a:schemeClr val="accent1"/>
+            </a:lnRef>
+            <a:fillRef idx="0">
+              <a:schemeClr val="accent1"/>
+            </a:fillRef>
+            <a:effectRef idx="0">
+              <a:schemeClr val="accent1"/>
+            </a:effectRef>
+            <a:fontRef idx="minor">
+              <a:schemeClr val="tx1"/>
+            </a:fontRef>
+          </p:style>
+          <p:txBody>
+            <a:bodyPr rtlCol="0" anchor="ctr"/>
+            <a:lstStyle/>
+            <a:p>
+              <a:pPr algn="ctr"/>
+              <a:endParaRPr kumimoji="1" lang="ko-Kore-KR" altLang="en-US"/>
+            </a:p>
+          </p:txBody>
+        </p:sp>
+      </p:grpSp>
+      <p:grpSp>
+        <p:nvGrpSpPr>
+          <p:cNvPr id="121" name="그룹 120">
+            <a:extLst>
+              <a:ext uri="{FF2B5EF4-FFF2-40B4-BE49-F238E27FC236}">
+                <a16:creationId xmlns:a16="http://schemas.microsoft.com/office/drawing/2014/main" id="{B21A2121-5894-3C44-931D-77EC8238730D}"/>
+              </a:ext>
+            </a:extLst>
+          </p:cNvPr>
+          <p:cNvGrpSpPr/>
+          <p:nvPr/>
+        </p:nvGrpSpPr>
+        <p:grpSpPr>
+          <a:xfrm>
+            <a:off x="5075400" y="3225934"/>
+            <a:ext cx="1833648" cy="619272"/>
+            <a:chOff x="688457" y="542690"/>
+            <a:chExt cx="1833648" cy="619272"/>
+          </a:xfrm>
+        </p:grpSpPr>
+        <p:sp>
+          <p:nvSpPr>
+            <p:cNvPr id="122" name="TextBox 121">
+              <a:extLst>
+                <a:ext uri="{FF2B5EF4-FFF2-40B4-BE49-F238E27FC236}">
+                  <a16:creationId xmlns:a16="http://schemas.microsoft.com/office/drawing/2014/main" id="{C3F589FC-B460-2042-9BFE-D75171EA166C}"/>
+                </a:ext>
+              </a:extLst>
+            </p:cNvPr>
+            <p:cNvSpPr txBox="1"/>
+            <p:nvPr/>
+          </p:nvSpPr>
+          <p:spPr>
+            <a:xfrm>
+              <a:off x="765148" y="585839"/>
+              <a:ext cx="1684137" cy="523220"/>
+            </a:xfrm>
+            <a:prstGeom prst="rect">
+              <a:avLst/>
+            </a:prstGeom>
+            <a:noFill/>
+          </p:spPr>
+          <p:txBody>
+            <a:bodyPr wrap="square" rtlCol="0">
+              <a:spAutoFit/>
+            </a:bodyPr>
+            <a:lstStyle/>
+            <a:p>
+              <a:pPr algn="ctr"/>
+              <a:r>
+                <a:rPr kumimoji="1" lang="en-US" altLang="ko-Kore-KR" sz="1400" b="1" dirty="0" err="1">
+                  <a:solidFill>
+                    <a:srgbClr val="5DA2C5"/>
+                  </a:solidFill>
+                  <a:latin typeface="SHeadG" panose="02030600000101010101" pitchFamily="18" charset="-127"/>
+                  <a:ea typeface="SHeadG" panose="02030600000101010101" pitchFamily="18" charset="-127"/>
+                </a:rPr>
+                <a:t>SendMoney</a:t>
+              </a:r>
+              <a:endParaRPr kumimoji="1" lang="en-US" altLang="ko-Kore-KR" sz="1400" b="1" dirty="0">
+                <a:solidFill>
+                  <a:srgbClr val="5DA2C5"/>
+                </a:solidFill>
+                <a:latin typeface="SHeadG" panose="02030600000101010101" pitchFamily="18" charset="-127"/>
+                <a:ea typeface="SHeadG" panose="02030600000101010101" pitchFamily="18" charset="-127"/>
+              </a:endParaRPr>
+            </a:p>
+            <a:p>
+              <a:pPr algn="ctr"/>
+              <a:r>
+                <a:rPr kumimoji="1" lang="en-US" altLang="ko-Kore-KR" sz="1400" b="1" dirty="0">
+                  <a:solidFill>
+                    <a:srgbClr val="5DA2C5"/>
+                  </a:solidFill>
+                  <a:latin typeface="SHeadG" panose="02030600000101010101" pitchFamily="18" charset="-127"/>
+                  <a:ea typeface="SHeadG" panose="02030600000101010101" pitchFamily="18" charset="-127"/>
+                </a:rPr>
+                <a:t>Service</a:t>
+              </a:r>
+            </a:p>
+          </p:txBody>
+        </p:sp>
+        <p:sp>
+          <p:nvSpPr>
+            <p:cNvPr id="123" name="직사각형 122">
+              <a:extLst>
+                <a:ext uri="{FF2B5EF4-FFF2-40B4-BE49-F238E27FC236}">
+                  <a16:creationId xmlns:a16="http://schemas.microsoft.com/office/drawing/2014/main" id="{522F7FA6-1D2B-3A47-8BE1-6D781E7C2E07}"/>
+                </a:ext>
+              </a:extLst>
+            </p:cNvPr>
+            <p:cNvSpPr/>
+            <p:nvPr/>
+          </p:nvSpPr>
+          <p:spPr>
+            <a:xfrm>
+              <a:off x="688457" y="542690"/>
+              <a:ext cx="1833648" cy="619272"/>
+            </a:xfrm>
+            <a:prstGeom prst="rect">
+              <a:avLst/>
+            </a:prstGeom>
+            <a:ln w="25400">
+              <a:solidFill>
+                <a:srgbClr val="5DA2C5"/>
+              </a:solidFill>
+            </a:ln>
+          </p:spPr>
+          <p:style>
+            <a:lnRef idx="1">
+              <a:schemeClr val="accent1"/>
+            </a:lnRef>
+            <a:fillRef idx="0">
+              <a:schemeClr val="accent1"/>
+            </a:fillRef>
+            <a:effectRef idx="0">
+              <a:schemeClr val="accent1"/>
+            </a:effectRef>
+            <a:fontRef idx="minor">
+              <a:schemeClr val="tx1"/>
+            </a:fontRef>
+          </p:style>
+          <p:txBody>
+            <a:bodyPr rtlCol="0" anchor="ctr"/>
+            <a:lstStyle/>
+            <a:p>
+              <a:pPr algn="ctr"/>
+              <a:endParaRPr kumimoji="1" lang="ko-Kore-KR" altLang="en-US"/>
+            </a:p>
+          </p:txBody>
+        </p:sp>
+      </p:grpSp>
+      <p:grpSp>
+        <p:nvGrpSpPr>
+          <p:cNvPr id="124" name="그룹 123">
+            <a:extLst>
+              <a:ext uri="{FF2B5EF4-FFF2-40B4-BE49-F238E27FC236}">
+                <a16:creationId xmlns:a16="http://schemas.microsoft.com/office/drawing/2014/main" id="{0C3A1896-4853-7C49-9C33-9032C08F5D1B}"/>
+              </a:ext>
+            </a:extLst>
+          </p:cNvPr>
+          <p:cNvGrpSpPr/>
+          <p:nvPr/>
+        </p:nvGrpSpPr>
+        <p:grpSpPr>
+          <a:xfrm>
+            <a:off x="7328743" y="3221057"/>
+            <a:ext cx="1833648" cy="619272"/>
+            <a:chOff x="688457" y="542690"/>
+            <a:chExt cx="1833648" cy="619272"/>
+          </a:xfrm>
+        </p:grpSpPr>
+        <p:sp>
+          <p:nvSpPr>
+            <p:cNvPr id="125" name="TextBox 124">
+              <a:extLst>
+                <a:ext uri="{FF2B5EF4-FFF2-40B4-BE49-F238E27FC236}">
+                  <a16:creationId xmlns:a16="http://schemas.microsoft.com/office/drawing/2014/main" id="{1546C19E-65C1-824D-A5C0-97F6FC1E5129}"/>
+                </a:ext>
+              </a:extLst>
+            </p:cNvPr>
+            <p:cNvSpPr txBox="1"/>
+            <p:nvPr/>
+          </p:nvSpPr>
+          <p:spPr>
+            <a:xfrm>
+              <a:off x="765148" y="585839"/>
+              <a:ext cx="1684137" cy="523220"/>
+            </a:xfrm>
+            <a:prstGeom prst="rect">
+              <a:avLst/>
+            </a:prstGeom>
+            <a:noFill/>
+          </p:spPr>
+          <p:txBody>
+            <a:bodyPr wrap="square" rtlCol="0">
+              <a:spAutoFit/>
+            </a:bodyPr>
+            <a:lstStyle/>
+            <a:p>
+              <a:pPr algn="ctr"/>
+              <a:r>
+                <a:rPr kumimoji="1" lang="en-US" altLang="ko-Kore-KR" sz="1400" b="1" dirty="0" err="1">
+                  <a:solidFill>
+                    <a:srgbClr val="5DA2C5"/>
+                  </a:solidFill>
+                  <a:latin typeface="SHeadG" panose="02030600000101010101" pitchFamily="18" charset="-127"/>
+                  <a:ea typeface="SHeadG" panose="02030600000101010101" pitchFamily="18" charset="-127"/>
+                </a:rPr>
+                <a:t>UpdateAccount</a:t>
+              </a:r>
+              <a:endParaRPr kumimoji="1" lang="en-US" altLang="ko-Kore-KR" sz="1400" b="1" dirty="0">
+                <a:solidFill>
+                  <a:srgbClr val="5DA2C5"/>
+                </a:solidFill>
+                <a:latin typeface="SHeadG" panose="02030600000101010101" pitchFamily="18" charset="-127"/>
+                <a:ea typeface="SHeadG" panose="02030600000101010101" pitchFamily="18" charset="-127"/>
+              </a:endParaRPr>
+            </a:p>
+            <a:p>
+              <a:pPr algn="ctr"/>
+              <a:r>
+                <a:rPr kumimoji="1" lang="en-US" altLang="ko-Kore-KR" sz="1400" b="1" dirty="0" err="1">
+                  <a:solidFill>
+                    <a:srgbClr val="5DA2C5"/>
+                  </a:solidFill>
+                  <a:latin typeface="SHeadG" panose="02030600000101010101" pitchFamily="18" charset="-127"/>
+                  <a:ea typeface="SHeadG" panose="02030600000101010101" pitchFamily="18" charset="-127"/>
+                </a:rPr>
+                <a:t>StatePort</a:t>
+              </a:r>
+              <a:endParaRPr kumimoji="1" lang="en-US" altLang="ko-Kore-KR" sz="1400" b="1" dirty="0">
+                <a:solidFill>
+                  <a:srgbClr val="5DA2C5"/>
+                </a:solidFill>
+                <a:latin typeface="SHeadG" panose="02030600000101010101" pitchFamily="18" charset="-127"/>
+                <a:ea typeface="SHeadG" panose="02030600000101010101" pitchFamily="18" charset="-127"/>
+              </a:endParaRPr>
+            </a:p>
+          </p:txBody>
+        </p:sp>
+        <p:sp>
+          <p:nvSpPr>
+            <p:cNvPr id="126" name="직사각형 125">
+              <a:extLst>
+                <a:ext uri="{FF2B5EF4-FFF2-40B4-BE49-F238E27FC236}">
+                  <a16:creationId xmlns:a16="http://schemas.microsoft.com/office/drawing/2014/main" id="{CDC22A38-78D8-424B-ADBD-58761A41F7EB}"/>
+                </a:ext>
+              </a:extLst>
+            </p:cNvPr>
+            <p:cNvSpPr/>
+            <p:nvPr/>
+          </p:nvSpPr>
+          <p:spPr>
+            <a:xfrm>
+              <a:off x="688457" y="542690"/>
+              <a:ext cx="1833648" cy="619272"/>
+            </a:xfrm>
+            <a:prstGeom prst="rect">
+              <a:avLst/>
+            </a:prstGeom>
+            <a:ln w="25400">
+              <a:solidFill>
+                <a:srgbClr val="5DA2C5"/>
+              </a:solidFill>
+            </a:ln>
+          </p:spPr>
+          <p:style>
+            <a:lnRef idx="1">
+              <a:schemeClr val="accent1"/>
+            </a:lnRef>
+            <a:fillRef idx="0">
+              <a:schemeClr val="accent1"/>
+            </a:fillRef>
+            <a:effectRef idx="0">
+              <a:schemeClr val="accent1"/>
+            </a:effectRef>
+            <a:fontRef idx="minor">
+              <a:schemeClr val="tx1"/>
+            </a:fontRef>
+          </p:style>
+          <p:txBody>
+            <a:bodyPr rtlCol="0" anchor="ctr"/>
+            <a:lstStyle/>
+            <a:p>
+              <a:pPr algn="ctr"/>
+              <a:endParaRPr kumimoji="1" lang="ko-Kore-KR" altLang="en-US"/>
+            </a:p>
+          </p:txBody>
+        </p:sp>
+      </p:grpSp>
+      <p:grpSp>
+        <p:nvGrpSpPr>
+          <p:cNvPr id="127" name="그룹 126">
+            <a:extLst>
+              <a:ext uri="{FF2B5EF4-FFF2-40B4-BE49-F238E27FC236}">
+                <a16:creationId xmlns:a16="http://schemas.microsoft.com/office/drawing/2014/main" id="{AE3B6A3A-1D8C-8343-9159-0BC616C5E72A}"/>
+              </a:ext>
+            </a:extLst>
+          </p:cNvPr>
+          <p:cNvGrpSpPr/>
+          <p:nvPr/>
+        </p:nvGrpSpPr>
+        <p:grpSpPr>
+          <a:xfrm>
+            <a:off x="9582086" y="3216180"/>
+            <a:ext cx="1833648" cy="621541"/>
+            <a:chOff x="688457" y="542690"/>
+            <a:chExt cx="1833648" cy="621541"/>
+          </a:xfrm>
+        </p:grpSpPr>
+        <p:sp>
+          <p:nvSpPr>
+            <p:cNvPr id="128" name="TextBox 127">
+              <a:extLst>
+                <a:ext uri="{FF2B5EF4-FFF2-40B4-BE49-F238E27FC236}">
+                  <a16:creationId xmlns:a16="http://schemas.microsoft.com/office/drawing/2014/main" id="{F0214EA8-EBC8-0C43-90E4-3410B0490D74}"/>
+                </a:ext>
+              </a:extLst>
+            </p:cNvPr>
+            <p:cNvSpPr txBox="1"/>
+            <p:nvPr/>
+          </p:nvSpPr>
+          <p:spPr>
+            <a:xfrm>
+              <a:off x="765148" y="564067"/>
+              <a:ext cx="1684137" cy="600164"/>
+            </a:xfrm>
+            <a:prstGeom prst="rect">
+              <a:avLst/>
+            </a:prstGeom>
+            <a:noFill/>
+          </p:spPr>
+          <p:txBody>
+            <a:bodyPr wrap="square" rtlCol="0">
+              <a:spAutoFit/>
+            </a:bodyPr>
+            <a:lstStyle/>
+            <a:p>
+              <a:pPr algn="ctr"/>
+              <a:r>
+                <a:rPr kumimoji="1" lang="en-US" altLang="ko-Kore-KR" sz="1100" b="1" dirty="0">
+                  <a:solidFill>
+                    <a:srgbClr val="5DA2C5"/>
+                  </a:solidFill>
+                  <a:latin typeface="SHeadG" panose="02030600000101010101" pitchFamily="18" charset="-127"/>
+                  <a:ea typeface="SHeadG" panose="02030600000101010101" pitchFamily="18" charset="-127"/>
+                </a:rPr>
+                <a:t>Account </a:t>
+              </a:r>
+            </a:p>
+            <a:p>
+              <a:pPr algn="ctr"/>
+              <a:r>
+                <a:rPr kumimoji="1" lang="en-US" altLang="ko-Kore-KR" sz="1100" b="1" dirty="0">
+                  <a:solidFill>
+                    <a:srgbClr val="5DA2C5"/>
+                  </a:solidFill>
+                  <a:latin typeface="SHeadG" panose="02030600000101010101" pitchFamily="18" charset="-127"/>
+                  <a:ea typeface="SHeadG" panose="02030600000101010101" pitchFamily="18" charset="-127"/>
+                </a:rPr>
+                <a:t>Persistence </a:t>
+              </a:r>
+            </a:p>
+            <a:p>
+              <a:pPr algn="ctr"/>
+              <a:r>
+                <a:rPr kumimoji="1" lang="en-US" altLang="ko-Kore-KR" sz="1100" b="1" dirty="0">
+                  <a:solidFill>
+                    <a:srgbClr val="5DA2C5"/>
+                  </a:solidFill>
+                  <a:latin typeface="SHeadG" panose="02030600000101010101" pitchFamily="18" charset="-127"/>
+                  <a:ea typeface="SHeadG" panose="02030600000101010101" pitchFamily="18" charset="-127"/>
+                </a:rPr>
+                <a:t>Adapter</a:t>
+              </a:r>
+            </a:p>
+          </p:txBody>
+        </p:sp>
+        <p:sp>
+          <p:nvSpPr>
+            <p:cNvPr id="129" name="직사각형 128">
+              <a:extLst>
+                <a:ext uri="{FF2B5EF4-FFF2-40B4-BE49-F238E27FC236}">
+                  <a16:creationId xmlns:a16="http://schemas.microsoft.com/office/drawing/2014/main" id="{E3CB482B-50D8-A641-A72B-DAB4EA4031A4}"/>
+                </a:ext>
+              </a:extLst>
+            </p:cNvPr>
+            <p:cNvSpPr/>
+            <p:nvPr/>
+          </p:nvSpPr>
+          <p:spPr>
+            <a:xfrm>
+              <a:off x="688457" y="542690"/>
+              <a:ext cx="1833648" cy="619272"/>
+            </a:xfrm>
+            <a:prstGeom prst="rect">
+              <a:avLst/>
+            </a:prstGeom>
+            <a:ln w="25400">
+              <a:solidFill>
+                <a:srgbClr val="5DA2C5"/>
+              </a:solidFill>
+            </a:ln>
+          </p:spPr>
+          <p:style>
+            <a:lnRef idx="1">
+              <a:schemeClr val="accent1"/>
+            </a:lnRef>
+            <a:fillRef idx="0">
+              <a:schemeClr val="accent1"/>
+            </a:fillRef>
+            <a:effectRef idx="0">
+              <a:schemeClr val="accent1"/>
+            </a:effectRef>
+            <a:fontRef idx="minor">
+              <a:schemeClr val="tx1"/>
+            </a:fontRef>
+          </p:style>
+          <p:txBody>
+            <a:bodyPr rtlCol="0" anchor="ctr"/>
+            <a:lstStyle/>
+            <a:p>
+              <a:pPr algn="ctr"/>
+              <a:endParaRPr kumimoji="1" lang="ko-Kore-KR" altLang="en-US"/>
+            </a:p>
+          </p:txBody>
+        </p:sp>
+      </p:grpSp>
+      <p:cxnSp>
+        <p:nvCxnSpPr>
+          <p:cNvPr id="130" name="직선 화살표 연결선 129">
+            <a:extLst>
+              <a:ext uri="{FF2B5EF4-FFF2-40B4-BE49-F238E27FC236}">
+                <a16:creationId xmlns:a16="http://schemas.microsoft.com/office/drawing/2014/main" id="{0284FA99-A00C-7C4B-99D8-2008B492B274}"/>
+              </a:ext>
+            </a:extLst>
+          </p:cNvPr>
+          <p:cNvCxnSpPr>
+            <a:cxnSpLocks/>
+            <a:stCxn id="117" idx="3"/>
+            <a:endCxn id="120" idx="1"/>
+          </p:cNvCxnSpPr>
+          <p:nvPr/>
+        </p:nvCxnSpPr>
+        <p:spPr>
+          <a:xfrm>
+            <a:off x="2402362" y="3540447"/>
+            <a:ext cx="419695" cy="0"/>
+          </a:xfrm>
+          <a:prstGeom prst="straightConnector1">
+            <a:avLst/>
+          </a:prstGeom>
+          <a:ln w="25400">
+            <a:solidFill>
+              <a:srgbClr val="5DA2C5"/>
+            </a:solidFill>
+            <a:tailEnd type="stealth" w="lg" len="lg"/>
+          </a:ln>
+        </p:spPr>
+        <p:style>
+          <a:lnRef idx="1">
+            <a:schemeClr val="accent1"/>
+          </a:lnRef>
+          <a:fillRef idx="0">
+            <a:schemeClr val="accent1"/>
+          </a:fillRef>
+          <a:effectRef idx="0">
+            <a:schemeClr val="accent1"/>
+          </a:effectRef>
+          <a:fontRef idx="minor">
+            <a:schemeClr val="tx1"/>
+          </a:fontRef>
+        </p:style>
+      </p:cxnSp>
+      <p:cxnSp>
+        <p:nvCxnSpPr>
+          <p:cNvPr id="131" name="직선 화살표 연결선 130">
+            <a:extLst>
+              <a:ext uri="{FF2B5EF4-FFF2-40B4-BE49-F238E27FC236}">
+                <a16:creationId xmlns:a16="http://schemas.microsoft.com/office/drawing/2014/main" id="{FFFAB251-C22B-0E4A-A5F9-45E33C3AF5CD}"/>
+              </a:ext>
+            </a:extLst>
+          </p:cNvPr>
+          <p:cNvCxnSpPr>
+            <a:cxnSpLocks/>
+            <a:stCxn id="123" idx="3"/>
+            <a:endCxn id="126" idx="1"/>
+          </p:cNvCxnSpPr>
+          <p:nvPr/>
+        </p:nvCxnSpPr>
+        <p:spPr>
+          <a:xfrm flipV="1">
+            <a:off x="6909048" y="3530693"/>
+            <a:ext cx="419695" cy="4877"/>
+          </a:xfrm>
+          <a:prstGeom prst="straightConnector1">
+            <a:avLst/>
+          </a:prstGeom>
+          <a:ln w="25400">
+            <a:solidFill>
+              <a:srgbClr val="5DA2C5"/>
+            </a:solidFill>
+            <a:tailEnd type="stealth" w="lg" len="lg"/>
+          </a:ln>
+        </p:spPr>
+        <p:style>
+          <a:lnRef idx="1">
+            <a:schemeClr val="accent1"/>
+          </a:lnRef>
+          <a:fillRef idx="0">
+            <a:schemeClr val="accent1"/>
+          </a:fillRef>
+          <a:effectRef idx="0">
+            <a:schemeClr val="accent1"/>
+          </a:effectRef>
+          <a:fontRef idx="minor">
+            <a:schemeClr val="tx1"/>
+          </a:fontRef>
+        </p:style>
+      </p:cxnSp>
+      <p:cxnSp>
+        <p:nvCxnSpPr>
+          <p:cNvPr id="132" name="직선 화살표 연결선 131">
+            <a:extLst>
+              <a:ext uri="{FF2B5EF4-FFF2-40B4-BE49-F238E27FC236}">
+                <a16:creationId xmlns:a16="http://schemas.microsoft.com/office/drawing/2014/main" id="{ADADD903-C99E-B341-B1CD-14C28982975E}"/>
+              </a:ext>
+            </a:extLst>
+          </p:cNvPr>
+          <p:cNvCxnSpPr>
+            <a:cxnSpLocks/>
+            <a:stCxn id="123" idx="2"/>
+            <a:endCxn id="135" idx="0"/>
+          </p:cNvCxnSpPr>
+          <p:nvPr/>
+        </p:nvCxnSpPr>
+        <p:spPr>
+          <a:xfrm>
+            <a:off x="5992224" y="3845206"/>
+            <a:ext cx="0" cy="578157"/>
+          </a:xfrm>
+          <a:prstGeom prst="straightConnector1">
+            <a:avLst/>
+          </a:prstGeom>
+          <a:ln w="25400">
+            <a:solidFill>
+              <a:srgbClr val="5DA2C5"/>
+            </a:solidFill>
+            <a:tailEnd type="stealth" w="lg" len="lg"/>
+          </a:ln>
+        </p:spPr>
+        <p:style>
+          <a:lnRef idx="1">
+            <a:schemeClr val="accent1"/>
+          </a:lnRef>
+          <a:fillRef idx="0">
+            <a:schemeClr val="accent1"/>
+          </a:fillRef>
+          <a:effectRef idx="0">
+            <a:schemeClr val="accent1"/>
+          </a:effectRef>
+          <a:fontRef idx="minor">
+            <a:schemeClr val="tx1"/>
+          </a:fontRef>
+        </p:style>
+      </p:cxnSp>
+      <p:grpSp>
+        <p:nvGrpSpPr>
+          <p:cNvPr id="133" name="그룹 132">
+            <a:extLst>
+              <a:ext uri="{FF2B5EF4-FFF2-40B4-BE49-F238E27FC236}">
+                <a16:creationId xmlns:a16="http://schemas.microsoft.com/office/drawing/2014/main" id="{F3DC93B7-C32C-6247-BF53-EEC829CA3430}"/>
+              </a:ext>
+            </a:extLst>
+          </p:cNvPr>
+          <p:cNvGrpSpPr/>
+          <p:nvPr/>
+        </p:nvGrpSpPr>
+        <p:grpSpPr>
+          <a:xfrm>
+            <a:off x="5075400" y="4423363"/>
+            <a:ext cx="1833648" cy="619272"/>
+            <a:chOff x="688457" y="542690"/>
+            <a:chExt cx="1833648" cy="619272"/>
+          </a:xfrm>
+        </p:grpSpPr>
+        <p:sp>
+          <p:nvSpPr>
+            <p:cNvPr id="134" name="TextBox 133">
+              <a:extLst>
+                <a:ext uri="{FF2B5EF4-FFF2-40B4-BE49-F238E27FC236}">
+                  <a16:creationId xmlns:a16="http://schemas.microsoft.com/office/drawing/2014/main" id="{1265E802-7625-5E4B-9737-691BDDD9A136}"/>
+                </a:ext>
+              </a:extLst>
+            </p:cNvPr>
+            <p:cNvSpPr txBox="1"/>
+            <p:nvPr/>
+          </p:nvSpPr>
+          <p:spPr>
+            <a:xfrm>
+              <a:off x="765148" y="698437"/>
+              <a:ext cx="1684137" cy="307777"/>
+            </a:xfrm>
+            <a:prstGeom prst="rect">
+              <a:avLst/>
+            </a:prstGeom>
+            <a:noFill/>
+          </p:spPr>
+          <p:txBody>
+            <a:bodyPr wrap="square" rtlCol="0">
+              <a:spAutoFit/>
+            </a:bodyPr>
+            <a:lstStyle/>
+            <a:p>
+              <a:pPr algn="ctr"/>
+              <a:r>
+                <a:rPr kumimoji="1" lang="en-US" altLang="ko-Kore-KR" sz="1400" b="1" dirty="0">
+                  <a:solidFill>
+                    <a:srgbClr val="5DA2C5"/>
+                  </a:solidFill>
+                  <a:latin typeface="SHeadG" panose="02030600000101010101" pitchFamily="18" charset="-127"/>
+                  <a:ea typeface="SHeadG" panose="02030600000101010101" pitchFamily="18" charset="-127"/>
+                </a:rPr>
+                <a:t>Account</a:t>
+              </a:r>
+            </a:p>
+          </p:txBody>
+        </p:sp>
+        <p:sp>
+          <p:nvSpPr>
+            <p:cNvPr id="135" name="직사각형 134">
+              <a:extLst>
+                <a:ext uri="{FF2B5EF4-FFF2-40B4-BE49-F238E27FC236}">
+                  <a16:creationId xmlns:a16="http://schemas.microsoft.com/office/drawing/2014/main" id="{ECDF2586-BA2C-444A-9B60-98F87CDC5548}"/>
+                </a:ext>
+              </a:extLst>
+            </p:cNvPr>
+            <p:cNvSpPr/>
+            <p:nvPr/>
+          </p:nvSpPr>
+          <p:spPr>
+            <a:xfrm>
+              <a:off x="688457" y="542690"/>
+              <a:ext cx="1833648" cy="619272"/>
+            </a:xfrm>
+            <a:prstGeom prst="rect">
+              <a:avLst/>
+            </a:prstGeom>
+            <a:ln w="25400">
+              <a:solidFill>
+                <a:srgbClr val="5DA2C5"/>
+              </a:solidFill>
+            </a:ln>
+          </p:spPr>
+          <p:style>
+            <a:lnRef idx="1">
+              <a:schemeClr val="accent1"/>
+            </a:lnRef>
+            <a:fillRef idx="0">
+              <a:schemeClr val="accent1"/>
+            </a:fillRef>
+            <a:effectRef idx="0">
+              <a:schemeClr val="accent1"/>
+            </a:effectRef>
+            <a:fontRef idx="minor">
+              <a:schemeClr val="tx1"/>
+            </a:fontRef>
+          </p:style>
+          <p:txBody>
+            <a:bodyPr rtlCol="0" anchor="ctr"/>
+            <a:lstStyle/>
+            <a:p>
+              <a:pPr algn="ctr"/>
+              <a:endParaRPr kumimoji="1" lang="ko-Kore-KR" altLang="en-US"/>
+            </a:p>
+          </p:txBody>
+        </p:sp>
+      </p:grpSp>
+      <p:cxnSp>
+        <p:nvCxnSpPr>
+          <p:cNvPr id="136" name="직선 화살표 연결선 135">
+            <a:extLst>
+              <a:ext uri="{FF2B5EF4-FFF2-40B4-BE49-F238E27FC236}">
+                <a16:creationId xmlns:a16="http://schemas.microsoft.com/office/drawing/2014/main" id="{F54A99B1-13AE-7347-80E5-BBC0FF1F1F26}"/>
+              </a:ext>
+            </a:extLst>
+          </p:cNvPr>
+          <p:cNvCxnSpPr>
+            <a:cxnSpLocks/>
+            <a:stCxn id="129" idx="1"/>
+            <a:endCxn id="126" idx="3"/>
+          </p:cNvCxnSpPr>
+          <p:nvPr/>
+        </p:nvCxnSpPr>
+        <p:spPr>
+          <a:xfrm flipH="1">
+            <a:off x="9162391" y="3525816"/>
+            <a:ext cx="419695" cy="4877"/>
+          </a:xfrm>
+          <a:prstGeom prst="straightConnector1">
+            <a:avLst/>
+          </a:prstGeom>
+          <a:ln w="25400">
+            <a:solidFill>
+              <a:srgbClr val="5DA2C5"/>
+            </a:solidFill>
+            <a:tailEnd type="stealth" w="lg" len="lg"/>
+          </a:ln>
+        </p:spPr>
+        <p:style>
+          <a:lnRef idx="1">
+            <a:schemeClr val="accent1"/>
+          </a:lnRef>
+          <a:fillRef idx="0">
+            <a:schemeClr val="accent1"/>
+          </a:fillRef>
+          <a:effectRef idx="0">
+            <a:schemeClr val="accent1"/>
+          </a:effectRef>
+          <a:fontRef idx="minor">
+            <a:schemeClr val="tx1"/>
+          </a:fontRef>
+        </p:style>
+      </p:cxnSp>
+      <p:sp>
+        <p:nvSpPr>
+          <p:cNvPr id="137" name="삼각형 136">
+            <a:extLst>
+              <a:ext uri="{FF2B5EF4-FFF2-40B4-BE49-F238E27FC236}">
+                <a16:creationId xmlns:a16="http://schemas.microsoft.com/office/drawing/2014/main" id="{CA3DF0B4-1D2F-434C-A5F3-0CE578EFDBCF}"/>
+              </a:ext>
+            </a:extLst>
+          </p:cNvPr>
+          <p:cNvSpPr/>
+          <p:nvPr/>
+        </p:nvSpPr>
+        <p:spPr>
+          <a:xfrm rot="16200000">
+            <a:off x="9157845" y="3469692"/>
+            <a:ext cx="132203" cy="123111"/>
+          </a:xfrm>
+          <a:prstGeom prst="triangle">
+            <a:avLst/>
+          </a:prstGeom>
+          <a:solidFill>
+            <a:schemeClr val="bg1"/>
+          </a:solidFill>
+          <a:ln w="19050">
+            <a:solidFill>
+              <a:srgbClr val="5DA2C5"/>
+            </a:solidFill>
+          </a:ln>
+        </p:spPr>
+        <p:style>
+          <a:lnRef idx="2">
+            <a:schemeClr val="accent1">
+              <a:shade val="50000"/>
+            </a:schemeClr>
+          </a:lnRef>
+          <a:fillRef idx="1">
+            <a:schemeClr val="accent1"/>
+          </a:fillRef>
+          <a:effectRef idx="0">
+            <a:schemeClr val="accent1"/>
+          </a:effectRef>
+          <a:fontRef idx="minor">
+            <a:schemeClr val="lt1"/>
+          </a:fontRef>
+        </p:style>
+        <p:txBody>
+          <a:bodyPr rtlCol="0" anchor="ctr"/>
+          <a:lstStyle/>
+          <a:p>
+            <a:pPr algn="ctr"/>
+            <a:endParaRPr kumimoji="1" lang="ko-Kore-KR" altLang="en-US"/>
+          </a:p>
+        </p:txBody>
+      </p:sp>
+      <p:cxnSp>
+        <p:nvCxnSpPr>
+          <p:cNvPr id="138" name="직선 화살표 연결선 137">
+            <a:extLst>
+              <a:ext uri="{FF2B5EF4-FFF2-40B4-BE49-F238E27FC236}">
+                <a16:creationId xmlns:a16="http://schemas.microsoft.com/office/drawing/2014/main" id="{88AB2731-BD7B-3B41-BF2B-E1F13A21EAAC}"/>
+              </a:ext>
+            </a:extLst>
+          </p:cNvPr>
+          <p:cNvCxnSpPr>
+            <a:cxnSpLocks/>
+          </p:cNvCxnSpPr>
+          <p:nvPr/>
+        </p:nvCxnSpPr>
+        <p:spPr>
+          <a:xfrm flipH="1">
+            <a:off x="4655705" y="3545376"/>
+            <a:ext cx="419695" cy="4877"/>
+          </a:xfrm>
+          <a:prstGeom prst="straightConnector1">
+            <a:avLst/>
+          </a:prstGeom>
+          <a:ln w="25400">
+            <a:solidFill>
+              <a:srgbClr val="5DA2C5"/>
+            </a:solidFill>
+            <a:tailEnd type="stealth" w="lg" len="lg"/>
+          </a:ln>
+        </p:spPr>
+        <p:style>
+          <a:lnRef idx="1">
+            <a:schemeClr val="accent1"/>
+          </a:lnRef>
+          <a:fillRef idx="0">
+            <a:schemeClr val="accent1"/>
+          </a:fillRef>
+          <a:effectRef idx="0">
+            <a:schemeClr val="accent1"/>
+          </a:effectRef>
+          <a:fontRef idx="minor">
+            <a:schemeClr val="tx1"/>
+          </a:fontRef>
+        </p:style>
+      </p:cxnSp>
+      <p:sp>
+        <p:nvSpPr>
+          <p:cNvPr id="139" name="삼각형 138">
+            <a:extLst>
+              <a:ext uri="{FF2B5EF4-FFF2-40B4-BE49-F238E27FC236}">
+                <a16:creationId xmlns:a16="http://schemas.microsoft.com/office/drawing/2014/main" id="{B22CB80C-E75E-9F45-B4FD-AA7673F37D01}"/>
+              </a:ext>
+            </a:extLst>
+          </p:cNvPr>
+          <p:cNvSpPr/>
+          <p:nvPr/>
+        </p:nvSpPr>
+        <p:spPr>
+          <a:xfrm rot="16200000">
+            <a:off x="4651159" y="3489252"/>
+            <a:ext cx="132203" cy="123111"/>
+          </a:xfrm>
+          <a:prstGeom prst="triangle">
+            <a:avLst/>
+          </a:prstGeom>
+          <a:solidFill>
+            <a:schemeClr val="bg1"/>
+          </a:solidFill>
+          <a:ln w="19050">
+            <a:solidFill>
+              <a:srgbClr val="5DA2C5"/>
+            </a:solidFill>
+          </a:ln>
+        </p:spPr>
+        <p:style>
+          <a:lnRef idx="2">
+            <a:schemeClr val="accent1">
+              <a:shade val="50000"/>
+            </a:schemeClr>
+          </a:lnRef>
+          <a:fillRef idx="1">
+            <a:schemeClr val="accent1"/>
+          </a:fillRef>
+          <a:effectRef idx="0">
+            <a:schemeClr val="accent1"/>
+          </a:effectRef>
+          <a:fontRef idx="minor">
+            <a:schemeClr val="lt1"/>
+          </a:fontRef>
+        </p:style>
+        <p:txBody>
+          <a:bodyPr rtlCol="0" anchor="ctr"/>
+          <a:lstStyle/>
+          <a:p>
+            <a:pPr algn="ctr"/>
+            <a:endParaRPr kumimoji="1" lang="ko-Kore-KR" altLang="en-US"/>
+          </a:p>
+        </p:txBody>
+      </p:sp>
+      <p:sp>
+        <p:nvSpPr>
+          <p:cNvPr id="140" name="TextBox 139">
+            <a:extLst>
+              <a:ext uri="{FF2B5EF4-FFF2-40B4-BE49-F238E27FC236}">
+                <a16:creationId xmlns:a16="http://schemas.microsoft.com/office/drawing/2014/main" id="{0BFCF787-7857-7243-9F6A-BE225A43EB35}"/>
+              </a:ext>
+            </a:extLst>
+          </p:cNvPr>
+          <p:cNvSpPr txBox="1"/>
+          <p:nvPr/>
+        </p:nvSpPr>
+        <p:spPr>
+          <a:xfrm>
+            <a:off x="3246041" y="3093069"/>
+            <a:ext cx="985680" cy="246221"/>
+          </a:xfrm>
+          <a:prstGeom prst="rect">
+            <a:avLst/>
+          </a:prstGeom>
+          <a:solidFill>
+            <a:schemeClr val="bg1"/>
+          </a:solidFill>
+        </p:spPr>
+        <p:txBody>
+          <a:bodyPr wrap="square" rtlCol="0">
+            <a:spAutoFit/>
+          </a:bodyPr>
+          <a:lstStyle/>
+          <a:p>
+            <a:pPr algn="ctr"/>
+            <a:r>
+              <a:rPr kumimoji="1" lang="en-US" altLang="ko-Kore-KR" sz="1000" dirty="0">
+                <a:solidFill>
+                  <a:srgbClr val="5DA2C5"/>
+                </a:solidFill>
+                <a:latin typeface="SHeadG" panose="02030600000101010101" pitchFamily="18" charset="-127"/>
+                <a:ea typeface="SHeadG" panose="02030600000101010101" pitchFamily="18" charset="-127"/>
+              </a:rPr>
+              <a:t>&lt;&lt;Interface&gt;&gt;</a:t>
+            </a:r>
+            <a:endParaRPr kumimoji="1" lang="ko-Kore-KR" altLang="en-US" sz="1000" dirty="0">
+              <a:solidFill>
+                <a:srgbClr val="5DA2C5"/>
+              </a:solidFill>
+              <a:latin typeface="SHeadG" panose="02030600000101010101" pitchFamily="18" charset="-127"/>
+              <a:ea typeface="SHeadG" panose="02030600000101010101" pitchFamily="18" charset="-127"/>
+            </a:endParaRPr>
+          </a:p>
+        </p:txBody>
+      </p:sp>
+      <p:sp>
+        <p:nvSpPr>
+          <p:cNvPr id="141" name="TextBox 140">
+            <a:extLst>
+              <a:ext uri="{FF2B5EF4-FFF2-40B4-BE49-F238E27FC236}">
+                <a16:creationId xmlns:a16="http://schemas.microsoft.com/office/drawing/2014/main" id="{31F8A353-9C2F-4D45-893A-65CB1F9987BC}"/>
+              </a:ext>
+            </a:extLst>
+          </p:cNvPr>
+          <p:cNvSpPr txBox="1"/>
+          <p:nvPr/>
+        </p:nvSpPr>
+        <p:spPr>
+          <a:xfrm>
+            <a:off x="7718708" y="3088192"/>
+            <a:ext cx="985680" cy="246221"/>
+          </a:xfrm>
+          <a:prstGeom prst="rect">
+            <a:avLst/>
+          </a:prstGeom>
+          <a:solidFill>
+            <a:schemeClr val="bg1"/>
+          </a:solidFill>
+        </p:spPr>
+        <p:txBody>
+          <a:bodyPr wrap="square" rtlCol="0">
+            <a:spAutoFit/>
+          </a:bodyPr>
+          <a:lstStyle/>
+          <a:p>
+            <a:pPr algn="ctr"/>
+            <a:r>
+              <a:rPr kumimoji="1" lang="en-US" altLang="ko-Kore-KR" sz="1000" dirty="0">
+                <a:solidFill>
+                  <a:srgbClr val="5DA2C5"/>
+                </a:solidFill>
+                <a:latin typeface="SHeadG" panose="02030600000101010101" pitchFamily="18" charset="-127"/>
+                <a:ea typeface="SHeadG" panose="02030600000101010101" pitchFamily="18" charset="-127"/>
+              </a:rPr>
+              <a:t>&lt;&lt;Interface&gt;&gt;</a:t>
+            </a:r>
+            <a:endParaRPr kumimoji="1" lang="ko-Kore-KR" altLang="en-US" sz="1000" dirty="0">
+              <a:solidFill>
+                <a:srgbClr val="5DA2C5"/>
+              </a:solidFill>
+              <a:latin typeface="SHeadG" panose="02030600000101010101" pitchFamily="18" charset="-127"/>
+              <a:ea typeface="SHeadG" panose="02030600000101010101" pitchFamily="18" charset="-127"/>
+            </a:endParaRPr>
+          </a:p>
+        </p:txBody>
+      </p:sp>
+      <p:cxnSp>
+        <p:nvCxnSpPr>
+          <p:cNvPr id="142" name="직선 연결선[R] 141">
+            <a:extLst>
+              <a:ext uri="{FF2B5EF4-FFF2-40B4-BE49-F238E27FC236}">
+                <a16:creationId xmlns:a16="http://schemas.microsoft.com/office/drawing/2014/main" id="{4994FBF5-4DAA-074A-A2F3-4E137B510EE8}"/>
+              </a:ext>
+            </a:extLst>
+          </p:cNvPr>
+          <p:cNvCxnSpPr>
+            <a:cxnSpLocks/>
+          </p:cNvCxnSpPr>
+          <p:nvPr/>
+        </p:nvCxnSpPr>
+        <p:spPr>
+          <a:xfrm>
+            <a:off x="2558137" y="3088192"/>
+            <a:ext cx="3011" cy="3211731"/>
+          </a:xfrm>
+          <a:prstGeom prst="line">
+            <a:avLst/>
+          </a:prstGeom>
+          <a:ln w="25400">
+            <a:solidFill>
+              <a:srgbClr val="5DA2C5"/>
+            </a:solidFill>
+            <a:prstDash val="dash"/>
+          </a:ln>
+        </p:spPr>
+        <p:style>
+          <a:lnRef idx="1">
+            <a:schemeClr val="accent1"/>
+          </a:lnRef>
+          <a:fillRef idx="0">
+            <a:schemeClr val="accent1"/>
+          </a:fillRef>
+          <a:effectRef idx="0">
+            <a:schemeClr val="accent1"/>
+          </a:effectRef>
+          <a:fontRef idx="minor">
+            <a:schemeClr val="tx1"/>
+          </a:fontRef>
+        </p:style>
+      </p:cxnSp>
+      <p:cxnSp>
+        <p:nvCxnSpPr>
+          <p:cNvPr id="143" name="직선 연결선[R] 142">
+            <a:extLst>
+              <a:ext uri="{FF2B5EF4-FFF2-40B4-BE49-F238E27FC236}">
+                <a16:creationId xmlns:a16="http://schemas.microsoft.com/office/drawing/2014/main" id="{9078D810-CAA0-1E4A-AD2B-55B7EE719CBC}"/>
+              </a:ext>
+            </a:extLst>
+          </p:cNvPr>
+          <p:cNvCxnSpPr>
+            <a:cxnSpLocks/>
+          </p:cNvCxnSpPr>
+          <p:nvPr/>
+        </p:nvCxnSpPr>
+        <p:spPr>
+          <a:xfrm>
+            <a:off x="9416137" y="3052410"/>
+            <a:ext cx="0" cy="3149541"/>
+          </a:xfrm>
+          <a:prstGeom prst="line">
+            <a:avLst/>
+          </a:prstGeom>
+          <a:ln w="25400">
+            <a:solidFill>
+              <a:srgbClr val="5DA2C5"/>
+            </a:solidFill>
+            <a:prstDash val="dash"/>
+          </a:ln>
+        </p:spPr>
+        <p:style>
+          <a:lnRef idx="1">
+            <a:schemeClr val="accent1"/>
+          </a:lnRef>
+          <a:fillRef idx="0">
+            <a:schemeClr val="accent1"/>
+          </a:fillRef>
+          <a:effectRef idx="0">
+            <a:schemeClr val="accent1"/>
+          </a:effectRef>
+          <a:fontRef idx="minor">
+            <a:schemeClr val="tx1"/>
+          </a:fontRef>
+        </p:style>
+      </p:cxnSp>
+      <p:grpSp>
+        <p:nvGrpSpPr>
+          <p:cNvPr id="144" name="그룹 143">
+            <a:extLst>
+              <a:ext uri="{FF2B5EF4-FFF2-40B4-BE49-F238E27FC236}">
+                <a16:creationId xmlns:a16="http://schemas.microsoft.com/office/drawing/2014/main" id="{293C0510-A223-584D-904C-CDE53FF39FAE}"/>
+              </a:ext>
+            </a:extLst>
+          </p:cNvPr>
+          <p:cNvGrpSpPr/>
+          <p:nvPr/>
+        </p:nvGrpSpPr>
+        <p:grpSpPr>
+          <a:xfrm>
+            <a:off x="573188" y="5494857"/>
+            <a:ext cx="1833648" cy="619272"/>
+            <a:chOff x="688457" y="542690"/>
+            <a:chExt cx="1833648" cy="619272"/>
+          </a:xfrm>
+        </p:grpSpPr>
+        <p:sp>
+          <p:nvSpPr>
+            <p:cNvPr id="145" name="TextBox 144">
+              <a:extLst>
+                <a:ext uri="{FF2B5EF4-FFF2-40B4-BE49-F238E27FC236}">
+                  <a16:creationId xmlns:a16="http://schemas.microsoft.com/office/drawing/2014/main" id="{F17B49CA-44B6-A04C-9529-8A74925FBA00}"/>
+                </a:ext>
+              </a:extLst>
+            </p:cNvPr>
+            <p:cNvSpPr txBox="1"/>
+            <p:nvPr/>
+          </p:nvSpPr>
+          <p:spPr>
+            <a:xfrm>
+              <a:off x="764239" y="693560"/>
+              <a:ext cx="1684137" cy="307777"/>
+            </a:xfrm>
+            <a:prstGeom prst="rect">
+              <a:avLst/>
+            </a:prstGeom>
+            <a:noFill/>
+          </p:spPr>
+          <p:txBody>
+            <a:bodyPr wrap="square" rtlCol="0">
+              <a:spAutoFit/>
+            </a:bodyPr>
+            <a:lstStyle/>
+            <a:p>
+              <a:pPr algn="ctr"/>
+              <a:r>
+                <a:rPr kumimoji="1" lang="en-US" altLang="ko-Kore-KR" sz="1400" b="1" dirty="0" err="1">
+                  <a:solidFill>
+                    <a:srgbClr val="5DA2C5"/>
+                  </a:solidFill>
+                  <a:latin typeface="SHeadG" panose="02030600000101010101" pitchFamily="18" charset="-127"/>
+                  <a:ea typeface="SHeadG" panose="02030600000101010101" pitchFamily="18" charset="-127"/>
+                </a:rPr>
+                <a:t>WebModel</a:t>
+              </a:r>
+              <a:endParaRPr kumimoji="1" lang="en-US" altLang="ko-Kore-KR" sz="1400" b="1" dirty="0">
+                <a:solidFill>
+                  <a:srgbClr val="5DA2C5"/>
+                </a:solidFill>
+                <a:latin typeface="SHeadG" panose="02030600000101010101" pitchFamily="18" charset="-127"/>
+                <a:ea typeface="SHeadG" panose="02030600000101010101" pitchFamily="18" charset="-127"/>
+              </a:endParaRPr>
+            </a:p>
+          </p:txBody>
+        </p:sp>
+        <p:sp>
+          <p:nvSpPr>
+            <p:cNvPr id="146" name="직사각형 145">
+              <a:extLst>
+                <a:ext uri="{FF2B5EF4-FFF2-40B4-BE49-F238E27FC236}">
+                  <a16:creationId xmlns:a16="http://schemas.microsoft.com/office/drawing/2014/main" id="{B531A0ED-4305-1F42-AA11-387E036511C5}"/>
+                </a:ext>
+              </a:extLst>
+            </p:cNvPr>
+            <p:cNvSpPr/>
+            <p:nvPr/>
+          </p:nvSpPr>
+          <p:spPr>
+            <a:xfrm>
+              <a:off x="688457" y="542690"/>
+              <a:ext cx="1833648" cy="619272"/>
+            </a:xfrm>
+            <a:prstGeom prst="rect">
+              <a:avLst/>
+            </a:prstGeom>
+            <a:ln w="25400">
+              <a:solidFill>
+                <a:srgbClr val="5DA2C5"/>
+              </a:solidFill>
+            </a:ln>
+          </p:spPr>
+          <p:style>
+            <a:lnRef idx="1">
+              <a:schemeClr val="accent1"/>
+            </a:lnRef>
+            <a:fillRef idx="0">
+              <a:schemeClr val="accent1"/>
+            </a:fillRef>
+            <a:effectRef idx="0">
+              <a:schemeClr val="accent1"/>
+            </a:effectRef>
+            <a:fontRef idx="minor">
+              <a:schemeClr val="tx1"/>
+            </a:fontRef>
+          </p:style>
+          <p:txBody>
+            <a:bodyPr rtlCol="0" anchor="ctr"/>
+            <a:lstStyle/>
+            <a:p>
+              <a:pPr algn="ctr"/>
+              <a:endParaRPr kumimoji="1" lang="ko-Kore-KR" altLang="en-US"/>
+            </a:p>
+          </p:txBody>
+        </p:sp>
+      </p:grpSp>
+      <p:grpSp>
+        <p:nvGrpSpPr>
+          <p:cNvPr id="147" name="그룹 146">
+            <a:extLst>
+              <a:ext uri="{FF2B5EF4-FFF2-40B4-BE49-F238E27FC236}">
+                <a16:creationId xmlns:a16="http://schemas.microsoft.com/office/drawing/2014/main" id="{3254534D-2A5F-404D-88E1-264AA419AA88}"/>
+              </a:ext>
+            </a:extLst>
+          </p:cNvPr>
+          <p:cNvGrpSpPr/>
+          <p:nvPr/>
+        </p:nvGrpSpPr>
+        <p:grpSpPr>
+          <a:xfrm>
+            <a:off x="9582086" y="5473067"/>
+            <a:ext cx="1833648" cy="619272"/>
+            <a:chOff x="688457" y="542690"/>
+            <a:chExt cx="1833648" cy="619272"/>
+          </a:xfrm>
+        </p:grpSpPr>
+        <p:sp>
+          <p:nvSpPr>
+            <p:cNvPr id="148" name="TextBox 147">
+              <a:extLst>
+                <a:ext uri="{FF2B5EF4-FFF2-40B4-BE49-F238E27FC236}">
+                  <a16:creationId xmlns:a16="http://schemas.microsoft.com/office/drawing/2014/main" id="{93BAA86E-8880-4A47-8B82-EABED2C5CF8F}"/>
+                </a:ext>
+              </a:extLst>
+            </p:cNvPr>
+            <p:cNvSpPr txBox="1"/>
+            <p:nvPr/>
+          </p:nvSpPr>
+          <p:spPr>
+            <a:xfrm>
+              <a:off x="765148" y="585839"/>
+              <a:ext cx="1684137" cy="523220"/>
+            </a:xfrm>
+            <a:prstGeom prst="rect">
+              <a:avLst/>
+            </a:prstGeom>
+            <a:noFill/>
+          </p:spPr>
+          <p:txBody>
+            <a:bodyPr wrap="square" rtlCol="0">
+              <a:spAutoFit/>
+            </a:bodyPr>
+            <a:lstStyle/>
+            <a:p>
+              <a:pPr algn="ctr"/>
+              <a:r>
+                <a:rPr kumimoji="1" lang="en-US" altLang="ko-Kore-KR" sz="1400" b="1" dirty="0">
+                  <a:solidFill>
+                    <a:srgbClr val="5DA2C5"/>
+                  </a:solidFill>
+                  <a:latin typeface="SHeadG" panose="02030600000101010101" pitchFamily="18" charset="-127"/>
+                  <a:ea typeface="SHeadG" panose="02030600000101010101" pitchFamily="18" charset="-127"/>
+                </a:rPr>
+                <a:t>Persistence</a:t>
+              </a:r>
+            </a:p>
+            <a:p>
+              <a:pPr algn="ctr"/>
+              <a:r>
+                <a:rPr kumimoji="1" lang="en-US" altLang="ko-Kore-KR" sz="1400" b="1" dirty="0">
+                  <a:solidFill>
+                    <a:srgbClr val="5DA2C5"/>
+                  </a:solidFill>
+                  <a:latin typeface="SHeadG" panose="02030600000101010101" pitchFamily="18" charset="-127"/>
+                  <a:ea typeface="SHeadG" panose="02030600000101010101" pitchFamily="18" charset="-127"/>
+                </a:rPr>
+                <a:t>Model</a:t>
+              </a:r>
+            </a:p>
+          </p:txBody>
+        </p:sp>
+        <p:sp>
+          <p:nvSpPr>
+            <p:cNvPr id="149" name="직사각형 148">
+              <a:extLst>
+                <a:ext uri="{FF2B5EF4-FFF2-40B4-BE49-F238E27FC236}">
+                  <a16:creationId xmlns:a16="http://schemas.microsoft.com/office/drawing/2014/main" id="{0DC1B4B5-492D-994B-B8A6-62C55B8AE2A2}"/>
+                </a:ext>
+              </a:extLst>
+            </p:cNvPr>
+            <p:cNvSpPr/>
+            <p:nvPr/>
+          </p:nvSpPr>
+          <p:spPr>
+            <a:xfrm>
+              <a:off x="688457" y="542690"/>
+              <a:ext cx="1833648" cy="619272"/>
+            </a:xfrm>
+            <a:prstGeom prst="rect">
+              <a:avLst/>
+            </a:prstGeom>
+            <a:ln w="25400">
+              <a:solidFill>
+                <a:srgbClr val="5DA2C5"/>
+              </a:solidFill>
+            </a:ln>
+          </p:spPr>
+          <p:style>
+            <a:lnRef idx="1">
+              <a:schemeClr val="accent1"/>
+            </a:lnRef>
+            <a:fillRef idx="0">
+              <a:schemeClr val="accent1"/>
+            </a:fillRef>
+            <a:effectRef idx="0">
+              <a:schemeClr val="accent1"/>
+            </a:effectRef>
+            <a:fontRef idx="minor">
+              <a:schemeClr val="tx1"/>
+            </a:fontRef>
+          </p:style>
+          <p:txBody>
+            <a:bodyPr rtlCol="0" anchor="ctr"/>
+            <a:lstStyle/>
+            <a:p>
+              <a:pPr algn="ctr"/>
+              <a:endParaRPr kumimoji="1" lang="ko-Kore-KR" altLang="en-US"/>
+            </a:p>
+          </p:txBody>
+        </p:sp>
+      </p:grpSp>
+      <p:cxnSp>
+        <p:nvCxnSpPr>
+          <p:cNvPr id="150" name="직선 화살표 연결선 149">
+            <a:extLst>
+              <a:ext uri="{FF2B5EF4-FFF2-40B4-BE49-F238E27FC236}">
+                <a16:creationId xmlns:a16="http://schemas.microsoft.com/office/drawing/2014/main" id="{908E43C4-171A-DA47-AC20-D37CC2AFC45A}"/>
+              </a:ext>
+            </a:extLst>
+          </p:cNvPr>
+          <p:cNvCxnSpPr>
+            <a:cxnSpLocks/>
+            <a:stCxn id="129" idx="2"/>
+            <a:endCxn id="149" idx="0"/>
+          </p:cNvCxnSpPr>
+          <p:nvPr/>
+        </p:nvCxnSpPr>
+        <p:spPr>
+          <a:xfrm>
+            <a:off x="10498910" y="3835452"/>
+            <a:ext cx="0" cy="1637615"/>
+          </a:xfrm>
+          <a:prstGeom prst="straightConnector1">
+            <a:avLst/>
+          </a:prstGeom>
+          <a:ln w="25400">
+            <a:solidFill>
+              <a:srgbClr val="5DA2C5"/>
+            </a:solidFill>
+            <a:tailEnd type="stealth" w="lg" len="lg"/>
+          </a:ln>
+        </p:spPr>
+        <p:style>
+          <a:lnRef idx="1">
+            <a:schemeClr val="accent1"/>
+          </a:lnRef>
+          <a:fillRef idx="0">
+            <a:schemeClr val="accent1"/>
+          </a:fillRef>
+          <a:effectRef idx="0">
+            <a:schemeClr val="accent1"/>
+          </a:effectRef>
+          <a:fontRef idx="minor">
+            <a:schemeClr val="tx1"/>
+          </a:fontRef>
+        </p:style>
+      </p:cxnSp>
+      <p:cxnSp>
+        <p:nvCxnSpPr>
+          <p:cNvPr id="151" name="직선 화살표 연결선 150">
+            <a:extLst>
+              <a:ext uri="{FF2B5EF4-FFF2-40B4-BE49-F238E27FC236}">
+                <a16:creationId xmlns:a16="http://schemas.microsoft.com/office/drawing/2014/main" id="{2304A97F-44B8-DA45-8961-4F0C7E3CCC4A}"/>
+              </a:ext>
+            </a:extLst>
+          </p:cNvPr>
+          <p:cNvCxnSpPr>
+            <a:cxnSpLocks/>
+            <a:stCxn id="117" idx="2"/>
+            <a:endCxn id="146" idx="0"/>
+          </p:cNvCxnSpPr>
+          <p:nvPr/>
+        </p:nvCxnSpPr>
+        <p:spPr>
+          <a:xfrm>
+            <a:off x="1485538" y="3850083"/>
+            <a:ext cx="4474" cy="1644774"/>
+          </a:xfrm>
+          <a:prstGeom prst="straightConnector1">
+            <a:avLst/>
+          </a:prstGeom>
+          <a:ln w="25400">
+            <a:solidFill>
+              <a:srgbClr val="5DA2C5"/>
+            </a:solidFill>
+            <a:tailEnd type="stealth" w="lg" len="lg"/>
+          </a:ln>
+        </p:spPr>
+        <p:style>
+          <a:lnRef idx="1">
+            <a:schemeClr val="accent1"/>
+          </a:lnRef>
+          <a:fillRef idx="0">
+            <a:schemeClr val="accent1"/>
+          </a:fillRef>
+          <a:effectRef idx="0">
+            <a:schemeClr val="accent1"/>
+          </a:effectRef>
+          <a:fontRef idx="minor">
+            <a:schemeClr val="tx1"/>
+          </a:fontRef>
+        </p:style>
+      </p:cxnSp>
+      <p:cxnSp>
+        <p:nvCxnSpPr>
+          <p:cNvPr id="162" name="직선 연결선[R] 161">
+            <a:extLst>
+              <a:ext uri="{FF2B5EF4-FFF2-40B4-BE49-F238E27FC236}">
+                <a16:creationId xmlns:a16="http://schemas.microsoft.com/office/drawing/2014/main" id="{CA38796C-6B56-9C44-AB1E-02D41B740214}"/>
+              </a:ext>
+            </a:extLst>
+          </p:cNvPr>
+          <p:cNvCxnSpPr>
+            <a:cxnSpLocks/>
+          </p:cNvCxnSpPr>
+          <p:nvPr/>
+        </p:nvCxnSpPr>
+        <p:spPr>
+          <a:xfrm>
+            <a:off x="2558137" y="4203954"/>
+            <a:ext cx="6858000" cy="0"/>
+          </a:xfrm>
+          <a:prstGeom prst="line">
+            <a:avLst/>
+          </a:prstGeom>
+          <a:ln w="25400">
+            <a:solidFill>
+              <a:srgbClr val="5DA2C5"/>
+            </a:solidFill>
+            <a:prstDash val="dash"/>
+          </a:ln>
+        </p:spPr>
+        <p:style>
+          <a:lnRef idx="1">
+            <a:schemeClr val="accent1"/>
+          </a:lnRef>
+          <a:fillRef idx="0">
+            <a:schemeClr val="accent1"/>
+          </a:fillRef>
+          <a:effectRef idx="0">
+            <a:schemeClr val="accent1"/>
+          </a:effectRef>
+          <a:fontRef idx="minor">
+            <a:schemeClr val="tx1"/>
+          </a:fontRef>
+        </p:style>
+      </p:cxnSp>
+      <p:grpSp>
+        <p:nvGrpSpPr>
+          <p:cNvPr id="163" name="그룹 162">
+            <a:extLst>
+              <a:ext uri="{FF2B5EF4-FFF2-40B4-BE49-F238E27FC236}">
+                <a16:creationId xmlns:a16="http://schemas.microsoft.com/office/drawing/2014/main" id="{DC3D3151-34E2-1944-A25C-CF9D1328383C}"/>
+              </a:ext>
+            </a:extLst>
+          </p:cNvPr>
+          <p:cNvGrpSpPr/>
+          <p:nvPr/>
+        </p:nvGrpSpPr>
+        <p:grpSpPr>
+          <a:xfrm>
+            <a:off x="5075399" y="5494859"/>
+            <a:ext cx="1833648" cy="619272"/>
+            <a:chOff x="688457" y="542690"/>
+            <a:chExt cx="1833648" cy="619272"/>
+          </a:xfrm>
+        </p:grpSpPr>
+        <p:sp>
+          <p:nvSpPr>
+            <p:cNvPr id="164" name="TextBox 163">
+              <a:extLst>
+                <a:ext uri="{FF2B5EF4-FFF2-40B4-BE49-F238E27FC236}">
+                  <a16:creationId xmlns:a16="http://schemas.microsoft.com/office/drawing/2014/main" id="{61168EBD-D3C9-A643-880F-E61A9B3AEF14}"/>
+                </a:ext>
+              </a:extLst>
+            </p:cNvPr>
+            <p:cNvSpPr txBox="1"/>
+            <p:nvPr/>
+          </p:nvSpPr>
+          <p:spPr>
+            <a:xfrm>
+              <a:off x="765148" y="698437"/>
+              <a:ext cx="1684137" cy="307777"/>
+            </a:xfrm>
+            <a:prstGeom prst="rect">
+              <a:avLst/>
+            </a:prstGeom>
+            <a:noFill/>
+          </p:spPr>
+          <p:txBody>
+            <a:bodyPr wrap="square" rtlCol="0">
+              <a:spAutoFit/>
+            </a:bodyPr>
+            <a:lstStyle/>
+            <a:p>
+              <a:pPr algn="ctr"/>
+              <a:r>
+                <a:rPr kumimoji="1" lang="en-US" altLang="ko-Kore-KR" sz="1400" b="1" dirty="0" err="1">
+                  <a:solidFill>
+                    <a:srgbClr val="5DA2C5"/>
+                  </a:solidFill>
+                  <a:latin typeface="SHeadG" panose="02030600000101010101" pitchFamily="18" charset="-127"/>
+                  <a:ea typeface="SHeadG" panose="02030600000101010101" pitchFamily="18" charset="-127"/>
+                </a:rPr>
+                <a:t>AccountState</a:t>
+              </a:r>
+              <a:endParaRPr kumimoji="1" lang="en-US" altLang="ko-Kore-KR" sz="1400" b="1" dirty="0">
+                <a:solidFill>
+                  <a:srgbClr val="5DA2C5"/>
+                </a:solidFill>
+                <a:latin typeface="SHeadG" panose="02030600000101010101" pitchFamily="18" charset="-127"/>
+                <a:ea typeface="SHeadG" panose="02030600000101010101" pitchFamily="18" charset="-127"/>
+              </a:endParaRPr>
+            </a:p>
+          </p:txBody>
+        </p:sp>
+        <p:sp>
+          <p:nvSpPr>
+            <p:cNvPr id="165" name="직사각형 164">
+              <a:extLst>
+                <a:ext uri="{FF2B5EF4-FFF2-40B4-BE49-F238E27FC236}">
+                  <a16:creationId xmlns:a16="http://schemas.microsoft.com/office/drawing/2014/main" id="{2693902E-53BF-EA4D-940F-4F67AF3338E3}"/>
+                </a:ext>
+              </a:extLst>
+            </p:cNvPr>
+            <p:cNvSpPr/>
+            <p:nvPr/>
+          </p:nvSpPr>
+          <p:spPr>
+            <a:xfrm>
+              <a:off x="688457" y="542690"/>
+              <a:ext cx="1833648" cy="619272"/>
+            </a:xfrm>
+            <a:prstGeom prst="rect">
+              <a:avLst/>
+            </a:prstGeom>
+            <a:ln w="25400">
+              <a:solidFill>
+                <a:srgbClr val="5DA2C5"/>
+              </a:solidFill>
+            </a:ln>
+          </p:spPr>
+          <p:style>
+            <a:lnRef idx="1">
+              <a:schemeClr val="accent1"/>
+            </a:lnRef>
+            <a:fillRef idx="0">
+              <a:schemeClr val="accent1"/>
+            </a:fillRef>
+            <a:effectRef idx="0">
+              <a:schemeClr val="accent1"/>
+            </a:effectRef>
+            <a:fontRef idx="minor">
+              <a:schemeClr val="tx1"/>
+            </a:fontRef>
+          </p:style>
+          <p:txBody>
+            <a:bodyPr rtlCol="0" anchor="ctr"/>
+            <a:lstStyle/>
+            <a:p>
+              <a:pPr algn="ctr"/>
+              <a:endParaRPr kumimoji="1" lang="ko-Kore-KR" altLang="en-US"/>
+            </a:p>
+          </p:txBody>
+        </p:sp>
+      </p:grpSp>
+      <p:sp>
+        <p:nvSpPr>
+          <p:cNvPr id="166" name="TextBox 165">
+            <a:extLst>
+              <a:ext uri="{FF2B5EF4-FFF2-40B4-BE49-F238E27FC236}">
+                <a16:creationId xmlns:a16="http://schemas.microsoft.com/office/drawing/2014/main" id="{0F5DEFCB-B56C-E348-A6B0-1DB8BE539E9F}"/>
+              </a:ext>
+            </a:extLst>
+          </p:cNvPr>
+          <p:cNvSpPr txBox="1"/>
+          <p:nvPr/>
+        </p:nvSpPr>
+        <p:spPr>
+          <a:xfrm>
+            <a:off x="5498245" y="5371747"/>
+            <a:ext cx="985680" cy="246221"/>
+          </a:xfrm>
+          <a:prstGeom prst="rect">
+            <a:avLst/>
+          </a:prstGeom>
+          <a:solidFill>
+            <a:schemeClr val="bg1"/>
+          </a:solidFill>
+        </p:spPr>
+        <p:txBody>
+          <a:bodyPr wrap="square" rtlCol="0">
+            <a:spAutoFit/>
+          </a:bodyPr>
+          <a:lstStyle/>
+          <a:p>
+            <a:pPr algn="ctr"/>
+            <a:r>
+              <a:rPr kumimoji="1" lang="en-US" altLang="ko-Kore-KR" sz="1000" dirty="0">
+                <a:solidFill>
+                  <a:srgbClr val="5DA2C5"/>
+                </a:solidFill>
+                <a:latin typeface="SHeadG" panose="02030600000101010101" pitchFamily="18" charset="-127"/>
+                <a:ea typeface="SHeadG" panose="02030600000101010101" pitchFamily="18" charset="-127"/>
+              </a:rPr>
+              <a:t>&lt;&lt;Interface&gt;&gt;</a:t>
+            </a:r>
+            <a:endParaRPr kumimoji="1" lang="ko-Kore-KR" altLang="en-US" sz="1000" dirty="0">
+              <a:solidFill>
+                <a:srgbClr val="5DA2C5"/>
+              </a:solidFill>
+              <a:latin typeface="SHeadG" panose="02030600000101010101" pitchFamily="18" charset="-127"/>
+              <a:ea typeface="SHeadG" panose="02030600000101010101" pitchFamily="18" charset="-127"/>
+            </a:endParaRPr>
+          </a:p>
+        </p:txBody>
+      </p:sp>
+      <p:cxnSp>
+        <p:nvCxnSpPr>
+          <p:cNvPr id="167" name="꺾인 연결선[E] 166">
+            <a:extLst>
+              <a:ext uri="{FF2B5EF4-FFF2-40B4-BE49-F238E27FC236}">
+                <a16:creationId xmlns:a16="http://schemas.microsoft.com/office/drawing/2014/main" id="{36E7406B-EEBE-E84D-B58C-0197E13A113E}"/>
+              </a:ext>
+            </a:extLst>
+          </p:cNvPr>
+          <p:cNvCxnSpPr>
+            <a:cxnSpLocks/>
+          </p:cNvCxnSpPr>
+          <p:nvPr/>
+        </p:nvCxnSpPr>
+        <p:spPr>
+          <a:xfrm rot="16200000" flipH="1">
+            <a:off x="3513478" y="4111945"/>
+            <a:ext cx="1821545" cy="1302297"/>
+          </a:xfrm>
+          <a:prstGeom prst="bentConnector2">
+            <a:avLst/>
+          </a:prstGeom>
+          <a:ln w="25400">
+            <a:solidFill>
+              <a:srgbClr val="5DA2C5"/>
+            </a:solidFill>
+            <a:tailEnd type="stealth" w="lg" len="lg"/>
+          </a:ln>
+        </p:spPr>
+        <p:style>
+          <a:lnRef idx="1">
+            <a:schemeClr val="accent1"/>
+          </a:lnRef>
+          <a:fillRef idx="0">
+            <a:schemeClr val="accent1"/>
+          </a:fillRef>
+          <a:effectRef idx="0">
+            <a:schemeClr val="accent1"/>
+          </a:effectRef>
+          <a:fontRef idx="minor">
+            <a:schemeClr val="tx1"/>
+          </a:fontRef>
+        </p:style>
+      </p:cxnSp>
+      <p:cxnSp>
+        <p:nvCxnSpPr>
+          <p:cNvPr id="168" name="직선 화살표 연결선 167">
+            <a:extLst>
+              <a:ext uri="{FF2B5EF4-FFF2-40B4-BE49-F238E27FC236}">
+                <a16:creationId xmlns:a16="http://schemas.microsoft.com/office/drawing/2014/main" id="{6D9F79E1-01F8-BE43-8A85-9EDB3C934A39}"/>
+              </a:ext>
+            </a:extLst>
+          </p:cNvPr>
+          <p:cNvCxnSpPr>
+            <a:cxnSpLocks/>
+          </p:cNvCxnSpPr>
+          <p:nvPr/>
+        </p:nvCxnSpPr>
+        <p:spPr>
+          <a:xfrm>
+            <a:off x="2402362" y="5967760"/>
+            <a:ext cx="2673036" cy="1509"/>
+          </a:xfrm>
+          <a:prstGeom prst="straightConnector1">
+            <a:avLst/>
+          </a:prstGeom>
+          <a:ln w="25400">
+            <a:solidFill>
+              <a:srgbClr val="5DA2C5"/>
+            </a:solidFill>
+            <a:tailEnd type="stealth" w="lg" len="lg"/>
+          </a:ln>
+        </p:spPr>
+        <p:style>
+          <a:lnRef idx="1">
+            <a:schemeClr val="accent1"/>
+          </a:lnRef>
+          <a:fillRef idx="0">
+            <a:schemeClr val="accent1"/>
+          </a:fillRef>
+          <a:effectRef idx="0">
+            <a:schemeClr val="accent1"/>
+          </a:effectRef>
+          <a:fontRef idx="minor">
+            <a:schemeClr val="tx1"/>
+          </a:fontRef>
+        </p:style>
+      </p:cxnSp>
+      <p:sp>
+        <p:nvSpPr>
+          <p:cNvPr id="169" name="삼각형 168">
+            <a:extLst>
+              <a:ext uri="{FF2B5EF4-FFF2-40B4-BE49-F238E27FC236}">
+                <a16:creationId xmlns:a16="http://schemas.microsoft.com/office/drawing/2014/main" id="{611CAB30-6440-6445-8BA1-81A2F570AD47}"/>
+              </a:ext>
+            </a:extLst>
+          </p:cNvPr>
+          <p:cNvSpPr/>
+          <p:nvPr/>
+        </p:nvSpPr>
+        <p:spPr>
+          <a:xfrm rot="5400000">
+            <a:off x="4944097" y="5895318"/>
+            <a:ext cx="132203" cy="123111"/>
+          </a:xfrm>
+          <a:prstGeom prst="triangle">
+            <a:avLst/>
+          </a:prstGeom>
+          <a:solidFill>
+            <a:schemeClr val="bg1"/>
+          </a:solidFill>
+          <a:ln w="19050">
+            <a:solidFill>
+              <a:srgbClr val="5DA2C5"/>
+            </a:solidFill>
+          </a:ln>
+        </p:spPr>
+        <p:style>
+          <a:lnRef idx="2">
+            <a:schemeClr val="accent1">
+              <a:shade val="50000"/>
+            </a:schemeClr>
+          </a:lnRef>
+          <a:fillRef idx="1">
+            <a:schemeClr val="accent1"/>
+          </a:fillRef>
+          <a:effectRef idx="0">
+            <a:schemeClr val="accent1"/>
+          </a:effectRef>
+          <a:fontRef idx="minor">
+            <a:schemeClr val="lt1"/>
+          </a:fontRef>
+        </p:style>
+        <p:txBody>
+          <a:bodyPr rtlCol="0" anchor="ctr"/>
+          <a:lstStyle/>
+          <a:p>
+            <a:pPr algn="ctr"/>
+            <a:endParaRPr kumimoji="1" lang="ko-Kore-KR" altLang="en-US"/>
+          </a:p>
+        </p:txBody>
+      </p:sp>
+      <p:cxnSp>
+        <p:nvCxnSpPr>
+          <p:cNvPr id="170" name="직선 화살표 연결선 169">
+            <a:extLst>
+              <a:ext uri="{FF2B5EF4-FFF2-40B4-BE49-F238E27FC236}">
+                <a16:creationId xmlns:a16="http://schemas.microsoft.com/office/drawing/2014/main" id="{7F8E1E41-9B08-9146-A0DE-46AADD23A0B6}"/>
+              </a:ext>
+            </a:extLst>
+          </p:cNvPr>
+          <p:cNvCxnSpPr>
+            <a:cxnSpLocks/>
+          </p:cNvCxnSpPr>
+          <p:nvPr/>
+        </p:nvCxnSpPr>
+        <p:spPr>
+          <a:xfrm flipH="1">
+            <a:off x="6914030" y="5956875"/>
+            <a:ext cx="2668056" cy="0"/>
+          </a:xfrm>
+          <a:prstGeom prst="straightConnector1">
+            <a:avLst/>
+          </a:prstGeom>
+          <a:ln w="25400">
+            <a:solidFill>
+              <a:srgbClr val="5DA2C5"/>
+            </a:solidFill>
+            <a:tailEnd type="stealth" w="lg" len="lg"/>
+          </a:ln>
+        </p:spPr>
+        <p:style>
+          <a:lnRef idx="1">
+            <a:schemeClr val="accent1"/>
+          </a:lnRef>
+          <a:fillRef idx="0">
+            <a:schemeClr val="accent1"/>
+          </a:fillRef>
+          <a:effectRef idx="0">
+            <a:schemeClr val="accent1"/>
+          </a:effectRef>
+          <a:fontRef idx="minor">
+            <a:schemeClr val="tx1"/>
+          </a:fontRef>
+        </p:style>
+      </p:cxnSp>
+      <p:sp>
+        <p:nvSpPr>
+          <p:cNvPr id="171" name="삼각형 170">
+            <a:extLst>
+              <a:ext uri="{FF2B5EF4-FFF2-40B4-BE49-F238E27FC236}">
+                <a16:creationId xmlns:a16="http://schemas.microsoft.com/office/drawing/2014/main" id="{774040E9-F3EC-9943-A7AD-E7FA747123FC}"/>
+              </a:ext>
+            </a:extLst>
+          </p:cNvPr>
+          <p:cNvSpPr/>
+          <p:nvPr/>
+        </p:nvSpPr>
+        <p:spPr>
+          <a:xfrm rot="16200000">
+            <a:off x="6909483" y="5895873"/>
+            <a:ext cx="132203" cy="123111"/>
+          </a:xfrm>
+          <a:prstGeom prst="triangle">
+            <a:avLst/>
+          </a:prstGeom>
+          <a:solidFill>
+            <a:schemeClr val="bg1"/>
+          </a:solidFill>
+          <a:ln w="19050">
+            <a:solidFill>
+              <a:srgbClr val="5DA2C5"/>
+            </a:solidFill>
+          </a:ln>
+        </p:spPr>
+        <p:style>
+          <a:lnRef idx="2">
+            <a:schemeClr val="accent1">
+              <a:shade val="50000"/>
+            </a:schemeClr>
+          </a:lnRef>
+          <a:fillRef idx="1">
+            <a:schemeClr val="accent1"/>
+          </a:fillRef>
+          <a:effectRef idx="0">
+            <a:schemeClr val="accent1"/>
+          </a:effectRef>
+          <a:fontRef idx="minor">
+            <a:schemeClr val="lt1"/>
+          </a:fontRef>
+        </p:style>
+        <p:txBody>
+          <a:bodyPr rtlCol="0" anchor="ctr"/>
+          <a:lstStyle/>
+          <a:p>
+            <a:pPr algn="ctr"/>
+            <a:endParaRPr kumimoji="1" lang="ko-Kore-KR" altLang="en-US"/>
+          </a:p>
+        </p:txBody>
+      </p:sp>
+      <p:cxnSp>
+        <p:nvCxnSpPr>
+          <p:cNvPr id="172" name="꺾인 연결선[E] 171">
+            <a:extLst>
+              <a:ext uri="{FF2B5EF4-FFF2-40B4-BE49-F238E27FC236}">
+                <a16:creationId xmlns:a16="http://schemas.microsoft.com/office/drawing/2014/main" id="{82B72BD0-7516-384E-BC27-CB6E614C7439}"/>
+              </a:ext>
+            </a:extLst>
+          </p:cNvPr>
+          <p:cNvCxnSpPr>
+            <a:cxnSpLocks/>
+          </p:cNvCxnSpPr>
+          <p:nvPr/>
+        </p:nvCxnSpPr>
+        <p:spPr>
+          <a:xfrm rot="5400000">
+            <a:off x="6684857" y="4072618"/>
+            <a:ext cx="1792782" cy="1344402"/>
+          </a:xfrm>
+          <a:prstGeom prst="bentConnector2">
+            <a:avLst/>
+          </a:prstGeom>
+          <a:ln w="25400">
+            <a:solidFill>
+              <a:srgbClr val="5DA2C5"/>
+            </a:solidFill>
+            <a:tailEnd type="stealth" w="lg" len="lg"/>
+          </a:ln>
+        </p:spPr>
+        <p:style>
+          <a:lnRef idx="1">
+            <a:schemeClr val="accent1"/>
+          </a:lnRef>
+          <a:fillRef idx="0">
+            <a:schemeClr val="accent1"/>
+          </a:fillRef>
+          <a:effectRef idx="0">
+            <a:schemeClr val="accent1"/>
+          </a:effectRef>
+          <a:fontRef idx="minor">
+            <a:schemeClr val="tx1"/>
+          </a:fontRef>
+        </p:style>
+      </p:cxnSp>
+      <p:cxnSp>
+        <p:nvCxnSpPr>
+          <p:cNvPr id="174" name="직선 화살표 연결선 173">
+            <a:extLst>
+              <a:ext uri="{FF2B5EF4-FFF2-40B4-BE49-F238E27FC236}">
+                <a16:creationId xmlns:a16="http://schemas.microsoft.com/office/drawing/2014/main" id="{F6527859-7D63-3047-B803-B3451659BB4C}"/>
+              </a:ext>
+            </a:extLst>
+          </p:cNvPr>
+          <p:cNvCxnSpPr>
+            <a:cxnSpLocks/>
+            <a:stCxn id="135" idx="2"/>
+            <a:endCxn id="166" idx="0"/>
+          </p:cNvCxnSpPr>
+          <p:nvPr/>
+        </p:nvCxnSpPr>
+        <p:spPr>
+          <a:xfrm flipH="1">
+            <a:off x="5991085" y="5042635"/>
+            <a:ext cx="1139" cy="329112"/>
+          </a:xfrm>
+          <a:prstGeom prst="straightConnector1">
+            <a:avLst/>
+          </a:prstGeom>
+          <a:ln w="25400">
+            <a:solidFill>
+              <a:srgbClr val="5DA2C5"/>
+            </a:solidFill>
+            <a:tailEnd type="stealth" w="lg" len="lg"/>
+          </a:ln>
+        </p:spPr>
+        <p:style>
+          <a:lnRef idx="1">
+            <a:schemeClr val="accent1"/>
+          </a:lnRef>
+          <a:fillRef idx="0">
+            <a:schemeClr val="accent1"/>
+          </a:fillRef>
+          <a:effectRef idx="0">
+            <a:schemeClr val="accent1"/>
+          </a:effectRef>
+          <a:fontRef idx="minor">
+            <a:schemeClr val="tx1"/>
+          </a:fontRef>
+        </p:style>
+      </p:cxnSp>
+      <p:sp>
+        <p:nvSpPr>
+          <p:cNvPr id="175" name="삼각형 174">
+            <a:extLst>
+              <a:ext uri="{FF2B5EF4-FFF2-40B4-BE49-F238E27FC236}">
+                <a16:creationId xmlns:a16="http://schemas.microsoft.com/office/drawing/2014/main" id="{F886835F-C9BD-114D-9DD7-891EAE9D42AC}"/>
+              </a:ext>
+            </a:extLst>
+          </p:cNvPr>
+          <p:cNvSpPr/>
+          <p:nvPr/>
+        </p:nvSpPr>
+        <p:spPr>
+          <a:xfrm rot="10800000">
+            <a:off x="5921996" y="5262043"/>
+            <a:ext cx="132203" cy="123111"/>
+          </a:xfrm>
+          <a:prstGeom prst="triangle">
+            <a:avLst/>
+          </a:prstGeom>
+          <a:solidFill>
+            <a:schemeClr val="bg1"/>
+          </a:solidFill>
+          <a:ln w="19050">
+            <a:solidFill>
+              <a:srgbClr val="5DA2C5"/>
+            </a:solidFill>
+          </a:ln>
+        </p:spPr>
+        <p:style>
+          <a:lnRef idx="2">
+            <a:schemeClr val="accent1">
+              <a:shade val="50000"/>
+            </a:schemeClr>
+          </a:lnRef>
+          <a:fillRef idx="1">
+            <a:schemeClr val="accent1"/>
+          </a:fillRef>
+          <a:effectRef idx="0">
+            <a:schemeClr val="accent1"/>
+          </a:effectRef>
+          <a:fontRef idx="minor">
+            <a:schemeClr val="lt1"/>
+          </a:fontRef>
+        </p:style>
+        <p:txBody>
+          <a:bodyPr rtlCol="0" anchor="ctr"/>
+          <a:lstStyle/>
+          <a:p>
+            <a:pPr algn="ctr"/>
+            <a:endParaRPr kumimoji="1" lang="ko-Kore-KR" altLang="en-US"/>
+          </a:p>
+        </p:txBody>
+      </p:sp>
+    </p:spTree>
+    <p:extLst>
+      <p:ext uri="{BB962C8B-B14F-4D97-AF65-F5344CB8AC3E}">
+        <p14:creationId xmlns:p14="http://schemas.microsoft.com/office/powerpoint/2010/main" val="2601676986"/>
+      </p:ext>
+    </p:extLst>
+  </p:cSld>
+  <p:clrMapOvr>
+    <a:masterClrMapping/>
+  </p:clrMapOvr>
+</p:sld>
+</file>
+
+<file path=ppt/slides/slide16.xml><?xml version="1.0" encoding="utf-8"?>
+<p:sld xmlns:a="http://schemas.openxmlformats.org/drawingml/2006/main" xmlns:r="http://schemas.openxmlformats.org/officeDocument/2006/relationships" xmlns:p="http://schemas.openxmlformats.org/presentationml/2006/main">
+  <p:cSld>
+    <p:spTree>
+      <p:nvGrpSpPr>
+        <p:cNvPr id="1" name=""/>
+        <p:cNvGrpSpPr/>
+        <p:nvPr/>
+      </p:nvGrpSpPr>
+      <p:grpSpPr>
+        <a:xfrm>
+          <a:off x="0" y="0"/>
+          <a:ext cx="0" cy="0"/>
+          <a:chOff x="0" y="0"/>
+          <a:chExt cx="0" cy="0"/>
+        </a:xfrm>
+      </p:grpSpPr>
+      <p:grpSp>
+        <p:nvGrpSpPr>
+          <p:cNvPr id="100" name="그룹 99">
+            <a:extLst>
+              <a:ext uri="{FF2B5EF4-FFF2-40B4-BE49-F238E27FC236}">
+                <a16:creationId xmlns:a16="http://schemas.microsoft.com/office/drawing/2014/main" id="{527B672E-154F-E24B-82C6-10BB45115731}"/>
+              </a:ext>
+            </a:extLst>
+          </p:cNvPr>
+          <p:cNvGrpSpPr/>
+          <p:nvPr/>
+        </p:nvGrpSpPr>
+        <p:grpSpPr>
+          <a:xfrm>
+            <a:off x="4715183" y="3159132"/>
+            <a:ext cx="1500572" cy="539735"/>
+            <a:chOff x="3737640" y="1066800"/>
+            <a:chExt cx="1408101" cy="539735"/>
+          </a:xfrm>
+        </p:grpSpPr>
+        <p:sp>
+          <p:nvSpPr>
+            <p:cNvPr id="101" name="직사각형 100">
+              <a:extLst>
+                <a:ext uri="{FF2B5EF4-FFF2-40B4-BE49-F238E27FC236}">
+                  <a16:creationId xmlns:a16="http://schemas.microsoft.com/office/drawing/2014/main" id="{2D7096AA-D5DA-4944-BE65-B2E4FEB37902}"/>
+                </a:ext>
+              </a:extLst>
+            </p:cNvPr>
+            <p:cNvSpPr/>
+            <p:nvPr/>
+          </p:nvSpPr>
+          <p:spPr>
+            <a:xfrm>
+              <a:off x="3737640" y="1066800"/>
+              <a:ext cx="1408101" cy="539735"/>
+            </a:xfrm>
+            <a:prstGeom prst="rect">
+              <a:avLst/>
+            </a:prstGeom>
+            <a:ln w="25400">
+              <a:solidFill>
+                <a:srgbClr val="5DA2C5"/>
+              </a:solidFill>
+            </a:ln>
+          </p:spPr>
+          <p:style>
+            <a:lnRef idx="1">
+              <a:schemeClr val="accent1"/>
+            </a:lnRef>
+            <a:fillRef idx="0">
+              <a:schemeClr val="accent1"/>
+            </a:fillRef>
+            <a:effectRef idx="0">
+              <a:schemeClr val="accent1"/>
+            </a:effectRef>
+            <a:fontRef idx="minor">
+              <a:schemeClr val="tx1"/>
+            </a:fontRef>
+          </p:style>
+          <p:txBody>
+            <a:bodyPr rtlCol="0" anchor="ctr"/>
+            <a:lstStyle/>
+            <a:p>
+              <a:pPr algn="ctr"/>
+              <a:endParaRPr kumimoji="1" lang="ko-Kore-KR" altLang="en-US"/>
+            </a:p>
+          </p:txBody>
+        </p:sp>
+        <p:sp>
+          <p:nvSpPr>
+            <p:cNvPr id="102" name="TextBox 101">
+              <a:extLst>
+                <a:ext uri="{FF2B5EF4-FFF2-40B4-BE49-F238E27FC236}">
+                  <a16:creationId xmlns:a16="http://schemas.microsoft.com/office/drawing/2014/main" id="{79A147B9-95FF-9D4A-9E65-79305EC50247}"/>
+                </a:ext>
+              </a:extLst>
+            </p:cNvPr>
+            <p:cNvSpPr txBox="1"/>
+            <p:nvPr/>
+          </p:nvSpPr>
+          <p:spPr>
+            <a:xfrm>
+              <a:off x="3737640" y="1198128"/>
+              <a:ext cx="1408101" cy="276999"/>
+            </a:xfrm>
+            <a:prstGeom prst="rect">
+              <a:avLst/>
+            </a:prstGeom>
+            <a:noFill/>
+          </p:spPr>
+          <p:txBody>
+            <a:bodyPr wrap="square" rtlCol="0">
+              <a:spAutoFit/>
+            </a:bodyPr>
+            <a:lstStyle/>
+            <a:p>
+              <a:pPr algn="ctr"/>
+              <a:r>
+                <a:rPr kumimoji="1" lang="en-US" altLang="ko-Kore-KR" sz="1200" b="1" dirty="0">
+                  <a:solidFill>
+                    <a:srgbClr val="5DA2C5"/>
+                  </a:solidFill>
+                  <a:latin typeface="SHeadG" panose="02030600000101010101" pitchFamily="18" charset="-127"/>
+                  <a:ea typeface="SHeadG" panose="02030600000101010101" pitchFamily="18" charset="-127"/>
+                </a:rPr>
+                <a:t>Entity</a:t>
+              </a:r>
+              <a:endParaRPr kumimoji="1" lang="ko-Kore-KR" altLang="en-US" sz="1200" b="1" dirty="0">
+                <a:solidFill>
+                  <a:srgbClr val="5DA2C5"/>
+                </a:solidFill>
+                <a:latin typeface="SHeadG" panose="02030600000101010101" pitchFamily="18" charset="-127"/>
+                <a:ea typeface="SHeadG" panose="02030600000101010101" pitchFamily="18" charset="-127"/>
+              </a:endParaRPr>
+            </a:p>
+          </p:txBody>
+        </p:sp>
+      </p:grpSp>
+      <p:grpSp>
+        <p:nvGrpSpPr>
+          <p:cNvPr id="103" name="그룹 102">
+            <a:extLst>
+              <a:ext uri="{FF2B5EF4-FFF2-40B4-BE49-F238E27FC236}">
+                <a16:creationId xmlns:a16="http://schemas.microsoft.com/office/drawing/2014/main" id="{A548A47D-5A88-314B-91FA-4DF857EBDBC4}"/>
+              </a:ext>
+            </a:extLst>
+          </p:cNvPr>
+          <p:cNvGrpSpPr/>
+          <p:nvPr/>
+        </p:nvGrpSpPr>
+        <p:grpSpPr>
+          <a:xfrm>
+            <a:off x="4715183" y="2077320"/>
+            <a:ext cx="1500572" cy="539735"/>
+            <a:chOff x="3737640" y="1066800"/>
+            <a:chExt cx="1408101" cy="539735"/>
+          </a:xfrm>
+        </p:grpSpPr>
+        <p:sp>
+          <p:nvSpPr>
+            <p:cNvPr id="152" name="직사각형 151">
+              <a:extLst>
+                <a:ext uri="{FF2B5EF4-FFF2-40B4-BE49-F238E27FC236}">
+                  <a16:creationId xmlns:a16="http://schemas.microsoft.com/office/drawing/2014/main" id="{488717F5-6374-FB41-9FCE-A64A91F9821D}"/>
+                </a:ext>
+              </a:extLst>
+            </p:cNvPr>
+            <p:cNvSpPr/>
+            <p:nvPr/>
+          </p:nvSpPr>
+          <p:spPr>
+            <a:xfrm>
+              <a:off x="3737640" y="1066800"/>
+              <a:ext cx="1408101" cy="539735"/>
+            </a:xfrm>
+            <a:prstGeom prst="rect">
+              <a:avLst/>
+            </a:prstGeom>
+            <a:ln w="25400">
+              <a:solidFill>
+                <a:srgbClr val="5DA2C5"/>
+              </a:solidFill>
+            </a:ln>
+          </p:spPr>
+          <p:style>
+            <a:lnRef idx="1">
+              <a:schemeClr val="accent1"/>
+            </a:lnRef>
+            <a:fillRef idx="0">
+              <a:schemeClr val="accent1"/>
+            </a:fillRef>
+            <a:effectRef idx="0">
+              <a:schemeClr val="accent1"/>
+            </a:effectRef>
+            <a:fontRef idx="minor">
+              <a:schemeClr val="tx1"/>
+            </a:fontRef>
+          </p:style>
+          <p:txBody>
+            <a:bodyPr rtlCol="0" anchor="ctr"/>
+            <a:lstStyle/>
+            <a:p>
+              <a:pPr algn="ctr"/>
+              <a:endParaRPr kumimoji="1" lang="ko-Kore-KR" altLang="en-US"/>
+            </a:p>
+          </p:txBody>
+        </p:sp>
+        <p:sp>
+          <p:nvSpPr>
+            <p:cNvPr id="153" name="TextBox 152">
+              <a:extLst>
+                <a:ext uri="{FF2B5EF4-FFF2-40B4-BE49-F238E27FC236}">
+                  <a16:creationId xmlns:a16="http://schemas.microsoft.com/office/drawing/2014/main" id="{855A6FA0-3B44-2F4C-B961-73B12EE113C4}"/>
+                </a:ext>
+              </a:extLst>
+            </p:cNvPr>
+            <p:cNvSpPr txBox="1"/>
+            <p:nvPr/>
+          </p:nvSpPr>
+          <p:spPr>
+            <a:xfrm>
+              <a:off x="3737640" y="1198128"/>
+              <a:ext cx="1408101" cy="276999"/>
+            </a:xfrm>
+            <a:prstGeom prst="rect">
+              <a:avLst/>
+            </a:prstGeom>
+            <a:noFill/>
+          </p:spPr>
+          <p:txBody>
+            <a:bodyPr wrap="square" rtlCol="0">
+              <a:spAutoFit/>
+            </a:bodyPr>
+            <a:lstStyle/>
+            <a:p>
+              <a:pPr algn="ctr"/>
+              <a:r>
+                <a:rPr kumimoji="1" lang="en-US" altLang="ko-Kore-KR" sz="1200" b="1" dirty="0">
+                  <a:solidFill>
+                    <a:srgbClr val="5DA2C5"/>
+                  </a:solidFill>
+                  <a:latin typeface="SHeadG" panose="02030600000101010101" pitchFamily="18" charset="-127"/>
+                  <a:ea typeface="SHeadG" panose="02030600000101010101" pitchFamily="18" charset="-127"/>
+                </a:rPr>
+                <a:t>Use Case</a:t>
+              </a:r>
+              <a:endParaRPr kumimoji="1" lang="ko-Kore-KR" altLang="en-US" sz="1200" b="1" dirty="0">
+                <a:solidFill>
+                  <a:srgbClr val="5DA2C5"/>
+                </a:solidFill>
+                <a:latin typeface="SHeadG" panose="02030600000101010101" pitchFamily="18" charset="-127"/>
+                <a:ea typeface="SHeadG" panose="02030600000101010101" pitchFamily="18" charset="-127"/>
+              </a:endParaRPr>
+            </a:p>
+          </p:txBody>
+        </p:sp>
+      </p:grpSp>
+      <p:grpSp>
+        <p:nvGrpSpPr>
+          <p:cNvPr id="154" name="그룹 153">
+            <a:extLst>
+              <a:ext uri="{FF2B5EF4-FFF2-40B4-BE49-F238E27FC236}">
+                <a16:creationId xmlns:a16="http://schemas.microsoft.com/office/drawing/2014/main" id="{39806BC1-BA68-6041-A314-8A78250A8F79}"/>
+              </a:ext>
+            </a:extLst>
+          </p:cNvPr>
+          <p:cNvGrpSpPr/>
+          <p:nvPr/>
+        </p:nvGrpSpPr>
+        <p:grpSpPr>
+          <a:xfrm>
+            <a:off x="4715183" y="4240944"/>
+            <a:ext cx="1500572" cy="539735"/>
+            <a:chOff x="3737640" y="1066800"/>
+            <a:chExt cx="1408101" cy="539735"/>
+          </a:xfrm>
+        </p:grpSpPr>
+        <p:sp>
+          <p:nvSpPr>
+            <p:cNvPr id="155" name="직사각형 154">
+              <a:extLst>
+                <a:ext uri="{FF2B5EF4-FFF2-40B4-BE49-F238E27FC236}">
+                  <a16:creationId xmlns:a16="http://schemas.microsoft.com/office/drawing/2014/main" id="{48BDD422-085B-104A-8074-32F9D2D0BE42}"/>
+                </a:ext>
+              </a:extLst>
+            </p:cNvPr>
+            <p:cNvSpPr/>
+            <p:nvPr/>
+          </p:nvSpPr>
+          <p:spPr>
+            <a:xfrm>
+              <a:off x="3737640" y="1066800"/>
+              <a:ext cx="1408101" cy="539735"/>
+            </a:xfrm>
+            <a:prstGeom prst="rect">
+              <a:avLst/>
+            </a:prstGeom>
+            <a:ln w="25400">
+              <a:solidFill>
+                <a:srgbClr val="5DA2C5"/>
+              </a:solidFill>
+            </a:ln>
+          </p:spPr>
+          <p:style>
+            <a:lnRef idx="1">
+              <a:schemeClr val="accent1"/>
+            </a:lnRef>
+            <a:fillRef idx="0">
+              <a:schemeClr val="accent1"/>
+            </a:fillRef>
+            <a:effectRef idx="0">
+              <a:schemeClr val="accent1"/>
+            </a:effectRef>
+            <a:fontRef idx="minor">
+              <a:schemeClr val="tx1"/>
+            </a:fontRef>
+          </p:style>
+          <p:txBody>
+            <a:bodyPr rtlCol="0" anchor="ctr"/>
+            <a:lstStyle/>
+            <a:p>
+              <a:pPr algn="ctr"/>
+              <a:endParaRPr kumimoji="1" lang="ko-Kore-KR" altLang="en-US"/>
+            </a:p>
+          </p:txBody>
+        </p:sp>
+        <p:sp>
+          <p:nvSpPr>
+            <p:cNvPr id="156" name="TextBox 155">
+              <a:extLst>
+                <a:ext uri="{FF2B5EF4-FFF2-40B4-BE49-F238E27FC236}">
+                  <a16:creationId xmlns:a16="http://schemas.microsoft.com/office/drawing/2014/main" id="{DEF3E97E-4A73-2B46-8322-4A477B72A5AF}"/>
+                </a:ext>
+              </a:extLst>
+            </p:cNvPr>
+            <p:cNvSpPr txBox="1"/>
+            <p:nvPr/>
+          </p:nvSpPr>
+          <p:spPr>
+            <a:xfrm>
+              <a:off x="3737640" y="1198128"/>
+              <a:ext cx="1408101" cy="276999"/>
+            </a:xfrm>
+            <a:prstGeom prst="rect">
+              <a:avLst/>
+            </a:prstGeom>
+            <a:noFill/>
+          </p:spPr>
+          <p:txBody>
+            <a:bodyPr wrap="square" rtlCol="0">
+              <a:spAutoFit/>
+            </a:bodyPr>
+            <a:lstStyle/>
+            <a:p>
+              <a:pPr algn="ctr"/>
+              <a:r>
+                <a:rPr kumimoji="1" lang="en-US" altLang="ko-Kore-KR" sz="1200" b="1" dirty="0">
+                  <a:solidFill>
+                    <a:srgbClr val="5DA2C5"/>
+                  </a:solidFill>
+                  <a:latin typeface="SHeadG" panose="02030600000101010101" pitchFamily="18" charset="-127"/>
+                  <a:ea typeface="SHeadG" panose="02030600000101010101" pitchFamily="18" charset="-127"/>
+                </a:rPr>
+                <a:t>Use Case</a:t>
+              </a:r>
+              <a:endParaRPr kumimoji="1" lang="ko-Kore-KR" altLang="en-US" sz="1200" b="1" dirty="0">
+                <a:solidFill>
+                  <a:srgbClr val="5DA2C5"/>
+                </a:solidFill>
+                <a:latin typeface="SHeadG" panose="02030600000101010101" pitchFamily="18" charset="-127"/>
+                <a:ea typeface="SHeadG" panose="02030600000101010101" pitchFamily="18" charset="-127"/>
+              </a:endParaRPr>
+            </a:p>
+          </p:txBody>
+        </p:sp>
+      </p:grpSp>
+      <p:cxnSp>
+        <p:nvCxnSpPr>
+          <p:cNvPr id="157" name="직선 화살표 연결선 156">
+            <a:extLst>
+              <a:ext uri="{FF2B5EF4-FFF2-40B4-BE49-F238E27FC236}">
+                <a16:creationId xmlns:a16="http://schemas.microsoft.com/office/drawing/2014/main" id="{EB0C4DFE-DBA5-894B-81EF-2A2658DF4747}"/>
+              </a:ext>
+            </a:extLst>
+          </p:cNvPr>
+          <p:cNvCxnSpPr>
+            <a:cxnSpLocks/>
+            <a:stCxn id="101" idx="0"/>
+            <a:endCxn id="152" idx="2"/>
+          </p:cNvCxnSpPr>
+          <p:nvPr/>
+        </p:nvCxnSpPr>
+        <p:spPr>
+          <a:xfrm flipV="1">
+            <a:off x="5465469" y="2617055"/>
+            <a:ext cx="0" cy="542077"/>
+          </a:xfrm>
+          <a:prstGeom prst="straightConnector1">
+            <a:avLst/>
+          </a:prstGeom>
+          <a:ln w="25400">
+            <a:solidFill>
+              <a:srgbClr val="5DA2C5"/>
+            </a:solidFill>
+            <a:headEnd type="arrow"/>
+            <a:tailEnd type="none" w="med" len="med"/>
+          </a:ln>
+        </p:spPr>
+        <p:style>
+          <a:lnRef idx="1">
+            <a:schemeClr val="accent1"/>
+          </a:lnRef>
+          <a:fillRef idx="0">
+            <a:schemeClr val="accent1"/>
+          </a:fillRef>
+          <a:effectRef idx="0">
+            <a:schemeClr val="accent1"/>
+          </a:effectRef>
+          <a:fontRef idx="minor">
+            <a:schemeClr val="tx1"/>
+          </a:fontRef>
+        </p:style>
+      </p:cxnSp>
+      <p:cxnSp>
+        <p:nvCxnSpPr>
+          <p:cNvPr id="158" name="직선 화살표 연결선 157">
+            <a:extLst>
+              <a:ext uri="{FF2B5EF4-FFF2-40B4-BE49-F238E27FC236}">
+                <a16:creationId xmlns:a16="http://schemas.microsoft.com/office/drawing/2014/main" id="{6D4F9266-6303-0E4B-AB79-7C7BD62CF8BD}"/>
+              </a:ext>
+            </a:extLst>
+          </p:cNvPr>
+          <p:cNvCxnSpPr>
+            <a:cxnSpLocks/>
+            <a:stCxn id="101" idx="2"/>
+            <a:endCxn id="155" idx="0"/>
+          </p:cNvCxnSpPr>
+          <p:nvPr/>
+        </p:nvCxnSpPr>
+        <p:spPr>
+          <a:xfrm>
+            <a:off x="5465469" y="3698867"/>
+            <a:ext cx="0" cy="542077"/>
+          </a:xfrm>
+          <a:prstGeom prst="straightConnector1">
+            <a:avLst/>
+          </a:prstGeom>
+          <a:ln w="25400">
+            <a:solidFill>
+              <a:srgbClr val="5DA2C5"/>
+            </a:solidFill>
+            <a:headEnd type="arrow"/>
+            <a:tailEnd type="none" w="med" len="med"/>
+          </a:ln>
+        </p:spPr>
+        <p:style>
+          <a:lnRef idx="1">
+            <a:schemeClr val="accent1"/>
+          </a:lnRef>
+          <a:fillRef idx="0">
+            <a:schemeClr val="accent1"/>
+          </a:fillRef>
+          <a:effectRef idx="0">
+            <a:schemeClr val="accent1"/>
+          </a:effectRef>
+          <a:fontRef idx="minor">
+            <a:schemeClr val="tx1"/>
+          </a:fontRef>
+        </p:style>
+      </p:cxnSp>
+      <p:grpSp>
+        <p:nvGrpSpPr>
+          <p:cNvPr id="159" name="그룹 158">
+            <a:extLst>
+              <a:ext uri="{FF2B5EF4-FFF2-40B4-BE49-F238E27FC236}">
+                <a16:creationId xmlns:a16="http://schemas.microsoft.com/office/drawing/2014/main" id="{BC56EF79-AC3A-574E-8350-8694F86518FF}"/>
+              </a:ext>
+            </a:extLst>
+          </p:cNvPr>
+          <p:cNvGrpSpPr/>
+          <p:nvPr/>
+        </p:nvGrpSpPr>
+        <p:grpSpPr>
+          <a:xfrm>
+            <a:off x="1800219" y="2267692"/>
+            <a:ext cx="1277223" cy="539735"/>
+            <a:chOff x="3737640" y="1066800"/>
+            <a:chExt cx="1408101" cy="539735"/>
+          </a:xfrm>
+        </p:grpSpPr>
+        <p:sp>
+          <p:nvSpPr>
+            <p:cNvPr id="160" name="직사각형 159">
+              <a:extLst>
+                <a:ext uri="{FF2B5EF4-FFF2-40B4-BE49-F238E27FC236}">
+                  <a16:creationId xmlns:a16="http://schemas.microsoft.com/office/drawing/2014/main" id="{9FF419D2-28E7-664C-8D03-2D57BE695223}"/>
+                </a:ext>
+              </a:extLst>
+            </p:cNvPr>
+            <p:cNvSpPr/>
+            <p:nvPr/>
+          </p:nvSpPr>
+          <p:spPr>
+            <a:xfrm>
+              <a:off x="3737640" y="1066800"/>
+              <a:ext cx="1408101" cy="539735"/>
+            </a:xfrm>
+            <a:prstGeom prst="rect">
+              <a:avLst/>
+            </a:prstGeom>
+            <a:ln w="25400">
+              <a:solidFill>
+                <a:srgbClr val="5DA2C5"/>
+              </a:solidFill>
+            </a:ln>
+          </p:spPr>
+          <p:style>
+            <a:lnRef idx="1">
+              <a:schemeClr val="accent1"/>
+            </a:lnRef>
+            <a:fillRef idx="0">
+              <a:schemeClr val="accent1"/>
+            </a:fillRef>
+            <a:effectRef idx="0">
+              <a:schemeClr val="accent1"/>
+            </a:effectRef>
+            <a:fontRef idx="minor">
+              <a:schemeClr val="tx1"/>
+            </a:fontRef>
+          </p:style>
+          <p:txBody>
+            <a:bodyPr rtlCol="0" anchor="ctr"/>
+            <a:lstStyle/>
+            <a:p>
+              <a:pPr algn="ctr"/>
+              <a:endParaRPr kumimoji="1" lang="ko-Kore-KR" altLang="en-US"/>
+            </a:p>
+          </p:txBody>
+        </p:sp>
+        <p:sp>
+          <p:nvSpPr>
+            <p:cNvPr id="161" name="TextBox 160">
+              <a:extLst>
+                <a:ext uri="{FF2B5EF4-FFF2-40B4-BE49-F238E27FC236}">
+                  <a16:creationId xmlns:a16="http://schemas.microsoft.com/office/drawing/2014/main" id="{ADDFB12F-2897-F643-B71A-049BFCD44826}"/>
+                </a:ext>
+              </a:extLst>
+            </p:cNvPr>
+            <p:cNvSpPr txBox="1"/>
+            <p:nvPr/>
+          </p:nvSpPr>
+          <p:spPr>
+            <a:xfrm>
+              <a:off x="3737640" y="1198128"/>
+              <a:ext cx="1408101" cy="276999"/>
+            </a:xfrm>
+            <a:prstGeom prst="rect">
+              <a:avLst/>
+            </a:prstGeom>
+            <a:noFill/>
+          </p:spPr>
+          <p:txBody>
+            <a:bodyPr wrap="square" rtlCol="0">
+              <a:spAutoFit/>
+            </a:bodyPr>
+            <a:lstStyle/>
+            <a:p>
+              <a:pPr algn="ctr"/>
+              <a:r>
+                <a:rPr kumimoji="1" lang="en-US" altLang="ko-Kore-KR" sz="1200" b="1" dirty="0">
+                  <a:solidFill>
+                    <a:srgbClr val="5DA2C5"/>
+                  </a:solidFill>
+                  <a:latin typeface="SHeadG" panose="02030600000101010101" pitchFamily="18" charset="-127"/>
+                  <a:ea typeface="SHeadG" panose="02030600000101010101" pitchFamily="18" charset="-127"/>
+                </a:rPr>
+                <a:t>Web Adapter</a:t>
+              </a:r>
+              <a:endParaRPr kumimoji="1" lang="ko-Kore-KR" altLang="en-US" sz="1200" b="1" dirty="0">
+                <a:solidFill>
+                  <a:srgbClr val="5DA2C5"/>
+                </a:solidFill>
+                <a:latin typeface="SHeadG" panose="02030600000101010101" pitchFamily="18" charset="-127"/>
+                <a:ea typeface="SHeadG" panose="02030600000101010101" pitchFamily="18" charset="-127"/>
+              </a:endParaRPr>
+            </a:p>
+          </p:txBody>
+        </p:sp>
+      </p:grpSp>
+      <p:sp>
+        <p:nvSpPr>
+          <p:cNvPr id="173" name="육각형[H] 172">
+            <a:extLst>
+              <a:ext uri="{FF2B5EF4-FFF2-40B4-BE49-F238E27FC236}">
+                <a16:creationId xmlns:a16="http://schemas.microsoft.com/office/drawing/2014/main" id="{88D172B1-FF27-5F4C-8EA0-DCFC90AA03B6}"/>
+              </a:ext>
+            </a:extLst>
+          </p:cNvPr>
+          <p:cNvSpPr/>
+          <p:nvPr/>
+        </p:nvSpPr>
+        <p:spPr>
+          <a:xfrm>
+            <a:off x="3460579" y="1698537"/>
+            <a:ext cx="3969445" cy="3546912"/>
+          </a:xfrm>
+          <a:prstGeom prst="hexagon">
+            <a:avLst/>
+          </a:prstGeom>
+          <a:noFill/>
+          <a:ln w="25400">
+            <a:solidFill>
+              <a:srgbClr val="5DA2C5"/>
+            </a:solidFill>
+          </a:ln>
+        </p:spPr>
+        <p:style>
+          <a:lnRef idx="2">
+            <a:schemeClr val="accent1">
+              <a:shade val="50000"/>
+            </a:schemeClr>
+          </a:lnRef>
+          <a:fillRef idx="1">
+            <a:schemeClr val="accent1"/>
+          </a:fillRef>
+          <a:effectRef idx="0">
+            <a:schemeClr val="accent1"/>
+          </a:effectRef>
+          <a:fontRef idx="minor">
+            <a:schemeClr val="lt1"/>
+          </a:fontRef>
+        </p:style>
+        <p:txBody>
+          <a:bodyPr rtlCol="0" anchor="ctr"/>
+          <a:lstStyle/>
+          <a:p>
+            <a:pPr algn="ctr"/>
+            <a:endParaRPr kumimoji="1" lang="ko-Kore-KR" altLang="en-US"/>
+          </a:p>
+        </p:txBody>
+      </p:sp>
+      <p:grpSp>
+        <p:nvGrpSpPr>
+          <p:cNvPr id="176" name="그룹 175">
+            <a:extLst>
+              <a:ext uri="{FF2B5EF4-FFF2-40B4-BE49-F238E27FC236}">
+                <a16:creationId xmlns:a16="http://schemas.microsoft.com/office/drawing/2014/main" id="{96EE4354-E610-8644-AC0C-91FD5DD7847D}"/>
+              </a:ext>
+            </a:extLst>
+          </p:cNvPr>
+          <p:cNvGrpSpPr/>
+          <p:nvPr/>
+        </p:nvGrpSpPr>
+        <p:grpSpPr>
+          <a:xfrm rot="17844373">
+            <a:off x="3157601" y="2452050"/>
+            <a:ext cx="1500572" cy="330011"/>
+            <a:chOff x="3737640" y="1066800"/>
+            <a:chExt cx="1408101" cy="539735"/>
+          </a:xfrm>
+        </p:grpSpPr>
+        <p:sp>
+          <p:nvSpPr>
+            <p:cNvPr id="177" name="직사각형 176">
+              <a:extLst>
+                <a:ext uri="{FF2B5EF4-FFF2-40B4-BE49-F238E27FC236}">
+                  <a16:creationId xmlns:a16="http://schemas.microsoft.com/office/drawing/2014/main" id="{14967D30-DC85-0F40-B819-DCAD1EC451D0}"/>
+                </a:ext>
+              </a:extLst>
+            </p:cNvPr>
+            <p:cNvSpPr/>
+            <p:nvPr/>
+          </p:nvSpPr>
+          <p:spPr>
+            <a:xfrm>
+              <a:off x="3737640" y="1066800"/>
+              <a:ext cx="1408101" cy="539735"/>
+            </a:xfrm>
+            <a:prstGeom prst="rect">
+              <a:avLst/>
+            </a:prstGeom>
+            <a:solidFill>
+              <a:schemeClr val="bg1"/>
+            </a:solidFill>
+            <a:ln w="25400">
+              <a:solidFill>
+                <a:srgbClr val="5DA2C5"/>
+              </a:solidFill>
+            </a:ln>
+          </p:spPr>
+          <p:style>
+            <a:lnRef idx="1">
+              <a:schemeClr val="accent1"/>
+            </a:lnRef>
+            <a:fillRef idx="0">
+              <a:schemeClr val="accent1"/>
+            </a:fillRef>
+            <a:effectRef idx="0">
+              <a:schemeClr val="accent1"/>
+            </a:effectRef>
+            <a:fontRef idx="minor">
+              <a:schemeClr val="tx1"/>
+            </a:fontRef>
+          </p:style>
+          <p:txBody>
+            <a:bodyPr rtlCol="0" anchor="ctr"/>
+            <a:lstStyle/>
+            <a:p>
+              <a:pPr algn="ctr"/>
+              <a:endParaRPr kumimoji="1" lang="ko-Kore-KR" altLang="en-US"/>
+            </a:p>
+          </p:txBody>
+        </p:sp>
+        <p:sp>
+          <p:nvSpPr>
+            <p:cNvPr id="178" name="TextBox 177">
+              <a:extLst>
+                <a:ext uri="{FF2B5EF4-FFF2-40B4-BE49-F238E27FC236}">
+                  <a16:creationId xmlns:a16="http://schemas.microsoft.com/office/drawing/2014/main" id="{E9F02657-CDC4-3649-BA97-96C069098C0C}"/>
+                </a:ext>
+              </a:extLst>
+            </p:cNvPr>
+            <p:cNvSpPr txBox="1"/>
+            <p:nvPr/>
+          </p:nvSpPr>
+          <p:spPr>
+            <a:xfrm>
+              <a:off x="3750532" y="1130915"/>
+              <a:ext cx="1395209" cy="453034"/>
+            </a:xfrm>
+            <a:prstGeom prst="rect">
+              <a:avLst/>
+            </a:prstGeom>
+            <a:noFill/>
+          </p:spPr>
+          <p:txBody>
+            <a:bodyPr wrap="square" rtlCol="0">
+              <a:spAutoFit/>
+            </a:bodyPr>
+            <a:lstStyle/>
+            <a:p>
+              <a:pPr algn="ctr"/>
+              <a:r>
+                <a:rPr kumimoji="1" lang="en-US" altLang="ko-Kore-KR" sz="1200" b="1" dirty="0">
+                  <a:solidFill>
+                    <a:srgbClr val="5DA2C5"/>
+                  </a:solidFill>
+                  <a:latin typeface="SHeadG" panose="02030600000101010101" pitchFamily="18" charset="-127"/>
+                  <a:ea typeface="SHeadG" panose="02030600000101010101" pitchFamily="18" charset="-127"/>
+                </a:rPr>
+                <a:t>Input Port</a:t>
+              </a:r>
+              <a:endParaRPr kumimoji="1" lang="ko-Kore-KR" altLang="en-US" sz="1200" b="1" dirty="0">
+                <a:solidFill>
+                  <a:srgbClr val="5DA2C5"/>
+                </a:solidFill>
+                <a:latin typeface="SHeadG" panose="02030600000101010101" pitchFamily="18" charset="-127"/>
+                <a:ea typeface="SHeadG" panose="02030600000101010101" pitchFamily="18" charset="-127"/>
+              </a:endParaRPr>
+            </a:p>
+          </p:txBody>
+        </p:sp>
+      </p:grpSp>
+      <p:grpSp>
+        <p:nvGrpSpPr>
+          <p:cNvPr id="179" name="그룹 178">
+            <a:extLst>
+              <a:ext uri="{FF2B5EF4-FFF2-40B4-BE49-F238E27FC236}">
+                <a16:creationId xmlns:a16="http://schemas.microsoft.com/office/drawing/2014/main" id="{7F58EEC1-C953-AD40-AC29-CEA07D7D4815}"/>
+              </a:ext>
+            </a:extLst>
+          </p:cNvPr>
+          <p:cNvGrpSpPr/>
+          <p:nvPr/>
+        </p:nvGrpSpPr>
+        <p:grpSpPr>
+          <a:xfrm rot="3819944">
+            <a:off x="3183919" y="4234485"/>
+            <a:ext cx="1500572" cy="330011"/>
+            <a:chOff x="3737640" y="1066800"/>
+            <a:chExt cx="1408101" cy="539735"/>
+          </a:xfrm>
+        </p:grpSpPr>
+        <p:sp>
+          <p:nvSpPr>
+            <p:cNvPr id="180" name="직사각형 179">
+              <a:extLst>
+                <a:ext uri="{FF2B5EF4-FFF2-40B4-BE49-F238E27FC236}">
+                  <a16:creationId xmlns:a16="http://schemas.microsoft.com/office/drawing/2014/main" id="{7287D2C4-4FDD-0141-B44D-B6B3531E807E}"/>
+                </a:ext>
+              </a:extLst>
+            </p:cNvPr>
+            <p:cNvSpPr/>
+            <p:nvPr/>
+          </p:nvSpPr>
+          <p:spPr>
+            <a:xfrm>
+              <a:off x="3737640" y="1066800"/>
+              <a:ext cx="1408101" cy="539735"/>
+            </a:xfrm>
+            <a:prstGeom prst="rect">
+              <a:avLst/>
+            </a:prstGeom>
+            <a:solidFill>
+              <a:schemeClr val="bg1"/>
+            </a:solidFill>
+            <a:ln w="25400">
+              <a:solidFill>
+                <a:srgbClr val="5DA2C5"/>
+              </a:solidFill>
+            </a:ln>
+          </p:spPr>
+          <p:style>
+            <a:lnRef idx="1">
+              <a:schemeClr val="accent1"/>
+            </a:lnRef>
+            <a:fillRef idx="0">
+              <a:schemeClr val="accent1"/>
+            </a:fillRef>
+            <a:effectRef idx="0">
+              <a:schemeClr val="accent1"/>
+            </a:effectRef>
+            <a:fontRef idx="minor">
+              <a:schemeClr val="tx1"/>
+            </a:fontRef>
+          </p:style>
+          <p:txBody>
+            <a:bodyPr rtlCol="0" anchor="ctr"/>
+            <a:lstStyle/>
+            <a:p>
+              <a:pPr algn="ctr"/>
+              <a:endParaRPr kumimoji="1" lang="ko-Kore-KR" altLang="en-US"/>
+            </a:p>
+          </p:txBody>
+        </p:sp>
+        <p:sp>
+          <p:nvSpPr>
+            <p:cNvPr id="181" name="TextBox 180">
+              <a:extLst>
+                <a:ext uri="{FF2B5EF4-FFF2-40B4-BE49-F238E27FC236}">
+                  <a16:creationId xmlns:a16="http://schemas.microsoft.com/office/drawing/2014/main" id="{BE1CF31C-A87C-6C43-8B05-C61B5938A1C3}"/>
+                </a:ext>
+              </a:extLst>
+            </p:cNvPr>
+            <p:cNvSpPr txBox="1"/>
+            <p:nvPr/>
+          </p:nvSpPr>
+          <p:spPr>
+            <a:xfrm>
+              <a:off x="3737640" y="1130915"/>
+              <a:ext cx="1408101" cy="453034"/>
+            </a:xfrm>
+            <a:prstGeom prst="rect">
+              <a:avLst/>
+            </a:prstGeom>
+            <a:noFill/>
+          </p:spPr>
+          <p:txBody>
+            <a:bodyPr wrap="square" rtlCol="0">
+              <a:spAutoFit/>
+            </a:bodyPr>
+            <a:lstStyle/>
+            <a:p>
+              <a:pPr algn="ctr"/>
+              <a:r>
+                <a:rPr kumimoji="1" lang="en-US" altLang="ko-Kore-KR" sz="1200" b="1" dirty="0">
+                  <a:solidFill>
+                    <a:srgbClr val="5DA2C5"/>
+                  </a:solidFill>
+                  <a:latin typeface="SHeadG" panose="02030600000101010101" pitchFamily="18" charset="-127"/>
+                  <a:ea typeface="SHeadG" panose="02030600000101010101" pitchFamily="18" charset="-127"/>
+                </a:rPr>
+                <a:t>Input Port</a:t>
+              </a:r>
+              <a:endParaRPr kumimoji="1" lang="ko-Kore-KR" altLang="en-US" sz="1200" b="1" dirty="0">
+                <a:solidFill>
+                  <a:srgbClr val="5DA2C5"/>
+                </a:solidFill>
+                <a:latin typeface="SHeadG" panose="02030600000101010101" pitchFamily="18" charset="-127"/>
+                <a:ea typeface="SHeadG" panose="02030600000101010101" pitchFamily="18" charset="-127"/>
+              </a:endParaRPr>
+            </a:p>
+          </p:txBody>
+        </p:sp>
+      </p:grpSp>
+      <p:grpSp>
+        <p:nvGrpSpPr>
+          <p:cNvPr id="182" name="그룹 181">
+            <a:extLst>
+              <a:ext uri="{FF2B5EF4-FFF2-40B4-BE49-F238E27FC236}">
+                <a16:creationId xmlns:a16="http://schemas.microsoft.com/office/drawing/2014/main" id="{B030393A-3683-4441-9E04-6A6D6C72ADD5}"/>
+              </a:ext>
+            </a:extLst>
+          </p:cNvPr>
+          <p:cNvGrpSpPr/>
+          <p:nvPr/>
+        </p:nvGrpSpPr>
+        <p:grpSpPr>
+          <a:xfrm rot="17844373">
+            <a:off x="6272764" y="4207006"/>
+            <a:ext cx="1500572" cy="330011"/>
+            <a:chOff x="3737640" y="1066800"/>
+            <a:chExt cx="1408101" cy="539735"/>
+          </a:xfrm>
+        </p:grpSpPr>
+        <p:sp>
+          <p:nvSpPr>
+            <p:cNvPr id="183" name="직사각형 182">
+              <a:extLst>
+                <a:ext uri="{FF2B5EF4-FFF2-40B4-BE49-F238E27FC236}">
+                  <a16:creationId xmlns:a16="http://schemas.microsoft.com/office/drawing/2014/main" id="{2DD9B729-D4DC-6143-B8D2-8708C445CD3C}"/>
+                </a:ext>
+              </a:extLst>
+            </p:cNvPr>
+            <p:cNvSpPr/>
+            <p:nvPr/>
+          </p:nvSpPr>
+          <p:spPr>
+            <a:xfrm>
+              <a:off x="3737640" y="1066800"/>
+              <a:ext cx="1408101" cy="539735"/>
+            </a:xfrm>
+            <a:prstGeom prst="rect">
+              <a:avLst/>
+            </a:prstGeom>
+            <a:solidFill>
+              <a:schemeClr val="bg1"/>
+            </a:solidFill>
+            <a:ln w="25400">
+              <a:solidFill>
+                <a:srgbClr val="5DA2C5"/>
+              </a:solidFill>
+            </a:ln>
+          </p:spPr>
+          <p:style>
+            <a:lnRef idx="1">
+              <a:schemeClr val="accent1"/>
+            </a:lnRef>
+            <a:fillRef idx="0">
+              <a:schemeClr val="accent1"/>
+            </a:fillRef>
+            <a:effectRef idx="0">
+              <a:schemeClr val="accent1"/>
+            </a:effectRef>
+            <a:fontRef idx="minor">
+              <a:schemeClr val="tx1"/>
+            </a:fontRef>
+          </p:style>
+          <p:txBody>
+            <a:bodyPr rtlCol="0" anchor="ctr"/>
+            <a:lstStyle/>
+            <a:p>
+              <a:pPr algn="ctr"/>
+              <a:endParaRPr kumimoji="1" lang="ko-Kore-KR" altLang="en-US"/>
+            </a:p>
+          </p:txBody>
+        </p:sp>
+        <p:sp>
+          <p:nvSpPr>
+            <p:cNvPr id="184" name="TextBox 183">
+              <a:extLst>
+                <a:ext uri="{FF2B5EF4-FFF2-40B4-BE49-F238E27FC236}">
+                  <a16:creationId xmlns:a16="http://schemas.microsoft.com/office/drawing/2014/main" id="{4CF4AEF3-20F5-1A4E-A235-66A30C61EA90}"/>
+                </a:ext>
+              </a:extLst>
+            </p:cNvPr>
+            <p:cNvSpPr txBox="1"/>
+            <p:nvPr/>
+          </p:nvSpPr>
+          <p:spPr>
+            <a:xfrm>
+              <a:off x="3750532" y="1130915"/>
+              <a:ext cx="1395209" cy="453034"/>
+            </a:xfrm>
+            <a:prstGeom prst="rect">
+              <a:avLst/>
+            </a:prstGeom>
+            <a:noFill/>
+          </p:spPr>
+          <p:txBody>
+            <a:bodyPr wrap="square" rtlCol="0">
+              <a:spAutoFit/>
+            </a:bodyPr>
+            <a:lstStyle/>
+            <a:p>
+              <a:pPr algn="ctr"/>
+              <a:r>
+                <a:rPr kumimoji="1" lang="en-US" altLang="ko-Kore-KR" sz="1200" b="1" dirty="0">
+                  <a:solidFill>
+                    <a:srgbClr val="5DA2C5"/>
+                  </a:solidFill>
+                  <a:latin typeface="SHeadG" panose="02030600000101010101" pitchFamily="18" charset="-127"/>
+                  <a:ea typeface="SHeadG" panose="02030600000101010101" pitchFamily="18" charset="-127"/>
+                </a:rPr>
+                <a:t>Output Port</a:t>
+              </a:r>
+              <a:endParaRPr kumimoji="1" lang="ko-Kore-KR" altLang="en-US" sz="1200" b="1" dirty="0">
+                <a:solidFill>
+                  <a:srgbClr val="5DA2C5"/>
+                </a:solidFill>
+                <a:latin typeface="SHeadG" panose="02030600000101010101" pitchFamily="18" charset="-127"/>
+                <a:ea typeface="SHeadG" panose="02030600000101010101" pitchFamily="18" charset="-127"/>
+              </a:endParaRPr>
+            </a:p>
+          </p:txBody>
+        </p:sp>
+      </p:grpSp>
+      <p:grpSp>
+        <p:nvGrpSpPr>
+          <p:cNvPr id="185" name="그룹 184">
+            <a:extLst>
+              <a:ext uri="{FF2B5EF4-FFF2-40B4-BE49-F238E27FC236}">
+                <a16:creationId xmlns:a16="http://schemas.microsoft.com/office/drawing/2014/main" id="{F087A8D4-2F21-5749-BF17-E17E3E07421F}"/>
+              </a:ext>
+            </a:extLst>
+          </p:cNvPr>
+          <p:cNvGrpSpPr/>
+          <p:nvPr/>
+        </p:nvGrpSpPr>
+        <p:grpSpPr>
+          <a:xfrm rot="3819944">
+            <a:off x="6235326" y="2441904"/>
+            <a:ext cx="1500572" cy="330011"/>
+            <a:chOff x="3737640" y="1066800"/>
+            <a:chExt cx="1408101" cy="539735"/>
+          </a:xfrm>
+        </p:grpSpPr>
+        <p:sp>
+          <p:nvSpPr>
+            <p:cNvPr id="186" name="직사각형 185">
+              <a:extLst>
+                <a:ext uri="{FF2B5EF4-FFF2-40B4-BE49-F238E27FC236}">
+                  <a16:creationId xmlns:a16="http://schemas.microsoft.com/office/drawing/2014/main" id="{D2E835F9-7B0B-BB49-A8F1-7F5E2FBAB4CE}"/>
+                </a:ext>
+              </a:extLst>
+            </p:cNvPr>
+            <p:cNvSpPr/>
+            <p:nvPr/>
+          </p:nvSpPr>
+          <p:spPr>
+            <a:xfrm>
+              <a:off x="3737640" y="1066800"/>
+              <a:ext cx="1408101" cy="539735"/>
+            </a:xfrm>
+            <a:prstGeom prst="rect">
+              <a:avLst/>
+            </a:prstGeom>
+            <a:solidFill>
+              <a:schemeClr val="bg1"/>
+            </a:solidFill>
+            <a:ln w="25400">
+              <a:solidFill>
+                <a:srgbClr val="5DA2C5"/>
+              </a:solidFill>
+            </a:ln>
+          </p:spPr>
+          <p:style>
+            <a:lnRef idx="1">
+              <a:schemeClr val="accent1"/>
+            </a:lnRef>
+            <a:fillRef idx="0">
+              <a:schemeClr val="accent1"/>
+            </a:fillRef>
+            <a:effectRef idx="0">
+              <a:schemeClr val="accent1"/>
+            </a:effectRef>
+            <a:fontRef idx="minor">
+              <a:schemeClr val="tx1"/>
+            </a:fontRef>
+          </p:style>
+          <p:txBody>
+            <a:bodyPr rtlCol="0" anchor="ctr"/>
+            <a:lstStyle/>
+            <a:p>
+              <a:pPr algn="ctr"/>
+              <a:endParaRPr kumimoji="1" lang="ko-Kore-KR" altLang="en-US"/>
+            </a:p>
+          </p:txBody>
+        </p:sp>
+        <p:sp>
+          <p:nvSpPr>
+            <p:cNvPr id="187" name="TextBox 186">
+              <a:extLst>
+                <a:ext uri="{FF2B5EF4-FFF2-40B4-BE49-F238E27FC236}">
+                  <a16:creationId xmlns:a16="http://schemas.microsoft.com/office/drawing/2014/main" id="{AC039B55-F1B8-8049-B7CD-C68F52D04C38}"/>
+                </a:ext>
+              </a:extLst>
+            </p:cNvPr>
+            <p:cNvSpPr txBox="1"/>
+            <p:nvPr/>
+          </p:nvSpPr>
+          <p:spPr>
+            <a:xfrm>
+              <a:off x="3737640" y="1130915"/>
+              <a:ext cx="1408101" cy="453034"/>
+            </a:xfrm>
+            <a:prstGeom prst="rect">
+              <a:avLst/>
+            </a:prstGeom>
+            <a:noFill/>
+          </p:spPr>
+          <p:txBody>
+            <a:bodyPr wrap="square" rtlCol="0">
+              <a:spAutoFit/>
+            </a:bodyPr>
+            <a:lstStyle/>
+            <a:p>
+              <a:pPr algn="ctr"/>
+              <a:r>
+                <a:rPr kumimoji="1" lang="en-US" altLang="ko-Kore-KR" sz="1200" b="1" dirty="0">
+                  <a:solidFill>
+                    <a:srgbClr val="5DA2C5"/>
+                  </a:solidFill>
+                  <a:latin typeface="SHeadG" panose="02030600000101010101" pitchFamily="18" charset="-127"/>
+                  <a:ea typeface="SHeadG" panose="02030600000101010101" pitchFamily="18" charset="-127"/>
+                </a:rPr>
+                <a:t>Output Port</a:t>
+              </a:r>
+              <a:endParaRPr kumimoji="1" lang="ko-Kore-KR" altLang="en-US" sz="1200" b="1" dirty="0">
+                <a:solidFill>
+                  <a:srgbClr val="5DA2C5"/>
+                </a:solidFill>
+                <a:latin typeface="SHeadG" panose="02030600000101010101" pitchFamily="18" charset="-127"/>
+                <a:ea typeface="SHeadG" panose="02030600000101010101" pitchFamily="18" charset="-127"/>
+              </a:endParaRPr>
+            </a:p>
+          </p:txBody>
+        </p:sp>
+      </p:grpSp>
+      <p:cxnSp>
+        <p:nvCxnSpPr>
+          <p:cNvPr id="188" name="직선 화살표 연결선 187">
+            <a:extLst>
+              <a:ext uri="{FF2B5EF4-FFF2-40B4-BE49-F238E27FC236}">
+                <a16:creationId xmlns:a16="http://schemas.microsoft.com/office/drawing/2014/main" id="{FBF9F10A-C5EB-1443-B4B5-3BBDA9BC096A}"/>
+              </a:ext>
+            </a:extLst>
+          </p:cNvPr>
+          <p:cNvCxnSpPr>
+            <a:cxnSpLocks/>
+            <a:stCxn id="177" idx="0"/>
+            <a:endCxn id="161" idx="3"/>
+          </p:cNvCxnSpPr>
+          <p:nvPr/>
+        </p:nvCxnSpPr>
+        <p:spPr>
+          <a:xfrm flipH="1" flipV="1">
+            <a:off x="3077442" y="2537520"/>
+            <a:ext cx="683959" cy="3584"/>
+          </a:xfrm>
+          <a:prstGeom prst="straightConnector1">
+            <a:avLst/>
+          </a:prstGeom>
+          <a:ln w="25400">
+            <a:solidFill>
+              <a:srgbClr val="5DA2C5"/>
+            </a:solidFill>
+            <a:headEnd type="stealth" w="lg" len="lg"/>
+            <a:tailEnd type="none" w="med" len="med"/>
+          </a:ln>
+        </p:spPr>
+        <p:style>
+          <a:lnRef idx="1">
+            <a:schemeClr val="accent1"/>
+          </a:lnRef>
+          <a:fillRef idx="0">
+            <a:schemeClr val="accent1"/>
+          </a:fillRef>
+          <a:effectRef idx="0">
+            <a:schemeClr val="accent1"/>
+          </a:effectRef>
+          <a:fontRef idx="minor">
+            <a:schemeClr val="tx1"/>
+          </a:fontRef>
+        </p:style>
+      </p:cxnSp>
+      <p:grpSp>
+        <p:nvGrpSpPr>
+          <p:cNvPr id="189" name="그룹 188">
+            <a:extLst>
+              <a:ext uri="{FF2B5EF4-FFF2-40B4-BE49-F238E27FC236}">
+                <a16:creationId xmlns:a16="http://schemas.microsoft.com/office/drawing/2014/main" id="{51AB868B-D932-274E-B513-C6A390A0DE08}"/>
+              </a:ext>
+            </a:extLst>
+          </p:cNvPr>
+          <p:cNvGrpSpPr/>
+          <p:nvPr/>
+        </p:nvGrpSpPr>
+        <p:grpSpPr>
+          <a:xfrm>
+            <a:off x="1800220" y="4049264"/>
+            <a:ext cx="1284311" cy="824631"/>
+            <a:chOff x="4600013" y="3092833"/>
+            <a:chExt cx="1284311" cy="824631"/>
+          </a:xfrm>
+        </p:grpSpPr>
+        <p:sp>
+          <p:nvSpPr>
+            <p:cNvPr id="190" name="직사각형 189">
+              <a:extLst>
+                <a:ext uri="{FF2B5EF4-FFF2-40B4-BE49-F238E27FC236}">
+                  <a16:creationId xmlns:a16="http://schemas.microsoft.com/office/drawing/2014/main" id="{500E5A83-F971-3A46-9566-08A6469C6B1F}"/>
+                </a:ext>
+              </a:extLst>
+            </p:cNvPr>
+            <p:cNvSpPr/>
+            <p:nvPr/>
+          </p:nvSpPr>
+          <p:spPr>
+            <a:xfrm>
+              <a:off x="4600013" y="3092833"/>
+              <a:ext cx="1277223" cy="824631"/>
+            </a:xfrm>
+            <a:prstGeom prst="rect">
+              <a:avLst/>
+            </a:prstGeom>
+            <a:ln w="25400">
+              <a:solidFill>
+                <a:srgbClr val="5DA2C5"/>
+              </a:solidFill>
+            </a:ln>
+          </p:spPr>
+          <p:style>
+            <a:lnRef idx="1">
+              <a:schemeClr val="accent1"/>
+            </a:lnRef>
+            <a:fillRef idx="0">
+              <a:schemeClr val="accent1"/>
+            </a:fillRef>
+            <a:effectRef idx="0">
+              <a:schemeClr val="accent1"/>
+            </a:effectRef>
+            <a:fontRef idx="minor">
+              <a:schemeClr val="tx1"/>
+            </a:fontRef>
+          </p:style>
+          <p:txBody>
+            <a:bodyPr rtlCol="0" anchor="ctr"/>
+            <a:lstStyle/>
+            <a:p>
+              <a:pPr algn="ctr"/>
+              <a:endParaRPr kumimoji="1" lang="ko-Kore-KR" altLang="en-US"/>
+            </a:p>
+          </p:txBody>
+        </p:sp>
+        <p:sp>
+          <p:nvSpPr>
+            <p:cNvPr id="191" name="TextBox 190">
+              <a:extLst>
+                <a:ext uri="{FF2B5EF4-FFF2-40B4-BE49-F238E27FC236}">
+                  <a16:creationId xmlns:a16="http://schemas.microsoft.com/office/drawing/2014/main" id="{6B09DE99-AFA4-F94C-8ACB-B9EE910C9166}"/>
+                </a:ext>
+              </a:extLst>
+            </p:cNvPr>
+            <p:cNvSpPr txBox="1"/>
+            <p:nvPr/>
+          </p:nvSpPr>
+          <p:spPr>
+            <a:xfrm>
+              <a:off x="4607101" y="3188921"/>
+              <a:ext cx="1277223" cy="646331"/>
+            </a:xfrm>
+            <a:prstGeom prst="rect">
+              <a:avLst/>
+            </a:prstGeom>
+            <a:noFill/>
+          </p:spPr>
+          <p:txBody>
+            <a:bodyPr wrap="square" rtlCol="0">
+              <a:spAutoFit/>
+            </a:bodyPr>
+            <a:lstStyle/>
+            <a:p>
+              <a:pPr algn="ctr"/>
+              <a:r>
+                <a:rPr kumimoji="1" lang="en-US" altLang="ko-Kore-KR" sz="1200" b="1" dirty="0">
+                  <a:solidFill>
+                    <a:srgbClr val="5DA2C5"/>
+                  </a:solidFill>
+                  <a:latin typeface="SHeadG" panose="02030600000101010101" pitchFamily="18" charset="-127"/>
+                  <a:ea typeface="SHeadG" panose="02030600000101010101" pitchFamily="18" charset="-127"/>
+                </a:rPr>
+                <a:t>External</a:t>
+              </a:r>
+            </a:p>
+            <a:p>
+              <a:pPr algn="ctr"/>
+              <a:r>
+                <a:rPr kumimoji="1" lang="en-US" altLang="ko-Kore-KR" sz="1200" b="1" dirty="0">
+                  <a:solidFill>
+                    <a:srgbClr val="5DA2C5"/>
+                  </a:solidFill>
+                  <a:latin typeface="SHeadG" panose="02030600000101010101" pitchFamily="18" charset="-127"/>
+                  <a:ea typeface="SHeadG" panose="02030600000101010101" pitchFamily="18" charset="-127"/>
+                </a:rPr>
+                <a:t>System</a:t>
+              </a:r>
+            </a:p>
+            <a:p>
+              <a:pPr algn="ctr"/>
+              <a:r>
+                <a:rPr kumimoji="1" lang="en-US" altLang="ko-Kore-KR" sz="1200" b="1" dirty="0">
+                  <a:solidFill>
+                    <a:srgbClr val="5DA2C5"/>
+                  </a:solidFill>
+                  <a:latin typeface="SHeadG" panose="02030600000101010101" pitchFamily="18" charset="-127"/>
+                  <a:ea typeface="SHeadG" panose="02030600000101010101" pitchFamily="18" charset="-127"/>
+                </a:rPr>
+                <a:t>Adapter</a:t>
+              </a:r>
+            </a:p>
+          </p:txBody>
+        </p:sp>
+      </p:grpSp>
+      <p:cxnSp>
+        <p:nvCxnSpPr>
+          <p:cNvPr id="192" name="직선 화살표 연결선 191">
+            <a:extLst>
+              <a:ext uri="{FF2B5EF4-FFF2-40B4-BE49-F238E27FC236}">
+                <a16:creationId xmlns:a16="http://schemas.microsoft.com/office/drawing/2014/main" id="{A5CC84D3-19F9-4E4A-944B-B0790C5E8ECA}"/>
+              </a:ext>
+            </a:extLst>
+          </p:cNvPr>
+          <p:cNvCxnSpPr>
+            <a:cxnSpLocks/>
+            <a:stCxn id="181" idx="2"/>
+            <a:endCxn id="191" idx="3"/>
+          </p:cNvCxnSpPr>
+          <p:nvPr/>
+        </p:nvCxnSpPr>
+        <p:spPr>
+          <a:xfrm flipH="1">
+            <a:off x="3084531" y="4466562"/>
+            <a:ext cx="714170" cy="1956"/>
+          </a:xfrm>
+          <a:prstGeom prst="straightConnector1">
+            <a:avLst/>
+          </a:prstGeom>
+          <a:ln w="25400">
+            <a:solidFill>
+              <a:srgbClr val="5DA2C5"/>
+            </a:solidFill>
+            <a:headEnd type="stealth" w="lg" len="lg"/>
+            <a:tailEnd type="none" w="med" len="med"/>
+          </a:ln>
+        </p:spPr>
+        <p:style>
+          <a:lnRef idx="1">
+            <a:schemeClr val="accent1"/>
+          </a:lnRef>
+          <a:fillRef idx="0">
+            <a:schemeClr val="accent1"/>
+          </a:fillRef>
+          <a:effectRef idx="0">
+            <a:schemeClr val="accent1"/>
+          </a:effectRef>
+          <a:fontRef idx="minor">
+            <a:schemeClr val="tx1"/>
+          </a:fontRef>
+        </p:style>
+      </p:cxnSp>
+      <p:grpSp>
+        <p:nvGrpSpPr>
+          <p:cNvPr id="193" name="그룹 192">
+            <a:extLst>
+              <a:ext uri="{FF2B5EF4-FFF2-40B4-BE49-F238E27FC236}">
+                <a16:creationId xmlns:a16="http://schemas.microsoft.com/office/drawing/2014/main" id="{2761A45C-589D-5246-A361-EAE656461592}"/>
+              </a:ext>
+            </a:extLst>
+          </p:cNvPr>
+          <p:cNvGrpSpPr/>
+          <p:nvPr/>
+        </p:nvGrpSpPr>
+        <p:grpSpPr>
+          <a:xfrm>
+            <a:off x="7682314" y="2267692"/>
+            <a:ext cx="1277224" cy="539735"/>
+            <a:chOff x="3737640" y="1066800"/>
+            <a:chExt cx="1408102" cy="539735"/>
+          </a:xfrm>
+        </p:grpSpPr>
+        <p:sp>
+          <p:nvSpPr>
+            <p:cNvPr id="194" name="직사각형 193">
+              <a:extLst>
+                <a:ext uri="{FF2B5EF4-FFF2-40B4-BE49-F238E27FC236}">
+                  <a16:creationId xmlns:a16="http://schemas.microsoft.com/office/drawing/2014/main" id="{F10BA68F-4E0B-1B49-B731-E10472B4DEE3}"/>
+                </a:ext>
+              </a:extLst>
+            </p:cNvPr>
+            <p:cNvSpPr/>
+            <p:nvPr/>
+          </p:nvSpPr>
+          <p:spPr>
+            <a:xfrm>
+              <a:off x="3737640" y="1066800"/>
+              <a:ext cx="1408101" cy="539735"/>
+            </a:xfrm>
+            <a:prstGeom prst="rect">
+              <a:avLst/>
+            </a:prstGeom>
+            <a:ln w="25400">
+              <a:solidFill>
+                <a:srgbClr val="5DA2C5"/>
+              </a:solidFill>
+            </a:ln>
+          </p:spPr>
+          <p:style>
+            <a:lnRef idx="1">
+              <a:schemeClr val="accent1"/>
+            </a:lnRef>
+            <a:fillRef idx="0">
+              <a:schemeClr val="accent1"/>
+            </a:fillRef>
+            <a:effectRef idx="0">
+              <a:schemeClr val="accent1"/>
+            </a:effectRef>
+            <a:fontRef idx="minor">
+              <a:schemeClr val="tx1"/>
+            </a:fontRef>
+          </p:style>
+          <p:txBody>
+            <a:bodyPr rtlCol="0" anchor="ctr"/>
+            <a:lstStyle/>
+            <a:p>
+              <a:pPr algn="ctr"/>
+              <a:endParaRPr kumimoji="1" lang="ko-Kore-KR" altLang="en-US"/>
+            </a:p>
+          </p:txBody>
+        </p:sp>
+        <p:sp>
+          <p:nvSpPr>
+            <p:cNvPr id="195" name="TextBox 194">
+              <a:extLst>
+                <a:ext uri="{FF2B5EF4-FFF2-40B4-BE49-F238E27FC236}">
+                  <a16:creationId xmlns:a16="http://schemas.microsoft.com/office/drawing/2014/main" id="{778C2D18-6380-2343-97E0-8776FAAB28C7}"/>
+                </a:ext>
+              </a:extLst>
+            </p:cNvPr>
+            <p:cNvSpPr txBox="1"/>
+            <p:nvPr/>
+          </p:nvSpPr>
+          <p:spPr>
+            <a:xfrm>
+              <a:off x="3778270" y="1119820"/>
+              <a:ext cx="1367472" cy="461665"/>
+            </a:xfrm>
+            <a:prstGeom prst="rect">
+              <a:avLst/>
+            </a:prstGeom>
+            <a:noFill/>
+          </p:spPr>
+          <p:txBody>
+            <a:bodyPr wrap="square" rtlCol="0">
+              <a:spAutoFit/>
+            </a:bodyPr>
+            <a:lstStyle/>
+            <a:p>
+              <a:pPr algn="ctr"/>
+              <a:r>
+                <a:rPr kumimoji="1" lang="en-US" altLang="ko-Kore-KR" sz="1200" b="1" dirty="0">
+                  <a:solidFill>
+                    <a:srgbClr val="5DA2C5"/>
+                  </a:solidFill>
+                  <a:latin typeface="SHeadG" panose="02030600000101010101" pitchFamily="18" charset="-127"/>
+                  <a:ea typeface="SHeadG" panose="02030600000101010101" pitchFamily="18" charset="-127"/>
+                </a:rPr>
+                <a:t>Persistence</a:t>
+              </a:r>
+            </a:p>
+            <a:p>
+              <a:pPr algn="ctr"/>
+              <a:r>
+                <a:rPr kumimoji="1" lang="en-US" altLang="ko-Kore-KR" sz="1200" b="1" dirty="0">
+                  <a:solidFill>
+                    <a:srgbClr val="5DA2C5"/>
+                  </a:solidFill>
+                  <a:latin typeface="SHeadG" panose="02030600000101010101" pitchFamily="18" charset="-127"/>
+                  <a:ea typeface="SHeadG" panose="02030600000101010101" pitchFamily="18" charset="-127"/>
+                </a:rPr>
+                <a:t>Adapter</a:t>
+              </a:r>
+              <a:endParaRPr kumimoji="1" lang="ko-Kore-KR" altLang="en-US" sz="1200" b="1" dirty="0">
+                <a:solidFill>
+                  <a:srgbClr val="5DA2C5"/>
+                </a:solidFill>
+                <a:latin typeface="SHeadG" panose="02030600000101010101" pitchFamily="18" charset="-127"/>
+                <a:ea typeface="SHeadG" panose="02030600000101010101" pitchFamily="18" charset="-127"/>
+              </a:endParaRPr>
+            </a:p>
+          </p:txBody>
+        </p:sp>
+      </p:grpSp>
+      <p:cxnSp>
+        <p:nvCxnSpPr>
+          <p:cNvPr id="196" name="직선 화살표 연결선 195">
+            <a:extLst>
+              <a:ext uri="{FF2B5EF4-FFF2-40B4-BE49-F238E27FC236}">
+                <a16:creationId xmlns:a16="http://schemas.microsoft.com/office/drawing/2014/main" id="{49B34D37-9D37-4C46-BC21-96021D0D3796}"/>
+              </a:ext>
+            </a:extLst>
+          </p:cNvPr>
+          <p:cNvCxnSpPr>
+            <a:cxnSpLocks/>
+            <a:stCxn id="186" idx="0"/>
+            <a:endCxn id="194" idx="1"/>
+          </p:cNvCxnSpPr>
+          <p:nvPr/>
+        </p:nvCxnSpPr>
+        <p:spPr>
+          <a:xfrm>
+            <a:off x="7133493" y="2533712"/>
+            <a:ext cx="548821" cy="3848"/>
+          </a:xfrm>
+          <a:prstGeom prst="straightConnector1">
+            <a:avLst/>
+          </a:prstGeom>
+          <a:ln w="25400">
+            <a:solidFill>
+              <a:srgbClr val="5DA2C5"/>
+            </a:solidFill>
+            <a:headEnd type="triangle" w="lg" len="lg"/>
+            <a:tailEnd type="none" w="med" len="med"/>
+          </a:ln>
+        </p:spPr>
+        <p:style>
+          <a:lnRef idx="1">
+            <a:schemeClr val="accent1"/>
+          </a:lnRef>
+          <a:fillRef idx="0">
+            <a:schemeClr val="accent1"/>
+          </a:fillRef>
+          <a:effectRef idx="0">
+            <a:schemeClr val="accent1"/>
+          </a:effectRef>
+          <a:fontRef idx="minor">
+            <a:schemeClr val="tx1"/>
+          </a:fontRef>
+        </p:style>
+      </p:cxnSp>
+      <p:grpSp>
+        <p:nvGrpSpPr>
+          <p:cNvPr id="197" name="그룹 196">
+            <a:extLst>
+              <a:ext uri="{FF2B5EF4-FFF2-40B4-BE49-F238E27FC236}">
+                <a16:creationId xmlns:a16="http://schemas.microsoft.com/office/drawing/2014/main" id="{B01A7329-79F0-8040-A189-86E16086C475}"/>
+              </a:ext>
+            </a:extLst>
+          </p:cNvPr>
+          <p:cNvGrpSpPr/>
+          <p:nvPr/>
+        </p:nvGrpSpPr>
+        <p:grpSpPr>
+          <a:xfrm>
+            <a:off x="7697197" y="4023228"/>
+            <a:ext cx="1284311" cy="824631"/>
+            <a:chOff x="4600013" y="3092833"/>
+            <a:chExt cx="1284311" cy="824631"/>
+          </a:xfrm>
+        </p:grpSpPr>
+        <p:sp>
+          <p:nvSpPr>
+            <p:cNvPr id="198" name="직사각형 197">
+              <a:extLst>
+                <a:ext uri="{FF2B5EF4-FFF2-40B4-BE49-F238E27FC236}">
+                  <a16:creationId xmlns:a16="http://schemas.microsoft.com/office/drawing/2014/main" id="{556B29A7-E278-534E-9E20-F6C2F4CA71E8}"/>
+                </a:ext>
+              </a:extLst>
+            </p:cNvPr>
+            <p:cNvSpPr/>
+            <p:nvPr/>
+          </p:nvSpPr>
+          <p:spPr>
+            <a:xfrm>
+              <a:off x="4600013" y="3092833"/>
+              <a:ext cx="1277223" cy="824631"/>
+            </a:xfrm>
+            <a:prstGeom prst="rect">
+              <a:avLst/>
+            </a:prstGeom>
+            <a:ln w="25400">
+              <a:solidFill>
+                <a:srgbClr val="5DA2C5"/>
+              </a:solidFill>
+            </a:ln>
+          </p:spPr>
+          <p:style>
+            <a:lnRef idx="1">
+              <a:schemeClr val="accent1"/>
+            </a:lnRef>
+            <a:fillRef idx="0">
+              <a:schemeClr val="accent1"/>
+            </a:fillRef>
+            <a:effectRef idx="0">
+              <a:schemeClr val="accent1"/>
+            </a:effectRef>
+            <a:fontRef idx="minor">
+              <a:schemeClr val="tx1"/>
+            </a:fontRef>
+          </p:style>
+          <p:txBody>
+            <a:bodyPr rtlCol="0" anchor="ctr"/>
+            <a:lstStyle/>
+            <a:p>
+              <a:pPr algn="ctr"/>
+              <a:endParaRPr kumimoji="1" lang="ko-Kore-KR" altLang="en-US"/>
+            </a:p>
+          </p:txBody>
+        </p:sp>
+        <p:sp>
+          <p:nvSpPr>
+            <p:cNvPr id="199" name="TextBox 198">
+              <a:extLst>
+                <a:ext uri="{FF2B5EF4-FFF2-40B4-BE49-F238E27FC236}">
+                  <a16:creationId xmlns:a16="http://schemas.microsoft.com/office/drawing/2014/main" id="{3FA9CE39-9148-F846-8C4E-3604AEE8776C}"/>
+                </a:ext>
+              </a:extLst>
+            </p:cNvPr>
+            <p:cNvSpPr txBox="1"/>
+            <p:nvPr/>
+          </p:nvSpPr>
+          <p:spPr>
+            <a:xfrm>
+              <a:off x="4607101" y="3188921"/>
+              <a:ext cx="1277223" cy="646331"/>
+            </a:xfrm>
+            <a:prstGeom prst="rect">
+              <a:avLst/>
+            </a:prstGeom>
+            <a:noFill/>
+          </p:spPr>
+          <p:txBody>
+            <a:bodyPr wrap="square" rtlCol="0">
+              <a:spAutoFit/>
+            </a:bodyPr>
+            <a:lstStyle/>
+            <a:p>
+              <a:pPr algn="ctr"/>
+              <a:r>
+                <a:rPr kumimoji="1" lang="en-US" altLang="ko-Kore-KR" sz="1200" b="1" dirty="0">
+                  <a:solidFill>
+                    <a:srgbClr val="5DA2C5"/>
+                  </a:solidFill>
+                  <a:latin typeface="SHeadG" panose="02030600000101010101" pitchFamily="18" charset="-127"/>
+                  <a:ea typeface="SHeadG" panose="02030600000101010101" pitchFamily="18" charset="-127"/>
+                </a:rPr>
+                <a:t>External</a:t>
+              </a:r>
+            </a:p>
+            <a:p>
+              <a:pPr algn="ctr"/>
+              <a:r>
+                <a:rPr kumimoji="1" lang="en-US" altLang="ko-Kore-KR" sz="1200" b="1" dirty="0">
+                  <a:solidFill>
+                    <a:srgbClr val="5DA2C5"/>
+                  </a:solidFill>
+                  <a:latin typeface="SHeadG" panose="02030600000101010101" pitchFamily="18" charset="-127"/>
+                  <a:ea typeface="SHeadG" panose="02030600000101010101" pitchFamily="18" charset="-127"/>
+                </a:rPr>
+                <a:t>System</a:t>
+              </a:r>
+            </a:p>
+            <a:p>
+              <a:pPr algn="ctr"/>
+              <a:r>
+                <a:rPr kumimoji="1" lang="en-US" altLang="ko-Kore-KR" sz="1200" b="1" dirty="0">
+                  <a:solidFill>
+                    <a:srgbClr val="5DA2C5"/>
+                  </a:solidFill>
+                  <a:latin typeface="SHeadG" panose="02030600000101010101" pitchFamily="18" charset="-127"/>
+                  <a:ea typeface="SHeadG" panose="02030600000101010101" pitchFamily="18" charset="-127"/>
+                </a:rPr>
+                <a:t>Adapter</a:t>
+              </a:r>
+            </a:p>
+          </p:txBody>
+        </p:sp>
+      </p:grpSp>
+      <p:cxnSp>
+        <p:nvCxnSpPr>
+          <p:cNvPr id="200" name="직선 화살표 연결선 199">
+            <a:extLst>
+              <a:ext uri="{FF2B5EF4-FFF2-40B4-BE49-F238E27FC236}">
+                <a16:creationId xmlns:a16="http://schemas.microsoft.com/office/drawing/2014/main" id="{78E65231-3350-9943-871C-AC43BBDEE861}"/>
+              </a:ext>
+            </a:extLst>
+          </p:cNvPr>
+          <p:cNvCxnSpPr>
+            <a:cxnSpLocks/>
+            <a:stCxn id="184" idx="2"/>
+            <a:endCxn id="198" idx="1"/>
+          </p:cNvCxnSpPr>
+          <p:nvPr/>
+        </p:nvCxnSpPr>
+        <p:spPr>
+          <a:xfrm>
+            <a:off x="7160438" y="4435507"/>
+            <a:ext cx="536759" cy="37"/>
+          </a:xfrm>
+          <a:prstGeom prst="straightConnector1">
+            <a:avLst/>
+          </a:prstGeom>
+          <a:ln w="25400">
+            <a:solidFill>
+              <a:srgbClr val="5DA2C5"/>
+            </a:solidFill>
+            <a:headEnd type="triangle" w="lg" len="lg"/>
+            <a:tailEnd type="none" w="med" len="med"/>
+          </a:ln>
+        </p:spPr>
+        <p:style>
+          <a:lnRef idx="1">
+            <a:schemeClr val="accent1"/>
+          </a:lnRef>
+          <a:fillRef idx="0">
+            <a:schemeClr val="accent1"/>
+          </a:fillRef>
+          <a:effectRef idx="0">
+            <a:schemeClr val="accent1"/>
+          </a:effectRef>
+          <a:fontRef idx="minor">
+            <a:schemeClr val="tx1"/>
+          </a:fontRef>
+        </p:style>
+      </p:cxnSp>
+      <p:cxnSp>
+        <p:nvCxnSpPr>
+          <p:cNvPr id="201" name="직선 화살표 연결선 200">
+            <a:extLst>
+              <a:ext uri="{FF2B5EF4-FFF2-40B4-BE49-F238E27FC236}">
+                <a16:creationId xmlns:a16="http://schemas.microsoft.com/office/drawing/2014/main" id="{8FF3195F-7369-3B4F-AB14-49053CA5CA54}"/>
+              </a:ext>
+            </a:extLst>
+          </p:cNvPr>
+          <p:cNvCxnSpPr>
+            <a:cxnSpLocks/>
+            <a:endCxn id="156" idx="1"/>
+          </p:cNvCxnSpPr>
+          <p:nvPr/>
+        </p:nvCxnSpPr>
+        <p:spPr>
+          <a:xfrm>
+            <a:off x="4150271" y="4510772"/>
+            <a:ext cx="564912" cy="0"/>
+          </a:xfrm>
+          <a:prstGeom prst="straightConnector1">
+            <a:avLst/>
+          </a:prstGeom>
+          <a:ln w="25400">
+            <a:solidFill>
+              <a:srgbClr val="5DA2C5"/>
+            </a:solidFill>
+            <a:headEnd type="triangle" w="lg" len="lg"/>
+            <a:tailEnd type="none" w="med" len="med"/>
+          </a:ln>
+        </p:spPr>
+        <p:style>
+          <a:lnRef idx="1">
+            <a:schemeClr val="accent1"/>
+          </a:lnRef>
+          <a:fillRef idx="0">
+            <a:schemeClr val="accent1"/>
+          </a:fillRef>
+          <a:effectRef idx="0">
+            <a:schemeClr val="accent1"/>
+          </a:effectRef>
+          <a:fontRef idx="minor">
+            <a:schemeClr val="tx1"/>
+          </a:fontRef>
+        </p:style>
+      </p:cxnSp>
+      <p:cxnSp>
+        <p:nvCxnSpPr>
+          <p:cNvPr id="202" name="직선 화살표 연결선 201">
+            <a:extLst>
+              <a:ext uri="{FF2B5EF4-FFF2-40B4-BE49-F238E27FC236}">
+                <a16:creationId xmlns:a16="http://schemas.microsoft.com/office/drawing/2014/main" id="{8A44645D-5305-F548-BB0C-35FDCC280A17}"/>
+              </a:ext>
+            </a:extLst>
+          </p:cNvPr>
+          <p:cNvCxnSpPr>
+            <a:cxnSpLocks/>
+            <a:endCxn id="156" idx="3"/>
+          </p:cNvCxnSpPr>
+          <p:nvPr/>
+        </p:nvCxnSpPr>
+        <p:spPr>
+          <a:xfrm flipH="1">
+            <a:off x="6215755" y="4503608"/>
+            <a:ext cx="523125" cy="7164"/>
+          </a:xfrm>
+          <a:prstGeom prst="straightConnector1">
+            <a:avLst/>
+          </a:prstGeom>
+          <a:ln w="25400">
+            <a:solidFill>
+              <a:srgbClr val="5DA2C5"/>
+            </a:solidFill>
+            <a:headEnd type="stealth" w="lg" len="lg"/>
+            <a:tailEnd type="none" w="med" len="med"/>
+          </a:ln>
+        </p:spPr>
+        <p:style>
+          <a:lnRef idx="1">
+            <a:schemeClr val="accent1"/>
+          </a:lnRef>
+          <a:fillRef idx="0">
+            <a:schemeClr val="accent1"/>
+          </a:fillRef>
+          <a:effectRef idx="0">
+            <a:schemeClr val="accent1"/>
+          </a:effectRef>
+          <a:fontRef idx="minor">
+            <a:schemeClr val="tx1"/>
+          </a:fontRef>
+        </p:style>
+      </p:cxnSp>
+      <p:cxnSp>
+        <p:nvCxnSpPr>
+          <p:cNvPr id="203" name="직선 화살표 연결선 202">
+            <a:extLst>
+              <a:ext uri="{FF2B5EF4-FFF2-40B4-BE49-F238E27FC236}">
+                <a16:creationId xmlns:a16="http://schemas.microsoft.com/office/drawing/2014/main" id="{E7D323C5-62DD-904B-AE9E-E08C941BD6BB}"/>
+              </a:ext>
+            </a:extLst>
+          </p:cNvPr>
+          <p:cNvCxnSpPr>
+            <a:cxnSpLocks/>
+            <a:endCxn id="152" idx="3"/>
+          </p:cNvCxnSpPr>
+          <p:nvPr/>
+        </p:nvCxnSpPr>
+        <p:spPr>
+          <a:xfrm flipH="1" flipV="1">
+            <a:off x="6215755" y="2347188"/>
+            <a:ext cx="471206" cy="7205"/>
+          </a:xfrm>
+          <a:prstGeom prst="straightConnector1">
+            <a:avLst/>
+          </a:prstGeom>
+          <a:ln w="25400">
+            <a:solidFill>
+              <a:srgbClr val="5DA2C5"/>
+            </a:solidFill>
+            <a:headEnd type="stealth" w="lg" len="lg"/>
+            <a:tailEnd type="none" w="med" len="med"/>
+          </a:ln>
+        </p:spPr>
+        <p:style>
+          <a:lnRef idx="1">
+            <a:schemeClr val="accent1"/>
+          </a:lnRef>
+          <a:fillRef idx="0">
+            <a:schemeClr val="accent1"/>
+          </a:fillRef>
+          <a:effectRef idx="0">
+            <a:schemeClr val="accent1"/>
+          </a:effectRef>
+          <a:fontRef idx="minor">
+            <a:schemeClr val="tx1"/>
+          </a:fontRef>
+        </p:style>
+      </p:cxnSp>
+      <p:cxnSp>
+        <p:nvCxnSpPr>
+          <p:cNvPr id="204" name="직선 화살표 연결선 203">
+            <a:extLst>
+              <a:ext uri="{FF2B5EF4-FFF2-40B4-BE49-F238E27FC236}">
+                <a16:creationId xmlns:a16="http://schemas.microsoft.com/office/drawing/2014/main" id="{29D7745F-3F47-1D4F-9441-9AA8732D5628}"/>
+              </a:ext>
+            </a:extLst>
+          </p:cNvPr>
+          <p:cNvCxnSpPr>
+            <a:cxnSpLocks/>
+          </p:cNvCxnSpPr>
+          <p:nvPr/>
+        </p:nvCxnSpPr>
+        <p:spPr>
+          <a:xfrm>
+            <a:off x="4212771" y="2399020"/>
+            <a:ext cx="512566" cy="0"/>
+          </a:xfrm>
+          <a:prstGeom prst="straightConnector1">
+            <a:avLst/>
+          </a:prstGeom>
+          <a:ln w="25400">
+            <a:solidFill>
+              <a:srgbClr val="5DA2C5"/>
+            </a:solidFill>
+            <a:headEnd type="triangle" w="lg" len="lg"/>
+            <a:tailEnd type="none" w="med" len="med"/>
+          </a:ln>
+        </p:spPr>
+        <p:style>
+          <a:lnRef idx="1">
+            <a:schemeClr val="accent1"/>
+          </a:lnRef>
+          <a:fillRef idx="0">
+            <a:schemeClr val="accent1"/>
+          </a:fillRef>
+          <a:effectRef idx="0">
+            <a:schemeClr val="accent1"/>
+          </a:effectRef>
+          <a:fontRef idx="minor">
+            <a:schemeClr val="tx1"/>
+          </a:fontRef>
+        </p:style>
+      </p:cxnSp>
+      <p:grpSp>
+        <p:nvGrpSpPr>
+          <p:cNvPr id="205" name="그룹 204">
+            <a:extLst>
+              <a:ext uri="{FF2B5EF4-FFF2-40B4-BE49-F238E27FC236}">
+                <a16:creationId xmlns:a16="http://schemas.microsoft.com/office/drawing/2014/main" id="{379964D8-BF4F-9847-AC27-F7DAB88EACE6}"/>
+              </a:ext>
+            </a:extLst>
+          </p:cNvPr>
+          <p:cNvGrpSpPr/>
+          <p:nvPr/>
+        </p:nvGrpSpPr>
+        <p:grpSpPr>
+          <a:xfrm>
+            <a:off x="1800219" y="220590"/>
+            <a:ext cx="7164810" cy="907310"/>
+            <a:chOff x="3737640" y="1066800"/>
+            <a:chExt cx="1408101" cy="539735"/>
+          </a:xfrm>
+        </p:grpSpPr>
+        <p:sp>
+          <p:nvSpPr>
+            <p:cNvPr id="206" name="직사각형 205">
+              <a:extLst>
+                <a:ext uri="{FF2B5EF4-FFF2-40B4-BE49-F238E27FC236}">
+                  <a16:creationId xmlns:a16="http://schemas.microsoft.com/office/drawing/2014/main" id="{55E3C2C9-95DB-2E47-8670-7B05097FB654}"/>
+                </a:ext>
+              </a:extLst>
+            </p:cNvPr>
+            <p:cNvSpPr/>
+            <p:nvPr/>
+          </p:nvSpPr>
+          <p:spPr>
+            <a:xfrm>
+              <a:off x="3737640" y="1066800"/>
+              <a:ext cx="1408101" cy="539735"/>
+            </a:xfrm>
+            <a:prstGeom prst="rect">
+              <a:avLst/>
+            </a:prstGeom>
+            <a:ln w="25400">
+              <a:solidFill>
+                <a:srgbClr val="5DA2C5"/>
+              </a:solidFill>
+            </a:ln>
+          </p:spPr>
+          <p:style>
+            <a:lnRef idx="1">
+              <a:schemeClr val="accent1"/>
+            </a:lnRef>
+            <a:fillRef idx="0">
+              <a:schemeClr val="accent1"/>
+            </a:fillRef>
+            <a:effectRef idx="0">
+              <a:schemeClr val="accent1"/>
+            </a:effectRef>
+            <a:fontRef idx="minor">
+              <a:schemeClr val="tx1"/>
+            </a:fontRef>
+          </p:style>
+          <p:txBody>
+            <a:bodyPr rtlCol="0" anchor="ctr"/>
+            <a:lstStyle/>
+            <a:p>
+              <a:pPr algn="ctr"/>
+              <a:endParaRPr kumimoji="1" lang="ko-Kore-KR" altLang="en-US"/>
+            </a:p>
+          </p:txBody>
+        </p:sp>
+        <p:sp>
+          <p:nvSpPr>
+            <p:cNvPr id="207" name="TextBox 206">
+              <a:extLst>
+                <a:ext uri="{FF2B5EF4-FFF2-40B4-BE49-F238E27FC236}">
+                  <a16:creationId xmlns:a16="http://schemas.microsoft.com/office/drawing/2014/main" id="{907DFD2B-708E-E94E-A181-9583304B287C}"/>
+                </a:ext>
+              </a:extLst>
+            </p:cNvPr>
+            <p:cNvSpPr txBox="1"/>
+            <p:nvPr/>
+          </p:nvSpPr>
+          <p:spPr>
+            <a:xfrm>
+              <a:off x="3737640" y="1249944"/>
+              <a:ext cx="1408101" cy="276999"/>
+            </a:xfrm>
+            <a:prstGeom prst="rect">
+              <a:avLst/>
+            </a:prstGeom>
+            <a:noFill/>
+          </p:spPr>
+          <p:txBody>
+            <a:bodyPr wrap="square" rtlCol="0">
+              <a:spAutoFit/>
+            </a:bodyPr>
+            <a:lstStyle/>
+            <a:p>
+              <a:pPr algn="ctr"/>
+              <a:r>
+                <a:rPr kumimoji="1" lang="en-US" altLang="ko-Kore-KR" sz="1200" b="1" dirty="0">
+                  <a:solidFill>
+                    <a:srgbClr val="5DA2C5"/>
+                  </a:solidFill>
+                  <a:latin typeface="SHeadG" panose="02030600000101010101" pitchFamily="18" charset="-127"/>
+                  <a:ea typeface="SHeadG" panose="02030600000101010101" pitchFamily="18" charset="-127"/>
+                </a:rPr>
+                <a:t>Configuration Component</a:t>
+              </a:r>
+              <a:endParaRPr kumimoji="1" lang="ko-Kore-KR" altLang="en-US" sz="1200" b="1" dirty="0">
+                <a:solidFill>
+                  <a:srgbClr val="5DA2C5"/>
+                </a:solidFill>
+                <a:latin typeface="SHeadG" panose="02030600000101010101" pitchFamily="18" charset="-127"/>
+                <a:ea typeface="SHeadG" panose="02030600000101010101" pitchFamily="18" charset="-127"/>
+              </a:endParaRPr>
+            </a:p>
+          </p:txBody>
+        </p:sp>
+      </p:grpSp>
+      <p:cxnSp>
+        <p:nvCxnSpPr>
+          <p:cNvPr id="208" name="직선 화살표 연결선 207">
+            <a:extLst>
+              <a:ext uri="{FF2B5EF4-FFF2-40B4-BE49-F238E27FC236}">
+                <a16:creationId xmlns:a16="http://schemas.microsoft.com/office/drawing/2014/main" id="{46274237-41AA-0C43-8124-ED9329061F62}"/>
+              </a:ext>
+            </a:extLst>
+          </p:cNvPr>
+          <p:cNvCxnSpPr>
+            <a:cxnSpLocks/>
+            <a:endCxn id="206" idx="2"/>
+          </p:cNvCxnSpPr>
+          <p:nvPr/>
+        </p:nvCxnSpPr>
+        <p:spPr>
+          <a:xfrm flipV="1">
+            <a:off x="5382624" y="1127900"/>
+            <a:ext cx="0" cy="570637"/>
+          </a:xfrm>
+          <a:prstGeom prst="straightConnector1">
+            <a:avLst/>
+          </a:prstGeom>
+          <a:ln w="25400">
+            <a:solidFill>
+              <a:srgbClr val="5DA2C5"/>
+            </a:solidFill>
+            <a:headEnd type="triangle" w="lg" len="lg"/>
+            <a:tailEnd type="none" w="med" len="med"/>
+          </a:ln>
+        </p:spPr>
+        <p:style>
+          <a:lnRef idx="1">
+            <a:schemeClr val="accent1"/>
+          </a:lnRef>
+          <a:fillRef idx="0">
+            <a:schemeClr val="accent1"/>
+          </a:fillRef>
+          <a:effectRef idx="0">
+            <a:schemeClr val="accent1"/>
+          </a:effectRef>
+          <a:fontRef idx="minor">
+            <a:schemeClr val="tx1"/>
+          </a:fontRef>
+        </p:style>
+      </p:cxnSp>
+      <p:cxnSp>
+        <p:nvCxnSpPr>
+          <p:cNvPr id="209" name="꺾인 연결선[E] 208">
+            <a:extLst>
+              <a:ext uri="{FF2B5EF4-FFF2-40B4-BE49-F238E27FC236}">
+                <a16:creationId xmlns:a16="http://schemas.microsoft.com/office/drawing/2014/main" id="{C88DF23E-A9E7-BC4A-AEE4-0880800D1805}"/>
+              </a:ext>
+            </a:extLst>
+          </p:cNvPr>
+          <p:cNvCxnSpPr>
+            <a:cxnSpLocks/>
+            <a:stCxn id="207" idx="1"/>
+            <a:endCxn id="161" idx="1"/>
+          </p:cNvCxnSpPr>
+          <p:nvPr/>
+        </p:nvCxnSpPr>
+        <p:spPr>
+          <a:xfrm rot="10800000" flipV="1">
+            <a:off x="1800219" y="761282"/>
+            <a:ext cx="12700" cy="1776238"/>
+          </a:xfrm>
+          <a:prstGeom prst="bentConnector3">
+            <a:avLst>
+              <a:gd name="adj1" fmla="val 1800000"/>
+            </a:avLst>
+          </a:prstGeom>
+          <a:ln w="25400">
+            <a:solidFill>
+              <a:srgbClr val="5DA2C5"/>
+            </a:solidFill>
+            <a:tailEnd type="stealth" w="lg" len="lg"/>
+          </a:ln>
+        </p:spPr>
+        <p:style>
+          <a:lnRef idx="1">
+            <a:schemeClr val="accent1"/>
+          </a:lnRef>
+          <a:fillRef idx="0">
+            <a:schemeClr val="accent1"/>
+          </a:fillRef>
+          <a:effectRef idx="0">
+            <a:schemeClr val="accent1"/>
+          </a:effectRef>
+          <a:fontRef idx="minor">
+            <a:schemeClr val="tx1"/>
+          </a:fontRef>
+        </p:style>
+      </p:cxnSp>
+      <p:cxnSp>
+        <p:nvCxnSpPr>
+          <p:cNvPr id="210" name="꺾인 연결선[E] 209">
+            <a:extLst>
+              <a:ext uri="{FF2B5EF4-FFF2-40B4-BE49-F238E27FC236}">
+                <a16:creationId xmlns:a16="http://schemas.microsoft.com/office/drawing/2014/main" id="{A25F2E2B-8956-A942-B6FE-EFB4A67C24EB}"/>
+              </a:ext>
+            </a:extLst>
+          </p:cNvPr>
+          <p:cNvCxnSpPr>
+            <a:cxnSpLocks/>
+            <a:endCxn id="191" idx="1"/>
+          </p:cNvCxnSpPr>
+          <p:nvPr/>
+        </p:nvCxnSpPr>
+        <p:spPr>
+          <a:xfrm rot="10800000" flipV="1">
+            <a:off x="1807309" y="503704"/>
+            <a:ext cx="5611" cy="3964813"/>
+          </a:xfrm>
+          <a:prstGeom prst="bentConnector3">
+            <a:avLst>
+              <a:gd name="adj1" fmla="val 7860274"/>
+            </a:avLst>
+          </a:prstGeom>
+          <a:ln w="25400">
+            <a:solidFill>
+              <a:srgbClr val="5DA2C5"/>
+            </a:solidFill>
+            <a:tailEnd type="stealth" w="lg" len="lg"/>
+          </a:ln>
+        </p:spPr>
+        <p:style>
+          <a:lnRef idx="1">
+            <a:schemeClr val="accent1"/>
+          </a:lnRef>
+          <a:fillRef idx="0">
+            <a:schemeClr val="accent1"/>
+          </a:fillRef>
+          <a:effectRef idx="0">
+            <a:schemeClr val="accent1"/>
+          </a:effectRef>
+          <a:fontRef idx="minor">
+            <a:schemeClr val="tx1"/>
+          </a:fontRef>
+        </p:style>
+      </p:cxnSp>
+      <p:cxnSp>
+        <p:nvCxnSpPr>
+          <p:cNvPr id="211" name="꺾인 연결선[E] 210">
+            <a:extLst>
+              <a:ext uri="{FF2B5EF4-FFF2-40B4-BE49-F238E27FC236}">
+                <a16:creationId xmlns:a16="http://schemas.microsoft.com/office/drawing/2014/main" id="{46D1B5F7-1CCD-5744-8CB5-2DF950A85C26}"/>
+              </a:ext>
+            </a:extLst>
+          </p:cNvPr>
+          <p:cNvCxnSpPr>
+            <a:cxnSpLocks/>
+            <a:stCxn id="207" idx="3"/>
+            <a:endCxn id="195" idx="3"/>
+          </p:cNvCxnSpPr>
+          <p:nvPr/>
+        </p:nvCxnSpPr>
+        <p:spPr>
+          <a:xfrm flipH="1">
+            <a:off x="8959538" y="761282"/>
+            <a:ext cx="5491" cy="1790263"/>
+          </a:xfrm>
+          <a:prstGeom prst="bentConnector3">
+            <a:avLst>
+              <a:gd name="adj1" fmla="val -4163176"/>
+            </a:avLst>
+          </a:prstGeom>
+          <a:ln w="25400">
+            <a:solidFill>
+              <a:srgbClr val="5DA2C5"/>
+            </a:solidFill>
+            <a:tailEnd type="stealth" w="lg" len="lg"/>
+          </a:ln>
+        </p:spPr>
+        <p:style>
+          <a:lnRef idx="1">
+            <a:schemeClr val="accent1"/>
+          </a:lnRef>
+          <a:fillRef idx="0">
+            <a:schemeClr val="accent1"/>
+          </a:fillRef>
+          <a:effectRef idx="0">
+            <a:schemeClr val="accent1"/>
+          </a:effectRef>
+          <a:fontRef idx="minor">
+            <a:schemeClr val="tx1"/>
+          </a:fontRef>
+        </p:style>
+      </p:cxnSp>
+      <p:cxnSp>
+        <p:nvCxnSpPr>
+          <p:cNvPr id="212" name="꺾인 연결선[E] 211">
+            <a:extLst>
+              <a:ext uri="{FF2B5EF4-FFF2-40B4-BE49-F238E27FC236}">
+                <a16:creationId xmlns:a16="http://schemas.microsoft.com/office/drawing/2014/main" id="{D133B5D3-4A25-254C-B5EC-8BEA6553FB41}"/>
+              </a:ext>
+            </a:extLst>
+          </p:cNvPr>
+          <p:cNvCxnSpPr>
+            <a:cxnSpLocks/>
+            <a:endCxn id="199" idx="3"/>
+          </p:cNvCxnSpPr>
+          <p:nvPr/>
+        </p:nvCxnSpPr>
+        <p:spPr>
+          <a:xfrm>
+            <a:off x="8959537" y="528460"/>
+            <a:ext cx="21971" cy="3914022"/>
+          </a:xfrm>
+          <a:prstGeom prst="bentConnector3">
+            <a:avLst>
+              <a:gd name="adj1" fmla="val 2081831"/>
+            </a:avLst>
+          </a:prstGeom>
+          <a:ln w="25400">
+            <a:solidFill>
+              <a:srgbClr val="5DA2C5"/>
+            </a:solidFill>
+            <a:tailEnd type="stealth" w="lg" len="lg"/>
+          </a:ln>
+        </p:spPr>
+        <p:style>
+          <a:lnRef idx="1">
+            <a:schemeClr val="accent1"/>
+          </a:lnRef>
+          <a:fillRef idx="0">
+            <a:schemeClr val="accent1"/>
+          </a:fillRef>
+          <a:effectRef idx="0">
+            <a:schemeClr val="accent1"/>
+          </a:effectRef>
+          <a:fontRef idx="minor">
+            <a:schemeClr val="tx1"/>
+          </a:fontRef>
+        </p:style>
+      </p:cxnSp>
+    </p:spTree>
+    <p:extLst>
+      <p:ext uri="{BB962C8B-B14F-4D97-AF65-F5344CB8AC3E}">
+        <p14:creationId xmlns:p14="http://schemas.microsoft.com/office/powerpoint/2010/main" val="3184860217"/>
       </p:ext>
     </p:extLst>
   </p:cSld>
